--- a/Cloud Computing/Paper review/3. Ernest/22.11.22_Ernest_SoheeKim.pptx
+++ b/Cloud Computing/Paper review/3. Ernest/22.11.22_Ernest_SoheeKim.pptx
@@ -1940,7 +1940,7 @@
   <pc:docChgLst>
     <pc:chgData name="김소희" userId="292a1162-0793-4577-a94d-2dae0dfa5995" providerId="ADAL" clId="{0FCCC188-AAE5-4E7B-9D03-247A687AEAF8}"/>
     <pc:docChg chg="undo custSel addSld delSld modSld modMainMaster">
-      <pc:chgData name="김소희" userId="292a1162-0793-4577-a94d-2dae0dfa5995" providerId="ADAL" clId="{0FCCC188-AAE5-4E7B-9D03-247A687AEAF8}" dt="2022-11-15T08:58:47.306" v="1677" actId="20577"/>
+      <pc:chgData name="김소희" userId="292a1162-0793-4577-a94d-2dae0dfa5995" providerId="ADAL" clId="{0FCCC188-AAE5-4E7B-9D03-247A687AEAF8}" dt="2022-11-16T13:02:40.983" v="1678" actId="1076"/>
       <pc:docMkLst>
         <pc:docMk/>
       </pc:docMkLst>
@@ -2726,7 +2726,7 @@
         </pc:sldMkLst>
       </pc:sldChg>
       <pc:sldChg chg="addSp delSp modSp add mod modNotesTx">
-        <pc:chgData name="김소희" userId="292a1162-0793-4577-a94d-2dae0dfa5995" providerId="ADAL" clId="{0FCCC188-AAE5-4E7B-9D03-247A687AEAF8}" dt="2022-11-15T08:04:09.646" v="964" actId="1076"/>
+        <pc:chgData name="김소희" userId="292a1162-0793-4577-a94d-2dae0dfa5995" providerId="ADAL" clId="{0FCCC188-AAE5-4E7B-9D03-247A687AEAF8}" dt="2022-11-16T13:02:40.983" v="1678" actId="1076"/>
         <pc:sldMkLst>
           <pc:docMk/>
           <pc:sldMk cId="1308601588" sldId="296"/>
@@ -2828,7 +2828,7 @@
           </ac:picMkLst>
         </pc:picChg>
         <pc:picChg chg="add mod">
-          <ac:chgData name="김소희" userId="292a1162-0793-4577-a94d-2dae0dfa5995" providerId="ADAL" clId="{0FCCC188-AAE5-4E7B-9D03-247A687AEAF8}" dt="2022-11-15T08:04:07.210" v="963" actId="1076"/>
+          <ac:chgData name="김소희" userId="292a1162-0793-4577-a94d-2dae0dfa5995" providerId="ADAL" clId="{0FCCC188-AAE5-4E7B-9D03-247A687AEAF8}" dt="2022-11-16T13:02:40.983" v="1678" actId="1076"/>
           <ac:picMkLst>
             <pc:docMk/>
             <pc:sldMk cId="1308601588" sldId="296"/>
@@ -3293,6 +3293,3305 @@
           </ac:picMkLst>
         </pc:picChg>
       </pc:sldChg>
+    </pc:docChg>
+  </pc:docChgLst>
+  <pc:docChgLst>
+    <pc:chgData name="김소희" userId="292a1162-0793-4577-a94d-2dae0dfa5995" providerId="ADAL" clId="{56FB9BA8-8618-469E-B881-B7E5EAC1530C}"/>
+    <pc:docChg chg="undo custSel addSld modSld sldOrd modMainMaster">
+      <pc:chgData name="김소희" userId="292a1162-0793-4577-a94d-2dae0dfa5995" providerId="ADAL" clId="{56FB9BA8-8618-469E-B881-B7E5EAC1530C}" dt="2022-07-19T05:43:20.955" v="15316" actId="20577"/>
+      <pc:docMkLst>
+        <pc:docMk/>
+      </pc:docMkLst>
+      <pc:sldChg chg="modSp mod">
+        <pc:chgData name="김소희" userId="292a1162-0793-4577-a94d-2dae0dfa5995" providerId="ADAL" clId="{56FB9BA8-8618-469E-B881-B7E5EAC1530C}" dt="2022-07-16T16:55:23.235" v="6641" actId="113"/>
+        <pc:sldMkLst>
+          <pc:docMk/>
+          <pc:sldMk cId="158654813" sldId="256"/>
+        </pc:sldMkLst>
+        <pc:spChg chg="mod">
+          <ac:chgData name="김소희" userId="292a1162-0793-4577-a94d-2dae0dfa5995" providerId="ADAL" clId="{56FB9BA8-8618-469E-B881-B7E5EAC1530C}" dt="2022-07-16T16:55:23.235" v="6641" actId="113"/>
+          <ac:spMkLst>
+            <pc:docMk/>
+            <pc:sldMk cId="158654813" sldId="256"/>
+            <ac:spMk id="2" creationId="{D42C8D01-1348-904F-A28E-FB1F05F50B66}"/>
+          </ac:spMkLst>
+        </pc:spChg>
+      </pc:sldChg>
+      <pc:sldChg chg="addSp delSp modSp mod modNotesTx">
+        <pc:chgData name="김소희" userId="292a1162-0793-4577-a94d-2dae0dfa5995" providerId="ADAL" clId="{56FB9BA8-8618-469E-B881-B7E5EAC1530C}" dt="2022-07-17T12:27:12.652" v="7259" actId="20577"/>
+        <pc:sldMkLst>
+          <pc:docMk/>
+          <pc:sldMk cId="1064256564" sldId="257"/>
+        </pc:sldMkLst>
+        <pc:spChg chg="add mod">
+          <ac:chgData name="김소희" userId="292a1162-0793-4577-a94d-2dae0dfa5995" providerId="ADAL" clId="{56FB9BA8-8618-469E-B881-B7E5EAC1530C}" dt="2022-07-16T08:31:39.259" v="1367" actId="207"/>
+          <ac:spMkLst>
+            <pc:docMk/>
+            <pc:sldMk cId="1064256564" sldId="257"/>
+            <ac:spMk id="4" creationId="{23D46D21-7D87-A5C5-3A16-F43F451EE6D6}"/>
+          </ac:spMkLst>
+        </pc:spChg>
+        <pc:spChg chg="mod">
+          <ac:chgData name="김소희" userId="292a1162-0793-4577-a94d-2dae0dfa5995" providerId="ADAL" clId="{56FB9BA8-8618-469E-B881-B7E5EAC1530C}" dt="2022-07-17T12:27:12.652" v="7259" actId="20577"/>
+          <ac:spMkLst>
+            <pc:docMk/>
+            <pc:sldMk cId="1064256564" sldId="257"/>
+            <ac:spMk id="6" creationId="{2188782E-44BF-062E-224B-C021A5C826FC}"/>
+          </ac:spMkLst>
+        </pc:spChg>
+        <pc:spChg chg="del mod">
+          <ac:chgData name="김소희" userId="292a1162-0793-4577-a94d-2dae0dfa5995" providerId="ADAL" clId="{56FB9BA8-8618-469E-B881-B7E5EAC1530C}" dt="2022-07-16T08:26:10.230" v="1075" actId="478"/>
+          <ac:spMkLst>
+            <pc:docMk/>
+            <pc:sldMk cId="1064256564" sldId="257"/>
+            <ac:spMk id="8" creationId="{91C6AC31-B2E0-521A-F2DE-468A37F39761}"/>
+          </ac:spMkLst>
+        </pc:spChg>
+        <pc:spChg chg="add del mod">
+          <ac:chgData name="김소희" userId="292a1162-0793-4577-a94d-2dae0dfa5995" providerId="ADAL" clId="{56FB9BA8-8618-469E-B881-B7E5EAC1530C}" dt="2022-07-16T08:30:37.383" v="1361" actId="478"/>
+          <ac:spMkLst>
+            <pc:docMk/>
+            <pc:sldMk cId="1064256564" sldId="257"/>
+            <ac:spMk id="10" creationId="{0BC09C1D-47E9-8980-4D0D-1F639EC5333B}"/>
+          </ac:spMkLst>
+        </pc:spChg>
+        <pc:spChg chg="add mod">
+          <ac:chgData name="김소희" userId="292a1162-0793-4577-a94d-2dae0dfa5995" providerId="ADAL" clId="{56FB9BA8-8618-469E-B881-B7E5EAC1530C}" dt="2022-07-16T08:30:28.806" v="1359" actId="14100"/>
+          <ac:spMkLst>
+            <pc:docMk/>
+            <pc:sldMk cId="1064256564" sldId="257"/>
+            <ac:spMk id="13" creationId="{174246C5-3CB0-4EE1-338B-F486C3F74F8D}"/>
+          </ac:spMkLst>
+        </pc:spChg>
+        <pc:picChg chg="del mod">
+          <ac:chgData name="김소희" userId="292a1162-0793-4577-a94d-2dae0dfa5995" providerId="ADAL" clId="{56FB9BA8-8618-469E-B881-B7E5EAC1530C}" dt="2022-07-16T08:26:10.230" v="1075" actId="478"/>
+          <ac:picMkLst>
+            <pc:docMk/>
+            <pc:sldMk cId="1064256564" sldId="257"/>
+            <ac:picMk id="12" creationId="{848F1558-F4DC-3F98-DD5D-BEE130F52286}"/>
+          </ac:picMkLst>
+        </pc:picChg>
+        <pc:picChg chg="add mod">
+          <ac:chgData name="김소희" userId="292a1162-0793-4577-a94d-2dae0dfa5995" providerId="ADAL" clId="{56FB9BA8-8618-469E-B881-B7E5EAC1530C}" dt="2022-07-16T08:28:53.073" v="1274" actId="1076"/>
+          <ac:picMkLst>
+            <pc:docMk/>
+            <pc:sldMk cId="1064256564" sldId="257"/>
+            <ac:picMk id="1026" creationId="{082B6978-1040-2636-ECB5-72C25D649201}"/>
+          </ac:picMkLst>
+        </pc:picChg>
+      </pc:sldChg>
+      <pc:sldChg chg="addSp delSp modSp add mod modNotesTx">
+        <pc:chgData name="김소희" userId="292a1162-0793-4577-a94d-2dae0dfa5995" providerId="ADAL" clId="{56FB9BA8-8618-469E-B881-B7E5EAC1530C}" dt="2022-07-16T09:04:12.262" v="1882" actId="20577"/>
+        <pc:sldMkLst>
+          <pc:docMk/>
+          <pc:sldMk cId="2351987689" sldId="258"/>
+        </pc:sldMkLst>
+        <pc:spChg chg="mod">
+          <ac:chgData name="김소희" userId="292a1162-0793-4577-a94d-2dae0dfa5995" providerId="ADAL" clId="{56FB9BA8-8618-469E-B881-B7E5EAC1530C}" dt="2022-07-16T08:30:49.384" v="1364" actId="14100"/>
+          <ac:spMkLst>
+            <pc:docMk/>
+            <pc:sldMk cId="2351987689" sldId="258"/>
+            <ac:spMk id="6" creationId="{2188782E-44BF-062E-224B-C021A5C826FC}"/>
+          </ac:spMkLst>
+        </pc:spChg>
+        <pc:spChg chg="del">
+          <ac:chgData name="김소희" userId="292a1162-0793-4577-a94d-2dae0dfa5995" providerId="ADAL" clId="{56FB9BA8-8618-469E-B881-B7E5EAC1530C}" dt="2022-07-16T08:20:29.194" v="731" actId="478"/>
+          <ac:spMkLst>
+            <pc:docMk/>
+            <pc:sldMk cId="2351987689" sldId="258"/>
+            <ac:spMk id="8" creationId="{91C6AC31-B2E0-521A-F2DE-468A37F39761}"/>
+          </ac:spMkLst>
+        </pc:spChg>
+        <pc:spChg chg="del mod">
+          <ac:chgData name="김소희" userId="292a1162-0793-4577-a94d-2dae0dfa5995" providerId="ADAL" clId="{56FB9BA8-8618-469E-B881-B7E5EAC1530C}" dt="2022-07-16T08:22:50.756" v="865" actId="478"/>
+          <ac:spMkLst>
+            <pc:docMk/>
+            <pc:sldMk cId="2351987689" sldId="258"/>
+            <ac:spMk id="10" creationId="{0BC09C1D-47E9-8980-4D0D-1F639EC5333B}"/>
+          </ac:spMkLst>
+        </pc:spChg>
+        <pc:spChg chg="add mod">
+          <ac:chgData name="김소희" userId="292a1162-0793-4577-a94d-2dae0dfa5995" providerId="ADAL" clId="{56FB9BA8-8618-469E-B881-B7E5EAC1530C}" dt="2022-07-16T08:26:03.472" v="1074" actId="12"/>
+          <ac:spMkLst>
+            <pc:docMk/>
+            <pc:sldMk cId="2351987689" sldId="258"/>
+            <ac:spMk id="11" creationId="{5481EF30-FFA6-F378-2E64-2114E0FFA5EF}"/>
+          </ac:spMkLst>
+        </pc:spChg>
+        <pc:spChg chg="add mod">
+          <ac:chgData name="김소희" userId="292a1162-0793-4577-a94d-2dae0dfa5995" providerId="ADAL" clId="{56FB9BA8-8618-469E-B881-B7E5EAC1530C}" dt="2022-07-16T08:50:44.709" v="1638" actId="12"/>
+          <ac:spMkLst>
+            <pc:docMk/>
+            <pc:sldMk cId="2351987689" sldId="258"/>
+            <ac:spMk id="13" creationId="{05BC5614-7DFD-FAE5-2BEB-AF2F6A47D423}"/>
+          </ac:spMkLst>
+        </pc:spChg>
+        <pc:picChg chg="del">
+          <ac:chgData name="김소희" userId="292a1162-0793-4577-a94d-2dae0dfa5995" providerId="ADAL" clId="{56FB9BA8-8618-469E-B881-B7E5EAC1530C}" dt="2022-07-16T08:20:28.095" v="730" actId="478"/>
+          <ac:picMkLst>
+            <pc:docMk/>
+            <pc:sldMk cId="2351987689" sldId="258"/>
+            <ac:picMk id="12" creationId="{848F1558-F4DC-3F98-DD5D-BEE130F52286}"/>
+          </ac:picMkLst>
+        </pc:picChg>
+        <pc:picChg chg="add mod">
+          <ac:chgData name="김소희" userId="292a1162-0793-4577-a94d-2dae0dfa5995" providerId="ADAL" clId="{56FB9BA8-8618-469E-B881-B7E5EAC1530C}" dt="2022-07-16T08:25:46.015" v="1070"/>
+          <ac:picMkLst>
+            <pc:docMk/>
+            <pc:sldMk cId="2351987689" sldId="258"/>
+            <ac:picMk id="14" creationId="{3550B59F-30E4-08DC-0645-D07F8750CACD}"/>
+          </ac:picMkLst>
+        </pc:picChg>
+        <pc:picChg chg="del">
+          <ac:chgData name="김소희" userId="292a1162-0793-4577-a94d-2dae0dfa5995" providerId="ADAL" clId="{56FB9BA8-8618-469E-B881-B7E5EAC1530C}" dt="2022-07-16T08:20:27.555" v="729" actId="478"/>
+          <ac:picMkLst>
+            <pc:docMk/>
+            <pc:sldMk cId="2351987689" sldId="258"/>
+            <ac:picMk id="1026" creationId="{082B6978-1040-2636-ECB5-72C25D649201}"/>
+          </ac:picMkLst>
+        </pc:picChg>
+      </pc:sldChg>
+      <pc:sldChg chg="addSp delSp modSp add mod modNotesTx">
+        <pc:chgData name="김소희" userId="292a1162-0793-4577-a94d-2dae0dfa5995" providerId="ADAL" clId="{56FB9BA8-8618-469E-B881-B7E5EAC1530C}" dt="2022-07-16T16:42:24.003" v="6221" actId="1035"/>
+        <pc:sldMkLst>
+          <pc:docMk/>
+          <pc:sldMk cId="2540614236" sldId="259"/>
+        </pc:sldMkLst>
+        <pc:spChg chg="mod">
+          <ac:chgData name="김소희" userId="292a1162-0793-4577-a94d-2dae0dfa5995" providerId="ADAL" clId="{56FB9BA8-8618-469E-B881-B7E5EAC1530C}" dt="2022-07-16T08:31:55.418" v="1382" actId="20577"/>
+          <ac:spMkLst>
+            <pc:docMk/>
+            <pc:sldMk cId="2540614236" sldId="259"/>
+            <ac:spMk id="2" creationId="{5C386871-B092-6B43-A8DA-B84A6CCCC7F5}"/>
+          </ac:spMkLst>
+        </pc:spChg>
+        <pc:spChg chg="add mod">
+          <ac:chgData name="김소희" userId="292a1162-0793-4577-a94d-2dae0dfa5995" providerId="ADAL" clId="{56FB9BA8-8618-469E-B881-B7E5EAC1530C}" dt="2022-07-16T13:45:59.286" v="4654" actId="164"/>
+          <ac:spMkLst>
+            <pc:docMk/>
+            <pc:sldMk cId="2540614236" sldId="259"/>
+            <ac:spMk id="5" creationId="{24DA0997-B92A-747D-4206-9DEFB0356AFD}"/>
+          </ac:spMkLst>
+        </pc:spChg>
+        <pc:spChg chg="mod">
+          <ac:chgData name="김소희" userId="292a1162-0793-4577-a94d-2dae0dfa5995" providerId="ADAL" clId="{56FB9BA8-8618-469E-B881-B7E5EAC1530C}" dt="2022-07-16T09:28:09.859" v="2552" actId="12"/>
+          <ac:spMkLst>
+            <pc:docMk/>
+            <pc:sldMk cId="2540614236" sldId="259"/>
+            <ac:spMk id="6" creationId="{2188782E-44BF-062E-224B-C021A5C826FC}"/>
+          </ac:spMkLst>
+        </pc:spChg>
+        <pc:spChg chg="add mod">
+          <ac:chgData name="김소희" userId="292a1162-0793-4577-a94d-2dae0dfa5995" providerId="ADAL" clId="{56FB9BA8-8618-469E-B881-B7E5EAC1530C}" dt="2022-07-16T13:45:59.286" v="4654" actId="164"/>
+          <ac:spMkLst>
+            <pc:docMk/>
+            <pc:sldMk cId="2540614236" sldId="259"/>
+            <ac:spMk id="10" creationId="{B0AB050B-B991-465F-2E16-1A469CA5D388}"/>
+          </ac:spMkLst>
+        </pc:spChg>
+        <pc:spChg chg="mod">
+          <ac:chgData name="김소희" userId="292a1162-0793-4577-a94d-2dae0dfa5995" providerId="ADAL" clId="{56FB9BA8-8618-469E-B881-B7E5EAC1530C}" dt="2022-07-16T16:42:21.207" v="6217" actId="1036"/>
+          <ac:spMkLst>
+            <pc:docMk/>
+            <pc:sldMk cId="2540614236" sldId="259"/>
+            <ac:spMk id="11" creationId="{5481EF30-FFA6-F378-2E64-2114E0FFA5EF}"/>
+          </ac:spMkLst>
+        </pc:spChg>
+        <pc:spChg chg="add del mod">
+          <ac:chgData name="김소희" userId="292a1162-0793-4577-a94d-2dae0dfa5995" providerId="ADAL" clId="{56FB9BA8-8618-469E-B881-B7E5EAC1530C}" dt="2022-07-16T08:52:51.395" v="1675" actId="478"/>
+          <ac:spMkLst>
+            <pc:docMk/>
+            <pc:sldMk cId="2540614236" sldId="259"/>
+            <ac:spMk id="12" creationId="{13D2191F-0914-B705-64B1-CAAF1AACD383}"/>
+          </ac:spMkLst>
+        </pc:spChg>
+        <pc:spChg chg="add mod">
+          <ac:chgData name="김소희" userId="292a1162-0793-4577-a94d-2dae0dfa5995" providerId="ADAL" clId="{56FB9BA8-8618-469E-B881-B7E5EAC1530C}" dt="2022-07-16T13:45:59.286" v="4654" actId="164"/>
+          <ac:spMkLst>
+            <pc:docMk/>
+            <pc:sldMk cId="2540614236" sldId="259"/>
+            <ac:spMk id="12" creationId="{65019E8B-8A3F-C319-1082-C904FCE012C2}"/>
+          </ac:spMkLst>
+        </pc:spChg>
+        <pc:spChg chg="del">
+          <ac:chgData name="김소희" userId="292a1162-0793-4577-a94d-2dae0dfa5995" providerId="ADAL" clId="{56FB9BA8-8618-469E-B881-B7E5EAC1530C}" dt="2022-07-16T08:32:37.335" v="1444" actId="478"/>
+          <ac:spMkLst>
+            <pc:docMk/>
+            <pc:sldMk cId="2540614236" sldId="259"/>
+            <ac:spMk id="13" creationId="{05BC5614-7DFD-FAE5-2BEB-AF2F6A47D423}"/>
+          </ac:spMkLst>
+        </pc:spChg>
+        <pc:spChg chg="add mod">
+          <ac:chgData name="김소희" userId="292a1162-0793-4577-a94d-2dae0dfa5995" providerId="ADAL" clId="{56FB9BA8-8618-469E-B881-B7E5EAC1530C}" dt="2022-07-16T13:45:59.286" v="4654" actId="164"/>
+          <ac:spMkLst>
+            <pc:docMk/>
+            <pc:sldMk cId="2540614236" sldId="259"/>
+            <ac:spMk id="13" creationId="{149E48E9-A829-BECD-FC9E-7DA93463AA6E}"/>
+          </ac:spMkLst>
+        </pc:spChg>
+        <pc:spChg chg="add mod">
+          <ac:chgData name="김소희" userId="292a1162-0793-4577-a94d-2dae0dfa5995" providerId="ADAL" clId="{56FB9BA8-8618-469E-B881-B7E5EAC1530C}" dt="2022-07-16T09:11:41.309" v="2014" actId="1076"/>
+          <ac:spMkLst>
+            <pc:docMk/>
+            <pc:sldMk cId="2540614236" sldId="259"/>
+            <ac:spMk id="14" creationId="{3A2F6365-F069-3566-8C7B-8A2F6BEA5AFB}"/>
+          </ac:spMkLst>
+        </pc:spChg>
+        <pc:spChg chg="add mod">
+          <ac:chgData name="김소희" userId="292a1162-0793-4577-a94d-2dae0dfa5995" providerId="ADAL" clId="{56FB9BA8-8618-469E-B881-B7E5EAC1530C}" dt="2022-07-16T13:45:59.286" v="4654" actId="164"/>
+          <ac:spMkLst>
+            <pc:docMk/>
+            <pc:sldMk cId="2540614236" sldId="259"/>
+            <ac:spMk id="15" creationId="{B770780B-C5B7-E047-A823-FA8D84EFBCD2}"/>
+          </ac:spMkLst>
+        </pc:spChg>
+        <pc:spChg chg="add del mod">
+          <ac:chgData name="김소희" userId="292a1162-0793-4577-a94d-2dae0dfa5995" providerId="ADAL" clId="{56FB9BA8-8618-469E-B881-B7E5EAC1530C}" dt="2022-07-16T09:05:24.174" v="1924" actId="478"/>
+          <ac:spMkLst>
+            <pc:docMk/>
+            <pc:sldMk cId="2540614236" sldId="259"/>
+            <ac:spMk id="17" creationId="{243EB416-31B4-D5A6-F31A-5544CB387F6F}"/>
+          </ac:spMkLst>
+        </pc:spChg>
+        <pc:spChg chg="add del mod">
+          <ac:chgData name="김소희" userId="292a1162-0793-4577-a94d-2dae0dfa5995" providerId="ADAL" clId="{56FB9BA8-8618-469E-B881-B7E5EAC1530C}" dt="2022-07-16T09:10:11.336" v="2000" actId="478"/>
+          <ac:spMkLst>
+            <pc:docMk/>
+            <pc:sldMk cId="2540614236" sldId="259"/>
+            <ac:spMk id="19" creationId="{E94A76AD-6E09-A439-0AEF-86EDCE9E60F2}"/>
+          </ac:spMkLst>
+        </pc:spChg>
+        <pc:grpChg chg="add mod">
+          <ac:chgData name="김소희" userId="292a1162-0793-4577-a94d-2dae0dfa5995" providerId="ADAL" clId="{56FB9BA8-8618-469E-B881-B7E5EAC1530C}" dt="2022-07-16T13:45:59.286" v="4654" actId="164"/>
+          <ac:grpSpMkLst>
+            <pc:docMk/>
+            <pc:sldMk cId="2540614236" sldId="259"/>
+            <ac:grpSpMk id="3" creationId="{3E8FF027-0355-3747-AFA7-CB35E9A8E7AF}"/>
+          </ac:grpSpMkLst>
+        </pc:grpChg>
+        <pc:picChg chg="add mod">
+          <ac:chgData name="김소희" userId="292a1162-0793-4577-a94d-2dae0dfa5995" providerId="ADAL" clId="{56FB9BA8-8618-469E-B881-B7E5EAC1530C}" dt="2022-07-16T13:45:59.286" v="4654" actId="164"/>
+          <ac:picMkLst>
+            <pc:docMk/>
+            <pc:sldMk cId="2540614236" sldId="259"/>
+            <ac:picMk id="4" creationId="{DAA39A6E-FD07-BFB0-77C6-D5834F1AA695}"/>
+          </ac:picMkLst>
+        </pc:picChg>
+        <pc:picChg chg="add mod">
+          <ac:chgData name="김소희" userId="292a1162-0793-4577-a94d-2dae0dfa5995" providerId="ADAL" clId="{56FB9BA8-8618-469E-B881-B7E5EAC1530C}" dt="2022-07-16T16:42:24.003" v="6221" actId="1035"/>
+          <ac:picMkLst>
+            <pc:docMk/>
+            <pc:sldMk cId="2540614236" sldId="259"/>
+            <ac:picMk id="7" creationId="{0935BA8F-CDDC-8772-DE95-5623BAFA5E44}"/>
+          </ac:picMkLst>
+        </pc:picChg>
+        <pc:picChg chg="del">
+          <ac:chgData name="김소희" userId="292a1162-0793-4577-a94d-2dae0dfa5995" providerId="ADAL" clId="{56FB9BA8-8618-469E-B881-B7E5EAC1530C}" dt="2022-07-16T08:32:37.800" v="1445" actId="478"/>
+          <ac:picMkLst>
+            <pc:docMk/>
+            <pc:sldMk cId="2540614236" sldId="259"/>
+            <ac:picMk id="14" creationId="{3550B59F-30E4-08DC-0645-D07F8750CACD}"/>
+          </ac:picMkLst>
+        </pc:picChg>
+        <pc:cxnChg chg="add mod">
+          <ac:chgData name="김소희" userId="292a1162-0793-4577-a94d-2dae0dfa5995" providerId="ADAL" clId="{56FB9BA8-8618-469E-B881-B7E5EAC1530C}" dt="2022-07-16T13:45:59.286" v="4654" actId="164"/>
+          <ac:cxnSpMkLst>
+            <pc:docMk/>
+            <pc:sldMk cId="2540614236" sldId="259"/>
+            <ac:cxnSpMk id="8" creationId="{450BE0E2-44E3-0895-C714-B9C57F5B8E25}"/>
+          </ac:cxnSpMkLst>
+        </pc:cxnChg>
+      </pc:sldChg>
+      <pc:sldChg chg="addSp delSp modSp add mod modNotesTx">
+        <pc:chgData name="김소희" userId="292a1162-0793-4577-a94d-2dae0dfa5995" providerId="ADAL" clId="{56FB9BA8-8618-469E-B881-B7E5EAC1530C}" dt="2022-07-16T09:32:31.477" v="2641" actId="948"/>
+        <pc:sldMkLst>
+          <pc:docMk/>
+          <pc:sldMk cId="2288350488" sldId="260"/>
+        </pc:sldMkLst>
+        <pc:spChg chg="del mod">
+          <ac:chgData name="김소희" userId="292a1162-0793-4577-a94d-2dae0dfa5995" providerId="ADAL" clId="{56FB9BA8-8618-469E-B881-B7E5EAC1530C}" dt="2022-07-16T09:27:56.102" v="2549" actId="478"/>
+          <ac:spMkLst>
+            <pc:docMk/>
+            <pc:sldMk cId="2288350488" sldId="260"/>
+            <ac:spMk id="6" creationId="{2188782E-44BF-062E-224B-C021A5C826FC}"/>
+          </ac:spMkLst>
+        </pc:spChg>
+        <pc:spChg chg="add mod">
+          <ac:chgData name="김소희" userId="292a1162-0793-4577-a94d-2dae0dfa5995" providerId="ADAL" clId="{56FB9BA8-8618-469E-B881-B7E5EAC1530C}" dt="2022-07-16T09:30:40.702" v="2631" actId="20577"/>
+          <ac:spMkLst>
+            <pc:docMk/>
+            <pc:sldMk cId="2288350488" sldId="260"/>
+            <ac:spMk id="7" creationId="{CC716C3F-F2B1-F760-045E-029309F50BD4}"/>
+          </ac:spMkLst>
+        </pc:spChg>
+        <pc:spChg chg="mod">
+          <ac:chgData name="김소희" userId="292a1162-0793-4577-a94d-2dae0dfa5995" providerId="ADAL" clId="{56FB9BA8-8618-469E-B881-B7E5EAC1530C}" dt="2022-07-16T09:32:31.477" v="2641" actId="948"/>
+          <ac:spMkLst>
+            <pc:docMk/>
+            <pc:sldMk cId="2288350488" sldId="260"/>
+            <ac:spMk id="11" creationId="{5481EF30-FFA6-F378-2E64-2114E0FFA5EF}"/>
+          </ac:spMkLst>
+        </pc:spChg>
+        <pc:picChg chg="del">
+          <ac:chgData name="김소희" userId="292a1162-0793-4577-a94d-2dae0dfa5995" providerId="ADAL" clId="{56FB9BA8-8618-469E-B881-B7E5EAC1530C}" dt="2022-07-16T09:25:52.806" v="2452" actId="478"/>
+          <ac:picMkLst>
+            <pc:docMk/>
+            <pc:sldMk cId="2288350488" sldId="260"/>
+            <ac:picMk id="4" creationId="{DAA39A6E-FD07-BFB0-77C6-D5834F1AA695}"/>
+          </ac:picMkLst>
+        </pc:picChg>
+      </pc:sldChg>
+      <pc:sldChg chg="addSp delSp modSp add mod modNotesTx">
+        <pc:chgData name="김소희" userId="292a1162-0793-4577-a94d-2dae0dfa5995" providerId="ADAL" clId="{56FB9BA8-8618-469E-B881-B7E5EAC1530C}" dt="2022-07-16T09:35:58.420" v="2686" actId="1076"/>
+        <pc:sldMkLst>
+          <pc:docMk/>
+          <pc:sldMk cId="676448917" sldId="261"/>
+        </pc:sldMkLst>
+        <pc:spChg chg="add del mod">
+          <ac:chgData name="김소희" userId="292a1162-0793-4577-a94d-2dae0dfa5995" providerId="ADAL" clId="{56FB9BA8-8618-469E-B881-B7E5EAC1530C}" dt="2022-07-16T09:35:38.528" v="2677" actId="478"/>
+          <ac:spMkLst>
+            <pc:docMk/>
+            <pc:sldMk cId="676448917" sldId="261"/>
+            <ac:spMk id="3" creationId="{19DC913F-F72D-2D6E-7D41-F86B5E551E4E}"/>
+          </ac:spMkLst>
+        </pc:spChg>
+        <pc:spChg chg="del">
+          <ac:chgData name="김소희" userId="292a1162-0793-4577-a94d-2dae0dfa5995" providerId="ADAL" clId="{56FB9BA8-8618-469E-B881-B7E5EAC1530C}" dt="2022-07-16T08:57:03.404" v="1730" actId="478"/>
+          <ac:spMkLst>
+            <pc:docMk/>
+            <pc:sldMk cId="676448917" sldId="261"/>
+            <ac:spMk id="5" creationId="{24DA0997-B92A-747D-4206-9DEFB0356AFD}"/>
+          </ac:spMkLst>
+        </pc:spChg>
+        <pc:spChg chg="mod">
+          <ac:chgData name="김소희" userId="292a1162-0793-4577-a94d-2dae0dfa5995" providerId="ADAL" clId="{56FB9BA8-8618-469E-B881-B7E5EAC1530C}" dt="2022-07-16T09:28:05.504" v="2551" actId="12"/>
+          <ac:spMkLst>
+            <pc:docMk/>
+            <pc:sldMk cId="676448917" sldId="261"/>
+            <ac:spMk id="6" creationId="{2188782E-44BF-062E-224B-C021A5C826FC}"/>
+          </ac:spMkLst>
+        </pc:spChg>
+        <pc:spChg chg="del">
+          <ac:chgData name="김소희" userId="292a1162-0793-4577-a94d-2dae0dfa5995" providerId="ADAL" clId="{56FB9BA8-8618-469E-B881-B7E5EAC1530C}" dt="2022-07-16T08:57:03.404" v="1730" actId="478"/>
+          <ac:spMkLst>
+            <pc:docMk/>
+            <pc:sldMk cId="676448917" sldId="261"/>
+            <ac:spMk id="10" creationId="{B0AB050B-B991-465F-2E16-1A469CA5D388}"/>
+          </ac:spMkLst>
+        </pc:spChg>
+        <pc:spChg chg="del">
+          <ac:chgData name="김소희" userId="292a1162-0793-4577-a94d-2dae0dfa5995" providerId="ADAL" clId="{56FB9BA8-8618-469E-B881-B7E5EAC1530C}" dt="2022-07-16T08:57:00.909" v="1729" actId="478"/>
+          <ac:spMkLst>
+            <pc:docMk/>
+            <pc:sldMk cId="676448917" sldId="261"/>
+            <ac:spMk id="11" creationId="{5481EF30-FFA6-F378-2E64-2114E0FFA5EF}"/>
+          </ac:spMkLst>
+        </pc:spChg>
+        <pc:spChg chg="del">
+          <ac:chgData name="김소희" userId="292a1162-0793-4577-a94d-2dae0dfa5995" providerId="ADAL" clId="{56FB9BA8-8618-469E-B881-B7E5EAC1530C}" dt="2022-07-16T08:57:03.404" v="1730" actId="478"/>
+          <ac:spMkLst>
+            <pc:docMk/>
+            <pc:sldMk cId="676448917" sldId="261"/>
+            <ac:spMk id="12" creationId="{65019E8B-8A3F-C319-1082-C904FCE012C2}"/>
+          </ac:spMkLst>
+        </pc:spChg>
+        <pc:spChg chg="del">
+          <ac:chgData name="김소희" userId="292a1162-0793-4577-a94d-2dae0dfa5995" providerId="ADAL" clId="{56FB9BA8-8618-469E-B881-B7E5EAC1530C}" dt="2022-07-16T08:57:03.404" v="1730" actId="478"/>
+          <ac:spMkLst>
+            <pc:docMk/>
+            <pc:sldMk cId="676448917" sldId="261"/>
+            <ac:spMk id="13" creationId="{149E48E9-A829-BECD-FC9E-7DA93463AA6E}"/>
+          </ac:spMkLst>
+        </pc:spChg>
+        <pc:spChg chg="del">
+          <ac:chgData name="김소희" userId="292a1162-0793-4577-a94d-2dae0dfa5995" providerId="ADAL" clId="{56FB9BA8-8618-469E-B881-B7E5EAC1530C}" dt="2022-07-16T08:57:03.404" v="1730" actId="478"/>
+          <ac:spMkLst>
+            <pc:docMk/>
+            <pc:sldMk cId="676448917" sldId="261"/>
+            <ac:spMk id="15" creationId="{B770780B-C5B7-E047-A823-FA8D84EFBCD2}"/>
+          </ac:spMkLst>
+        </pc:spChg>
+        <pc:spChg chg="add del mod">
+          <ac:chgData name="김소희" userId="292a1162-0793-4577-a94d-2dae0dfa5995" providerId="ADAL" clId="{56FB9BA8-8618-469E-B881-B7E5EAC1530C}" dt="2022-07-16T09:35:38.528" v="2677" actId="478"/>
+          <ac:spMkLst>
+            <pc:docMk/>
+            <pc:sldMk cId="676448917" sldId="261"/>
+            <ac:spMk id="19" creationId="{0126A984-6C79-D91E-B5E5-80CEAF4141F8}"/>
+          </ac:spMkLst>
+        </pc:spChg>
+        <pc:spChg chg="add del mod">
+          <ac:chgData name="김소희" userId="292a1162-0793-4577-a94d-2dae0dfa5995" providerId="ADAL" clId="{56FB9BA8-8618-469E-B881-B7E5EAC1530C}" dt="2022-07-16T09:35:37.344" v="2676" actId="478"/>
+          <ac:spMkLst>
+            <pc:docMk/>
+            <pc:sldMk cId="676448917" sldId="261"/>
+            <ac:spMk id="20" creationId="{5B1C124D-E9AC-85F9-B0EF-8582DE581848}"/>
+          </ac:spMkLst>
+        </pc:spChg>
+        <pc:spChg chg="add del mod">
+          <ac:chgData name="김소희" userId="292a1162-0793-4577-a94d-2dae0dfa5995" providerId="ADAL" clId="{56FB9BA8-8618-469E-B881-B7E5EAC1530C}" dt="2022-07-16T09:35:25.720" v="2673" actId="478"/>
+          <ac:spMkLst>
+            <pc:docMk/>
+            <pc:sldMk cId="676448917" sldId="261"/>
+            <ac:spMk id="21" creationId="{7F1F594F-B298-8402-0077-5DF71DD518E4}"/>
+          </ac:spMkLst>
+        </pc:spChg>
+        <pc:spChg chg="add del mod">
+          <ac:chgData name="김소희" userId="292a1162-0793-4577-a94d-2dae0dfa5995" providerId="ADAL" clId="{56FB9BA8-8618-469E-B881-B7E5EAC1530C}" dt="2022-07-16T09:35:27.018" v="2675" actId="478"/>
+          <ac:spMkLst>
+            <pc:docMk/>
+            <pc:sldMk cId="676448917" sldId="261"/>
+            <ac:spMk id="22" creationId="{4D045694-0B2F-CC04-8B49-C19A5A09B1BE}"/>
+          </ac:spMkLst>
+        </pc:spChg>
+        <pc:spChg chg="add mod">
+          <ac:chgData name="김소희" userId="292a1162-0793-4577-a94d-2dae0dfa5995" providerId="ADAL" clId="{56FB9BA8-8618-469E-B881-B7E5EAC1530C}" dt="2022-07-16T09:35:11.793" v="2666" actId="1076"/>
+          <ac:spMkLst>
+            <pc:docMk/>
+            <pc:sldMk cId="676448917" sldId="261"/>
+            <ac:spMk id="28" creationId="{72DE8D63-3C98-84CB-644B-1853D9E89E53}"/>
+          </ac:spMkLst>
+        </pc:spChg>
+        <pc:picChg chg="del">
+          <ac:chgData name="김소희" userId="292a1162-0793-4577-a94d-2dae0dfa5995" providerId="ADAL" clId="{56FB9BA8-8618-469E-B881-B7E5EAC1530C}" dt="2022-07-16T08:57:03.404" v="1730" actId="478"/>
+          <ac:picMkLst>
+            <pc:docMk/>
+            <pc:sldMk cId="676448917" sldId="261"/>
+            <ac:picMk id="4" creationId="{DAA39A6E-FD07-BFB0-77C6-D5834F1AA695}"/>
+          </ac:picMkLst>
+        </pc:picChg>
+        <pc:picChg chg="add del mod">
+          <ac:chgData name="김소희" userId="292a1162-0793-4577-a94d-2dae0dfa5995" providerId="ADAL" clId="{56FB9BA8-8618-469E-B881-B7E5EAC1530C}" dt="2022-07-16T09:35:22.249" v="2669" actId="478"/>
+          <ac:picMkLst>
+            <pc:docMk/>
+            <pc:sldMk cId="676448917" sldId="261"/>
+            <ac:picMk id="14" creationId="{238310A9-59BB-4FB5-ABF7-7735DF51CA1D}"/>
+          </ac:picMkLst>
+        </pc:picChg>
+        <pc:picChg chg="add del mod">
+          <ac:chgData name="김소희" userId="292a1162-0793-4577-a94d-2dae0dfa5995" providerId="ADAL" clId="{56FB9BA8-8618-469E-B881-B7E5EAC1530C}" dt="2022-07-16T09:35:26.286" v="2674" actId="478"/>
+          <ac:picMkLst>
+            <pc:docMk/>
+            <pc:sldMk cId="676448917" sldId="261"/>
+            <ac:picMk id="17" creationId="{8BDC61B1-3BFB-DBE1-7173-C179D1F8F468}"/>
+          </ac:picMkLst>
+        </pc:picChg>
+        <pc:picChg chg="add del mod">
+          <ac:chgData name="김소희" userId="292a1162-0793-4577-a94d-2dae0dfa5995" providerId="ADAL" clId="{56FB9BA8-8618-469E-B881-B7E5EAC1530C}" dt="2022-07-16T09:35:21.153" v="2668" actId="478"/>
+          <ac:picMkLst>
+            <pc:docMk/>
+            <pc:sldMk cId="676448917" sldId="261"/>
+            <ac:picMk id="1026" creationId="{4867FB84-E012-E2A1-D8FF-795E02C0C44C}"/>
+          </ac:picMkLst>
+        </pc:picChg>
+        <pc:picChg chg="add del mod">
+          <ac:chgData name="김소희" userId="292a1162-0793-4577-a94d-2dae0dfa5995" providerId="ADAL" clId="{56FB9BA8-8618-469E-B881-B7E5EAC1530C}" dt="2022-07-16T09:17:41.987" v="2270" actId="478"/>
+          <ac:picMkLst>
+            <pc:docMk/>
+            <pc:sldMk cId="676448917" sldId="261"/>
+            <ac:picMk id="1028" creationId="{A369A91C-59BC-FC3C-FB31-B7AD89016B40}"/>
+          </ac:picMkLst>
+        </pc:picChg>
+        <pc:picChg chg="add del mod">
+          <ac:chgData name="김소희" userId="292a1162-0793-4577-a94d-2dae0dfa5995" providerId="ADAL" clId="{56FB9BA8-8618-469E-B881-B7E5EAC1530C}" dt="2022-07-16T09:35:24.030" v="2672" actId="478"/>
+          <ac:picMkLst>
+            <pc:docMk/>
+            <pc:sldMk cId="676448917" sldId="261"/>
+            <ac:picMk id="1030" creationId="{A9CE1CB0-A2E3-5622-447C-D80AE73F6116}"/>
+          </ac:picMkLst>
+        </pc:picChg>
+        <pc:picChg chg="add del mod">
+          <ac:chgData name="김소희" userId="292a1162-0793-4577-a94d-2dae0dfa5995" providerId="ADAL" clId="{56FB9BA8-8618-469E-B881-B7E5EAC1530C}" dt="2022-07-16T09:35:22.699" v="2670" actId="478"/>
+          <ac:picMkLst>
+            <pc:docMk/>
+            <pc:sldMk cId="676448917" sldId="261"/>
+            <ac:picMk id="1032" creationId="{F23564B4-F5B9-E640-ABE5-9DF3F6436A87}"/>
+          </ac:picMkLst>
+        </pc:picChg>
+        <pc:picChg chg="add del mod">
+          <ac:chgData name="김소희" userId="292a1162-0793-4577-a94d-2dae0dfa5995" providerId="ADAL" clId="{56FB9BA8-8618-469E-B881-B7E5EAC1530C}" dt="2022-07-16T09:35:23.266" v="2671" actId="478"/>
+          <ac:picMkLst>
+            <pc:docMk/>
+            <pc:sldMk cId="676448917" sldId="261"/>
+            <ac:picMk id="1034" creationId="{43143014-9830-3049-AD8C-F0E81AC9F975}"/>
+          </ac:picMkLst>
+        </pc:picChg>
+        <pc:picChg chg="add mod">
+          <ac:chgData name="김소희" userId="292a1162-0793-4577-a94d-2dae0dfa5995" providerId="ADAL" clId="{56FB9BA8-8618-469E-B881-B7E5EAC1530C}" dt="2022-07-16T09:35:58.420" v="2686" actId="1076"/>
+          <ac:picMkLst>
+            <pc:docMk/>
+            <pc:sldMk cId="676448917" sldId="261"/>
+            <ac:picMk id="1036" creationId="{018E3C12-285D-CB90-3779-C415A13420B8}"/>
+          </ac:picMkLst>
+        </pc:picChg>
+        <pc:cxnChg chg="del">
+          <ac:chgData name="김소희" userId="292a1162-0793-4577-a94d-2dae0dfa5995" providerId="ADAL" clId="{56FB9BA8-8618-469E-B881-B7E5EAC1530C}" dt="2022-07-16T08:57:03.404" v="1730" actId="478"/>
+          <ac:cxnSpMkLst>
+            <pc:docMk/>
+            <pc:sldMk cId="676448917" sldId="261"/>
+            <ac:cxnSpMk id="8" creationId="{450BE0E2-44E3-0895-C714-B9C57F5B8E25}"/>
+          </ac:cxnSpMkLst>
+        </pc:cxnChg>
+      </pc:sldChg>
+      <pc:sldChg chg="addSp delSp modSp add mod">
+        <pc:chgData name="김소희" userId="292a1162-0793-4577-a94d-2dae0dfa5995" providerId="ADAL" clId="{56FB9BA8-8618-469E-B881-B7E5EAC1530C}" dt="2022-07-16T09:28:02.346" v="2550" actId="12"/>
+        <pc:sldMkLst>
+          <pc:docMk/>
+          <pc:sldMk cId="2116673439" sldId="262"/>
+        </pc:sldMkLst>
+        <pc:spChg chg="mod">
+          <ac:chgData name="김소희" userId="292a1162-0793-4577-a94d-2dae0dfa5995" providerId="ADAL" clId="{56FB9BA8-8618-469E-B881-B7E5EAC1530C}" dt="2022-07-16T09:28:02.346" v="2550" actId="12"/>
+          <ac:spMkLst>
+            <pc:docMk/>
+            <pc:sldMk cId="2116673439" sldId="262"/>
+            <ac:spMk id="6" creationId="{2188782E-44BF-062E-224B-C021A5C826FC}"/>
+          </ac:spMkLst>
+        </pc:spChg>
+        <pc:spChg chg="del">
+          <ac:chgData name="김소희" userId="292a1162-0793-4577-a94d-2dae0dfa5995" providerId="ADAL" clId="{56FB9BA8-8618-469E-B881-B7E5EAC1530C}" dt="2022-07-16T09:08:34.109" v="1986" actId="478"/>
+          <ac:spMkLst>
+            <pc:docMk/>
+            <pc:sldMk cId="2116673439" sldId="262"/>
+            <ac:spMk id="11" creationId="{5481EF30-FFA6-F378-2E64-2114E0FFA5EF}"/>
+          </ac:spMkLst>
+        </pc:spChg>
+        <pc:spChg chg="mod">
+          <ac:chgData name="김소희" userId="292a1162-0793-4577-a94d-2dae0dfa5995" providerId="ADAL" clId="{56FB9BA8-8618-469E-B881-B7E5EAC1530C}" dt="2022-07-16T09:13:46.103" v="2055" actId="14100"/>
+          <ac:spMkLst>
+            <pc:docMk/>
+            <pc:sldMk cId="2116673439" sldId="262"/>
+            <ac:spMk id="12" creationId="{65019E8B-8A3F-C319-1082-C904FCE012C2}"/>
+          </ac:spMkLst>
+        </pc:spChg>
+        <pc:spChg chg="del">
+          <ac:chgData name="김소희" userId="292a1162-0793-4577-a94d-2dae0dfa5995" providerId="ADAL" clId="{56FB9BA8-8618-469E-B881-B7E5EAC1530C}" dt="2022-07-16T09:11:46.340" v="2015" actId="478"/>
+          <ac:spMkLst>
+            <pc:docMk/>
+            <pc:sldMk cId="2116673439" sldId="262"/>
+            <ac:spMk id="14" creationId="{3A2F6365-F069-3566-8C7B-8A2F6BEA5AFB}"/>
+          </ac:spMkLst>
+        </pc:spChg>
+        <pc:spChg chg="add mod">
+          <ac:chgData name="김소희" userId="292a1162-0793-4577-a94d-2dae0dfa5995" providerId="ADAL" clId="{56FB9BA8-8618-469E-B881-B7E5EAC1530C}" dt="2022-07-16T09:25:36.884" v="2451" actId="1076"/>
+          <ac:spMkLst>
+            <pc:docMk/>
+            <pc:sldMk cId="2116673439" sldId="262"/>
+            <ac:spMk id="18" creationId="{DF2D7F8E-05ED-31C6-AA6B-FFEF7827CCE1}"/>
+          </ac:spMkLst>
+        </pc:spChg>
+        <pc:spChg chg="del">
+          <ac:chgData name="김소희" userId="292a1162-0793-4577-a94d-2dae0dfa5995" providerId="ADAL" clId="{56FB9BA8-8618-469E-B881-B7E5EAC1530C}" dt="2022-07-16T09:11:46.340" v="2015" actId="478"/>
+          <ac:spMkLst>
+            <pc:docMk/>
+            <pc:sldMk cId="2116673439" sldId="262"/>
+            <ac:spMk id="19" creationId="{E94A76AD-6E09-A439-0AEF-86EDCE9E60F2}"/>
+          </ac:spMkLst>
+        </pc:spChg>
+        <pc:spChg chg="add del mod">
+          <ac:chgData name="김소희" userId="292a1162-0793-4577-a94d-2dae0dfa5995" providerId="ADAL" clId="{56FB9BA8-8618-469E-B881-B7E5EAC1530C}" dt="2022-07-16T09:19:38.732" v="2307"/>
+          <ac:spMkLst>
+            <pc:docMk/>
+            <pc:sldMk cId="2116673439" sldId="262"/>
+            <ac:spMk id="20" creationId="{7239491C-0CF4-A402-7970-5DA9A2EDD32C}"/>
+          </ac:spMkLst>
+        </pc:spChg>
+        <pc:picChg chg="del">
+          <ac:chgData name="김소희" userId="292a1162-0793-4577-a94d-2dae0dfa5995" providerId="ADAL" clId="{56FB9BA8-8618-469E-B881-B7E5EAC1530C}" dt="2022-07-16T09:08:39.602" v="1991" actId="478"/>
+          <ac:picMkLst>
+            <pc:docMk/>
+            <pc:sldMk cId="2116673439" sldId="262"/>
+            <ac:picMk id="7" creationId="{0935BA8F-CDDC-8772-DE95-5623BAFA5E44}"/>
+          </ac:picMkLst>
+        </pc:picChg>
+        <pc:picChg chg="add mod">
+          <ac:chgData name="김소희" userId="292a1162-0793-4577-a94d-2dae0dfa5995" providerId="ADAL" clId="{56FB9BA8-8618-469E-B881-B7E5EAC1530C}" dt="2022-07-16T09:16:14.963" v="2248" actId="1076"/>
+          <ac:picMkLst>
+            <pc:docMk/>
+            <pc:sldMk cId="2116673439" sldId="262"/>
+            <ac:picMk id="16" creationId="{E72890E1-170E-FF92-E495-B3118D165A57}"/>
+          </ac:picMkLst>
+        </pc:picChg>
+      </pc:sldChg>
+      <pc:sldChg chg="addSp delSp modSp add mod modNotesTx">
+        <pc:chgData name="김소희" userId="292a1162-0793-4577-a94d-2dae0dfa5995" providerId="ADAL" clId="{56FB9BA8-8618-469E-B881-B7E5EAC1530C}" dt="2022-07-17T11:27:18.802" v="6671" actId="1582"/>
+        <pc:sldMkLst>
+          <pc:docMk/>
+          <pc:sldMk cId="3731227598" sldId="263"/>
+        </pc:sldMkLst>
+        <pc:spChg chg="mod">
+          <ac:chgData name="김소희" userId="292a1162-0793-4577-a94d-2dae0dfa5995" providerId="ADAL" clId="{56FB9BA8-8618-469E-B881-B7E5EAC1530C}" dt="2022-07-16T09:26:37.316" v="2530" actId="27636"/>
+          <ac:spMkLst>
+            <pc:docMk/>
+            <pc:sldMk cId="3731227598" sldId="263"/>
+            <ac:spMk id="2" creationId="{5C386871-B092-6B43-A8DA-B84A6CCCC7F5}"/>
+          </ac:spMkLst>
+        </pc:spChg>
+        <pc:spChg chg="del">
+          <ac:chgData name="김소희" userId="292a1162-0793-4577-a94d-2dae0dfa5995" providerId="ADAL" clId="{56FB9BA8-8618-469E-B881-B7E5EAC1530C}" dt="2022-07-16T09:38:36.311" v="2696" actId="478"/>
+          <ac:spMkLst>
+            <pc:docMk/>
+            <pc:sldMk cId="3731227598" sldId="263"/>
+            <ac:spMk id="6" creationId="{2188782E-44BF-062E-224B-C021A5C826FC}"/>
+          </ac:spMkLst>
+        </pc:spChg>
+        <pc:spChg chg="add mod">
+          <ac:chgData name="김소희" userId="292a1162-0793-4577-a94d-2dae0dfa5995" providerId="ADAL" clId="{56FB9BA8-8618-469E-B881-B7E5EAC1530C}" dt="2022-07-16T13:35:10.560" v="4630" actId="1076"/>
+          <ac:spMkLst>
+            <pc:docMk/>
+            <pc:sldMk cId="3731227598" sldId="263"/>
+            <ac:spMk id="6" creationId="{8FD53B7C-C39B-8C27-57C8-6AB36FC73CA2}"/>
+          </ac:spMkLst>
+        </pc:spChg>
+        <pc:spChg chg="add mod">
+          <ac:chgData name="김소희" userId="292a1162-0793-4577-a94d-2dae0dfa5995" providerId="ADAL" clId="{56FB9BA8-8618-469E-B881-B7E5EAC1530C}" dt="2022-07-16T13:06:14.608" v="3200" actId="20577"/>
+          <ac:spMkLst>
+            <pc:docMk/>
+            <pc:sldMk cId="3731227598" sldId="263"/>
+            <ac:spMk id="8" creationId="{C2ADB51E-13DF-E87D-D675-47D2583F93E4}"/>
+          </ac:spMkLst>
+        </pc:spChg>
+        <pc:spChg chg="add mod">
+          <ac:chgData name="김소희" userId="292a1162-0793-4577-a94d-2dae0dfa5995" providerId="ADAL" clId="{56FB9BA8-8618-469E-B881-B7E5EAC1530C}" dt="2022-07-16T13:14:55.211" v="3547" actId="113"/>
+          <ac:spMkLst>
+            <pc:docMk/>
+            <pc:sldMk cId="3731227598" sldId="263"/>
+            <ac:spMk id="10" creationId="{502FB13B-3AA8-3E8A-03B7-F348C0F672EC}"/>
+          </ac:spMkLst>
+        </pc:spChg>
+        <pc:spChg chg="del">
+          <ac:chgData name="김소희" userId="292a1162-0793-4577-a94d-2dae0dfa5995" providerId="ADAL" clId="{56FB9BA8-8618-469E-B881-B7E5EAC1530C}" dt="2022-07-16T09:38:37.863" v="2697" actId="478"/>
+          <ac:spMkLst>
+            <pc:docMk/>
+            <pc:sldMk cId="3731227598" sldId="263"/>
+            <ac:spMk id="11" creationId="{5481EF30-FFA6-F378-2E64-2114E0FFA5EF}"/>
+          </ac:spMkLst>
+        </pc:spChg>
+        <pc:spChg chg="add mod">
+          <ac:chgData name="김소희" userId="292a1162-0793-4577-a94d-2dae0dfa5995" providerId="ADAL" clId="{56FB9BA8-8618-469E-B881-B7E5EAC1530C}" dt="2022-07-16T13:17:01.577" v="3651" actId="1076"/>
+          <ac:spMkLst>
+            <pc:docMk/>
+            <pc:sldMk cId="3731227598" sldId="263"/>
+            <ac:spMk id="11" creationId="{B277AC84-FC34-1777-DC61-197CCDABE26A}"/>
+          </ac:spMkLst>
+        </pc:spChg>
+        <pc:spChg chg="add mod">
+          <ac:chgData name="김소희" userId="292a1162-0793-4577-a94d-2dae0dfa5995" providerId="ADAL" clId="{56FB9BA8-8618-469E-B881-B7E5EAC1530C}" dt="2022-07-17T11:27:18.802" v="6671" actId="1582"/>
+          <ac:spMkLst>
+            <pc:docMk/>
+            <pc:sldMk cId="3731227598" sldId="263"/>
+            <ac:spMk id="13" creationId="{71B3AF7D-2BF9-823C-2F9A-93FAE77B5F22}"/>
+          </ac:spMkLst>
+        </pc:spChg>
+        <pc:spChg chg="add mod">
+          <ac:chgData name="김소희" userId="292a1162-0793-4577-a94d-2dae0dfa5995" providerId="ADAL" clId="{56FB9BA8-8618-469E-B881-B7E5EAC1530C}" dt="2022-07-16T13:20:25.515" v="3942" actId="164"/>
+          <ac:spMkLst>
+            <pc:docMk/>
+            <pc:sldMk cId="3731227598" sldId="263"/>
+            <ac:spMk id="14" creationId="{7E8FC6C2-1BCF-B59A-DEF3-1206179EFC04}"/>
+          </ac:spMkLst>
+        </pc:spChg>
+        <pc:spChg chg="add mod">
+          <ac:chgData name="김소희" userId="292a1162-0793-4577-a94d-2dae0dfa5995" providerId="ADAL" clId="{56FB9BA8-8618-469E-B881-B7E5EAC1530C}" dt="2022-07-16T13:20:25.515" v="3942" actId="164"/>
+          <ac:spMkLst>
+            <pc:docMk/>
+            <pc:sldMk cId="3731227598" sldId="263"/>
+            <ac:spMk id="15" creationId="{65EB580F-7D91-8FFB-F2C8-C043B28930A3}"/>
+          </ac:spMkLst>
+        </pc:spChg>
+        <pc:spChg chg="add mod">
+          <ac:chgData name="김소희" userId="292a1162-0793-4577-a94d-2dae0dfa5995" providerId="ADAL" clId="{56FB9BA8-8618-469E-B881-B7E5EAC1530C}" dt="2022-07-16T13:20:25.515" v="3942" actId="164"/>
+          <ac:spMkLst>
+            <pc:docMk/>
+            <pc:sldMk cId="3731227598" sldId="263"/>
+            <ac:spMk id="16" creationId="{97A58A2A-7533-6695-3BEE-BCADEA7FCB99}"/>
+          </ac:spMkLst>
+        </pc:spChg>
+        <pc:spChg chg="add mod">
+          <ac:chgData name="김소희" userId="292a1162-0793-4577-a94d-2dae0dfa5995" providerId="ADAL" clId="{56FB9BA8-8618-469E-B881-B7E5EAC1530C}" dt="2022-07-16T13:20:25.515" v="3942" actId="164"/>
+          <ac:spMkLst>
+            <pc:docMk/>
+            <pc:sldMk cId="3731227598" sldId="263"/>
+            <ac:spMk id="17" creationId="{81CCC4B4-F3D5-F040-1297-15F146F352D6}"/>
+          </ac:spMkLst>
+        </pc:spChg>
+        <pc:spChg chg="add mod">
+          <ac:chgData name="김소희" userId="292a1162-0793-4577-a94d-2dae0dfa5995" providerId="ADAL" clId="{56FB9BA8-8618-469E-B881-B7E5EAC1530C}" dt="2022-07-16T13:31:06.603" v="4543" actId="113"/>
+          <ac:spMkLst>
+            <pc:docMk/>
+            <pc:sldMk cId="3731227598" sldId="263"/>
+            <ac:spMk id="18" creationId="{3AD65BFA-9912-8CE2-E433-8F90FBE1168D}"/>
+          </ac:spMkLst>
+        </pc:spChg>
+        <pc:grpChg chg="add mod">
+          <ac:chgData name="김소희" userId="292a1162-0793-4577-a94d-2dae0dfa5995" providerId="ADAL" clId="{56FB9BA8-8618-469E-B881-B7E5EAC1530C}" dt="2022-07-16T13:20:29.334" v="3943" actId="1076"/>
+          <ac:grpSpMkLst>
+            <pc:docMk/>
+            <pc:sldMk cId="3731227598" sldId="263"/>
+            <ac:grpSpMk id="5" creationId="{4E42D042-521C-7A1B-554C-B9AEED338A20}"/>
+          </ac:grpSpMkLst>
+        </pc:grpChg>
+        <pc:picChg chg="add mod">
+          <ac:chgData name="김소희" userId="292a1162-0793-4577-a94d-2dae0dfa5995" providerId="ADAL" clId="{56FB9BA8-8618-469E-B881-B7E5EAC1530C}" dt="2022-07-16T13:12:10.739" v="3372" actId="1076"/>
+          <ac:picMkLst>
+            <pc:docMk/>
+            <pc:sldMk cId="3731227598" sldId="263"/>
+            <ac:picMk id="4" creationId="{8B443E2B-F896-A515-70CF-31881F4CC7D4}"/>
+          </ac:picMkLst>
+        </pc:picChg>
+        <pc:picChg chg="add mod modCrop">
+          <ac:chgData name="김소희" userId="292a1162-0793-4577-a94d-2dae0dfa5995" providerId="ADAL" clId="{56FB9BA8-8618-469E-B881-B7E5EAC1530C}" dt="2022-07-16T13:20:25.515" v="3942" actId="164"/>
+          <ac:picMkLst>
+            <pc:docMk/>
+            <pc:sldMk cId="3731227598" sldId="263"/>
+            <ac:picMk id="7" creationId="{B082A5DF-13F5-34D7-2418-A18C8F2C5957}"/>
+          </ac:picMkLst>
+        </pc:picChg>
+        <pc:cxnChg chg="add del mod">
+          <ac:chgData name="김소희" userId="292a1162-0793-4577-a94d-2dae0dfa5995" providerId="ADAL" clId="{56FB9BA8-8618-469E-B881-B7E5EAC1530C}" dt="2022-07-16T13:09:16.746" v="3320" actId="478"/>
+          <ac:cxnSpMkLst>
+            <pc:docMk/>
+            <pc:sldMk cId="3731227598" sldId="263"/>
+            <ac:cxnSpMk id="12" creationId="{C7DFA5D1-CD91-6226-F8FA-53A0D26C8F64}"/>
+          </ac:cxnSpMkLst>
+        </pc:cxnChg>
+      </pc:sldChg>
+      <pc:sldChg chg="addSp modSp add mod">
+        <pc:chgData name="김소희" userId="292a1162-0793-4577-a94d-2dae0dfa5995" providerId="ADAL" clId="{56FB9BA8-8618-469E-B881-B7E5EAC1530C}" dt="2022-07-16T09:37:25.623" v="2695" actId="1076"/>
+        <pc:sldMkLst>
+          <pc:docMk/>
+          <pc:sldMk cId="893567842" sldId="264"/>
+        </pc:sldMkLst>
+        <pc:spChg chg="mod">
+          <ac:chgData name="김소희" userId="292a1162-0793-4577-a94d-2dae0dfa5995" providerId="ADAL" clId="{56FB9BA8-8618-469E-B881-B7E5EAC1530C}" dt="2022-07-16T09:37:25.623" v="2695" actId="1076"/>
+          <ac:spMkLst>
+            <pc:docMk/>
+            <pc:sldMk cId="893567842" sldId="264"/>
+            <ac:spMk id="3" creationId="{19DC913F-F72D-2D6E-7D41-F86B5E551E4E}"/>
+          </ac:spMkLst>
+        </pc:spChg>
+        <pc:spChg chg="mod">
+          <ac:chgData name="김소희" userId="292a1162-0793-4577-a94d-2dae0dfa5995" providerId="ADAL" clId="{56FB9BA8-8618-469E-B881-B7E5EAC1530C}" dt="2022-07-16T09:36:54.340" v="2691" actId="1076"/>
+          <ac:spMkLst>
+            <pc:docMk/>
+            <pc:sldMk cId="893567842" sldId="264"/>
+            <ac:spMk id="21" creationId="{7F1F594F-B298-8402-0077-5DF71DD518E4}"/>
+          </ac:spMkLst>
+        </pc:spChg>
+        <pc:picChg chg="add mod">
+          <ac:chgData name="김소희" userId="292a1162-0793-4577-a94d-2dae0dfa5995" providerId="ADAL" clId="{56FB9BA8-8618-469E-B881-B7E5EAC1530C}" dt="2022-07-16T09:36:56.516" v="2692" actId="1076"/>
+          <ac:picMkLst>
+            <pc:docMk/>
+            <pc:sldMk cId="893567842" sldId="264"/>
+            <ac:picMk id="5" creationId="{AF982632-4D05-6D30-13B3-0FD37CE1CE56}"/>
+          </ac:picMkLst>
+        </pc:picChg>
+        <pc:picChg chg="mod">
+          <ac:chgData name="김소희" userId="292a1162-0793-4577-a94d-2dae0dfa5995" providerId="ADAL" clId="{56FB9BA8-8618-469E-B881-B7E5EAC1530C}" dt="2022-07-16T09:37:01.632" v="2694" actId="1076"/>
+          <ac:picMkLst>
+            <pc:docMk/>
+            <pc:sldMk cId="893567842" sldId="264"/>
+            <ac:picMk id="14" creationId="{238310A9-59BB-4FB5-ABF7-7735DF51CA1D}"/>
+          </ac:picMkLst>
+        </pc:picChg>
+        <pc:picChg chg="mod">
+          <ac:chgData name="김소희" userId="292a1162-0793-4577-a94d-2dae0dfa5995" providerId="ADAL" clId="{56FB9BA8-8618-469E-B881-B7E5EAC1530C}" dt="2022-07-16T09:36:54.340" v="2691" actId="1076"/>
+          <ac:picMkLst>
+            <pc:docMk/>
+            <pc:sldMk cId="893567842" sldId="264"/>
+            <ac:picMk id="1030" creationId="{A9CE1CB0-A2E3-5622-447C-D80AE73F6116}"/>
+          </ac:picMkLst>
+        </pc:picChg>
+        <pc:picChg chg="mod">
+          <ac:chgData name="김소희" userId="292a1162-0793-4577-a94d-2dae0dfa5995" providerId="ADAL" clId="{56FB9BA8-8618-469E-B881-B7E5EAC1530C}" dt="2022-07-16T09:36:54.340" v="2691" actId="1076"/>
+          <ac:picMkLst>
+            <pc:docMk/>
+            <pc:sldMk cId="893567842" sldId="264"/>
+            <ac:picMk id="1032" creationId="{F23564B4-F5B9-E640-ABE5-9DF3F6436A87}"/>
+          </ac:picMkLst>
+        </pc:picChg>
+      </pc:sldChg>
+      <pc:sldChg chg="addSp delSp modSp add mod modNotesTx">
+        <pc:chgData name="김소희" userId="292a1162-0793-4577-a94d-2dae0dfa5995" providerId="ADAL" clId="{56FB9BA8-8618-469E-B881-B7E5EAC1530C}" dt="2022-07-17T11:27:46.071" v="6674" actId="12"/>
+        <pc:sldMkLst>
+          <pc:docMk/>
+          <pc:sldMk cId="548109497" sldId="265"/>
+        </pc:sldMkLst>
+        <pc:spChg chg="add mod">
+          <ac:chgData name="김소희" userId="292a1162-0793-4577-a94d-2dae0dfa5995" providerId="ADAL" clId="{56FB9BA8-8618-469E-B881-B7E5EAC1530C}" dt="2022-07-16T14:09:52.512" v="5214" actId="1037"/>
+          <ac:spMkLst>
+            <pc:docMk/>
+            <pc:sldMk cId="548109497" sldId="265"/>
+            <ac:spMk id="7" creationId="{BD155077-449E-015A-7157-F637366E0F77}"/>
+          </ac:spMkLst>
+        </pc:spChg>
+        <pc:spChg chg="add mod">
+          <ac:chgData name="김소희" userId="292a1162-0793-4577-a94d-2dae0dfa5995" providerId="ADAL" clId="{56FB9BA8-8618-469E-B881-B7E5EAC1530C}" dt="2022-07-16T14:09:50.772" v="5211" actId="1037"/>
+          <ac:spMkLst>
+            <pc:docMk/>
+            <pc:sldMk cId="548109497" sldId="265"/>
+            <ac:spMk id="10" creationId="{E9238ED0-205C-8045-4495-8268FFF283F3}"/>
+          </ac:spMkLst>
+        </pc:spChg>
+        <pc:spChg chg="add del mod">
+          <ac:chgData name="김소희" userId="292a1162-0793-4577-a94d-2dae0dfa5995" providerId="ADAL" clId="{56FB9BA8-8618-469E-B881-B7E5EAC1530C}" dt="2022-07-16T13:23:38.967" v="4122" actId="22"/>
+          <ac:spMkLst>
+            <pc:docMk/>
+            <pc:sldMk cId="548109497" sldId="265"/>
+            <ac:spMk id="12" creationId="{C6584654-9C77-E86E-B152-9B5812B8F9D7}"/>
+          </ac:spMkLst>
+        </pc:spChg>
+        <pc:spChg chg="add del mod">
+          <ac:chgData name="김소희" userId="292a1162-0793-4577-a94d-2dae0dfa5995" providerId="ADAL" clId="{56FB9BA8-8618-469E-B881-B7E5EAC1530C}" dt="2022-07-16T13:24:04.697" v="4161" actId="478"/>
+          <ac:spMkLst>
+            <pc:docMk/>
+            <pc:sldMk cId="548109497" sldId="265"/>
+            <ac:spMk id="13" creationId="{346C11A7-6FA6-4868-873F-1D7E5129BCBD}"/>
+          </ac:spMkLst>
+        </pc:spChg>
+        <pc:spChg chg="add mod">
+          <ac:chgData name="김소희" userId="292a1162-0793-4577-a94d-2dae0dfa5995" providerId="ADAL" clId="{56FB9BA8-8618-469E-B881-B7E5EAC1530C}" dt="2022-07-16T14:09:31.744" v="5208" actId="1035"/>
+          <ac:spMkLst>
+            <pc:docMk/>
+            <pc:sldMk cId="548109497" sldId="265"/>
+            <ac:spMk id="14" creationId="{0B62BDE0-0534-AD1E-D249-336BE088D136}"/>
+          </ac:spMkLst>
+        </pc:spChg>
+        <pc:spChg chg="add mod">
+          <ac:chgData name="김소희" userId="292a1162-0793-4577-a94d-2dae0dfa5995" providerId="ADAL" clId="{56FB9BA8-8618-469E-B881-B7E5EAC1530C}" dt="2022-07-17T11:27:46.071" v="6674" actId="12"/>
+          <ac:spMkLst>
+            <pc:docMk/>
+            <pc:sldMk cId="548109497" sldId="265"/>
+            <ac:spMk id="15" creationId="{E4733A03-AAC5-D312-188B-E7434350D488}"/>
+          </ac:spMkLst>
+        </pc:spChg>
+        <pc:picChg chg="del">
+          <ac:chgData name="김소희" userId="292a1162-0793-4577-a94d-2dae0dfa5995" providerId="ADAL" clId="{56FB9BA8-8618-469E-B881-B7E5EAC1530C}" dt="2022-07-16T09:42:41.021" v="2707" actId="478"/>
+          <ac:picMkLst>
+            <pc:docMk/>
+            <pc:sldMk cId="548109497" sldId="265"/>
+            <ac:picMk id="4" creationId="{8B443E2B-F896-A515-70CF-31881F4CC7D4}"/>
+          </ac:picMkLst>
+        </pc:picChg>
+        <pc:picChg chg="add mod">
+          <ac:chgData name="김소희" userId="292a1162-0793-4577-a94d-2dae0dfa5995" providerId="ADAL" clId="{56FB9BA8-8618-469E-B881-B7E5EAC1530C}" dt="2022-07-16T14:09:50.772" v="5211" actId="1037"/>
+          <ac:picMkLst>
+            <pc:docMk/>
+            <pc:sldMk cId="548109497" sldId="265"/>
+            <ac:picMk id="5" creationId="{2B1D5BB1-3B52-7157-1523-03F72D9D4E0B}"/>
+          </ac:picMkLst>
+        </pc:picChg>
+        <pc:picChg chg="del">
+          <ac:chgData name="김소희" userId="292a1162-0793-4577-a94d-2dae0dfa5995" providerId="ADAL" clId="{56FB9BA8-8618-469E-B881-B7E5EAC1530C}" dt="2022-07-16T09:42:40.611" v="2706" actId="478"/>
+          <ac:picMkLst>
+            <pc:docMk/>
+            <pc:sldMk cId="548109497" sldId="265"/>
+            <ac:picMk id="7" creationId="{B082A5DF-13F5-34D7-2418-A18C8F2C5957}"/>
+          </ac:picMkLst>
+        </pc:picChg>
+        <pc:picChg chg="add del mod">
+          <ac:chgData name="김소희" userId="292a1162-0793-4577-a94d-2dae0dfa5995" providerId="ADAL" clId="{56FB9BA8-8618-469E-B881-B7E5EAC1530C}" dt="2022-07-16T13:24:05.535" v="4162" actId="478"/>
+          <ac:picMkLst>
+            <pc:docMk/>
+            <pc:sldMk cId="548109497" sldId="265"/>
+            <ac:picMk id="8" creationId="{EA934249-FCAF-95AB-CED5-79C520AB08BA}"/>
+          </ac:picMkLst>
+        </pc:picChg>
+        <pc:picChg chg="add mod">
+          <ac:chgData name="김소희" userId="292a1162-0793-4577-a94d-2dae0dfa5995" providerId="ADAL" clId="{56FB9BA8-8618-469E-B881-B7E5EAC1530C}" dt="2022-07-16T14:09:31.744" v="5208" actId="1035"/>
+          <ac:picMkLst>
+            <pc:docMk/>
+            <pc:sldMk cId="548109497" sldId="265"/>
+            <ac:picMk id="11" creationId="{857B6171-CD2E-B19F-500D-79822B30AC41}"/>
+          </ac:picMkLst>
+        </pc:picChg>
+      </pc:sldChg>
+      <pc:sldChg chg="addSp delSp modSp add mod ord">
+        <pc:chgData name="김소희" userId="292a1162-0793-4577-a94d-2dae0dfa5995" providerId="ADAL" clId="{56FB9BA8-8618-469E-B881-B7E5EAC1530C}" dt="2022-07-17T09:55:29.688" v="6662" actId="1035"/>
+        <pc:sldMkLst>
+          <pc:docMk/>
+          <pc:sldMk cId="4281153154" sldId="266"/>
+        </pc:sldMkLst>
+        <pc:spChg chg="mod">
+          <ac:chgData name="김소희" userId="292a1162-0793-4577-a94d-2dae0dfa5995" providerId="ADAL" clId="{56FB9BA8-8618-469E-B881-B7E5EAC1530C}" dt="2022-07-16T09:50:35.024" v="2776"/>
+          <ac:spMkLst>
+            <pc:docMk/>
+            <pc:sldMk cId="4281153154" sldId="266"/>
+            <ac:spMk id="2" creationId="{5C386871-B092-6B43-A8DA-B84A6CCCC7F5}"/>
+          </ac:spMkLst>
+        </pc:spChg>
+        <pc:spChg chg="add mod">
+          <ac:chgData name="김소희" userId="292a1162-0793-4577-a94d-2dae0dfa5995" providerId="ADAL" clId="{56FB9BA8-8618-469E-B881-B7E5EAC1530C}" dt="2022-07-16T16:23:23.599" v="5844" actId="1035"/>
+          <ac:spMkLst>
+            <pc:docMk/>
+            <pc:sldMk cId="4281153154" sldId="266"/>
+            <ac:spMk id="8" creationId="{3BFAAFC2-C393-1318-55F1-1652740E1E26}"/>
+          </ac:spMkLst>
+        </pc:spChg>
+        <pc:spChg chg="add mod">
+          <ac:chgData name="김소희" userId="292a1162-0793-4577-a94d-2dae0dfa5995" providerId="ADAL" clId="{56FB9BA8-8618-469E-B881-B7E5EAC1530C}" dt="2022-07-16T16:23:23.599" v="5844" actId="1035"/>
+          <ac:spMkLst>
+            <pc:docMk/>
+            <pc:sldMk cId="4281153154" sldId="266"/>
+            <ac:spMk id="10" creationId="{A44840FD-B047-3415-E615-E7D9E5EF6035}"/>
+          </ac:spMkLst>
+        </pc:spChg>
+        <pc:spChg chg="add mod">
+          <ac:chgData name="김소희" userId="292a1162-0793-4577-a94d-2dae0dfa5995" providerId="ADAL" clId="{56FB9BA8-8618-469E-B881-B7E5EAC1530C}" dt="2022-07-16T16:23:39.407" v="5845" actId="1076"/>
+          <ac:spMkLst>
+            <pc:docMk/>
+            <pc:sldMk cId="4281153154" sldId="266"/>
+            <ac:spMk id="11" creationId="{E4C6515E-6A1B-DBC3-BE77-9018F93233BD}"/>
+          </ac:spMkLst>
+        </pc:spChg>
+        <pc:spChg chg="add del mod">
+          <ac:chgData name="김소희" userId="292a1162-0793-4577-a94d-2dae0dfa5995" providerId="ADAL" clId="{56FB9BA8-8618-469E-B881-B7E5EAC1530C}" dt="2022-07-16T16:34:59.918" v="5870" actId="478"/>
+          <ac:spMkLst>
+            <pc:docMk/>
+            <pc:sldMk cId="4281153154" sldId="266"/>
+            <ac:spMk id="13" creationId="{9AB1625D-C819-619E-FE31-34C0E6373698}"/>
+          </ac:spMkLst>
+        </pc:spChg>
+        <pc:spChg chg="add mod">
+          <ac:chgData name="김소희" userId="292a1162-0793-4577-a94d-2dae0dfa5995" providerId="ADAL" clId="{56FB9BA8-8618-469E-B881-B7E5EAC1530C}" dt="2022-07-16T16:23:13.587" v="5830" actId="1035"/>
+          <ac:spMkLst>
+            <pc:docMk/>
+            <pc:sldMk cId="4281153154" sldId="266"/>
+            <ac:spMk id="14" creationId="{E89E35C5-CDC5-E213-E030-34717EFA3209}"/>
+          </ac:spMkLst>
+        </pc:spChg>
+        <pc:spChg chg="add mod">
+          <ac:chgData name="김소희" userId="292a1162-0793-4577-a94d-2dae0dfa5995" providerId="ADAL" clId="{56FB9BA8-8618-469E-B881-B7E5EAC1530C}" dt="2022-07-16T16:23:13.587" v="5830" actId="1035"/>
+          <ac:spMkLst>
+            <pc:docMk/>
+            <pc:sldMk cId="4281153154" sldId="266"/>
+            <ac:spMk id="15" creationId="{8D930912-89D0-1463-E935-699E3D0E262D}"/>
+          </ac:spMkLst>
+        </pc:spChg>
+        <pc:spChg chg="add mod">
+          <ac:chgData name="김소희" userId="292a1162-0793-4577-a94d-2dae0dfa5995" providerId="ADAL" clId="{56FB9BA8-8618-469E-B881-B7E5EAC1530C}" dt="2022-07-17T09:55:29.688" v="6662" actId="1035"/>
+          <ac:spMkLst>
+            <pc:docMk/>
+            <pc:sldMk cId="4281153154" sldId="266"/>
+            <ac:spMk id="17" creationId="{E99EF0D5-E6E0-BE23-A763-BD4C3DDE6434}"/>
+          </ac:spMkLst>
+        </pc:spChg>
+        <pc:spChg chg="add mod">
+          <ac:chgData name="김소희" userId="292a1162-0793-4577-a94d-2dae0dfa5995" providerId="ADAL" clId="{56FB9BA8-8618-469E-B881-B7E5EAC1530C}" dt="2022-07-16T16:47:40.786" v="6395" actId="1076"/>
+          <ac:spMkLst>
+            <pc:docMk/>
+            <pc:sldMk cId="4281153154" sldId="266"/>
+            <ac:spMk id="18" creationId="{7A35343B-4E3F-F8A2-908F-D28E89C1C95C}"/>
+          </ac:spMkLst>
+        </pc:spChg>
+        <pc:picChg chg="add del mod">
+          <ac:chgData name="김소희" userId="292a1162-0793-4577-a94d-2dae0dfa5995" providerId="ADAL" clId="{56FB9BA8-8618-469E-B881-B7E5EAC1530C}" dt="2022-07-16T09:44:19.336" v="2729" actId="478"/>
+          <ac:picMkLst>
+            <pc:docMk/>
+            <pc:sldMk cId="4281153154" sldId="266"/>
+            <ac:picMk id="4" creationId="{64024CAB-69DB-9876-2E51-69DF7CDD967A}"/>
+          </ac:picMkLst>
+        </pc:picChg>
+        <pc:picChg chg="del">
+          <ac:chgData name="김소희" userId="292a1162-0793-4577-a94d-2dae0dfa5995" providerId="ADAL" clId="{56FB9BA8-8618-469E-B881-B7E5EAC1530C}" dt="2022-07-16T09:43:23.733" v="2718" actId="478"/>
+          <ac:picMkLst>
+            <pc:docMk/>
+            <pc:sldMk cId="4281153154" sldId="266"/>
+            <ac:picMk id="5" creationId="{2B1D5BB1-3B52-7157-1523-03F72D9D4E0B}"/>
+          </ac:picMkLst>
+        </pc:picChg>
+        <pc:picChg chg="add mod">
+          <ac:chgData name="김소희" userId="292a1162-0793-4577-a94d-2dae0dfa5995" providerId="ADAL" clId="{56FB9BA8-8618-469E-B881-B7E5EAC1530C}" dt="2022-07-16T16:25:46.304" v="5861" actId="1076"/>
+          <ac:picMkLst>
+            <pc:docMk/>
+            <pc:sldMk cId="4281153154" sldId="266"/>
+            <ac:picMk id="7" creationId="{66570E45-0B89-3E19-4B27-7F32E857FC02}"/>
+          </ac:picMkLst>
+        </pc:picChg>
+        <pc:picChg chg="del">
+          <ac:chgData name="김소희" userId="292a1162-0793-4577-a94d-2dae0dfa5995" providerId="ADAL" clId="{56FB9BA8-8618-469E-B881-B7E5EAC1530C}" dt="2022-07-16T09:43:23.733" v="2718" actId="478"/>
+          <ac:picMkLst>
+            <pc:docMk/>
+            <pc:sldMk cId="4281153154" sldId="266"/>
+            <ac:picMk id="8" creationId="{EA934249-FCAF-95AB-CED5-79C520AB08BA}"/>
+          </ac:picMkLst>
+        </pc:picChg>
+        <pc:picChg chg="del">
+          <ac:chgData name="김소희" userId="292a1162-0793-4577-a94d-2dae0dfa5995" providerId="ADAL" clId="{56FB9BA8-8618-469E-B881-B7E5EAC1530C}" dt="2022-07-16T09:43:23.733" v="2718" actId="478"/>
+          <ac:picMkLst>
+            <pc:docMk/>
+            <pc:sldMk cId="4281153154" sldId="266"/>
+            <ac:picMk id="11" creationId="{857B6171-CD2E-B19F-500D-79822B30AC41}"/>
+          </ac:picMkLst>
+        </pc:picChg>
+        <pc:picChg chg="add mod">
+          <ac:chgData name="김소희" userId="292a1162-0793-4577-a94d-2dae0dfa5995" providerId="ADAL" clId="{56FB9BA8-8618-469E-B881-B7E5EAC1530C}" dt="2022-07-16T16:47:35.718" v="6394" actId="1035"/>
+          <ac:picMkLst>
+            <pc:docMk/>
+            <pc:sldMk cId="4281153154" sldId="266"/>
+            <ac:picMk id="12" creationId="{F722584A-E6D6-C0F2-949D-4F622A3ECFB5}"/>
+          </ac:picMkLst>
+        </pc:picChg>
+        <pc:picChg chg="add mod">
+          <ac:chgData name="김소희" userId="292a1162-0793-4577-a94d-2dae0dfa5995" providerId="ADAL" clId="{56FB9BA8-8618-469E-B881-B7E5EAC1530C}" dt="2022-07-16T16:27:00.480" v="5869" actId="14100"/>
+          <ac:picMkLst>
+            <pc:docMk/>
+            <pc:sldMk cId="4281153154" sldId="266"/>
+            <ac:picMk id="16" creationId="{61ED6A02-5182-78B8-E205-3BC9442BDECF}"/>
+          </ac:picMkLst>
+        </pc:picChg>
+      </pc:sldChg>
+      <pc:sldChg chg="addSp delSp modSp add mod modNotesTx">
+        <pc:chgData name="김소희" userId="292a1162-0793-4577-a94d-2dae0dfa5995" providerId="ADAL" clId="{56FB9BA8-8618-469E-B881-B7E5EAC1530C}" dt="2022-07-16T14:19:20.159" v="5422" actId="20577"/>
+        <pc:sldMkLst>
+          <pc:docMk/>
+          <pc:sldMk cId="823482226" sldId="267"/>
+        </pc:sldMkLst>
+        <pc:spChg chg="mod">
+          <ac:chgData name="김소희" userId="292a1162-0793-4577-a94d-2dae0dfa5995" providerId="ADAL" clId="{56FB9BA8-8618-469E-B881-B7E5EAC1530C}" dt="2022-07-16T09:44:05.628" v="2727" actId="20577"/>
+          <ac:spMkLst>
+            <pc:docMk/>
+            <pc:sldMk cId="823482226" sldId="267"/>
+            <ac:spMk id="2" creationId="{5C386871-B092-6B43-A8DA-B84A6CCCC7F5}"/>
+          </ac:spMkLst>
+        </pc:spChg>
+        <pc:spChg chg="add del mod">
+          <ac:chgData name="김소희" userId="292a1162-0793-4577-a94d-2dae0dfa5995" providerId="ADAL" clId="{56FB9BA8-8618-469E-B881-B7E5EAC1530C}" dt="2022-07-16T13:31:22.647" v="4546" actId="478"/>
+          <ac:spMkLst>
+            <pc:docMk/>
+            <pc:sldMk cId="823482226" sldId="267"/>
+            <ac:spMk id="8" creationId="{48D52675-99FF-A883-822E-BFAAE7C1D1F2}"/>
+          </ac:spMkLst>
+        </pc:spChg>
+        <pc:spChg chg="add mod">
+          <ac:chgData name="김소희" userId="292a1162-0793-4577-a94d-2dae0dfa5995" providerId="ADAL" clId="{56FB9BA8-8618-469E-B881-B7E5EAC1530C}" dt="2022-07-16T14:16:38.987" v="5389" actId="1037"/>
+          <ac:spMkLst>
+            <pc:docMk/>
+            <pc:sldMk cId="823482226" sldId="267"/>
+            <ac:spMk id="10" creationId="{505A864D-43A1-E27A-6F0E-94048FDBCFC2}"/>
+          </ac:spMkLst>
+        </pc:spChg>
+        <pc:spChg chg="add mod">
+          <ac:chgData name="김소희" userId="292a1162-0793-4577-a94d-2dae0dfa5995" providerId="ADAL" clId="{56FB9BA8-8618-469E-B881-B7E5EAC1530C}" dt="2022-07-16T14:17:03.885" v="5395" actId="1076"/>
+          <ac:spMkLst>
+            <pc:docMk/>
+            <pc:sldMk cId="823482226" sldId="267"/>
+            <ac:spMk id="11" creationId="{4C75138B-7097-5754-7AD6-79B09C3159C6}"/>
+          </ac:spMkLst>
+        </pc:spChg>
+        <pc:spChg chg="add mod">
+          <ac:chgData name="김소희" userId="292a1162-0793-4577-a94d-2dae0dfa5995" providerId="ADAL" clId="{56FB9BA8-8618-469E-B881-B7E5EAC1530C}" dt="2022-07-16T14:16:51.744" v="5393" actId="14100"/>
+          <ac:spMkLst>
+            <pc:docMk/>
+            <pc:sldMk cId="823482226" sldId="267"/>
+            <ac:spMk id="12" creationId="{F6F1740F-2DCB-B755-E9B3-52B09FE71B03}"/>
+          </ac:spMkLst>
+        </pc:spChg>
+        <pc:spChg chg="add mod">
+          <ac:chgData name="김소희" userId="292a1162-0793-4577-a94d-2dae0dfa5995" providerId="ADAL" clId="{56FB9BA8-8618-469E-B881-B7E5EAC1530C}" dt="2022-07-16T14:18:09.723" v="5417" actId="1076"/>
+          <ac:spMkLst>
+            <pc:docMk/>
+            <pc:sldMk cId="823482226" sldId="267"/>
+            <ac:spMk id="13" creationId="{B5B1DA14-4F32-2E8C-7FD1-A86F5EEDFE9E}"/>
+          </ac:spMkLst>
+        </pc:spChg>
+        <pc:spChg chg="del mod">
+          <ac:chgData name="김소희" userId="292a1162-0793-4577-a94d-2dae0dfa5995" providerId="ADAL" clId="{56FB9BA8-8618-469E-B881-B7E5EAC1530C}" dt="2022-07-16T13:46:36.530" v="4663" actId="478"/>
+          <ac:spMkLst>
+            <pc:docMk/>
+            <pc:sldMk cId="823482226" sldId="267"/>
+            <ac:spMk id="16" creationId="{03AE33B7-4BBB-4B90-D542-91EB98D7C97B}"/>
+          </ac:spMkLst>
+        </pc:spChg>
+        <pc:spChg chg="add del mod topLvl">
+          <ac:chgData name="김소희" userId="292a1162-0793-4577-a94d-2dae0dfa5995" providerId="ADAL" clId="{56FB9BA8-8618-469E-B881-B7E5EAC1530C}" dt="2022-07-16T13:47:54.074" v="4675" actId="164"/>
+          <ac:spMkLst>
+            <pc:docMk/>
+            <pc:sldMk cId="823482226" sldId="267"/>
+            <ac:spMk id="18" creationId="{B7C089CA-85FA-2A45-C401-EA15C34413AF}"/>
+          </ac:spMkLst>
+        </pc:spChg>
+        <pc:spChg chg="add del mod topLvl">
+          <ac:chgData name="김소희" userId="292a1162-0793-4577-a94d-2dae0dfa5995" providerId="ADAL" clId="{56FB9BA8-8618-469E-B881-B7E5EAC1530C}" dt="2022-07-16T13:47:54.074" v="4675" actId="164"/>
+          <ac:spMkLst>
+            <pc:docMk/>
+            <pc:sldMk cId="823482226" sldId="267"/>
+            <ac:spMk id="19" creationId="{9583431D-F2B7-3E4C-2BAB-761A5E6C0C1F}"/>
+          </ac:spMkLst>
+        </pc:spChg>
+        <pc:spChg chg="del mod">
+          <ac:chgData name="김소희" userId="292a1162-0793-4577-a94d-2dae0dfa5995" providerId="ADAL" clId="{56FB9BA8-8618-469E-B881-B7E5EAC1530C}" dt="2022-07-16T13:46:32.630" v="4662" actId="478"/>
+          <ac:spMkLst>
+            <pc:docMk/>
+            <pc:sldMk cId="823482226" sldId="267"/>
+            <ac:spMk id="20" creationId="{9194579F-7D1D-69D9-3CA1-296669831957}"/>
+          </ac:spMkLst>
+        </pc:spChg>
+        <pc:spChg chg="del mod">
+          <ac:chgData name="김소희" userId="292a1162-0793-4577-a94d-2dae0dfa5995" providerId="ADAL" clId="{56FB9BA8-8618-469E-B881-B7E5EAC1530C}" dt="2022-07-16T13:46:43.564" v="4664" actId="478"/>
+          <ac:spMkLst>
+            <pc:docMk/>
+            <pc:sldMk cId="823482226" sldId="267"/>
+            <ac:spMk id="21" creationId="{DCB8ACAD-0A2D-D660-1823-BA5CD488B1B5}"/>
+          </ac:spMkLst>
+        </pc:spChg>
+        <pc:spChg chg="add mod">
+          <ac:chgData name="김소희" userId="292a1162-0793-4577-a94d-2dae0dfa5995" providerId="ADAL" clId="{56FB9BA8-8618-469E-B881-B7E5EAC1530C}" dt="2022-07-16T13:47:54.074" v="4675" actId="164"/>
+          <ac:spMkLst>
+            <pc:docMk/>
+            <pc:sldMk cId="823482226" sldId="267"/>
+            <ac:spMk id="22" creationId="{DAF3ABAB-7E78-840D-AB11-0172EDDF3D71}"/>
+          </ac:spMkLst>
+        </pc:spChg>
+        <pc:spChg chg="add mod">
+          <ac:chgData name="김소희" userId="292a1162-0793-4577-a94d-2dae0dfa5995" providerId="ADAL" clId="{56FB9BA8-8618-469E-B881-B7E5EAC1530C}" dt="2022-07-16T13:47:54.074" v="4675" actId="164"/>
+          <ac:spMkLst>
+            <pc:docMk/>
+            <pc:sldMk cId="823482226" sldId="267"/>
+            <ac:spMk id="23" creationId="{B7CE930C-060F-4785-748A-AB3CD50D80AF}"/>
+          </ac:spMkLst>
+        </pc:spChg>
+        <pc:spChg chg="add del mod">
+          <ac:chgData name="김소희" userId="292a1162-0793-4577-a94d-2dae0dfa5995" providerId="ADAL" clId="{56FB9BA8-8618-469E-B881-B7E5EAC1530C}" dt="2022-07-16T13:49:01.155" v="4680"/>
+          <ac:spMkLst>
+            <pc:docMk/>
+            <pc:sldMk cId="823482226" sldId="267"/>
+            <ac:spMk id="24" creationId="{921E2A2F-1DFC-0B65-4831-8DAA2D6C5438}"/>
+          </ac:spMkLst>
+        </pc:spChg>
+        <pc:spChg chg="add del mod">
+          <ac:chgData name="김소희" userId="292a1162-0793-4577-a94d-2dae0dfa5995" providerId="ADAL" clId="{56FB9BA8-8618-469E-B881-B7E5EAC1530C}" dt="2022-07-16T13:49:01.155" v="4680"/>
+          <ac:spMkLst>
+            <pc:docMk/>
+            <pc:sldMk cId="823482226" sldId="267"/>
+            <ac:spMk id="25" creationId="{2FA034EE-522A-D284-570B-6B3225BF8DCA}"/>
+          </ac:spMkLst>
+        </pc:spChg>
+        <pc:spChg chg="add mod">
+          <ac:chgData name="김소희" userId="292a1162-0793-4577-a94d-2dae0dfa5995" providerId="ADAL" clId="{56FB9BA8-8618-469E-B881-B7E5EAC1530C}" dt="2022-07-16T14:19:20.159" v="5422" actId="20577"/>
+          <ac:spMkLst>
+            <pc:docMk/>
+            <pc:sldMk cId="823482226" sldId="267"/>
+            <ac:spMk id="26" creationId="{0B2E71C4-63DD-5D21-3108-80838DB539DC}"/>
+          </ac:spMkLst>
+        </pc:spChg>
+        <pc:spChg chg="add mod">
+          <ac:chgData name="김소희" userId="292a1162-0793-4577-a94d-2dae0dfa5995" providerId="ADAL" clId="{56FB9BA8-8618-469E-B881-B7E5EAC1530C}" dt="2022-07-16T13:57:11.040" v="4895" actId="1037"/>
+          <ac:spMkLst>
+            <pc:docMk/>
+            <pc:sldMk cId="823482226" sldId="267"/>
+            <ac:spMk id="27" creationId="{0EB3B09D-29FB-5641-3658-98165C3662E2}"/>
+          </ac:spMkLst>
+        </pc:spChg>
+        <pc:spChg chg="add mod">
+          <ac:chgData name="김소희" userId="292a1162-0793-4577-a94d-2dae0dfa5995" providerId="ADAL" clId="{56FB9BA8-8618-469E-B881-B7E5EAC1530C}" dt="2022-07-16T14:05:57.542" v="5057" actId="164"/>
+          <ac:spMkLst>
+            <pc:docMk/>
+            <pc:sldMk cId="823482226" sldId="267"/>
+            <ac:spMk id="28" creationId="{55068063-54D5-482C-6350-2134AE9A12C8}"/>
+          </ac:spMkLst>
+        </pc:spChg>
+        <pc:spChg chg="add mod">
+          <ac:chgData name="김소희" userId="292a1162-0793-4577-a94d-2dae0dfa5995" providerId="ADAL" clId="{56FB9BA8-8618-469E-B881-B7E5EAC1530C}" dt="2022-07-16T14:18:18.481" v="5419" actId="1076"/>
+          <ac:spMkLst>
+            <pc:docMk/>
+            <pc:sldMk cId="823482226" sldId="267"/>
+            <ac:spMk id="29" creationId="{3206A378-0E36-B833-A9CC-30BE0FE0AA9D}"/>
+          </ac:spMkLst>
+        </pc:spChg>
+        <pc:grpChg chg="add mod ord">
+          <ac:chgData name="김소희" userId="292a1162-0793-4577-a94d-2dae0dfa5995" providerId="ADAL" clId="{56FB9BA8-8618-469E-B881-B7E5EAC1530C}" dt="2022-07-16T13:57:25.431" v="4897" actId="1076"/>
+          <ac:grpSpMkLst>
+            <pc:docMk/>
+            <pc:sldMk cId="823482226" sldId="267"/>
+            <ac:grpSpMk id="6" creationId="{B58EC3AE-7195-3D95-1C6B-4E17454DE56C}"/>
+          </ac:grpSpMkLst>
+        </pc:grpChg>
+        <pc:grpChg chg="add del mod">
+          <ac:chgData name="김소희" userId="292a1162-0793-4577-a94d-2dae0dfa5995" providerId="ADAL" clId="{56FB9BA8-8618-469E-B881-B7E5EAC1530C}" dt="2022-07-16T13:46:50.885" v="4666" actId="165"/>
+          <ac:grpSpMkLst>
+            <pc:docMk/>
+            <pc:sldMk cId="823482226" sldId="267"/>
+            <ac:grpSpMk id="14" creationId="{17821C68-0FF5-E7BC-C52C-DBBBA69A4E6E}"/>
+          </ac:grpSpMkLst>
+        </pc:grpChg>
+        <pc:grpChg chg="add mod">
+          <ac:chgData name="김소희" userId="292a1162-0793-4577-a94d-2dae0dfa5995" providerId="ADAL" clId="{56FB9BA8-8618-469E-B881-B7E5EAC1530C}" dt="2022-07-16T14:18:09.723" v="5417" actId="1076"/>
+          <ac:grpSpMkLst>
+            <pc:docMk/>
+            <pc:sldMk cId="823482226" sldId="267"/>
+            <ac:grpSpMk id="30" creationId="{1F39CF99-D5CD-F251-9866-53C6321BB7CB}"/>
+          </ac:grpSpMkLst>
+        </pc:grpChg>
+        <pc:picChg chg="add mod modCrop">
+          <ac:chgData name="김소희" userId="292a1162-0793-4577-a94d-2dae0dfa5995" providerId="ADAL" clId="{56FB9BA8-8618-469E-B881-B7E5EAC1530C}" dt="2022-07-16T14:19:09.687" v="5420" actId="1076"/>
+          <ac:picMkLst>
+            <pc:docMk/>
+            <pc:sldMk cId="823482226" sldId="267"/>
+            <ac:picMk id="4" creationId="{3BA3D4B1-8FF7-D712-8062-E7C82489B203}"/>
+          </ac:picMkLst>
+        </pc:picChg>
+        <pc:picChg chg="del">
+          <ac:chgData name="김소희" userId="292a1162-0793-4577-a94d-2dae0dfa5995" providerId="ADAL" clId="{56FB9BA8-8618-469E-B881-B7E5EAC1530C}" dt="2022-07-16T09:43:27.298" v="2719" actId="478"/>
+          <ac:picMkLst>
+            <pc:docMk/>
+            <pc:sldMk cId="823482226" sldId="267"/>
+            <ac:picMk id="5" creationId="{2B1D5BB1-3B52-7157-1523-03F72D9D4E0B}"/>
+          </ac:picMkLst>
+        </pc:picChg>
+        <pc:picChg chg="add mod">
+          <ac:chgData name="김소희" userId="292a1162-0793-4577-a94d-2dae0dfa5995" providerId="ADAL" clId="{56FB9BA8-8618-469E-B881-B7E5EAC1530C}" dt="2022-07-16T14:05:57.542" v="5057" actId="164"/>
+          <ac:picMkLst>
+            <pc:docMk/>
+            <pc:sldMk cId="823482226" sldId="267"/>
+            <ac:picMk id="5" creationId="{3BA724AA-EC82-064A-A524-2C0AC1CC2903}"/>
+          </ac:picMkLst>
+        </pc:picChg>
+        <pc:picChg chg="add mod modCrop">
+          <ac:chgData name="김소희" userId="292a1162-0793-4577-a94d-2dae0dfa5995" providerId="ADAL" clId="{56FB9BA8-8618-469E-B881-B7E5EAC1530C}" dt="2022-07-16T14:16:40.816" v="5390" actId="1076"/>
+          <ac:picMkLst>
+            <pc:docMk/>
+            <pc:sldMk cId="823482226" sldId="267"/>
+            <ac:picMk id="7" creationId="{7570B179-4177-2904-52B5-FBC13CD82DE7}"/>
+          </ac:picMkLst>
+        </pc:picChg>
+        <pc:picChg chg="del">
+          <ac:chgData name="김소희" userId="292a1162-0793-4577-a94d-2dae0dfa5995" providerId="ADAL" clId="{56FB9BA8-8618-469E-B881-B7E5EAC1530C}" dt="2022-07-16T09:43:27.298" v="2719" actId="478"/>
+          <ac:picMkLst>
+            <pc:docMk/>
+            <pc:sldMk cId="823482226" sldId="267"/>
+            <ac:picMk id="8" creationId="{EA934249-FCAF-95AB-CED5-79C520AB08BA}"/>
+          </ac:picMkLst>
+        </pc:picChg>
+        <pc:picChg chg="del">
+          <ac:chgData name="김소희" userId="292a1162-0793-4577-a94d-2dae0dfa5995" providerId="ADAL" clId="{56FB9BA8-8618-469E-B881-B7E5EAC1530C}" dt="2022-07-16T09:43:27.298" v="2719" actId="478"/>
+          <ac:picMkLst>
+            <pc:docMk/>
+            <pc:sldMk cId="823482226" sldId="267"/>
+            <ac:picMk id="11" creationId="{857B6171-CD2E-B19F-500D-79822B30AC41}"/>
+          </ac:picMkLst>
+        </pc:picChg>
+        <pc:picChg chg="mod topLvl modCrop">
+          <ac:chgData name="김소희" userId="292a1162-0793-4577-a94d-2dae0dfa5995" providerId="ADAL" clId="{56FB9BA8-8618-469E-B881-B7E5EAC1530C}" dt="2022-07-16T13:48:17.992" v="4678" actId="732"/>
+          <ac:picMkLst>
+            <pc:docMk/>
+            <pc:sldMk cId="823482226" sldId="267"/>
+            <ac:picMk id="15" creationId="{B5E9E492-AEEC-AD2B-61F9-A11C80E10A48}"/>
+          </ac:picMkLst>
+        </pc:picChg>
+        <pc:cxnChg chg="del mod">
+          <ac:chgData name="김소희" userId="292a1162-0793-4577-a94d-2dae0dfa5995" providerId="ADAL" clId="{56FB9BA8-8618-469E-B881-B7E5EAC1530C}" dt="2022-07-16T13:46:48.444" v="4665" actId="478"/>
+          <ac:cxnSpMkLst>
+            <pc:docMk/>
+            <pc:sldMk cId="823482226" sldId="267"/>
+            <ac:cxnSpMk id="17" creationId="{96626C23-BBEF-81A8-1087-3FCBE422D1A8}"/>
+          </ac:cxnSpMkLst>
+        </pc:cxnChg>
+      </pc:sldChg>
+      <pc:sldChg chg="addSp delSp modSp add mod ord">
+        <pc:chgData name="김소희" userId="292a1162-0793-4577-a94d-2dae0dfa5995" providerId="ADAL" clId="{56FB9BA8-8618-469E-B881-B7E5EAC1530C}" dt="2022-07-16T16:24:21.069" v="5852" actId="1035"/>
+        <pc:sldMkLst>
+          <pc:docMk/>
+          <pc:sldMk cId="3685255024" sldId="268"/>
+        </pc:sldMkLst>
+        <pc:spChg chg="mod">
+          <ac:chgData name="김소희" userId="292a1162-0793-4577-a94d-2dae0dfa5995" providerId="ADAL" clId="{56FB9BA8-8618-469E-B881-B7E5EAC1530C}" dt="2022-07-16T09:48:50.970" v="2767"/>
+          <ac:spMkLst>
+            <pc:docMk/>
+            <pc:sldMk cId="3685255024" sldId="268"/>
+            <ac:spMk id="2" creationId="{5C386871-B092-6B43-A8DA-B84A6CCCC7F5}"/>
+          </ac:spMkLst>
+        </pc:spChg>
+        <pc:spChg chg="add mod">
+          <ac:chgData name="김소희" userId="292a1162-0793-4577-a94d-2dae0dfa5995" providerId="ADAL" clId="{56FB9BA8-8618-469E-B881-B7E5EAC1530C}" dt="2022-07-16T14:21:18.546" v="5444" actId="14100"/>
+          <ac:spMkLst>
+            <pc:docMk/>
+            <pc:sldMk cId="3685255024" sldId="268"/>
+            <ac:spMk id="7" creationId="{4D70969F-B72C-E13B-3A27-807376949EF3}"/>
+          </ac:spMkLst>
+        </pc:spChg>
+        <pc:spChg chg="add mod">
+          <ac:chgData name="김소희" userId="292a1162-0793-4577-a94d-2dae0dfa5995" providerId="ADAL" clId="{56FB9BA8-8618-469E-B881-B7E5EAC1530C}" dt="2022-07-16T16:23:03.399" v="5816" actId="1076"/>
+          <ac:spMkLst>
+            <pc:docMk/>
+            <pc:sldMk cId="3685255024" sldId="268"/>
+            <ac:spMk id="8" creationId="{F09E10D0-500A-B99C-CBFD-25923A7906EF}"/>
+          </ac:spMkLst>
+        </pc:spChg>
+        <pc:spChg chg="add del mod">
+          <ac:chgData name="김소희" userId="292a1162-0793-4577-a94d-2dae0dfa5995" providerId="ADAL" clId="{56FB9BA8-8618-469E-B881-B7E5EAC1530C}" dt="2022-07-16T14:21:53.318" v="5486"/>
+          <ac:spMkLst>
+            <pc:docMk/>
+            <pc:sldMk cId="3685255024" sldId="268"/>
+            <ac:spMk id="10" creationId="{CC76ED43-C7AA-49DB-8C6A-A54674A37204}"/>
+          </ac:spMkLst>
+        </pc:spChg>
+        <pc:spChg chg="add mod">
+          <ac:chgData name="김소희" userId="292a1162-0793-4577-a94d-2dae0dfa5995" providerId="ADAL" clId="{56FB9BA8-8618-469E-B881-B7E5EAC1530C}" dt="2022-07-16T16:24:21.069" v="5852" actId="1035"/>
+          <ac:spMkLst>
+            <pc:docMk/>
+            <pc:sldMk cId="3685255024" sldId="268"/>
+            <ac:spMk id="11" creationId="{CCC8864A-DD65-070E-70D1-3CB298A5112E}"/>
+          </ac:spMkLst>
+        </pc:spChg>
+        <pc:spChg chg="add mod">
+          <ac:chgData name="김소희" userId="292a1162-0793-4577-a94d-2dae0dfa5995" providerId="ADAL" clId="{56FB9BA8-8618-469E-B881-B7E5EAC1530C}" dt="2022-07-16T15:35:10.868" v="5507" actId="20577"/>
+          <ac:spMkLst>
+            <pc:docMk/>
+            <pc:sldMk cId="3685255024" sldId="268"/>
+            <ac:spMk id="12" creationId="{F0ABF226-EA99-35B3-765F-D21167F361B4}"/>
+          </ac:spMkLst>
+        </pc:spChg>
+        <pc:spChg chg="add mod">
+          <ac:chgData name="김소희" userId="292a1162-0793-4577-a94d-2dae0dfa5995" providerId="ADAL" clId="{56FB9BA8-8618-469E-B881-B7E5EAC1530C}" dt="2022-07-16T15:36:23.259" v="5685" actId="20577"/>
+          <ac:spMkLst>
+            <pc:docMk/>
+            <pc:sldMk cId="3685255024" sldId="268"/>
+            <ac:spMk id="13" creationId="{625E10A7-CE26-050D-5157-B8389F747707}"/>
+          </ac:spMkLst>
+        </pc:spChg>
+        <pc:picChg chg="add mod">
+          <ac:chgData name="김소희" userId="292a1162-0793-4577-a94d-2dae0dfa5995" providerId="ADAL" clId="{56FB9BA8-8618-469E-B881-B7E5EAC1530C}" dt="2022-07-16T16:22:59.130" v="5815" actId="1076"/>
+          <ac:picMkLst>
+            <pc:docMk/>
+            <pc:sldMk cId="3685255024" sldId="268"/>
+            <ac:picMk id="4" creationId="{DE3370A8-E560-5A2A-167A-0DCC7CC0B805}"/>
+          </ac:picMkLst>
+        </pc:picChg>
+        <pc:picChg chg="add mod">
+          <ac:chgData name="김소희" userId="292a1162-0793-4577-a94d-2dae0dfa5995" providerId="ADAL" clId="{56FB9BA8-8618-469E-B881-B7E5EAC1530C}" dt="2022-07-16T15:35:40.722" v="5554" actId="14100"/>
+          <ac:picMkLst>
+            <pc:docMk/>
+            <pc:sldMk cId="3685255024" sldId="268"/>
+            <ac:picMk id="6" creationId="{E17F1D46-98D2-EA06-085E-20B47EE269A5}"/>
+          </ac:picMkLst>
+        </pc:picChg>
+      </pc:sldChg>
+      <pc:sldChg chg="addSp delSp modSp add mod">
+        <pc:chgData name="김소희" userId="292a1162-0793-4577-a94d-2dae0dfa5995" providerId="ADAL" clId="{56FB9BA8-8618-469E-B881-B7E5EAC1530C}" dt="2022-07-16T16:49:11.097" v="6509" actId="20577"/>
+        <pc:sldMkLst>
+          <pc:docMk/>
+          <pc:sldMk cId="2469761216" sldId="269"/>
+        </pc:sldMkLst>
+        <pc:spChg chg="add mod">
+          <ac:chgData name="김소희" userId="292a1162-0793-4577-a94d-2dae0dfa5995" providerId="ADAL" clId="{56FB9BA8-8618-469E-B881-B7E5EAC1530C}" dt="2022-07-16T16:49:11.097" v="6509" actId="20577"/>
+          <ac:spMkLst>
+            <pc:docMk/>
+            <pc:sldMk cId="2469761216" sldId="269"/>
+            <ac:spMk id="6" creationId="{EFA8B7E0-492C-4117-880E-44A23D6C39EC}"/>
+          </ac:spMkLst>
+        </pc:spChg>
+        <pc:spChg chg="mod">
+          <ac:chgData name="김소희" userId="292a1162-0793-4577-a94d-2dae0dfa5995" providerId="ADAL" clId="{56FB9BA8-8618-469E-B881-B7E5EAC1530C}" dt="2022-07-16T16:35:23.644" v="5878" actId="1035"/>
+          <ac:spMkLst>
+            <pc:docMk/>
+            <pc:sldMk cId="2469761216" sldId="269"/>
+            <ac:spMk id="14" creationId="{E89E35C5-CDC5-E213-E030-34717EFA3209}"/>
+          </ac:spMkLst>
+        </pc:spChg>
+        <pc:spChg chg="del">
+          <ac:chgData name="김소희" userId="292a1162-0793-4577-a94d-2dae0dfa5995" providerId="ADAL" clId="{56FB9BA8-8618-469E-B881-B7E5EAC1530C}" dt="2022-07-16T09:52:58.772" v="2808" actId="478"/>
+          <ac:spMkLst>
+            <pc:docMk/>
+            <pc:sldMk cId="2469761216" sldId="269"/>
+            <ac:spMk id="15" creationId="{8D930912-89D0-1463-E935-699E3D0E262D}"/>
+          </ac:spMkLst>
+        </pc:spChg>
+        <pc:picChg chg="add mod">
+          <ac:chgData name="김소희" userId="292a1162-0793-4577-a94d-2dae0dfa5995" providerId="ADAL" clId="{56FB9BA8-8618-469E-B881-B7E5EAC1530C}" dt="2022-07-16T16:35:27.028" v="5879" actId="1076"/>
+          <ac:picMkLst>
+            <pc:docMk/>
+            <pc:sldMk cId="2469761216" sldId="269"/>
+            <ac:picMk id="4" creationId="{7DB98AC0-EF39-454C-E9A7-3C2C745E5BCE}"/>
+          </ac:picMkLst>
+        </pc:picChg>
+        <pc:picChg chg="del">
+          <ac:chgData name="김소희" userId="292a1162-0793-4577-a94d-2dae0dfa5995" providerId="ADAL" clId="{56FB9BA8-8618-469E-B881-B7E5EAC1530C}" dt="2022-07-16T09:52:57.861" v="2806" actId="478"/>
+          <ac:picMkLst>
+            <pc:docMk/>
+            <pc:sldMk cId="2469761216" sldId="269"/>
+            <ac:picMk id="7" creationId="{66570E45-0B89-3E19-4B27-7F32E857FC02}"/>
+          </ac:picMkLst>
+        </pc:picChg>
+        <pc:picChg chg="del">
+          <ac:chgData name="김소희" userId="292a1162-0793-4577-a94d-2dae0dfa5995" providerId="ADAL" clId="{56FB9BA8-8618-469E-B881-B7E5EAC1530C}" dt="2022-07-16T09:52:58.156" v="2807" actId="478"/>
+          <ac:picMkLst>
+            <pc:docMk/>
+            <pc:sldMk cId="2469761216" sldId="269"/>
+            <ac:picMk id="12" creationId="{F722584A-E6D6-C0F2-949D-4F622A3ECFB5}"/>
+          </ac:picMkLst>
+        </pc:picChg>
+      </pc:sldChg>
+      <pc:sldChg chg="addSp delSp modSp add mod">
+        <pc:chgData name="김소희" userId="292a1162-0793-4577-a94d-2dae0dfa5995" providerId="ADAL" clId="{56FB9BA8-8618-469E-B881-B7E5EAC1530C}" dt="2022-07-17T11:28:19.260" v="6675" actId="1076"/>
+        <pc:sldMkLst>
+          <pc:docMk/>
+          <pc:sldMk cId="1001211680" sldId="270"/>
+        </pc:sldMkLst>
+        <pc:spChg chg="mod">
+          <ac:chgData name="김소희" userId="292a1162-0793-4577-a94d-2dae0dfa5995" providerId="ADAL" clId="{56FB9BA8-8618-469E-B881-B7E5EAC1530C}" dt="2022-07-16T09:55:20.568" v="2883" actId="20577"/>
+          <ac:spMkLst>
+            <pc:docMk/>
+            <pc:sldMk cId="1001211680" sldId="270"/>
+            <ac:spMk id="2" creationId="{5C386871-B092-6B43-A8DA-B84A6CCCC7F5}"/>
+          </ac:spMkLst>
+        </pc:spChg>
+        <pc:spChg chg="add del">
+          <ac:chgData name="김소희" userId="292a1162-0793-4577-a94d-2dae0dfa5995" providerId="ADAL" clId="{56FB9BA8-8618-469E-B881-B7E5EAC1530C}" dt="2022-07-16T09:55:40.161" v="2886" actId="22"/>
+          <ac:spMkLst>
+            <pc:docMk/>
+            <pc:sldMk cId="1001211680" sldId="270"/>
+            <ac:spMk id="7" creationId="{15C3B2BA-17ED-CA42-7B7A-1092DAE5B046}"/>
+          </ac:spMkLst>
+        </pc:spChg>
+        <pc:spChg chg="add mod">
+          <ac:chgData name="김소희" userId="292a1162-0793-4577-a94d-2dae0dfa5995" providerId="ADAL" clId="{56FB9BA8-8618-469E-B881-B7E5EAC1530C}" dt="2022-07-17T11:28:19.260" v="6675" actId="1076"/>
+          <ac:spMkLst>
+            <pc:docMk/>
+            <pc:sldMk cId="1001211680" sldId="270"/>
+            <ac:spMk id="10" creationId="{72987552-5AA4-DD5A-C2A2-02550016258E}"/>
+          </ac:spMkLst>
+        </pc:spChg>
+        <pc:spChg chg="del">
+          <ac:chgData name="김소희" userId="292a1162-0793-4577-a94d-2dae0dfa5995" providerId="ADAL" clId="{56FB9BA8-8618-469E-B881-B7E5EAC1530C}" dt="2022-07-16T09:55:51.558" v="2898" actId="478"/>
+          <ac:spMkLst>
+            <pc:docMk/>
+            <pc:sldMk cId="1001211680" sldId="270"/>
+            <ac:spMk id="14" creationId="{E89E35C5-CDC5-E213-E030-34717EFA3209}"/>
+          </ac:spMkLst>
+        </pc:spChg>
+        <pc:picChg chg="del">
+          <ac:chgData name="김소희" userId="292a1162-0793-4577-a94d-2dae0dfa5995" providerId="ADAL" clId="{56FB9BA8-8618-469E-B881-B7E5EAC1530C}" dt="2022-07-16T09:55:37.578" v="2884" actId="478"/>
+          <ac:picMkLst>
+            <pc:docMk/>
+            <pc:sldMk cId="1001211680" sldId="270"/>
+            <ac:picMk id="4" creationId="{7DB98AC0-EF39-454C-E9A7-3C2C745E5BCE}"/>
+          </ac:picMkLst>
+        </pc:picChg>
+      </pc:sldChg>
+      <pc:sldChg chg="addSp delSp modSp add mod ord">
+        <pc:chgData name="김소희" userId="292a1162-0793-4577-a94d-2dae0dfa5995" providerId="ADAL" clId="{56FB9BA8-8618-469E-B881-B7E5EAC1530C}" dt="2022-07-16T16:55:18.855" v="6639" actId="113"/>
+        <pc:sldMkLst>
+          <pc:docMk/>
+          <pc:sldMk cId="2778352275" sldId="271"/>
+        </pc:sldMkLst>
+        <pc:spChg chg="mod">
+          <ac:chgData name="김소희" userId="292a1162-0793-4577-a94d-2dae0dfa5995" providerId="ADAL" clId="{56FB9BA8-8618-469E-B881-B7E5EAC1530C}" dt="2022-07-16T16:55:18.855" v="6639" actId="113"/>
+          <ac:spMkLst>
+            <pc:docMk/>
+            <pc:sldMk cId="2778352275" sldId="271"/>
+            <ac:spMk id="2" creationId="{D42C8D01-1348-904F-A28E-FB1F05F50B66}"/>
+          </ac:spMkLst>
+        </pc:spChg>
+        <pc:spChg chg="del">
+          <ac:chgData name="김소희" userId="292a1162-0793-4577-a94d-2dae0dfa5995" providerId="ADAL" clId="{56FB9BA8-8618-469E-B881-B7E5EAC1530C}" dt="2022-07-16T16:54:35.233" v="6628" actId="478"/>
+          <ac:spMkLst>
+            <pc:docMk/>
+            <pc:sldMk cId="2778352275" sldId="271"/>
+            <ac:spMk id="3" creationId="{BB4F0E0A-8459-60AB-4DBF-FC43E9161C10}"/>
+          </ac:spMkLst>
+        </pc:spChg>
+        <pc:spChg chg="mod">
+          <ac:chgData name="김소희" userId="292a1162-0793-4577-a94d-2dae0dfa5995" providerId="ADAL" clId="{56FB9BA8-8618-469E-B881-B7E5EAC1530C}" dt="2022-07-16T16:54:39.786" v="6630" actId="14100"/>
+          <ac:spMkLst>
+            <pc:docMk/>
+            <pc:sldMk cId="2778352275" sldId="271"/>
+            <ac:spMk id="5" creationId="{433B89A1-AC33-8D2C-470E-70698F2016E8}"/>
+          </ac:spMkLst>
+        </pc:spChg>
+        <pc:spChg chg="add del mod">
+          <ac:chgData name="김소희" userId="292a1162-0793-4577-a94d-2dae0dfa5995" providerId="ADAL" clId="{56FB9BA8-8618-469E-B881-B7E5EAC1530C}" dt="2022-07-16T16:54:37.017" v="6629" actId="478"/>
+          <ac:spMkLst>
+            <pc:docMk/>
+            <pc:sldMk cId="2778352275" sldId="271"/>
+            <ac:spMk id="6" creationId="{7D9D3ED7-223E-4B42-201C-C2C027DC6654}"/>
+          </ac:spMkLst>
+        </pc:spChg>
+      </pc:sldChg>
+      <pc:sldChg chg="addSp delSp modSp add mod ord modNotesTx">
+        <pc:chgData name="김소희" userId="292a1162-0793-4577-a94d-2dae0dfa5995" providerId="ADAL" clId="{56FB9BA8-8618-469E-B881-B7E5EAC1530C}" dt="2022-07-17T12:36:57.945" v="7414" actId="1076"/>
+        <pc:sldMkLst>
+          <pc:docMk/>
+          <pc:sldMk cId="1677538351" sldId="272"/>
+        </pc:sldMkLst>
+        <pc:spChg chg="del">
+          <ac:chgData name="김소희" userId="292a1162-0793-4577-a94d-2dae0dfa5995" providerId="ADAL" clId="{56FB9BA8-8618-469E-B881-B7E5EAC1530C}" dt="2022-07-16T16:56:14.085" v="6643" actId="478"/>
+          <ac:spMkLst>
+            <pc:docMk/>
+            <pc:sldMk cId="1677538351" sldId="272"/>
+            <ac:spMk id="4" creationId="{23D46D21-7D87-A5C5-3A16-F43F451EE6D6}"/>
+          </ac:spMkLst>
+        </pc:spChg>
+        <pc:spChg chg="mod">
+          <ac:chgData name="김소희" userId="292a1162-0793-4577-a94d-2dae0dfa5995" providerId="ADAL" clId="{56FB9BA8-8618-469E-B881-B7E5EAC1530C}" dt="2022-07-17T12:33:15.514" v="7315" actId="403"/>
+          <ac:spMkLst>
+            <pc:docMk/>
+            <pc:sldMk cId="1677538351" sldId="272"/>
+            <ac:spMk id="6" creationId="{2188782E-44BF-062E-224B-C021A5C826FC}"/>
+          </ac:spMkLst>
+        </pc:spChg>
+        <pc:spChg chg="add mod">
+          <ac:chgData name="김소희" userId="292a1162-0793-4577-a94d-2dae0dfa5995" providerId="ADAL" clId="{56FB9BA8-8618-469E-B881-B7E5EAC1530C}" dt="2022-07-17T12:32:21.077" v="7299" actId="1035"/>
+          <ac:spMkLst>
+            <pc:docMk/>
+            <pc:sldMk cId="1677538351" sldId="272"/>
+            <ac:spMk id="8" creationId="{B588D191-0AEA-6E66-B176-CEA9533A2031}"/>
+          </ac:spMkLst>
+        </pc:spChg>
+        <pc:spChg chg="mod">
+          <ac:chgData name="김소희" userId="292a1162-0793-4577-a94d-2dae0dfa5995" providerId="ADAL" clId="{56FB9BA8-8618-469E-B881-B7E5EAC1530C}" dt="2022-07-16T16:55:03.377" v="6637" actId="14100"/>
+          <ac:spMkLst>
+            <pc:docMk/>
+            <pc:sldMk cId="1677538351" sldId="272"/>
+            <ac:spMk id="9" creationId="{4E262F7D-1CD2-9678-413C-EB257F68A044}"/>
+          </ac:spMkLst>
+        </pc:spChg>
+        <pc:spChg chg="add mod">
+          <ac:chgData name="김소희" userId="292a1162-0793-4577-a94d-2dae0dfa5995" providerId="ADAL" clId="{56FB9BA8-8618-469E-B881-B7E5EAC1530C}" dt="2022-07-17T12:32:21.077" v="7299" actId="1035"/>
+          <ac:spMkLst>
+            <pc:docMk/>
+            <pc:sldMk cId="1677538351" sldId="272"/>
+            <ac:spMk id="10" creationId="{196C492B-1218-3877-CBA4-906C0D2BFF6E}"/>
+          </ac:spMkLst>
+        </pc:spChg>
+        <pc:spChg chg="add del mod">
+          <ac:chgData name="김소희" userId="292a1162-0793-4577-a94d-2dae0dfa5995" providerId="ADAL" clId="{56FB9BA8-8618-469E-B881-B7E5EAC1530C}" dt="2022-07-17T12:31:53.478" v="7279" actId="21"/>
+          <ac:spMkLst>
+            <pc:docMk/>
+            <pc:sldMk cId="1677538351" sldId="272"/>
+            <ac:spMk id="11" creationId="{EBFAD5C0-1CED-341A-A2BD-A8B84BBC7BC0}"/>
+          </ac:spMkLst>
+        </pc:spChg>
+        <pc:spChg chg="del">
+          <ac:chgData name="김소희" userId="292a1162-0793-4577-a94d-2dae0dfa5995" providerId="ADAL" clId="{56FB9BA8-8618-469E-B881-B7E5EAC1530C}" dt="2022-07-17T12:28:05.820" v="7261" actId="478"/>
+          <ac:spMkLst>
+            <pc:docMk/>
+            <pc:sldMk cId="1677538351" sldId="272"/>
+            <ac:spMk id="13" creationId="{174246C5-3CB0-4EE1-338B-F486C3F74F8D}"/>
+          </ac:spMkLst>
+        </pc:spChg>
+        <pc:picChg chg="add mod">
+          <ac:chgData name="김소희" userId="292a1162-0793-4577-a94d-2dae0dfa5995" providerId="ADAL" clId="{56FB9BA8-8618-469E-B881-B7E5EAC1530C}" dt="2022-07-17T12:36:57.945" v="7414" actId="1076"/>
+          <ac:picMkLst>
+            <pc:docMk/>
+            <pc:sldMk cId="1677538351" sldId="272"/>
+            <ac:picMk id="4" creationId="{A286BE99-4C6E-717B-D201-69688FB57D8E}"/>
+          </ac:picMkLst>
+        </pc:picChg>
+        <pc:picChg chg="del">
+          <ac:chgData name="김소희" userId="292a1162-0793-4577-a94d-2dae0dfa5995" providerId="ADAL" clId="{56FB9BA8-8618-469E-B881-B7E5EAC1530C}" dt="2022-07-16T16:56:12.908" v="6642" actId="478"/>
+          <ac:picMkLst>
+            <pc:docMk/>
+            <pc:sldMk cId="1677538351" sldId="272"/>
+            <ac:picMk id="1026" creationId="{082B6978-1040-2636-ECB5-72C25D649201}"/>
+          </ac:picMkLst>
+        </pc:picChg>
+      </pc:sldChg>
+      <pc:sldChg chg="addSp delSp modSp add mod">
+        <pc:chgData name="김소희" userId="292a1162-0793-4577-a94d-2dae0dfa5995" providerId="ADAL" clId="{56FB9BA8-8618-469E-B881-B7E5EAC1530C}" dt="2022-07-17T18:18:45.657" v="11407" actId="1076"/>
+        <pc:sldMkLst>
+          <pc:docMk/>
+          <pc:sldMk cId="3575306235" sldId="273"/>
+        </pc:sldMkLst>
+        <pc:spChg chg="del">
+          <ac:chgData name="김소희" userId="292a1162-0793-4577-a94d-2dae0dfa5995" providerId="ADAL" clId="{56FB9BA8-8618-469E-B881-B7E5EAC1530C}" dt="2022-07-17T12:30:44.119" v="7272" actId="478"/>
+          <ac:spMkLst>
+            <pc:docMk/>
+            <pc:sldMk cId="3575306235" sldId="273"/>
+            <ac:spMk id="6" creationId="{2188782E-44BF-062E-224B-C021A5C826FC}"/>
+          </ac:spMkLst>
+        </pc:spChg>
+        <pc:spChg chg="del">
+          <ac:chgData name="김소희" userId="292a1162-0793-4577-a94d-2dae0dfa5995" providerId="ADAL" clId="{56FB9BA8-8618-469E-B881-B7E5EAC1530C}" dt="2022-07-17T12:30:44.119" v="7272" actId="478"/>
+          <ac:spMkLst>
+            <pc:docMk/>
+            <pc:sldMk cId="3575306235" sldId="273"/>
+            <ac:spMk id="8" creationId="{B588D191-0AEA-6E66-B176-CEA9533A2031}"/>
+          </ac:spMkLst>
+        </pc:spChg>
+        <pc:spChg chg="del">
+          <ac:chgData name="김소희" userId="292a1162-0793-4577-a94d-2dae0dfa5995" providerId="ADAL" clId="{56FB9BA8-8618-469E-B881-B7E5EAC1530C}" dt="2022-07-17T12:30:44.119" v="7272" actId="478"/>
+          <ac:spMkLst>
+            <pc:docMk/>
+            <pc:sldMk cId="3575306235" sldId="273"/>
+            <ac:spMk id="10" creationId="{196C492B-1218-3877-CBA4-906C0D2BFF6E}"/>
+          </ac:spMkLst>
+        </pc:spChg>
+        <pc:spChg chg="del">
+          <ac:chgData name="김소희" userId="292a1162-0793-4577-a94d-2dae0dfa5995" providerId="ADAL" clId="{56FB9BA8-8618-469E-B881-B7E5EAC1530C}" dt="2022-07-17T12:30:44.119" v="7272" actId="478"/>
+          <ac:spMkLst>
+            <pc:docMk/>
+            <pc:sldMk cId="3575306235" sldId="273"/>
+            <ac:spMk id="11" creationId="{EBFAD5C0-1CED-341A-A2BD-A8B84BBC7BC0}"/>
+          </ac:spMkLst>
+        </pc:spChg>
+        <pc:spChg chg="add mod">
+          <ac:chgData name="김소희" userId="292a1162-0793-4577-a94d-2dae0dfa5995" providerId="ADAL" clId="{56FB9BA8-8618-469E-B881-B7E5EAC1530C}" dt="2022-07-17T15:38:35.143" v="7741" actId="1076"/>
+          <ac:spMkLst>
+            <pc:docMk/>
+            <pc:sldMk cId="3575306235" sldId="273"/>
+            <ac:spMk id="15" creationId="{2494126B-543A-FDDA-17D0-F993FACA44E4}"/>
+          </ac:spMkLst>
+        </pc:spChg>
+        <pc:spChg chg="add mod">
+          <ac:chgData name="김소희" userId="292a1162-0793-4577-a94d-2dae0dfa5995" providerId="ADAL" clId="{56FB9BA8-8618-469E-B881-B7E5EAC1530C}" dt="2022-07-17T18:18:45.657" v="11407" actId="1076"/>
+          <ac:spMkLst>
+            <pc:docMk/>
+            <pc:sldMk cId="3575306235" sldId="273"/>
+            <ac:spMk id="17" creationId="{5F6C1FB1-4562-2466-D242-5574E13C66F6}"/>
+          </ac:spMkLst>
+        </pc:spChg>
+        <pc:picChg chg="del">
+          <ac:chgData name="김소희" userId="292a1162-0793-4577-a94d-2dae0dfa5995" providerId="ADAL" clId="{56FB9BA8-8618-469E-B881-B7E5EAC1530C}" dt="2022-07-17T12:30:44.119" v="7272" actId="478"/>
+          <ac:picMkLst>
+            <pc:docMk/>
+            <pc:sldMk cId="3575306235" sldId="273"/>
+            <ac:picMk id="4" creationId="{A286BE99-4C6E-717B-D201-69688FB57D8E}"/>
+          </ac:picMkLst>
+        </pc:picChg>
+        <pc:picChg chg="add del">
+          <ac:chgData name="김소희" userId="292a1162-0793-4577-a94d-2dae0dfa5995" providerId="ADAL" clId="{56FB9BA8-8618-469E-B881-B7E5EAC1530C}" dt="2022-07-17T12:30:55.852" v="7274" actId="478"/>
+          <ac:picMkLst>
+            <pc:docMk/>
+            <pc:sldMk cId="3575306235" sldId="273"/>
+            <ac:picMk id="5" creationId="{E7F87D54-6880-7131-A047-00BDA9894009}"/>
+          </ac:picMkLst>
+        </pc:picChg>
+        <pc:picChg chg="add del">
+          <ac:chgData name="김소희" userId="292a1162-0793-4577-a94d-2dae0dfa5995" providerId="ADAL" clId="{56FB9BA8-8618-469E-B881-B7E5EAC1530C}" dt="2022-07-17T12:31:13.148" v="7276" actId="478"/>
+          <ac:picMkLst>
+            <pc:docMk/>
+            <pc:sldMk cId="3575306235" sldId="273"/>
+            <ac:picMk id="12" creationId="{432536C4-836C-B7CC-76EE-19193FBAB65A}"/>
+          </ac:picMkLst>
+        </pc:picChg>
+        <pc:picChg chg="add mod">
+          <ac:chgData name="김소희" userId="292a1162-0793-4577-a94d-2dae0dfa5995" providerId="ADAL" clId="{56FB9BA8-8618-469E-B881-B7E5EAC1530C}" dt="2022-07-17T15:38:35.143" v="7741" actId="1076"/>
+          <ac:picMkLst>
+            <pc:docMk/>
+            <pc:sldMk cId="3575306235" sldId="273"/>
+            <ac:picMk id="14" creationId="{96BFB391-FD25-112E-FC94-B41BF2CE94AE}"/>
+          </ac:picMkLst>
+        </pc:picChg>
+      </pc:sldChg>
+      <pc:sldChg chg="addSp delSp modSp add mod modNotesTx">
+        <pc:chgData name="김소희" userId="292a1162-0793-4577-a94d-2dae0dfa5995" providerId="ADAL" clId="{56FB9BA8-8618-469E-B881-B7E5EAC1530C}" dt="2022-07-17T17:59:30.901" v="10796" actId="692"/>
+        <pc:sldMkLst>
+          <pc:docMk/>
+          <pc:sldMk cId="1864032891" sldId="274"/>
+        </pc:sldMkLst>
+        <pc:spChg chg="mod">
+          <ac:chgData name="김소희" userId="292a1162-0793-4577-a94d-2dae0dfa5995" providerId="ADAL" clId="{56FB9BA8-8618-469E-B881-B7E5EAC1530C}" dt="2022-07-17T12:46:18.717" v="7431" actId="20577"/>
+          <ac:spMkLst>
+            <pc:docMk/>
+            <pc:sldMk cId="1864032891" sldId="274"/>
+            <ac:spMk id="2" creationId="{5C386871-B092-6B43-A8DA-B84A6CCCC7F5}"/>
+          </ac:spMkLst>
+        </pc:spChg>
+        <pc:spChg chg="add mod">
+          <ac:chgData name="김소희" userId="292a1162-0793-4577-a94d-2dae0dfa5995" providerId="ADAL" clId="{56FB9BA8-8618-469E-B881-B7E5EAC1530C}" dt="2022-07-17T15:24:26.674" v="7597" actId="20577"/>
+          <ac:spMkLst>
+            <pc:docMk/>
+            <pc:sldMk cId="1864032891" sldId="274"/>
+            <ac:spMk id="10" creationId="{520BCCFE-A412-1390-F84E-B2BC02960CC3}"/>
+          </ac:spMkLst>
+        </pc:spChg>
+        <pc:spChg chg="add mod">
+          <ac:chgData name="김소희" userId="292a1162-0793-4577-a94d-2dae0dfa5995" providerId="ADAL" clId="{56FB9BA8-8618-469E-B881-B7E5EAC1530C}" dt="2022-07-17T16:35:52.949" v="9252" actId="1035"/>
+          <ac:spMkLst>
+            <pc:docMk/>
+            <pc:sldMk cId="1864032891" sldId="274"/>
+            <ac:spMk id="11" creationId="{6755C027-8498-D876-EA78-C0874A1BF132}"/>
+          </ac:spMkLst>
+        </pc:spChg>
+        <pc:spChg chg="add mod">
+          <ac:chgData name="김소희" userId="292a1162-0793-4577-a94d-2dae0dfa5995" providerId="ADAL" clId="{56FB9BA8-8618-469E-B881-B7E5EAC1530C}" dt="2022-07-17T15:21:54.629" v="7487" actId="1076"/>
+          <ac:spMkLst>
+            <pc:docMk/>
+            <pc:sldMk cId="1864032891" sldId="274"/>
+            <ac:spMk id="12" creationId="{7FE97760-12BC-CE55-9D5E-DDC76B6211DF}"/>
+          </ac:spMkLst>
+        </pc:spChg>
+        <pc:spChg chg="add mod">
+          <ac:chgData name="김소희" userId="292a1162-0793-4577-a94d-2dae0dfa5995" providerId="ADAL" clId="{56FB9BA8-8618-469E-B881-B7E5EAC1530C}" dt="2022-07-17T16:08:10.750" v="8246" actId="20577"/>
+          <ac:spMkLst>
+            <pc:docMk/>
+            <pc:sldMk cId="1864032891" sldId="274"/>
+            <ac:spMk id="13" creationId="{5C6CC0AE-B7C5-9CFE-084B-81561CB21A4E}"/>
+          </ac:spMkLst>
+        </pc:spChg>
+        <pc:spChg chg="del mod">
+          <ac:chgData name="김소희" userId="292a1162-0793-4577-a94d-2dae0dfa5995" providerId="ADAL" clId="{56FB9BA8-8618-469E-B881-B7E5EAC1530C}" dt="2022-07-17T15:30:51.708" v="7730" actId="478"/>
+          <ac:spMkLst>
+            <pc:docMk/>
+            <pc:sldMk cId="1864032891" sldId="274"/>
+            <ac:spMk id="15" creationId="{2494126B-543A-FDDA-17D0-F993FACA44E4}"/>
+          </ac:spMkLst>
+        </pc:spChg>
+        <pc:spChg chg="add mod">
+          <ac:chgData name="김소희" userId="292a1162-0793-4577-a94d-2dae0dfa5995" providerId="ADAL" clId="{56FB9BA8-8618-469E-B881-B7E5EAC1530C}" dt="2022-07-17T16:08:02.930" v="8245" actId="1076"/>
+          <ac:spMkLst>
+            <pc:docMk/>
+            <pc:sldMk cId="1864032891" sldId="274"/>
+            <ac:spMk id="16" creationId="{AEED4E74-7EF2-03D4-2D75-037C4D8BA8A2}"/>
+          </ac:spMkLst>
+        </pc:spChg>
+        <pc:spChg chg="del mod">
+          <ac:chgData name="김소희" userId="292a1162-0793-4577-a94d-2dae0dfa5995" providerId="ADAL" clId="{56FB9BA8-8618-469E-B881-B7E5EAC1530C}" dt="2022-07-17T12:46:38.243" v="7433" actId="478"/>
+          <ac:spMkLst>
+            <pc:docMk/>
+            <pc:sldMk cId="1864032891" sldId="274"/>
+            <ac:spMk id="17" creationId="{5F6C1FB1-4562-2466-D242-5574E13C66F6}"/>
+          </ac:spMkLst>
+        </pc:spChg>
+        <pc:spChg chg="add mod">
+          <ac:chgData name="김소희" userId="292a1162-0793-4577-a94d-2dae0dfa5995" providerId="ADAL" clId="{56FB9BA8-8618-469E-B881-B7E5EAC1530C}" dt="2022-07-17T16:08:37.908" v="8248" actId="1037"/>
+          <ac:spMkLst>
+            <pc:docMk/>
+            <pc:sldMk cId="1864032891" sldId="274"/>
+            <ac:spMk id="18" creationId="{4F3CF27E-CA54-B9D3-7E45-6D9C54FE497F}"/>
+          </ac:spMkLst>
+        </pc:spChg>
+        <pc:spChg chg="add mod">
+          <ac:chgData name="김소희" userId="292a1162-0793-4577-a94d-2dae0dfa5995" providerId="ADAL" clId="{56FB9BA8-8618-469E-B881-B7E5EAC1530C}" dt="2022-07-17T16:08:49.045" v="8253" actId="1035"/>
+          <ac:spMkLst>
+            <pc:docMk/>
+            <pc:sldMk cId="1864032891" sldId="274"/>
+            <ac:spMk id="19" creationId="{3304FBB8-A148-60B5-79CC-28FA7FB5A959}"/>
+          </ac:spMkLst>
+        </pc:spChg>
+        <pc:spChg chg="add mod">
+          <ac:chgData name="김소희" userId="292a1162-0793-4577-a94d-2dae0dfa5995" providerId="ADAL" clId="{56FB9BA8-8618-469E-B881-B7E5EAC1530C}" dt="2022-07-17T17:59:18.283" v="10795" actId="1076"/>
+          <ac:spMkLst>
+            <pc:docMk/>
+            <pc:sldMk cId="1864032891" sldId="274"/>
+            <ac:spMk id="22" creationId="{CC50681B-3125-460A-A23A-6D23BF9EA36B}"/>
+          </ac:spMkLst>
+        </pc:spChg>
+        <pc:spChg chg="add del mod">
+          <ac:chgData name="김소희" userId="292a1162-0793-4577-a94d-2dae0dfa5995" providerId="ADAL" clId="{56FB9BA8-8618-469E-B881-B7E5EAC1530C}" dt="2022-07-17T15:41:54.407" v="7847" actId="478"/>
+          <ac:spMkLst>
+            <pc:docMk/>
+            <pc:sldMk cId="1864032891" sldId="274"/>
+            <ac:spMk id="24" creationId="{25DE5375-78C5-F0CB-CCC1-E3E5C35E4DD9}"/>
+          </ac:spMkLst>
+        </pc:spChg>
+        <pc:spChg chg="add mod">
+          <ac:chgData name="김소희" userId="292a1162-0793-4577-a94d-2dae0dfa5995" providerId="ADAL" clId="{56FB9BA8-8618-469E-B881-B7E5EAC1530C}" dt="2022-07-17T16:10:45.609" v="8274" actId="404"/>
+          <ac:spMkLst>
+            <pc:docMk/>
+            <pc:sldMk cId="1864032891" sldId="274"/>
+            <ac:spMk id="25" creationId="{1AC397F3-2AD1-9EEE-9357-CC8970237A4C}"/>
+          </ac:spMkLst>
+        </pc:spChg>
+        <pc:spChg chg="add mod">
+          <ac:chgData name="김소희" userId="292a1162-0793-4577-a94d-2dae0dfa5995" providerId="ADAL" clId="{56FB9BA8-8618-469E-B881-B7E5EAC1530C}" dt="2022-07-17T16:09:34.772" v="8263" actId="1037"/>
+          <ac:spMkLst>
+            <pc:docMk/>
+            <pc:sldMk cId="1864032891" sldId="274"/>
+            <ac:spMk id="30" creationId="{BFB724BC-D356-E345-7218-9B4FB1EF280C}"/>
+          </ac:spMkLst>
+        </pc:spChg>
+        <pc:spChg chg="add mod">
+          <ac:chgData name="김소희" userId="292a1162-0793-4577-a94d-2dae0dfa5995" providerId="ADAL" clId="{56FB9BA8-8618-469E-B881-B7E5EAC1530C}" dt="2022-07-17T16:35:54.443" v="9255" actId="1035"/>
+          <ac:spMkLst>
+            <pc:docMk/>
+            <pc:sldMk cId="1864032891" sldId="274"/>
+            <ac:spMk id="34" creationId="{F22535CD-E7CA-C242-DC7F-78B8A871D4A0}"/>
+          </ac:spMkLst>
+        </pc:spChg>
+        <pc:spChg chg="add del mod">
+          <ac:chgData name="김소희" userId="292a1162-0793-4577-a94d-2dae0dfa5995" providerId="ADAL" clId="{56FB9BA8-8618-469E-B881-B7E5EAC1530C}" dt="2022-07-17T15:56:19.988" v="8034" actId="478"/>
+          <ac:spMkLst>
+            <pc:docMk/>
+            <pc:sldMk cId="1864032891" sldId="274"/>
+            <ac:spMk id="35" creationId="{D6FE1070-71D5-45C8-F06E-E852AC842C51}"/>
+          </ac:spMkLst>
+        </pc:spChg>
+        <pc:spChg chg="add del mod">
+          <ac:chgData name="김소희" userId="292a1162-0793-4577-a94d-2dae0dfa5995" providerId="ADAL" clId="{56FB9BA8-8618-469E-B881-B7E5EAC1530C}" dt="2022-07-17T16:03:44.638" v="8183" actId="478"/>
+          <ac:spMkLst>
+            <pc:docMk/>
+            <pc:sldMk cId="1864032891" sldId="274"/>
+            <ac:spMk id="36" creationId="{68430E58-BB0A-DB77-09D4-573BBA787F20}"/>
+          </ac:spMkLst>
+        </pc:spChg>
+        <pc:spChg chg="add mod">
+          <ac:chgData name="김소희" userId="292a1162-0793-4577-a94d-2dae0dfa5995" providerId="ADAL" clId="{56FB9BA8-8618-469E-B881-B7E5EAC1530C}" dt="2022-07-17T16:09:34.772" v="8263" actId="1037"/>
+          <ac:spMkLst>
+            <pc:docMk/>
+            <pc:sldMk cId="1864032891" sldId="274"/>
+            <ac:spMk id="40" creationId="{594874C8-2BBC-1065-2777-B1BEA2D874CD}"/>
+          </ac:spMkLst>
+        </pc:spChg>
+        <pc:grpChg chg="add mod">
+          <ac:chgData name="김소희" userId="292a1162-0793-4577-a94d-2dae0dfa5995" providerId="ADAL" clId="{56FB9BA8-8618-469E-B881-B7E5EAC1530C}" dt="2022-07-17T16:08:02.930" v="8245" actId="1076"/>
+          <ac:grpSpMkLst>
+            <pc:docMk/>
+            <pc:sldMk cId="1864032891" sldId="274"/>
+            <ac:grpSpMk id="31" creationId="{6C1FB062-A586-5174-2C7F-DF3EC44B0F2F}"/>
+          </ac:grpSpMkLst>
+        </pc:grpChg>
+        <pc:picChg chg="add del mod">
+          <ac:chgData name="김소희" userId="292a1162-0793-4577-a94d-2dae0dfa5995" providerId="ADAL" clId="{56FB9BA8-8618-469E-B881-B7E5EAC1530C}" dt="2022-07-17T15:20:46.619" v="7440" actId="478"/>
+          <ac:picMkLst>
+            <pc:docMk/>
+            <pc:sldMk cId="1864032891" sldId="274"/>
+            <ac:picMk id="4" creationId="{9A1DD40B-515B-FB77-D91F-D1A61770B71A}"/>
+          </ac:picMkLst>
+        </pc:picChg>
+        <pc:picChg chg="add mod ord">
+          <ac:chgData name="김소희" userId="292a1162-0793-4577-a94d-2dae0dfa5995" providerId="ADAL" clId="{56FB9BA8-8618-469E-B881-B7E5EAC1530C}" dt="2022-07-17T16:35:26.865" v="9226" actId="208"/>
+          <ac:picMkLst>
+            <pc:docMk/>
+            <pc:sldMk cId="1864032891" sldId="274"/>
+            <ac:picMk id="8" creationId="{1AC658A8-D7DA-2E4A-A8B0-80EDC15C3AE2}"/>
+          </ac:picMkLst>
+        </pc:picChg>
+        <pc:picChg chg="del">
+          <ac:chgData name="김소희" userId="292a1162-0793-4577-a94d-2dae0dfa5995" providerId="ADAL" clId="{56FB9BA8-8618-469E-B881-B7E5EAC1530C}" dt="2022-07-17T12:46:13.028" v="7420" actId="478"/>
+          <ac:picMkLst>
+            <pc:docMk/>
+            <pc:sldMk cId="1864032891" sldId="274"/>
+            <ac:picMk id="14" creationId="{96BFB391-FD25-112E-FC94-B41BF2CE94AE}"/>
+          </ac:picMkLst>
+        </pc:picChg>
+        <pc:picChg chg="add mod">
+          <ac:chgData name="김소희" userId="292a1162-0793-4577-a94d-2dae0dfa5995" providerId="ADAL" clId="{56FB9BA8-8618-469E-B881-B7E5EAC1530C}" dt="2022-07-17T16:08:02.930" v="8245" actId="1076"/>
+          <ac:picMkLst>
+            <pc:docMk/>
+            <pc:sldMk cId="1864032891" sldId="274"/>
+            <ac:picMk id="1026" creationId="{D8F19ADC-E0C9-86E2-DDEC-A85CA37D666F}"/>
+          </ac:picMkLst>
+        </pc:picChg>
+        <pc:picChg chg="add del mod">
+          <ac:chgData name="김소희" userId="292a1162-0793-4577-a94d-2dae0dfa5995" providerId="ADAL" clId="{56FB9BA8-8618-469E-B881-B7E5EAC1530C}" dt="2022-07-17T15:30:31.196" v="7723" actId="478"/>
+          <ac:picMkLst>
+            <pc:docMk/>
+            <pc:sldMk cId="1864032891" sldId="274"/>
+            <ac:picMk id="1028" creationId="{C83C384B-67CF-4B7A-79E9-30FBB20B9198}"/>
+          </ac:picMkLst>
+        </pc:picChg>
+        <pc:picChg chg="add mod">
+          <ac:chgData name="김소희" userId="292a1162-0793-4577-a94d-2dae0dfa5995" providerId="ADAL" clId="{56FB9BA8-8618-469E-B881-B7E5EAC1530C}" dt="2022-07-17T16:09:47.877" v="8268" actId="1076"/>
+          <ac:picMkLst>
+            <pc:docMk/>
+            <pc:sldMk cId="1864032891" sldId="274"/>
+            <ac:picMk id="1030" creationId="{5658C78A-FA1D-FC6B-43FB-E48740EB9751}"/>
+          </ac:picMkLst>
+        </pc:picChg>
+        <pc:cxnChg chg="add mod">
+          <ac:chgData name="김소희" userId="292a1162-0793-4577-a94d-2dae0dfa5995" providerId="ADAL" clId="{56FB9BA8-8618-469E-B881-B7E5EAC1530C}" dt="2022-07-17T17:59:30.901" v="10796" actId="692"/>
+          <ac:cxnSpMkLst>
+            <pc:docMk/>
+            <pc:sldMk cId="1864032891" sldId="274"/>
+            <ac:cxnSpMk id="21" creationId="{231209F2-A61F-507A-CBB5-6D4D9252B279}"/>
+          </ac:cxnSpMkLst>
+        </pc:cxnChg>
+        <pc:cxnChg chg="add mod">
+          <ac:chgData name="김소희" userId="292a1162-0793-4577-a94d-2dae0dfa5995" providerId="ADAL" clId="{56FB9BA8-8618-469E-B881-B7E5EAC1530C}" dt="2022-07-17T16:35:47.671" v="9238" actId="1035"/>
+          <ac:cxnSpMkLst>
+            <pc:docMk/>
+            <pc:sldMk cId="1864032891" sldId="274"/>
+            <ac:cxnSpMk id="27" creationId="{13960771-C0FC-EF6A-D9D7-0E0CF947D2C9}"/>
+          </ac:cxnSpMkLst>
+        </pc:cxnChg>
+        <pc:cxnChg chg="add mod">
+          <ac:chgData name="김소희" userId="292a1162-0793-4577-a94d-2dae0dfa5995" providerId="ADAL" clId="{56FB9BA8-8618-469E-B881-B7E5EAC1530C}" dt="2022-07-17T16:35:50.259" v="9248" actId="1035"/>
+          <ac:cxnSpMkLst>
+            <pc:docMk/>
+            <pc:sldMk cId="1864032891" sldId="274"/>
+            <ac:cxnSpMk id="38" creationId="{232E0601-0B2B-491C-7862-2678C95BA6B9}"/>
+          </ac:cxnSpMkLst>
+        </pc:cxnChg>
+      </pc:sldChg>
+      <pc:sldChg chg="addSp delSp modSp add mod">
+        <pc:chgData name="김소희" userId="292a1162-0793-4577-a94d-2dae0dfa5995" providerId="ADAL" clId="{56FB9BA8-8618-469E-B881-B7E5EAC1530C}" dt="2022-07-17T18:19:08.914" v="11410" actId="1035"/>
+        <pc:sldMkLst>
+          <pc:docMk/>
+          <pc:sldMk cId="1710748464" sldId="275"/>
+        </pc:sldMkLst>
+        <pc:spChg chg="add mod">
+          <ac:chgData name="김소희" userId="292a1162-0793-4577-a94d-2dae0dfa5995" providerId="ADAL" clId="{56FB9BA8-8618-469E-B881-B7E5EAC1530C}" dt="2022-07-17T18:19:08.914" v="11410" actId="1035"/>
+          <ac:spMkLst>
+            <pc:docMk/>
+            <pc:sldMk cId="1710748464" sldId="275"/>
+            <ac:spMk id="6" creationId="{F446FE9C-3EE4-C6EB-8545-9571B4F20B24}"/>
+          </ac:spMkLst>
+        </pc:spChg>
+        <pc:spChg chg="add del mod">
+          <ac:chgData name="김소희" userId="292a1162-0793-4577-a94d-2dae0dfa5995" providerId="ADAL" clId="{56FB9BA8-8618-469E-B881-B7E5EAC1530C}" dt="2022-07-17T16:15:03.181" v="8576" actId="478"/>
+          <ac:spMkLst>
+            <pc:docMk/>
+            <pc:sldMk cId="1710748464" sldId="275"/>
+            <ac:spMk id="7" creationId="{5FF834EC-C667-129F-6DE7-24EC80562A9F}"/>
+          </ac:spMkLst>
+        </pc:spChg>
+        <pc:spChg chg="mod">
+          <ac:chgData name="김소희" userId="292a1162-0793-4577-a94d-2dae0dfa5995" providerId="ADAL" clId="{56FB9BA8-8618-469E-B881-B7E5EAC1530C}" dt="2022-07-17T17:43:43.132" v="10179" actId="207"/>
+          <ac:spMkLst>
+            <pc:docMk/>
+            <pc:sldMk cId="1710748464" sldId="275"/>
+            <ac:spMk id="15" creationId="{2494126B-543A-FDDA-17D0-F993FACA44E4}"/>
+          </ac:spMkLst>
+        </pc:spChg>
+        <pc:picChg chg="del mod">
+          <ac:chgData name="김소희" userId="292a1162-0793-4577-a94d-2dae0dfa5995" providerId="ADAL" clId="{56FB9BA8-8618-469E-B881-B7E5EAC1530C}" dt="2022-07-17T16:14:59.420" v="8575" actId="478"/>
+          <ac:picMkLst>
+            <pc:docMk/>
+            <pc:sldMk cId="1710748464" sldId="275"/>
+            <ac:picMk id="4" creationId="{9A1DD40B-515B-FB77-D91F-D1A61770B71A}"/>
+          </ac:picMkLst>
+        </pc:picChg>
+        <pc:picChg chg="add mod">
+          <ac:chgData name="김소희" userId="292a1162-0793-4577-a94d-2dae0dfa5995" providerId="ADAL" clId="{56FB9BA8-8618-469E-B881-B7E5EAC1530C}" dt="2022-07-17T16:17:16.584" v="8647" actId="1076"/>
+          <ac:picMkLst>
+            <pc:docMk/>
+            <pc:sldMk cId="1710748464" sldId="275"/>
+            <ac:picMk id="8" creationId="{452ED89C-DC3B-3E32-C031-AF960A2234C0}"/>
+          </ac:picMkLst>
+        </pc:picChg>
+      </pc:sldChg>
+      <pc:sldChg chg="addSp delSp modSp add mod">
+        <pc:chgData name="김소희" userId="292a1162-0793-4577-a94d-2dae0dfa5995" providerId="ADAL" clId="{56FB9BA8-8618-469E-B881-B7E5EAC1530C}" dt="2022-07-18T05:51:49.446" v="12840" actId="208"/>
+        <pc:sldMkLst>
+          <pc:docMk/>
+          <pc:sldMk cId="2083716223" sldId="276"/>
+        </pc:sldMkLst>
+        <pc:spChg chg="del">
+          <ac:chgData name="김소희" userId="292a1162-0793-4577-a94d-2dae0dfa5995" providerId="ADAL" clId="{56FB9BA8-8618-469E-B881-B7E5EAC1530C}" dt="2022-07-17T16:18:28.880" v="8655" actId="478"/>
+          <ac:spMkLst>
+            <pc:docMk/>
+            <pc:sldMk cId="2083716223" sldId="276"/>
+            <ac:spMk id="6" creationId="{F446FE9C-3EE4-C6EB-8545-9571B4F20B24}"/>
+          </ac:spMkLst>
+        </pc:spChg>
+        <pc:spChg chg="mod">
+          <ac:chgData name="김소희" userId="292a1162-0793-4577-a94d-2dae0dfa5995" providerId="ADAL" clId="{56FB9BA8-8618-469E-B881-B7E5EAC1530C}" dt="2022-07-17T17:42:15.789" v="10167" actId="207"/>
+          <ac:spMkLst>
+            <pc:docMk/>
+            <pc:sldMk cId="2083716223" sldId="276"/>
+            <ac:spMk id="7" creationId="{5FF834EC-C667-129F-6DE7-24EC80562A9F}"/>
+          </ac:spMkLst>
+        </pc:spChg>
+        <pc:spChg chg="add mod">
+          <ac:chgData name="김소희" userId="292a1162-0793-4577-a94d-2dae0dfa5995" providerId="ADAL" clId="{56FB9BA8-8618-469E-B881-B7E5EAC1530C}" dt="2022-07-17T16:30:21.020" v="9062" actId="20577"/>
+          <ac:spMkLst>
+            <pc:docMk/>
+            <pc:sldMk cId="2083716223" sldId="276"/>
+            <ac:spMk id="8" creationId="{9530C086-2C13-F035-575F-854F651D3568}"/>
+          </ac:spMkLst>
+        </pc:spChg>
+        <pc:spChg chg="add mod">
+          <ac:chgData name="김소희" userId="292a1162-0793-4577-a94d-2dae0dfa5995" providerId="ADAL" clId="{56FB9BA8-8618-469E-B881-B7E5EAC1530C}" dt="2022-07-17T16:31:38.557" v="9076" actId="164"/>
+          <ac:spMkLst>
+            <pc:docMk/>
+            <pc:sldMk cId="2083716223" sldId="276"/>
+            <ac:spMk id="10" creationId="{F31E1171-8A08-B76C-F69F-11BE262933A5}"/>
+          </ac:spMkLst>
+        </pc:spChg>
+        <pc:spChg chg="add mod">
+          <ac:chgData name="김소희" userId="292a1162-0793-4577-a94d-2dae0dfa5995" providerId="ADAL" clId="{56FB9BA8-8618-469E-B881-B7E5EAC1530C}" dt="2022-07-17T16:31:38.557" v="9076" actId="164"/>
+          <ac:spMkLst>
+            <pc:docMk/>
+            <pc:sldMk cId="2083716223" sldId="276"/>
+            <ac:spMk id="11" creationId="{5E75915A-9ED9-087D-B5D4-8D7DE00C43C0}"/>
+          </ac:spMkLst>
+        </pc:spChg>
+        <pc:spChg chg="add del mod">
+          <ac:chgData name="김소희" userId="292a1162-0793-4577-a94d-2dae0dfa5995" providerId="ADAL" clId="{56FB9BA8-8618-469E-B881-B7E5EAC1530C}" dt="2022-07-17T16:24:11.559" v="8820"/>
+          <ac:spMkLst>
+            <pc:docMk/>
+            <pc:sldMk cId="2083716223" sldId="276"/>
+            <ac:spMk id="12" creationId="{D5C18C7D-7BFF-8E58-16A7-B899CCE0A6E8}"/>
+          </ac:spMkLst>
+        </pc:spChg>
+        <pc:spChg chg="add mod">
+          <ac:chgData name="김소희" userId="292a1162-0793-4577-a94d-2dae0dfa5995" providerId="ADAL" clId="{56FB9BA8-8618-469E-B881-B7E5EAC1530C}" dt="2022-07-17T16:31:38.557" v="9076" actId="164"/>
+          <ac:spMkLst>
+            <pc:docMk/>
+            <pc:sldMk cId="2083716223" sldId="276"/>
+            <ac:spMk id="13" creationId="{B6DA59CA-7693-E14D-C506-2CEB242652DE}"/>
+          </ac:spMkLst>
+        </pc:spChg>
+        <pc:spChg chg="add mod">
+          <ac:chgData name="김소희" userId="292a1162-0793-4577-a94d-2dae0dfa5995" providerId="ADAL" clId="{56FB9BA8-8618-469E-B881-B7E5EAC1530C}" dt="2022-07-17T16:31:38.557" v="9076" actId="164"/>
+          <ac:spMkLst>
+            <pc:docMk/>
+            <pc:sldMk cId="2083716223" sldId="276"/>
+            <ac:spMk id="14" creationId="{52728B2B-4DD5-FFD6-ABAB-1516F1B21BED}"/>
+          </ac:spMkLst>
+        </pc:spChg>
+        <pc:spChg chg="del">
+          <ac:chgData name="김소희" userId="292a1162-0793-4577-a94d-2dae0dfa5995" providerId="ADAL" clId="{56FB9BA8-8618-469E-B881-B7E5EAC1530C}" dt="2022-07-17T16:18:28.880" v="8655" actId="478"/>
+          <ac:spMkLst>
+            <pc:docMk/>
+            <pc:sldMk cId="2083716223" sldId="276"/>
+            <ac:spMk id="15" creationId="{2494126B-543A-FDDA-17D0-F993FACA44E4}"/>
+          </ac:spMkLst>
+        </pc:spChg>
+        <pc:spChg chg="add mod">
+          <ac:chgData name="김소희" userId="292a1162-0793-4577-a94d-2dae0dfa5995" providerId="ADAL" clId="{56FB9BA8-8618-469E-B881-B7E5EAC1530C}" dt="2022-07-17T16:31:38.557" v="9076" actId="164"/>
+          <ac:spMkLst>
+            <pc:docMk/>
+            <pc:sldMk cId="2083716223" sldId="276"/>
+            <ac:spMk id="16" creationId="{24673AE0-5A9B-519E-1DE2-ACA0ADB6FD14}"/>
+          </ac:spMkLst>
+        </pc:spChg>
+        <pc:spChg chg="add mod">
+          <ac:chgData name="김소희" userId="292a1162-0793-4577-a94d-2dae0dfa5995" providerId="ADAL" clId="{56FB9BA8-8618-469E-B881-B7E5EAC1530C}" dt="2022-07-17T16:31:38.557" v="9076" actId="164"/>
+          <ac:spMkLst>
+            <pc:docMk/>
+            <pc:sldMk cId="2083716223" sldId="276"/>
+            <ac:spMk id="17" creationId="{CED7611A-35D5-4BC6-12E6-DBB24B86C0F4}"/>
+          </ac:spMkLst>
+        </pc:spChg>
+        <pc:spChg chg="add mod">
+          <ac:chgData name="김소희" userId="292a1162-0793-4577-a94d-2dae0dfa5995" providerId="ADAL" clId="{56FB9BA8-8618-469E-B881-B7E5EAC1530C}" dt="2022-07-17T16:35:04.322" v="9225" actId="14100"/>
+          <ac:spMkLst>
+            <pc:docMk/>
+            <pc:sldMk cId="2083716223" sldId="276"/>
+            <ac:spMk id="20" creationId="{ECC14A61-5B3B-63A9-8A1F-095892D9DA2C}"/>
+          </ac:spMkLst>
+        </pc:spChg>
+        <pc:spChg chg="add mod">
+          <ac:chgData name="김소희" userId="292a1162-0793-4577-a94d-2dae0dfa5995" providerId="ADAL" clId="{56FB9BA8-8618-469E-B881-B7E5EAC1530C}" dt="2022-07-17T16:43:56.015" v="9382" actId="1076"/>
+          <ac:spMkLst>
+            <pc:docMk/>
+            <pc:sldMk cId="2083716223" sldId="276"/>
+            <ac:spMk id="22" creationId="{3161147D-EDD1-F295-9DFE-A0871B59E7E8}"/>
+          </ac:spMkLst>
+        </pc:spChg>
+        <pc:spChg chg="add mod">
+          <ac:chgData name="김소희" userId="292a1162-0793-4577-a94d-2dae0dfa5995" providerId="ADAL" clId="{56FB9BA8-8618-469E-B881-B7E5EAC1530C}" dt="2022-07-18T05:51:42.802" v="12838" actId="207"/>
+          <ac:spMkLst>
+            <pc:docMk/>
+            <pc:sldMk cId="2083716223" sldId="276"/>
+            <ac:spMk id="23" creationId="{47C4DA89-A353-B37C-FA0A-C988944FDB9B}"/>
+          </ac:spMkLst>
+        </pc:spChg>
+        <pc:spChg chg="add mod">
+          <ac:chgData name="김소희" userId="292a1162-0793-4577-a94d-2dae0dfa5995" providerId="ADAL" clId="{56FB9BA8-8618-469E-B881-B7E5EAC1530C}" dt="2022-07-17T16:33:04.310" v="9167" actId="20577"/>
+          <ac:spMkLst>
+            <pc:docMk/>
+            <pc:sldMk cId="2083716223" sldId="276"/>
+            <ac:spMk id="24" creationId="{DFBB6B18-E1C8-F3AB-6AFD-3A241C98ADEE}"/>
+          </ac:spMkLst>
+        </pc:spChg>
+        <pc:spChg chg="add mod">
+          <ac:chgData name="김소희" userId="292a1162-0793-4577-a94d-2dae0dfa5995" providerId="ADAL" clId="{56FB9BA8-8618-469E-B881-B7E5EAC1530C}" dt="2022-07-17T16:34:55.015" v="9221" actId="1076"/>
+          <ac:spMkLst>
+            <pc:docMk/>
+            <pc:sldMk cId="2083716223" sldId="276"/>
+            <ac:spMk id="26" creationId="{71F36E78-1095-967D-CEC7-08DA1ED846D0}"/>
+          </ac:spMkLst>
+        </pc:spChg>
+        <pc:grpChg chg="add mod">
+          <ac:chgData name="김소희" userId="292a1162-0793-4577-a94d-2dae0dfa5995" providerId="ADAL" clId="{56FB9BA8-8618-469E-B881-B7E5EAC1530C}" dt="2022-07-18T05:51:29.934" v="12836" actId="1076"/>
+          <ac:grpSpMkLst>
+            <pc:docMk/>
+            <pc:sldMk cId="2083716223" sldId="276"/>
+            <ac:grpSpMk id="27" creationId="{681B5E7D-412A-2C70-35A9-A23437D4A309}"/>
+          </ac:grpSpMkLst>
+        </pc:grpChg>
+        <pc:picChg chg="mod modCrop">
+          <ac:chgData name="김소희" userId="292a1162-0793-4577-a94d-2dae0dfa5995" providerId="ADAL" clId="{56FB9BA8-8618-469E-B881-B7E5EAC1530C}" dt="2022-07-17T16:31:38.557" v="9076" actId="164"/>
+          <ac:picMkLst>
+            <pc:docMk/>
+            <pc:sldMk cId="2083716223" sldId="276"/>
+            <ac:picMk id="4" creationId="{9A1DD40B-515B-FB77-D91F-D1A61770B71A}"/>
+          </ac:picMkLst>
+        </pc:picChg>
+        <pc:picChg chg="add mod">
+          <ac:chgData name="김소희" userId="292a1162-0793-4577-a94d-2dae0dfa5995" providerId="ADAL" clId="{56FB9BA8-8618-469E-B881-B7E5EAC1530C}" dt="2022-07-17T16:33:21.526" v="9169" actId="208"/>
+          <ac:picMkLst>
+            <pc:docMk/>
+            <pc:sldMk cId="2083716223" sldId="276"/>
+            <ac:picMk id="5" creationId="{E8F30DDB-AE88-CFA5-CD61-27A40D2A07D2}"/>
+          </ac:picMkLst>
+        </pc:picChg>
+        <pc:picChg chg="add mod">
+          <ac:chgData name="김소희" userId="292a1162-0793-4577-a94d-2dae0dfa5995" providerId="ADAL" clId="{56FB9BA8-8618-469E-B881-B7E5EAC1530C}" dt="2022-07-17T16:34:58.291" v="9222" actId="1076"/>
+          <ac:picMkLst>
+            <pc:docMk/>
+            <pc:sldMk cId="2083716223" sldId="276"/>
+            <ac:picMk id="19" creationId="{6A93AB8A-D3A3-C7ED-3788-8493A84CF8E9}"/>
+          </ac:picMkLst>
+        </pc:picChg>
+        <pc:picChg chg="add mod">
+          <ac:chgData name="김소희" userId="292a1162-0793-4577-a94d-2dae0dfa5995" providerId="ADAL" clId="{56FB9BA8-8618-469E-B881-B7E5EAC1530C}" dt="2022-07-17T16:43:56.015" v="9382" actId="1076"/>
+          <ac:picMkLst>
+            <pc:docMk/>
+            <pc:sldMk cId="2083716223" sldId="276"/>
+            <ac:picMk id="21" creationId="{A7F40CE3-2DC3-B0E4-0BE4-65F3270EDB70}"/>
+          </ac:picMkLst>
+        </pc:picChg>
+        <pc:picChg chg="add del">
+          <ac:chgData name="김소희" userId="292a1162-0793-4577-a94d-2dae0dfa5995" providerId="ADAL" clId="{56FB9BA8-8618-469E-B881-B7E5EAC1530C}" dt="2022-07-17T16:29:56.935" v="9051" actId="22"/>
+          <ac:picMkLst>
+            <pc:docMk/>
+            <pc:sldMk cId="2083716223" sldId="276"/>
+            <ac:picMk id="23" creationId="{F96ED7C2-D6E4-C59F-0FE0-5F648456662B}"/>
+          </ac:picMkLst>
+        </pc:picChg>
+        <pc:cxnChg chg="add mod">
+          <ac:chgData name="김소희" userId="292a1162-0793-4577-a94d-2dae0dfa5995" providerId="ADAL" clId="{56FB9BA8-8618-469E-B881-B7E5EAC1530C}" dt="2022-07-18T05:51:49.446" v="12840" actId="208"/>
+          <ac:cxnSpMkLst>
+            <pc:docMk/>
+            <pc:sldMk cId="2083716223" sldId="276"/>
+            <ac:cxnSpMk id="6" creationId="{03B84DCD-352B-3C31-B6BF-C75E728F04AE}"/>
+          </ac:cxnSpMkLst>
+        </pc:cxnChg>
+      </pc:sldChg>
+      <pc:sldChg chg="addSp delSp modSp add mod">
+        <pc:chgData name="김소희" userId="292a1162-0793-4577-a94d-2dae0dfa5995" providerId="ADAL" clId="{56FB9BA8-8618-469E-B881-B7E5EAC1530C}" dt="2022-07-17T18:01:25.036" v="10818" actId="1035"/>
+        <pc:sldMkLst>
+          <pc:docMk/>
+          <pc:sldMk cId="3383878795" sldId="277"/>
+        </pc:sldMkLst>
+        <pc:spChg chg="mod">
+          <ac:chgData name="김소희" userId="292a1162-0793-4577-a94d-2dae0dfa5995" providerId="ADAL" clId="{56FB9BA8-8618-469E-B881-B7E5EAC1530C}" dt="2022-07-17T17:42:19.387" v="10168" actId="207"/>
+          <ac:spMkLst>
+            <pc:docMk/>
+            <pc:sldMk cId="3383878795" sldId="277"/>
+            <ac:spMk id="7" creationId="{5FF834EC-C667-129F-6DE7-24EC80562A9F}"/>
+          </ac:spMkLst>
+        </pc:spChg>
+        <pc:spChg chg="mod">
+          <ac:chgData name="김소희" userId="292a1162-0793-4577-a94d-2dae0dfa5995" providerId="ADAL" clId="{56FB9BA8-8618-469E-B881-B7E5EAC1530C}" dt="2022-07-17T18:01:25.036" v="10818" actId="1035"/>
+          <ac:spMkLst>
+            <pc:docMk/>
+            <pc:sldMk cId="3383878795" sldId="277"/>
+            <ac:spMk id="8" creationId="{9530C086-2C13-F035-575F-854F651D3568}"/>
+          </ac:spMkLst>
+        </pc:spChg>
+        <pc:spChg chg="del">
+          <ac:chgData name="김소희" userId="292a1162-0793-4577-a94d-2dae0dfa5995" providerId="ADAL" clId="{56FB9BA8-8618-469E-B881-B7E5EAC1530C}" dt="2022-07-17T16:46:14.882" v="9401" actId="478"/>
+          <ac:spMkLst>
+            <pc:docMk/>
+            <pc:sldMk cId="3383878795" sldId="277"/>
+            <ac:spMk id="20" creationId="{ECC14A61-5B3B-63A9-8A1F-095892D9DA2C}"/>
+          </ac:spMkLst>
+        </pc:spChg>
+        <pc:spChg chg="del">
+          <ac:chgData name="김소희" userId="292a1162-0793-4577-a94d-2dae0dfa5995" providerId="ADAL" clId="{56FB9BA8-8618-469E-B881-B7E5EAC1530C}" dt="2022-07-17T16:46:14.882" v="9401" actId="478"/>
+          <ac:spMkLst>
+            <pc:docMk/>
+            <pc:sldMk cId="3383878795" sldId="277"/>
+            <ac:spMk id="22" creationId="{3161147D-EDD1-F295-9DFE-A0871B59E7E8}"/>
+          </ac:spMkLst>
+        </pc:spChg>
+        <pc:spChg chg="del">
+          <ac:chgData name="김소희" userId="292a1162-0793-4577-a94d-2dae0dfa5995" providerId="ADAL" clId="{56FB9BA8-8618-469E-B881-B7E5EAC1530C}" dt="2022-07-17T16:46:14.882" v="9401" actId="478"/>
+          <ac:spMkLst>
+            <pc:docMk/>
+            <pc:sldMk cId="3383878795" sldId="277"/>
+            <ac:spMk id="23" creationId="{47C4DA89-A353-B37C-FA0A-C988944FDB9B}"/>
+          </ac:spMkLst>
+        </pc:spChg>
+        <pc:spChg chg="del">
+          <ac:chgData name="김소희" userId="292a1162-0793-4577-a94d-2dae0dfa5995" providerId="ADAL" clId="{56FB9BA8-8618-469E-B881-B7E5EAC1530C}" dt="2022-07-17T16:46:14.882" v="9401" actId="478"/>
+          <ac:spMkLst>
+            <pc:docMk/>
+            <pc:sldMk cId="3383878795" sldId="277"/>
+            <ac:spMk id="24" creationId="{DFBB6B18-E1C8-F3AB-6AFD-3A241C98ADEE}"/>
+          </ac:spMkLst>
+        </pc:spChg>
+        <pc:spChg chg="del">
+          <ac:chgData name="김소희" userId="292a1162-0793-4577-a94d-2dae0dfa5995" providerId="ADAL" clId="{56FB9BA8-8618-469E-B881-B7E5EAC1530C}" dt="2022-07-17T16:46:14.882" v="9401" actId="478"/>
+          <ac:spMkLst>
+            <pc:docMk/>
+            <pc:sldMk cId="3383878795" sldId="277"/>
+            <ac:spMk id="26" creationId="{71F36E78-1095-967D-CEC7-08DA1ED846D0}"/>
+          </ac:spMkLst>
+        </pc:spChg>
+        <pc:spChg chg="add mod ord">
+          <ac:chgData name="김소희" userId="292a1162-0793-4577-a94d-2dae0dfa5995" providerId="ADAL" clId="{56FB9BA8-8618-469E-B881-B7E5EAC1530C}" dt="2022-07-17T18:01:25.036" v="10818" actId="1035"/>
+          <ac:spMkLst>
+            <pc:docMk/>
+            <pc:sldMk cId="3383878795" sldId="277"/>
+            <ac:spMk id="28" creationId="{6EBF89F1-86DC-39FD-C56C-3F3A9A830943}"/>
+          </ac:spMkLst>
+        </pc:spChg>
+        <pc:spChg chg="add mod">
+          <ac:chgData name="김소희" userId="292a1162-0793-4577-a94d-2dae0dfa5995" providerId="ADAL" clId="{56FB9BA8-8618-469E-B881-B7E5EAC1530C}" dt="2022-07-17T18:01:25.036" v="10818" actId="1035"/>
+          <ac:spMkLst>
+            <pc:docMk/>
+            <pc:sldMk cId="3383878795" sldId="277"/>
+            <ac:spMk id="29" creationId="{6249B86C-3C23-511D-2770-A42478CE3217}"/>
+          </ac:spMkLst>
+        </pc:spChg>
+        <pc:spChg chg="add mod">
+          <ac:chgData name="김소희" userId="292a1162-0793-4577-a94d-2dae0dfa5995" providerId="ADAL" clId="{56FB9BA8-8618-469E-B881-B7E5EAC1530C}" dt="2022-07-17T18:01:25.036" v="10818" actId="1035"/>
+          <ac:spMkLst>
+            <pc:docMk/>
+            <pc:sldMk cId="3383878795" sldId="277"/>
+            <ac:spMk id="30" creationId="{B2AA91B7-72B1-ABDC-4BCF-57BE5BD51013}"/>
+          </ac:spMkLst>
+        </pc:spChg>
+        <pc:spChg chg="add mod">
+          <ac:chgData name="김소희" userId="292a1162-0793-4577-a94d-2dae0dfa5995" providerId="ADAL" clId="{56FB9BA8-8618-469E-B881-B7E5EAC1530C}" dt="2022-07-17T18:01:25.036" v="10818" actId="1035"/>
+          <ac:spMkLst>
+            <pc:docMk/>
+            <pc:sldMk cId="3383878795" sldId="277"/>
+            <ac:spMk id="31" creationId="{7A525C70-5F9D-B1F1-61D5-A1C4B8DED67B}"/>
+          </ac:spMkLst>
+        </pc:spChg>
+        <pc:spChg chg="mod">
+          <ac:chgData name="김소희" userId="292a1162-0793-4577-a94d-2dae0dfa5995" providerId="ADAL" clId="{56FB9BA8-8618-469E-B881-B7E5EAC1530C}" dt="2022-07-17T17:38:23.319" v="10038"/>
+          <ac:spMkLst>
+            <pc:docMk/>
+            <pc:sldMk cId="3383878795" sldId="277"/>
+            <ac:spMk id="34" creationId="{5947AAC9-A86B-D2E1-EED3-62D6F3AE330C}"/>
+          </ac:spMkLst>
+        </pc:spChg>
+        <pc:spChg chg="mod">
+          <ac:chgData name="김소희" userId="292a1162-0793-4577-a94d-2dae0dfa5995" providerId="ADAL" clId="{56FB9BA8-8618-469E-B881-B7E5EAC1530C}" dt="2022-07-17T17:38:23.319" v="10038"/>
+          <ac:spMkLst>
+            <pc:docMk/>
+            <pc:sldMk cId="3383878795" sldId="277"/>
+            <ac:spMk id="35" creationId="{A445B665-69E7-4729-BD82-A1CE0FD5227C}"/>
+          </ac:spMkLst>
+        </pc:spChg>
+        <pc:spChg chg="mod">
+          <ac:chgData name="김소희" userId="292a1162-0793-4577-a94d-2dae0dfa5995" providerId="ADAL" clId="{56FB9BA8-8618-469E-B881-B7E5EAC1530C}" dt="2022-07-17T17:38:23.319" v="10038"/>
+          <ac:spMkLst>
+            <pc:docMk/>
+            <pc:sldMk cId="3383878795" sldId="277"/>
+            <ac:spMk id="36" creationId="{6F07D7F1-76AE-F30F-CB80-B9D92EAD262A}"/>
+          </ac:spMkLst>
+        </pc:spChg>
+        <pc:spChg chg="mod">
+          <ac:chgData name="김소희" userId="292a1162-0793-4577-a94d-2dae0dfa5995" providerId="ADAL" clId="{56FB9BA8-8618-469E-B881-B7E5EAC1530C}" dt="2022-07-17T17:38:23.319" v="10038"/>
+          <ac:spMkLst>
+            <pc:docMk/>
+            <pc:sldMk cId="3383878795" sldId="277"/>
+            <ac:spMk id="37" creationId="{5B3FF7ED-3EB3-C792-622E-F1D96E145238}"/>
+          </ac:spMkLst>
+        </pc:spChg>
+        <pc:spChg chg="mod">
+          <ac:chgData name="김소희" userId="292a1162-0793-4577-a94d-2dae0dfa5995" providerId="ADAL" clId="{56FB9BA8-8618-469E-B881-B7E5EAC1530C}" dt="2022-07-17T17:38:23.319" v="10038"/>
+          <ac:spMkLst>
+            <pc:docMk/>
+            <pc:sldMk cId="3383878795" sldId="277"/>
+            <ac:spMk id="38" creationId="{D6C6E2BA-7D67-E8C0-4608-F022DB8AD646}"/>
+          </ac:spMkLst>
+        </pc:spChg>
+        <pc:spChg chg="mod">
+          <ac:chgData name="김소희" userId="292a1162-0793-4577-a94d-2dae0dfa5995" providerId="ADAL" clId="{56FB9BA8-8618-469E-B881-B7E5EAC1530C}" dt="2022-07-17T17:38:23.319" v="10038"/>
+          <ac:spMkLst>
+            <pc:docMk/>
+            <pc:sldMk cId="3383878795" sldId="277"/>
+            <ac:spMk id="39" creationId="{A82197B3-9FDB-B9EC-5CD1-783DA88454CB}"/>
+          </ac:spMkLst>
+        </pc:spChg>
+        <pc:grpChg chg="del">
+          <ac:chgData name="김소희" userId="292a1162-0793-4577-a94d-2dae0dfa5995" providerId="ADAL" clId="{56FB9BA8-8618-469E-B881-B7E5EAC1530C}" dt="2022-07-17T16:46:14.882" v="9401" actId="478"/>
+          <ac:grpSpMkLst>
+            <pc:docMk/>
+            <pc:sldMk cId="3383878795" sldId="277"/>
+            <ac:grpSpMk id="27" creationId="{681B5E7D-412A-2C70-35A9-A23437D4A309}"/>
+          </ac:grpSpMkLst>
+        </pc:grpChg>
+        <pc:grpChg chg="add del mod">
+          <ac:chgData name="김소희" userId="292a1162-0793-4577-a94d-2dae0dfa5995" providerId="ADAL" clId="{56FB9BA8-8618-469E-B881-B7E5EAC1530C}" dt="2022-07-17T17:38:33.524" v="10043"/>
+          <ac:grpSpMkLst>
+            <pc:docMk/>
+            <pc:sldMk cId="3383878795" sldId="277"/>
+            <ac:grpSpMk id="32" creationId="{A6AB966E-C514-0231-34A0-EC3CF8FB1709}"/>
+          </ac:grpSpMkLst>
+        </pc:grpChg>
+        <pc:picChg chg="del">
+          <ac:chgData name="김소희" userId="292a1162-0793-4577-a94d-2dae0dfa5995" providerId="ADAL" clId="{56FB9BA8-8618-469E-B881-B7E5EAC1530C}" dt="2022-07-17T16:46:14.882" v="9401" actId="478"/>
+          <ac:picMkLst>
+            <pc:docMk/>
+            <pc:sldMk cId="3383878795" sldId="277"/>
+            <ac:picMk id="5" creationId="{E8F30DDB-AE88-CFA5-CD61-27A40D2A07D2}"/>
+          </ac:picMkLst>
+        </pc:picChg>
+        <pc:picChg chg="add mod">
+          <ac:chgData name="김소희" userId="292a1162-0793-4577-a94d-2dae0dfa5995" providerId="ADAL" clId="{56FB9BA8-8618-469E-B881-B7E5EAC1530C}" dt="2022-07-17T18:01:25.036" v="10818" actId="1035"/>
+          <ac:picMkLst>
+            <pc:docMk/>
+            <pc:sldMk cId="3383878795" sldId="277"/>
+            <ac:picMk id="12" creationId="{578ACBF1-4819-2E3C-F2B5-88BE628E11D6}"/>
+          </ac:picMkLst>
+        </pc:picChg>
+        <pc:picChg chg="del">
+          <ac:chgData name="김소희" userId="292a1162-0793-4577-a94d-2dae0dfa5995" providerId="ADAL" clId="{56FB9BA8-8618-469E-B881-B7E5EAC1530C}" dt="2022-07-17T16:46:14.882" v="9401" actId="478"/>
+          <ac:picMkLst>
+            <pc:docMk/>
+            <pc:sldMk cId="3383878795" sldId="277"/>
+            <ac:picMk id="19" creationId="{6A93AB8A-D3A3-C7ED-3788-8493A84CF8E9}"/>
+          </ac:picMkLst>
+        </pc:picChg>
+        <pc:picChg chg="del">
+          <ac:chgData name="김소희" userId="292a1162-0793-4577-a94d-2dae0dfa5995" providerId="ADAL" clId="{56FB9BA8-8618-469E-B881-B7E5EAC1530C}" dt="2022-07-17T16:46:14.882" v="9401" actId="478"/>
+          <ac:picMkLst>
+            <pc:docMk/>
+            <pc:sldMk cId="3383878795" sldId="277"/>
+            <ac:picMk id="21" creationId="{A7F40CE3-2DC3-B0E4-0BE4-65F3270EDB70}"/>
+          </ac:picMkLst>
+        </pc:picChg>
+        <pc:picChg chg="mod">
+          <ac:chgData name="김소희" userId="292a1162-0793-4577-a94d-2dae0dfa5995" providerId="ADAL" clId="{56FB9BA8-8618-469E-B881-B7E5EAC1530C}" dt="2022-07-17T17:38:23.319" v="10038"/>
+          <ac:picMkLst>
+            <pc:docMk/>
+            <pc:sldMk cId="3383878795" sldId="277"/>
+            <ac:picMk id="33" creationId="{3E828213-7BFF-4428-259C-15D0F341C145}"/>
+          </ac:picMkLst>
+        </pc:picChg>
+        <pc:picChg chg="add mod">
+          <ac:chgData name="김소희" userId="292a1162-0793-4577-a94d-2dae0dfa5995" providerId="ADAL" clId="{56FB9BA8-8618-469E-B881-B7E5EAC1530C}" dt="2022-07-17T18:01:25.036" v="10818" actId="1035"/>
+          <ac:picMkLst>
+            <pc:docMk/>
+            <pc:sldMk cId="3383878795" sldId="277"/>
+            <ac:picMk id="40" creationId="{5526943C-6091-5D89-05BA-82DF089B1ABF}"/>
+          </ac:picMkLst>
+        </pc:picChg>
+        <pc:cxnChg chg="del">
+          <ac:chgData name="김소희" userId="292a1162-0793-4577-a94d-2dae0dfa5995" providerId="ADAL" clId="{56FB9BA8-8618-469E-B881-B7E5EAC1530C}" dt="2022-07-17T16:46:14.882" v="9401" actId="478"/>
+          <ac:cxnSpMkLst>
+            <pc:docMk/>
+            <pc:sldMk cId="3383878795" sldId="277"/>
+            <ac:cxnSpMk id="6" creationId="{03B84DCD-352B-3C31-B6BF-C75E728F04AE}"/>
+          </ac:cxnSpMkLst>
+        </pc:cxnChg>
+      </pc:sldChg>
+      <pc:sldChg chg="addSp delSp modSp add mod">
+        <pc:chgData name="김소희" userId="292a1162-0793-4577-a94d-2dae0dfa5995" providerId="ADAL" clId="{56FB9BA8-8618-469E-B881-B7E5EAC1530C}" dt="2022-07-19T05:40:02.707" v="15227" actId="1076"/>
+        <pc:sldMkLst>
+          <pc:docMk/>
+          <pc:sldMk cId="2345294917" sldId="278"/>
+        </pc:sldMkLst>
+        <pc:spChg chg="mod">
+          <ac:chgData name="김소희" userId="292a1162-0793-4577-a94d-2dae0dfa5995" providerId="ADAL" clId="{56FB9BA8-8618-469E-B881-B7E5EAC1530C}" dt="2022-07-17T17:43:48.400" v="10180" actId="207"/>
+          <ac:spMkLst>
+            <pc:docMk/>
+            <pc:sldMk cId="2345294917" sldId="278"/>
+            <ac:spMk id="7" creationId="{5FF834EC-C667-129F-6DE7-24EC80562A9F}"/>
+          </ac:spMkLst>
+        </pc:spChg>
+        <pc:spChg chg="mod">
+          <ac:chgData name="김소희" userId="292a1162-0793-4577-a94d-2dae0dfa5995" providerId="ADAL" clId="{56FB9BA8-8618-469E-B881-B7E5EAC1530C}" dt="2022-07-17T17:53:57.501" v="10634" actId="1035"/>
+          <ac:spMkLst>
+            <pc:docMk/>
+            <pc:sldMk cId="2345294917" sldId="278"/>
+            <ac:spMk id="8" creationId="{9530C086-2C13-F035-575F-854F651D3568}"/>
+          </ac:spMkLst>
+        </pc:spChg>
+        <pc:spChg chg="add mod">
+          <ac:chgData name="김소희" userId="292a1162-0793-4577-a94d-2dae0dfa5995" providerId="ADAL" clId="{56FB9BA8-8618-469E-B881-B7E5EAC1530C}" dt="2022-07-17T17:48:11.066" v="10324" actId="1076"/>
+          <ac:spMkLst>
+            <pc:docMk/>
+            <pc:sldMk cId="2345294917" sldId="278"/>
+            <ac:spMk id="13" creationId="{2DC24430-A795-C1F9-99A2-7E72233BE090}"/>
+          </ac:spMkLst>
+        </pc:spChg>
+        <pc:spChg chg="add mod">
+          <ac:chgData name="김소희" userId="292a1162-0793-4577-a94d-2dae0dfa5995" providerId="ADAL" clId="{56FB9BA8-8618-469E-B881-B7E5EAC1530C}" dt="2022-07-17T18:02:37.659" v="10826" actId="207"/>
+          <ac:spMkLst>
+            <pc:docMk/>
+            <pc:sldMk cId="2345294917" sldId="278"/>
+            <ac:spMk id="19" creationId="{4FF4ADFA-322F-20B3-6C50-164BDE56FBFB}"/>
+          </ac:spMkLst>
+        </pc:spChg>
+        <pc:spChg chg="add mod">
+          <ac:chgData name="김소희" userId="292a1162-0793-4577-a94d-2dae0dfa5995" providerId="ADAL" clId="{56FB9BA8-8618-469E-B881-B7E5EAC1530C}" dt="2022-07-19T05:39:55.536" v="15226" actId="1076"/>
+          <ac:spMkLst>
+            <pc:docMk/>
+            <pc:sldMk cId="2345294917" sldId="278"/>
+            <ac:spMk id="20" creationId="{2A88B6F0-F1A3-3EB0-F98F-3E9B6246ECDC}"/>
+          </ac:spMkLst>
+        </pc:spChg>
+        <pc:spChg chg="add mod">
+          <ac:chgData name="김소희" userId="292a1162-0793-4577-a94d-2dae0dfa5995" providerId="ADAL" clId="{56FB9BA8-8618-469E-B881-B7E5EAC1530C}" dt="2022-07-19T05:39:53.383" v="15225" actId="1076"/>
+          <ac:spMkLst>
+            <pc:docMk/>
+            <pc:sldMk cId="2345294917" sldId="278"/>
+            <ac:spMk id="21" creationId="{6587A468-4DC2-7013-5085-A2201E83F6C2}"/>
+          </ac:spMkLst>
+        </pc:spChg>
+        <pc:spChg chg="add mod">
+          <ac:chgData name="김소희" userId="292a1162-0793-4577-a94d-2dae0dfa5995" providerId="ADAL" clId="{56FB9BA8-8618-469E-B881-B7E5EAC1530C}" dt="2022-07-17T17:58:59.884" v="10794" actId="1076"/>
+          <ac:spMkLst>
+            <pc:docMk/>
+            <pc:sldMk cId="2345294917" sldId="278"/>
+            <ac:spMk id="22" creationId="{3DE0E977-7298-303C-F83E-DAFBB7734624}"/>
+          </ac:spMkLst>
+        </pc:spChg>
+        <pc:spChg chg="add mod">
+          <ac:chgData name="김소희" userId="292a1162-0793-4577-a94d-2dae0dfa5995" providerId="ADAL" clId="{56FB9BA8-8618-469E-B881-B7E5EAC1530C}" dt="2022-07-17T18:17:45.443" v="11371" actId="207"/>
+          <ac:spMkLst>
+            <pc:docMk/>
+            <pc:sldMk cId="2345294917" sldId="278"/>
+            <ac:spMk id="23" creationId="{0BD9ED52-1BDE-D4EF-17D7-E1409A486AFA}"/>
+          </ac:spMkLst>
+        </pc:spChg>
+        <pc:spChg chg="del">
+          <ac:chgData name="김소희" userId="292a1162-0793-4577-a94d-2dae0dfa5995" providerId="ADAL" clId="{56FB9BA8-8618-469E-B881-B7E5EAC1530C}" dt="2022-07-17T17:41:33.676" v="10112" actId="478"/>
+          <ac:spMkLst>
+            <pc:docMk/>
+            <pc:sldMk cId="2345294917" sldId="278"/>
+            <ac:spMk id="28" creationId="{6EBF89F1-86DC-39FD-C56C-3F3A9A830943}"/>
+          </ac:spMkLst>
+        </pc:spChg>
+        <pc:spChg chg="del">
+          <ac:chgData name="김소희" userId="292a1162-0793-4577-a94d-2dae0dfa5995" providerId="ADAL" clId="{56FB9BA8-8618-469E-B881-B7E5EAC1530C}" dt="2022-07-17T17:41:33.676" v="10112" actId="478"/>
+          <ac:spMkLst>
+            <pc:docMk/>
+            <pc:sldMk cId="2345294917" sldId="278"/>
+            <ac:spMk id="29" creationId="{6249B86C-3C23-511D-2770-A42478CE3217}"/>
+          </ac:spMkLst>
+        </pc:spChg>
+        <pc:spChg chg="del">
+          <ac:chgData name="김소희" userId="292a1162-0793-4577-a94d-2dae0dfa5995" providerId="ADAL" clId="{56FB9BA8-8618-469E-B881-B7E5EAC1530C}" dt="2022-07-17T17:41:30.473" v="10110" actId="478"/>
+          <ac:spMkLst>
+            <pc:docMk/>
+            <pc:sldMk cId="2345294917" sldId="278"/>
+            <ac:spMk id="30" creationId="{B2AA91B7-72B1-ABDC-4BCF-57BE5BD51013}"/>
+          </ac:spMkLst>
+        </pc:spChg>
+        <pc:spChg chg="del mod">
+          <ac:chgData name="김소희" userId="292a1162-0793-4577-a94d-2dae0dfa5995" providerId="ADAL" clId="{56FB9BA8-8618-469E-B881-B7E5EAC1530C}" dt="2022-07-17T17:41:33.676" v="10112" actId="478"/>
+          <ac:spMkLst>
+            <pc:docMk/>
+            <pc:sldMk cId="2345294917" sldId="278"/>
+            <ac:spMk id="31" creationId="{7A525C70-5F9D-B1F1-61D5-A1C4B8DED67B}"/>
+          </ac:spMkLst>
+        </pc:spChg>
+        <pc:picChg chg="add mod">
+          <ac:chgData name="김소희" userId="292a1162-0793-4577-a94d-2dae0dfa5995" providerId="ADAL" clId="{56FB9BA8-8618-469E-B881-B7E5EAC1530C}" dt="2022-07-17T17:57:00.708" v="10776" actId="1076"/>
+          <ac:picMkLst>
+            <pc:docMk/>
+            <pc:sldMk cId="2345294917" sldId="278"/>
+            <ac:picMk id="4" creationId="{16159F1E-26A0-D02C-E556-EE6E3AB94E91}"/>
+          </ac:picMkLst>
+        </pc:picChg>
+        <pc:picChg chg="add mod">
+          <ac:chgData name="김소희" userId="292a1162-0793-4577-a94d-2dae0dfa5995" providerId="ADAL" clId="{56FB9BA8-8618-469E-B881-B7E5EAC1530C}" dt="2022-07-17T18:14:26.109" v="11278" actId="208"/>
+          <ac:picMkLst>
+            <pc:docMk/>
+            <pc:sldMk cId="2345294917" sldId="278"/>
+            <ac:picMk id="6" creationId="{C993ECB8-9226-FB24-DBB7-AA219BFAA484}"/>
+          </ac:picMkLst>
+        </pc:picChg>
+        <pc:picChg chg="add mod">
+          <ac:chgData name="김소희" userId="292a1162-0793-4577-a94d-2dae0dfa5995" providerId="ADAL" clId="{56FB9BA8-8618-469E-B881-B7E5EAC1530C}" dt="2022-07-19T05:40:02.707" v="15227" actId="1076"/>
+          <ac:picMkLst>
+            <pc:docMk/>
+            <pc:sldMk cId="2345294917" sldId="278"/>
+            <ac:picMk id="11" creationId="{0AF44DA9-DFB7-8FEB-36E8-8FC44A08F72F}"/>
+          </ac:picMkLst>
+        </pc:picChg>
+        <pc:picChg chg="del">
+          <ac:chgData name="김소희" userId="292a1162-0793-4577-a94d-2dae0dfa5995" providerId="ADAL" clId="{56FB9BA8-8618-469E-B881-B7E5EAC1530C}" dt="2022-07-17T17:41:33.676" v="10112" actId="478"/>
+          <ac:picMkLst>
+            <pc:docMk/>
+            <pc:sldMk cId="2345294917" sldId="278"/>
+            <ac:picMk id="12" creationId="{578ACBF1-4819-2E3C-F2B5-88BE628E11D6}"/>
+          </ac:picMkLst>
+        </pc:picChg>
+        <pc:picChg chg="del">
+          <ac:chgData name="김소희" userId="292a1162-0793-4577-a94d-2dae0dfa5995" providerId="ADAL" clId="{56FB9BA8-8618-469E-B881-B7E5EAC1530C}" dt="2022-07-17T17:41:34.605" v="10113" actId="478"/>
+          <ac:picMkLst>
+            <pc:docMk/>
+            <pc:sldMk cId="2345294917" sldId="278"/>
+            <ac:picMk id="40" creationId="{5526943C-6091-5D89-05BA-82DF089B1ABF}"/>
+          </ac:picMkLst>
+        </pc:picChg>
+        <pc:cxnChg chg="add mod">
+          <ac:chgData name="김소희" userId="292a1162-0793-4577-a94d-2dae0dfa5995" providerId="ADAL" clId="{56FB9BA8-8618-469E-B881-B7E5EAC1530C}" dt="2022-07-17T17:58:12.952" v="10782" actId="208"/>
+          <ac:cxnSpMkLst>
+            <pc:docMk/>
+            <pc:sldMk cId="2345294917" sldId="278"/>
+            <ac:cxnSpMk id="15" creationId="{82AA8975-E961-9A8E-7799-F336C3C931D4}"/>
+          </ac:cxnSpMkLst>
+        </pc:cxnChg>
+      </pc:sldChg>
+      <pc:sldChg chg="addSp delSp modSp add mod modNotesTx">
+        <pc:chgData name="김소희" userId="292a1162-0793-4577-a94d-2dae0dfa5995" providerId="ADAL" clId="{56FB9BA8-8618-469E-B881-B7E5EAC1530C}" dt="2022-07-18T06:05:37.851" v="13468"/>
+        <pc:sldMkLst>
+          <pc:docMk/>
+          <pc:sldMk cId="2498032575" sldId="279"/>
+        </pc:sldMkLst>
+        <pc:spChg chg="add mod">
+          <ac:chgData name="김소희" userId="292a1162-0793-4577-a94d-2dae0dfa5995" providerId="ADAL" clId="{56FB9BA8-8618-469E-B881-B7E5EAC1530C}" dt="2022-07-17T18:17:09.678" v="11366" actId="1076"/>
+          <ac:spMkLst>
+            <pc:docMk/>
+            <pc:sldMk cId="2498032575" sldId="279"/>
+            <ac:spMk id="6" creationId="{A2CB003F-D844-B99C-7E75-945E120257C4}"/>
+          </ac:spMkLst>
+        </pc:spChg>
+        <pc:spChg chg="mod">
+          <ac:chgData name="김소희" userId="292a1162-0793-4577-a94d-2dae0dfa5995" providerId="ADAL" clId="{56FB9BA8-8618-469E-B881-B7E5EAC1530C}" dt="2022-07-17T17:43:50.087" v="10181" actId="207"/>
+          <ac:spMkLst>
+            <pc:docMk/>
+            <pc:sldMk cId="2498032575" sldId="279"/>
+            <ac:spMk id="7" creationId="{5FF834EC-C667-129F-6DE7-24EC80562A9F}"/>
+          </ac:spMkLst>
+        </pc:spChg>
+        <pc:spChg chg="mod">
+          <ac:chgData name="김소희" userId="292a1162-0793-4577-a94d-2dae0dfa5995" providerId="ADAL" clId="{56FB9BA8-8618-469E-B881-B7E5EAC1530C}" dt="2022-07-17T17:54:00.446" v="10639" actId="1035"/>
+          <ac:spMkLst>
+            <pc:docMk/>
+            <pc:sldMk cId="2498032575" sldId="279"/>
+            <ac:spMk id="8" creationId="{9530C086-2C13-F035-575F-854F651D3568}"/>
+          </ac:spMkLst>
+        </pc:spChg>
+        <pc:spChg chg="add mod">
+          <ac:chgData name="김소희" userId="292a1162-0793-4577-a94d-2dae0dfa5995" providerId="ADAL" clId="{56FB9BA8-8618-469E-B881-B7E5EAC1530C}" dt="2022-07-17T18:12:49.943" v="11218" actId="1076"/>
+          <ac:spMkLst>
+            <pc:docMk/>
+            <pc:sldMk cId="2498032575" sldId="279"/>
+            <ac:spMk id="10" creationId="{5F1BA15A-1876-3192-AA7B-41DE490C8684}"/>
+          </ac:spMkLst>
+        </pc:spChg>
+        <pc:spChg chg="add mod">
+          <ac:chgData name="김소희" userId="292a1162-0793-4577-a94d-2dae0dfa5995" providerId="ADAL" clId="{56FB9BA8-8618-469E-B881-B7E5EAC1530C}" dt="2022-07-17T18:17:29.553" v="11370" actId="207"/>
+          <ac:spMkLst>
+            <pc:docMk/>
+            <pc:sldMk cId="2498032575" sldId="279"/>
+            <ac:spMk id="13" creationId="{1505F85D-4E18-42FC-726C-028A2BD784F5}"/>
+          </ac:spMkLst>
+        </pc:spChg>
+        <pc:spChg chg="add mod">
+          <ac:chgData name="김소희" userId="292a1162-0793-4577-a94d-2dae0dfa5995" providerId="ADAL" clId="{56FB9BA8-8618-469E-B881-B7E5EAC1530C}" dt="2022-07-17T18:15:27.264" v="11314" actId="1035"/>
+          <ac:spMkLst>
+            <pc:docMk/>
+            <pc:sldMk cId="2498032575" sldId="279"/>
+            <ac:spMk id="15" creationId="{DB3305B8-8FCF-CEC6-8B05-78E28D18BD38}"/>
+          </ac:spMkLst>
+        </pc:spChg>
+        <pc:spChg chg="add mod">
+          <ac:chgData name="김소희" userId="292a1162-0793-4577-a94d-2dae0dfa5995" providerId="ADAL" clId="{56FB9BA8-8618-469E-B881-B7E5EAC1530C}" dt="2022-07-17T18:17:49.678" v="11372" actId="207"/>
+          <ac:spMkLst>
+            <pc:docMk/>
+            <pc:sldMk cId="2498032575" sldId="279"/>
+            <ac:spMk id="16" creationId="{ABAD0C93-F92D-5C4B-7E51-7694EB790562}"/>
+          </ac:spMkLst>
+        </pc:spChg>
+        <pc:picChg chg="add mod">
+          <ac:chgData name="김소희" userId="292a1162-0793-4577-a94d-2dae0dfa5995" providerId="ADAL" clId="{56FB9BA8-8618-469E-B881-B7E5EAC1530C}" dt="2022-07-17T18:15:27.264" v="11314" actId="1035"/>
+          <ac:picMkLst>
+            <pc:docMk/>
+            <pc:sldMk cId="2498032575" sldId="279"/>
+            <ac:picMk id="4" creationId="{B1C51329-4F1D-5F31-19F1-EF5FC16F2EFF}"/>
+          </ac:picMkLst>
+        </pc:picChg>
+        <pc:picChg chg="add mod modCrop">
+          <ac:chgData name="김소희" userId="292a1162-0793-4577-a94d-2dae0dfa5995" providerId="ADAL" clId="{56FB9BA8-8618-469E-B881-B7E5EAC1530C}" dt="2022-07-17T18:00:59.301" v="10805" actId="1076"/>
+          <ac:picMkLst>
+            <pc:docMk/>
+            <pc:sldMk cId="2498032575" sldId="279"/>
+            <ac:picMk id="11" creationId="{B5958A8B-865C-EA87-50E7-B2145B4099BA}"/>
+          </ac:picMkLst>
+        </pc:picChg>
+        <pc:picChg chg="add mod">
+          <ac:chgData name="김소희" userId="292a1162-0793-4577-a94d-2dae0dfa5995" providerId="ADAL" clId="{56FB9BA8-8618-469E-B881-B7E5EAC1530C}" dt="2022-07-17T18:15:45.872" v="11315" actId="14100"/>
+          <ac:picMkLst>
+            <pc:docMk/>
+            <pc:sldMk cId="2498032575" sldId="279"/>
+            <ac:picMk id="12" creationId="{4E0DA67B-AAA0-B116-BE93-7FA3C2ADCCF8}"/>
+          </ac:picMkLst>
+        </pc:picChg>
+        <pc:picChg chg="add del mod">
+          <ac:chgData name="김소희" userId="292a1162-0793-4577-a94d-2dae0dfa5995" providerId="ADAL" clId="{56FB9BA8-8618-469E-B881-B7E5EAC1530C}" dt="2022-07-17T18:11:40.635" v="11072" actId="478"/>
+          <ac:picMkLst>
+            <pc:docMk/>
+            <pc:sldMk cId="2498032575" sldId="279"/>
+            <ac:picMk id="14" creationId="{AB13C3F1-9690-29A5-1F54-A5EE44DE024F}"/>
+          </ac:picMkLst>
+        </pc:picChg>
+      </pc:sldChg>
+      <pc:sldChg chg="addSp delSp modSp add mod modNotesTx">
+        <pc:chgData name="김소희" userId="292a1162-0793-4577-a94d-2dae0dfa5995" providerId="ADAL" clId="{56FB9BA8-8618-469E-B881-B7E5EAC1530C}" dt="2022-07-18T07:21:50.942" v="14105" actId="1037"/>
+        <pc:sldMkLst>
+          <pc:docMk/>
+          <pc:sldMk cId="706761807" sldId="280"/>
+        </pc:sldMkLst>
+        <pc:spChg chg="mod">
+          <ac:chgData name="김소희" userId="292a1162-0793-4577-a94d-2dae0dfa5995" providerId="ADAL" clId="{56FB9BA8-8618-469E-B881-B7E5EAC1530C}" dt="2022-07-17T18:18:15.873" v="11397" actId="20577"/>
+          <ac:spMkLst>
+            <pc:docMk/>
+            <pc:sldMk cId="706761807" sldId="280"/>
+            <ac:spMk id="2" creationId="{5C386871-B092-6B43-A8DA-B84A6CCCC7F5}"/>
+          </ac:spMkLst>
+        </pc:spChg>
+        <pc:spChg chg="add mod">
+          <ac:chgData name="김소희" userId="292a1162-0793-4577-a94d-2dae0dfa5995" providerId="ADAL" clId="{56FB9BA8-8618-469E-B881-B7E5EAC1530C}" dt="2022-07-18T07:21:27.843" v="14092" actId="1076"/>
+          <ac:spMkLst>
+            <pc:docMk/>
+            <pc:sldMk cId="706761807" sldId="280"/>
+            <ac:spMk id="5" creationId="{07969C9B-CED3-4E10-6AC1-4A89CC0710A1}"/>
+          </ac:spMkLst>
+        </pc:spChg>
+        <pc:spChg chg="del">
+          <ac:chgData name="김소희" userId="292a1162-0793-4577-a94d-2dae0dfa5995" providerId="ADAL" clId="{56FB9BA8-8618-469E-B881-B7E5EAC1530C}" dt="2022-07-17T18:18:08.503" v="11374" actId="478"/>
+          <ac:spMkLst>
+            <pc:docMk/>
+            <pc:sldMk cId="706761807" sldId="280"/>
+            <ac:spMk id="6" creationId="{A2CB003F-D844-B99C-7E75-945E120257C4}"/>
+          </ac:spMkLst>
+        </pc:spChg>
+        <pc:spChg chg="add mod">
+          <ac:chgData name="김소희" userId="292a1162-0793-4577-a94d-2dae0dfa5995" providerId="ADAL" clId="{56FB9BA8-8618-469E-B881-B7E5EAC1530C}" dt="2022-07-18T07:21:48.540" v="14100" actId="1037"/>
+          <ac:spMkLst>
+            <pc:docMk/>
+            <pc:sldMk cId="706761807" sldId="280"/>
+            <ac:spMk id="6" creationId="{BF22174C-FE65-8F5C-23A4-CEE86E4EE7B2}"/>
+          </ac:spMkLst>
+        </pc:spChg>
+        <pc:spChg chg="mod">
+          <ac:chgData name="김소희" userId="292a1162-0793-4577-a94d-2dae0dfa5995" providerId="ADAL" clId="{56FB9BA8-8618-469E-B881-B7E5EAC1530C}" dt="2022-07-18T07:21:17.808" v="14090" actId="1035"/>
+          <ac:spMkLst>
+            <pc:docMk/>
+            <pc:sldMk cId="706761807" sldId="280"/>
+            <ac:spMk id="7" creationId="{5FF834EC-C667-129F-6DE7-24EC80562A9F}"/>
+          </ac:spMkLst>
+        </pc:spChg>
+        <pc:spChg chg="add mod">
+          <ac:chgData name="김소희" userId="292a1162-0793-4577-a94d-2dae0dfa5995" providerId="ADAL" clId="{56FB9BA8-8618-469E-B881-B7E5EAC1530C}" dt="2022-07-18T07:21:50.942" v="14105" actId="1037"/>
+          <ac:spMkLst>
+            <pc:docMk/>
+            <pc:sldMk cId="706761807" sldId="280"/>
+            <ac:spMk id="8" creationId="{0BCB3254-0204-A594-6121-B571C1233A20}"/>
+          </ac:spMkLst>
+        </pc:spChg>
+        <pc:spChg chg="del">
+          <ac:chgData name="김소희" userId="292a1162-0793-4577-a94d-2dae0dfa5995" providerId="ADAL" clId="{56FB9BA8-8618-469E-B881-B7E5EAC1530C}" dt="2022-07-17T18:18:08.503" v="11374" actId="478"/>
+          <ac:spMkLst>
+            <pc:docMk/>
+            <pc:sldMk cId="706761807" sldId="280"/>
+            <ac:spMk id="8" creationId="{9530C086-2C13-F035-575F-854F651D3568}"/>
+          </ac:spMkLst>
+        </pc:spChg>
+        <pc:spChg chg="add mod">
+          <ac:chgData name="김소희" userId="292a1162-0793-4577-a94d-2dae0dfa5995" providerId="ADAL" clId="{56FB9BA8-8618-469E-B881-B7E5EAC1530C}" dt="2022-07-18T07:14:38.506" v="13933" actId="1076"/>
+          <ac:spMkLst>
+            <pc:docMk/>
+            <pc:sldMk cId="706761807" sldId="280"/>
+            <ac:spMk id="10" creationId="{3EE173F4-387B-DFCF-4930-ADE398C6A763}"/>
+          </ac:spMkLst>
+        </pc:spChg>
+        <pc:spChg chg="del">
+          <ac:chgData name="김소희" userId="292a1162-0793-4577-a94d-2dae0dfa5995" providerId="ADAL" clId="{56FB9BA8-8618-469E-B881-B7E5EAC1530C}" dt="2022-07-17T18:18:08.503" v="11374" actId="478"/>
+          <ac:spMkLst>
+            <pc:docMk/>
+            <pc:sldMk cId="706761807" sldId="280"/>
+            <ac:spMk id="10" creationId="{5F1BA15A-1876-3192-AA7B-41DE490C8684}"/>
+          </ac:spMkLst>
+        </pc:spChg>
+        <pc:spChg chg="add del mod">
+          <ac:chgData name="김소희" userId="292a1162-0793-4577-a94d-2dae0dfa5995" providerId="ADAL" clId="{56FB9BA8-8618-469E-B881-B7E5EAC1530C}" dt="2022-07-18T05:47:56.763" v="12563"/>
+          <ac:spMkLst>
+            <pc:docMk/>
+            <pc:sldMk cId="706761807" sldId="280"/>
+            <ac:spMk id="11" creationId="{311A97C1-C6D6-FB16-046B-6587C881399E}"/>
+          </ac:spMkLst>
+        </pc:spChg>
+        <pc:spChg chg="del">
+          <ac:chgData name="김소희" userId="292a1162-0793-4577-a94d-2dae0dfa5995" providerId="ADAL" clId="{56FB9BA8-8618-469E-B881-B7E5EAC1530C}" dt="2022-07-17T18:18:08.503" v="11374" actId="478"/>
+          <ac:spMkLst>
+            <pc:docMk/>
+            <pc:sldMk cId="706761807" sldId="280"/>
+            <ac:spMk id="13" creationId="{1505F85D-4E18-42FC-726C-028A2BD784F5}"/>
+          </ac:spMkLst>
+        </pc:spChg>
+        <pc:spChg chg="del">
+          <ac:chgData name="김소희" userId="292a1162-0793-4577-a94d-2dae0dfa5995" providerId="ADAL" clId="{56FB9BA8-8618-469E-B881-B7E5EAC1530C}" dt="2022-07-17T18:18:08.503" v="11374" actId="478"/>
+          <ac:spMkLst>
+            <pc:docMk/>
+            <pc:sldMk cId="706761807" sldId="280"/>
+            <ac:spMk id="15" creationId="{DB3305B8-8FCF-CEC6-8B05-78E28D18BD38}"/>
+          </ac:spMkLst>
+        </pc:spChg>
+        <pc:spChg chg="del">
+          <ac:chgData name="김소희" userId="292a1162-0793-4577-a94d-2dae0dfa5995" providerId="ADAL" clId="{56FB9BA8-8618-469E-B881-B7E5EAC1530C}" dt="2022-07-17T18:18:08.503" v="11374" actId="478"/>
+          <ac:spMkLst>
+            <pc:docMk/>
+            <pc:sldMk cId="706761807" sldId="280"/>
+            <ac:spMk id="16" creationId="{ABAD0C93-F92D-5C4B-7E51-7694EB790562}"/>
+          </ac:spMkLst>
+        </pc:spChg>
+        <pc:picChg chg="del">
+          <ac:chgData name="김소희" userId="292a1162-0793-4577-a94d-2dae0dfa5995" providerId="ADAL" clId="{56FB9BA8-8618-469E-B881-B7E5EAC1530C}" dt="2022-07-17T18:18:08.503" v="11374" actId="478"/>
+          <ac:picMkLst>
+            <pc:docMk/>
+            <pc:sldMk cId="706761807" sldId="280"/>
+            <ac:picMk id="4" creationId="{B1C51329-4F1D-5F31-19F1-EF5FC16F2EFF}"/>
+          </ac:picMkLst>
+        </pc:picChg>
+        <pc:picChg chg="del">
+          <ac:chgData name="김소희" userId="292a1162-0793-4577-a94d-2dae0dfa5995" providerId="ADAL" clId="{56FB9BA8-8618-469E-B881-B7E5EAC1530C}" dt="2022-07-17T18:18:09.221" v="11375" actId="478"/>
+          <ac:picMkLst>
+            <pc:docMk/>
+            <pc:sldMk cId="706761807" sldId="280"/>
+            <ac:picMk id="11" creationId="{B5958A8B-865C-EA87-50E7-B2145B4099BA}"/>
+          </ac:picMkLst>
+        </pc:picChg>
+        <pc:picChg chg="del">
+          <ac:chgData name="김소희" userId="292a1162-0793-4577-a94d-2dae0dfa5995" providerId="ADAL" clId="{56FB9BA8-8618-469E-B881-B7E5EAC1530C}" dt="2022-07-17T18:18:08.503" v="11374" actId="478"/>
+          <ac:picMkLst>
+            <pc:docMk/>
+            <pc:sldMk cId="706761807" sldId="280"/>
+            <ac:picMk id="12" creationId="{4E0DA67B-AAA0-B116-BE93-7FA3C2ADCCF8}"/>
+          </ac:picMkLst>
+        </pc:picChg>
+        <pc:picChg chg="add mod">
+          <ac:chgData name="김소희" userId="292a1162-0793-4577-a94d-2dae0dfa5995" providerId="ADAL" clId="{56FB9BA8-8618-469E-B881-B7E5EAC1530C}" dt="2022-07-18T07:14:47.648" v="13934" actId="14100"/>
+          <ac:picMkLst>
+            <pc:docMk/>
+            <pc:sldMk cId="706761807" sldId="280"/>
+            <ac:picMk id="2050" creationId="{7512299E-CA36-287D-8340-06C50C5D4F9E}"/>
+          </ac:picMkLst>
+        </pc:picChg>
+      </pc:sldChg>
+      <pc:sldChg chg="addSp delSp modSp add mod modNotesTx">
+        <pc:chgData name="김소희" userId="292a1162-0793-4577-a94d-2dae0dfa5995" providerId="ADAL" clId="{56FB9BA8-8618-469E-B881-B7E5EAC1530C}" dt="2022-07-19T05:41:17.232" v="15231" actId="207"/>
+        <pc:sldMkLst>
+          <pc:docMk/>
+          <pc:sldMk cId="298544368" sldId="281"/>
+        </pc:sldMkLst>
+        <pc:spChg chg="add mod">
+          <ac:chgData name="김소희" userId="292a1162-0793-4577-a94d-2dae0dfa5995" providerId="ADAL" clId="{56FB9BA8-8618-469E-B881-B7E5EAC1530C}" dt="2022-07-18T07:42:04.938" v="14530" actId="1076"/>
+          <ac:spMkLst>
+            <pc:docMk/>
+            <pc:sldMk cId="298544368" sldId="281"/>
+            <ac:spMk id="5" creationId="{8A62A27D-5B39-023B-8274-C267E1AD80A5}"/>
+          </ac:spMkLst>
+        </pc:spChg>
+        <pc:spChg chg="mod">
+          <ac:chgData name="김소희" userId="292a1162-0793-4577-a94d-2dae0dfa5995" providerId="ADAL" clId="{56FB9BA8-8618-469E-B881-B7E5EAC1530C}" dt="2022-07-18T07:22:11.685" v="14120" actId="1035"/>
+          <ac:spMkLst>
+            <pc:docMk/>
+            <pc:sldMk cId="298544368" sldId="281"/>
+            <ac:spMk id="7" creationId="{5FF834EC-C667-129F-6DE7-24EC80562A9F}"/>
+          </ac:spMkLst>
+        </pc:spChg>
+        <pc:spChg chg="add mod">
+          <ac:chgData name="김소희" userId="292a1162-0793-4577-a94d-2dae0dfa5995" providerId="ADAL" clId="{56FB9BA8-8618-469E-B881-B7E5EAC1530C}" dt="2022-07-18T07:42:09.079" v="14531" actId="1076"/>
+          <ac:spMkLst>
+            <pc:docMk/>
+            <pc:sldMk cId="298544368" sldId="281"/>
+            <ac:spMk id="10" creationId="{8DFDB6E9-CCC3-8E83-9F1E-CD433C536AF4}"/>
+          </ac:spMkLst>
+        </pc:spChg>
+        <pc:spChg chg="add mod">
+          <ac:chgData name="김소희" userId="292a1162-0793-4577-a94d-2dae0dfa5995" providerId="ADAL" clId="{56FB9BA8-8618-469E-B881-B7E5EAC1530C}" dt="2022-07-18T07:42:27.731" v="14536" actId="1076"/>
+          <ac:spMkLst>
+            <pc:docMk/>
+            <pc:sldMk cId="298544368" sldId="281"/>
+            <ac:spMk id="11" creationId="{872B8FC4-67C5-CC5E-DA26-30F6C4E252E9}"/>
+          </ac:spMkLst>
+        </pc:spChg>
+        <pc:spChg chg="add mod">
+          <ac:chgData name="김소희" userId="292a1162-0793-4577-a94d-2dae0dfa5995" providerId="ADAL" clId="{56FB9BA8-8618-469E-B881-B7E5EAC1530C}" dt="2022-07-19T05:41:17.232" v="15231" actId="207"/>
+          <ac:spMkLst>
+            <pc:docMk/>
+            <pc:sldMk cId="298544368" sldId="281"/>
+            <ac:spMk id="12" creationId="{837DF62E-A419-EA53-4393-D770C5FA647D}"/>
+          </ac:spMkLst>
+        </pc:spChg>
+        <pc:picChg chg="add mod">
+          <ac:chgData name="김소희" userId="292a1162-0793-4577-a94d-2dae0dfa5995" providerId="ADAL" clId="{56FB9BA8-8618-469E-B881-B7E5EAC1530C}" dt="2022-07-18T07:42:31.616" v="14537" actId="1076"/>
+          <ac:picMkLst>
+            <pc:docMk/>
+            <pc:sldMk cId="298544368" sldId="281"/>
+            <ac:picMk id="4" creationId="{CA1FF9BD-956F-8439-2287-120D4CA4B0F0}"/>
+          </ac:picMkLst>
+        </pc:picChg>
+        <pc:picChg chg="add del mod">
+          <ac:chgData name="김소희" userId="292a1162-0793-4577-a94d-2dae0dfa5995" providerId="ADAL" clId="{56FB9BA8-8618-469E-B881-B7E5EAC1530C}" dt="2022-07-18T07:41:49.822" v="14523" actId="478"/>
+          <ac:picMkLst>
+            <pc:docMk/>
+            <pc:sldMk cId="298544368" sldId="281"/>
+            <ac:picMk id="8" creationId="{AE3CA713-90C9-AFA4-0B8A-68F9397A7118}"/>
+          </ac:picMkLst>
+        </pc:picChg>
+        <pc:picChg chg="add mod">
+          <ac:chgData name="김소희" userId="292a1162-0793-4577-a94d-2dae0dfa5995" providerId="ADAL" clId="{56FB9BA8-8618-469E-B881-B7E5EAC1530C}" dt="2022-07-18T07:42:19.600" v="14534" actId="1076"/>
+          <ac:picMkLst>
+            <pc:docMk/>
+            <pc:sldMk cId="298544368" sldId="281"/>
+            <ac:picMk id="13" creationId="{172A6EDF-BDD7-6B59-12D2-0D3CDFA35BA9}"/>
+          </ac:picMkLst>
+        </pc:picChg>
+      </pc:sldChg>
+      <pc:sldChg chg="addSp delSp modSp add mod modNotesTx">
+        <pc:chgData name="김소희" userId="292a1162-0793-4577-a94d-2dae0dfa5995" providerId="ADAL" clId="{56FB9BA8-8618-469E-B881-B7E5EAC1530C}" dt="2022-07-18T08:10:01.082" v="15222" actId="1076"/>
+        <pc:sldMkLst>
+          <pc:docMk/>
+          <pc:sldMk cId="3341805491" sldId="282"/>
+        </pc:sldMkLst>
+        <pc:spChg chg="mod">
+          <ac:chgData name="김소희" userId="292a1162-0793-4577-a94d-2dae0dfa5995" providerId="ADAL" clId="{56FB9BA8-8618-469E-B881-B7E5EAC1530C}" dt="2022-07-18T07:57:46.777" v="14877" actId="1076"/>
+          <ac:spMkLst>
+            <pc:docMk/>
+            <pc:sldMk cId="3341805491" sldId="282"/>
+            <ac:spMk id="7" creationId="{5FF834EC-C667-129F-6DE7-24EC80562A9F}"/>
+          </ac:spMkLst>
+        </pc:spChg>
+        <pc:spChg chg="mod">
+          <ac:chgData name="김소희" userId="292a1162-0793-4577-a94d-2dae0dfa5995" providerId="ADAL" clId="{56FB9BA8-8618-469E-B881-B7E5EAC1530C}" dt="2022-07-18T07:55:56.606" v="14875" actId="14100"/>
+          <ac:spMkLst>
+            <pc:docMk/>
+            <pc:sldMk cId="3341805491" sldId="282"/>
+            <ac:spMk id="9" creationId="{4E262F7D-1CD2-9678-413C-EB257F68A044}"/>
+          </ac:spMkLst>
+        </pc:spChg>
+        <pc:spChg chg="add mod">
+          <ac:chgData name="김소희" userId="292a1162-0793-4577-a94d-2dae0dfa5995" providerId="ADAL" clId="{56FB9BA8-8618-469E-B881-B7E5EAC1530C}" dt="2022-07-18T08:09:54.136" v="15219" actId="1035"/>
+          <ac:spMkLst>
+            <pc:docMk/>
+            <pc:sldMk cId="3341805491" sldId="282"/>
+            <ac:spMk id="10" creationId="{0315E5D6-EE09-FB46-7FE3-BA94A4A968B2}"/>
+          </ac:spMkLst>
+        </pc:spChg>
+        <pc:spChg chg="add mod">
+          <ac:chgData name="김소희" userId="292a1162-0793-4577-a94d-2dae0dfa5995" providerId="ADAL" clId="{56FB9BA8-8618-469E-B881-B7E5EAC1530C}" dt="2022-07-18T08:09:54.136" v="15219" actId="1035"/>
+          <ac:spMkLst>
+            <pc:docMk/>
+            <pc:sldMk cId="3341805491" sldId="282"/>
+            <ac:spMk id="11" creationId="{A7790D7A-D678-3139-6DC4-7DEC46CE66B3}"/>
+          </ac:spMkLst>
+        </pc:spChg>
+        <pc:spChg chg="add mod">
+          <ac:chgData name="김소희" userId="292a1162-0793-4577-a94d-2dae0dfa5995" providerId="ADAL" clId="{56FB9BA8-8618-469E-B881-B7E5EAC1530C}" dt="2022-07-18T08:09:54.136" v="15219" actId="1035"/>
+          <ac:spMkLst>
+            <pc:docMk/>
+            <pc:sldMk cId="3341805491" sldId="282"/>
+            <ac:spMk id="12" creationId="{40EC1D8C-9479-C382-0FCA-2D2C523AD5D7}"/>
+          </ac:spMkLst>
+        </pc:spChg>
+        <pc:spChg chg="add mod">
+          <ac:chgData name="김소희" userId="292a1162-0793-4577-a94d-2dae0dfa5995" providerId="ADAL" clId="{56FB9BA8-8618-469E-B881-B7E5EAC1530C}" dt="2022-07-18T08:09:54.136" v="15219" actId="1035"/>
+          <ac:spMkLst>
+            <pc:docMk/>
+            <pc:sldMk cId="3341805491" sldId="282"/>
+            <ac:spMk id="13" creationId="{7E5D850C-3126-3A83-C1B6-A3E51B2D39C2}"/>
+          </ac:spMkLst>
+        </pc:spChg>
+        <pc:spChg chg="add mod">
+          <ac:chgData name="김소희" userId="292a1162-0793-4577-a94d-2dae0dfa5995" providerId="ADAL" clId="{56FB9BA8-8618-469E-B881-B7E5EAC1530C}" dt="2022-07-18T08:09:54.136" v="15219" actId="1035"/>
+          <ac:spMkLst>
+            <pc:docMk/>
+            <pc:sldMk cId="3341805491" sldId="282"/>
+            <ac:spMk id="14" creationId="{F8D60F50-BA1F-012D-2515-471E26C62E23}"/>
+          </ac:spMkLst>
+        </pc:spChg>
+        <pc:spChg chg="add mod">
+          <ac:chgData name="김소희" userId="292a1162-0793-4577-a94d-2dae0dfa5995" providerId="ADAL" clId="{56FB9BA8-8618-469E-B881-B7E5EAC1530C}" dt="2022-07-18T08:09:54.136" v="15219" actId="1035"/>
+          <ac:spMkLst>
+            <pc:docMk/>
+            <pc:sldMk cId="3341805491" sldId="282"/>
+            <ac:spMk id="15" creationId="{1B600DE8-2C40-6AB7-574A-580049264DA3}"/>
+          </ac:spMkLst>
+        </pc:spChg>
+        <pc:spChg chg="add mod">
+          <ac:chgData name="김소희" userId="292a1162-0793-4577-a94d-2dae0dfa5995" providerId="ADAL" clId="{56FB9BA8-8618-469E-B881-B7E5EAC1530C}" dt="2022-07-18T08:09:54.136" v="15219" actId="1035"/>
+          <ac:spMkLst>
+            <pc:docMk/>
+            <pc:sldMk cId="3341805491" sldId="282"/>
+            <ac:spMk id="16" creationId="{14329310-FF14-709D-421D-F55594E4F2B4}"/>
+          </ac:spMkLst>
+        </pc:spChg>
+        <pc:spChg chg="add mod">
+          <ac:chgData name="김소희" userId="292a1162-0793-4577-a94d-2dae0dfa5995" providerId="ADAL" clId="{56FB9BA8-8618-469E-B881-B7E5EAC1530C}" dt="2022-07-18T07:58:29.074" v="14927" actId="20577"/>
+          <ac:spMkLst>
+            <pc:docMk/>
+            <pc:sldMk cId="3341805491" sldId="282"/>
+            <ac:spMk id="17" creationId="{96C045DA-AAC5-0D63-E63E-C080093A386F}"/>
+          </ac:spMkLst>
+        </pc:spChg>
+        <pc:spChg chg="add mod">
+          <ac:chgData name="김소희" userId="292a1162-0793-4577-a94d-2dae0dfa5995" providerId="ADAL" clId="{56FB9BA8-8618-469E-B881-B7E5EAC1530C}" dt="2022-07-18T08:10:01.082" v="15222" actId="1076"/>
+          <ac:spMkLst>
+            <pc:docMk/>
+            <pc:sldMk cId="3341805491" sldId="282"/>
+            <ac:spMk id="18" creationId="{0A66A598-E3C1-83A6-054B-E7EE3AAAEE20}"/>
+          </ac:spMkLst>
+        </pc:spChg>
+        <pc:spChg chg="add del">
+          <ac:chgData name="김소희" userId="292a1162-0793-4577-a94d-2dae0dfa5995" providerId="ADAL" clId="{56FB9BA8-8618-469E-B881-B7E5EAC1530C}" dt="2022-07-18T07:59:27.247" v="14948" actId="22"/>
+          <ac:spMkLst>
+            <pc:docMk/>
+            <pc:sldMk cId="3341805491" sldId="282"/>
+            <ac:spMk id="19" creationId="{781594CD-2030-7E57-BEBB-EEDFD7239184}"/>
+          </ac:spMkLst>
+        </pc:spChg>
+        <pc:spChg chg="add mod">
+          <ac:chgData name="김소희" userId="292a1162-0793-4577-a94d-2dae0dfa5995" providerId="ADAL" clId="{56FB9BA8-8618-469E-B881-B7E5EAC1530C}" dt="2022-07-18T08:09:54.136" v="15219" actId="1035"/>
+          <ac:spMkLst>
+            <pc:docMk/>
+            <pc:sldMk cId="3341805491" sldId="282"/>
+            <ac:spMk id="20" creationId="{46037585-3C71-F7F9-3B07-E137D87B4796}"/>
+          </ac:spMkLst>
+        </pc:spChg>
+        <pc:picChg chg="add mod modCrop">
+          <ac:chgData name="김소희" userId="292a1162-0793-4577-a94d-2dae0dfa5995" providerId="ADAL" clId="{56FB9BA8-8618-469E-B881-B7E5EAC1530C}" dt="2022-07-18T08:09:54.136" v="15219" actId="1035"/>
+          <ac:picMkLst>
+            <pc:docMk/>
+            <pc:sldMk cId="3341805491" sldId="282"/>
+            <ac:picMk id="4" creationId="{8D039AB4-5B46-0D6A-EE04-207F9A59E863}"/>
+          </ac:picMkLst>
+        </pc:picChg>
+        <pc:picChg chg="add mod modCrop">
+          <ac:chgData name="김소희" userId="292a1162-0793-4577-a94d-2dae0dfa5995" providerId="ADAL" clId="{56FB9BA8-8618-469E-B881-B7E5EAC1530C}" dt="2022-07-18T07:58:09.835" v="14893" actId="1076"/>
+          <ac:picMkLst>
+            <pc:docMk/>
+            <pc:sldMk cId="3341805491" sldId="282"/>
+            <ac:picMk id="6" creationId="{C78A8068-87A9-65DB-F981-00D272048007}"/>
+          </ac:picMkLst>
+        </pc:picChg>
+        <pc:picChg chg="add mod">
+          <ac:chgData name="김소희" userId="292a1162-0793-4577-a94d-2dae0dfa5995" providerId="ADAL" clId="{56FB9BA8-8618-469E-B881-B7E5EAC1530C}" dt="2022-07-18T08:09:58.748" v="15221" actId="1076"/>
+          <ac:picMkLst>
+            <pc:docMk/>
+            <pc:sldMk cId="3341805491" sldId="282"/>
+            <ac:picMk id="21" creationId="{1CCCC015-C1E4-2CC9-327F-DA5FA01BE713}"/>
+          </ac:picMkLst>
+        </pc:picChg>
+        <pc:picChg chg="add mod">
+          <ac:chgData name="김소희" userId="292a1162-0793-4577-a94d-2dae0dfa5995" providerId="ADAL" clId="{56FB9BA8-8618-469E-B881-B7E5EAC1530C}" dt="2022-07-18T08:09:57.100" v="15220" actId="1076"/>
+          <ac:picMkLst>
+            <pc:docMk/>
+            <pc:sldMk cId="3341805491" sldId="282"/>
+            <ac:picMk id="22" creationId="{26C14469-54EE-8277-DF83-4BD67F0CBB36}"/>
+          </ac:picMkLst>
+        </pc:picChg>
+      </pc:sldChg>
+      <pc:sldChg chg="addSp delSp modSp add mod modNotesTx">
+        <pc:chgData name="김소희" userId="292a1162-0793-4577-a94d-2dae0dfa5995" providerId="ADAL" clId="{56FB9BA8-8618-469E-B881-B7E5EAC1530C}" dt="2022-07-19T05:43:20.955" v="15316" actId="20577"/>
+        <pc:sldMkLst>
+          <pc:docMk/>
+          <pc:sldMk cId="3162282273" sldId="283"/>
+        </pc:sldMkLst>
+        <pc:spChg chg="mod">
+          <ac:chgData name="김소희" userId="292a1162-0793-4577-a94d-2dae0dfa5995" providerId="ADAL" clId="{56FB9BA8-8618-469E-B881-B7E5EAC1530C}" dt="2022-07-18T07:29:38.618" v="14267" actId="20577"/>
+          <ac:spMkLst>
+            <pc:docMk/>
+            <pc:sldMk cId="3162282273" sldId="283"/>
+            <ac:spMk id="2" creationId="{5C386871-B092-6B43-A8DA-B84A6CCCC7F5}"/>
+          </ac:spMkLst>
+        </pc:spChg>
+        <pc:spChg chg="add mod">
+          <ac:chgData name="김소희" userId="292a1162-0793-4577-a94d-2dae0dfa5995" providerId="ADAL" clId="{56FB9BA8-8618-469E-B881-B7E5EAC1530C}" dt="2022-07-18T07:43:25.408" v="14545" actId="14100"/>
+          <ac:spMkLst>
+            <pc:docMk/>
+            <pc:sldMk cId="3162282273" sldId="283"/>
+            <ac:spMk id="6" creationId="{57192B6A-465D-7C65-4BC7-5189ED235F22}"/>
+          </ac:spMkLst>
+        </pc:spChg>
+        <pc:spChg chg="del mod">
+          <ac:chgData name="김소희" userId="292a1162-0793-4577-a94d-2dae0dfa5995" providerId="ADAL" clId="{56FB9BA8-8618-469E-B881-B7E5EAC1530C}" dt="2022-07-18T07:29:44.352" v="14269" actId="478"/>
+          <ac:spMkLst>
+            <pc:docMk/>
+            <pc:sldMk cId="3162282273" sldId="283"/>
+            <ac:spMk id="7" creationId="{5FF834EC-C667-129F-6DE7-24EC80562A9F}"/>
+          </ac:spMkLst>
+        </pc:spChg>
+        <pc:spChg chg="add mod">
+          <ac:chgData name="김소희" userId="292a1162-0793-4577-a94d-2dae0dfa5995" providerId="ADAL" clId="{56FB9BA8-8618-469E-B881-B7E5EAC1530C}" dt="2022-07-19T05:43:20.955" v="15316" actId="20577"/>
+          <ac:spMkLst>
+            <pc:docMk/>
+            <pc:sldMk cId="3162282273" sldId="283"/>
+            <ac:spMk id="10" creationId="{B3DB1977-7503-E6F5-CD75-D940B5E28872}"/>
+          </ac:spMkLst>
+        </pc:spChg>
+        <pc:picChg chg="del">
+          <ac:chgData name="김소희" userId="292a1162-0793-4577-a94d-2dae0dfa5995" providerId="ADAL" clId="{56FB9BA8-8618-469E-B881-B7E5EAC1530C}" dt="2022-07-18T05:19:44.993" v="11477" actId="478"/>
+          <ac:picMkLst>
+            <pc:docMk/>
+            <pc:sldMk cId="3162282273" sldId="283"/>
+            <ac:picMk id="4" creationId="{8D039AB4-5B46-0D6A-EE04-207F9A59E863}"/>
+          </ac:picMkLst>
+        </pc:picChg>
+        <pc:picChg chg="add mod ord">
+          <ac:chgData name="김소희" userId="292a1162-0793-4577-a94d-2dae0dfa5995" providerId="ADAL" clId="{56FB9BA8-8618-469E-B881-B7E5EAC1530C}" dt="2022-07-18T07:43:41.561" v="14550" actId="1076"/>
+          <ac:picMkLst>
+            <pc:docMk/>
+            <pc:sldMk cId="3162282273" sldId="283"/>
+            <ac:picMk id="5" creationId="{82221CB0-3BF4-7144-7C5F-210C558F5E0C}"/>
+          </ac:picMkLst>
+        </pc:picChg>
+        <pc:picChg chg="add mod">
+          <ac:chgData name="김소희" userId="292a1162-0793-4577-a94d-2dae0dfa5995" providerId="ADAL" clId="{56FB9BA8-8618-469E-B881-B7E5EAC1530C}" dt="2022-07-18T07:43:43.496" v="14551" actId="1076"/>
+          <ac:picMkLst>
+            <pc:docMk/>
+            <pc:sldMk cId="3162282273" sldId="283"/>
+            <ac:picMk id="11" creationId="{D50E5684-2ACA-94F8-327D-0A513508D713}"/>
+          </ac:picMkLst>
+        </pc:picChg>
+      </pc:sldChg>
+      <pc:sldChg chg="addSp delSp modSp add mod modNotesTx">
+        <pc:chgData name="김소희" userId="292a1162-0793-4577-a94d-2dae0dfa5995" providerId="ADAL" clId="{56FB9BA8-8618-469E-B881-B7E5EAC1530C}" dt="2022-07-19T05:40:57.299" v="15230" actId="1076"/>
+        <pc:sldMkLst>
+          <pc:docMk/>
+          <pc:sldMk cId="270594255" sldId="284"/>
+        </pc:sldMkLst>
+        <pc:spChg chg="del">
+          <ac:chgData name="김소희" userId="292a1162-0793-4577-a94d-2dae0dfa5995" providerId="ADAL" clId="{56FB9BA8-8618-469E-B881-B7E5EAC1530C}" dt="2022-07-18T05:52:26.584" v="12842" actId="478"/>
+          <ac:spMkLst>
+            <pc:docMk/>
+            <pc:sldMk cId="270594255" sldId="284"/>
+            <ac:spMk id="5" creationId="{07969C9B-CED3-4E10-6AC1-4A89CC0710A1}"/>
+          </ac:spMkLst>
+        </pc:spChg>
+        <pc:spChg chg="mod">
+          <ac:chgData name="김소희" userId="292a1162-0793-4577-a94d-2dae0dfa5995" providerId="ADAL" clId="{56FB9BA8-8618-469E-B881-B7E5EAC1530C}" dt="2022-07-18T07:22:00.633" v="14109" actId="1076"/>
+          <ac:spMkLst>
+            <pc:docMk/>
+            <pc:sldMk cId="270594255" sldId="284"/>
+            <ac:spMk id="6" creationId="{BF22174C-FE65-8F5C-23A4-CEE86E4EE7B2}"/>
+          </ac:spMkLst>
+        </pc:spChg>
+        <pc:spChg chg="del">
+          <ac:chgData name="김소희" userId="292a1162-0793-4577-a94d-2dae0dfa5995" providerId="ADAL" clId="{56FB9BA8-8618-469E-B881-B7E5EAC1530C}" dt="2022-07-18T07:21:55.960" v="14106" actId="478"/>
+          <ac:spMkLst>
+            <pc:docMk/>
+            <pc:sldMk cId="270594255" sldId="284"/>
+            <ac:spMk id="7" creationId="{5FF834EC-C667-129F-6DE7-24EC80562A9F}"/>
+          </ac:spMkLst>
+        </pc:spChg>
+        <pc:spChg chg="del">
+          <ac:chgData name="김소희" userId="292a1162-0793-4577-a94d-2dae0dfa5995" providerId="ADAL" clId="{56FB9BA8-8618-469E-B881-B7E5EAC1530C}" dt="2022-07-18T05:52:27.530" v="12843" actId="478"/>
+          <ac:spMkLst>
+            <pc:docMk/>
+            <pc:sldMk cId="270594255" sldId="284"/>
+            <ac:spMk id="8" creationId="{0BCB3254-0204-A594-6121-B571C1233A20}"/>
+          </ac:spMkLst>
+        </pc:spChg>
+        <pc:spChg chg="mod">
+          <ac:chgData name="김소희" userId="292a1162-0793-4577-a94d-2dae0dfa5995" providerId="ADAL" clId="{56FB9BA8-8618-469E-B881-B7E5EAC1530C}" dt="2022-07-18T07:22:04.700" v="14110" actId="1076"/>
+          <ac:spMkLst>
+            <pc:docMk/>
+            <pc:sldMk cId="270594255" sldId="284"/>
+            <ac:spMk id="10" creationId="{3EE173F4-387B-DFCF-4930-ADE398C6A763}"/>
+          </ac:spMkLst>
+        </pc:spChg>
+        <pc:spChg chg="add mod">
+          <ac:chgData name="김소희" userId="292a1162-0793-4577-a94d-2dae0dfa5995" providerId="ADAL" clId="{56FB9BA8-8618-469E-B881-B7E5EAC1530C}" dt="2022-07-18T06:12:14.633" v="13694" actId="20577"/>
+          <ac:spMkLst>
+            <pc:docMk/>
+            <pc:sldMk cId="270594255" sldId="284"/>
+            <ac:spMk id="11" creationId="{4CBAB280-9E43-F6BD-D5AE-D896D42224E1}"/>
+          </ac:spMkLst>
+        </pc:spChg>
+        <pc:spChg chg="add mod">
+          <ac:chgData name="김소희" userId="292a1162-0793-4577-a94d-2dae0dfa5995" providerId="ADAL" clId="{56FB9BA8-8618-469E-B881-B7E5EAC1530C}" dt="2022-07-19T05:40:43.286" v="15228" actId="14100"/>
+          <ac:spMkLst>
+            <pc:docMk/>
+            <pc:sldMk cId="270594255" sldId="284"/>
+            <ac:spMk id="12" creationId="{96E3FED2-8A59-4C85-6052-003B77488F26}"/>
+          </ac:spMkLst>
+        </pc:spChg>
+        <pc:spChg chg="add mod">
+          <ac:chgData name="김소희" userId="292a1162-0793-4577-a94d-2dae0dfa5995" providerId="ADAL" clId="{56FB9BA8-8618-469E-B881-B7E5EAC1530C}" dt="2022-07-19T05:40:57.299" v="15230" actId="1076"/>
+          <ac:spMkLst>
+            <pc:docMk/>
+            <pc:sldMk cId="270594255" sldId="284"/>
+            <ac:spMk id="14" creationId="{AB866497-41F7-1D57-0B08-4FED33301F6C}"/>
+          </ac:spMkLst>
+        </pc:spChg>
+        <pc:spChg chg="add mod">
+          <ac:chgData name="김소희" userId="292a1162-0793-4577-a94d-2dae0dfa5995" providerId="ADAL" clId="{56FB9BA8-8618-469E-B881-B7E5EAC1530C}" dt="2022-07-18T07:51:21.532" v="14816" actId="207"/>
+          <ac:spMkLst>
+            <pc:docMk/>
+            <pc:sldMk cId="270594255" sldId="284"/>
+            <ac:spMk id="15" creationId="{D8F22C53-3630-5A0F-A312-B39C51D4987F}"/>
+          </ac:spMkLst>
+        </pc:spChg>
+        <pc:spChg chg="add mod">
+          <ac:chgData name="김소희" userId="292a1162-0793-4577-a94d-2dae0dfa5995" providerId="ADAL" clId="{56FB9BA8-8618-469E-B881-B7E5EAC1530C}" dt="2022-07-18T07:21:56.198" v="14107"/>
+          <ac:spMkLst>
+            <pc:docMk/>
+            <pc:sldMk cId="270594255" sldId="284"/>
+            <ac:spMk id="17" creationId="{5A4330A6-F6FC-5305-C262-FF7770664241}"/>
+          </ac:spMkLst>
+        </pc:spChg>
+        <pc:picChg chg="add mod">
+          <ac:chgData name="김소희" userId="292a1162-0793-4577-a94d-2dae0dfa5995" providerId="ADAL" clId="{56FB9BA8-8618-469E-B881-B7E5EAC1530C}" dt="2022-07-18T07:22:04.700" v="14110" actId="1076"/>
+          <ac:picMkLst>
+            <pc:docMk/>
+            <pc:sldMk cId="270594255" sldId="284"/>
+            <ac:picMk id="1026" creationId="{069C4F25-1ED0-7298-25A6-0FC9D2C8445B}"/>
+          </ac:picMkLst>
+        </pc:picChg>
+        <pc:picChg chg="add mod">
+          <ac:chgData name="김소희" userId="292a1162-0793-4577-a94d-2dae0dfa5995" providerId="ADAL" clId="{56FB9BA8-8618-469E-B881-B7E5EAC1530C}" dt="2022-07-18T06:56:54.685" v="13708" actId="1076"/>
+          <ac:picMkLst>
+            <pc:docMk/>
+            <pc:sldMk cId="270594255" sldId="284"/>
+            <ac:picMk id="1028" creationId="{203737A6-F53E-EEAC-A8C4-423F2DF2BB21}"/>
+          </ac:picMkLst>
+        </pc:picChg>
+        <pc:picChg chg="add mod">
+          <ac:chgData name="김소희" userId="292a1162-0793-4577-a94d-2dae0dfa5995" providerId="ADAL" clId="{56FB9BA8-8618-469E-B881-B7E5EAC1530C}" dt="2022-07-18T06:13:30.069" v="13703" actId="1076"/>
+          <ac:picMkLst>
+            <pc:docMk/>
+            <pc:sldMk cId="270594255" sldId="284"/>
+            <ac:picMk id="1030" creationId="{EDD43B3B-81D0-1375-5FAC-A89FB2138DFB}"/>
+          </ac:picMkLst>
+        </pc:picChg>
+        <pc:picChg chg="add mod">
+          <ac:chgData name="김소희" userId="292a1162-0793-4577-a94d-2dae0dfa5995" providerId="ADAL" clId="{56FB9BA8-8618-469E-B881-B7E5EAC1530C}" dt="2022-07-18T06:13:11.049" v="13698" actId="1076"/>
+          <ac:picMkLst>
+            <pc:docMk/>
+            <pc:sldMk cId="270594255" sldId="284"/>
+            <ac:picMk id="1032" creationId="{4486E9B8-F4B3-5FB4-F945-1265215DF60B}"/>
+          </ac:picMkLst>
+        </pc:picChg>
+      </pc:sldChg>
+      <pc:sldChg chg="addSp delSp modSp add mod modNotesTx">
+        <pc:chgData name="김소희" userId="292a1162-0793-4577-a94d-2dae0dfa5995" providerId="ADAL" clId="{56FB9BA8-8618-469E-B881-B7E5EAC1530C}" dt="2022-07-18T08:07:27.721" v="15162" actId="20577"/>
+        <pc:sldMkLst>
+          <pc:docMk/>
+          <pc:sldMk cId="3787048862" sldId="285"/>
+        </pc:sldMkLst>
+        <pc:spChg chg="mod">
+          <ac:chgData name="김소희" userId="292a1162-0793-4577-a94d-2dae0dfa5995" providerId="ADAL" clId="{56FB9BA8-8618-469E-B881-B7E5EAC1530C}" dt="2022-07-18T07:34:15.960" v="14402" actId="1076"/>
+          <ac:spMkLst>
+            <pc:docMk/>
+            <pc:sldMk cId="3787048862" sldId="285"/>
+            <ac:spMk id="5" creationId="{8A62A27D-5B39-023B-8274-C267E1AD80A5}"/>
+          </ac:spMkLst>
+        </pc:spChg>
+        <pc:spChg chg="del">
+          <ac:chgData name="김소희" userId="292a1162-0793-4577-a94d-2dae0dfa5995" providerId="ADAL" clId="{56FB9BA8-8618-469E-B881-B7E5EAC1530C}" dt="2022-07-18T07:22:24.488" v="14122" actId="478"/>
+          <ac:spMkLst>
+            <pc:docMk/>
+            <pc:sldMk cId="3787048862" sldId="285"/>
+            <ac:spMk id="7" creationId="{5FF834EC-C667-129F-6DE7-24EC80562A9F}"/>
+          </ac:spMkLst>
+        </pc:spChg>
+        <pc:spChg chg="mod">
+          <ac:chgData name="김소희" userId="292a1162-0793-4577-a94d-2dae0dfa5995" providerId="ADAL" clId="{56FB9BA8-8618-469E-B881-B7E5EAC1530C}" dt="2022-07-18T07:25:41.188" v="14242" actId="1076"/>
+          <ac:spMkLst>
+            <pc:docMk/>
+            <pc:sldMk cId="3787048862" sldId="285"/>
+            <ac:spMk id="10" creationId="{8DFDB6E9-CCC3-8E83-9F1E-CD433C536AF4}"/>
+          </ac:spMkLst>
+        </pc:spChg>
+        <pc:spChg chg="del mod">
+          <ac:chgData name="김소희" userId="292a1162-0793-4577-a94d-2dae0dfa5995" providerId="ADAL" clId="{56FB9BA8-8618-469E-B881-B7E5EAC1530C}" dt="2022-07-18T07:26:37.318" v="14246" actId="478"/>
+          <ac:spMkLst>
+            <pc:docMk/>
+            <pc:sldMk cId="3787048862" sldId="285"/>
+            <ac:spMk id="11" creationId="{872B8FC4-67C5-CC5E-DA26-30F6C4E252E9}"/>
+          </ac:spMkLst>
+        </pc:spChg>
+        <pc:spChg chg="mod">
+          <ac:chgData name="김소희" userId="292a1162-0793-4577-a94d-2dae0dfa5995" providerId="ADAL" clId="{56FB9BA8-8618-469E-B881-B7E5EAC1530C}" dt="2022-07-18T07:34:21.719" v="14403" actId="1076"/>
+          <ac:spMkLst>
+            <pc:docMk/>
+            <pc:sldMk cId="3787048862" sldId="285"/>
+            <ac:spMk id="12" creationId="{837DF62E-A419-EA53-4393-D770C5FA647D}"/>
+          </ac:spMkLst>
+        </pc:spChg>
+        <pc:spChg chg="add mod">
+          <ac:chgData name="김소희" userId="292a1162-0793-4577-a94d-2dae0dfa5995" providerId="ADAL" clId="{56FB9BA8-8618-469E-B881-B7E5EAC1530C}" dt="2022-07-18T07:22:28.685" v="14124" actId="1076"/>
+          <ac:spMkLst>
+            <pc:docMk/>
+            <pc:sldMk cId="3787048862" sldId="285"/>
+            <ac:spMk id="13" creationId="{B2A5C84C-A679-6B87-7F78-46C461D9C845}"/>
+          </ac:spMkLst>
+        </pc:spChg>
+        <pc:spChg chg="add mod">
+          <ac:chgData name="김소희" userId="292a1162-0793-4577-a94d-2dae0dfa5995" providerId="ADAL" clId="{56FB9BA8-8618-469E-B881-B7E5EAC1530C}" dt="2022-07-18T07:22:24.730" v="14123"/>
+          <ac:spMkLst>
+            <pc:docMk/>
+            <pc:sldMk cId="3787048862" sldId="285"/>
+            <ac:spMk id="16" creationId="{4577B740-1AF1-7CC2-2251-FA8E658EBFCB}"/>
+          </ac:spMkLst>
+        </pc:spChg>
+        <pc:spChg chg="add mod">
+          <ac:chgData name="김소희" userId="292a1162-0793-4577-a94d-2dae0dfa5995" providerId="ADAL" clId="{56FB9BA8-8618-469E-B881-B7E5EAC1530C}" dt="2022-07-18T07:44:15.508" v="14555" actId="1076"/>
+          <ac:spMkLst>
+            <pc:docMk/>
+            <pc:sldMk cId="3787048862" sldId="285"/>
+            <ac:spMk id="17" creationId="{D200BBC0-6ACC-9B41-8D14-0C7D86723C29}"/>
+          </ac:spMkLst>
+        </pc:spChg>
+        <pc:spChg chg="add mod">
+          <ac:chgData name="김소희" userId="292a1162-0793-4577-a94d-2dae0dfa5995" providerId="ADAL" clId="{56FB9BA8-8618-469E-B881-B7E5EAC1530C}" dt="2022-07-18T07:44:25.279" v="14557" actId="1076"/>
+          <ac:spMkLst>
+            <pc:docMk/>
+            <pc:sldMk cId="3787048862" sldId="285"/>
+            <ac:spMk id="18" creationId="{75774BA6-F708-4B24-3409-B7EE827802E6}"/>
+          </ac:spMkLst>
+        </pc:spChg>
+        <pc:spChg chg="add mod">
+          <ac:chgData name="김소희" userId="292a1162-0793-4577-a94d-2dae0dfa5995" providerId="ADAL" clId="{56FB9BA8-8618-469E-B881-B7E5EAC1530C}" dt="2022-07-18T07:44:15.508" v="14555" actId="1076"/>
+          <ac:spMkLst>
+            <pc:docMk/>
+            <pc:sldMk cId="3787048862" sldId="285"/>
+            <ac:spMk id="19" creationId="{06BE8D04-79BE-A5AD-BE10-211DAD98FADB}"/>
+          </ac:spMkLst>
+        </pc:spChg>
+        <pc:spChg chg="add del mod">
+          <ac:chgData name="김소희" userId="292a1162-0793-4577-a94d-2dae0dfa5995" providerId="ADAL" clId="{56FB9BA8-8618-469E-B881-B7E5EAC1530C}" dt="2022-07-18T07:44:00.832" v="14552" actId="478"/>
+          <ac:spMkLst>
+            <pc:docMk/>
+            <pc:sldMk cId="3787048862" sldId="285"/>
+            <ac:spMk id="20" creationId="{FAA72755-6C47-C6FC-ED48-4B02F1C952B3}"/>
+          </ac:spMkLst>
+        </pc:spChg>
+        <pc:picChg chg="del">
+          <ac:chgData name="김소희" userId="292a1162-0793-4577-a94d-2dae0dfa5995" providerId="ADAL" clId="{56FB9BA8-8618-469E-B881-B7E5EAC1530C}" dt="2022-07-18T07:19:14.575" v="14038" actId="478"/>
+          <ac:picMkLst>
+            <pc:docMk/>
+            <pc:sldMk cId="3787048862" sldId="285"/>
+            <ac:picMk id="4" creationId="{CA1FF9BD-956F-8439-2287-120D4CA4B0F0}"/>
+          </ac:picMkLst>
+        </pc:picChg>
+        <pc:picChg chg="add mod">
+          <ac:chgData name="김소희" userId="292a1162-0793-4577-a94d-2dae0dfa5995" providerId="ADAL" clId="{56FB9BA8-8618-469E-B881-B7E5EAC1530C}" dt="2022-07-18T07:25:42.995" v="14243" actId="1076"/>
+          <ac:picMkLst>
+            <pc:docMk/>
+            <pc:sldMk cId="3787048862" sldId="285"/>
+            <ac:picMk id="6" creationId="{7576E02A-4F7B-F91A-C864-2FBF2A93144B}"/>
+          </ac:picMkLst>
+        </pc:picChg>
+        <pc:picChg chg="del">
+          <ac:chgData name="김소희" userId="292a1162-0793-4577-a94d-2dae0dfa5995" providerId="ADAL" clId="{56FB9BA8-8618-469E-B881-B7E5EAC1530C}" dt="2022-07-18T07:19:14" v="14037" actId="478"/>
+          <ac:picMkLst>
+            <pc:docMk/>
+            <pc:sldMk cId="3787048862" sldId="285"/>
+            <ac:picMk id="8" creationId="{AE3CA713-90C9-AFA4-0B8A-68F9397A7118}"/>
+          </ac:picMkLst>
+        </pc:picChg>
+        <pc:picChg chg="add mod">
+          <ac:chgData name="김소희" userId="292a1162-0793-4577-a94d-2dae0dfa5995" providerId="ADAL" clId="{56FB9BA8-8618-469E-B881-B7E5EAC1530C}" dt="2022-07-18T07:26:28.220" v="14244" actId="14100"/>
+          <ac:picMkLst>
+            <pc:docMk/>
+            <pc:sldMk cId="3787048862" sldId="285"/>
+            <ac:picMk id="15" creationId="{6B5342E7-540E-EF39-A1D5-68D5C8E1658D}"/>
+          </ac:picMkLst>
+        </pc:picChg>
+      </pc:sldChg>
+      <pc:sldMasterChg chg="modSldLayout">
+        <pc:chgData name="김소희" userId="292a1162-0793-4577-a94d-2dae0dfa5995" providerId="ADAL" clId="{56FB9BA8-8618-469E-B881-B7E5EAC1530C}" dt="2022-07-18T08:57:43.951" v="15224" actId="20577"/>
+        <pc:sldMasterMkLst>
+          <pc:docMk/>
+          <pc:sldMasterMk cId="3910064173" sldId="2147483648"/>
+        </pc:sldMasterMkLst>
+        <pc:sldLayoutChg chg="modSp mod">
+          <pc:chgData name="김소희" userId="292a1162-0793-4577-a94d-2dae0dfa5995" providerId="ADAL" clId="{56FB9BA8-8618-469E-B881-B7E5EAC1530C}" dt="2022-07-18T08:57:43.951" v="15224" actId="20577"/>
+          <pc:sldLayoutMkLst>
+            <pc:docMk/>
+            <pc:sldMasterMk cId="3910064173" sldId="2147483648"/>
+            <pc:sldLayoutMk cId="2993821319" sldId="2147483650"/>
+          </pc:sldLayoutMkLst>
+          <pc:spChg chg="mod ord">
+            <ac:chgData name="김소희" userId="292a1162-0793-4577-a94d-2dae0dfa5995" providerId="ADAL" clId="{56FB9BA8-8618-469E-B881-B7E5EAC1530C}" dt="2022-07-18T08:57:43.951" v="15224" actId="20577"/>
+            <ac:spMkLst>
+              <pc:docMk/>
+              <pc:sldMasterMk cId="3910064173" sldId="2147483648"/>
+              <pc:sldLayoutMk cId="2993821319" sldId="2147483650"/>
+              <ac:spMk id="7" creationId="{C005384D-ECA5-527F-035D-4F18DB7E2A7F}"/>
+            </ac:spMkLst>
+          </pc:spChg>
+        </pc:sldLayoutChg>
+      </pc:sldMasterChg>
     </pc:docChg>
   </pc:docChgLst>
   <pc:docChgLst>
@@ -3416,3305 +6715,6 @@
               <pc:sldMasterMk cId="3910064173" sldId="2147483648"/>
               <pc:sldLayoutMk cId="2993821319" sldId="2147483650"/>
               <ac:spMk id="8" creationId="{E8747D6F-E9C7-70E1-DE8C-54BEFCF726C3}"/>
-            </ac:spMkLst>
-          </pc:spChg>
-        </pc:sldLayoutChg>
-      </pc:sldMasterChg>
-    </pc:docChg>
-  </pc:docChgLst>
-  <pc:docChgLst>
-    <pc:chgData name="김소희" userId="292a1162-0793-4577-a94d-2dae0dfa5995" providerId="ADAL" clId="{56FB9BA8-8618-469E-B881-B7E5EAC1530C}"/>
-    <pc:docChg chg="undo custSel addSld modSld sldOrd modMainMaster">
-      <pc:chgData name="김소희" userId="292a1162-0793-4577-a94d-2dae0dfa5995" providerId="ADAL" clId="{56FB9BA8-8618-469E-B881-B7E5EAC1530C}" dt="2022-07-19T05:43:20.955" v="15316" actId="20577"/>
-      <pc:docMkLst>
-        <pc:docMk/>
-      </pc:docMkLst>
-      <pc:sldChg chg="modSp mod">
-        <pc:chgData name="김소희" userId="292a1162-0793-4577-a94d-2dae0dfa5995" providerId="ADAL" clId="{56FB9BA8-8618-469E-B881-B7E5EAC1530C}" dt="2022-07-16T16:55:23.235" v="6641" actId="113"/>
-        <pc:sldMkLst>
-          <pc:docMk/>
-          <pc:sldMk cId="158654813" sldId="256"/>
-        </pc:sldMkLst>
-        <pc:spChg chg="mod">
-          <ac:chgData name="김소희" userId="292a1162-0793-4577-a94d-2dae0dfa5995" providerId="ADAL" clId="{56FB9BA8-8618-469E-B881-B7E5EAC1530C}" dt="2022-07-16T16:55:23.235" v="6641" actId="113"/>
-          <ac:spMkLst>
-            <pc:docMk/>
-            <pc:sldMk cId="158654813" sldId="256"/>
-            <ac:spMk id="2" creationId="{D42C8D01-1348-904F-A28E-FB1F05F50B66}"/>
-          </ac:spMkLst>
-        </pc:spChg>
-      </pc:sldChg>
-      <pc:sldChg chg="addSp delSp modSp mod modNotesTx">
-        <pc:chgData name="김소희" userId="292a1162-0793-4577-a94d-2dae0dfa5995" providerId="ADAL" clId="{56FB9BA8-8618-469E-B881-B7E5EAC1530C}" dt="2022-07-17T12:27:12.652" v="7259" actId="20577"/>
-        <pc:sldMkLst>
-          <pc:docMk/>
-          <pc:sldMk cId="1064256564" sldId="257"/>
-        </pc:sldMkLst>
-        <pc:spChg chg="add mod">
-          <ac:chgData name="김소희" userId="292a1162-0793-4577-a94d-2dae0dfa5995" providerId="ADAL" clId="{56FB9BA8-8618-469E-B881-B7E5EAC1530C}" dt="2022-07-16T08:31:39.259" v="1367" actId="207"/>
-          <ac:spMkLst>
-            <pc:docMk/>
-            <pc:sldMk cId="1064256564" sldId="257"/>
-            <ac:spMk id="4" creationId="{23D46D21-7D87-A5C5-3A16-F43F451EE6D6}"/>
-          </ac:spMkLst>
-        </pc:spChg>
-        <pc:spChg chg="mod">
-          <ac:chgData name="김소희" userId="292a1162-0793-4577-a94d-2dae0dfa5995" providerId="ADAL" clId="{56FB9BA8-8618-469E-B881-B7E5EAC1530C}" dt="2022-07-17T12:27:12.652" v="7259" actId="20577"/>
-          <ac:spMkLst>
-            <pc:docMk/>
-            <pc:sldMk cId="1064256564" sldId="257"/>
-            <ac:spMk id="6" creationId="{2188782E-44BF-062E-224B-C021A5C826FC}"/>
-          </ac:spMkLst>
-        </pc:spChg>
-        <pc:spChg chg="del mod">
-          <ac:chgData name="김소희" userId="292a1162-0793-4577-a94d-2dae0dfa5995" providerId="ADAL" clId="{56FB9BA8-8618-469E-B881-B7E5EAC1530C}" dt="2022-07-16T08:26:10.230" v="1075" actId="478"/>
-          <ac:spMkLst>
-            <pc:docMk/>
-            <pc:sldMk cId="1064256564" sldId="257"/>
-            <ac:spMk id="8" creationId="{91C6AC31-B2E0-521A-F2DE-468A37F39761}"/>
-          </ac:spMkLst>
-        </pc:spChg>
-        <pc:spChg chg="add del mod">
-          <ac:chgData name="김소희" userId="292a1162-0793-4577-a94d-2dae0dfa5995" providerId="ADAL" clId="{56FB9BA8-8618-469E-B881-B7E5EAC1530C}" dt="2022-07-16T08:30:37.383" v="1361" actId="478"/>
-          <ac:spMkLst>
-            <pc:docMk/>
-            <pc:sldMk cId="1064256564" sldId="257"/>
-            <ac:spMk id="10" creationId="{0BC09C1D-47E9-8980-4D0D-1F639EC5333B}"/>
-          </ac:spMkLst>
-        </pc:spChg>
-        <pc:spChg chg="add mod">
-          <ac:chgData name="김소희" userId="292a1162-0793-4577-a94d-2dae0dfa5995" providerId="ADAL" clId="{56FB9BA8-8618-469E-B881-B7E5EAC1530C}" dt="2022-07-16T08:30:28.806" v="1359" actId="14100"/>
-          <ac:spMkLst>
-            <pc:docMk/>
-            <pc:sldMk cId="1064256564" sldId="257"/>
-            <ac:spMk id="13" creationId="{174246C5-3CB0-4EE1-338B-F486C3F74F8D}"/>
-          </ac:spMkLst>
-        </pc:spChg>
-        <pc:picChg chg="del mod">
-          <ac:chgData name="김소희" userId="292a1162-0793-4577-a94d-2dae0dfa5995" providerId="ADAL" clId="{56FB9BA8-8618-469E-B881-B7E5EAC1530C}" dt="2022-07-16T08:26:10.230" v="1075" actId="478"/>
-          <ac:picMkLst>
-            <pc:docMk/>
-            <pc:sldMk cId="1064256564" sldId="257"/>
-            <ac:picMk id="12" creationId="{848F1558-F4DC-3F98-DD5D-BEE130F52286}"/>
-          </ac:picMkLst>
-        </pc:picChg>
-        <pc:picChg chg="add mod">
-          <ac:chgData name="김소희" userId="292a1162-0793-4577-a94d-2dae0dfa5995" providerId="ADAL" clId="{56FB9BA8-8618-469E-B881-B7E5EAC1530C}" dt="2022-07-16T08:28:53.073" v="1274" actId="1076"/>
-          <ac:picMkLst>
-            <pc:docMk/>
-            <pc:sldMk cId="1064256564" sldId="257"/>
-            <ac:picMk id="1026" creationId="{082B6978-1040-2636-ECB5-72C25D649201}"/>
-          </ac:picMkLst>
-        </pc:picChg>
-      </pc:sldChg>
-      <pc:sldChg chg="addSp delSp modSp add mod modNotesTx">
-        <pc:chgData name="김소희" userId="292a1162-0793-4577-a94d-2dae0dfa5995" providerId="ADAL" clId="{56FB9BA8-8618-469E-B881-B7E5EAC1530C}" dt="2022-07-16T09:04:12.262" v="1882" actId="20577"/>
-        <pc:sldMkLst>
-          <pc:docMk/>
-          <pc:sldMk cId="2351987689" sldId="258"/>
-        </pc:sldMkLst>
-        <pc:spChg chg="mod">
-          <ac:chgData name="김소희" userId="292a1162-0793-4577-a94d-2dae0dfa5995" providerId="ADAL" clId="{56FB9BA8-8618-469E-B881-B7E5EAC1530C}" dt="2022-07-16T08:30:49.384" v="1364" actId="14100"/>
-          <ac:spMkLst>
-            <pc:docMk/>
-            <pc:sldMk cId="2351987689" sldId="258"/>
-            <ac:spMk id="6" creationId="{2188782E-44BF-062E-224B-C021A5C826FC}"/>
-          </ac:spMkLst>
-        </pc:spChg>
-        <pc:spChg chg="del">
-          <ac:chgData name="김소희" userId="292a1162-0793-4577-a94d-2dae0dfa5995" providerId="ADAL" clId="{56FB9BA8-8618-469E-B881-B7E5EAC1530C}" dt="2022-07-16T08:20:29.194" v="731" actId="478"/>
-          <ac:spMkLst>
-            <pc:docMk/>
-            <pc:sldMk cId="2351987689" sldId="258"/>
-            <ac:spMk id="8" creationId="{91C6AC31-B2E0-521A-F2DE-468A37F39761}"/>
-          </ac:spMkLst>
-        </pc:spChg>
-        <pc:spChg chg="del mod">
-          <ac:chgData name="김소희" userId="292a1162-0793-4577-a94d-2dae0dfa5995" providerId="ADAL" clId="{56FB9BA8-8618-469E-B881-B7E5EAC1530C}" dt="2022-07-16T08:22:50.756" v="865" actId="478"/>
-          <ac:spMkLst>
-            <pc:docMk/>
-            <pc:sldMk cId="2351987689" sldId="258"/>
-            <ac:spMk id="10" creationId="{0BC09C1D-47E9-8980-4D0D-1F639EC5333B}"/>
-          </ac:spMkLst>
-        </pc:spChg>
-        <pc:spChg chg="add mod">
-          <ac:chgData name="김소희" userId="292a1162-0793-4577-a94d-2dae0dfa5995" providerId="ADAL" clId="{56FB9BA8-8618-469E-B881-B7E5EAC1530C}" dt="2022-07-16T08:26:03.472" v="1074" actId="12"/>
-          <ac:spMkLst>
-            <pc:docMk/>
-            <pc:sldMk cId="2351987689" sldId="258"/>
-            <ac:spMk id="11" creationId="{5481EF30-FFA6-F378-2E64-2114E0FFA5EF}"/>
-          </ac:spMkLst>
-        </pc:spChg>
-        <pc:spChg chg="add mod">
-          <ac:chgData name="김소희" userId="292a1162-0793-4577-a94d-2dae0dfa5995" providerId="ADAL" clId="{56FB9BA8-8618-469E-B881-B7E5EAC1530C}" dt="2022-07-16T08:50:44.709" v="1638" actId="12"/>
-          <ac:spMkLst>
-            <pc:docMk/>
-            <pc:sldMk cId="2351987689" sldId="258"/>
-            <ac:spMk id="13" creationId="{05BC5614-7DFD-FAE5-2BEB-AF2F6A47D423}"/>
-          </ac:spMkLst>
-        </pc:spChg>
-        <pc:picChg chg="del">
-          <ac:chgData name="김소희" userId="292a1162-0793-4577-a94d-2dae0dfa5995" providerId="ADAL" clId="{56FB9BA8-8618-469E-B881-B7E5EAC1530C}" dt="2022-07-16T08:20:28.095" v="730" actId="478"/>
-          <ac:picMkLst>
-            <pc:docMk/>
-            <pc:sldMk cId="2351987689" sldId="258"/>
-            <ac:picMk id="12" creationId="{848F1558-F4DC-3F98-DD5D-BEE130F52286}"/>
-          </ac:picMkLst>
-        </pc:picChg>
-        <pc:picChg chg="add mod">
-          <ac:chgData name="김소희" userId="292a1162-0793-4577-a94d-2dae0dfa5995" providerId="ADAL" clId="{56FB9BA8-8618-469E-B881-B7E5EAC1530C}" dt="2022-07-16T08:25:46.015" v="1070"/>
-          <ac:picMkLst>
-            <pc:docMk/>
-            <pc:sldMk cId="2351987689" sldId="258"/>
-            <ac:picMk id="14" creationId="{3550B59F-30E4-08DC-0645-D07F8750CACD}"/>
-          </ac:picMkLst>
-        </pc:picChg>
-        <pc:picChg chg="del">
-          <ac:chgData name="김소희" userId="292a1162-0793-4577-a94d-2dae0dfa5995" providerId="ADAL" clId="{56FB9BA8-8618-469E-B881-B7E5EAC1530C}" dt="2022-07-16T08:20:27.555" v="729" actId="478"/>
-          <ac:picMkLst>
-            <pc:docMk/>
-            <pc:sldMk cId="2351987689" sldId="258"/>
-            <ac:picMk id="1026" creationId="{082B6978-1040-2636-ECB5-72C25D649201}"/>
-          </ac:picMkLst>
-        </pc:picChg>
-      </pc:sldChg>
-      <pc:sldChg chg="addSp delSp modSp add mod modNotesTx">
-        <pc:chgData name="김소희" userId="292a1162-0793-4577-a94d-2dae0dfa5995" providerId="ADAL" clId="{56FB9BA8-8618-469E-B881-B7E5EAC1530C}" dt="2022-07-16T16:42:24.003" v="6221" actId="1035"/>
-        <pc:sldMkLst>
-          <pc:docMk/>
-          <pc:sldMk cId="2540614236" sldId="259"/>
-        </pc:sldMkLst>
-        <pc:spChg chg="mod">
-          <ac:chgData name="김소희" userId="292a1162-0793-4577-a94d-2dae0dfa5995" providerId="ADAL" clId="{56FB9BA8-8618-469E-B881-B7E5EAC1530C}" dt="2022-07-16T08:31:55.418" v="1382" actId="20577"/>
-          <ac:spMkLst>
-            <pc:docMk/>
-            <pc:sldMk cId="2540614236" sldId="259"/>
-            <ac:spMk id="2" creationId="{5C386871-B092-6B43-A8DA-B84A6CCCC7F5}"/>
-          </ac:spMkLst>
-        </pc:spChg>
-        <pc:spChg chg="add mod">
-          <ac:chgData name="김소희" userId="292a1162-0793-4577-a94d-2dae0dfa5995" providerId="ADAL" clId="{56FB9BA8-8618-469E-B881-B7E5EAC1530C}" dt="2022-07-16T13:45:59.286" v="4654" actId="164"/>
-          <ac:spMkLst>
-            <pc:docMk/>
-            <pc:sldMk cId="2540614236" sldId="259"/>
-            <ac:spMk id="5" creationId="{24DA0997-B92A-747D-4206-9DEFB0356AFD}"/>
-          </ac:spMkLst>
-        </pc:spChg>
-        <pc:spChg chg="mod">
-          <ac:chgData name="김소희" userId="292a1162-0793-4577-a94d-2dae0dfa5995" providerId="ADAL" clId="{56FB9BA8-8618-469E-B881-B7E5EAC1530C}" dt="2022-07-16T09:28:09.859" v="2552" actId="12"/>
-          <ac:spMkLst>
-            <pc:docMk/>
-            <pc:sldMk cId="2540614236" sldId="259"/>
-            <ac:spMk id="6" creationId="{2188782E-44BF-062E-224B-C021A5C826FC}"/>
-          </ac:spMkLst>
-        </pc:spChg>
-        <pc:spChg chg="add mod">
-          <ac:chgData name="김소희" userId="292a1162-0793-4577-a94d-2dae0dfa5995" providerId="ADAL" clId="{56FB9BA8-8618-469E-B881-B7E5EAC1530C}" dt="2022-07-16T13:45:59.286" v="4654" actId="164"/>
-          <ac:spMkLst>
-            <pc:docMk/>
-            <pc:sldMk cId="2540614236" sldId="259"/>
-            <ac:spMk id="10" creationId="{B0AB050B-B991-465F-2E16-1A469CA5D388}"/>
-          </ac:spMkLst>
-        </pc:spChg>
-        <pc:spChg chg="mod">
-          <ac:chgData name="김소희" userId="292a1162-0793-4577-a94d-2dae0dfa5995" providerId="ADAL" clId="{56FB9BA8-8618-469E-B881-B7E5EAC1530C}" dt="2022-07-16T16:42:21.207" v="6217" actId="1036"/>
-          <ac:spMkLst>
-            <pc:docMk/>
-            <pc:sldMk cId="2540614236" sldId="259"/>
-            <ac:spMk id="11" creationId="{5481EF30-FFA6-F378-2E64-2114E0FFA5EF}"/>
-          </ac:spMkLst>
-        </pc:spChg>
-        <pc:spChg chg="add del mod">
-          <ac:chgData name="김소희" userId="292a1162-0793-4577-a94d-2dae0dfa5995" providerId="ADAL" clId="{56FB9BA8-8618-469E-B881-B7E5EAC1530C}" dt="2022-07-16T08:52:51.395" v="1675" actId="478"/>
-          <ac:spMkLst>
-            <pc:docMk/>
-            <pc:sldMk cId="2540614236" sldId="259"/>
-            <ac:spMk id="12" creationId="{13D2191F-0914-B705-64B1-CAAF1AACD383}"/>
-          </ac:spMkLst>
-        </pc:spChg>
-        <pc:spChg chg="add mod">
-          <ac:chgData name="김소희" userId="292a1162-0793-4577-a94d-2dae0dfa5995" providerId="ADAL" clId="{56FB9BA8-8618-469E-B881-B7E5EAC1530C}" dt="2022-07-16T13:45:59.286" v="4654" actId="164"/>
-          <ac:spMkLst>
-            <pc:docMk/>
-            <pc:sldMk cId="2540614236" sldId="259"/>
-            <ac:spMk id="12" creationId="{65019E8B-8A3F-C319-1082-C904FCE012C2}"/>
-          </ac:spMkLst>
-        </pc:spChg>
-        <pc:spChg chg="del">
-          <ac:chgData name="김소희" userId="292a1162-0793-4577-a94d-2dae0dfa5995" providerId="ADAL" clId="{56FB9BA8-8618-469E-B881-B7E5EAC1530C}" dt="2022-07-16T08:32:37.335" v="1444" actId="478"/>
-          <ac:spMkLst>
-            <pc:docMk/>
-            <pc:sldMk cId="2540614236" sldId="259"/>
-            <ac:spMk id="13" creationId="{05BC5614-7DFD-FAE5-2BEB-AF2F6A47D423}"/>
-          </ac:spMkLst>
-        </pc:spChg>
-        <pc:spChg chg="add mod">
-          <ac:chgData name="김소희" userId="292a1162-0793-4577-a94d-2dae0dfa5995" providerId="ADAL" clId="{56FB9BA8-8618-469E-B881-B7E5EAC1530C}" dt="2022-07-16T13:45:59.286" v="4654" actId="164"/>
-          <ac:spMkLst>
-            <pc:docMk/>
-            <pc:sldMk cId="2540614236" sldId="259"/>
-            <ac:spMk id="13" creationId="{149E48E9-A829-BECD-FC9E-7DA93463AA6E}"/>
-          </ac:spMkLst>
-        </pc:spChg>
-        <pc:spChg chg="add mod">
-          <ac:chgData name="김소희" userId="292a1162-0793-4577-a94d-2dae0dfa5995" providerId="ADAL" clId="{56FB9BA8-8618-469E-B881-B7E5EAC1530C}" dt="2022-07-16T09:11:41.309" v="2014" actId="1076"/>
-          <ac:spMkLst>
-            <pc:docMk/>
-            <pc:sldMk cId="2540614236" sldId="259"/>
-            <ac:spMk id="14" creationId="{3A2F6365-F069-3566-8C7B-8A2F6BEA5AFB}"/>
-          </ac:spMkLst>
-        </pc:spChg>
-        <pc:spChg chg="add mod">
-          <ac:chgData name="김소희" userId="292a1162-0793-4577-a94d-2dae0dfa5995" providerId="ADAL" clId="{56FB9BA8-8618-469E-B881-B7E5EAC1530C}" dt="2022-07-16T13:45:59.286" v="4654" actId="164"/>
-          <ac:spMkLst>
-            <pc:docMk/>
-            <pc:sldMk cId="2540614236" sldId="259"/>
-            <ac:spMk id="15" creationId="{B770780B-C5B7-E047-A823-FA8D84EFBCD2}"/>
-          </ac:spMkLst>
-        </pc:spChg>
-        <pc:spChg chg="add del mod">
-          <ac:chgData name="김소희" userId="292a1162-0793-4577-a94d-2dae0dfa5995" providerId="ADAL" clId="{56FB9BA8-8618-469E-B881-B7E5EAC1530C}" dt="2022-07-16T09:05:24.174" v="1924" actId="478"/>
-          <ac:spMkLst>
-            <pc:docMk/>
-            <pc:sldMk cId="2540614236" sldId="259"/>
-            <ac:spMk id="17" creationId="{243EB416-31B4-D5A6-F31A-5544CB387F6F}"/>
-          </ac:spMkLst>
-        </pc:spChg>
-        <pc:spChg chg="add del mod">
-          <ac:chgData name="김소희" userId="292a1162-0793-4577-a94d-2dae0dfa5995" providerId="ADAL" clId="{56FB9BA8-8618-469E-B881-B7E5EAC1530C}" dt="2022-07-16T09:10:11.336" v="2000" actId="478"/>
-          <ac:spMkLst>
-            <pc:docMk/>
-            <pc:sldMk cId="2540614236" sldId="259"/>
-            <ac:spMk id="19" creationId="{E94A76AD-6E09-A439-0AEF-86EDCE9E60F2}"/>
-          </ac:spMkLst>
-        </pc:spChg>
-        <pc:grpChg chg="add mod">
-          <ac:chgData name="김소희" userId="292a1162-0793-4577-a94d-2dae0dfa5995" providerId="ADAL" clId="{56FB9BA8-8618-469E-B881-B7E5EAC1530C}" dt="2022-07-16T13:45:59.286" v="4654" actId="164"/>
-          <ac:grpSpMkLst>
-            <pc:docMk/>
-            <pc:sldMk cId="2540614236" sldId="259"/>
-            <ac:grpSpMk id="3" creationId="{3E8FF027-0355-3747-AFA7-CB35E9A8E7AF}"/>
-          </ac:grpSpMkLst>
-        </pc:grpChg>
-        <pc:picChg chg="add mod">
-          <ac:chgData name="김소희" userId="292a1162-0793-4577-a94d-2dae0dfa5995" providerId="ADAL" clId="{56FB9BA8-8618-469E-B881-B7E5EAC1530C}" dt="2022-07-16T13:45:59.286" v="4654" actId="164"/>
-          <ac:picMkLst>
-            <pc:docMk/>
-            <pc:sldMk cId="2540614236" sldId="259"/>
-            <ac:picMk id="4" creationId="{DAA39A6E-FD07-BFB0-77C6-D5834F1AA695}"/>
-          </ac:picMkLst>
-        </pc:picChg>
-        <pc:picChg chg="add mod">
-          <ac:chgData name="김소희" userId="292a1162-0793-4577-a94d-2dae0dfa5995" providerId="ADAL" clId="{56FB9BA8-8618-469E-B881-B7E5EAC1530C}" dt="2022-07-16T16:42:24.003" v="6221" actId="1035"/>
-          <ac:picMkLst>
-            <pc:docMk/>
-            <pc:sldMk cId="2540614236" sldId="259"/>
-            <ac:picMk id="7" creationId="{0935BA8F-CDDC-8772-DE95-5623BAFA5E44}"/>
-          </ac:picMkLst>
-        </pc:picChg>
-        <pc:picChg chg="del">
-          <ac:chgData name="김소희" userId="292a1162-0793-4577-a94d-2dae0dfa5995" providerId="ADAL" clId="{56FB9BA8-8618-469E-B881-B7E5EAC1530C}" dt="2022-07-16T08:32:37.800" v="1445" actId="478"/>
-          <ac:picMkLst>
-            <pc:docMk/>
-            <pc:sldMk cId="2540614236" sldId="259"/>
-            <ac:picMk id="14" creationId="{3550B59F-30E4-08DC-0645-D07F8750CACD}"/>
-          </ac:picMkLst>
-        </pc:picChg>
-        <pc:cxnChg chg="add mod">
-          <ac:chgData name="김소희" userId="292a1162-0793-4577-a94d-2dae0dfa5995" providerId="ADAL" clId="{56FB9BA8-8618-469E-B881-B7E5EAC1530C}" dt="2022-07-16T13:45:59.286" v="4654" actId="164"/>
-          <ac:cxnSpMkLst>
-            <pc:docMk/>
-            <pc:sldMk cId="2540614236" sldId="259"/>
-            <ac:cxnSpMk id="8" creationId="{450BE0E2-44E3-0895-C714-B9C57F5B8E25}"/>
-          </ac:cxnSpMkLst>
-        </pc:cxnChg>
-      </pc:sldChg>
-      <pc:sldChg chg="addSp delSp modSp add mod modNotesTx">
-        <pc:chgData name="김소희" userId="292a1162-0793-4577-a94d-2dae0dfa5995" providerId="ADAL" clId="{56FB9BA8-8618-469E-B881-B7E5EAC1530C}" dt="2022-07-16T09:32:31.477" v="2641" actId="948"/>
-        <pc:sldMkLst>
-          <pc:docMk/>
-          <pc:sldMk cId="2288350488" sldId="260"/>
-        </pc:sldMkLst>
-        <pc:spChg chg="del mod">
-          <ac:chgData name="김소희" userId="292a1162-0793-4577-a94d-2dae0dfa5995" providerId="ADAL" clId="{56FB9BA8-8618-469E-B881-B7E5EAC1530C}" dt="2022-07-16T09:27:56.102" v="2549" actId="478"/>
-          <ac:spMkLst>
-            <pc:docMk/>
-            <pc:sldMk cId="2288350488" sldId="260"/>
-            <ac:spMk id="6" creationId="{2188782E-44BF-062E-224B-C021A5C826FC}"/>
-          </ac:spMkLst>
-        </pc:spChg>
-        <pc:spChg chg="add mod">
-          <ac:chgData name="김소희" userId="292a1162-0793-4577-a94d-2dae0dfa5995" providerId="ADAL" clId="{56FB9BA8-8618-469E-B881-B7E5EAC1530C}" dt="2022-07-16T09:30:40.702" v="2631" actId="20577"/>
-          <ac:spMkLst>
-            <pc:docMk/>
-            <pc:sldMk cId="2288350488" sldId="260"/>
-            <ac:spMk id="7" creationId="{CC716C3F-F2B1-F760-045E-029309F50BD4}"/>
-          </ac:spMkLst>
-        </pc:spChg>
-        <pc:spChg chg="mod">
-          <ac:chgData name="김소희" userId="292a1162-0793-4577-a94d-2dae0dfa5995" providerId="ADAL" clId="{56FB9BA8-8618-469E-B881-B7E5EAC1530C}" dt="2022-07-16T09:32:31.477" v="2641" actId="948"/>
-          <ac:spMkLst>
-            <pc:docMk/>
-            <pc:sldMk cId="2288350488" sldId="260"/>
-            <ac:spMk id="11" creationId="{5481EF30-FFA6-F378-2E64-2114E0FFA5EF}"/>
-          </ac:spMkLst>
-        </pc:spChg>
-        <pc:picChg chg="del">
-          <ac:chgData name="김소희" userId="292a1162-0793-4577-a94d-2dae0dfa5995" providerId="ADAL" clId="{56FB9BA8-8618-469E-B881-B7E5EAC1530C}" dt="2022-07-16T09:25:52.806" v="2452" actId="478"/>
-          <ac:picMkLst>
-            <pc:docMk/>
-            <pc:sldMk cId="2288350488" sldId="260"/>
-            <ac:picMk id="4" creationId="{DAA39A6E-FD07-BFB0-77C6-D5834F1AA695}"/>
-          </ac:picMkLst>
-        </pc:picChg>
-      </pc:sldChg>
-      <pc:sldChg chg="addSp delSp modSp add mod modNotesTx">
-        <pc:chgData name="김소희" userId="292a1162-0793-4577-a94d-2dae0dfa5995" providerId="ADAL" clId="{56FB9BA8-8618-469E-B881-B7E5EAC1530C}" dt="2022-07-16T09:35:58.420" v="2686" actId="1076"/>
-        <pc:sldMkLst>
-          <pc:docMk/>
-          <pc:sldMk cId="676448917" sldId="261"/>
-        </pc:sldMkLst>
-        <pc:spChg chg="add del mod">
-          <ac:chgData name="김소희" userId="292a1162-0793-4577-a94d-2dae0dfa5995" providerId="ADAL" clId="{56FB9BA8-8618-469E-B881-B7E5EAC1530C}" dt="2022-07-16T09:35:38.528" v="2677" actId="478"/>
-          <ac:spMkLst>
-            <pc:docMk/>
-            <pc:sldMk cId="676448917" sldId="261"/>
-            <ac:spMk id="3" creationId="{19DC913F-F72D-2D6E-7D41-F86B5E551E4E}"/>
-          </ac:spMkLst>
-        </pc:spChg>
-        <pc:spChg chg="del">
-          <ac:chgData name="김소희" userId="292a1162-0793-4577-a94d-2dae0dfa5995" providerId="ADAL" clId="{56FB9BA8-8618-469E-B881-B7E5EAC1530C}" dt="2022-07-16T08:57:03.404" v="1730" actId="478"/>
-          <ac:spMkLst>
-            <pc:docMk/>
-            <pc:sldMk cId="676448917" sldId="261"/>
-            <ac:spMk id="5" creationId="{24DA0997-B92A-747D-4206-9DEFB0356AFD}"/>
-          </ac:spMkLst>
-        </pc:spChg>
-        <pc:spChg chg="mod">
-          <ac:chgData name="김소희" userId="292a1162-0793-4577-a94d-2dae0dfa5995" providerId="ADAL" clId="{56FB9BA8-8618-469E-B881-B7E5EAC1530C}" dt="2022-07-16T09:28:05.504" v="2551" actId="12"/>
-          <ac:spMkLst>
-            <pc:docMk/>
-            <pc:sldMk cId="676448917" sldId="261"/>
-            <ac:spMk id="6" creationId="{2188782E-44BF-062E-224B-C021A5C826FC}"/>
-          </ac:spMkLst>
-        </pc:spChg>
-        <pc:spChg chg="del">
-          <ac:chgData name="김소희" userId="292a1162-0793-4577-a94d-2dae0dfa5995" providerId="ADAL" clId="{56FB9BA8-8618-469E-B881-B7E5EAC1530C}" dt="2022-07-16T08:57:03.404" v="1730" actId="478"/>
-          <ac:spMkLst>
-            <pc:docMk/>
-            <pc:sldMk cId="676448917" sldId="261"/>
-            <ac:spMk id="10" creationId="{B0AB050B-B991-465F-2E16-1A469CA5D388}"/>
-          </ac:spMkLst>
-        </pc:spChg>
-        <pc:spChg chg="del">
-          <ac:chgData name="김소희" userId="292a1162-0793-4577-a94d-2dae0dfa5995" providerId="ADAL" clId="{56FB9BA8-8618-469E-B881-B7E5EAC1530C}" dt="2022-07-16T08:57:00.909" v="1729" actId="478"/>
-          <ac:spMkLst>
-            <pc:docMk/>
-            <pc:sldMk cId="676448917" sldId="261"/>
-            <ac:spMk id="11" creationId="{5481EF30-FFA6-F378-2E64-2114E0FFA5EF}"/>
-          </ac:spMkLst>
-        </pc:spChg>
-        <pc:spChg chg="del">
-          <ac:chgData name="김소희" userId="292a1162-0793-4577-a94d-2dae0dfa5995" providerId="ADAL" clId="{56FB9BA8-8618-469E-B881-B7E5EAC1530C}" dt="2022-07-16T08:57:03.404" v="1730" actId="478"/>
-          <ac:spMkLst>
-            <pc:docMk/>
-            <pc:sldMk cId="676448917" sldId="261"/>
-            <ac:spMk id="12" creationId="{65019E8B-8A3F-C319-1082-C904FCE012C2}"/>
-          </ac:spMkLst>
-        </pc:spChg>
-        <pc:spChg chg="del">
-          <ac:chgData name="김소희" userId="292a1162-0793-4577-a94d-2dae0dfa5995" providerId="ADAL" clId="{56FB9BA8-8618-469E-B881-B7E5EAC1530C}" dt="2022-07-16T08:57:03.404" v="1730" actId="478"/>
-          <ac:spMkLst>
-            <pc:docMk/>
-            <pc:sldMk cId="676448917" sldId="261"/>
-            <ac:spMk id="13" creationId="{149E48E9-A829-BECD-FC9E-7DA93463AA6E}"/>
-          </ac:spMkLst>
-        </pc:spChg>
-        <pc:spChg chg="del">
-          <ac:chgData name="김소희" userId="292a1162-0793-4577-a94d-2dae0dfa5995" providerId="ADAL" clId="{56FB9BA8-8618-469E-B881-B7E5EAC1530C}" dt="2022-07-16T08:57:03.404" v="1730" actId="478"/>
-          <ac:spMkLst>
-            <pc:docMk/>
-            <pc:sldMk cId="676448917" sldId="261"/>
-            <ac:spMk id="15" creationId="{B770780B-C5B7-E047-A823-FA8D84EFBCD2}"/>
-          </ac:spMkLst>
-        </pc:spChg>
-        <pc:spChg chg="add del mod">
-          <ac:chgData name="김소희" userId="292a1162-0793-4577-a94d-2dae0dfa5995" providerId="ADAL" clId="{56FB9BA8-8618-469E-B881-B7E5EAC1530C}" dt="2022-07-16T09:35:38.528" v="2677" actId="478"/>
-          <ac:spMkLst>
-            <pc:docMk/>
-            <pc:sldMk cId="676448917" sldId="261"/>
-            <ac:spMk id="19" creationId="{0126A984-6C79-D91E-B5E5-80CEAF4141F8}"/>
-          </ac:spMkLst>
-        </pc:spChg>
-        <pc:spChg chg="add del mod">
-          <ac:chgData name="김소희" userId="292a1162-0793-4577-a94d-2dae0dfa5995" providerId="ADAL" clId="{56FB9BA8-8618-469E-B881-B7E5EAC1530C}" dt="2022-07-16T09:35:37.344" v="2676" actId="478"/>
-          <ac:spMkLst>
-            <pc:docMk/>
-            <pc:sldMk cId="676448917" sldId="261"/>
-            <ac:spMk id="20" creationId="{5B1C124D-E9AC-85F9-B0EF-8582DE581848}"/>
-          </ac:spMkLst>
-        </pc:spChg>
-        <pc:spChg chg="add del mod">
-          <ac:chgData name="김소희" userId="292a1162-0793-4577-a94d-2dae0dfa5995" providerId="ADAL" clId="{56FB9BA8-8618-469E-B881-B7E5EAC1530C}" dt="2022-07-16T09:35:25.720" v="2673" actId="478"/>
-          <ac:spMkLst>
-            <pc:docMk/>
-            <pc:sldMk cId="676448917" sldId="261"/>
-            <ac:spMk id="21" creationId="{7F1F594F-B298-8402-0077-5DF71DD518E4}"/>
-          </ac:spMkLst>
-        </pc:spChg>
-        <pc:spChg chg="add del mod">
-          <ac:chgData name="김소희" userId="292a1162-0793-4577-a94d-2dae0dfa5995" providerId="ADAL" clId="{56FB9BA8-8618-469E-B881-B7E5EAC1530C}" dt="2022-07-16T09:35:27.018" v="2675" actId="478"/>
-          <ac:spMkLst>
-            <pc:docMk/>
-            <pc:sldMk cId="676448917" sldId="261"/>
-            <ac:spMk id="22" creationId="{4D045694-0B2F-CC04-8B49-C19A5A09B1BE}"/>
-          </ac:spMkLst>
-        </pc:spChg>
-        <pc:spChg chg="add mod">
-          <ac:chgData name="김소희" userId="292a1162-0793-4577-a94d-2dae0dfa5995" providerId="ADAL" clId="{56FB9BA8-8618-469E-B881-B7E5EAC1530C}" dt="2022-07-16T09:35:11.793" v="2666" actId="1076"/>
-          <ac:spMkLst>
-            <pc:docMk/>
-            <pc:sldMk cId="676448917" sldId="261"/>
-            <ac:spMk id="28" creationId="{72DE8D63-3C98-84CB-644B-1853D9E89E53}"/>
-          </ac:spMkLst>
-        </pc:spChg>
-        <pc:picChg chg="del">
-          <ac:chgData name="김소희" userId="292a1162-0793-4577-a94d-2dae0dfa5995" providerId="ADAL" clId="{56FB9BA8-8618-469E-B881-B7E5EAC1530C}" dt="2022-07-16T08:57:03.404" v="1730" actId="478"/>
-          <ac:picMkLst>
-            <pc:docMk/>
-            <pc:sldMk cId="676448917" sldId="261"/>
-            <ac:picMk id="4" creationId="{DAA39A6E-FD07-BFB0-77C6-D5834F1AA695}"/>
-          </ac:picMkLst>
-        </pc:picChg>
-        <pc:picChg chg="add del mod">
-          <ac:chgData name="김소희" userId="292a1162-0793-4577-a94d-2dae0dfa5995" providerId="ADAL" clId="{56FB9BA8-8618-469E-B881-B7E5EAC1530C}" dt="2022-07-16T09:35:22.249" v="2669" actId="478"/>
-          <ac:picMkLst>
-            <pc:docMk/>
-            <pc:sldMk cId="676448917" sldId="261"/>
-            <ac:picMk id="14" creationId="{238310A9-59BB-4FB5-ABF7-7735DF51CA1D}"/>
-          </ac:picMkLst>
-        </pc:picChg>
-        <pc:picChg chg="add del mod">
-          <ac:chgData name="김소희" userId="292a1162-0793-4577-a94d-2dae0dfa5995" providerId="ADAL" clId="{56FB9BA8-8618-469E-B881-B7E5EAC1530C}" dt="2022-07-16T09:35:26.286" v="2674" actId="478"/>
-          <ac:picMkLst>
-            <pc:docMk/>
-            <pc:sldMk cId="676448917" sldId="261"/>
-            <ac:picMk id="17" creationId="{8BDC61B1-3BFB-DBE1-7173-C179D1F8F468}"/>
-          </ac:picMkLst>
-        </pc:picChg>
-        <pc:picChg chg="add del mod">
-          <ac:chgData name="김소희" userId="292a1162-0793-4577-a94d-2dae0dfa5995" providerId="ADAL" clId="{56FB9BA8-8618-469E-B881-B7E5EAC1530C}" dt="2022-07-16T09:35:21.153" v="2668" actId="478"/>
-          <ac:picMkLst>
-            <pc:docMk/>
-            <pc:sldMk cId="676448917" sldId="261"/>
-            <ac:picMk id="1026" creationId="{4867FB84-E012-E2A1-D8FF-795E02C0C44C}"/>
-          </ac:picMkLst>
-        </pc:picChg>
-        <pc:picChg chg="add del mod">
-          <ac:chgData name="김소희" userId="292a1162-0793-4577-a94d-2dae0dfa5995" providerId="ADAL" clId="{56FB9BA8-8618-469E-B881-B7E5EAC1530C}" dt="2022-07-16T09:17:41.987" v="2270" actId="478"/>
-          <ac:picMkLst>
-            <pc:docMk/>
-            <pc:sldMk cId="676448917" sldId="261"/>
-            <ac:picMk id="1028" creationId="{A369A91C-59BC-FC3C-FB31-B7AD89016B40}"/>
-          </ac:picMkLst>
-        </pc:picChg>
-        <pc:picChg chg="add del mod">
-          <ac:chgData name="김소희" userId="292a1162-0793-4577-a94d-2dae0dfa5995" providerId="ADAL" clId="{56FB9BA8-8618-469E-B881-B7E5EAC1530C}" dt="2022-07-16T09:35:24.030" v="2672" actId="478"/>
-          <ac:picMkLst>
-            <pc:docMk/>
-            <pc:sldMk cId="676448917" sldId="261"/>
-            <ac:picMk id="1030" creationId="{A9CE1CB0-A2E3-5622-447C-D80AE73F6116}"/>
-          </ac:picMkLst>
-        </pc:picChg>
-        <pc:picChg chg="add del mod">
-          <ac:chgData name="김소희" userId="292a1162-0793-4577-a94d-2dae0dfa5995" providerId="ADAL" clId="{56FB9BA8-8618-469E-B881-B7E5EAC1530C}" dt="2022-07-16T09:35:22.699" v="2670" actId="478"/>
-          <ac:picMkLst>
-            <pc:docMk/>
-            <pc:sldMk cId="676448917" sldId="261"/>
-            <ac:picMk id="1032" creationId="{F23564B4-F5B9-E640-ABE5-9DF3F6436A87}"/>
-          </ac:picMkLst>
-        </pc:picChg>
-        <pc:picChg chg="add del mod">
-          <ac:chgData name="김소희" userId="292a1162-0793-4577-a94d-2dae0dfa5995" providerId="ADAL" clId="{56FB9BA8-8618-469E-B881-B7E5EAC1530C}" dt="2022-07-16T09:35:23.266" v="2671" actId="478"/>
-          <ac:picMkLst>
-            <pc:docMk/>
-            <pc:sldMk cId="676448917" sldId="261"/>
-            <ac:picMk id="1034" creationId="{43143014-9830-3049-AD8C-F0E81AC9F975}"/>
-          </ac:picMkLst>
-        </pc:picChg>
-        <pc:picChg chg="add mod">
-          <ac:chgData name="김소희" userId="292a1162-0793-4577-a94d-2dae0dfa5995" providerId="ADAL" clId="{56FB9BA8-8618-469E-B881-B7E5EAC1530C}" dt="2022-07-16T09:35:58.420" v="2686" actId="1076"/>
-          <ac:picMkLst>
-            <pc:docMk/>
-            <pc:sldMk cId="676448917" sldId="261"/>
-            <ac:picMk id="1036" creationId="{018E3C12-285D-CB90-3779-C415A13420B8}"/>
-          </ac:picMkLst>
-        </pc:picChg>
-        <pc:cxnChg chg="del">
-          <ac:chgData name="김소희" userId="292a1162-0793-4577-a94d-2dae0dfa5995" providerId="ADAL" clId="{56FB9BA8-8618-469E-B881-B7E5EAC1530C}" dt="2022-07-16T08:57:03.404" v="1730" actId="478"/>
-          <ac:cxnSpMkLst>
-            <pc:docMk/>
-            <pc:sldMk cId="676448917" sldId="261"/>
-            <ac:cxnSpMk id="8" creationId="{450BE0E2-44E3-0895-C714-B9C57F5B8E25}"/>
-          </ac:cxnSpMkLst>
-        </pc:cxnChg>
-      </pc:sldChg>
-      <pc:sldChg chg="addSp delSp modSp add mod">
-        <pc:chgData name="김소희" userId="292a1162-0793-4577-a94d-2dae0dfa5995" providerId="ADAL" clId="{56FB9BA8-8618-469E-B881-B7E5EAC1530C}" dt="2022-07-16T09:28:02.346" v="2550" actId="12"/>
-        <pc:sldMkLst>
-          <pc:docMk/>
-          <pc:sldMk cId="2116673439" sldId="262"/>
-        </pc:sldMkLst>
-        <pc:spChg chg="mod">
-          <ac:chgData name="김소희" userId="292a1162-0793-4577-a94d-2dae0dfa5995" providerId="ADAL" clId="{56FB9BA8-8618-469E-B881-B7E5EAC1530C}" dt="2022-07-16T09:28:02.346" v="2550" actId="12"/>
-          <ac:spMkLst>
-            <pc:docMk/>
-            <pc:sldMk cId="2116673439" sldId="262"/>
-            <ac:spMk id="6" creationId="{2188782E-44BF-062E-224B-C021A5C826FC}"/>
-          </ac:spMkLst>
-        </pc:spChg>
-        <pc:spChg chg="del">
-          <ac:chgData name="김소희" userId="292a1162-0793-4577-a94d-2dae0dfa5995" providerId="ADAL" clId="{56FB9BA8-8618-469E-B881-B7E5EAC1530C}" dt="2022-07-16T09:08:34.109" v="1986" actId="478"/>
-          <ac:spMkLst>
-            <pc:docMk/>
-            <pc:sldMk cId="2116673439" sldId="262"/>
-            <ac:spMk id="11" creationId="{5481EF30-FFA6-F378-2E64-2114E0FFA5EF}"/>
-          </ac:spMkLst>
-        </pc:spChg>
-        <pc:spChg chg="mod">
-          <ac:chgData name="김소희" userId="292a1162-0793-4577-a94d-2dae0dfa5995" providerId="ADAL" clId="{56FB9BA8-8618-469E-B881-B7E5EAC1530C}" dt="2022-07-16T09:13:46.103" v="2055" actId="14100"/>
-          <ac:spMkLst>
-            <pc:docMk/>
-            <pc:sldMk cId="2116673439" sldId="262"/>
-            <ac:spMk id="12" creationId="{65019E8B-8A3F-C319-1082-C904FCE012C2}"/>
-          </ac:spMkLst>
-        </pc:spChg>
-        <pc:spChg chg="del">
-          <ac:chgData name="김소희" userId="292a1162-0793-4577-a94d-2dae0dfa5995" providerId="ADAL" clId="{56FB9BA8-8618-469E-B881-B7E5EAC1530C}" dt="2022-07-16T09:11:46.340" v="2015" actId="478"/>
-          <ac:spMkLst>
-            <pc:docMk/>
-            <pc:sldMk cId="2116673439" sldId="262"/>
-            <ac:spMk id="14" creationId="{3A2F6365-F069-3566-8C7B-8A2F6BEA5AFB}"/>
-          </ac:spMkLst>
-        </pc:spChg>
-        <pc:spChg chg="add mod">
-          <ac:chgData name="김소희" userId="292a1162-0793-4577-a94d-2dae0dfa5995" providerId="ADAL" clId="{56FB9BA8-8618-469E-B881-B7E5EAC1530C}" dt="2022-07-16T09:25:36.884" v="2451" actId="1076"/>
-          <ac:spMkLst>
-            <pc:docMk/>
-            <pc:sldMk cId="2116673439" sldId="262"/>
-            <ac:spMk id="18" creationId="{DF2D7F8E-05ED-31C6-AA6B-FFEF7827CCE1}"/>
-          </ac:spMkLst>
-        </pc:spChg>
-        <pc:spChg chg="del">
-          <ac:chgData name="김소희" userId="292a1162-0793-4577-a94d-2dae0dfa5995" providerId="ADAL" clId="{56FB9BA8-8618-469E-B881-B7E5EAC1530C}" dt="2022-07-16T09:11:46.340" v="2015" actId="478"/>
-          <ac:spMkLst>
-            <pc:docMk/>
-            <pc:sldMk cId="2116673439" sldId="262"/>
-            <ac:spMk id="19" creationId="{E94A76AD-6E09-A439-0AEF-86EDCE9E60F2}"/>
-          </ac:spMkLst>
-        </pc:spChg>
-        <pc:spChg chg="add del mod">
-          <ac:chgData name="김소희" userId="292a1162-0793-4577-a94d-2dae0dfa5995" providerId="ADAL" clId="{56FB9BA8-8618-469E-B881-B7E5EAC1530C}" dt="2022-07-16T09:19:38.732" v="2307"/>
-          <ac:spMkLst>
-            <pc:docMk/>
-            <pc:sldMk cId="2116673439" sldId="262"/>
-            <ac:spMk id="20" creationId="{7239491C-0CF4-A402-7970-5DA9A2EDD32C}"/>
-          </ac:spMkLst>
-        </pc:spChg>
-        <pc:picChg chg="del">
-          <ac:chgData name="김소희" userId="292a1162-0793-4577-a94d-2dae0dfa5995" providerId="ADAL" clId="{56FB9BA8-8618-469E-B881-B7E5EAC1530C}" dt="2022-07-16T09:08:39.602" v="1991" actId="478"/>
-          <ac:picMkLst>
-            <pc:docMk/>
-            <pc:sldMk cId="2116673439" sldId="262"/>
-            <ac:picMk id="7" creationId="{0935BA8F-CDDC-8772-DE95-5623BAFA5E44}"/>
-          </ac:picMkLst>
-        </pc:picChg>
-        <pc:picChg chg="add mod">
-          <ac:chgData name="김소희" userId="292a1162-0793-4577-a94d-2dae0dfa5995" providerId="ADAL" clId="{56FB9BA8-8618-469E-B881-B7E5EAC1530C}" dt="2022-07-16T09:16:14.963" v="2248" actId="1076"/>
-          <ac:picMkLst>
-            <pc:docMk/>
-            <pc:sldMk cId="2116673439" sldId="262"/>
-            <ac:picMk id="16" creationId="{E72890E1-170E-FF92-E495-B3118D165A57}"/>
-          </ac:picMkLst>
-        </pc:picChg>
-      </pc:sldChg>
-      <pc:sldChg chg="addSp delSp modSp add mod modNotesTx">
-        <pc:chgData name="김소희" userId="292a1162-0793-4577-a94d-2dae0dfa5995" providerId="ADAL" clId="{56FB9BA8-8618-469E-B881-B7E5EAC1530C}" dt="2022-07-17T11:27:18.802" v="6671" actId="1582"/>
-        <pc:sldMkLst>
-          <pc:docMk/>
-          <pc:sldMk cId="3731227598" sldId="263"/>
-        </pc:sldMkLst>
-        <pc:spChg chg="mod">
-          <ac:chgData name="김소희" userId="292a1162-0793-4577-a94d-2dae0dfa5995" providerId="ADAL" clId="{56FB9BA8-8618-469E-B881-B7E5EAC1530C}" dt="2022-07-16T09:26:37.316" v="2530" actId="27636"/>
-          <ac:spMkLst>
-            <pc:docMk/>
-            <pc:sldMk cId="3731227598" sldId="263"/>
-            <ac:spMk id="2" creationId="{5C386871-B092-6B43-A8DA-B84A6CCCC7F5}"/>
-          </ac:spMkLst>
-        </pc:spChg>
-        <pc:spChg chg="del">
-          <ac:chgData name="김소희" userId="292a1162-0793-4577-a94d-2dae0dfa5995" providerId="ADAL" clId="{56FB9BA8-8618-469E-B881-B7E5EAC1530C}" dt="2022-07-16T09:38:36.311" v="2696" actId="478"/>
-          <ac:spMkLst>
-            <pc:docMk/>
-            <pc:sldMk cId="3731227598" sldId="263"/>
-            <ac:spMk id="6" creationId="{2188782E-44BF-062E-224B-C021A5C826FC}"/>
-          </ac:spMkLst>
-        </pc:spChg>
-        <pc:spChg chg="add mod">
-          <ac:chgData name="김소희" userId="292a1162-0793-4577-a94d-2dae0dfa5995" providerId="ADAL" clId="{56FB9BA8-8618-469E-B881-B7E5EAC1530C}" dt="2022-07-16T13:35:10.560" v="4630" actId="1076"/>
-          <ac:spMkLst>
-            <pc:docMk/>
-            <pc:sldMk cId="3731227598" sldId="263"/>
-            <ac:spMk id="6" creationId="{8FD53B7C-C39B-8C27-57C8-6AB36FC73CA2}"/>
-          </ac:spMkLst>
-        </pc:spChg>
-        <pc:spChg chg="add mod">
-          <ac:chgData name="김소희" userId="292a1162-0793-4577-a94d-2dae0dfa5995" providerId="ADAL" clId="{56FB9BA8-8618-469E-B881-B7E5EAC1530C}" dt="2022-07-16T13:06:14.608" v="3200" actId="20577"/>
-          <ac:spMkLst>
-            <pc:docMk/>
-            <pc:sldMk cId="3731227598" sldId="263"/>
-            <ac:spMk id="8" creationId="{C2ADB51E-13DF-E87D-D675-47D2583F93E4}"/>
-          </ac:spMkLst>
-        </pc:spChg>
-        <pc:spChg chg="add mod">
-          <ac:chgData name="김소희" userId="292a1162-0793-4577-a94d-2dae0dfa5995" providerId="ADAL" clId="{56FB9BA8-8618-469E-B881-B7E5EAC1530C}" dt="2022-07-16T13:14:55.211" v="3547" actId="113"/>
-          <ac:spMkLst>
-            <pc:docMk/>
-            <pc:sldMk cId="3731227598" sldId="263"/>
-            <ac:spMk id="10" creationId="{502FB13B-3AA8-3E8A-03B7-F348C0F672EC}"/>
-          </ac:spMkLst>
-        </pc:spChg>
-        <pc:spChg chg="del">
-          <ac:chgData name="김소희" userId="292a1162-0793-4577-a94d-2dae0dfa5995" providerId="ADAL" clId="{56FB9BA8-8618-469E-B881-B7E5EAC1530C}" dt="2022-07-16T09:38:37.863" v="2697" actId="478"/>
-          <ac:spMkLst>
-            <pc:docMk/>
-            <pc:sldMk cId="3731227598" sldId="263"/>
-            <ac:spMk id="11" creationId="{5481EF30-FFA6-F378-2E64-2114E0FFA5EF}"/>
-          </ac:spMkLst>
-        </pc:spChg>
-        <pc:spChg chg="add mod">
-          <ac:chgData name="김소희" userId="292a1162-0793-4577-a94d-2dae0dfa5995" providerId="ADAL" clId="{56FB9BA8-8618-469E-B881-B7E5EAC1530C}" dt="2022-07-16T13:17:01.577" v="3651" actId="1076"/>
-          <ac:spMkLst>
-            <pc:docMk/>
-            <pc:sldMk cId="3731227598" sldId="263"/>
-            <ac:spMk id="11" creationId="{B277AC84-FC34-1777-DC61-197CCDABE26A}"/>
-          </ac:spMkLst>
-        </pc:spChg>
-        <pc:spChg chg="add mod">
-          <ac:chgData name="김소희" userId="292a1162-0793-4577-a94d-2dae0dfa5995" providerId="ADAL" clId="{56FB9BA8-8618-469E-B881-B7E5EAC1530C}" dt="2022-07-17T11:27:18.802" v="6671" actId="1582"/>
-          <ac:spMkLst>
-            <pc:docMk/>
-            <pc:sldMk cId="3731227598" sldId="263"/>
-            <ac:spMk id="13" creationId="{71B3AF7D-2BF9-823C-2F9A-93FAE77B5F22}"/>
-          </ac:spMkLst>
-        </pc:spChg>
-        <pc:spChg chg="add mod">
-          <ac:chgData name="김소희" userId="292a1162-0793-4577-a94d-2dae0dfa5995" providerId="ADAL" clId="{56FB9BA8-8618-469E-B881-B7E5EAC1530C}" dt="2022-07-16T13:20:25.515" v="3942" actId="164"/>
-          <ac:spMkLst>
-            <pc:docMk/>
-            <pc:sldMk cId="3731227598" sldId="263"/>
-            <ac:spMk id="14" creationId="{7E8FC6C2-1BCF-B59A-DEF3-1206179EFC04}"/>
-          </ac:spMkLst>
-        </pc:spChg>
-        <pc:spChg chg="add mod">
-          <ac:chgData name="김소희" userId="292a1162-0793-4577-a94d-2dae0dfa5995" providerId="ADAL" clId="{56FB9BA8-8618-469E-B881-B7E5EAC1530C}" dt="2022-07-16T13:20:25.515" v="3942" actId="164"/>
-          <ac:spMkLst>
-            <pc:docMk/>
-            <pc:sldMk cId="3731227598" sldId="263"/>
-            <ac:spMk id="15" creationId="{65EB580F-7D91-8FFB-F2C8-C043B28930A3}"/>
-          </ac:spMkLst>
-        </pc:spChg>
-        <pc:spChg chg="add mod">
-          <ac:chgData name="김소희" userId="292a1162-0793-4577-a94d-2dae0dfa5995" providerId="ADAL" clId="{56FB9BA8-8618-469E-B881-B7E5EAC1530C}" dt="2022-07-16T13:20:25.515" v="3942" actId="164"/>
-          <ac:spMkLst>
-            <pc:docMk/>
-            <pc:sldMk cId="3731227598" sldId="263"/>
-            <ac:spMk id="16" creationId="{97A58A2A-7533-6695-3BEE-BCADEA7FCB99}"/>
-          </ac:spMkLst>
-        </pc:spChg>
-        <pc:spChg chg="add mod">
-          <ac:chgData name="김소희" userId="292a1162-0793-4577-a94d-2dae0dfa5995" providerId="ADAL" clId="{56FB9BA8-8618-469E-B881-B7E5EAC1530C}" dt="2022-07-16T13:20:25.515" v="3942" actId="164"/>
-          <ac:spMkLst>
-            <pc:docMk/>
-            <pc:sldMk cId="3731227598" sldId="263"/>
-            <ac:spMk id="17" creationId="{81CCC4B4-F3D5-F040-1297-15F146F352D6}"/>
-          </ac:spMkLst>
-        </pc:spChg>
-        <pc:spChg chg="add mod">
-          <ac:chgData name="김소희" userId="292a1162-0793-4577-a94d-2dae0dfa5995" providerId="ADAL" clId="{56FB9BA8-8618-469E-B881-B7E5EAC1530C}" dt="2022-07-16T13:31:06.603" v="4543" actId="113"/>
-          <ac:spMkLst>
-            <pc:docMk/>
-            <pc:sldMk cId="3731227598" sldId="263"/>
-            <ac:spMk id="18" creationId="{3AD65BFA-9912-8CE2-E433-8F90FBE1168D}"/>
-          </ac:spMkLst>
-        </pc:spChg>
-        <pc:grpChg chg="add mod">
-          <ac:chgData name="김소희" userId="292a1162-0793-4577-a94d-2dae0dfa5995" providerId="ADAL" clId="{56FB9BA8-8618-469E-B881-B7E5EAC1530C}" dt="2022-07-16T13:20:29.334" v="3943" actId="1076"/>
-          <ac:grpSpMkLst>
-            <pc:docMk/>
-            <pc:sldMk cId="3731227598" sldId="263"/>
-            <ac:grpSpMk id="5" creationId="{4E42D042-521C-7A1B-554C-B9AEED338A20}"/>
-          </ac:grpSpMkLst>
-        </pc:grpChg>
-        <pc:picChg chg="add mod">
-          <ac:chgData name="김소희" userId="292a1162-0793-4577-a94d-2dae0dfa5995" providerId="ADAL" clId="{56FB9BA8-8618-469E-B881-B7E5EAC1530C}" dt="2022-07-16T13:12:10.739" v="3372" actId="1076"/>
-          <ac:picMkLst>
-            <pc:docMk/>
-            <pc:sldMk cId="3731227598" sldId="263"/>
-            <ac:picMk id="4" creationId="{8B443E2B-F896-A515-70CF-31881F4CC7D4}"/>
-          </ac:picMkLst>
-        </pc:picChg>
-        <pc:picChg chg="add mod modCrop">
-          <ac:chgData name="김소희" userId="292a1162-0793-4577-a94d-2dae0dfa5995" providerId="ADAL" clId="{56FB9BA8-8618-469E-B881-B7E5EAC1530C}" dt="2022-07-16T13:20:25.515" v="3942" actId="164"/>
-          <ac:picMkLst>
-            <pc:docMk/>
-            <pc:sldMk cId="3731227598" sldId="263"/>
-            <ac:picMk id="7" creationId="{B082A5DF-13F5-34D7-2418-A18C8F2C5957}"/>
-          </ac:picMkLst>
-        </pc:picChg>
-        <pc:cxnChg chg="add del mod">
-          <ac:chgData name="김소희" userId="292a1162-0793-4577-a94d-2dae0dfa5995" providerId="ADAL" clId="{56FB9BA8-8618-469E-B881-B7E5EAC1530C}" dt="2022-07-16T13:09:16.746" v="3320" actId="478"/>
-          <ac:cxnSpMkLst>
-            <pc:docMk/>
-            <pc:sldMk cId="3731227598" sldId="263"/>
-            <ac:cxnSpMk id="12" creationId="{C7DFA5D1-CD91-6226-F8FA-53A0D26C8F64}"/>
-          </ac:cxnSpMkLst>
-        </pc:cxnChg>
-      </pc:sldChg>
-      <pc:sldChg chg="addSp modSp add mod">
-        <pc:chgData name="김소희" userId="292a1162-0793-4577-a94d-2dae0dfa5995" providerId="ADAL" clId="{56FB9BA8-8618-469E-B881-B7E5EAC1530C}" dt="2022-07-16T09:37:25.623" v="2695" actId="1076"/>
-        <pc:sldMkLst>
-          <pc:docMk/>
-          <pc:sldMk cId="893567842" sldId="264"/>
-        </pc:sldMkLst>
-        <pc:spChg chg="mod">
-          <ac:chgData name="김소희" userId="292a1162-0793-4577-a94d-2dae0dfa5995" providerId="ADAL" clId="{56FB9BA8-8618-469E-B881-B7E5EAC1530C}" dt="2022-07-16T09:37:25.623" v="2695" actId="1076"/>
-          <ac:spMkLst>
-            <pc:docMk/>
-            <pc:sldMk cId="893567842" sldId="264"/>
-            <ac:spMk id="3" creationId="{19DC913F-F72D-2D6E-7D41-F86B5E551E4E}"/>
-          </ac:spMkLst>
-        </pc:spChg>
-        <pc:spChg chg="mod">
-          <ac:chgData name="김소희" userId="292a1162-0793-4577-a94d-2dae0dfa5995" providerId="ADAL" clId="{56FB9BA8-8618-469E-B881-B7E5EAC1530C}" dt="2022-07-16T09:36:54.340" v="2691" actId="1076"/>
-          <ac:spMkLst>
-            <pc:docMk/>
-            <pc:sldMk cId="893567842" sldId="264"/>
-            <ac:spMk id="21" creationId="{7F1F594F-B298-8402-0077-5DF71DD518E4}"/>
-          </ac:spMkLst>
-        </pc:spChg>
-        <pc:picChg chg="add mod">
-          <ac:chgData name="김소희" userId="292a1162-0793-4577-a94d-2dae0dfa5995" providerId="ADAL" clId="{56FB9BA8-8618-469E-B881-B7E5EAC1530C}" dt="2022-07-16T09:36:56.516" v="2692" actId="1076"/>
-          <ac:picMkLst>
-            <pc:docMk/>
-            <pc:sldMk cId="893567842" sldId="264"/>
-            <ac:picMk id="5" creationId="{AF982632-4D05-6D30-13B3-0FD37CE1CE56}"/>
-          </ac:picMkLst>
-        </pc:picChg>
-        <pc:picChg chg="mod">
-          <ac:chgData name="김소희" userId="292a1162-0793-4577-a94d-2dae0dfa5995" providerId="ADAL" clId="{56FB9BA8-8618-469E-B881-B7E5EAC1530C}" dt="2022-07-16T09:37:01.632" v="2694" actId="1076"/>
-          <ac:picMkLst>
-            <pc:docMk/>
-            <pc:sldMk cId="893567842" sldId="264"/>
-            <ac:picMk id="14" creationId="{238310A9-59BB-4FB5-ABF7-7735DF51CA1D}"/>
-          </ac:picMkLst>
-        </pc:picChg>
-        <pc:picChg chg="mod">
-          <ac:chgData name="김소희" userId="292a1162-0793-4577-a94d-2dae0dfa5995" providerId="ADAL" clId="{56FB9BA8-8618-469E-B881-B7E5EAC1530C}" dt="2022-07-16T09:36:54.340" v="2691" actId="1076"/>
-          <ac:picMkLst>
-            <pc:docMk/>
-            <pc:sldMk cId="893567842" sldId="264"/>
-            <ac:picMk id="1030" creationId="{A9CE1CB0-A2E3-5622-447C-D80AE73F6116}"/>
-          </ac:picMkLst>
-        </pc:picChg>
-        <pc:picChg chg="mod">
-          <ac:chgData name="김소희" userId="292a1162-0793-4577-a94d-2dae0dfa5995" providerId="ADAL" clId="{56FB9BA8-8618-469E-B881-B7E5EAC1530C}" dt="2022-07-16T09:36:54.340" v="2691" actId="1076"/>
-          <ac:picMkLst>
-            <pc:docMk/>
-            <pc:sldMk cId="893567842" sldId="264"/>
-            <ac:picMk id="1032" creationId="{F23564B4-F5B9-E640-ABE5-9DF3F6436A87}"/>
-          </ac:picMkLst>
-        </pc:picChg>
-      </pc:sldChg>
-      <pc:sldChg chg="addSp delSp modSp add mod modNotesTx">
-        <pc:chgData name="김소희" userId="292a1162-0793-4577-a94d-2dae0dfa5995" providerId="ADAL" clId="{56FB9BA8-8618-469E-B881-B7E5EAC1530C}" dt="2022-07-17T11:27:46.071" v="6674" actId="12"/>
-        <pc:sldMkLst>
-          <pc:docMk/>
-          <pc:sldMk cId="548109497" sldId="265"/>
-        </pc:sldMkLst>
-        <pc:spChg chg="add mod">
-          <ac:chgData name="김소희" userId="292a1162-0793-4577-a94d-2dae0dfa5995" providerId="ADAL" clId="{56FB9BA8-8618-469E-B881-B7E5EAC1530C}" dt="2022-07-16T14:09:52.512" v="5214" actId="1037"/>
-          <ac:spMkLst>
-            <pc:docMk/>
-            <pc:sldMk cId="548109497" sldId="265"/>
-            <ac:spMk id="7" creationId="{BD155077-449E-015A-7157-F637366E0F77}"/>
-          </ac:spMkLst>
-        </pc:spChg>
-        <pc:spChg chg="add mod">
-          <ac:chgData name="김소희" userId="292a1162-0793-4577-a94d-2dae0dfa5995" providerId="ADAL" clId="{56FB9BA8-8618-469E-B881-B7E5EAC1530C}" dt="2022-07-16T14:09:50.772" v="5211" actId="1037"/>
-          <ac:spMkLst>
-            <pc:docMk/>
-            <pc:sldMk cId="548109497" sldId="265"/>
-            <ac:spMk id="10" creationId="{E9238ED0-205C-8045-4495-8268FFF283F3}"/>
-          </ac:spMkLst>
-        </pc:spChg>
-        <pc:spChg chg="add del mod">
-          <ac:chgData name="김소희" userId="292a1162-0793-4577-a94d-2dae0dfa5995" providerId="ADAL" clId="{56FB9BA8-8618-469E-B881-B7E5EAC1530C}" dt="2022-07-16T13:23:38.967" v="4122" actId="22"/>
-          <ac:spMkLst>
-            <pc:docMk/>
-            <pc:sldMk cId="548109497" sldId="265"/>
-            <ac:spMk id="12" creationId="{C6584654-9C77-E86E-B152-9B5812B8F9D7}"/>
-          </ac:spMkLst>
-        </pc:spChg>
-        <pc:spChg chg="add del mod">
-          <ac:chgData name="김소희" userId="292a1162-0793-4577-a94d-2dae0dfa5995" providerId="ADAL" clId="{56FB9BA8-8618-469E-B881-B7E5EAC1530C}" dt="2022-07-16T13:24:04.697" v="4161" actId="478"/>
-          <ac:spMkLst>
-            <pc:docMk/>
-            <pc:sldMk cId="548109497" sldId="265"/>
-            <ac:spMk id="13" creationId="{346C11A7-6FA6-4868-873F-1D7E5129BCBD}"/>
-          </ac:spMkLst>
-        </pc:spChg>
-        <pc:spChg chg="add mod">
-          <ac:chgData name="김소희" userId="292a1162-0793-4577-a94d-2dae0dfa5995" providerId="ADAL" clId="{56FB9BA8-8618-469E-B881-B7E5EAC1530C}" dt="2022-07-16T14:09:31.744" v="5208" actId="1035"/>
-          <ac:spMkLst>
-            <pc:docMk/>
-            <pc:sldMk cId="548109497" sldId="265"/>
-            <ac:spMk id="14" creationId="{0B62BDE0-0534-AD1E-D249-336BE088D136}"/>
-          </ac:spMkLst>
-        </pc:spChg>
-        <pc:spChg chg="add mod">
-          <ac:chgData name="김소희" userId="292a1162-0793-4577-a94d-2dae0dfa5995" providerId="ADAL" clId="{56FB9BA8-8618-469E-B881-B7E5EAC1530C}" dt="2022-07-17T11:27:46.071" v="6674" actId="12"/>
-          <ac:spMkLst>
-            <pc:docMk/>
-            <pc:sldMk cId="548109497" sldId="265"/>
-            <ac:spMk id="15" creationId="{E4733A03-AAC5-D312-188B-E7434350D488}"/>
-          </ac:spMkLst>
-        </pc:spChg>
-        <pc:picChg chg="del">
-          <ac:chgData name="김소희" userId="292a1162-0793-4577-a94d-2dae0dfa5995" providerId="ADAL" clId="{56FB9BA8-8618-469E-B881-B7E5EAC1530C}" dt="2022-07-16T09:42:41.021" v="2707" actId="478"/>
-          <ac:picMkLst>
-            <pc:docMk/>
-            <pc:sldMk cId="548109497" sldId="265"/>
-            <ac:picMk id="4" creationId="{8B443E2B-F896-A515-70CF-31881F4CC7D4}"/>
-          </ac:picMkLst>
-        </pc:picChg>
-        <pc:picChg chg="add mod">
-          <ac:chgData name="김소희" userId="292a1162-0793-4577-a94d-2dae0dfa5995" providerId="ADAL" clId="{56FB9BA8-8618-469E-B881-B7E5EAC1530C}" dt="2022-07-16T14:09:50.772" v="5211" actId="1037"/>
-          <ac:picMkLst>
-            <pc:docMk/>
-            <pc:sldMk cId="548109497" sldId="265"/>
-            <ac:picMk id="5" creationId="{2B1D5BB1-3B52-7157-1523-03F72D9D4E0B}"/>
-          </ac:picMkLst>
-        </pc:picChg>
-        <pc:picChg chg="del">
-          <ac:chgData name="김소희" userId="292a1162-0793-4577-a94d-2dae0dfa5995" providerId="ADAL" clId="{56FB9BA8-8618-469E-B881-B7E5EAC1530C}" dt="2022-07-16T09:42:40.611" v="2706" actId="478"/>
-          <ac:picMkLst>
-            <pc:docMk/>
-            <pc:sldMk cId="548109497" sldId="265"/>
-            <ac:picMk id="7" creationId="{B082A5DF-13F5-34D7-2418-A18C8F2C5957}"/>
-          </ac:picMkLst>
-        </pc:picChg>
-        <pc:picChg chg="add del mod">
-          <ac:chgData name="김소희" userId="292a1162-0793-4577-a94d-2dae0dfa5995" providerId="ADAL" clId="{56FB9BA8-8618-469E-B881-B7E5EAC1530C}" dt="2022-07-16T13:24:05.535" v="4162" actId="478"/>
-          <ac:picMkLst>
-            <pc:docMk/>
-            <pc:sldMk cId="548109497" sldId="265"/>
-            <ac:picMk id="8" creationId="{EA934249-FCAF-95AB-CED5-79C520AB08BA}"/>
-          </ac:picMkLst>
-        </pc:picChg>
-        <pc:picChg chg="add mod">
-          <ac:chgData name="김소희" userId="292a1162-0793-4577-a94d-2dae0dfa5995" providerId="ADAL" clId="{56FB9BA8-8618-469E-B881-B7E5EAC1530C}" dt="2022-07-16T14:09:31.744" v="5208" actId="1035"/>
-          <ac:picMkLst>
-            <pc:docMk/>
-            <pc:sldMk cId="548109497" sldId="265"/>
-            <ac:picMk id="11" creationId="{857B6171-CD2E-B19F-500D-79822B30AC41}"/>
-          </ac:picMkLst>
-        </pc:picChg>
-      </pc:sldChg>
-      <pc:sldChg chg="addSp delSp modSp add mod ord">
-        <pc:chgData name="김소희" userId="292a1162-0793-4577-a94d-2dae0dfa5995" providerId="ADAL" clId="{56FB9BA8-8618-469E-B881-B7E5EAC1530C}" dt="2022-07-17T09:55:29.688" v="6662" actId="1035"/>
-        <pc:sldMkLst>
-          <pc:docMk/>
-          <pc:sldMk cId="4281153154" sldId="266"/>
-        </pc:sldMkLst>
-        <pc:spChg chg="mod">
-          <ac:chgData name="김소희" userId="292a1162-0793-4577-a94d-2dae0dfa5995" providerId="ADAL" clId="{56FB9BA8-8618-469E-B881-B7E5EAC1530C}" dt="2022-07-16T09:50:35.024" v="2776"/>
-          <ac:spMkLst>
-            <pc:docMk/>
-            <pc:sldMk cId="4281153154" sldId="266"/>
-            <ac:spMk id="2" creationId="{5C386871-B092-6B43-A8DA-B84A6CCCC7F5}"/>
-          </ac:spMkLst>
-        </pc:spChg>
-        <pc:spChg chg="add mod">
-          <ac:chgData name="김소희" userId="292a1162-0793-4577-a94d-2dae0dfa5995" providerId="ADAL" clId="{56FB9BA8-8618-469E-B881-B7E5EAC1530C}" dt="2022-07-16T16:23:23.599" v="5844" actId="1035"/>
-          <ac:spMkLst>
-            <pc:docMk/>
-            <pc:sldMk cId="4281153154" sldId="266"/>
-            <ac:spMk id="8" creationId="{3BFAAFC2-C393-1318-55F1-1652740E1E26}"/>
-          </ac:spMkLst>
-        </pc:spChg>
-        <pc:spChg chg="add mod">
-          <ac:chgData name="김소희" userId="292a1162-0793-4577-a94d-2dae0dfa5995" providerId="ADAL" clId="{56FB9BA8-8618-469E-B881-B7E5EAC1530C}" dt="2022-07-16T16:23:23.599" v="5844" actId="1035"/>
-          <ac:spMkLst>
-            <pc:docMk/>
-            <pc:sldMk cId="4281153154" sldId="266"/>
-            <ac:spMk id="10" creationId="{A44840FD-B047-3415-E615-E7D9E5EF6035}"/>
-          </ac:spMkLst>
-        </pc:spChg>
-        <pc:spChg chg="add mod">
-          <ac:chgData name="김소희" userId="292a1162-0793-4577-a94d-2dae0dfa5995" providerId="ADAL" clId="{56FB9BA8-8618-469E-B881-B7E5EAC1530C}" dt="2022-07-16T16:23:39.407" v="5845" actId="1076"/>
-          <ac:spMkLst>
-            <pc:docMk/>
-            <pc:sldMk cId="4281153154" sldId="266"/>
-            <ac:spMk id="11" creationId="{E4C6515E-6A1B-DBC3-BE77-9018F93233BD}"/>
-          </ac:spMkLst>
-        </pc:spChg>
-        <pc:spChg chg="add del mod">
-          <ac:chgData name="김소희" userId="292a1162-0793-4577-a94d-2dae0dfa5995" providerId="ADAL" clId="{56FB9BA8-8618-469E-B881-B7E5EAC1530C}" dt="2022-07-16T16:34:59.918" v="5870" actId="478"/>
-          <ac:spMkLst>
-            <pc:docMk/>
-            <pc:sldMk cId="4281153154" sldId="266"/>
-            <ac:spMk id="13" creationId="{9AB1625D-C819-619E-FE31-34C0E6373698}"/>
-          </ac:spMkLst>
-        </pc:spChg>
-        <pc:spChg chg="add mod">
-          <ac:chgData name="김소희" userId="292a1162-0793-4577-a94d-2dae0dfa5995" providerId="ADAL" clId="{56FB9BA8-8618-469E-B881-B7E5EAC1530C}" dt="2022-07-16T16:23:13.587" v="5830" actId="1035"/>
-          <ac:spMkLst>
-            <pc:docMk/>
-            <pc:sldMk cId="4281153154" sldId="266"/>
-            <ac:spMk id="14" creationId="{E89E35C5-CDC5-E213-E030-34717EFA3209}"/>
-          </ac:spMkLst>
-        </pc:spChg>
-        <pc:spChg chg="add mod">
-          <ac:chgData name="김소희" userId="292a1162-0793-4577-a94d-2dae0dfa5995" providerId="ADAL" clId="{56FB9BA8-8618-469E-B881-B7E5EAC1530C}" dt="2022-07-16T16:23:13.587" v="5830" actId="1035"/>
-          <ac:spMkLst>
-            <pc:docMk/>
-            <pc:sldMk cId="4281153154" sldId="266"/>
-            <ac:spMk id="15" creationId="{8D930912-89D0-1463-E935-699E3D0E262D}"/>
-          </ac:spMkLst>
-        </pc:spChg>
-        <pc:spChg chg="add mod">
-          <ac:chgData name="김소희" userId="292a1162-0793-4577-a94d-2dae0dfa5995" providerId="ADAL" clId="{56FB9BA8-8618-469E-B881-B7E5EAC1530C}" dt="2022-07-17T09:55:29.688" v="6662" actId="1035"/>
-          <ac:spMkLst>
-            <pc:docMk/>
-            <pc:sldMk cId="4281153154" sldId="266"/>
-            <ac:spMk id="17" creationId="{E99EF0D5-E6E0-BE23-A763-BD4C3DDE6434}"/>
-          </ac:spMkLst>
-        </pc:spChg>
-        <pc:spChg chg="add mod">
-          <ac:chgData name="김소희" userId="292a1162-0793-4577-a94d-2dae0dfa5995" providerId="ADAL" clId="{56FB9BA8-8618-469E-B881-B7E5EAC1530C}" dt="2022-07-16T16:47:40.786" v="6395" actId="1076"/>
-          <ac:spMkLst>
-            <pc:docMk/>
-            <pc:sldMk cId="4281153154" sldId="266"/>
-            <ac:spMk id="18" creationId="{7A35343B-4E3F-F8A2-908F-D28E89C1C95C}"/>
-          </ac:spMkLst>
-        </pc:spChg>
-        <pc:picChg chg="add del mod">
-          <ac:chgData name="김소희" userId="292a1162-0793-4577-a94d-2dae0dfa5995" providerId="ADAL" clId="{56FB9BA8-8618-469E-B881-B7E5EAC1530C}" dt="2022-07-16T09:44:19.336" v="2729" actId="478"/>
-          <ac:picMkLst>
-            <pc:docMk/>
-            <pc:sldMk cId="4281153154" sldId="266"/>
-            <ac:picMk id="4" creationId="{64024CAB-69DB-9876-2E51-69DF7CDD967A}"/>
-          </ac:picMkLst>
-        </pc:picChg>
-        <pc:picChg chg="del">
-          <ac:chgData name="김소희" userId="292a1162-0793-4577-a94d-2dae0dfa5995" providerId="ADAL" clId="{56FB9BA8-8618-469E-B881-B7E5EAC1530C}" dt="2022-07-16T09:43:23.733" v="2718" actId="478"/>
-          <ac:picMkLst>
-            <pc:docMk/>
-            <pc:sldMk cId="4281153154" sldId="266"/>
-            <ac:picMk id="5" creationId="{2B1D5BB1-3B52-7157-1523-03F72D9D4E0B}"/>
-          </ac:picMkLst>
-        </pc:picChg>
-        <pc:picChg chg="add mod">
-          <ac:chgData name="김소희" userId="292a1162-0793-4577-a94d-2dae0dfa5995" providerId="ADAL" clId="{56FB9BA8-8618-469E-B881-B7E5EAC1530C}" dt="2022-07-16T16:25:46.304" v="5861" actId="1076"/>
-          <ac:picMkLst>
-            <pc:docMk/>
-            <pc:sldMk cId="4281153154" sldId="266"/>
-            <ac:picMk id="7" creationId="{66570E45-0B89-3E19-4B27-7F32E857FC02}"/>
-          </ac:picMkLst>
-        </pc:picChg>
-        <pc:picChg chg="del">
-          <ac:chgData name="김소희" userId="292a1162-0793-4577-a94d-2dae0dfa5995" providerId="ADAL" clId="{56FB9BA8-8618-469E-B881-B7E5EAC1530C}" dt="2022-07-16T09:43:23.733" v="2718" actId="478"/>
-          <ac:picMkLst>
-            <pc:docMk/>
-            <pc:sldMk cId="4281153154" sldId="266"/>
-            <ac:picMk id="8" creationId="{EA934249-FCAF-95AB-CED5-79C520AB08BA}"/>
-          </ac:picMkLst>
-        </pc:picChg>
-        <pc:picChg chg="del">
-          <ac:chgData name="김소희" userId="292a1162-0793-4577-a94d-2dae0dfa5995" providerId="ADAL" clId="{56FB9BA8-8618-469E-B881-B7E5EAC1530C}" dt="2022-07-16T09:43:23.733" v="2718" actId="478"/>
-          <ac:picMkLst>
-            <pc:docMk/>
-            <pc:sldMk cId="4281153154" sldId="266"/>
-            <ac:picMk id="11" creationId="{857B6171-CD2E-B19F-500D-79822B30AC41}"/>
-          </ac:picMkLst>
-        </pc:picChg>
-        <pc:picChg chg="add mod">
-          <ac:chgData name="김소희" userId="292a1162-0793-4577-a94d-2dae0dfa5995" providerId="ADAL" clId="{56FB9BA8-8618-469E-B881-B7E5EAC1530C}" dt="2022-07-16T16:47:35.718" v="6394" actId="1035"/>
-          <ac:picMkLst>
-            <pc:docMk/>
-            <pc:sldMk cId="4281153154" sldId="266"/>
-            <ac:picMk id="12" creationId="{F722584A-E6D6-C0F2-949D-4F622A3ECFB5}"/>
-          </ac:picMkLst>
-        </pc:picChg>
-        <pc:picChg chg="add mod">
-          <ac:chgData name="김소희" userId="292a1162-0793-4577-a94d-2dae0dfa5995" providerId="ADAL" clId="{56FB9BA8-8618-469E-B881-B7E5EAC1530C}" dt="2022-07-16T16:27:00.480" v="5869" actId="14100"/>
-          <ac:picMkLst>
-            <pc:docMk/>
-            <pc:sldMk cId="4281153154" sldId="266"/>
-            <ac:picMk id="16" creationId="{61ED6A02-5182-78B8-E205-3BC9442BDECF}"/>
-          </ac:picMkLst>
-        </pc:picChg>
-      </pc:sldChg>
-      <pc:sldChg chg="addSp delSp modSp add mod modNotesTx">
-        <pc:chgData name="김소희" userId="292a1162-0793-4577-a94d-2dae0dfa5995" providerId="ADAL" clId="{56FB9BA8-8618-469E-B881-B7E5EAC1530C}" dt="2022-07-16T14:19:20.159" v="5422" actId="20577"/>
-        <pc:sldMkLst>
-          <pc:docMk/>
-          <pc:sldMk cId="823482226" sldId="267"/>
-        </pc:sldMkLst>
-        <pc:spChg chg="mod">
-          <ac:chgData name="김소희" userId="292a1162-0793-4577-a94d-2dae0dfa5995" providerId="ADAL" clId="{56FB9BA8-8618-469E-B881-B7E5EAC1530C}" dt="2022-07-16T09:44:05.628" v="2727" actId="20577"/>
-          <ac:spMkLst>
-            <pc:docMk/>
-            <pc:sldMk cId="823482226" sldId="267"/>
-            <ac:spMk id="2" creationId="{5C386871-B092-6B43-A8DA-B84A6CCCC7F5}"/>
-          </ac:spMkLst>
-        </pc:spChg>
-        <pc:spChg chg="add del mod">
-          <ac:chgData name="김소희" userId="292a1162-0793-4577-a94d-2dae0dfa5995" providerId="ADAL" clId="{56FB9BA8-8618-469E-B881-B7E5EAC1530C}" dt="2022-07-16T13:31:22.647" v="4546" actId="478"/>
-          <ac:spMkLst>
-            <pc:docMk/>
-            <pc:sldMk cId="823482226" sldId="267"/>
-            <ac:spMk id="8" creationId="{48D52675-99FF-A883-822E-BFAAE7C1D1F2}"/>
-          </ac:spMkLst>
-        </pc:spChg>
-        <pc:spChg chg="add mod">
-          <ac:chgData name="김소희" userId="292a1162-0793-4577-a94d-2dae0dfa5995" providerId="ADAL" clId="{56FB9BA8-8618-469E-B881-B7E5EAC1530C}" dt="2022-07-16T14:16:38.987" v="5389" actId="1037"/>
-          <ac:spMkLst>
-            <pc:docMk/>
-            <pc:sldMk cId="823482226" sldId="267"/>
-            <ac:spMk id="10" creationId="{505A864D-43A1-E27A-6F0E-94048FDBCFC2}"/>
-          </ac:spMkLst>
-        </pc:spChg>
-        <pc:spChg chg="add mod">
-          <ac:chgData name="김소희" userId="292a1162-0793-4577-a94d-2dae0dfa5995" providerId="ADAL" clId="{56FB9BA8-8618-469E-B881-B7E5EAC1530C}" dt="2022-07-16T14:17:03.885" v="5395" actId="1076"/>
-          <ac:spMkLst>
-            <pc:docMk/>
-            <pc:sldMk cId="823482226" sldId="267"/>
-            <ac:spMk id="11" creationId="{4C75138B-7097-5754-7AD6-79B09C3159C6}"/>
-          </ac:spMkLst>
-        </pc:spChg>
-        <pc:spChg chg="add mod">
-          <ac:chgData name="김소희" userId="292a1162-0793-4577-a94d-2dae0dfa5995" providerId="ADAL" clId="{56FB9BA8-8618-469E-B881-B7E5EAC1530C}" dt="2022-07-16T14:16:51.744" v="5393" actId="14100"/>
-          <ac:spMkLst>
-            <pc:docMk/>
-            <pc:sldMk cId="823482226" sldId="267"/>
-            <ac:spMk id="12" creationId="{F6F1740F-2DCB-B755-E9B3-52B09FE71B03}"/>
-          </ac:spMkLst>
-        </pc:spChg>
-        <pc:spChg chg="add mod">
-          <ac:chgData name="김소희" userId="292a1162-0793-4577-a94d-2dae0dfa5995" providerId="ADAL" clId="{56FB9BA8-8618-469E-B881-B7E5EAC1530C}" dt="2022-07-16T14:18:09.723" v="5417" actId="1076"/>
-          <ac:spMkLst>
-            <pc:docMk/>
-            <pc:sldMk cId="823482226" sldId="267"/>
-            <ac:spMk id="13" creationId="{B5B1DA14-4F32-2E8C-7FD1-A86F5EEDFE9E}"/>
-          </ac:spMkLst>
-        </pc:spChg>
-        <pc:spChg chg="del mod">
-          <ac:chgData name="김소희" userId="292a1162-0793-4577-a94d-2dae0dfa5995" providerId="ADAL" clId="{56FB9BA8-8618-469E-B881-B7E5EAC1530C}" dt="2022-07-16T13:46:36.530" v="4663" actId="478"/>
-          <ac:spMkLst>
-            <pc:docMk/>
-            <pc:sldMk cId="823482226" sldId="267"/>
-            <ac:spMk id="16" creationId="{03AE33B7-4BBB-4B90-D542-91EB98D7C97B}"/>
-          </ac:spMkLst>
-        </pc:spChg>
-        <pc:spChg chg="add del mod topLvl">
-          <ac:chgData name="김소희" userId="292a1162-0793-4577-a94d-2dae0dfa5995" providerId="ADAL" clId="{56FB9BA8-8618-469E-B881-B7E5EAC1530C}" dt="2022-07-16T13:47:54.074" v="4675" actId="164"/>
-          <ac:spMkLst>
-            <pc:docMk/>
-            <pc:sldMk cId="823482226" sldId="267"/>
-            <ac:spMk id="18" creationId="{B7C089CA-85FA-2A45-C401-EA15C34413AF}"/>
-          </ac:spMkLst>
-        </pc:spChg>
-        <pc:spChg chg="add del mod topLvl">
-          <ac:chgData name="김소희" userId="292a1162-0793-4577-a94d-2dae0dfa5995" providerId="ADAL" clId="{56FB9BA8-8618-469E-B881-B7E5EAC1530C}" dt="2022-07-16T13:47:54.074" v="4675" actId="164"/>
-          <ac:spMkLst>
-            <pc:docMk/>
-            <pc:sldMk cId="823482226" sldId="267"/>
-            <ac:spMk id="19" creationId="{9583431D-F2B7-3E4C-2BAB-761A5E6C0C1F}"/>
-          </ac:spMkLst>
-        </pc:spChg>
-        <pc:spChg chg="del mod">
-          <ac:chgData name="김소희" userId="292a1162-0793-4577-a94d-2dae0dfa5995" providerId="ADAL" clId="{56FB9BA8-8618-469E-B881-B7E5EAC1530C}" dt="2022-07-16T13:46:32.630" v="4662" actId="478"/>
-          <ac:spMkLst>
-            <pc:docMk/>
-            <pc:sldMk cId="823482226" sldId="267"/>
-            <ac:spMk id="20" creationId="{9194579F-7D1D-69D9-3CA1-296669831957}"/>
-          </ac:spMkLst>
-        </pc:spChg>
-        <pc:spChg chg="del mod">
-          <ac:chgData name="김소희" userId="292a1162-0793-4577-a94d-2dae0dfa5995" providerId="ADAL" clId="{56FB9BA8-8618-469E-B881-B7E5EAC1530C}" dt="2022-07-16T13:46:43.564" v="4664" actId="478"/>
-          <ac:spMkLst>
-            <pc:docMk/>
-            <pc:sldMk cId="823482226" sldId="267"/>
-            <ac:spMk id="21" creationId="{DCB8ACAD-0A2D-D660-1823-BA5CD488B1B5}"/>
-          </ac:spMkLst>
-        </pc:spChg>
-        <pc:spChg chg="add mod">
-          <ac:chgData name="김소희" userId="292a1162-0793-4577-a94d-2dae0dfa5995" providerId="ADAL" clId="{56FB9BA8-8618-469E-B881-B7E5EAC1530C}" dt="2022-07-16T13:47:54.074" v="4675" actId="164"/>
-          <ac:spMkLst>
-            <pc:docMk/>
-            <pc:sldMk cId="823482226" sldId="267"/>
-            <ac:spMk id="22" creationId="{DAF3ABAB-7E78-840D-AB11-0172EDDF3D71}"/>
-          </ac:spMkLst>
-        </pc:spChg>
-        <pc:spChg chg="add mod">
-          <ac:chgData name="김소희" userId="292a1162-0793-4577-a94d-2dae0dfa5995" providerId="ADAL" clId="{56FB9BA8-8618-469E-B881-B7E5EAC1530C}" dt="2022-07-16T13:47:54.074" v="4675" actId="164"/>
-          <ac:spMkLst>
-            <pc:docMk/>
-            <pc:sldMk cId="823482226" sldId="267"/>
-            <ac:spMk id="23" creationId="{B7CE930C-060F-4785-748A-AB3CD50D80AF}"/>
-          </ac:spMkLst>
-        </pc:spChg>
-        <pc:spChg chg="add del mod">
-          <ac:chgData name="김소희" userId="292a1162-0793-4577-a94d-2dae0dfa5995" providerId="ADAL" clId="{56FB9BA8-8618-469E-B881-B7E5EAC1530C}" dt="2022-07-16T13:49:01.155" v="4680"/>
-          <ac:spMkLst>
-            <pc:docMk/>
-            <pc:sldMk cId="823482226" sldId="267"/>
-            <ac:spMk id="24" creationId="{921E2A2F-1DFC-0B65-4831-8DAA2D6C5438}"/>
-          </ac:spMkLst>
-        </pc:spChg>
-        <pc:spChg chg="add del mod">
-          <ac:chgData name="김소희" userId="292a1162-0793-4577-a94d-2dae0dfa5995" providerId="ADAL" clId="{56FB9BA8-8618-469E-B881-B7E5EAC1530C}" dt="2022-07-16T13:49:01.155" v="4680"/>
-          <ac:spMkLst>
-            <pc:docMk/>
-            <pc:sldMk cId="823482226" sldId="267"/>
-            <ac:spMk id="25" creationId="{2FA034EE-522A-D284-570B-6B3225BF8DCA}"/>
-          </ac:spMkLst>
-        </pc:spChg>
-        <pc:spChg chg="add mod">
-          <ac:chgData name="김소희" userId="292a1162-0793-4577-a94d-2dae0dfa5995" providerId="ADAL" clId="{56FB9BA8-8618-469E-B881-B7E5EAC1530C}" dt="2022-07-16T14:19:20.159" v="5422" actId="20577"/>
-          <ac:spMkLst>
-            <pc:docMk/>
-            <pc:sldMk cId="823482226" sldId="267"/>
-            <ac:spMk id="26" creationId="{0B2E71C4-63DD-5D21-3108-80838DB539DC}"/>
-          </ac:spMkLst>
-        </pc:spChg>
-        <pc:spChg chg="add mod">
-          <ac:chgData name="김소희" userId="292a1162-0793-4577-a94d-2dae0dfa5995" providerId="ADAL" clId="{56FB9BA8-8618-469E-B881-B7E5EAC1530C}" dt="2022-07-16T13:57:11.040" v="4895" actId="1037"/>
-          <ac:spMkLst>
-            <pc:docMk/>
-            <pc:sldMk cId="823482226" sldId="267"/>
-            <ac:spMk id="27" creationId="{0EB3B09D-29FB-5641-3658-98165C3662E2}"/>
-          </ac:spMkLst>
-        </pc:spChg>
-        <pc:spChg chg="add mod">
-          <ac:chgData name="김소희" userId="292a1162-0793-4577-a94d-2dae0dfa5995" providerId="ADAL" clId="{56FB9BA8-8618-469E-B881-B7E5EAC1530C}" dt="2022-07-16T14:05:57.542" v="5057" actId="164"/>
-          <ac:spMkLst>
-            <pc:docMk/>
-            <pc:sldMk cId="823482226" sldId="267"/>
-            <ac:spMk id="28" creationId="{55068063-54D5-482C-6350-2134AE9A12C8}"/>
-          </ac:spMkLst>
-        </pc:spChg>
-        <pc:spChg chg="add mod">
-          <ac:chgData name="김소희" userId="292a1162-0793-4577-a94d-2dae0dfa5995" providerId="ADAL" clId="{56FB9BA8-8618-469E-B881-B7E5EAC1530C}" dt="2022-07-16T14:18:18.481" v="5419" actId="1076"/>
-          <ac:spMkLst>
-            <pc:docMk/>
-            <pc:sldMk cId="823482226" sldId="267"/>
-            <ac:spMk id="29" creationId="{3206A378-0E36-B833-A9CC-30BE0FE0AA9D}"/>
-          </ac:spMkLst>
-        </pc:spChg>
-        <pc:grpChg chg="add mod ord">
-          <ac:chgData name="김소희" userId="292a1162-0793-4577-a94d-2dae0dfa5995" providerId="ADAL" clId="{56FB9BA8-8618-469E-B881-B7E5EAC1530C}" dt="2022-07-16T13:57:25.431" v="4897" actId="1076"/>
-          <ac:grpSpMkLst>
-            <pc:docMk/>
-            <pc:sldMk cId="823482226" sldId="267"/>
-            <ac:grpSpMk id="6" creationId="{B58EC3AE-7195-3D95-1C6B-4E17454DE56C}"/>
-          </ac:grpSpMkLst>
-        </pc:grpChg>
-        <pc:grpChg chg="add del mod">
-          <ac:chgData name="김소희" userId="292a1162-0793-4577-a94d-2dae0dfa5995" providerId="ADAL" clId="{56FB9BA8-8618-469E-B881-B7E5EAC1530C}" dt="2022-07-16T13:46:50.885" v="4666" actId="165"/>
-          <ac:grpSpMkLst>
-            <pc:docMk/>
-            <pc:sldMk cId="823482226" sldId="267"/>
-            <ac:grpSpMk id="14" creationId="{17821C68-0FF5-E7BC-C52C-DBBBA69A4E6E}"/>
-          </ac:grpSpMkLst>
-        </pc:grpChg>
-        <pc:grpChg chg="add mod">
-          <ac:chgData name="김소희" userId="292a1162-0793-4577-a94d-2dae0dfa5995" providerId="ADAL" clId="{56FB9BA8-8618-469E-B881-B7E5EAC1530C}" dt="2022-07-16T14:18:09.723" v="5417" actId="1076"/>
-          <ac:grpSpMkLst>
-            <pc:docMk/>
-            <pc:sldMk cId="823482226" sldId="267"/>
-            <ac:grpSpMk id="30" creationId="{1F39CF99-D5CD-F251-9866-53C6321BB7CB}"/>
-          </ac:grpSpMkLst>
-        </pc:grpChg>
-        <pc:picChg chg="add mod modCrop">
-          <ac:chgData name="김소희" userId="292a1162-0793-4577-a94d-2dae0dfa5995" providerId="ADAL" clId="{56FB9BA8-8618-469E-B881-B7E5EAC1530C}" dt="2022-07-16T14:19:09.687" v="5420" actId="1076"/>
-          <ac:picMkLst>
-            <pc:docMk/>
-            <pc:sldMk cId="823482226" sldId="267"/>
-            <ac:picMk id="4" creationId="{3BA3D4B1-8FF7-D712-8062-E7C82489B203}"/>
-          </ac:picMkLst>
-        </pc:picChg>
-        <pc:picChg chg="del">
-          <ac:chgData name="김소희" userId="292a1162-0793-4577-a94d-2dae0dfa5995" providerId="ADAL" clId="{56FB9BA8-8618-469E-B881-B7E5EAC1530C}" dt="2022-07-16T09:43:27.298" v="2719" actId="478"/>
-          <ac:picMkLst>
-            <pc:docMk/>
-            <pc:sldMk cId="823482226" sldId="267"/>
-            <ac:picMk id="5" creationId="{2B1D5BB1-3B52-7157-1523-03F72D9D4E0B}"/>
-          </ac:picMkLst>
-        </pc:picChg>
-        <pc:picChg chg="add mod">
-          <ac:chgData name="김소희" userId="292a1162-0793-4577-a94d-2dae0dfa5995" providerId="ADAL" clId="{56FB9BA8-8618-469E-B881-B7E5EAC1530C}" dt="2022-07-16T14:05:57.542" v="5057" actId="164"/>
-          <ac:picMkLst>
-            <pc:docMk/>
-            <pc:sldMk cId="823482226" sldId="267"/>
-            <ac:picMk id="5" creationId="{3BA724AA-EC82-064A-A524-2C0AC1CC2903}"/>
-          </ac:picMkLst>
-        </pc:picChg>
-        <pc:picChg chg="add mod modCrop">
-          <ac:chgData name="김소희" userId="292a1162-0793-4577-a94d-2dae0dfa5995" providerId="ADAL" clId="{56FB9BA8-8618-469E-B881-B7E5EAC1530C}" dt="2022-07-16T14:16:40.816" v="5390" actId="1076"/>
-          <ac:picMkLst>
-            <pc:docMk/>
-            <pc:sldMk cId="823482226" sldId="267"/>
-            <ac:picMk id="7" creationId="{7570B179-4177-2904-52B5-FBC13CD82DE7}"/>
-          </ac:picMkLst>
-        </pc:picChg>
-        <pc:picChg chg="del">
-          <ac:chgData name="김소희" userId="292a1162-0793-4577-a94d-2dae0dfa5995" providerId="ADAL" clId="{56FB9BA8-8618-469E-B881-B7E5EAC1530C}" dt="2022-07-16T09:43:27.298" v="2719" actId="478"/>
-          <ac:picMkLst>
-            <pc:docMk/>
-            <pc:sldMk cId="823482226" sldId="267"/>
-            <ac:picMk id="8" creationId="{EA934249-FCAF-95AB-CED5-79C520AB08BA}"/>
-          </ac:picMkLst>
-        </pc:picChg>
-        <pc:picChg chg="del">
-          <ac:chgData name="김소희" userId="292a1162-0793-4577-a94d-2dae0dfa5995" providerId="ADAL" clId="{56FB9BA8-8618-469E-B881-B7E5EAC1530C}" dt="2022-07-16T09:43:27.298" v="2719" actId="478"/>
-          <ac:picMkLst>
-            <pc:docMk/>
-            <pc:sldMk cId="823482226" sldId="267"/>
-            <ac:picMk id="11" creationId="{857B6171-CD2E-B19F-500D-79822B30AC41}"/>
-          </ac:picMkLst>
-        </pc:picChg>
-        <pc:picChg chg="mod topLvl modCrop">
-          <ac:chgData name="김소희" userId="292a1162-0793-4577-a94d-2dae0dfa5995" providerId="ADAL" clId="{56FB9BA8-8618-469E-B881-B7E5EAC1530C}" dt="2022-07-16T13:48:17.992" v="4678" actId="732"/>
-          <ac:picMkLst>
-            <pc:docMk/>
-            <pc:sldMk cId="823482226" sldId="267"/>
-            <ac:picMk id="15" creationId="{B5E9E492-AEEC-AD2B-61F9-A11C80E10A48}"/>
-          </ac:picMkLst>
-        </pc:picChg>
-        <pc:cxnChg chg="del mod">
-          <ac:chgData name="김소희" userId="292a1162-0793-4577-a94d-2dae0dfa5995" providerId="ADAL" clId="{56FB9BA8-8618-469E-B881-B7E5EAC1530C}" dt="2022-07-16T13:46:48.444" v="4665" actId="478"/>
-          <ac:cxnSpMkLst>
-            <pc:docMk/>
-            <pc:sldMk cId="823482226" sldId="267"/>
-            <ac:cxnSpMk id="17" creationId="{96626C23-BBEF-81A8-1087-3FCBE422D1A8}"/>
-          </ac:cxnSpMkLst>
-        </pc:cxnChg>
-      </pc:sldChg>
-      <pc:sldChg chg="addSp delSp modSp add mod ord">
-        <pc:chgData name="김소희" userId="292a1162-0793-4577-a94d-2dae0dfa5995" providerId="ADAL" clId="{56FB9BA8-8618-469E-B881-B7E5EAC1530C}" dt="2022-07-16T16:24:21.069" v="5852" actId="1035"/>
-        <pc:sldMkLst>
-          <pc:docMk/>
-          <pc:sldMk cId="3685255024" sldId="268"/>
-        </pc:sldMkLst>
-        <pc:spChg chg="mod">
-          <ac:chgData name="김소희" userId="292a1162-0793-4577-a94d-2dae0dfa5995" providerId="ADAL" clId="{56FB9BA8-8618-469E-B881-B7E5EAC1530C}" dt="2022-07-16T09:48:50.970" v="2767"/>
-          <ac:spMkLst>
-            <pc:docMk/>
-            <pc:sldMk cId="3685255024" sldId="268"/>
-            <ac:spMk id="2" creationId="{5C386871-B092-6B43-A8DA-B84A6CCCC7F5}"/>
-          </ac:spMkLst>
-        </pc:spChg>
-        <pc:spChg chg="add mod">
-          <ac:chgData name="김소희" userId="292a1162-0793-4577-a94d-2dae0dfa5995" providerId="ADAL" clId="{56FB9BA8-8618-469E-B881-B7E5EAC1530C}" dt="2022-07-16T14:21:18.546" v="5444" actId="14100"/>
-          <ac:spMkLst>
-            <pc:docMk/>
-            <pc:sldMk cId="3685255024" sldId="268"/>
-            <ac:spMk id="7" creationId="{4D70969F-B72C-E13B-3A27-807376949EF3}"/>
-          </ac:spMkLst>
-        </pc:spChg>
-        <pc:spChg chg="add mod">
-          <ac:chgData name="김소희" userId="292a1162-0793-4577-a94d-2dae0dfa5995" providerId="ADAL" clId="{56FB9BA8-8618-469E-B881-B7E5EAC1530C}" dt="2022-07-16T16:23:03.399" v="5816" actId="1076"/>
-          <ac:spMkLst>
-            <pc:docMk/>
-            <pc:sldMk cId="3685255024" sldId="268"/>
-            <ac:spMk id="8" creationId="{F09E10D0-500A-B99C-CBFD-25923A7906EF}"/>
-          </ac:spMkLst>
-        </pc:spChg>
-        <pc:spChg chg="add del mod">
-          <ac:chgData name="김소희" userId="292a1162-0793-4577-a94d-2dae0dfa5995" providerId="ADAL" clId="{56FB9BA8-8618-469E-B881-B7E5EAC1530C}" dt="2022-07-16T14:21:53.318" v="5486"/>
-          <ac:spMkLst>
-            <pc:docMk/>
-            <pc:sldMk cId="3685255024" sldId="268"/>
-            <ac:spMk id="10" creationId="{CC76ED43-C7AA-49DB-8C6A-A54674A37204}"/>
-          </ac:spMkLst>
-        </pc:spChg>
-        <pc:spChg chg="add mod">
-          <ac:chgData name="김소희" userId="292a1162-0793-4577-a94d-2dae0dfa5995" providerId="ADAL" clId="{56FB9BA8-8618-469E-B881-B7E5EAC1530C}" dt="2022-07-16T16:24:21.069" v="5852" actId="1035"/>
-          <ac:spMkLst>
-            <pc:docMk/>
-            <pc:sldMk cId="3685255024" sldId="268"/>
-            <ac:spMk id="11" creationId="{CCC8864A-DD65-070E-70D1-3CB298A5112E}"/>
-          </ac:spMkLst>
-        </pc:spChg>
-        <pc:spChg chg="add mod">
-          <ac:chgData name="김소희" userId="292a1162-0793-4577-a94d-2dae0dfa5995" providerId="ADAL" clId="{56FB9BA8-8618-469E-B881-B7E5EAC1530C}" dt="2022-07-16T15:35:10.868" v="5507" actId="20577"/>
-          <ac:spMkLst>
-            <pc:docMk/>
-            <pc:sldMk cId="3685255024" sldId="268"/>
-            <ac:spMk id="12" creationId="{F0ABF226-EA99-35B3-765F-D21167F361B4}"/>
-          </ac:spMkLst>
-        </pc:spChg>
-        <pc:spChg chg="add mod">
-          <ac:chgData name="김소희" userId="292a1162-0793-4577-a94d-2dae0dfa5995" providerId="ADAL" clId="{56FB9BA8-8618-469E-B881-B7E5EAC1530C}" dt="2022-07-16T15:36:23.259" v="5685" actId="20577"/>
-          <ac:spMkLst>
-            <pc:docMk/>
-            <pc:sldMk cId="3685255024" sldId="268"/>
-            <ac:spMk id="13" creationId="{625E10A7-CE26-050D-5157-B8389F747707}"/>
-          </ac:spMkLst>
-        </pc:spChg>
-        <pc:picChg chg="add mod">
-          <ac:chgData name="김소희" userId="292a1162-0793-4577-a94d-2dae0dfa5995" providerId="ADAL" clId="{56FB9BA8-8618-469E-B881-B7E5EAC1530C}" dt="2022-07-16T16:22:59.130" v="5815" actId="1076"/>
-          <ac:picMkLst>
-            <pc:docMk/>
-            <pc:sldMk cId="3685255024" sldId="268"/>
-            <ac:picMk id="4" creationId="{DE3370A8-E560-5A2A-167A-0DCC7CC0B805}"/>
-          </ac:picMkLst>
-        </pc:picChg>
-        <pc:picChg chg="add mod">
-          <ac:chgData name="김소희" userId="292a1162-0793-4577-a94d-2dae0dfa5995" providerId="ADAL" clId="{56FB9BA8-8618-469E-B881-B7E5EAC1530C}" dt="2022-07-16T15:35:40.722" v="5554" actId="14100"/>
-          <ac:picMkLst>
-            <pc:docMk/>
-            <pc:sldMk cId="3685255024" sldId="268"/>
-            <ac:picMk id="6" creationId="{E17F1D46-98D2-EA06-085E-20B47EE269A5}"/>
-          </ac:picMkLst>
-        </pc:picChg>
-      </pc:sldChg>
-      <pc:sldChg chg="addSp delSp modSp add mod">
-        <pc:chgData name="김소희" userId="292a1162-0793-4577-a94d-2dae0dfa5995" providerId="ADAL" clId="{56FB9BA8-8618-469E-B881-B7E5EAC1530C}" dt="2022-07-16T16:49:11.097" v="6509" actId="20577"/>
-        <pc:sldMkLst>
-          <pc:docMk/>
-          <pc:sldMk cId="2469761216" sldId="269"/>
-        </pc:sldMkLst>
-        <pc:spChg chg="add mod">
-          <ac:chgData name="김소희" userId="292a1162-0793-4577-a94d-2dae0dfa5995" providerId="ADAL" clId="{56FB9BA8-8618-469E-B881-B7E5EAC1530C}" dt="2022-07-16T16:49:11.097" v="6509" actId="20577"/>
-          <ac:spMkLst>
-            <pc:docMk/>
-            <pc:sldMk cId="2469761216" sldId="269"/>
-            <ac:spMk id="6" creationId="{EFA8B7E0-492C-4117-880E-44A23D6C39EC}"/>
-          </ac:spMkLst>
-        </pc:spChg>
-        <pc:spChg chg="mod">
-          <ac:chgData name="김소희" userId="292a1162-0793-4577-a94d-2dae0dfa5995" providerId="ADAL" clId="{56FB9BA8-8618-469E-B881-B7E5EAC1530C}" dt="2022-07-16T16:35:23.644" v="5878" actId="1035"/>
-          <ac:spMkLst>
-            <pc:docMk/>
-            <pc:sldMk cId="2469761216" sldId="269"/>
-            <ac:spMk id="14" creationId="{E89E35C5-CDC5-E213-E030-34717EFA3209}"/>
-          </ac:spMkLst>
-        </pc:spChg>
-        <pc:spChg chg="del">
-          <ac:chgData name="김소희" userId="292a1162-0793-4577-a94d-2dae0dfa5995" providerId="ADAL" clId="{56FB9BA8-8618-469E-B881-B7E5EAC1530C}" dt="2022-07-16T09:52:58.772" v="2808" actId="478"/>
-          <ac:spMkLst>
-            <pc:docMk/>
-            <pc:sldMk cId="2469761216" sldId="269"/>
-            <ac:spMk id="15" creationId="{8D930912-89D0-1463-E935-699E3D0E262D}"/>
-          </ac:spMkLst>
-        </pc:spChg>
-        <pc:picChg chg="add mod">
-          <ac:chgData name="김소희" userId="292a1162-0793-4577-a94d-2dae0dfa5995" providerId="ADAL" clId="{56FB9BA8-8618-469E-B881-B7E5EAC1530C}" dt="2022-07-16T16:35:27.028" v="5879" actId="1076"/>
-          <ac:picMkLst>
-            <pc:docMk/>
-            <pc:sldMk cId="2469761216" sldId="269"/>
-            <ac:picMk id="4" creationId="{7DB98AC0-EF39-454C-E9A7-3C2C745E5BCE}"/>
-          </ac:picMkLst>
-        </pc:picChg>
-        <pc:picChg chg="del">
-          <ac:chgData name="김소희" userId="292a1162-0793-4577-a94d-2dae0dfa5995" providerId="ADAL" clId="{56FB9BA8-8618-469E-B881-B7E5EAC1530C}" dt="2022-07-16T09:52:57.861" v="2806" actId="478"/>
-          <ac:picMkLst>
-            <pc:docMk/>
-            <pc:sldMk cId="2469761216" sldId="269"/>
-            <ac:picMk id="7" creationId="{66570E45-0B89-3E19-4B27-7F32E857FC02}"/>
-          </ac:picMkLst>
-        </pc:picChg>
-        <pc:picChg chg="del">
-          <ac:chgData name="김소희" userId="292a1162-0793-4577-a94d-2dae0dfa5995" providerId="ADAL" clId="{56FB9BA8-8618-469E-B881-B7E5EAC1530C}" dt="2022-07-16T09:52:58.156" v="2807" actId="478"/>
-          <ac:picMkLst>
-            <pc:docMk/>
-            <pc:sldMk cId="2469761216" sldId="269"/>
-            <ac:picMk id="12" creationId="{F722584A-E6D6-C0F2-949D-4F622A3ECFB5}"/>
-          </ac:picMkLst>
-        </pc:picChg>
-      </pc:sldChg>
-      <pc:sldChg chg="addSp delSp modSp add mod">
-        <pc:chgData name="김소희" userId="292a1162-0793-4577-a94d-2dae0dfa5995" providerId="ADAL" clId="{56FB9BA8-8618-469E-B881-B7E5EAC1530C}" dt="2022-07-17T11:28:19.260" v="6675" actId="1076"/>
-        <pc:sldMkLst>
-          <pc:docMk/>
-          <pc:sldMk cId="1001211680" sldId="270"/>
-        </pc:sldMkLst>
-        <pc:spChg chg="mod">
-          <ac:chgData name="김소희" userId="292a1162-0793-4577-a94d-2dae0dfa5995" providerId="ADAL" clId="{56FB9BA8-8618-469E-B881-B7E5EAC1530C}" dt="2022-07-16T09:55:20.568" v="2883" actId="20577"/>
-          <ac:spMkLst>
-            <pc:docMk/>
-            <pc:sldMk cId="1001211680" sldId="270"/>
-            <ac:spMk id="2" creationId="{5C386871-B092-6B43-A8DA-B84A6CCCC7F5}"/>
-          </ac:spMkLst>
-        </pc:spChg>
-        <pc:spChg chg="add del">
-          <ac:chgData name="김소희" userId="292a1162-0793-4577-a94d-2dae0dfa5995" providerId="ADAL" clId="{56FB9BA8-8618-469E-B881-B7E5EAC1530C}" dt="2022-07-16T09:55:40.161" v="2886" actId="22"/>
-          <ac:spMkLst>
-            <pc:docMk/>
-            <pc:sldMk cId="1001211680" sldId="270"/>
-            <ac:spMk id="7" creationId="{15C3B2BA-17ED-CA42-7B7A-1092DAE5B046}"/>
-          </ac:spMkLst>
-        </pc:spChg>
-        <pc:spChg chg="add mod">
-          <ac:chgData name="김소희" userId="292a1162-0793-4577-a94d-2dae0dfa5995" providerId="ADAL" clId="{56FB9BA8-8618-469E-B881-B7E5EAC1530C}" dt="2022-07-17T11:28:19.260" v="6675" actId="1076"/>
-          <ac:spMkLst>
-            <pc:docMk/>
-            <pc:sldMk cId="1001211680" sldId="270"/>
-            <ac:spMk id="10" creationId="{72987552-5AA4-DD5A-C2A2-02550016258E}"/>
-          </ac:spMkLst>
-        </pc:spChg>
-        <pc:spChg chg="del">
-          <ac:chgData name="김소희" userId="292a1162-0793-4577-a94d-2dae0dfa5995" providerId="ADAL" clId="{56FB9BA8-8618-469E-B881-B7E5EAC1530C}" dt="2022-07-16T09:55:51.558" v="2898" actId="478"/>
-          <ac:spMkLst>
-            <pc:docMk/>
-            <pc:sldMk cId="1001211680" sldId="270"/>
-            <ac:spMk id="14" creationId="{E89E35C5-CDC5-E213-E030-34717EFA3209}"/>
-          </ac:spMkLst>
-        </pc:spChg>
-        <pc:picChg chg="del">
-          <ac:chgData name="김소희" userId="292a1162-0793-4577-a94d-2dae0dfa5995" providerId="ADAL" clId="{56FB9BA8-8618-469E-B881-B7E5EAC1530C}" dt="2022-07-16T09:55:37.578" v="2884" actId="478"/>
-          <ac:picMkLst>
-            <pc:docMk/>
-            <pc:sldMk cId="1001211680" sldId="270"/>
-            <ac:picMk id="4" creationId="{7DB98AC0-EF39-454C-E9A7-3C2C745E5BCE}"/>
-          </ac:picMkLst>
-        </pc:picChg>
-      </pc:sldChg>
-      <pc:sldChg chg="addSp delSp modSp add mod ord">
-        <pc:chgData name="김소희" userId="292a1162-0793-4577-a94d-2dae0dfa5995" providerId="ADAL" clId="{56FB9BA8-8618-469E-B881-B7E5EAC1530C}" dt="2022-07-16T16:55:18.855" v="6639" actId="113"/>
-        <pc:sldMkLst>
-          <pc:docMk/>
-          <pc:sldMk cId="2778352275" sldId="271"/>
-        </pc:sldMkLst>
-        <pc:spChg chg="mod">
-          <ac:chgData name="김소희" userId="292a1162-0793-4577-a94d-2dae0dfa5995" providerId="ADAL" clId="{56FB9BA8-8618-469E-B881-B7E5EAC1530C}" dt="2022-07-16T16:55:18.855" v="6639" actId="113"/>
-          <ac:spMkLst>
-            <pc:docMk/>
-            <pc:sldMk cId="2778352275" sldId="271"/>
-            <ac:spMk id="2" creationId="{D42C8D01-1348-904F-A28E-FB1F05F50B66}"/>
-          </ac:spMkLst>
-        </pc:spChg>
-        <pc:spChg chg="del">
-          <ac:chgData name="김소희" userId="292a1162-0793-4577-a94d-2dae0dfa5995" providerId="ADAL" clId="{56FB9BA8-8618-469E-B881-B7E5EAC1530C}" dt="2022-07-16T16:54:35.233" v="6628" actId="478"/>
-          <ac:spMkLst>
-            <pc:docMk/>
-            <pc:sldMk cId="2778352275" sldId="271"/>
-            <ac:spMk id="3" creationId="{BB4F0E0A-8459-60AB-4DBF-FC43E9161C10}"/>
-          </ac:spMkLst>
-        </pc:spChg>
-        <pc:spChg chg="mod">
-          <ac:chgData name="김소희" userId="292a1162-0793-4577-a94d-2dae0dfa5995" providerId="ADAL" clId="{56FB9BA8-8618-469E-B881-B7E5EAC1530C}" dt="2022-07-16T16:54:39.786" v="6630" actId="14100"/>
-          <ac:spMkLst>
-            <pc:docMk/>
-            <pc:sldMk cId="2778352275" sldId="271"/>
-            <ac:spMk id="5" creationId="{433B89A1-AC33-8D2C-470E-70698F2016E8}"/>
-          </ac:spMkLst>
-        </pc:spChg>
-        <pc:spChg chg="add del mod">
-          <ac:chgData name="김소희" userId="292a1162-0793-4577-a94d-2dae0dfa5995" providerId="ADAL" clId="{56FB9BA8-8618-469E-B881-B7E5EAC1530C}" dt="2022-07-16T16:54:37.017" v="6629" actId="478"/>
-          <ac:spMkLst>
-            <pc:docMk/>
-            <pc:sldMk cId="2778352275" sldId="271"/>
-            <ac:spMk id="6" creationId="{7D9D3ED7-223E-4B42-201C-C2C027DC6654}"/>
-          </ac:spMkLst>
-        </pc:spChg>
-      </pc:sldChg>
-      <pc:sldChg chg="addSp delSp modSp add mod ord modNotesTx">
-        <pc:chgData name="김소희" userId="292a1162-0793-4577-a94d-2dae0dfa5995" providerId="ADAL" clId="{56FB9BA8-8618-469E-B881-B7E5EAC1530C}" dt="2022-07-17T12:36:57.945" v="7414" actId="1076"/>
-        <pc:sldMkLst>
-          <pc:docMk/>
-          <pc:sldMk cId="1677538351" sldId="272"/>
-        </pc:sldMkLst>
-        <pc:spChg chg="del">
-          <ac:chgData name="김소희" userId="292a1162-0793-4577-a94d-2dae0dfa5995" providerId="ADAL" clId="{56FB9BA8-8618-469E-B881-B7E5EAC1530C}" dt="2022-07-16T16:56:14.085" v="6643" actId="478"/>
-          <ac:spMkLst>
-            <pc:docMk/>
-            <pc:sldMk cId="1677538351" sldId="272"/>
-            <ac:spMk id="4" creationId="{23D46D21-7D87-A5C5-3A16-F43F451EE6D6}"/>
-          </ac:spMkLst>
-        </pc:spChg>
-        <pc:spChg chg="mod">
-          <ac:chgData name="김소희" userId="292a1162-0793-4577-a94d-2dae0dfa5995" providerId="ADAL" clId="{56FB9BA8-8618-469E-B881-B7E5EAC1530C}" dt="2022-07-17T12:33:15.514" v="7315" actId="403"/>
-          <ac:spMkLst>
-            <pc:docMk/>
-            <pc:sldMk cId="1677538351" sldId="272"/>
-            <ac:spMk id="6" creationId="{2188782E-44BF-062E-224B-C021A5C826FC}"/>
-          </ac:spMkLst>
-        </pc:spChg>
-        <pc:spChg chg="add mod">
-          <ac:chgData name="김소희" userId="292a1162-0793-4577-a94d-2dae0dfa5995" providerId="ADAL" clId="{56FB9BA8-8618-469E-B881-B7E5EAC1530C}" dt="2022-07-17T12:32:21.077" v="7299" actId="1035"/>
-          <ac:spMkLst>
-            <pc:docMk/>
-            <pc:sldMk cId="1677538351" sldId="272"/>
-            <ac:spMk id="8" creationId="{B588D191-0AEA-6E66-B176-CEA9533A2031}"/>
-          </ac:spMkLst>
-        </pc:spChg>
-        <pc:spChg chg="mod">
-          <ac:chgData name="김소희" userId="292a1162-0793-4577-a94d-2dae0dfa5995" providerId="ADAL" clId="{56FB9BA8-8618-469E-B881-B7E5EAC1530C}" dt="2022-07-16T16:55:03.377" v="6637" actId="14100"/>
-          <ac:spMkLst>
-            <pc:docMk/>
-            <pc:sldMk cId="1677538351" sldId="272"/>
-            <ac:spMk id="9" creationId="{4E262F7D-1CD2-9678-413C-EB257F68A044}"/>
-          </ac:spMkLst>
-        </pc:spChg>
-        <pc:spChg chg="add mod">
-          <ac:chgData name="김소희" userId="292a1162-0793-4577-a94d-2dae0dfa5995" providerId="ADAL" clId="{56FB9BA8-8618-469E-B881-B7E5EAC1530C}" dt="2022-07-17T12:32:21.077" v="7299" actId="1035"/>
-          <ac:spMkLst>
-            <pc:docMk/>
-            <pc:sldMk cId="1677538351" sldId="272"/>
-            <ac:spMk id="10" creationId="{196C492B-1218-3877-CBA4-906C0D2BFF6E}"/>
-          </ac:spMkLst>
-        </pc:spChg>
-        <pc:spChg chg="add del mod">
-          <ac:chgData name="김소희" userId="292a1162-0793-4577-a94d-2dae0dfa5995" providerId="ADAL" clId="{56FB9BA8-8618-469E-B881-B7E5EAC1530C}" dt="2022-07-17T12:31:53.478" v="7279" actId="21"/>
-          <ac:spMkLst>
-            <pc:docMk/>
-            <pc:sldMk cId="1677538351" sldId="272"/>
-            <ac:spMk id="11" creationId="{EBFAD5C0-1CED-341A-A2BD-A8B84BBC7BC0}"/>
-          </ac:spMkLst>
-        </pc:spChg>
-        <pc:spChg chg="del">
-          <ac:chgData name="김소희" userId="292a1162-0793-4577-a94d-2dae0dfa5995" providerId="ADAL" clId="{56FB9BA8-8618-469E-B881-B7E5EAC1530C}" dt="2022-07-17T12:28:05.820" v="7261" actId="478"/>
-          <ac:spMkLst>
-            <pc:docMk/>
-            <pc:sldMk cId="1677538351" sldId="272"/>
-            <ac:spMk id="13" creationId="{174246C5-3CB0-4EE1-338B-F486C3F74F8D}"/>
-          </ac:spMkLst>
-        </pc:spChg>
-        <pc:picChg chg="add mod">
-          <ac:chgData name="김소희" userId="292a1162-0793-4577-a94d-2dae0dfa5995" providerId="ADAL" clId="{56FB9BA8-8618-469E-B881-B7E5EAC1530C}" dt="2022-07-17T12:36:57.945" v="7414" actId="1076"/>
-          <ac:picMkLst>
-            <pc:docMk/>
-            <pc:sldMk cId="1677538351" sldId="272"/>
-            <ac:picMk id="4" creationId="{A286BE99-4C6E-717B-D201-69688FB57D8E}"/>
-          </ac:picMkLst>
-        </pc:picChg>
-        <pc:picChg chg="del">
-          <ac:chgData name="김소희" userId="292a1162-0793-4577-a94d-2dae0dfa5995" providerId="ADAL" clId="{56FB9BA8-8618-469E-B881-B7E5EAC1530C}" dt="2022-07-16T16:56:12.908" v="6642" actId="478"/>
-          <ac:picMkLst>
-            <pc:docMk/>
-            <pc:sldMk cId="1677538351" sldId="272"/>
-            <ac:picMk id="1026" creationId="{082B6978-1040-2636-ECB5-72C25D649201}"/>
-          </ac:picMkLst>
-        </pc:picChg>
-      </pc:sldChg>
-      <pc:sldChg chg="addSp delSp modSp add mod">
-        <pc:chgData name="김소희" userId="292a1162-0793-4577-a94d-2dae0dfa5995" providerId="ADAL" clId="{56FB9BA8-8618-469E-B881-B7E5EAC1530C}" dt="2022-07-17T18:18:45.657" v="11407" actId="1076"/>
-        <pc:sldMkLst>
-          <pc:docMk/>
-          <pc:sldMk cId="3575306235" sldId="273"/>
-        </pc:sldMkLst>
-        <pc:spChg chg="del">
-          <ac:chgData name="김소희" userId="292a1162-0793-4577-a94d-2dae0dfa5995" providerId="ADAL" clId="{56FB9BA8-8618-469E-B881-B7E5EAC1530C}" dt="2022-07-17T12:30:44.119" v="7272" actId="478"/>
-          <ac:spMkLst>
-            <pc:docMk/>
-            <pc:sldMk cId="3575306235" sldId="273"/>
-            <ac:spMk id="6" creationId="{2188782E-44BF-062E-224B-C021A5C826FC}"/>
-          </ac:spMkLst>
-        </pc:spChg>
-        <pc:spChg chg="del">
-          <ac:chgData name="김소희" userId="292a1162-0793-4577-a94d-2dae0dfa5995" providerId="ADAL" clId="{56FB9BA8-8618-469E-B881-B7E5EAC1530C}" dt="2022-07-17T12:30:44.119" v="7272" actId="478"/>
-          <ac:spMkLst>
-            <pc:docMk/>
-            <pc:sldMk cId="3575306235" sldId="273"/>
-            <ac:spMk id="8" creationId="{B588D191-0AEA-6E66-B176-CEA9533A2031}"/>
-          </ac:spMkLst>
-        </pc:spChg>
-        <pc:spChg chg="del">
-          <ac:chgData name="김소희" userId="292a1162-0793-4577-a94d-2dae0dfa5995" providerId="ADAL" clId="{56FB9BA8-8618-469E-B881-B7E5EAC1530C}" dt="2022-07-17T12:30:44.119" v="7272" actId="478"/>
-          <ac:spMkLst>
-            <pc:docMk/>
-            <pc:sldMk cId="3575306235" sldId="273"/>
-            <ac:spMk id="10" creationId="{196C492B-1218-3877-CBA4-906C0D2BFF6E}"/>
-          </ac:spMkLst>
-        </pc:spChg>
-        <pc:spChg chg="del">
-          <ac:chgData name="김소희" userId="292a1162-0793-4577-a94d-2dae0dfa5995" providerId="ADAL" clId="{56FB9BA8-8618-469E-B881-B7E5EAC1530C}" dt="2022-07-17T12:30:44.119" v="7272" actId="478"/>
-          <ac:spMkLst>
-            <pc:docMk/>
-            <pc:sldMk cId="3575306235" sldId="273"/>
-            <ac:spMk id="11" creationId="{EBFAD5C0-1CED-341A-A2BD-A8B84BBC7BC0}"/>
-          </ac:spMkLst>
-        </pc:spChg>
-        <pc:spChg chg="add mod">
-          <ac:chgData name="김소희" userId="292a1162-0793-4577-a94d-2dae0dfa5995" providerId="ADAL" clId="{56FB9BA8-8618-469E-B881-B7E5EAC1530C}" dt="2022-07-17T15:38:35.143" v="7741" actId="1076"/>
-          <ac:spMkLst>
-            <pc:docMk/>
-            <pc:sldMk cId="3575306235" sldId="273"/>
-            <ac:spMk id="15" creationId="{2494126B-543A-FDDA-17D0-F993FACA44E4}"/>
-          </ac:spMkLst>
-        </pc:spChg>
-        <pc:spChg chg="add mod">
-          <ac:chgData name="김소희" userId="292a1162-0793-4577-a94d-2dae0dfa5995" providerId="ADAL" clId="{56FB9BA8-8618-469E-B881-B7E5EAC1530C}" dt="2022-07-17T18:18:45.657" v="11407" actId="1076"/>
-          <ac:spMkLst>
-            <pc:docMk/>
-            <pc:sldMk cId="3575306235" sldId="273"/>
-            <ac:spMk id="17" creationId="{5F6C1FB1-4562-2466-D242-5574E13C66F6}"/>
-          </ac:spMkLst>
-        </pc:spChg>
-        <pc:picChg chg="del">
-          <ac:chgData name="김소희" userId="292a1162-0793-4577-a94d-2dae0dfa5995" providerId="ADAL" clId="{56FB9BA8-8618-469E-B881-B7E5EAC1530C}" dt="2022-07-17T12:30:44.119" v="7272" actId="478"/>
-          <ac:picMkLst>
-            <pc:docMk/>
-            <pc:sldMk cId="3575306235" sldId="273"/>
-            <ac:picMk id="4" creationId="{A286BE99-4C6E-717B-D201-69688FB57D8E}"/>
-          </ac:picMkLst>
-        </pc:picChg>
-        <pc:picChg chg="add del">
-          <ac:chgData name="김소희" userId="292a1162-0793-4577-a94d-2dae0dfa5995" providerId="ADAL" clId="{56FB9BA8-8618-469E-B881-B7E5EAC1530C}" dt="2022-07-17T12:30:55.852" v="7274" actId="478"/>
-          <ac:picMkLst>
-            <pc:docMk/>
-            <pc:sldMk cId="3575306235" sldId="273"/>
-            <ac:picMk id="5" creationId="{E7F87D54-6880-7131-A047-00BDA9894009}"/>
-          </ac:picMkLst>
-        </pc:picChg>
-        <pc:picChg chg="add del">
-          <ac:chgData name="김소희" userId="292a1162-0793-4577-a94d-2dae0dfa5995" providerId="ADAL" clId="{56FB9BA8-8618-469E-B881-B7E5EAC1530C}" dt="2022-07-17T12:31:13.148" v="7276" actId="478"/>
-          <ac:picMkLst>
-            <pc:docMk/>
-            <pc:sldMk cId="3575306235" sldId="273"/>
-            <ac:picMk id="12" creationId="{432536C4-836C-B7CC-76EE-19193FBAB65A}"/>
-          </ac:picMkLst>
-        </pc:picChg>
-        <pc:picChg chg="add mod">
-          <ac:chgData name="김소희" userId="292a1162-0793-4577-a94d-2dae0dfa5995" providerId="ADAL" clId="{56FB9BA8-8618-469E-B881-B7E5EAC1530C}" dt="2022-07-17T15:38:35.143" v="7741" actId="1076"/>
-          <ac:picMkLst>
-            <pc:docMk/>
-            <pc:sldMk cId="3575306235" sldId="273"/>
-            <ac:picMk id="14" creationId="{96BFB391-FD25-112E-FC94-B41BF2CE94AE}"/>
-          </ac:picMkLst>
-        </pc:picChg>
-      </pc:sldChg>
-      <pc:sldChg chg="addSp delSp modSp add mod modNotesTx">
-        <pc:chgData name="김소희" userId="292a1162-0793-4577-a94d-2dae0dfa5995" providerId="ADAL" clId="{56FB9BA8-8618-469E-B881-B7E5EAC1530C}" dt="2022-07-17T17:59:30.901" v="10796" actId="692"/>
-        <pc:sldMkLst>
-          <pc:docMk/>
-          <pc:sldMk cId="1864032891" sldId="274"/>
-        </pc:sldMkLst>
-        <pc:spChg chg="mod">
-          <ac:chgData name="김소희" userId="292a1162-0793-4577-a94d-2dae0dfa5995" providerId="ADAL" clId="{56FB9BA8-8618-469E-B881-B7E5EAC1530C}" dt="2022-07-17T12:46:18.717" v="7431" actId="20577"/>
-          <ac:spMkLst>
-            <pc:docMk/>
-            <pc:sldMk cId="1864032891" sldId="274"/>
-            <ac:spMk id="2" creationId="{5C386871-B092-6B43-A8DA-B84A6CCCC7F5}"/>
-          </ac:spMkLst>
-        </pc:spChg>
-        <pc:spChg chg="add mod">
-          <ac:chgData name="김소희" userId="292a1162-0793-4577-a94d-2dae0dfa5995" providerId="ADAL" clId="{56FB9BA8-8618-469E-B881-B7E5EAC1530C}" dt="2022-07-17T15:24:26.674" v="7597" actId="20577"/>
-          <ac:spMkLst>
-            <pc:docMk/>
-            <pc:sldMk cId="1864032891" sldId="274"/>
-            <ac:spMk id="10" creationId="{520BCCFE-A412-1390-F84E-B2BC02960CC3}"/>
-          </ac:spMkLst>
-        </pc:spChg>
-        <pc:spChg chg="add mod">
-          <ac:chgData name="김소희" userId="292a1162-0793-4577-a94d-2dae0dfa5995" providerId="ADAL" clId="{56FB9BA8-8618-469E-B881-B7E5EAC1530C}" dt="2022-07-17T16:35:52.949" v="9252" actId="1035"/>
-          <ac:spMkLst>
-            <pc:docMk/>
-            <pc:sldMk cId="1864032891" sldId="274"/>
-            <ac:spMk id="11" creationId="{6755C027-8498-D876-EA78-C0874A1BF132}"/>
-          </ac:spMkLst>
-        </pc:spChg>
-        <pc:spChg chg="add mod">
-          <ac:chgData name="김소희" userId="292a1162-0793-4577-a94d-2dae0dfa5995" providerId="ADAL" clId="{56FB9BA8-8618-469E-B881-B7E5EAC1530C}" dt="2022-07-17T15:21:54.629" v="7487" actId="1076"/>
-          <ac:spMkLst>
-            <pc:docMk/>
-            <pc:sldMk cId="1864032891" sldId="274"/>
-            <ac:spMk id="12" creationId="{7FE97760-12BC-CE55-9D5E-DDC76B6211DF}"/>
-          </ac:spMkLst>
-        </pc:spChg>
-        <pc:spChg chg="add mod">
-          <ac:chgData name="김소희" userId="292a1162-0793-4577-a94d-2dae0dfa5995" providerId="ADAL" clId="{56FB9BA8-8618-469E-B881-B7E5EAC1530C}" dt="2022-07-17T16:08:10.750" v="8246" actId="20577"/>
-          <ac:spMkLst>
-            <pc:docMk/>
-            <pc:sldMk cId="1864032891" sldId="274"/>
-            <ac:spMk id="13" creationId="{5C6CC0AE-B7C5-9CFE-084B-81561CB21A4E}"/>
-          </ac:spMkLst>
-        </pc:spChg>
-        <pc:spChg chg="del mod">
-          <ac:chgData name="김소희" userId="292a1162-0793-4577-a94d-2dae0dfa5995" providerId="ADAL" clId="{56FB9BA8-8618-469E-B881-B7E5EAC1530C}" dt="2022-07-17T15:30:51.708" v="7730" actId="478"/>
-          <ac:spMkLst>
-            <pc:docMk/>
-            <pc:sldMk cId="1864032891" sldId="274"/>
-            <ac:spMk id="15" creationId="{2494126B-543A-FDDA-17D0-F993FACA44E4}"/>
-          </ac:spMkLst>
-        </pc:spChg>
-        <pc:spChg chg="add mod">
-          <ac:chgData name="김소희" userId="292a1162-0793-4577-a94d-2dae0dfa5995" providerId="ADAL" clId="{56FB9BA8-8618-469E-B881-B7E5EAC1530C}" dt="2022-07-17T16:08:02.930" v="8245" actId="1076"/>
-          <ac:spMkLst>
-            <pc:docMk/>
-            <pc:sldMk cId="1864032891" sldId="274"/>
-            <ac:spMk id="16" creationId="{AEED4E74-7EF2-03D4-2D75-037C4D8BA8A2}"/>
-          </ac:spMkLst>
-        </pc:spChg>
-        <pc:spChg chg="del mod">
-          <ac:chgData name="김소희" userId="292a1162-0793-4577-a94d-2dae0dfa5995" providerId="ADAL" clId="{56FB9BA8-8618-469E-B881-B7E5EAC1530C}" dt="2022-07-17T12:46:38.243" v="7433" actId="478"/>
-          <ac:spMkLst>
-            <pc:docMk/>
-            <pc:sldMk cId="1864032891" sldId="274"/>
-            <ac:spMk id="17" creationId="{5F6C1FB1-4562-2466-D242-5574E13C66F6}"/>
-          </ac:spMkLst>
-        </pc:spChg>
-        <pc:spChg chg="add mod">
-          <ac:chgData name="김소희" userId="292a1162-0793-4577-a94d-2dae0dfa5995" providerId="ADAL" clId="{56FB9BA8-8618-469E-B881-B7E5EAC1530C}" dt="2022-07-17T16:08:37.908" v="8248" actId="1037"/>
-          <ac:spMkLst>
-            <pc:docMk/>
-            <pc:sldMk cId="1864032891" sldId="274"/>
-            <ac:spMk id="18" creationId="{4F3CF27E-CA54-B9D3-7E45-6D9C54FE497F}"/>
-          </ac:spMkLst>
-        </pc:spChg>
-        <pc:spChg chg="add mod">
-          <ac:chgData name="김소희" userId="292a1162-0793-4577-a94d-2dae0dfa5995" providerId="ADAL" clId="{56FB9BA8-8618-469E-B881-B7E5EAC1530C}" dt="2022-07-17T16:08:49.045" v="8253" actId="1035"/>
-          <ac:spMkLst>
-            <pc:docMk/>
-            <pc:sldMk cId="1864032891" sldId="274"/>
-            <ac:spMk id="19" creationId="{3304FBB8-A148-60B5-79CC-28FA7FB5A959}"/>
-          </ac:spMkLst>
-        </pc:spChg>
-        <pc:spChg chg="add mod">
-          <ac:chgData name="김소희" userId="292a1162-0793-4577-a94d-2dae0dfa5995" providerId="ADAL" clId="{56FB9BA8-8618-469E-B881-B7E5EAC1530C}" dt="2022-07-17T17:59:18.283" v="10795" actId="1076"/>
-          <ac:spMkLst>
-            <pc:docMk/>
-            <pc:sldMk cId="1864032891" sldId="274"/>
-            <ac:spMk id="22" creationId="{CC50681B-3125-460A-A23A-6D23BF9EA36B}"/>
-          </ac:spMkLst>
-        </pc:spChg>
-        <pc:spChg chg="add del mod">
-          <ac:chgData name="김소희" userId="292a1162-0793-4577-a94d-2dae0dfa5995" providerId="ADAL" clId="{56FB9BA8-8618-469E-B881-B7E5EAC1530C}" dt="2022-07-17T15:41:54.407" v="7847" actId="478"/>
-          <ac:spMkLst>
-            <pc:docMk/>
-            <pc:sldMk cId="1864032891" sldId="274"/>
-            <ac:spMk id="24" creationId="{25DE5375-78C5-F0CB-CCC1-E3E5C35E4DD9}"/>
-          </ac:spMkLst>
-        </pc:spChg>
-        <pc:spChg chg="add mod">
-          <ac:chgData name="김소희" userId="292a1162-0793-4577-a94d-2dae0dfa5995" providerId="ADAL" clId="{56FB9BA8-8618-469E-B881-B7E5EAC1530C}" dt="2022-07-17T16:10:45.609" v="8274" actId="404"/>
-          <ac:spMkLst>
-            <pc:docMk/>
-            <pc:sldMk cId="1864032891" sldId="274"/>
-            <ac:spMk id="25" creationId="{1AC397F3-2AD1-9EEE-9357-CC8970237A4C}"/>
-          </ac:spMkLst>
-        </pc:spChg>
-        <pc:spChg chg="add mod">
-          <ac:chgData name="김소희" userId="292a1162-0793-4577-a94d-2dae0dfa5995" providerId="ADAL" clId="{56FB9BA8-8618-469E-B881-B7E5EAC1530C}" dt="2022-07-17T16:09:34.772" v="8263" actId="1037"/>
-          <ac:spMkLst>
-            <pc:docMk/>
-            <pc:sldMk cId="1864032891" sldId="274"/>
-            <ac:spMk id="30" creationId="{BFB724BC-D356-E345-7218-9B4FB1EF280C}"/>
-          </ac:spMkLst>
-        </pc:spChg>
-        <pc:spChg chg="add mod">
-          <ac:chgData name="김소희" userId="292a1162-0793-4577-a94d-2dae0dfa5995" providerId="ADAL" clId="{56FB9BA8-8618-469E-B881-B7E5EAC1530C}" dt="2022-07-17T16:35:54.443" v="9255" actId="1035"/>
-          <ac:spMkLst>
-            <pc:docMk/>
-            <pc:sldMk cId="1864032891" sldId="274"/>
-            <ac:spMk id="34" creationId="{F22535CD-E7CA-C242-DC7F-78B8A871D4A0}"/>
-          </ac:spMkLst>
-        </pc:spChg>
-        <pc:spChg chg="add del mod">
-          <ac:chgData name="김소희" userId="292a1162-0793-4577-a94d-2dae0dfa5995" providerId="ADAL" clId="{56FB9BA8-8618-469E-B881-B7E5EAC1530C}" dt="2022-07-17T15:56:19.988" v="8034" actId="478"/>
-          <ac:spMkLst>
-            <pc:docMk/>
-            <pc:sldMk cId="1864032891" sldId="274"/>
-            <ac:spMk id="35" creationId="{D6FE1070-71D5-45C8-F06E-E852AC842C51}"/>
-          </ac:spMkLst>
-        </pc:spChg>
-        <pc:spChg chg="add del mod">
-          <ac:chgData name="김소희" userId="292a1162-0793-4577-a94d-2dae0dfa5995" providerId="ADAL" clId="{56FB9BA8-8618-469E-B881-B7E5EAC1530C}" dt="2022-07-17T16:03:44.638" v="8183" actId="478"/>
-          <ac:spMkLst>
-            <pc:docMk/>
-            <pc:sldMk cId="1864032891" sldId="274"/>
-            <ac:spMk id="36" creationId="{68430E58-BB0A-DB77-09D4-573BBA787F20}"/>
-          </ac:spMkLst>
-        </pc:spChg>
-        <pc:spChg chg="add mod">
-          <ac:chgData name="김소희" userId="292a1162-0793-4577-a94d-2dae0dfa5995" providerId="ADAL" clId="{56FB9BA8-8618-469E-B881-B7E5EAC1530C}" dt="2022-07-17T16:09:34.772" v="8263" actId="1037"/>
-          <ac:spMkLst>
-            <pc:docMk/>
-            <pc:sldMk cId="1864032891" sldId="274"/>
-            <ac:spMk id="40" creationId="{594874C8-2BBC-1065-2777-B1BEA2D874CD}"/>
-          </ac:spMkLst>
-        </pc:spChg>
-        <pc:grpChg chg="add mod">
-          <ac:chgData name="김소희" userId="292a1162-0793-4577-a94d-2dae0dfa5995" providerId="ADAL" clId="{56FB9BA8-8618-469E-B881-B7E5EAC1530C}" dt="2022-07-17T16:08:02.930" v="8245" actId="1076"/>
-          <ac:grpSpMkLst>
-            <pc:docMk/>
-            <pc:sldMk cId="1864032891" sldId="274"/>
-            <ac:grpSpMk id="31" creationId="{6C1FB062-A586-5174-2C7F-DF3EC44B0F2F}"/>
-          </ac:grpSpMkLst>
-        </pc:grpChg>
-        <pc:picChg chg="add del mod">
-          <ac:chgData name="김소희" userId="292a1162-0793-4577-a94d-2dae0dfa5995" providerId="ADAL" clId="{56FB9BA8-8618-469E-B881-B7E5EAC1530C}" dt="2022-07-17T15:20:46.619" v="7440" actId="478"/>
-          <ac:picMkLst>
-            <pc:docMk/>
-            <pc:sldMk cId="1864032891" sldId="274"/>
-            <ac:picMk id="4" creationId="{9A1DD40B-515B-FB77-D91F-D1A61770B71A}"/>
-          </ac:picMkLst>
-        </pc:picChg>
-        <pc:picChg chg="add mod ord">
-          <ac:chgData name="김소희" userId="292a1162-0793-4577-a94d-2dae0dfa5995" providerId="ADAL" clId="{56FB9BA8-8618-469E-B881-B7E5EAC1530C}" dt="2022-07-17T16:35:26.865" v="9226" actId="208"/>
-          <ac:picMkLst>
-            <pc:docMk/>
-            <pc:sldMk cId="1864032891" sldId="274"/>
-            <ac:picMk id="8" creationId="{1AC658A8-D7DA-2E4A-A8B0-80EDC15C3AE2}"/>
-          </ac:picMkLst>
-        </pc:picChg>
-        <pc:picChg chg="del">
-          <ac:chgData name="김소희" userId="292a1162-0793-4577-a94d-2dae0dfa5995" providerId="ADAL" clId="{56FB9BA8-8618-469E-B881-B7E5EAC1530C}" dt="2022-07-17T12:46:13.028" v="7420" actId="478"/>
-          <ac:picMkLst>
-            <pc:docMk/>
-            <pc:sldMk cId="1864032891" sldId="274"/>
-            <ac:picMk id="14" creationId="{96BFB391-FD25-112E-FC94-B41BF2CE94AE}"/>
-          </ac:picMkLst>
-        </pc:picChg>
-        <pc:picChg chg="add mod">
-          <ac:chgData name="김소희" userId="292a1162-0793-4577-a94d-2dae0dfa5995" providerId="ADAL" clId="{56FB9BA8-8618-469E-B881-B7E5EAC1530C}" dt="2022-07-17T16:08:02.930" v="8245" actId="1076"/>
-          <ac:picMkLst>
-            <pc:docMk/>
-            <pc:sldMk cId="1864032891" sldId="274"/>
-            <ac:picMk id="1026" creationId="{D8F19ADC-E0C9-86E2-DDEC-A85CA37D666F}"/>
-          </ac:picMkLst>
-        </pc:picChg>
-        <pc:picChg chg="add del mod">
-          <ac:chgData name="김소희" userId="292a1162-0793-4577-a94d-2dae0dfa5995" providerId="ADAL" clId="{56FB9BA8-8618-469E-B881-B7E5EAC1530C}" dt="2022-07-17T15:30:31.196" v="7723" actId="478"/>
-          <ac:picMkLst>
-            <pc:docMk/>
-            <pc:sldMk cId="1864032891" sldId="274"/>
-            <ac:picMk id="1028" creationId="{C83C384B-67CF-4B7A-79E9-30FBB20B9198}"/>
-          </ac:picMkLst>
-        </pc:picChg>
-        <pc:picChg chg="add mod">
-          <ac:chgData name="김소희" userId="292a1162-0793-4577-a94d-2dae0dfa5995" providerId="ADAL" clId="{56FB9BA8-8618-469E-B881-B7E5EAC1530C}" dt="2022-07-17T16:09:47.877" v="8268" actId="1076"/>
-          <ac:picMkLst>
-            <pc:docMk/>
-            <pc:sldMk cId="1864032891" sldId="274"/>
-            <ac:picMk id="1030" creationId="{5658C78A-FA1D-FC6B-43FB-E48740EB9751}"/>
-          </ac:picMkLst>
-        </pc:picChg>
-        <pc:cxnChg chg="add mod">
-          <ac:chgData name="김소희" userId="292a1162-0793-4577-a94d-2dae0dfa5995" providerId="ADAL" clId="{56FB9BA8-8618-469E-B881-B7E5EAC1530C}" dt="2022-07-17T17:59:30.901" v="10796" actId="692"/>
-          <ac:cxnSpMkLst>
-            <pc:docMk/>
-            <pc:sldMk cId="1864032891" sldId="274"/>
-            <ac:cxnSpMk id="21" creationId="{231209F2-A61F-507A-CBB5-6D4D9252B279}"/>
-          </ac:cxnSpMkLst>
-        </pc:cxnChg>
-        <pc:cxnChg chg="add mod">
-          <ac:chgData name="김소희" userId="292a1162-0793-4577-a94d-2dae0dfa5995" providerId="ADAL" clId="{56FB9BA8-8618-469E-B881-B7E5EAC1530C}" dt="2022-07-17T16:35:47.671" v="9238" actId="1035"/>
-          <ac:cxnSpMkLst>
-            <pc:docMk/>
-            <pc:sldMk cId="1864032891" sldId="274"/>
-            <ac:cxnSpMk id="27" creationId="{13960771-C0FC-EF6A-D9D7-0E0CF947D2C9}"/>
-          </ac:cxnSpMkLst>
-        </pc:cxnChg>
-        <pc:cxnChg chg="add mod">
-          <ac:chgData name="김소희" userId="292a1162-0793-4577-a94d-2dae0dfa5995" providerId="ADAL" clId="{56FB9BA8-8618-469E-B881-B7E5EAC1530C}" dt="2022-07-17T16:35:50.259" v="9248" actId="1035"/>
-          <ac:cxnSpMkLst>
-            <pc:docMk/>
-            <pc:sldMk cId="1864032891" sldId="274"/>
-            <ac:cxnSpMk id="38" creationId="{232E0601-0B2B-491C-7862-2678C95BA6B9}"/>
-          </ac:cxnSpMkLst>
-        </pc:cxnChg>
-      </pc:sldChg>
-      <pc:sldChg chg="addSp delSp modSp add mod">
-        <pc:chgData name="김소희" userId="292a1162-0793-4577-a94d-2dae0dfa5995" providerId="ADAL" clId="{56FB9BA8-8618-469E-B881-B7E5EAC1530C}" dt="2022-07-17T18:19:08.914" v="11410" actId="1035"/>
-        <pc:sldMkLst>
-          <pc:docMk/>
-          <pc:sldMk cId="1710748464" sldId="275"/>
-        </pc:sldMkLst>
-        <pc:spChg chg="add mod">
-          <ac:chgData name="김소희" userId="292a1162-0793-4577-a94d-2dae0dfa5995" providerId="ADAL" clId="{56FB9BA8-8618-469E-B881-B7E5EAC1530C}" dt="2022-07-17T18:19:08.914" v="11410" actId="1035"/>
-          <ac:spMkLst>
-            <pc:docMk/>
-            <pc:sldMk cId="1710748464" sldId="275"/>
-            <ac:spMk id="6" creationId="{F446FE9C-3EE4-C6EB-8545-9571B4F20B24}"/>
-          </ac:spMkLst>
-        </pc:spChg>
-        <pc:spChg chg="add del mod">
-          <ac:chgData name="김소희" userId="292a1162-0793-4577-a94d-2dae0dfa5995" providerId="ADAL" clId="{56FB9BA8-8618-469E-B881-B7E5EAC1530C}" dt="2022-07-17T16:15:03.181" v="8576" actId="478"/>
-          <ac:spMkLst>
-            <pc:docMk/>
-            <pc:sldMk cId="1710748464" sldId="275"/>
-            <ac:spMk id="7" creationId="{5FF834EC-C667-129F-6DE7-24EC80562A9F}"/>
-          </ac:spMkLst>
-        </pc:spChg>
-        <pc:spChg chg="mod">
-          <ac:chgData name="김소희" userId="292a1162-0793-4577-a94d-2dae0dfa5995" providerId="ADAL" clId="{56FB9BA8-8618-469E-B881-B7E5EAC1530C}" dt="2022-07-17T17:43:43.132" v="10179" actId="207"/>
-          <ac:spMkLst>
-            <pc:docMk/>
-            <pc:sldMk cId="1710748464" sldId="275"/>
-            <ac:spMk id="15" creationId="{2494126B-543A-FDDA-17D0-F993FACA44E4}"/>
-          </ac:spMkLst>
-        </pc:spChg>
-        <pc:picChg chg="del mod">
-          <ac:chgData name="김소희" userId="292a1162-0793-4577-a94d-2dae0dfa5995" providerId="ADAL" clId="{56FB9BA8-8618-469E-B881-B7E5EAC1530C}" dt="2022-07-17T16:14:59.420" v="8575" actId="478"/>
-          <ac:picMkLst>
-            <pc:docMk/>
-            <pc:sldMk cId="1710748464" sldId="275"/>
-            <ac:picMk id="4" creationId="{9A1DD40B-515B-FB77-D91F-D1A61770B71A}"/>
-          </ac:picMkLst>
-        </pc:picChg>
-        <pc:picChg chg="add mod">
-          <ac:chgData name="김소희" userId="292a1162-0793-4577-a94d-2dae0dfa5995" providerId="ADAL" clId="{56FB9BA8-8618-469E-B881-B7E5EAC1530C}" dt="2022-07-17T16:17:16.584" v="8647" actId="1076"/>
-          <ac:picMkLst>
-            <pc:docMk/>
-            <pc:sldMk cId="1710748464" sldId="275"/>
-            <ac:picMk id="8" creationId="{452ED89C-DC3B-3E32-C031-AF960A2234C0}"/>
-          </ac:picMkLst>
-        </pc:picChg>
-      </pc:sldChg>
-      <pc:sldChg chg="addSp delSp modSp add mod">
-        <pc:chgData name="김소희" userId="292a1162-0793-4577-a94d-2dae0dfa5995" providerId="ADAL" clId="{56FB9BA8-8618-469E-B881-B7E5EAC1530C}" dt="2022-07-18T05:51:49.446" v="12840" actId="208"/>
-        <pc:sldMkLst>
-          <pc:docMk/>
-          <pc:sldMk cId="2083716223" sldId="276"/>
-        </pc:sldMkLst>
-        <pc:spChg chg="del">
-          <ac:chgData name="김소희" userId="292a1162-0793-4577-a94d-2dae0dfa5995" providerId="ADAL" clId="{56FB9BA8-8618-469E-B881-B7E5EAC1530C}" dt="2022-07-17T16:18:28.880" v="8655" actId="478"/>
-          <ac:spMkLst>
-            <pc:docMk/>
-            <pc:sldMk cId="2083716223" sldId="276"/>
-            <ac:spMk id="6" creationId="{F446FE9C-3EE4-C6EB-8545-9571B4F20B24}"/>
-          </ac:spMkLst>
-        </pc:spChg>
-        <pc:spChg chg="mod">
-          <ac:chgData name="김소희" userId="292a1162-0793-4577-a94d-2dae0dfa5995" providerId="ADAL" clId="{56FB9BA8-8618-469E-B881-B7E5EAC1530C}" dt="2022-07-17T17:42:15.789" v="10167" actId="207"/>
-          <ac:spMkLst>
-            <pc:docMk/>
-            <pc:sldMk cId="2083716223" sldId="276"/>
-            <ac:spMk id="7" creationId="{5FF834EC-C667-129F-6DE7-24EC80562A9F}"/>
-          </ac:spMkLst>
-        </pc:spChg>
-        <pc:spChg chg="add mod">
-          <ac:chgData name="김소희" userId="292a1162-0793-4577-a94d-2dae0dfa5995" providerId="ADAL" clId="{56FB9BA8-8618-469E-B881-B7E5EAC1530C}" dt="2022-07-17T16:30:21.020" v="9062" actId="20577"/>
-          <ac:spMkLst>
-            <pc:docMk/>
-            <pc:sldMk cId="2083716223" sldId="276"/>
-            <ac:spMk id="8" creationId="{9530C086-2C13-F035-575F-854F651D3568}"/>
-          </ac:spMkLst>
-        </pc:spChg>
-        <pc:spChg chg="add mod">
-          <ac:chgData name="김소희" userId="292a1162-0793-4577-a94d-2dae0dfa5995" providerId="ADAL" clId="{56FB9BA8-8618-469E-B881-B7E5EAC1530C}" dt="2022-07-17T16:31:38.557" v="9076" actId="164"/>
-          <ac:spMkLst>
-            <pc:docMk/>
-            <pc:sldMk cId="2083716223" sldId="276"/>
-            <ac:spMk id="10" creationId="{F31E1171-8A08-B76C-F69F-11BE262933A5}"/>
-          </ac:spMkLst>
-        </pc:spChg>
-        <pc:spChg chg="add mod">
-          <ac:chgData name="김소희" userId="292a1162-0793-4577-a94d-2dae0dfa5995" providerId="ADAL" clId="{56FB9BA8-8618-469E-B881-B7E5EAC1530C}" dt="2022-07-17T16:31:38.557" v="9076" actId="164"/>
-          <ac:spMkLst>
-            <pc:docMk/>
-            <pc:sldMk cId="2083716223" sldId="276"/>
-            <ac:spMk id="11" creationId="{5E75915A-9ED9-087D-B5D4-8D7DE00C43C0}"/>
-          </ac:spMkLst>
-        </pc:spChg>
-        <pc:spChg chg="add del mod">
-          <ac:chgData name="김소희" userId="292a1162-0793-4577-a94d-2dae0dfa5995" providerId="ADAL" clId="{56FB9BA8-8618-469E-B881-B7E5EAC1530C}" dt="2022-07-17T16:24:11.559" v="8820"/>
-          <ac:spMkLst>
-            <pc:docMk/>
-            <pc:sldMk cId="2083716223" sldId="276"/>
-            <ac:spMk id="12" creationId="{D5C18C7D-7BFF-8E58-16A7-B899CCE0A6E8}"/>
-          </ac:spMkLst>
-        </pc:spChg>
-        <pc:spChg chg="add mod">
-          <ac:chgData name="김소희" userId="292a1162-0793-4577-a94d-2dae0dfa5995" providerId="ADAL" clId="{56FB9BA8-8618-469E-B881-B7E5EAC1530C}" dt="2022-07-17T16:31:38.557" v="9076" actId="164"/>
-          <ac:spMkLst>
-            <pc:docMk/>
-            <pc:sldMk cId="2083716223" sldId="276"/>
-            <ac:spMk id="13" creationId="{B6DA59CA-7693-E14D-C506-2CEB242652DE}"/>
-          </ac:spMkLst>
-        </pc:spChg>
-        <pc:spChg chg="add mod">
-          <ac:chgData name="김소희" userId="292a1162-0793-4577-a94d-2dae0dfa5995" providerId="ADAL" clId="{56FB9BA8-8618-469E-B881-B7E5EAC1530C}" dt="2022-07-17T16:31:38.557" v="9076" actId="164"/>
-          <ac:spMkLst>
-            <pc:docMk/>
-            <pc:sldMk cId="2083716223" sldId="276"/>
-            <ac:spMk id="14" creationId="{52728B2B-4DD5-FFD6-ABAB-1516F1B21BED}"/>
-          </ac:spMkLst>
-        </pc:spChg>
-        <pc:spChg chg="del">
-          <ac:chgData name="김소희" userId="292a1162-0793-4577-a94d-2dae0dfa5995" providerId="ADAL" clId="{56FB9BA8-8618-469E-B881-B7E5EAC1530C}" dt="2022-07-17T16:18:28.880" v="8655" actId="478"/>
-          <ac:spMkLst>
-            <pc:docMk/>
-            <pc:sldMk cId="2083716223" sldId="276"/>
-            <ac:spMk id="15" creationId="{2494126B-543A-FDDA-17D0-F993FACA44E4}"/>
-          </ac:spMkLst>
-        </pc:spChg>
-        <pc:spChg chg="add mod">
-          <ac:chgData name="김소희" userId="292a1162-0793-4577-a94d-2dae0dfa5995" providerId="ADAL" clId="{56FB9BA8-8618-469E-B881-B7E5EAC1530C}" dt="2022-07-17T16:31:38.557" v="9076" actId="164"/>
-          <ac:spMkLst>
-            <pc:docMk/>
-            <pc:sldMk cId="2083716223" sldId="276"/>
-            <ac:spMk id="16" creationId="{24673AE0-5A9B-519E-1DE2-ACA0ADB6FD14}"/>
-          </ac:spMkLst>
-        </pc:spChg>
-        <pc:spChg chg="add mod">
-          <ac:chgData name="김소희" userId="292a1162-0793-4577-a94d-2dae0dfa5995" providerId="ADAL" clId="{56FB9BA8-8618-469E-B881-B7E5EAC1530C}" dt="2022-07-17T16:31:38.557" v="9076" actId="164"/>
-          <ac:spMkLst>
-            <pc:docMk/>
-            <pc:sldMk cId="2083716223" sldId="276"/>
-            <ac:spMk id="17" creationId="{CED7611A-35D5-4BC6-12E6-DBB24B86C0F4}"/>
-          </ac:spMkLst>
-        </pc:spChg>
-        <pc:spChg chg="add mod">
-          <ac:chgData name="김소희" userId="292a1162-0793-4577-a94d-2dae0dfa5995" providerId="ADAL" clId="{56FB9BA8-8618-469E-B881-B7E5EAC1530C}" dt="2022-07-17T16:35:04.322" v="9225" actId="14100"/>
-          <ac:spMkLst>
-            <pc:docMk/>
-            <pc:sldMk cId="2083716223" sldId="276"/>
-            <ac:spMk id="20" creationId="{ECC14A61-5B3B-63A9-8A1F-095892D9DA2C}"/>
-          </ac:spMkLst>
-        </pc:spChg>
-        <pc:spChg chg="add mod">
-          <ac:chgData name="김소희" userId="292a1162-0793-4577-a94d-2dae0dfa5995" providerId="ADAL" clId="{56FB9BA8-8618-469E-B881-B7E5EAC1530C}" dt="2022-07-17T16:43:56.015" v="9382" actId="1076"/>
-          <ac:spMkLst>
-            <pc:docMk/>
-            <pc:sldMk cId="2083716223" sldId="276"/>
-            <ac:spMk id="22" creationId="{3161147D-EDD1-F295-9DFE-A0871B59E7E8}"/>
-          </ac:spMkLst>
-        </pc:spChg>
-        <pc:spChg chg="add mod">
-          <ac:chgData name="김소희" userId="292a1162-0793-4577-a94d-2dae0dfa5995" providerId="ADAL" clId="{56FB9BA8-8618-469E-B881-B7E5EAC1530C}" dt="2022-07-18T05:51:42.802" v="12838" actId="207"/>
-          <ac:spMkLst>
-            <pc:docMk/>
-            <pc:sldMk cId="2083716223" sldId="276"/>
-            <ac:spMk id="23" creationId="{47C4DA89-A353-B37C-FA0A-C988944FDB9B}"/>
-          </ac:spMkLst>
-        </pc:spChg>
-        <pc:spChg chg="add mod">
-          <ac:chgData name="김소희" userId="292a1162-0793-4577-a94d-2dae0dfa5995" providerId="ADAL" clId="{56FB9BA8-8618-469E-B881-B7E5EAC1530C}" dt="2022-07-17T16:33:04.310" v="9167" actId="20577"/>
-          <ac:spMkLst>
-            <pc:docMk/>
-            <pc:sldMk cId="2083716223" sldId="276"/>
-            <ac:spMk id="24" creationId="{DFBB6B18-E1C8-F3AB-6AFD-3A241C98ADEE}"/>
-          </ac:spMkLst>
-        </pc:spChg>
-        <pc:spChg chg="add mod">
-          <ac:chgData name="김소희" userId="292a1162-0793-4577-a94d-2dae0dfa5995" providerId="ADAL" clId="{56FB9BA8-8618-469E-B881-B7E5EAC1530C}" dt="2022-07-17T16:34:55.015" v="9221" actId="1076"/>
-          <ac:spMkLst>
-            <pc:docMk/>
-            <pc:sldMk cId="2083716223" sldId="276"/>
-            <ac:spMk id="26" creationId="{71F36E78-1095-967D-CEC7-08DA1ED846D0}"/>
-          </ac:spMkLst>
-        </pc:spChg>
-        <pc:grpChg chg="add mod">
-          <ac:chgData name="김소희" userId="292a1162-0793-4577-a94d-2dae0dfa5995" providerId="ADAL" clId="{56FB9BA8-8618-469E-B881-B7E5EAC1530C}" dt="2022-07-18T05:51:29.934" v="12836" actId="1076"/>
-          <ac:grpSpMkLst>
-            <pc:docMk/>
-            <pc:sldMk cId="2083716223" sldId="276"/>
-            <ac:grpSpMk id="27" creationId="{681B5E7D-412A-2C70-35A9-A23437D4A309}"/>
-          </ac:grpSpMkLst>
-        </pc:grpChg>
-        <pc:picChg chg="mod modCrop">
-          <ac:chgData name="김소희" userId="292a1162-0793-4577-a94d-2dae0dfa5995" providerId="ADAL" clId="{56FB9BA8-8618-469E-B881-B7E5EAC1530C}" dt="2022-07-17T16:31:38.557" v="9076" actId="164"/>
-          <ac:picMkLst>
-            <pc:docMk/>
-            <pc:sldMk cId="2083716223" sldId="276"/>
-            <ac:picMk id="4" creationId="{9A1DD40B-515B-FB77-D91F-D1A61770B71A}"/>
-          </ac:picMkLst>
-        </pc:picChg>
-        <pc:picChg chg="add mod">
-          <ac:chgData name="김소희" userId="292a1162-0793-4577-a94d-2dae0dfa5995" providerId="ADAL" clId="{56FB9BA8-8618-469E-B881-B7E5EAC1530C}" dt="2022-07-17T16:33:21.526" v="9169" actId="208"/>
-          <ac:picMkLst>
-            <pc:docMk/>
-            <pc:sldMk cId="2083716223" sldId="276"/>
-            <ac:picMk id="5" creationId="{E8F30DDB-AE88-CFA5-CD61-27A40D2A07D2}"/>
-          </ac:picMkLst>
-        </pc:picChg>
-        <pc:picChg chg="add mod">
-          <ac:chgData name="김소희" userId="292a1162-0793-4577-a94d-2dae0dfa5995" providerId="ADAL" clId="{56FB9BA8-8618-469E-B881-B7E5EAC1530C}" dt="2022-07-17T16:34:58.291" v="9222" actId="1076"/>
-          <ac:picMkLst>
-            <pc:docMk/>
-            <pc:sldMk cId="2083716223" sldId="276"/>
-            <ac:picMk id="19" creationId="{6A93AB8A-D3A3-C7ED-3788-8493A84CF8E9}"/>
-          </ac:picMkLst>
-        </pc:picChg>
-        <pc:picChg chg="add mod">
-          <ac:chgData name="김소희" userId="292a1162-0793-4577-a94d-2dae0dfa5995" providerId="ADAL" clId="{56FB9BA8-8618-469E-B881-B7E5EAC1530C}" dt="2022-07-17T16:43:56.015" v="9382" actId="1076"/>
-          <ac:picMkLst>
-            <pc:docMk/>
-            <pc:sldMk cId="2083716223" sldId="276"/>
-            <ac:picMk id="21" creationId="{A7F40CE3-2DC3-B0E4-0BE4-65F3270EDB70}"/>
-          </ac:picMkLst>
-        </pc:picChg>
-        <pc:picChg chg="add del">
-          <ac:chgData name="김소희" userId="292a1162-0793-4577-a94d-2dae0dfa5995" providerId="ADAL" clId="{56FB9BA8-8618-469E-B881-B7E5EAC1530C}" dt="2022-07-17T16:29:56.935" v="9051" actId="22"/>
-          <ac:picMkLst>
-            <pc:docMk/>
-            <pc:sldMk cId="2083716223" sldId="276"/>
-            <ac:picMk id="23" creationId="{F96ED7C2-D6E4-C59F-0FE0-5F648456662B}"/>
-          </ac:picMkLst>
-        </pc:picChg>
-        <pc:cxnChg chg="add mod">
-          <ac:chgData name="김소희" userId="292a1162-0793-4577-a94d-2dae0dfa5995" providerId="ADAL" clId="{56FB9BA8-8618-469E-B881-B7E5EAC1530C}" dt="2022-07-18T05:51:49.446" v="12840" actId="208"/>
-          <ac:cxnSpMkLst>
-            <pc:docMk/>
-            <pc:sldMk cId="2083716223" sldId="276"/>
-            <ac:cxnSpMk id="6" creationId="{03B84DCD-352B-3C31-B6BF-C75E728F04AE}"/>
-          </ac:cxnSpMkLst>
-        </pc:cxnChg>
-      </pc:sldChg>
-      <pc:sldChg chg="addSp delSp modSp add mod">
-        <pc:chgData name="김소희" userId="292a1162-0793-4577-a94d-2dae0dfa5995" providerId="ADAL" clId="{56FB9BA8-8618-469E-B881-B7E5EAC1530C}" dt="2022-07-17T18:01:25.036" v="10818" actId="1035"/>
-        <pc:sldMkLst>
-          <pc:docMk/>
-          <pc:sldMk cId="3383878795" sldId="277"/>
-        </pc:sldMkLst>
-        <pc:spChg chg="mod">
-          <ac:chgData name="김소희" userId="292a1162-0793-4577-a94d-2dae0dfa5995" providerId="ADAL" clId="{56FB9BA8-8618-469E-B881-B7E5EAC1530C}" dt="2022-07-17T17:42:19.387" v="10168" actId="207"/>
-          <ac:spMkLst>
-            <pc:docMk/>
-            <pc:sldMk cId="3383878795" sldId="277"/>
-            <ac:spMk id="7" creationId="{5FF834EC-C667-129F-6DE7-24EC80562A9F}"/>
-          </ac:spMkLst>
-        </pc:spChg>
-        <pc:spChg chg="mod">
-          <ac:chgData name="김소희" userId="292a1162-0793-4577-a94d-2dae0dfa5995" providerId="ADAL" clId="{56FB9BA8-8618-469E-B881-B7E5EAC1530C}" dt="2022-07-17T18:01:25.036" v="10818" actId="1035"/>
-          <ac:spMkLst>
-            <pc:docMk/>
-            <pc:sldMk cId="3383878795" sldId="277"/>
-            <ac:spMk id="8" creationId="{9530C086-2C13-F035-575F-854F651D3568}"/>
-          </ac:spMkLst>
-        </pc:spChg>
-        <pc:spChg chg="del">
-          <ac:chgData name="김소희" userId="292a1162-0793-4577-a94d-2dae0dfa5995" providerId="ADAL" clId="{56FB9BA8-8618-469E-B881-B7E5EAC1530C}" dt="2022-07-17T16:46:14.882" v="9401" actId="478"/>
-          <ac:spMkLst>
-            <pc:docMk/>
-            <pc:sldMk cId="3383878795" sldId="277"/>
-            <ac:spMk id="20" creationId="{ECC14A61-5B3B-63A9-8A1F-095892D9DA2C}"/>
-          </ac:spMkLst>
-        </pc:spChg>
-        <pc:spChg chg="del">
-          <ac:chgData name="김소희" userId="292a1162-0793-4577-a94d-2dae0dfa5995" providerId="ADAL" clId="{56FB9BA8-8618-469E-B881-B7E5EAC1530C}" dt="2022-07-17T16:46:14.882" v="9401" actId="478"/>
-          <ac:spMkLst>
-            <pc:docMk/>
-            <pc:sldMk cId="3383878795" sldId="277"/>
-            <ac:spMk id="22" creationId="{3161147D-EDD1-F295-9DFE-A0871B59E7E8}"/>
-          </ac:spMkLst>
-        </pc:spChg>
-        <pc:spChg chg="del">
-          <ac:chgData name="김소희" userId="292a1162-0793-4577-a94d-2dae0dfa5995" providerId="ADAL" clId="{56FB9BA8-8618-469E-B881-B7E5EAC1530C}" dt="2022-07-17T16:46:14.882" v="9401" actId="478"/>
-          <ac:spMkLst>
-            <pc:docMk/>
-            <pc:sldMk cId="3383878795" sldId="277"/>
-            <ac:spMk id="23" creationId="{47C4DA89-A353-B37C-FA0A-C988944FDB9B}"/>
-          </ac:spMkLst>
-        </pc:spChg>
-        <pc:spChg chg="del">
-          <ac:chgData name="김소희" userId="292a1162-0793-4577-a94d-2dae0dfa5995" providerId="ADAL" clId="{56FB9BA8-8618-469E-B881-B7E5EAC1530C}" dt="2022-07-17T16:46:14.882" v="9401" actId="478"/>
-          <ac:spMkLst>
-            <pc:docMk/>
-            <pc:sldMk cId="3383878795" sldId="277"/>
-            <ac:spMk id="24" creationId="{DFBB6B18-E1C8-F3AB-6AFD-3A241C98ADEE}"/>
-          </ac:spMkLst>
-        </pc:spChg>
-        <pc:spChg chg="del">
-          <ac:chgData name="김소희" userId="292a1162-0793-4577-a94d-2dae0dfa5995" providerId="ADAL" clId="{56FB9BA8-8618-469E-B881-B7E5EAC1530C}" dt="2022-07-17T16:46:14.882" v="9401" actId="478"/>
-          <ac:spMkLst>
-            <pc:docMk/>
-            <pc:sldMk cId="3383878795" sldId="277"/>
-            <ac:spMk id="26" creationId="{71F36E78-1095-967D-CEC7-08DA1ED846D0}"/>
-          </ac:spMkLst>
-        </pc:spChg>
-        <pc:spChg chg="add mod ord">
-          <ac:chgData name="김소희" userId="292a1162-0793-4577-a94d-2dae0dfa5995" providerId="ADAL" clId="{56FB9BA8-8618-469E-B881-B7E5EAC1530C}" dt="2022-07-17T18:01:25.036" v="10818" actId="1035"/>
-          <ac:spMkLst>
-            <pc:docMk/>
-            <pc:sldMk cId="3383878795" sldId="277"/>
-            <ac:spMk id="28" creationId="{6EBF89F1-86DC-39FD-C56C-3F3A9A830943}"/>
-          </ac:spMkLst>
-        </pc:spChg>
-        <pc:spChg chg="add mod">
-          <ac:chgData name="김소희" userId="292a1162-0793-4577-a94d-2dae0dfa5995" providerId="ADAL" clId="{56FB9BA8-8618-469E-B881-B7E5EAC1530C}" dt="2022-07-17T18:01:25.036" v="10818" actId="1035"/>
-          <ac:spMkLst>
-            <pc:docMk/>
-            <pc:sldMk cId="3383878795" sldId="277"/>
-            <ac:spMk id="29" creationId="{6249B86C-3C23-511D-2770-A42478CE3217}"/>
-          </ac:spMkLst>
-        </pc:spChg>
-        <pc:spChg chg="add mod">
-          <ac:chgData name="김소희" userId="292a1162-0793-4577-a94d-2dae0dfa5995" providerId="ADAL" clId="{56FB9BA8-8618-469E-B881-B7E5EAC1530C}" dt="2022-07-17T18:01:25.036" v="10818" actId="1035"/>
-          <ac:spMkLst>
-            <pc:docMk/>
-            <pc:sldMk cId="3383878795" sldId="277"/>
-            <ac:spMk id="30" creationId="{B2AA91B7-72B1-ABDC-4BCF-57BE5BD51013}"/>
-          </ac:spMkLst>
-        </pc:spChg>
-        <pc:spChg chg="add mod">
-          <ac:chgData name="김소희" userId="292a1162-0793-4577-a94d-2dae0dfa5995" providerId="ADAL" clId="{56FB9BA8-8618-469E-B881-B7E5EAC1530C}" dt="2022-07-17T18:01:25.036" v="10818" actId="1035"/>
-          <ac:spMkLst>
-            <pc:docMk/>
-            <pc:sldMk cId="3383878795" sldId="277"/>
-            <ac:spMk id="31" creationId="{7A525C70-5F9D-B1F1-61D5-A1C4B8DED67B}"/>
-          </ac:spMkLst>
-        </pc:spChg>
-        <pc:spChg chg="mod">
-          <ac:chgData name="김소희" userId="292a1162-0793-4577-a94d-2dae0dfa5995" providerId="ADAL" clId="{56FB9BA8-8618-469E-B881-B7E5EAC1530C}" dt="2022-07-17T17:38:23.319" v="10038"/>
-          <ac:spMkLst>
-            <pc:docMk/>
-            <pc:sldMk cId="3383878795" sldId="277"/>
-            <ac:spMk id="34" creationId="{5947AAC9-A86B-D2E1-EED3-62D6F3AE330C}"/>
-          </ac:spMkLst>
-        </pc:spChg>
-        <pc:spChg chg="mod">
-          <ac:chgData name="김소희" userId="292a1162-0793-4577-a94d-2dae0dfa5995" providerId="ADAL" clId="{56FB9BA8-8618-469E-B881-B7E5EAC1530C}" dt="2022-07-17T17:38:23.319" v="10038"/>
-          <ac:spMkLst>
-            <pc:docMk/>
-            <pc:sldMk cId="3383878795" sldId="277"/>
-            <ac:spMk id="35" creationId="{A445B665-69E7-4729-BD82-A1CE0FD5227C}"/>
-          </ac:spMkLst>
-        </pc:spChg>
-        <pc:spChg chg="mod">
-          <ac:chgData name="김소희" userId="292a1162-0793-4577-a94d-2dae0dfa5995" providerId="ADAL" clId="{56FB9BA8-8618-469E-B881-B7E5EAC1530C}" dt="2022-07-17T17:38:23.319" v="10038"/>
-          <ac:spMkLst>
-            <pc:docMk/>
-            <pc:sldMk cId="3383878795" sldId="277"/>
-            <ac:spMk id="36" creationId="{6F07D7F1-76AE-F30F-CB80-B9D92EAD262A}"/>
-          </ac:spMkLst>
-        </pc:spChg>
-        <pc:spChg chg="mod">
-          <ac:chgData name="김소희" userId="292a1162-0793-4577-a94d-2dae0dfa5995" providerId="ADAL" clId="{56FB9BA8-8618-469E-B881-B7E5EAC1530C}" dt="2022-07-17T17:38:23.319" v="10038"/>
-          <ac:spMkLst>
-            <pc:docMk/>
-            <pc:sldMk cId="3383878795" sldId="277"/>
-            <ac:spMk id="37" creationId="{5B3FF7ED-3EB3-C792-622E-F1D96E145238}"/>
-          </ac:spMkLst>
-        </pc:spChg>
-        <pc:spChg chg="mod">
-          <ac:chgData name="김소희" userId="292a1162-0793-4577-a94d-2dae0dfa5995" providerId="ADAL" clId="{56FB9BA8-8618-469E-B881-B7E5EAC1530C}" dt="2022-07-17T17:38:23.319" v="10038"/>
-          <ac:spMkLst>
-            <pc:docMk/>
-            <pc:sldMk cId="3383878795" sldId="277"/>
-            <ac:spMk id="38" creationId="{D6C6E2BA-7D67-E8C0-4608-F022DB8AD646}"/>
-          </ac:spMkLst>
-        </pc:spChg>
-        <pc:spChg chg="mod">
-          <ac:chgData name="김소희" userId="292a1162-0793-4577-a94d-2dae0dfa5995" providerId="ADAL" clId="{56FB9BA8-8618-469E-B881-B7E5EAC1530C}" dt="2022-07-17T17:38:23.319" v="10038"/>
-          <ac:spMkLst>
-            <pc:docMk/>
-            <pc:sldMk cId="3383878795" sldId="277"/>
-            <ac:spMk id="39" creationId="{A82197B3-9FDB-B9EC-5CD1-783DA88454CB}"/>
-          </ac:spMkLst>
-        </pc:spChg>
-        <pc:grpChg chg="del">
-          <ac:chgData name="김소희" userId="292a1162-0793-4577-a94d-2dae0dfa5995" providerId="ADAL" clId="{56FB9BA8-8618-469E-B881-B7E5EAC1530C}" dt="2022-07-17T16:46:14.882" v="9401" actId="478"/>
-          <ac:grpSpMkLst>
-            <pc:docMk/>
-            <pc:sldMk cId="3383878795" sldId="277"/>
-            <ac:grpSpMk id="27" creationId="{681B5E7D-412A-2C70-35A9-A23437D4A309}"/>
-          </ac:grpSpMkLst>
-        </pc:grpChg>
-        <pc:grpChg chg="add del mod">
-          <ac:chgData name="김소희" userId="292a1162-0793-4577-a94d-2dae0dfa5995" providerId="ADAL" clId="{56FB9BA8-8618-469E-B881-B7E5EAC1530C}" dt="2022-07-17T17:38:33.524" v="10043"/>
-          <ac:grpSpMkLst>
-            <pc:docMk/>
-            <pc:sldMk cId="3383878795" sldId="277"/>
-            <ac:grpSpMk id="32" creationId="{A6AB966E-C514-0231-34A0-EC3CF8FB1709}"/>
-          </ac:grpSpMkLst>
-        </pc:grpChg>
-        <pc:picChg chg="del">
-          <ac:chgData name="김소희" userId="292a1162-0793-4577-a94d-2dae0dfa5995" providerId="ADAL" clId="{56FB9BA8-8618-469E-B881-B7E5EAC1530C}" dt="2022-07-17T16:46:14.882" v="9401" actId="478"/>
-          <ac:picMkLst>
-            <pc:docMk/>
-            <pc:sldMk cId="3383878795" sldId="277"/>
-            <ac:picMk id="5" creationId="{E8F30DDB-AE88-CFA5-CD61-27A40D2A07D2}"/>
-          </ac:picMkLst>
-        </pc:picChg>
-        <pc:picChg chg="add mod">
-          <ac:chgData name="김소희" userId="292a1162-0793-4577-a94d-2dae0dfa5995" providerId="ADAL" clId="{56FB9BA8-8618-469E-B881-B7E5EAC1530C}" dt="2022-07-17T18:01:25.036" v="10818" actId="1035"/>
-          <ac:picMkLst>
-            <pc:docMk/>
-            <pc:sldMk cId="3383878795" sldId="277"/>
-            <ac:picMk id="12" creationId="{578ACBF1-4819-2E3C-F2B5-88BE628E11D6}"/>
-          </ac:picMkLst>
-        </pc:picChg>
-        <pc:picChg chg="del">
-          <ac:chgData name="김소희" userId="292a1162-0793-4577-a94d-2dae0dfa5995" providerId="ADAL" clId="{56FB9BA8-8618-469E-B881-B7E5EAC1530C}" dt="2022-07-17T16:46:14.882" v="9401" actId="478"/>
-          <ac:picMkLst>
-            <pc:docMk/>
-            <pc:sldMk cId="3383878795" sldId="277"/>
-            <ac:picMk id="19" creationId="{6A93AB8A-D3A3-C7ED-3788-8493A84CF8E9}"/>
-          </ac:picMkLst>
-        </pc:picChg>
-        <pc:picChg chg="del">
-          <ac:chgData name="김소희" userId="292a1162-0793-4577-a94d-2dae0dfa5995" providerId="ADAL" clId="{56FB9BA8-8618-469E-B881-B7E5EAC1530C}" dt="2022-07-17T16:46:14.882" v="9401" actId="478"/>
-          <ac:picMkLst>
-            <pc:docMk/>
-            <pc:sldMk cId="3383878795" sldId="277"/>
-            <ac:picMk id="21" creationId="{A7F40CE3-2DC3-B0E4-0BE4-65F3270EDB70}"/>
-          </ac:picMkLst>
-        </pc:picChg>
-        <pc:picChg chg="mod">
-          <ac:chgData name="김소희" userId="292a1162-0793-4577-a94d-2dae0dfa5995" providerId="ADAL" clId="{56FB9BA8-8618-469E-B881-B7E5EAC1530C}" dt="2022-07-17T17:38:23.319" v="10038"/>
-          <ac:picMkLst>
-            <pc:docMk/>
-            <pc:sldMk cId="3383878795" sldId="277"/>
-            <ac:picMk id="33" creationId="{3E828213-7BFF-4428-259C-15D0F341C145}"/>
-          </ac:picMkLst>
-        </pc:picChg>
-        <pc:picChg chg="add mod">
-          <ac:chgData name="김소희" userId="292a1162-0793-4577-a94d-2dae0dfa5995" providerId="ADAL" clId="{56FB9BA8-8618-469E-B881-B7E5EAC1530C}" dt="2022-07-17T18:01:25.036" v="10818" actId="1035"/>
-          <ac:picMkLst>
-            <pc:docMk/>
-            <pc:sldMk cId="3383878795" sldId="277"/>
-            <ac:picMk id="40" creationId="{5526943C-6091-5D89-05BA-82DF089B1ABF}"/>
-          </ac:picMkLst>
-        </pc:picChg>
-        <pc:cxnChg chg="del">
-          <ac:chgData name="김소희" userId="292a1162-0793-4577-a94d-2dae0dfa5995" providerId="ADAL" clId="{56FB9BA8-8618-469E-B881-B7E5EAC1530C}" dt="2022-07-17T16:46:14.882" v="9401" actId="478"/>
-          <ac:cxnSpMkLst>
-            <pc:docMk/>
-            <pc:sldMk cId="3383878795" sldId="277"/>
-            <ac:cxnSpMk id="6" creationId="{03B84DCD-352B-3C31-B6BF-C75E728F04AE}"/>
-          </ac:cxnSpMkLst>
-        </pc:cxnChg>
-      </pc:sldChg>
-      <pc:sldChg chg="addSp delSp modSp add mod">
-        <pc:chgData name="김소희" userId="292a1162-0793-4577-a94d-2dae0dfa5995" providerId="ADAL" clId="{56FB9BA8-8618-469E-B881-B7E5EAC1530C}" dt="2022-07-19T05:40:02.707" v="15227" actId="1076"/>
-        <pc:sldMkLst>
-          <pc:docMk/>
-          <pc:sldMk cId="2345294917" sldId="278"/>
-        </pc:sldMkLst>
-        <pc:spChg chg="mod">
-          <ac:chgData name="김소희" userId="292a1162-0793-4577-a94d-2dae0dfa5995" providerId="ADAL" clId="{56FB9BA8-8618-469E-B881-B7E5EAC1530C}" dt="2022-07-17T17:43:48.400" v="10180" actId="207"/>
-          <ac:spMkLst>
-            <pc:docMk/>
-            <pc:sldMk cId="2345294917" sldId="278"/>
-            <ac:spMk id="7" creationId="{5FF834EC-C667-129F-6DE7-24EC80562A9F}"/>
-          </ac:spMkLst>
-        </pc:spChg>
-        <pc:spChg chg="mod">
-          <ac:chgData name="김소희" userId="292a1162-0793-4577-a94d-2dae0dfa5995" providerId="ADAL" clId="{56FB9BA8-8618-469E-B881-B7E5EAC1530C}" dt="2022-07-17T17:53:57.501" v="10634" actId="1035"/>
-          <ac:spMkLst>
-            <pc:docMk/>
-            <pc:sldMk cId="2345294917" sldId="278"/>
-            <ac:spMk id="8" creationId="{9530C086-2C13-F035-575F-854F651D3568}"/>
-          </ac:spMkLst>
-        </pc:spChg>
-        <pc:spChg chg="add mod">
-          <ac:chgData name="김소희" userId="292a1162-0793-4577-a94d-2dae0dfa5995" providerId="ADAL" clId="{56FB9BA8-8618-469E-B881-B7E5EAC1530C}" dt="2022-07-17T17:48:11.066" v="10324" actId="1076"/>
-          <ac:spMkLst>
-            <pc:docMk/>
-            <pc:sldMk cId="2345294917" sldId="278"/>
-            <ac:spMk id="13" creationId="{2DC24430-A795-C1F9-99A2-7E72233BE090}"/>
-          </ac:spMkLst>
-        </pc:spChg>
-        <pc:spChg chg="add mod">
-          <ac:chgData name="김소희" userId="292a1162-0793-4577-a94d-2dae0dfa5995" providerId="ADAL" clId="{56FB9BA8-8618-469E-B881-B7E5EAC1530C}" dt="2022-07-17T18:02:37.659" v="10826" actId="207"/>
-          <ac:spMkLst>
-            <pc:docMk/>
-            <pc:sldMk cId="2345294917" sldId="278"/>
-            <ac:spMk id="19" creationId="{4FF4ADFA-322F-20B3-6C50-164BDE56FBFB}"/>
-          </ac:spMkLst>
-        </pc:spChg>
-        <pc:spChg chg="add mod">
-          <ac:chgData name="김소희" userId="292a1162-0793-4577-a94d-2dae0dfa5995" providerId="ADAL" clId="{56FB9BA8-8618-469E-B881-B7E5EAC1530C}" dt="2022-07-19T05:39:55.536" v="15226" actId="1076"/>
-          <ac:spMkLst>
-            <pc:docMk/>
-            <pc:sldMk cId="2345294917" sldId="278"/>
-            <ac:spMk id="20" creationId="{2A88B6F0-F1A3-3EB0-F98F-3E9B6246ECDC}"/>
-          </ac:spMkLst>
-        </pc:spChg>
-        <pc:spChg chg="add mod">
-          <ac:chgData name="김소희" userId="292a1162-0793-4577-a94d-2dae0dfa5995" providerId="ADAL" clId="{56FB9BA8-8618-469E-B881-B7E5EAC1530C}" dt="2022-07-19T05:39:53.383" v="15225" actId="1076"/>
-          <ac:spMkLst>
-            <pc:docMk/>
-            <pc:sldMk cId="2345294917" sldId="278"/>
-            <ac:spMk id="21" creationId="{6587A468-4DC2-7013-5085-A2201E83F6C2}"/>
-          </ac:spMkLst>
-        </pc:spChg>
-        <pc:spChg chg="add mod">
-          <ac:chgData name="김소희" userId="292a1162-0793-4577-a94d-2dae0dfa5995" providerId="ADAL" clId="{56FB9BA8-8618-469E-B881-B7E5EAC1530C}" dt="2022-07-17T17:58:59.884" v="10794" actId="1076"/>
-          <ac:spMkLst>
-            <pc:docMk/>
-            <pc:sldMk cId="2345294917" sldId="278"/>
-            <ac:spMk id="22" creationId="{3DE0E977-7298-303C-F83E-DAFBB7734624}"/>
-          </ac:spMkLst>
-        </pc:spChg>
-        <pc:spChg chg="add mod">
-          <ac:chgData name="김소희" userId="292a1162-0793-4577-a94d-2dae0dfa5995" providerId="ADAL" clId="{56FB9BA8-8618-469E-B881-B7E5EAC1530C}" dt="2022-07-17T18:17:45.443" v="11371" actId="207"/>
-          <ac:spMkLst>
-            <pc:docMk/>
-            <pc:sldMk cId="2345294917" sldId="278"/>
-            <ac:spMk id="23" creationId="{0BD9ED52-1BDE-D4EF-17D7-E1409A486AFA}"/>
-          </ac:spMkLst>
-        </pc:spChg>
-        <pc:spChg chg="del">
-          <ac:chgData name="김소희" userId="292a1162-0793-4577-a94d-2dae0dfa5995" providerId="ADAL" clId="{56FB9BA8-8618-469E-B881-B7E5EAC1530C}" dt="2022-07-17T17:41:33.676" v="10112" actId="478"/>
-          <ac:spMkLst>
-            <pc:docMk/>
-            <pc:sldMk cId="2345294917" sldId="278"/>
-            <ac:spMk id="28" creationId="{6EBF89F1-86DC-39FD-C56C-3F3A9A830943}"/>
-          </ac:spMkLst>
-        </pc:spChg>
-        <pc:spChg chg="del">
-          <ac:chgData name="김소희" userId="292a1162-0793-4577-a94d-2dae0dfa5995" providerId="ADAL" clId="{56FB9BA8-8618-469E-B881-B7E5EAC1530C}" dt="2022-07-17T17:41:33.676" v="10112" actId="478"/>
-          <ac:spMkLst>
-            <pc:docMk/>
-            <pc:sldMk cId="2345294917" sldId="278"/>
-            <ac:spMk id="29" creationId="{6249B86C-3C23-511D-2770-A42478CE3217}"/>
-          </ac:spMkLst>
-        </pc:spChg>
-        <pc:spChg chg="del">
-          <ac:chgData name="김소희" userId="292a1162-0793-4577-a94d-2dae0dfa5995" providerId="ADAL" clId="{56FB9BA8-8618-469E-B881-B7E5EAC1530C}" dt="2022-07-17T17:41:30.473" v="10110" actId="478"/>
-          <ac:spMkLst>
-            <pc:docMk/>
-            <pc:sldMk cId="2345294917" sldId="278"/>
-            <ac:spMk id="30" creationId="{B2AA91B7-72B1-ABDC-4BCF-57BE5BD51013}"/>
-          </ac:spMkLst>
-        </pc:spChg>
-        <pc:spChg chg="del mod">
-          <ac:chgData name="김소희" userId="292a1162-0793-4577-a94d-2dae0dfa5995" providerId="ADAL" clId="{56FB9BA8-8618-469E-B881-B7E5EAC1530C}" dt="2022-07-17T17:41:33.676" v="10112" actId="478"/>
-          <ac:spMkLst>
-            <pc:docMk/>
-            <pc:sldMk cId="2345294917" sldId="278"/>
-            <ac:spMk id="31" creationId="{7A525C70-5F9D-B1F1-61D5-A1C4B8DED67B}"/>
-          </ac:spMkLst>
-        </pc:spChg>
-        <pc:picChg chg="add mod">
-          <ac:chgData name="김소희" userId="292a1162-0793-4577-a94d-2dae0dfa5995" providerId="ADAL" clId="{56FB9BA8-8618-469E-B881-B7E5EAC1530C}" dt="2022-07-17T17:57:00.708" v="10776" actId="1076"/>
-          <ac:picMkLst>
-            <pc:docMk/>
-            <pc:sldMk cId="2345294917" sldId="278"/>
-            <ac:picMk id="4" creationId="{16159F1E-26A0-D02C-E556-EE6E3AB94E91}"/>
-          </ac:picMkLst>
-        </pc:picChg>
-        <pc:picChg chg="add mod">
-          <ac:chgData name="김소희" userId="292a1162-0793-4577-a94d-2dae0dfa5995" providerId="ADAL" clId="{56FB9BA8-8618-469E-B881-B7E5EAC1530C}" dt="2022-07-17T18:14:26.109" v="11278" actId="208"/>
-          <ac:picMkLst>
-            <pc:docMk/>
-            <pc:sldMk cId="2345294917" sldId="278"/>
-            <ac:picMk id="6" creationId="{C993ECB8-9226-FB24-DBB7-AA219BFAA484}"/>
-          </ac:picMkLst>
-        </pc:picChg>
-        <pc:picChg chg="add mod">
-          <ac:chgData name="김소희" userId="292a1162-0793-4577-a94d-2dae0dfa5995" providerId="ADAL" clId="{56FB9BA8-8618-469E-B881-B7E5EAC1530C}" dt="2022-07-19T05:40:02.707" v="15227" actId="1076"/>
-          <ac:picMkLst>
-            <pc:docMk/>
-            <pc:sldMk cId="2345294917" sldId="278"/>
-            <ac:picMk id="11" creationId="{0AF44DA9-DFB7-8FEB-36E8-8FC44A08F72F}"/>
-          </ac:picMkLst>
-        </pc:picChg>
-        <pc:picChg chg="del">
-          <ac:chgData name="김소희" userId="292a1162-0793-4577-a94d-2dae0dfa5995" providerId="ADAL" clId="{56FB9BA8-8618-469E-B881-B7E5EAC1530C}" dt="2022-07-17T17:41:33.676" v="10112" actId="478"/>
-          <ac:picMkLst>
-            <pc:docMk/>
-            <pc:sldMk cId="2345294917" sldId="278"/>
-            <ac:picMk id="12" creationId="{578ACBF1-4819-2E3C-F2B5-88BE628E11D6}"/>
-          </ac:picMkLst>
-        </pc:picChg>
-        <pc:picChg chg="del">
-          <ac:chgData name="김소희" userId="292a1162-0793-4577-a94d-2dae0dfa5995" providerId="ADAL" clId="{56FB9BA8-8618-469E-B881-B7E5EAC1530C}" dt="2022-07-17T17:41:34.605" v="10113" actId="478"/>
-          <ac:picMkLst>
-            <pc:docMk/>
-            <pc:sldMk cId="2345294917" sldId="278"/>
-            <ac:picMk id="40" creationId="{5526943C-6091-5D89-05BA-82DF089B1ABF}"/>
-          </ac:picMkLst>
-        </pc:picChg>
-        <pc:cxnChg chg="add mod">
-          <ac:chgData name="김소희" userId="292a1162-0793-4577-a94d-2dae0dfa5995" providerId="ADAL" clId="{56FB9BA8-8618-469E-B881-B7E5EAC1530C}" dt="2022-07-17T17:58:12.952" v="10782" actId="208"/>
-          <ac:cxnSpMkLst>
-            <pc:docMk/>
-            <pc:sldMk cId="2345294917" sldId="278"/>
-            <ac:cxnSpMk id="15" creationId="{82AA8975-E961-9A8E-7799-F336C3C931D4}"/>
-          </ac:cxnSpMkLst>
-        </pc:cxnChg>
-      </pc:sldChg>
-      <pc:sldChg chg="addSp delSp modSp add mod modNotesTx">
-        <pc:chgData name="김소희" userId="292a1162-0793-4577-a94d-2dae0dfa5995" providerId="ADAL" clId="{56FB9BA8-8618-469E-B881-B7E5EAC1530C}" dt="2022-07-18T06:05:37.851" v="13468"/>
-        <pc:sldMkLst>
-          <pc:docMk/>
-          <pc:sldMk cId="2498032575" sldId="279"/>
-        </pc:sldMkLst>
-        <pc:spChg chg="add mod">
-          <ac:chgData name="김소희" userId="292a1162-0793-4577-a94d-2dae0dfa5995" providerId="ADAL" clId="{56FB9BA8-8618-469E-B881-B7E5EAC1530C}" dt="2022-07-17T18:17:09.678" v="11366" actId="1076"/>
-          <ac:spMkLst>
-            <pc:docMk/>
-            <pc:sldMk cId="2498032575" sldId="279"/>
-            <ac:spMk id="6" creationId="{A2CB003F-D844-B99C-7E75-945E120257C4}"/>
-          </ac:spMkLst>
-        </pc:spChg>
-        <pc:spChg chg="mod">
-          <ac:chgData name="김소희" userId="292a1162-0793-4577-a94d-2dae0dfa5995" providerId="ADAL" clId="{56FB9BA8-8618-469E-B881-B7E5EAC1530C}" dt="2022-07-17T17:43:50.087" v="10181" actId="207"/>
-          <ac:spMkLst>
-            <pc:docMk/>
-            <pc:sldMk cId="2498032575" sldId="279"/>
-            <ac:spMk id="7" creationId="{5FF834EC-C667-129F-6DE7-24EC80562A9F}"/>
-          </ac:spMkLst>
-        </pc:spChg>
-        <pc:spChg chg="mod">
-          <ac:chgData name="김소희" userId="292a1162-0793-4577-a94d-2dae0dfa5995" providerId="ADAL" clId="{56FB9BA8-8618-469E-B881-B7E5EAC1530C}" dt="2022-07-17T17:54:00.446" v="10639" actId="1035"/>
-          <ac:spMkLst>
-            <pc:docMk/>
-            <pc:sldMk cId="2498032575" sldId="279"/>
-            <ac:spMk id="8" creationId="{9530C086-2C13-F035-575F-854F651D3568}"/>
-          </ac:spMkLst>
-        </pc:spChg>
-        <pc:spChg chg="add mod">
-          <ac:chgData name="김소희" userId="292a1162-0793-4577-a94d-2dae0dfa5995" providerId="ADAL" clId="{56FB9BA8-8618-469E-B881-B7E5EAC1530C}" dt="2022-07-17T18:12:49.943" v="11218" actId="1076"/>
-          <ac:spMkLst>
-            <pc:docMk/>
-            <pc:sldMk cId="2498032575" sldId="279"/>
-            <ac:spMk id="10" creationId="{5F1BA15A-1876-3192-AA7B-41DE490C8684}"/>
-          </ac:spMkLst>
-        </pc:spChg>
-        <pc:spChg chg="add mod">
-          <ac:chgData name="김소희" userId="292a1162-0793-4577-a94d-2dae0dfa5995" providerId="ADAL" clId="{56FB9BA8-8618-469E-B881-B7E5EAC1530C}" dt="2022-07-17T18:17:29.553" v="11370" actId="207"/>
-          <ac:spMkLst>
-            <pc:docMk/>
-            <pc:sldMk cId="2498032575" sldId="279"/>
-            <ac:spMk id="13" creationId="{1505F85D-4E18-42FC-726C-028A2BD784F5}"/>
-          </ac:spMkLst>
-        </pc:spChg>
-        <pc:spChg chg="add mod">
-          <ac:chgData name="김소희" userId="292a1162-0793-4577-a94d-2dae0dfa5995" providerId="ADAL" clId="{56FB9BA8-8618-469E-B881-B7E5EAC1530C}" dt="2022-07-17T18:15:27.264" v="11314" actId="1035"/>
-          <ac:spMkLst>
-            <pc:docMk/>
-            <pc:sldMk cId="2498032575" sldId="279"/>
-            <ac:spMk id="15" creationId="{DB3305B8-8FCF-CEC6-8B05-78E28D18BD38}"/>
-          </ac:spMkLst>
-        </pc:spChg>
-        <pc:spChg chg="add mod">
-          <ac:chgData name="김소희" userId="292a1162-0793-4577-a94d-2dae0dfa5995" providerId="ADAL" clId="{56FB9BA8-8618-469E-B881-B7E5EAC1530C}" dt="2022-07-17T18:17:49.678" v="11372" actId="207"/>
-          <ac:spMkLst>
-            <pc:docMk/>
-            <pc:sldMk cId="2498032575" sldId="279"/>
-            <ac:spMk id="16" creationId="{ABAD0C93-F92D-5C4B-7E51-7694EB790562}"/>
-          </ac:spMkLst>
-        </pc:spChg>
-        <pc:picChg chg="add mod">
-          <ac:chgData name="김소희" userId="292a1162-0793-4577-a94d-2dae0dfa5995" providerId="ADAL" clId="{56FB9BA8-8618-469E-B881-B7E5EAC1530C}" dt="2022-07-17T18:15:27.264" v="11314" actId="1035"/>
-          <ac:picMkLst>
-            <pc:docMk/>
-            <pc:sldMk cId="2498032575" sldId="279"/>
-            <ac:picMk id="4" creationId="{B1C51329-4F1D-5F31-19F1-EF5FC16F2EFF}"/>
-          </ac:picMkLst>
-        </pc:picChg>
-        <pc:picChg chg="add mod modCrop">
-          <ac:chgData name="김소희" userId="292a1162-0793-4577-a94d-2dae0dfa5995" providerId="ADAL" clId="{56FB9BA8-8618-469E-B881-B7E5EAC1530C}" dt="2022-07-17T18:00:59.301" v="10805" actId="1076"/>
-          <ac:picMkLst>
-            <pc:docMk/>
-            <pc:sldMk cId="2498032575" sldId="279"/>
-            <ac:picMk id="11" creationId="{B5958A8B-865C-EA87-50E7-B2145B4099BA}"/>
-          </ac:picMkLst>
-        </pc:picChg>
-        <pc:picChg chg="add mod">
-          <ac:chgData name="김소희" userId="292a1162-0793-4577-a94d-2dae0dfa5995" providerId="ADAL" clId="{56FB9BA8-8618-469E-B881-B7E5EAC1530C}" dt="2022-07-17T18:15:45.872" v="11315" actId="14100"/>
-          <ac:picMkLst>
-            <pc:docMk/>
-            <pc:sldMk cId="2498032575" sldId="279"/>
-            <ac:picMk id="12" creationId="{4E0DA67B-AAA0-B116-BE93-7FA3C2ADCCF8}"/>
-          </ac:picMkLst>
-        </pc:picChg>
-        <pc:picChg chg="add del mod">
-          <ac:chgData name="김소희" userId="292a1162-0793-4577-a94d-2dae0dfa5995" providerId="ADAL" clId="{56FB9BA8-8618-469E-B881-B7E5EAC1530C}" dt="2022-07-17T18:11:40.635" v="11072" actId="478"/>
-          <ac:picMkLst>
-            <pc:docMk/>
-            <pc:sldMk cId="2498032575" sldId="279"/>
-            <ac:picMk id="14" creationId="{AB13C3F1-9690-29A5-1F54-A5EE44DE024F}"/>
-          </ac:picMkLst>
-        </pc:picChg>
-      </pc:sldChg>
-      <pc:sldChg chg="addSp delSp modSp add mod modNotesTx">
-        <pc:chgData name="김소희" userId="292a1162-0793-4577-a94d-2dae0dfa5995" providerId="ADAL" clId="{56FB9BA8-8618-469E-B881-B7E5EAC1530C}" dt="2022-07-18T07:21:50.942" v="14105" actId="1037"/>
-        <pc:sldMkLst>
-          <pc:docMk/>
-          <pc:sldMk cId="706761807" sldId="280"/>
-        </pc:sldMkLst>
-        <pc:spChg chg="mod">
-          <ac:chgData name="김소희" userId="292a1162-0793-4577-a94d-2dae0dfa5995" providerId="ADAL" clId="{56FB9BA8-8618-469E-B881-B7E5EAC1530C}" dt="2022-07-17T18:18:15.873" v="11397" actId="20577"/>
-          <ac:spMkLst>
-            <pc:docMk/>
-            <pc:sldMk cId="706761807" sldId="280"/>
-            <ac:spMk id="2" creationId="{5C386871-B092-6B43-A8DA-B84A6CCCC7F5}"/>
-          </ac:spMkLst>
-        </pc:spChg>
-        <pc:spChg chg="add mod">
-          <ac:chgData name="김소희" userId="292a1162-0793-4577-a94d-2dae0dfa5995" providerId="ADAL" clId="{56FB9BA8-8618-469E-B881-B7E5EAC1530C}" dt="2022-07-18T07:21:27.843" v="14092" actId="1076"/>
-          <ac:spMkLst>
-            <pc:docMk/>
-            <pc:sldMk cId="706761807" sldId="280"/>
-            <ac:spMk id="5" creationId="{07969C9B-CED3-4E10-6AC1-4A89CC0710A1}"/>
-          </ac:spMkLst>
-        </pc:spChg>
-        <pc:spChg chg="del">
-          <ac:chgData name="김소희" userId="292a1162-0793-4577-a94d-2dae0dfa5995" providerId="ADAL" clId="{56FB9BA8-8618-469E-B881-B7E5EAC1530C}" dt="2022-07-17T18:18:08.503" v="11374" actId="478"/>
-          <ac:spMkLst>
-            <pc:docMk/>
-            <pc:sldMk cId="706761807" sldId="280"/>
-            <ac:spMk id="6" creationId="{A2CB003F-D844-B99C-7E75-945E120257C4}"/>
-          </ac:spMkLst>
-        </pc:spChg>
-        <pc:spChg chg="add mod">
-          <ac:chgData name="김소희" userId="292a1162-0793-4577-a94d-2dae0dfa5995" providerId="ADAL" clId="{56FB9BA8-8618-469E-B881-B7E5EAC1530C}" dt="2022-07-18T07:21:48.540" v="14100" actId="1037"/>
-          <ac:spMkLst>
-            <pc:docMk/>
-            <pc:sldMk cId="706761807" sldId="280"/>
-            <ac:spMk id="6" creationId="{BF22174C-FE65-8F5C-23A4-CEE86E4EE7B2}"/>
-          </ac:spMkLst>
-        </pc:spChg>
-        <pc:spChg chg="mod">
-          <ac:chgData name="김소희" userId="292a1162-0793-4577-a94d-2dae0dfa5995" providerId="ADAL" clId="{56FB9BA8-8618-469E-B881-B7E5EAC1530C}" dt="2022-07-18T07:21:17.808" v="14090" actId="1035"/>
-          <ac:spMkLst>
-            <pc:docMk/>
-            <pc:sldMk cId="706761807" sldId="280"/>
-            <ac:spMk id="7" creationId="{5FF834EC-C667-129F-6DE7-24EC80562A9F}"/>
-          </ac:spMkLst>
-        </pc:spChg>
-        <pc:spChg chg="add mod">
-          <ac:chgData name="김소희" userId="292a1162-0793-4577-a94d-2dae0dfa5995" providerId="ADAL" clId="{56FB9BA8-8618-469E-B881-B7E5EAC1530C}" dt="2022-07-18T07:21:50.942" v="14105" actId="1037"/>
-          <ac:spMkLst>
-            <pc:docMk/>
-            <pc:sldMk cId="706761807" sldId="280"/>
-            <ac:spMk id="8" creationId="{0BCB3254-0204-A594-6121-B571C1233A20}"/>
-          </ac:spMkLst>
-        </pc:spChg>
-        <pc:spChg chg="del">
-          <ac:chgData name="김소희" userId="292a1162-0793-4577-a94d-2dae0dfa5995" providerId="ADAL" clId="{56FB9BA8-8618-469E-B881-B7E5EAC1530C}" dt="2022-07-17T18:18:08.503" v="11374" actId="478"/>
-          <ac:spMkLst>
-            <pc:docMk/>
-            <pc:sldMk cId="706761807" sldId="280"/>
-            <ac:spMk id="8" creationId="{9530C086-2C13-F035-575F-854F651D3568}"/>
-          </ac:spMkLst>
-        </pc:spChg>
-        <pc:spChg chg="add mod">
-          <ac:chgData name="김소희" userId="292a1162-0793-4577-a94d-2dae0dfa5995" providerId="ADAL" clId="{56FB9BA8-8618-469E-B881-B7E5EAC1530C}" dt="2022-07-18T07:14:38.506" v="13933" actId="1076"/>
-          <ac:spMkLst>
-            <pc:docMk/>
-            <pc:sldMk cId="706761807" sldId="280"/>
-            <ac:spMk id="10" creationId="{3EE173F4-387B-DFCF-4930-ADE398C6A763}"/>
-          </ac:spMkLst>
-        </pc:spChg>
-        <pc:spChg chg="del">
-          <ac:chgData name="김소희" userId="292a1162-0793-4577-a94d-2dae0dfa5995" providerId="ADAL" clId="{56FB9BA8-8618-469E-B881-B7E5EAC1530C}" dt="2022-07-17T18:18:08.503" v="11374" actId="478"/>
-          <ac:spMkLst>
-            <pc:docMk/>
-            <pc:sldMk cId="706761807" sldId="280"/>
-            <ac:spMk id="10" creationId="{5F1BA15A-1876-3192-AA7B-41DE490C8684}"/>
-          </ac:spMkLst>
-        </pc:spChg>
-        <pc:spChg chg="add del mod">
-          <ac:chgData name="김소희" userId="292a1162-0793-4577-a94d-2dae0dfa5995" providerId="ADAL" clId="{56FB9BA8-8618-469E-B881-B7E5EAC1530C}" dt="2022-07-18T05:47:56.763" v="12563"/>
-          <ac:spMkLst>
-            <pc:docMk/>
-            <pc:sldMk cId="706761807" sldId="280"/>
-            <ac:spMk id="11" creationId="{311A97C1-C6D6-FB16-046B-6587C881399E}"/>
-          </ac:spMkLst>
-        </pc:spChg>
-        <pc:spChg chg="del">
-          <ac:chgData name="김소희" userId="292a1162-0793-4577-a94d-2dae0dfa5995" providerId="ADAL" clId="{56FB9BA8-8618-469E-B881-B7E5EAC1530C}" dt="2022-07-17T18:18:08.503" v="11374" actId="478"/>
-          <ac:spMkLst>
-            <pc:docMk/>
-            <pc:sldMk cId="706761807" sldId="280"/>
-            <ac:spMk id="13" creationId="{1505F85D-4E18-42FC-726C-028A2BD784F5}"/>
-          </ac:spMkLst>
-        </pc:spChg>
-        <pc:spChg chg="del">
-          <ac:chgData name="김소희" userId="292a1162-0793-4577-a94d-2dae0dfa5995" providerId="ADAL" clId="{56FB9BA8-8618-469E-B881-B7E5EAC1530C}" dt="2022-07-17T18:18:08.503" v="11374" actId="478"/>
-          <ac:spMkLst>
-            <pc:docMk/>
-            <pc:sldMk cId="706761807" sldId="280"/>
-            <ac:spMk id="15" creationId="{DB3305B8-8FCF-CEC6-8B05-78E28D18BD38}"/>
-          </ac:spMkLst>
-        </pc:spChg>
-        <pc:spChg chg="del">
-          <ac:chgData name="김소희" userId="292a1162-0793-4577-a94d-2dae0dfa5995" providerId="ADAL" clId="{56FB9BA8-8618-469E-B881-B7E5EAC1530C}" dt="2022-07-17T18:18:08.503" v="11374" actId="478"/>
-          <ac:spMkLst>
-            <pc:docMk/>
-            <pc:sldMk cId="706761807" sldId="280"/>
-            <ac:spMk id="16" creationId="{ABAD0C93-F92D-5C4B-7E51-7694EB790562}"/>
-          </ac:spMkLst>
-        </pc:spChg>
-        <pc:picChg chg="del">
-          <ac:chgData name="김소희" userId="292a1162-0793-4577-a94d-2dae0dfa5995" providerId="ADAL" clId="{56FB9BA8-8618-469E-B881-B7E5EAC1530C}" dt="2022-07-17T18:18:08.503" v="11374" actId="478"/>
-          <ac:picMkLst>
-            <pc:docMk/>
-            <pc:sldMk cId="706761807" sldId="280"/>
-            <ac:picMk id="4" creationId="{B1C51329-4F1D-5F31-19F1-EF5FC16F2EFF}"/>
-          </ac:picMkLst>
-        </pc:picChg>
-        <pc:picChg chg="del">
-          <ac:chgData name="김소희" userId="292a1162-0793-4577-a94d-2dae0dfa5995" providerId="ADAL" clId="{56FB9BA8-8618-469E-B881-B7E5EAC1530C}" dt="2022-07-17T18:18:09.221" v="11375" actId="478"/>
-          <ac:picMkLst>
-            <pc:docMk/>
-            <pc:sldMk cId="706761807" sldId="280"/>
-            <ac:picMk id="11" creationId="{B5958A8B-865C-EA87-50E7-B2145B4099BA}"/>
-          </ac:picMkLst>
-        </pc:picChg>
-        <pc:picChg chg="del">
-          <ac:chgData name="김소희" userId="292a1162-0793-4577-a94d-2dae0dfa5995" providerId="ADAL" clId="{56FB9BA8-8618-469E-B881-B7E5EAC1530C}" dt="2022-07-17T18:18:08.503" v="11374" actId="478"/>
-          <ac:picMkLst>
-            <pc:docMk/>
-            <pc:sldMk cId="706761807" sldId="280"/>
-            <ac:picMk id="12" creationId="{4E0DA67B-AAA0-B116-BE93-7FA3C2ADCCF8}"/>
-          </ac:picMkLst>
-        </pc:picChg>
-        <pc:picChg chg="add mod">
-          <ac:chgData name="김소희" userId="292a1162-0793-4577-a94d-2dae0dfa5995" providerId="ADAL" clId="{56FB9BA8-8618-469E-B881-B7E5EAC1530C}" dt="2022-07-18T07:14:47.648" v="13934" actId="14100"/>
-          <ac:picMkLst>
-            <pc:docMk/>
-            <pc:sldMk cId="706761807" sldId="280"/>
-            <ac:picMk id="2050" creationId="{7512299E-CA36-287D-8340-06C50C5D4F9E}"/>
-          </ac:picMkLst>
-        </pc:picChg>
-      </pc:sldChg>
-      <pc:sldChg chg="addSp delSp modSp add mod modNotesTx">
-        <pc:chgData name="김소희" userId="292a1162-0793-4577-a94d-2dae0dfa5995" providerId="ADAL" clId="{56FB9BA8-8618-469E-B881-B7E5EAC1530C}" dt="2022-07-19T05:41:17.232" v="15231" actId="207"/>
-        <pc:sldMkLst>
-          <pc:docMk/>
-          <pc:sldMk cId="298544368" sldId="281"/>
-        </pc:sldMkLst>
-        <pc:spChg chg="add mod">
-          <ac:chgData name="김소희" userId="292a1162-0793-4577-a94d-2dae0dfa5995" providerId="ADAL" clId="{56FB9BA8-8618-469E-B881-B7E5EAC1530C}" dt="2022-07-18T07:42:04.938" v="14530" actId="1076"/>
-          <ac:spMkLst>
-            <pc:docMk/>
-            <pc:sldMk cId="298544368" sldId="281"/>
-            <ac:spMk id="5" creationId="{8A62A27D-5B39-023B-8274-C267E1AD80A5}"/>
-          </ac:spMkLst>
-        </pc:spChg>
-        <pc:spChg chg="mod">
-          <ac:chgData name="김소희" userId="292a1162-0793-4577-a94d-2dae0dfa5995" providerId="ADAL" clId="{56FB9BA8-8618-469E-B881-B7E5EAC1530C}" dt="2022-07-18T07:22:11.685" v="14120" actId="1035"/>
-          <ac:spMkLst>
-            <pc:docMk/>
-            <pc:sldMk cId="298544368" sldId="281"/>
-            <ac:spMk id="7" creationId="{5FF834EC-C667-129F-6DE7-24EC80562A9F}"/>
-          </ac:spMkLst>
-        </pc:spChg>
-        <pc:spChg chg="add mod">
-          <ac:chgData name="김소희" userId="292a1162-0793-4577-a94d-2dae0dfa5995" providerId="ADAL" clId="{56FB9BA8-8618-469E-B881-B7E5EAC1530C}" dt="2022-07-18T07:42:09.079" v="14531" actId="1076"/>
-          <ac:spMkLst>
-            <pc:docMk/>
-            <pc:sldMk cId="298544368" sldId="281"/>
-            <ac:spMk id="10" creationId="{8DFDB6E9-CCC3-8E83-9F1E-CD433C536AF4}"/>
-          </ac:spMkLst>
-        </pc:spChg>
-        <pc:spChg chg="add mod">
-          <ac:chgData name="김소희" userId="292a1162-0793-4577-a94d-2dae0dfa5995" providerId="ADAL" clId="{56FB9BA8-8618-469E-B881-B7E5EAC1530C}" dt="2022-07-18T07:42:27.731" v="14536" actId="1076"/>
-          <ac:spMkLst>
-            <pc:docMk/>
-            <pc:sldMk cId="298544368" sldId="281"/>
-            <ac:spMk id="11" creationId="{872B8FC4-67C5-CC5E-DA26-30F6C4E252E9}"/>
-          </ac:spMkLst>
-        </pc:spChg>
-        <pc:spChg chg="add mod">
-          <ac:chgData name="김소희" userId="292a1162-0793-4577-a94d-2dae0dfa5995" providerId="ADAL" clId="{56FB9BA8-8618-469E-B881-B7E5EAC1530C}" dt="2022-07-19T05:41:17.232" v="15231" actId="207"/>
-          <ac:spMkLst>
-            <pc:docMk/>
-            <pc:sldMk cId="298544368" sldId="281"/>
-            <ac:spMk id="12" creationId="{837DF62E-A419-EA53-4393-D770C5FA647D}"/>
-          </ac:spMkLst>
-        </pc:spChg>
-        <pc:picChg chg="add mod">
-          <ac:chgData name="김소희" userId="292a1162-0793-4577-a94d-2dae0dfa5995" providerId="ADAL" clId="{56FB9BA8-8618-469E-B881-B7E5EAC1530C}" dt="2022-07-18T07:42:31.616" v="14537" actId="1076"/>
-          <ac:picMkLst>
-            <pc:docMk/>
-            <pc:sldMk cId="298544368" sldId="281"/>
-            <ac:picMk id="4" creationId="{CA1FF9BD-956F-8439-2287-120D4CA4B0F0}"/>
-          </ac:picMkLst>
-        </pc:picChg>
-        <pc:picChg chg="add del mod">
-          <ac:chgData name="김소희" userId="292a1162-0793-4577-a94d-2dae0dfa5995" providerId="ADAL" clId="{56FB9BA8-8618-469E-B881-B7E5EAC1530C}" dt="2022-07-18T07:41:49.822" v="14523" actId="478"/>
-          <ac:picMkLst>
-            <pc:docMk/>
-            <pc:sldMk cId="298544368" sldId="281"/>
-            <ac:picMk id="8" creationId="{AE3CA713-90C9-AFA4-0B8A-68F9397A7118}"/>
-          </ac:picMkLst>
-        </pc:picChg>
-        <pc:picChg chg="add mod">
-          <ac:chgData name="김소희" userId="292a1162-0793-4577-a94d-2dae0dfa5995" providerId="ADAL" clId="{56FB9BA8-8618-469E-B881-B7E5EAC1530C}" dt="2022-07-18T07:42:19.600" v="14534" actId="1076"/>
-          <ac:picMkLst>
-            <pc:docMk/>
-            <pc:sldMk cId="298544368" sldId="281"/>
-            <ac:picMk id="13" creationId="{172A6EDF-BDD7-6B59-12D2-0D3CDFA35BA9}"/>
-          </ac:picMkLst>
-        </pc:picChg>
-      </pc:sldChg>
-      <pc:sldChg chg="addSp delSp modSp add mod modNotesTx">
-        <pc:chgData name="김소희" userId="292a1162-0793-4577-a94d-2dae0dfa5995" providerId="ADAL" clId="{56FB9BA8-8618-469E-B881-B7E5EAC1530C}" dt="2022-07-18T08:10:01.082" v="15222" actId="1076"/>
-        <pc:sldMkLst>
-          <pc:docMk/>
-          <pc:sldMk cId="3341805491" sldId="282"/>
-        </pc:sldMkLst>
-        <pc:spChg chg="mod">
-          <ac:chgData name="김소희" userId="292a1162-0793-4577-a94d-2dae0dfa5995" providerId="ADAL" clId="{56FB9BA8-8618-469E-B881-B7E5EAC1530C}" dt="2022-07-18T07:57:46.777" v="14877" actId="1076"/>
-          <ac:spMkLst>
-            <pc:docMk/>
-            <pc:sldMk cId="3341805491" sldId="282"/>
-            <ac:spMk id="7" creationId="{5FF834EC-C667-129F-6DE7-24EC80562A9F}"/>
-          </ac:spMkLst>
-        </pc:spChg>
-        <pc:spChg chg="mod">
-          <ac:chgData name="김소희" userId="292a1162-0793-4577-a94d-2dae0dfa5995" providerId="ADAL" clId="{56FB9BA8-8618-469E-B881-B7E5EAC1530C}" dt="2022-07-18T07:55:56.606" v="14875" actId="14100"/>
-          <ac:spMkLst>
-            <pc:docMk/>
-            <pc:sldMk cId="3341805491" sldId="282"/>
-            <ac:spMk id="9" creationId="{4E262F7D-1CD2-9678-413C-EB257F68A044}"/>
-          </ac:spMkLst>
-        </pc:spChg>
-        <pc:spChg chg="add mod">
-          <ac:chgData name="김소희" userId="292a1162-0793-4577-a94d-2dae0dfa5995" providerId="ADAL" clId="{56FB9BA8-8618-469E-B881-B7E5EAC1530C}" dt="2022-07-18T08:09:54.136" v="15219" actId="1035"/>
-          <ac:spMkLst>
-            <pc:docMk/>
-            <pc:sldMk cId="3341805491" sldId="282"/>
-            <ac:spMk id="10" creationId="{0315E5D6-EE09-FB46-7FE3-BA94A4A968B2}"/>
-          </ac:spMkLst>
-        </pc:spChg>
-        <pc:spChg chg="add mod">
-          <ac:chgData name="김소희" userId="292a1162-0793-4577-a94d-2dae0dfa5995" providerId="ADAL" clId="{56FB9BA8-8618-469E-B881-B7E5EAC1530C}" dt="2022-07-18T08:09:54.136" v="15219" actId="1035"/>
-          <ac:spMkLst>
-            <pc:docMk/>
-            <pc:sldMk cId="3341805491" sldId="282"/>
-            <ac:spMk id="11" creationId="{A7790D7A-D678-3139-6DC4-7DEC46CE66B3}"/>
-          </ac:spMkLst>
-        </pc:spChg>
-        <pc:spChg chg="add mod">
-          <ac:chgData name="김소희" userId="292a1162-0793-4577-a94d-2dae0dfa5995" providerId="ADAL" clId="{56FB9BA8-8618-469E-B881-B7E5EAC1530C}" dt="2022-07-18T08:09:54.136" v="15219" actId="1035"/>
-          <ac:spMkLst>
-            <pc:docMk/>
-            <pc:sldMk cId="3341805491" sldId="282"/>
-            <ac:spMk id="12" creationId="{40EC1D8C-9479-C382-0FCA-2D2C523AD5D7}"/>
-          </ac:spMkLst>
-        </pc:spChg>
-        <pc:spChg chg="add mod">
-          <ac:chgData name="김소희" userId="292a1162-0793-4577-a94d-2dae0dfa5995" providerId="ADAL" clId="{56FB9BA8-8618-469E-B881-B7E5EAC1530C}" dt="2022-07-18T08:09:54.136" v="15219" actId="1035"/>
-          <ac:spMkLst>
-            <pc:docMk/>
-            <pc:sldMk cId="3341805491" sldId="282"/>
-            <ac:spMk id="13" creationId="{7E5D850C-3126-3A83-C1B6-A3E51B2D39C2}"/>
-          </ac:spMkLst>
-        </pc:spChg>
-        <pc:spChg chg="add mod">
-          <ac:chgData name="김소희" userId="292a1162-0793-4577-a94d-2dae0dfa5995" providerId="ADAL" clId="{56FB9BA8-8618-469E-B881-B7E5EAC1530C}" dt="2022-07-18T08:09:54.136" v="15219" actId="1035"/>
-          <ac:spMkLst>
-            <pc:docMk/>
-            <pc:sldMk cId="3341805491" sldId="282"/>
-            <ac:spMk id="14" creationId="{F8D60F50-BA1F-012D-2515-471E26C62E23}"/>
-          </ac:spMkLst>
-        </pc:spChg>
-        <pc:spChg chg="add mod">
-          <ac:chgData name="김소희" userId="292a1162-0793-4577-a94d-2dae0dfa5995" providerId="ADAL" clId="{56FB9BA8-8618-469E-B881-B7E5EAC1530C}" dt="2022-07-18T08:09:54.136" v="15219" actId="1035"/>
-          <ac:spMkLst>
-            <pc:docMk/>
-            <pc:sldMk cId="3341805491" sldId="282"/>
-            <ac:spMk id="15" creationId="{1B600DE8-2C40-6AB7-574A-580049264DA3}"/>
-          </ac:spMkLst>
-        </pc:spChg>
-        <pc:spChg chg="add mod">
-          <ac:chgData name="김소희" userId="292a1162-0793-4577-a94d-2dae0dfa5995" providerId="ADAL" clId="{56FB9BA8-8618-469E-B881-B7E5EAC1530C}" dt="2022-07-18T08:09:54.136" v="15219" actId="1035"/>
-          <ac:spMkLst>
-            <pc:docMk/>
-            <pc:sldMk cId="3341805491" sldId="282"/>
-            <ac:spMk id="16" creationId="{14329310-FF14-709D-421D-F55594E4F2B4}"/>
-          </ac:spMkLst>
-        </pc:spChg>
-        <pc:spChg chg="add mod">
-          <ac:chgData name="김소희" userId="292a1162-0793-4577-a94d-2dae0dfa5995" providerId="ADAL" clId="{56FB9BA8-8618-469E-B881-B7E5EAC1530C}" dt="2022-07-18T07:58:29.074" v="14927" actId="20577"/>
-          <ac:spMkLst>
-            <pc:docMk/>
-            <pc:sldMk cId="3341805491" sldId="282"/>
-            <ac:spMk id="17" creationId="{96C045DA-AAC5-0D63-E63E-C080093A386F}"/>
-          </ac:spMkLst>
-        </pc:spChg>
-        <pc:spChg chg="add mod">
-          <ac:chgData name="김소희" userId="292a1162-0793-4577-a94d-2dae0dfa5995" providerId="ADAL" clId="{56FB9BA8-8618-469E-B881-B7E5EAC1530C}" dt="2022-07-18T08:10:01.082" v="15222" actId="1076"/>
-          <ac:spMkLst>
-            <pc:docMk/>
-            <pc:sldMk cId="3341805491" sldId="282"/>
-            <ac:spMk id="18" creationId="{0A66A598-E3C1-83A6-054B-E7EE3AAAEE20}"/>
-          </ac:spMkLst>
-        </pc:spChg>
-        <pc:spChg chg="add del">
-          <ac:chgData name="김소희" userId="292a1162-0793-4577-a94d-2dae0dfa5995" providerId="ADAL" clId="{56FB9BA8-8618-469E-B881-B7E5EAC1530C}" dt="2022-07-18T07:59:27.247" v="14948" actId="22"/>
-          <ac:spMkLst>
-            <pc:docMk/>
-            <pc:sldMk cId="3341805491" sldId="282"/>
-            <ac:spMk id="19" creationId="{781594CD-2030-7E57-BEBB-EEDFD7239184}"/>
-          </ac:spMkLst>
-        </pc:spChg>
-        <pc:spChg chg="add mod">
-          <ac:chgData name="김소희" userId="292a1162-0793-4577-a94d-2dae0dfa5995" providerId="ADAL" clId="{56FB9BA8-8618-469E-B881-B7E5EAC1530C}" dt="2022-07-18T08:09:54.136" v="15219" actId="1035"/>
-          <ac:spMkLst>
-            <pc:docMk/>
-            <pc:sldMk cId="3341805491" sldId="282"/>
-            <ac:spMk id="20" creationId="{46037585-3C71-F7F9-3B07-E137D87B4796}"/>
-          </ac:spMkLst>
-        </pc:spChg>
-        <pc:picChg chg="add mod modCrop">
-          <ac:chgData name="김소희" userId="292a1162-0793-4577-a94d-2dae0dfa5995" providerId="ADAL" clId="{56FB9BA8-8618-469E-B881-B7E5EAC1530C}" dt="2022-07-18T08:09:54.136" v="15219" actId="1035"/>
-          <ac:picMkLst>
-            <pc:docMk/>
-            <pc:sldMk cId="3341805491" sldId="282"/>
-            <ac:picMk id="4" creationId="{8D039AB4-5B46-0D6A-EE04-207F9A59E863}"/>
-          </ac:picMkLst>
-        </pc:picChg>
-        <pc:picChg chg="add mod modCrop">
-          <ac:chgData name="김소희" userId="292a1162-0793-4577-a94d-2dae0dfa5995" providerId="ADAL" clId="{56FB9BA8-8618-469E-B881-B7E5EAC1530C}" dt="2022-07-18T07:58:09.835" v="14893" actId="1076"/>
-          <ac:picMkLst>
-            <pc:docMk/>
-            <pc:sldMk cId="3341805491" sldId="282"/>
-            <ac:picMk id="6" creationId="{C78A8068-87A9-65DB-F981-00D272048007}"/>
-          </ac:picMkLst>
-        </pc:picChg>
-        <pc:picChg chg="add mod">
-          <ac:chgData name="김소희" userId="292a1162-0793-4577-a94d-2dae0dfa5995" providerId="ADAL" clId="{56FB9BA8-8618-469E-B881-B7E5EAC1530C}" dt="2022-07-18T08:09:58.748" v="15221" actId="1076"/>
-          <ac:picMkLst>
-            <pc:docMk/>
-            <pc:sldMk cId="3341805491" sldId="282"/>
-            <ac:picMk id="21" creationId="{1CCCC015-C1E4-2CC9-327F-DA5FA01BE713}"/>
-          </ac:picMkLst>
-        </pc:picChg>
-        <pc:picChg chg="add mod">
-          <ac:chgData name="김소희" userId="292a1162-0793-4577-a94d-2dae0dfa5995" providerId="ADAL" clId="{56FB9BA8-8618-469E-B881-B7E5EAC1530C}" dt="2022-07-18T08:09:57.100" v="15220" actId="1076"/>
-          <ac:picMkLst>
-            <pc:docMk/>
-            <pc:sldMk cId="3341805491" sldId="282"/>
-            <ac:picMk id="22" creationId="{26C14469-54EE-8277-DF83-4BD67F0CBB36}"/>
-          </ac:picMkLst>
-        </pc:picChg>
-      </pc:sldChg>
-      <pc:sldChg chg="addSp delSp modSp add mod modNotesTx">
-        <pc:chgData name="김소희" userId="292a1162-0793-4577-a94d-2dae0dfa5995" providerId="ADAL" clId="{56FB9BA8-8618-469E-B881-B7E5EAC1530C}" dt="2022-07-19T05:43:20.955" v="15316" actId="20577"/>
-        <pc:sldMkLst>
-          <pc:docMk/>
-          <pc:sldMk cId="3162282273" sldId="283"/>
-        </pc:sldMkLst>
-        <pc:spChg chg="mod">
-          <ac:chgData name="김소희" userId="292a1162-0793-4577-a94d-2dae0dfa5995" providerId="ADAL" clId="{56FB9BA8-8618-469E-B881-B7E5EAC1530C}" dt="2022-07-18T07:29:38.618" v="14267" actId="20577"/>
-          <ac:spMkLst>
-            <pc:docMk/>
-            <pc:sldMk cId="3162282273" sldId="283"/>
-            <ac:spMk id="2" creationId="{5C386871-B092-6B43-A8DA-B84A6CCCC7F5}"/>
-          </ac:spMkLst>
-        </pc:spChg>
-        <pc:spChg chg="add mod">
-          <ac:chgData name="김소희" userId="292a1162-0793-4577-a94d-2dae0dfa5995" providerId="ADAL" clId="{56FB9BA8-8618-469E-B881-B7E5EAC1530C}" dt="2022-07-18T07:43:25.408" v="14545" actId="14100"/>
-          <ac:spMkLst>
-            <pc:docMk/>
-            <pc:sldMk cId="3162282273" sldId="283"/>
-            <ac:spMk id="6" creationId="{57192B6A-465D-7C65-4BC7-5189ED235F22}"/>
-          </ac:spMkLst>
-        </pc:spChg>
-        <pc:spChg chg="del mod">
-          <ac:chgData name="김소희" userId="292a1162-0793-4577-a94d-2dae0dfa5995" providerId="ADAL" clId="{56FB9BA8-8618-469E-B881-B7E5EAC1530C}" dt="2022-07-18T07:29:44.352" v="14269" actId="478"/>
-          <ac:spMkLst>
-            <pc:docMk/>
-            <pc:sldMk cId="3162282273" sldId="283"/>
-            <ac:spMk id="7" creationId="{5FF834EC-C667-129F-6DE7-24EC80562A9F}"/>
-          </ac:spMkLst>
-        </pc:spChg>
-        <pc:spChg chg="add mod">
-          <ac:chgData name="김소희" userId="292a1162-0793-4577-a94d-2dae0dfa5995" providerId="ADAL" clId="{56FB9BA8-8618-469E-B881-B7E5EAC1530C}" dt="2022-07-19T05:43:20.955" v="15316" actId="20577"/>
-          <ac:spMkLst>
-            <pc:docMk/>
-            <pc:sldMk cId="3162282273" sldId="283"/>
-            <ac:spMk id="10" creationId="{B3DB1977-7503-E6F5-CD75-D940B5E28872}"/>
-          </ac:spMkLst>
-        </pc:spChg>
-        <pc:picChg chg="del">
-          <ac:chgData name="김소희" userId="292a1162-0793-4577-a94d-2dae0dfa5995" providerId="ADAL" clId="{56FB9BA8-8618-469E-B881-B7E5EAC1530C}" dt="2022-07-18T05:19:44.993" v="11477" actId="478"/>
-          <ac:picMkLst>
-            <pc:docMk/>
-            <pc:sldMk cId="3162282273" sldId="283"/>
-            <ac:picMk id="4" creationId="{8D039AB4-5B46-0D6A-EE04-207F9A59E863}"/>
-          </ac:picMkLst>
-        </pc:picChg>
-        <pc:picChg chg="add mod ord">
-          <ac:chgData name="김소희" userId="292a1162-0793-4577-a94d-2dae0dfa5995" providerId="ADAL" clId="{56FB9BA8-8618-469E-B881-B7E5EAC1530C}" dt="2022-07-18T07:43:41.561" v="14550" actId="1076"/>
-          <ac:picMkLst>
-            <pc:docMk/>
-            <pc:sldMk cId="3162282273" sldId="283"/>
-            <ac:picMk id="5" creationId="{82221CB0-3BF4-7144-7C5F-210C558F5E0C}"/>
-          </ac:picMkLst>
-        </pc:picChg>
-        <pc:picChg chg="add mod">
-          <ac:chgData name="김소희" userId="292a1162-0793-4577-a94d-2dae0dfa5995" providerId="ADAL" clId="{56FB9BA8-8618-469E-B881-B7E5EAC1530C}" dt="2022-07-18T07:43:43.496" v="14551" actId="1076"/>
-          <ac:picMkLst>
-            <pc:docMk/>
-            <pc:sldMk cId="3162282273" sldId="283"/>
-            <ac:picMk id="11" creationId="{D50E5684-2ACA-94F8-327D-0A513508D713}"/>
-          </ac:picMkLst>
-        </pc:picChg>
-      </pc:sldChg>
-      <pc:sldChg chg="addSp delSp modSp add mod modNotesTx">
-        <pc:chgData name="김소희" userId="292a1162-0793-4577-a94d-2dae0dfa5995" providerId="ADAL" clId="{56FB9BA8-8618-469E-B881-B7E5EAC1530C}" dt="2022-07-19T05:40:57.299" v="15230" actId="1076"/>
-        <pc:sldMkLst>
-          <pc:docMk/>
-          <pc:sldMk cId="270594255" sldId="284"/>
-        </pc:sldMkLst>
-        <pc:spChg chg="del">
-          <ac:chgData name="김소희" userId="292a1162-0793-4577-a94d-2dae0dfa5995" providerId="ADAL" clId="{56FB9BA8-8618-469E-B881-B7E5EAC1530C}" dt="2022-07-18T05:52:26.584" v="12842" actId="478"/>
-          <ac:spMkLst>
-            <pc:docMk/>
-            <pc:sldMk cId="270594255" sldId="284"/>
-            <ac:spMk id="5" creationId="{07969C9B-CED3-4E10-6AC1-4A89CC0710A1}"/>
-          </ac:spMkLst>
-        </pc:spChg>
-        <pc:spChg chg="mod">
-          <ac:chgData name="김소희" userId="292a1162-0793-4577-a94d-2dae0dfa5995" providerId="ADAL" clId="{56FB9BA8-8618-469E-B881-B7E5EAC1530C}" dt="2022-07-18T07:22:00.633" v="14109" actId="1076"/>
-          <ac:spMkLst>
-            <pc:docMk/>
-            <pc:sldMk cId="270594255" sldId="284"/>
-            <ac:spMk id="6" creationId="{BF22174C-FE65-8F5C-23A4-CEE86E4EE7B2}"/>
-          </ac:spMkLst>
-        </pc:spChg>
-        <pc:spChg chg="del">
-          <ac:chgData name="김소희" userId="292a1162-0793-4577-a94d-2dae0dfa5995" providerId="ADAL" clId="{56FB9BA8-8618-469E-B881-B7E5EAC1530C}" dt="2022-07-18T07:21:55.960" v="14106" actId="478"/>
-          <ac:spMkLst>
-            <pc:docMk/>
-            <pc:sldMk cId="270594255" sldId="284"/>
-            <ac:spMk id="7" creationId="{5FF834EC-C667-129F-6DE7-24EC80562A9F}"/>
-          </ac:spMkLst>
-        </pc:spChg>
-        <pc:spChg chg="del">
-          <ac:chgData name="김소희" userId="292a1162-0793-4577-a94d-2dae0dfa5995" providerId="ADAL" clId="{56FB9BA8-8618-469E-B881-B7E5EAC1530C}" dt="2022-07-18T05:52:27.530" v="12843" actId="478"/>
-          <ac:spMkLst>
-            <pc:docMk/>
-            <pc:sldMk cId="270594255" sldId="284"/>
-            <ac:spMk id="8" creationId="{0BCB3254-0204-A594-6121-B571C1233A20}"/>
-          </ac:spMkLst>
-        </pc:spChg>
-        <pc:spChg chg="mod">
-          <ac:chgData name="김소희" userId="292a1162-0793-4577-a94d-2dae0dfa5995" providerId="ADAL" clId="{56FB9BA8-8618-469E-B881-B7E5EAC1530C}" dt="2022-07-18T07:22:04.700" v="14110" actId="1076"/>
-          <ac:spMkLst>
-            <pc:docMk/>
-            <pc:sldMk cId="270594255" sldId="284"/>
-            <ac:spMk id="10" creationId="{3EE173F4-387B-DFCF-4930-ADE398C6A763}"/>
-          </ac:spMkLst>
-        </pc:spChg>
-        <pc:spChg chg="add mod">
-          <ac:chgData name="김소희" userId="292a1162-0793-4577-a94d-2dae0dfa5995" providerId="ADAL" clId="{56FB9BA8-8618-469E-B881-B7E5EAC1530C}" dt="2022-07-18T06:12:14.633" v="13694" actId="20577"/>
-          <ac:spMkLst>
-            <pc:docMk/>
-            <pc:sldMk cId="270594255" sldId="284"/>
-            <ac:spMk id="11" creationId="{4CBAB280-9E43-F6BD-D5AE-D896D42224E1}"/>
-          </ac:spMkLst>
-        </pc:spChg>
-        <pc:spChg chg="add mod">
-          <ac:chgData name="김소희" userId="292a1162-0793-4577-a94d-2dae0dfa5995" providerId="ADAL" clId="{56FB9BA8-8618-469E-B881-B7E5EAC1530C}" dt="2022-07-19T05:40:43.286" v="15228" actId="14100"/>
-          <ac:spMkLst>
-            <pc:docMk/>
-            <pc:sldMk cId="270594255" sldId="284"/>
-            <ac:spMk id="12" creationId="{96E3FED2-8A59-4C85-6052-003B77488F26}"/>
-          </ac:spMkLst>
-        </pc:spChg>
-        <pc:spChg chg="add mod">
-          <ac:chgData name="김소희" userId="292a1162-0793-4577-a94d-2dae0dfa5995" providerId="ADAL" clId="{56FB9BA8-8618-469E-B881-B7E5EAC1530C}" dt="2022-07-19T05:40:57.299" v="15230" actId="1076"/>
-          <ac:spMkLst>
-            <pc:docMk/>
-            <pc:sldMk cId="270594255" sldId="284"/>
-            <ac:spMk id="14" creationId="{AB866497-41F7-1D57-0B08-4FED33301F6C}"/>
-          </ac:spMkLst>
-        </pc:spChg>
-        <pc:spChg chg="add mod">
-          <ac:chgData name="김소희" userId="292a1162-0793-4577-a94d-2dae0dfa5995" providerId="ADAL" clId="{56FB9BA8-8618-469E-B881-B7E5EAC1530C}" dt="2022-07-18T07:51:21.532" v="14816" actId="207"/>
-          <ac:spMkLst>
-            <pc:docMk/>
-            <pc:sldMk cId="270594255" sldId="284"/>
-            <ac:spMk id="15" creationId="{D8F22C53-3630-5A0F-A312-B39C51D4987F}"/>
-          </ac:spMkLst>
-        </pc:spChg>
-        <pc:spChg chg="add mod">
-          <ac:chgData name="김소희" userId="292a1162-0793-4577-a94d-2dae0dfa5995" providerId="ADAL" clId="{56FB9BA8-8618-469E-B881-B7E5EAC1530C}" dt="2022-07-18T07:21:56.198" v="14107"/>
-          <ac:spMkLst>
-            <pc:docMk/>
-            <pc:sldMk cId="270594255" sldId="284"/>
-            <ac:spMk id="17" creationId="{5A4330A6-F6FC-5305-C262-FF7770664241}"/>
-          </ac:spMkLst>
-        </pc:spChg>
-        <pc:picChg chg="add mod">
-          <ac:chgData name="김소희" userId="292a1162-0793-4577-a94d-2dae0dfa5995" providerId="ADAL" clId="{56FB9BA8-8618-469E-B881-B7E5EAC1530C}" dt="2022-07-18T07:22:04.700" v="14110" actId="1076"/>
-          <ac:picMkLst>
-            <pc:docMk/>
-            <pc:sldMk cId="270594255" sldId="284"/>
-            <ac:picMk id="1026" creationId="{069C4F25-1ED0-7298-25A6-0FC9D2C8445B}"/>
-          </ac:picMkLst>
-        </pc:picChg>
-        <pc:picChg chg="add mod">
-          <ac:chgData name="김소희" userId="292a1162-0793-4577-a94d-2dae0dfa5995" providerId="ADAL" clId="{56FB9BA8-8618-469E-B881-B7E5EAC1530C}" dt="2022-07-18T06:56:54.685" v="13708" actId="1076"/>
-          <ac:picMkLst>
-            <pc:docMk/>
-            <pc:sldMk cId="270594255" sldId="284"/>
-            <ac:picMk id="1028" creationId="{203737A6-F53E-EEAC-A8C4-423F2DF2BB21}"/>
-          </ac:picMkLst>
-        </pc:picChg>
-        <pc:picChg chg="add mod">
-          <ac:chgData name="김소희" userId="292a1162-0793-4577-a94d-2dae0dfa5995" providerId="ADAL" clId="{56FB9BA8-8618-469E-B881-B7E5EAC1530C}" dt="2022-07-18T06:13:30.069" v="13703" actId="1076"/>
-          <ac:picMkLst>
-            <pc:docMk/>
-            <pc:sldMk cId="270594255" sldId="284"/>
-            <ac:picMk id="1030" creationId="{EDD43B3B-81D0-1375-5FAC-A89FB2138DFB}"/>
-          </ac:picMkLst>
-        </pc:picChg>
-        <pc:picChg chg="add mod">
-          <ac:chgData name="김소희" userId="292a1162-0793-4577-a94d-2dae0dfa5995" providerId="ADAL" clId="{56FB9BA8-8618-469E-B881-B7E5EAC1530C}" dt="2022-07-18T06:13:11.049" v="13698" actId="1076"/>
-          <ac:picMkLst>
-            <pc:docMk/>
-            <pc:sldMk cId="270594255" sldId="284"/>
-            <ac:picMk id="1032" creationId="{4486E9B8-F4B3-5FB4-F945-1265215DF60B}"/>
-          </ac:picMkLst>
-        </pc:picChg>
-      </pc:sldChg>
-      <pc:sldChg chg="addSp delSp modSp add mod modNotesTx">
-        <pc:chgData name="김소희" userId="292a1162-0793-4577-a94d-2dae0dfa5995" providerId="ADAL" clId="{56FB9BA8-8618-469E-B881-B7E5EAC1530C}" dt="2022-07-18T08:07:27.721" v="15162" actId="20577"/>
-        <pc:sldMkLst>
-          <pc:docMk/>
-          <pc:sldMk cId="3787048862" sldId="285"/>
-        </pc:sldMkLst>
-        <pc:spChg chg="mod">
-          <ac:chgData name="김소희" userId="292a1162-0793-4577-a94d-2dae0dfa5995" providerId="ADAL" clId="{56FB9BA8-8618-469E-B881-B7E5EAC1530C}" dt="2022-07-18T07:34:15.960" v="14402" actId="1076"/>
-          <ac:spMkLst>
-            <pc:docMk/>
-            <pc:sldMk cId="3787048862" sldId="285"/>
-            <ac:spMk id="5" creationId="{8A62A27D-5B39-023B-8274-C267E1AD80A5}"/>
-          </ac:spMkLst>
-        </pc:spChg>
-        <pc:spChg chg="del">
-          <ac:chgData name="김소희" userId="292a1162-0793-4577-a94d-2dae0dfa5995" providerId="ADAL" clId="{56FB9BA8-8618-469E-B881-B7E5EAC1530C}" dt="2022-07-18T07:22:24.488" v="14122" actId="478"/>
-          <ac:spMkLst>
-            <pc:docMk/>
-            <pc:sldMk cId="3787048862" sldId="285"/>
-            <ac:spMk id="7" creationId="{5FF834EC-C667-129F-6DE7-24EC80562A9F}"/>
-          </ac:spMkLst>
-        </pc:spChg>
-        <pc:spChg chg="mod">
-          <ac:chgData name="김소희" userId="292a1162-0793-4577-a94d-2dae0dfa5995" providerId="ADAL" clId="{56FB9BA8-8618-469E-B881-B7E5EAC1530C}" dt="2022-07-18T07:25:41.188" v="14242" actId="1076"/>
-          <ac:spMkLst>
-            <pc:docMk/>
-            <pc:sldMk cId="3787048862" sldId="285"/>
-            <ac:spMk id="10" creationId="{8DFDB6E9-CCC3-8E83-9F1E-CD433C536AF4}"/>
-          </ac:spMkLst>
-        </pc:spChg>
-        <pc:spChg chg="del mod">
-          <ac:chgData name="김소희" userId="292a1162-0793-4577-a94d-2dae0dfa5995" providerId="ADAL" clId="{56FB9BA8-8618-469E-B881-B7E5EAC1530C}" dt="2022-07-18T07:26:37.318" v="14246" actId="478"/>
-          <ac:spMkLst>
-            <pc:docMk/>
-            <pc:sldMk cId="3787048862" sldId="285"/>
-            <ac:spMk id="11" creationId="{872B8FC4-67C5-CC5E-DA26-30F6C4E252E9}"/>
-          </ac:spMkLst>
-        </pc:spChg>
-        <pc:spChg chg="mod">
-          <ac:chgData name="김소희" userId="292a1162-0793-4577-a94d-2dae0dfa5995" providerId="ADAL" clId="{56FB9BA8-8618-469E-B881-B7E5EAC1530C}" dt="2022-07-18T07:34:21.719" v="14403" actId="1076"/>
-          <ac:spMkLst>
-            <pc:docMk/>
-            <pc:sldMk cId="3787048862" sldId="285"/>
-            <ac:spMk id="12" creationId="{837DF62E-A419-EA53-4393-D770C5FA647D}"/>
-          </ac:spMkLst>
-        </pc:spChg>
-        <pc:spChg chg="add mod">
-          <ac:chgData name="김소희" userId="292a1162-0793-4577-a94d-2dae0dfa5995" providerId="ADAL" clId="{56FB9BA8-8618-469E-B881-B7E5EAC1530C}" dt="2022-07-18T07:22:28.685" v="14124" actId="1076"/>
-          <ac:spMkLst>
-            <pc:docMk/>
-            <pc:sldMk cId="3787048862" sldId="285"/>
-            <ac:spMk id="13" creationId="{B2A5C84C-A679-6B87-7F78-46C461D9C845}"/>
-          </ac:spMkLst>
-        </pc:spChg>
-        <pc:spChg chg="add mod">
-          <ac:chgData name="김소희" userId="292a1162-0793-4577-a94d-2dae0dfa5995" providerId="ADAL" clId="{56FB9BA8-8618-469E-B881-B7E5EAC1530C}" dt="2022-07-18T07:22:24.730" v="14123"/>
-          <ac:spMkLst>
-            <pc:docMk/>
-            <pc:sldMk cId="3787048862" sldId="285"/>
-            <ac:spMk id="16" creationId="{4577B740-1AF1-7CC2-2251-FA8E658EBFCB}"/>
-          </ac:spMkLst>
-        </pc:spChg>
-        <pc:spChg chg="add mod">
-          <ac:chgData name="김소희" userId="292a1162-0793-4577-a94d-2dae0dfa5995" providerId="ADAL" clId="{56FB9BA8-8618-469E-B881-B7E5EAC1530C}" dt="2022-07-18T07:44:15.508" v="14555" actId="1076"/>
-          <ac:spMkLst>
-            <pc:docMk/>
-            <pc:sldMk cId="3787048862" sldId="285"/>
-            <ac:spMk id="17" creationId="{D200BBC0-6ACC-9B41-8D14-0C7D86723C29}"/>
-          </ac:spMkLst>
-        </pc:spChg>
-        <pc:spChg chg="add mod">
-          <ac:chgData name="김소희" userId="292a1162-0793-4577-a94d-2dae0dfa5995" providerId="ADAL" clId="{56FB9BA8-8618-469E-B881-B7E5EAC1530C}" dt="2022-07-18T07:44:25.279" v="14557" actId="1076"/>
-          <ac:spMkLst>
-            <pc:docMk/>
-            <pc:sldMk cId="3787048862" sldId="285"/>
-            <ac:spMk id="18" creationId="{75774BA6-F708-4B24-3409-B7EE827802E6}"/>
-          </ac:spMkLst>
-        </pc:spChg>
-        <pc:spChg chg="add mod">
-          <ac:chgData name="김소희" userId="292a1162-0793-4577-a94d-2dae0dfa5995" providerId="ADAL" clId="{56FB9BA8-8618-469E-B881-B7E5EAC1530C}" dt="2022-07-18T07:44:15.508" v="14555" actId="1076"/>
-          <ac:spMkLst>
-            <pc:docMk/>
-            <pc:sldMk cId="3787048862" sldId="285"/>
-            <ac:spMk id="19" creationId="{06BE8D04-79BE-A5AD-BE10-211DAD98FADB}"/>
-          </ac:spMkLst>
-        </pc:spChg>
-        <pc:spChg chg="add del mod">
-          <ac:chgData name="김소희" userId="292a1162-0793-4577-a94d-2dae0dfa5995" providerId="ADAL" clId="{56FB9BA8-8618-469E-B881-B7E5EAC1530C}" dt="2022-07-18T07:44:00.832" v="14552" actId="478"/>
-          <ac:spMkLst>
-            <pc:docMk/>
-            <pc:sldMk cId="3787048862" sldId="285"/>
-            <ac:spMk id="20" creationId="{FAA72755-6C47-C6FC-ED48-4B02F1C952B3}"/>
-          </ac:spMkLst>
-        </pc:spChg>
-        <pc:picChg chg="del">
-          <ac:chgData name="김소희" userId="292a1162-0793-4577-a94d-2dae0dfa5995" providerId="ADAL" clId="{56FB9BA8-8618-469E-B881-B7E5EAC1530C}" dt="2022-07-18T07:19:14.575" v="14038" actId="478"/>
-          <ac:picMkLst>
-            <pc:docMk/>
-            <pc:sldMk cId="3787048862" sldId="285"/>
-            <ac:picMk id="4" creationId="{CA1FF9BD-956F-8439-2287-120D4CA4B0F0}"/>
-          </ac:picMkLst>
-        </pc:picChg>
-        <pc:picChg chg="add mod">
-          <ac:chgData name="김소희" userId="292a1162-0793-4577-a94d-2dae0dfa5995" providerId="ADAL" clId="{56FB9BA8-8618-469E-B881-B7E5EAC1530C}" dt="2022-07-18T07:25:42.995" v="14243" actId="1076"/>
-          <ac:picMkLst>
-            <pc:docMk/>
-            <pc:sldMk cId="3787048862" sldId="285"/>
-            <ac:picMk id="6" creationId="{7576E02A-4F7B-F91A-C864-2FBF2A93144B}"/>
-          </ac:picMkLst>
-        </pc:picChg>
-        <pc:picChg chg="del">
-          <ac:chgData name="김소희" userId="292a1162-0793-4577-a94d-2dae0dfa5995" providerId="ADAL" clId="{56FB9BA8-8618-469E-B881-B7E5EAC1530C}" dt="2022-07-18T07:19:14" v="14037" actId="478"/>
-          <ac:picMkLst>
-            <pc:docMk/>
-            <pc:sldMk cId="3787048862" sldId="285"/>
-            <ac:picMk id="8" creationId="{AE3CA713-90C9-AFA4-0B8A-68F9397A7118}"/>
-          </ac:picMkLst>
-        </pc:picChg>
-        <pc:picChg chg="add mod">
-          <ac:chgData name="김소희" userId="292a1162-0793-4577-a94d-2dae0dfa5995" providerId="ADAL" clId="{56FB9BA8-8618-469E-B881-B7E5EAC1530C}" dt="2022-07-18T07:26:28.220" v="14244" actId="14100"/>
-          <ac:picMkLst>
-            <pc:docMk/>
-            <pc:sldMk cId="3787048862" sldId="285"/>
-            <ac:picMk id="15" creationId="{6B5342E7-540E-EF39-A1D5-68D5C8E1658D}"/>
-          </ac:picMkLst>
-        </pc:picChg>
-      </pc:sldChg>
-      <pc:sldMasterChg chg="modSldLayout">
-        <pc:chgData name="김소희" userId="292a1162-0793-4577-a94d-2dae0dfa5995" providerId="ADAL" clId="{56FB9BA8-8618-469E-B881-B7E5EAC1530C}" dt="2022-07-18T08:57:43.951" v="15224" actId="20577"/>
-        <pc:sldMasterMkLst>
-          <pc:docMk/>
-          <pc:sldMasterMk cId="3910064173" sldId="2147483648"/>
-        </pc:sldMasterMkLst>
-        <pc:sldLayoutChg chg="modSp mod">
-          <pc:chgData name="김소희" userId="292a1162-0793-4577-a94d-2dae0dfa5995" providerId="ADAL" clId="{56FB9BA8-8618-469E-B881-B7E5EAC1530C}" dt="2022-07-18T08:57:43.951" v="15224" actId="20577"/>
-          <pc:sldLayoutMkLst>
-            <pc:docMk/>
-            <pc:sldMasterMk cId="3910064173" sldId="2147483648"/>
-            <pc:sldLayoutMk cId="2993821319" sldId="2147483650"/>
-          </pc:sldLayoutMkLst>
-          <pc:spChg chg="mod ord">
-            <ac:chgData name="김소희" userId="292a1162-0793-4577-a94d-2dae0dfa5995" providerId="ADAL" clId="{56FB9BA8-8618-469E-B881-B7E5EAC1530C}" dt="2022-07-18T08:57:43.951" v="15224" actId="20577"/>
-            <ac:spMkLst>
-              <pc:docMk/>
-              <pc:sldMasterMk cId="3910064173" sldId="2147483648"/>
-              <pc:sldLayoutMk cId="2993821319" sldId="2147483650"/>
-              <ac:spMk id="7" creationId="{C005384D-ECA5-527F-035D-4F18DB7E2A7F}"/>
             </ac:spMkLst>
           </pc:spChg>
         </pc:sldLayoutChg>
@@ -10134,7 +10134,7 @@
           <a:p>
             <a:fld id="{29915393-2112-49A2-83FA-09DE4C5B44F3}" type="datetimeFigureOut">
               <a:rPr lang="ko-KR" altLang="en-US" smtClean="0"/>
-              <a:t>2022-11-15</a:t>
+              <a:t>2022-11-16</a:t>
             </a:fld>
             <a:endParaRPr lang="ko-KR" altLang="en-US"/>
           </a:p>
@@ -10327,7 +10327,7 @@
           <a:p>
             <a:fld id="{3C68DF80-E33D-4369-8637-F89ABF057243}" type="datetimeFigureOut">
               <a:rPr lang="ko-KR" altLang="en-US" smtClean="0"/>
-              <a:t>2022-11-15</a:t>
+              <a:t>2022-11-16</a:t>
             </a:fld>
             <a:endParaRPr lang="ko-KR" altLang="en-US"/>
           </a:p>
@@ -13046,7 +13046,7 @@
           <a:p>
             <a:fld id="{63E8814C-6E53-4AF6-982F-4D0EFBD81B05}" type="datetimeFigureOut">
               <a:rPr lang="ko-KR" altLang="en-US" smtClean="0"/>
-              <a:t>2022-11-15</a:t>
+              <a:t>2022-11-16</a:t>
             </a:fld>
             <a:endParaRPr lang="ko-KR" altLang="en-US"/>
           </a:p>
@@ -13270,7 +13270,7 @@
           <a:p>
             <a:fld id="{63E8814C-6E53-4AF6-982F-4D0EFBD81B05}" type="datetimeFigureOut">
               <a:rPr lang="ko-KR" altLang="en-US" smtClean="0"/>
-              <a:t>2022-11-15</a:t>
+              <a:t>2022-11-16</a:t>
             </a:fld>
             <a:endParaRPr lang="ko-KR" altLang="en-US"/>
           </a:p>
@@ -13561,7 +13561,7 @@
           <a:p>
             <a:fld id="{63E8814C-6E53-4AF6-982F-4D0EFBD81B05}" type="datetimeFigureOut">
               <a:rPr lang="ko-KR" altLang="en-US" smtClean="0"/>
-              <a:t>2022-11-15</a:t>
+              <a:t>2022-11-16</a:t>
             </a:fld>
             <a:endParaRPr lang="ko-KR" altLang="en-US"/>
           </a:p>
@@ -20879,7 +20879,7 @@
         </p:blipFill>
         <p:spPr>
           <a:xfrm>
-            <a:off x="9927892" y="4405282"/>
+            <a:off x="9273132" y="4796585"/>
             <a:ext cx="4438878" cy="1682836"/>
           </a:xfrm>
           <a:prstGeom prst="rect">
@@ -20887,8 +20887,8 @@
           </a:prstGeom>
         </p:spPr>
       </p:pic>
-      <mc:AlternateContent xmlns:mc="http://schemas.openxmlformats.org/markup-compatibility/2006">
-        <mc:Choice xmlns:a14="http://schemas.microsoft.com/office/drawing/2010/main" Requires="a14">
+      <mc:AlternateContent xmlns:mc="http://schemas.openxmlformats.org/markup-compatibility/2006" xmlns:a14="http://schemas.microsoft.com/office/drawing/2010/main">
+        <mc:Choice Requires="a14">
           <p:sp>
             <p:nvSpPr>
               <p:cNvPr id="20" name="TextBox 19">
@@ -20917,6 +20917,7 @@
               </a:bodyPr>
               <a:lstStyle/>
               <a:p>
+                <a:pPr/>
                 <a14:m>
                   <m:oMathPara xmlns:m="http://schemas.openxmlformats.org/officeDocument/2006/math">
                     <m:oMathParaPr>
@@ -21214,7 +21215,7 @@
             </p:txBody>
           </p:sp>
         </mc:Choice>
-        <mc:Fallback>
+        <mc:Fallback xmlns="">
           <p:sp>
             <p:nvSpPr>
               <p:cNvPr id="20" name="TextBox 19">

--- a/Cloud Computing/Paper review/3. Ernest/22.11.22_Ernest_SoheeKim.pptx
+++ b/Cloud Computing/Paper review/3. Ernest/22.11.22_Ernest_SoheeKim.pptx
@@ -16,8 +16,8 @@
     <p:sldId id="298" r:id="rId4"/>
     <p:sldId id="296" r:id="rId5"/>
     <p:sldId id="297" r:id="rId6"/>
-    <p:sldId id="294" r:id="rId7"/>
-    <p:sldId id="291" r:id="rId8"/>
+    <p:sldId id="299" r:id="rId7"/>
+    <p:sldId id="300" r:id="rId8"/>
     <p:sldId id="288" r:id="rId9"/>
   </p:sldIdLst>
   <p:sldSz cx="12192000" cy="6858000"/>
@@ -163,7 +163,7 @@
 <file path=ppt/revisionInfo.xml><?xml version="1.0" encoding="utf-8"?>
 <p1510:revInfo xmlns:a="http://schemas.openxmlformats.org/drawingml/2006/main" xmlns:r="http://schemas.openxmlformats.org/officeDocument/2006/relationships" xmlns:p1510="http://schemas.microsoft.com/office/powerpoint/2015/10/main">
   <p1510:revLst>
-    <p1510:client id="{0FCCC188-AAE5-4E7B-9D03-247A687AEAF8}" v="284" dt="2022-11-20T14:10:52.122"/>
+    <p1510:client id="{0FCCC188-AAE5-4E7B-9D03-247A687AEAF8}" v="361" dt="2022-11-20T15:45:36.462"/>
   </p1510:revLst>
 </p1510:revInfo>
 </file>
@@ -1934,7 +1934,7 @@
   <pc:docChgLst>
     <pc:chgData name="김소희" userId="292a1162-0793-4577-a94d-2dae0dfa5995" providerId="ADAL" clId="{0FCCC188-AAE5-4E7B-9D03-247A687AEAF8}"/>
     <pc:docChg chg="undo redo custSel addSld delSld modSld modMainMaster">
-      <pc:chgData name="김소희" userId="292a1162-0793-4577-a94d-2dae0dfa5995" providerId="ADAL" clId="{0FCCC188-AAE5-4E7B-9D03-247A687AEAF8}" dt="2022-11-20T14:11:39.456" v="5572" actId="1076"/>
+      <pc:chgData name="김소희" userId="292a1162-0793-4577-a94d-2dae0dfa5995" providerId="ADAL" clId="{0FCCC188-AAE5-4E7B-9D03-247A687AEAF8}" dt="2022-11-20T15:45:42.759" v="7004" actId="20577"/>
       <pc:docMkLst>
         <pc:docMk/>
       </pc:docMkLst>
@@ -2621,8 +2621,8 @@
           <pc:sldMk cId="571996751" sldId="290"/>
         </pc:sldMkLst>
       </pc:sldChg>
-      <pc:sldChg chg="mod modShow">
-        <pc:chgData name="김소희" userId="292a1162-0793-4577-a94d-2dae0dfa5995" providerId="ADAL" clId="{0FCCC188-AAE5-4E7B-9D03-247A687AEAF8}" dt="2022-11-14T07:09:28.448" v="183" actId="729"/>
+      <pc:sldChg chg="del mod modShow">
+        <pc:chgData name="김소희" userId="292a1162-0793-4577-a94d-2dae0dfa5995" providerId="ADAL" clId="{0FCCC188-AAE5-4E7B-9D03-247A687AEAF8}" dt="2022-11-20T14:12:32.820" v="5573" actId="47"/>
         <pc:sldMkLst>
           <pc:docMk/>
           <pc:sldMk cId="977882044" sldId="291"/>
@@ -2642,8 +2642,8 @@
           <pc:sldMk cId="2488080678" sldId="293"/>
         </pc:sldMkLst>
       </pc:sldChg>
-      <pc:sldChg chg="mod modShow">
-        <pc:chgData name="김소희" userId="292a1162-0793-4577-a94d-2dae0dfa5995" providerId="ADAL" clId="{0FCCC188-AAE5-4E7B-9D03-247A687AEAF8}" dt="2022-11-14T07:09:28.448" v="183" actId="729"/>
+      <pc:sldChg chg="del mod modShow">
+        <pc:chgData name="김소희" userId="292a1162-0793-4577-a94d-2dae0dfa5995" providerId="ADAL" clId="{0FCCC188-AAE5-4E7B-9D03-247A687AEAF8}" dt="2022-11-20T14:12:37.357" v="5574" actId="47"/>
         <pc:sldMkLst>
           <pc:docMk/>
           <pc:sldMk cId="767962921" sldId="294"/>
@@ -2736,7 +2736,7 @@
         </pc:sldMkLst>
       </pc:sldChg>
       <pc:sldChg chg="addSp delSp modSp add mod modAnim modNotesTx">
-        <pc:chgData name="김소희" userId="292a1162-0793-4577-a94d-2dae0dfa5995" providerId="ADAL" clId="{0FCCC188-AAE5-4E7B-9D03-247A687AEAF8}" dt="2022-11-20T14:11:39.456" v="5572" actId="1076"/>
+        <pc:chgData name="김소희" userId="292a1162-0793-4577-a94d-2dae0dfa5995" providerId="ADAL" clId="{0FCCC188-AAE5-4E7B-9D03-247A687AEAF8}" dt="2022-11-20T15:02:47.641" v="6238" actId="14100"/>
         <pc:sldMkLst>
           <pc:docMk/>
           <pc:sldMk cId="1308601588" sldId="296"/>
@@ -2902,7 +2902,7 @@
           </ac:spMkLst>
         </pc:spChg>
         <pc:spChg chg="add mod">
-          <ac:chgData name="김소희" userId="292a1162-0793-4577-a94d-2dae0dfa5995" providerId="ADAL" clId="{0FCCC188-AAE5-4E7B-9D03-247A687AEAF8}" dt="2022-11-20T14:11:39.456" v="5572" actId="1076"/>
+          <ac:chgData name="김소희" userId="292a1162-0793-4577-a94d-2dae0dfa5995" providerId="ADAL" clId="{0FCCC188-AAE5-4E7B-9D03-247A687AEAF8}" dt="2022-11-20T15:02:47.641" v="6238" actId="14100"/>
           <ac:spMkLst>
             <pc:docMk/>
             <pc:sldMk cId="1308601588" sldId="296"/>
@@ -3038,8 +3038,8 @@
           </ac:cxnSpMkLst>
         </pc:cxnChg>
       </pc:sldChg>
-      <pc:sldChg chg="addSp delSp modSp add mod modNotesTx">
-        <pc:chgData name="김소희" userId="292a1162-0793-4577-a94d-2dae0dfa5995" providerId="ADAL" clId="{0FCCC188-AAE5-4E7B-9D03-247A687AEAF8}" dt="2022-11-20T14:10:57.758" v="5548" actId="20577"/>
+      <pc:sldChg chg="addSp delSp modSp add mod modAnim modNotesTx">
+        <pc:chgData name="김소희" userId="292a1162-0793-4577-a94d-2dae0dfa5995" providerId="ADAL" clId="{0FCCC188-AAE5-4E7B-9D03-247A687AEAF8}" dt="2022-11-20T15:00:41.826" v="6229" actId="6549"/>
         <pc:sldMkLst>
           <pc:docMk/>
           <pc:sldMk cId="3592263960" sldId="297"/>
@@ -3061,15 +3061,23 @@
           </ac:spMkLst>
         </pc:spChg>
         <pc:spChg chg="add mod">
-          <ac:chgData name="김소희" userId="292a1162-0793-4577-a94d-2dae0dfa5995" providerId="ADAL" clId="{0FCCC188-AAE5-4E7B-9D03-247A687AEAF8}" dt="2022-11-20T13:55:16.253" v="4695" actId="14100"/>
+          <ac:chgData name="김소희" userId="292a1162-0793-4577-a94d-2dae0dfa5995" providerId="ADAL" clId="{0FCCC188-AAE5-4E7B-9D03-247A687AEAF8}" dt="2022-11-20T14:14:48.379" v="5616" actId="1076"/>
           <ac:spMkLst>
             <pc:docMk/>
             <pc:sldMk cId="3592263960" sldId="297"/>
             <ac:spMk id="3" creationId="{70D94C52-2D81-5B25-0ABF-008BEDBD2733}"/>
           </ac:spMkLst>
         </pc:spChg>
-        <pc:spChg chg="add mod">
-          <ac:chgData name="김소희" userId="292a1162-0793-4577-a94d-2dae0dfa5995" providerId="ADAL" clId="{0FCCC188-AAE5-4E7B-9D03-247A687AEAF8}" dt="2022-11-20T14:01:04.679" v="4912" actId="1076"/>
+        <pc:spChg chg="add del">
+          <ac:chgData name="김소희" userId="292a1162-0793-4577-a94d-2dae0dfa5995" providerId="ADAL" clId="{0FCCC188-AAE5-4E7B-9D03-247A687AEAF8}" dt="2022-11-20T14:14:02.635" v="5597" actId="22"/>
+          <ac:spMkLst>
+            <pc:docMk/>
+            <pc:sldMk cId="3592263960" sldId="297"/>
+            <ac:spMk id="4" creationId="{F095E256-6713-75AC-037D-AFB49D705FC7}"/>
+          </ac:spMkLst>
+        </pc:spChg>
+        <pc:spChg chg="add mod">
+          <ac:chgData name="김소희" userId="292a1162-0793-4577-a94d-2dae0dfa5995" providerId="ADAL" clId="{0FCCC188-AAE5-4E7B-9D03-247A687AEAF8}" dt="2022-11-20T14:14:50.966" v="5617" actId="1076"/>
           <ac:spMkLst>
             <pc:docMk/>
             <pc:sldMk cId="3592263960" sldId="297"/>
@@ -3092,6 +3100,14 @@
             <ac:spMk id="8" creationId="{6097246A-035E-3AEE-4654-A61A75D6A6C8}"/>
           </ac:spMkLst>
         </pc:spChg>
+        <pc:spChg chg="add mod">
+          <ac:chgData name="김소희" userId="292a1162-0793-4577-a94d-2dae0dfa5995" providerId="ADAL" clId="{0FCCC188-AAE5-4E7B-9D03-247A687AEAF8}" dt="2022-11-20T14:14:57.887" v="5620" actId="14100"/>
+          <ac:spMkLst>
+            <pc:docMk/>
+            <pc:sldMk cId="3592263960" sldId="297"/>
+            <ac:spMk id="9" creationId="{FA01B2C3-7F77-FDB3-FC0E-4011E9BD8D6F}"/>
+          </ac:spMkLst>
+        </pc:spChg>
         <pc:spChg chg="del">
           <ac:chgData name="김소희" userId="292a1162-0793-4577-a94d-2dae0dfa5995" providerId="ADAL" clId="{0FCCC188-AAE5-4E7B-9D03-247A687AEAF8}" dt="2022-11-20T13:36:08.347" v="4130" actId="478"/>
           <ac:spMkLst>
@@ -3100,6 +3116,14 @@
             <ac:spMk id="10" creationId="{B8365A26-E7DC-4EE3-F9A4-7B79944818DF}"/>
           </ac:spMkLst>
         </pc:spChg>
+        <pc:spChg chg="add mod">
+          <ac:chgData name="김소희" userId="292a1162-0793-4577-a94d-2dae0dfa5995" providerId="ADAL" clId="{0FCCC188-AAE5-4E7B-9D03-247A687AEAF8}" dt="2022-11-20T14:37:42.273" v="6010" actId="1076"/>
+          <ac:spMkLst>
+            <pc:docMk/>
+            <pc:sldMk cId="3592263960" sldId="297"/>
+            <ac:spMk id="10" creationId="{D8CBE6A6-D279-C4ED-6A09-E64BA4AE8566}"/>
+          </ac:spMkLst>
+        </pc:spChg>
         <pc:spChg chg="del">
           <ac:chgData name="김소희" userId="292a1162-0793-4577-a94d-2dae0dfa5995" providerId="ADAL" clId="{0FCCC188-AAE5-4E7B-9D03-247A687AEAF8}" dt="2022-11-15T07:58:24.431" v="815" actId="478"/>
           <ac:spMkLst>
@@ -3108,6 +3132,14 @@
             <ac:spMk id="11" creationId="{E52641B5-3B20-1A7B-4E2A-CB0D04B45E0D}"/>
           </ac:spMkLst>
         </pc:spChg>
+        <pc:spChg chg="add mod">
+          <ac:chgData name="김소희" userId="292a1162-0793-4577-a94d-2dae0dfa5995" providerId="ADAL" clId="{0FCCC188-AAE5-4E7B-9D03-247A687AEAF8}" dt="2022-11-20T14:37:56.514" v="6015" actId="14100"/>
+          <ac:spMkLst>
+            <pc:docMk/>
+            <pc:sldMk cId="3592263960" sldId="297"/>
+            <ac:spMk id="12" creationId="{C33CBCCA-B4DC-4770-3B7B-A66D4E05DD36}"/>
+          </ac:spMkLst>
+        </pc:spChg>
         <pc:spChg chg="del">
           <ac:chgData name="김소희" userId="292a1162-0793-4577-a94d-2dae0dfa5995" providerId="ADAL" clId="{0FCCC188-AAE5-4E7B-9D03-247A687AEAF8}" dt="2022-11-15T07:58:23.783" v="814" actId="478"/>
           <ac:spMkLst>
@@ -3116,6 +3148,14 @@
             <ac:spMk id="14" creationId="{65827A2E-2E32-FB06-67A4-F5D3F00ABE3C}"/>
           </ac:spMkLst>
         </pc:spChg>
+        <pc:spChg chg="add mod">
+          <ac:chgData name="김소희" userId="292a1162-0793-4577-a94d-2dae0dfa5995" providerId="ADAL" clId="{0FCCC188-AAE5-4E7B-9D03-247A687AEAF8}" dt="2022-11-20T14:37:35.624" v="6009" actId="1076"/>
+          <ac:spMkLst>
+            <pc:docMk/>
+            <pc:sldMk cId="3592263960" sldId="297"/>
+            <ac:spMk id="14" creationId="{FFC42307-AB25-517D-2E02-21D7D9F3C801}"/>
+          </ac:spMkLst>
+        </pc:spChg>
         <pc:spChg chg="del">
           <ac:chgData name="김소희" userId="292a1162-0793-4577-a94d-2dae0dfa5995" providerId="ADAL" clId="{0FCCC188-AAE5-4E7B-9D03-247A687AEAF8}" dt="2022-11-15T07:58:25.981" v="817" actId="478"/>
           <ac:spMkLst>
@@ -3140,6 +3180,14 @@
             <ac:spMk id="17" creationId="{AB4FF69E-756A-476C-D9E8-8782F58A39EC}"/>
           </ac:spMkLst>
         </pc:spChg>
+        <pc:spChg chg="add mod">
+          <ac:chgData name="김소희" userId="292a1162-0793-4577-a94d-2dae0dfa5995" providerId="ADAL" clId="{0FCCC188-AAE5-4E7B-9D03-247A687AEAF8}" dt="2022-11-20T14:57:53.553" v="6161" actId="1076"/>
+          <ac:spMkLst>
+            <pc:docMk/>
+            <pc:sldMk cId="3592263960" sldId="297"/>
+            <ac:spMk id="18" creationId="{D9E27D96-E4D4-4F4A-C15F-F0AA32FE0568}"/>
+          </ac:spMkLst>
+        </pc:spChg>
         <pc:spChg chg="add del">
           <ac:chgData name="김소희" userId="292a1162-0793-4577-a94d-2dae0dfa5995" providerId="ADAL" clId="{0FCCC188-AAE5-4E7B-9D03-247A687AEAF8}" dt="2022-11-20T14:07:14.005" v="5286" actId="22"/>
           <ac:spMkLst>
@@ -3149,7 +3197,7 @@
           </ac:spMkLst>
         </pc:spChg>
         <pc:spChg chg="add mod">
-          <ac:chgData name="김소희" userId="292a1162-0793-4577-a94d-2dae0dfa5995" providerId="ADAL" clId="{0FCCC188-AAE5-4E7B-9D03-247A687AEAF8}" dt="2022-11-20T14:10:57.758" v="5548" actId="20577"/>
+          <ac:chgData name="김소희" userId="292a1162-0793-4577-a94d-2dae0dfa5995" providerId="ADAL" clId="{0FCCC188-AAE5-4E7B-9D03-247A687AEAF8}" dt="2022-11-20T14:15:19.790" v="5622" actId="113"/>
           <ac:spMkLst>
             <pc:docMk/>
             <pc:sldMk cId="3592263960" sldId="297"/>
@@ -3181,7 +3229,7 @@
           </ac:picMkLst>
         </pc:picChg>
         <pc:picChg chg="add mod">
-          <ac:chgData name="김소희" userId="292a1162-0793-4577-a94d-2dae0dfa5995" providerId="ADAL" clId="{0FCCC188-AAE5-4E7B-9D03-247A687AEAF8}" dt="2022-11-20T14:01:01.687" v="4911" actId="1076"/>
+          <ac:chgData name="김소희" userId="292a1162-0793-4577-a94d-2dae0dfa5995" providerId="ADAL" clId="{0FCCC188-AAE5-4E7B-9D03-247A687AEAF8}" dt="2022-11-20T14:37:50.501" v="6013" actId="1076"/>
           <ac:picMkLst>
             <pc:docMk/>
             <pc:sldMk cId="3592263960" sldId="297"/>
@@ -3189,7 +3237,7 @@
           </ac:picMkLst>
         </pc:picChg>
         <pc:picChg chg="add mod">
-          <ac:chgData name="김소희" userId="292a1162-0793-4577-a94d-2dae0dfa5995" providerId="ADAL" clId="{0FCCC188-AAE5-4E7B-9D03-247A687AEAF8}" dt="2022-11-20T14:01:00.200" v="4910" actId="1076"/>
+          <ac:chgData name="김소희" userId="292a1162-0793-4577-a94d-2dae0dfa5995" providerId="ADAL" clId="{0FCCC188-AAE5-4E7B-9D03-247A687AEAF8}" dt="2022-11-20T14:37:35.624" v="6009" actId="1076"/>
           <ac:picMkLst>
             <pc:docMk/>
             <pc:sldMk cId="3592263960" sldId="297"/>
@@ -3435,6 +3483,364 @@
             <ac:picMk id="1028" creationId="{2F8A4E06-D2DF-26DA-225E-6B69519D6DEC}"/>
           </ac:picMkLst>
         </pc:picChg>
+      </pc:sldChg>
+      <pc:sldChg chg="addSp delSp modSp add mod modAnim modNotesTx">
+        <pc:chgData name="김소희" userId="292a1162-0793-4577-a94d-2dae0dfa5995" providerId="ADAL" clId="{0FCCC188-AAE5-4E7B-9D03-247A687AEAF8}" dt="2022-11-20T15:45:01.056" v="6985" actId="14100"/>
+        <pc:sldMkLst>
+          <pc:docMk/>
+          <pc:sldMk cId="806024896" sldId="299"/>
+        </pc:sldMkLst>
+        <pc:spChg chg="del">
+          <ac:chgData name="김소희" userId="292a1162-0793-4577-a94d-2dae0dfa5995" providerId="ADAL" clId="{0FCCC188-AAE5-4E7B-9D03-247A687AEAF8}" dt="2022-11-20T14:15:54.130" v="5623" actId="478"/>
+          <ac:spMkLst>
+            <pc:docMk/>
+            <pc:sldMk cId="806024896" sldId="299"/>
+            <ac:spMk id="3" creationId="{70D94C52-2D81-5B25-0ABF-008BEDBD2733}"/>
+          </ac:spMkLst>
+        </pc:spChg>
+        <pc:spChg chg="del">
+          <ac:chgData name="김소희" userId="292a1162-0793-4577-a94d-2dae0dfa5995" providerId="ADAL" clId="{0FCCC188-AAE5-4E7B-9D03-247A687AEAF8}" dt="2022-11-20T14:12:48.301" v="5578" actId="478"/>
+          <ac:spMkLst>
+            <pc:docMk/>
+            <pc:sldMk cId="806024896" sldId="299"/>
+            <ac:spMk id="7" creationId="{415F00E9-4AB4-0CD6-FFE9-B47319F0D494}"/>
+          </ac:spMkLst>
+        </pc:spChg>
+        <pc:spChg chg="del mod topLvl">
+          <ac:chgData name="김소희" userId="292a1162-0793-4577-a94d-2dae0dfa5995" providerId="ADAL" clId="{0FCCC188-AAE5-4E7B-9D03-247A687AEAF8}" dt="2022-11-20T15:03:51.792" v="6244" actId="478"/>
+          <ac:spMkLst>
+            <pc:docMk/>
+            <pc:sldMk cId="806024896" sldId="299"/>
+            <ac:spMk id="10" creationId="{8635C411-8D6F-1542-00C4-1FFC3C84459E}"/>
+          </ac:spMkLst>
+        </pc:spChg>
+        <pc:spChg chg="del mod topLvl">
+          <ac:chgData name="김소희" userId="292a1162-0793-4577-a94d-2dae0dfa5995" providerId="ADAL" clId="{0FCCC188-AAE5-4E7B-9D03-247A687AEAF8}" dt="2022-11-20T15:04:53.931" v="6293" actId="478"/>
+          <ac:spMkLst>
+            <pc:docMk/>
+            <pc:sldMk cId="806024896" sldId="299"/>
+            <ac:spMk id="12" creationId="{D56F4EB5-E2BD-FFD3-6258-3BA55EA9FEF3}"/>
+          </ac:spMkLst>
+        </pc:spChg>
+        <pc:spChg chg="mod topLvl">
+          <ac:chgData name="김소희" userId="292a1162-0793-4577-a94d-2dae0dfa5995" providerId="ADAL" clId="{0FCCC188-AAE5-4E7B-9D03-247A687AEAF8}" dt="2022-11-20T15:44:53.546" v="6984" actId="11530"/>
+          <ac:spMkLst>
+            <pc:docMk/>
+            <pc:sldMk cId="806024896" sldId="299"/>
+            <ac:spMk id="14" creationId="{60BD64A7-4A11-CCE2-4CE0-044CBA00E938}"/>
+          </ac:spMkLst>
+        </pc:spChg>
+        <pc:spChg chg="del">
+          <ac:chgData name="김소희" userId="292a1162-0793-4577-a94d-2dae0dfa5995" providerId="ADAL" clId="{0FCCC188-AAE5-4E7B-9D03-247A687AEAF8}" dt="2022-11-20T14:15:54.130" v="5623" actId="478"/>
+          <ac:spMkLst>
+            <pc:docMk/>
+            <pc:sldMk cId="806024896" sldId="299"/>
+            <ac:spMk id="16" creationId="{C0E8A60C-D529-BC39-6AE1-B93153BF7CBC}"/>
+          </ac:spMkLst>
+        </pc:spChg>
+        <pc:spChg chg="mod topLvl">
+          <ac:chgData name="김소희" userId="292a1162-0793-4577-a94d-2dae0dfa5995" providerId="ADAL" clId="{0FCCC188-AAE5-4E7B-9D03-247A687AEAF8}" dt="2022-11-20T15:32:44.743" v="6593" actId="165"/>
+          <ac:spMkLst>
+            <pc:docMk/>
+            <pc:sldMk cId="806024896" sldId="299"/>
+            <ac:spMk id="17" creationId="{A7CDFFF9-A001-F5BC-B1F2-84B07BF2E698}"/>
+          </ac:spMkLst>
+        </pc:spChg>
+        <pc:spChg chg="mod topLvl">
+          <ac:chgData name="김소희" userId="292a1162-0793-4577-a94d-2dae0dfa5995" providerId="ADAL" clId="{0FCCC188-AAE5-4E7B-9D03-247A687AEAF8}" dt="2022-11-20T15:32:53.075" v="6594" actId="1076"/>
+          <ac:spMkLst>
+            <pc:docMk/>
+            <pc:sldMk cId="806024896" sldId="299"/>
+            <ac:spMk id="18" creationId="{78FD284B-5A83-F7BF-E204-FE1ADB631125}"/>
+          </ac:spMkLst>
+        </pc:spChg>
+        <pc:spChg chg="del">
+          <ac:chgData name="김소희" userId="292a1162-0793-4577-a94d-2dae0dfa5995" providerId="ADAL" clId="{0FCCC188-AAE5-4E7B-9D03-247A687AEAF8}" dt="2022-11-20T14:12:46.937" v="5577" actId="478"/>
+          <ac:spMkLst>
+            <pc:docMk/>
+            <pc:sldMk cId="806024896" sldId="299"/>
+            <ac:spMk id="21" creationId="{F7FCE5CA-E077-393A-2D3A-E473DBBC9F39}"/>
+          </ac:spMkLst>
+        </pc:spChg>
+        <pc:spChg chg="add mod topLvl">
+          <ac:chgData name="김소희" userId="292a1162-0793-4577-a94d-2dae0dfa5995" providerId="ADAL" clId="{0FCCC188-AAE5-4E7B-9D03-247A687AEAF8}" dt="2022-11-20T15:45:01.056" v="6985" actId="14100"/>
+          <ac:spMkLst>
+            <pc:docMk/>
+            <pc:sldMk cId="806024896" sldId="299"/>
+            <ac:spMk id="26" creationId="{F193DB07-CE15-65EB-297C-54D7784892BF}"/>
+          </ac:spMkLst>
+        </pc:spChg>
+        <pc:spChg chg="add mod topLvl">
+          <ac:chgData name="김소희" userId="292a1162-0793-4577-a94d-2dae0dfa5995" providerId="ADAL" clId="{0FCCC188-AAE5-4E7B-9D03-247A687AEAF8}" dt="2022-11-20T15:32:44.743" v="6593" actId="165"/>
+          <ac:spMkLst>
+            <pc:docMk/>
+            <pc:sldMk cId="806024896" sldId="299"/>
+            <ac:spMk id="31" creationId="{53C90FBC-7BF9-E686-E2C7-B3A7DDC8ED44}"/>
+          </ac:spMkLst>
+        </pc:spChg>
+        <pc:spChg chg="add mod topLvl">
+          <ac:chgData name="김소희" userId="292a1162-0793-4577-a94d-2dae0dfa5995" providerId="ADAL" clId="{0FCCC188-AAE5-4E7B-9D03-247A687AEAF8}" dt="2022-11-20T15:32:44.743" v="6593" actId="165"/>
+          <ac:spMkLst>
+            <pc:docMk/>
+            <pc:sldMk cId="806024896" sldId="299"/>
+            <ac:spMk id="32" creationId="{301FBB82-2405-B4DC-4947-713B9EC00FB4}"/>
+          </ac:spMkLst>
+        </pc:spChg>
+        <pc:spChg chg="add mod topLvl">
+          <ac:chgData name="김소희" userId="292a1162-0793-4577-a94d-2dae0dfa5995" providerId="ADAL" clId="{0FCCC188-AAE5-4E7B-9D03-247A687AEAF8}" dt="2022-11-20T15:32:44.743" v="6593" actId="165"/>
+          <ac:spMkLst>
+            <pc:docMk/>
+            <pc:sldMk cId="806024896" sldId="299"/>
+            <ac:spMk id="33" creationId="{E353BC90-8AEE-B1DB-58CF-3C6C7953DBF4}"/>
+          </ac:spMkLst>
+        </pc:spChg>
+        <pc:spChg chg="add mod topLvl">
+          <ac:chgData name="김소희" userId="292a1162-0793-4577-a94d-2dae0dfa5995" providerId="ADAL" clId="{0FCCC188-AAE5-4E7B-9D03-247A687AEAF8}" dt="2022-11-20T15:32:44.743" v="6593" actId="165"/>
+          <ac:spMkLst>
+            <pc:docMk/>
+            <pc:sldMk cId="806024896" sldId="299"/>
+            <ac:spMk id="56" creationId="{3E90AAA2-BEBD-AA69-7190-48959372C266}"/>
+          </ac:spMkLst>
+        </pc:spChg>
+        <pc:spChg chg="add mod">
+          <ac:chgData name="김소희" userId="292a1162-0793-4577-a94d-2dae0dfa5995" providerId="ADAL" clId="{0FCCC188-AAE5-4E7B-9D03-247A687AEAF8}" dt="2022-11-20T15:16:12.619" v="6497" actId="20577"/>
+          <ac:spMkLst>
+            <pc:docMk/>
+            <pc:sldMk cId="806024896" sldId="299"/>
+            <ac:spMk id="57" creationId="{2BB095B1-83C3-84B3-26C0-E3497D09E5F9}"/>
+          </ac:spMkLst>
+        </pc:spChg>
+        <pc:spChg chg="add del">
+          <ac:chgData name="김소희" userId="292a1162-0793-4577-a94d-2dae0dfa5995" providerId="ADAL" clId="{0FCCC188-AAE5-4E7B-9D03-247A687AEAF8}" dt="2022-11-20T15:30:08.457" v="6519" actId="478"/>
+          <ac:spMkLst>
+            <pc:docMk/>
+            <pc:sldMk cId="806024896" sldId="299"/>
+            <ac:spMk id="1024" creationId="{20DBB523-328F-2B1F-A07A-BB5B5234203B}"/>
+          </ac:spMkLst>
+        </pc:spChg>
+        <pc:spChg chg="add del">
+          <ac:chgData name="김소희" userId="292a1162-0793-4577-a94d-2dae0dfa5995" providerId="ADAL" clId="{0FCCC188-AAE5-4E7B-9D03-247A687AEAF8}" dt="2022-11-20T15:30:14.010" v="6521" actId="478"/>
+          <ac:spMkLst>
+            <pc:docMk/>
+            <pc:sldMk cId="806024896" sldId="299"/>
+            <ac:spMk id="1025" creationId="{49A43E35-B70C-C4D7-0DC6-BADDFF515CDE}"/>
+          </ac:spMkLst>
+        </pc:spChg>
+        <pc:spChg chg="add mod">
+          <ac:chgData name="김소희" userId="292a1162-0793-4577-a94d-2dae0dfa5995" providerId="ADAL" clId="{0FCCC188-AAE5-4E7B-9D03-247A687AEAF8}" dt="2022-11-20T15:32:44.743" v="6593" actId="165"/>
+          <ac:spMkLst>
+            <pc:docMk/>
+            <pc:sldMk cId="806024896" sldId="299"/>
+            <ac:spMk id="1027" creationId="{C9911DDC-6D5E-FC2E-42D0-A191158CD555}"/>
+          </ac:spMkLst>
+        </pc:spChg>
+        <pc:spChg chg="add mod">
+          <ac:chgData name="김소희" userId="292a1162-0793-4577-a94d-2dae0dfa5995" providerId="ADAL" clId="{0FCCC188-AAE5-4E7B-9D03-247A687AEAF8}" dt="2022-11-20T15:32:44.743" v="6593" actId="165"/>
+          <ac:spMkLst>
+            <pc:docMk/>
+            <pc:sldMk cId="806024896" sldId="299"/>
+            <ac:spMk id="1028" creationId="{D515F0D6-37D0-6E01-D646-26370DD5FF90}"/>
+          </ac:spMkLst>
+        </pc:spChg>
+        <pc:spChg chg="add mod">
+          <ac:chgData name="김소희" userId="292a1162-0793-4577-a94d-2dae0dfa5995" providerId="ADAL" clId="{0FCCC188-AAE5-4E7B-9D03-247A687AEAF8}" dt="2022-11-20T15:32:44.743" v="6593" actId="165"/>
+          <ac:spMkLst>
+            <pc:docMk/>
+            <pc:sldMk cId="806024896" sldId="299"/>
+            <ac:spMk id="1029" creationId="{2CA54C49-9653-B07B-CD97-E36DC4C57E61}"/>
+          </ac:spMkLst>
+        </pc:spChg>
+        <pc:grpChg chg="add del mod">
+          <ac:chgData name="김소희" userId="292a1162-0793-4577-a94d-2dae0dfa5995" providerId="ADAL" clId="{0FCCC188-AAE5-4E7B-9D03-247A687AEAF8}" dt="2022-11-20T15:03:13.527" v="6242" actId="165"/>
+          <ac:grpSpMkLst>
+            <pc:docMk/>
+            <pc:sldMk cId="806024896" sldId="299"/>
+            <ac:grpSpMk id="5" creationId="{D536564F-2FB3-0D65-86FD-50C83FEE706C}"/>
+          </ac:grpSpMkLst>
+        </pc:grpChg>
+        <pc:grpChg chg="del mod topLvl">
+          <ac:chgData name="김소희" userId="292a1162-0793-4577-a94d-2dae0dfa5995" providerId="ADAL" clId="{0FCCC188-AAE5-4E7B-9D03-247A687AEAF8}" dt="2022-11-20T15:03:49.755" v="6243" actId="165"/>
+          <ac:grpSpMkLst>
+            <pc:docMk/>
+            <pc:sldMk cId="806024896" sldId="299"/>
+            <ac:grpSpMk id="9" creationId="{D47CF894-F1D6-873B-E488-400524510D22}"/>
+          </ac:grpSpMkLst>
+        </pc:grpChg>
+        <pc:grpChg chg="add mod topLvl">
+          <ac:chgData name="김소희" userId="292a1162-0793-4577-a94d-2dae0dfa5995" providerId="ADAL" clId="{0FCCC188-AAE5-4E7B-9D03-247A687AEAF8}" dt="2022-11-20T15:32:44.743" v="6593" actId="165"/>
+          <ac:grpSpMkLst>
+            <pc:docMk/>
+            <pc:sldMk cId="806024896" sldId="299"/>
+            <ac:grpSpMk id="1030" creationId="{6292A326-08FB-D4A1-E055-74438A477301}"/>
+          </ac:grpSpMkLst>
+        </pc:grpChg>
+        <pc:grpChg chg="add del mod">
+          <ac:chgData name="김소희" userId="292a1162-0793-4577-a94d-2dae0dfa5995" providerId="ADAL" clId="{0FCCC188-AAE5-4E7B-9D03-247A687AEAF8}" dt="2022-11-20T15:32:44.743" v="6593" actId="165"/>
+          <ac:grpSpMkLst>
+            <pc:docMk/>
+            <pc:sldMk cId="806024896" sldId="299"/>
+            <ac:grpSpMk id="1031" creationId="{D4878F10-9246-39A3-21EC-C6CF53647662}"/>
+          </ac:grpSpMkLst>
+        </pc:grpChg>
+        <pc:picChg chg="add del mod">
+          <ac:chgData name="김소희" userId="292a1162-0793-4577-a94d-2dae0dfa5995" providerId="ADAL" clId="{0FCCC188-AAE5-4E7B-9D03-247A687AEAF8}" dt="2022-11-20T15:32:37.552" v="6592" actId="478"/>
+          <ac:picMkLst>
+            <pc:docMk/>
+            <pc:sldMk cId="806024896" sldId="299"/>
+            <ac:picMk id="4" creationId="{A13A10AE-573F-AF95-AF9D-69D2D27EF5D1}"/>
+          </ac:picMkLst>
+        </pc:picChg>
+        <pc:picChg chg="del">
+          <ac:chgData name="김소희" userId="292a1162-0793-4577-a94d-2dae0dfa5995" providerId="ADAL" clId="{0FCCC188-AAE5-4E7B-9D03-247A687AEAF8}" dt="2022-11-20T14:12:46.937" v="5577" actId="478"/>
+          <ac:picMkLst>
+            <pc:docMk/>
+            <pc:sldMk cId="806024896" sldId="299"/>
+            <ac:picMk id="6" creationId="{FF33BFBB-882A-6D20-E839-476A8A3B3343}"/>
+          </ac:picMkLst>
+        </pc:picChg>
+        <pc:picChg chg="del">
+          <ac:chgData name="김소희" userId="292a1162-0793-4577-a94d-2dae0dfa5995" providerId="ADAL" clId="{0FCCC188-AAE5-4E7B-9D03-247A687AEAF8}" dt="2022-11-20T14:12:46.937" v="5577" actId="478"/>
+          <ac:picMkLst>
+            <pc:docMk/>
+            <pc:sldMk cId="806024896" sldId="299"/>
+            <ac:picMk id="11" creationId="{B7B83644-956B-F5CE-20D8-B1A1E57B58CA}"/>
+          </ac:picMkLst>
+        </pc:picChg>
+        <pc:picChg chg="del">
+          <ac:chgData name="김소희" userId="292a1162-0793-4577-a94d-2dae0dfa5995" providerId="ADAL" clId="{0FCCC188-AAE5-4E7B-9D03-247A687AEAF8}" dt="2022-11-20T14:12:46.937" v="5577" actId="478"/>
+          <ac:picMkLst>
+            <pc:docMk/>
+            <pc:sldMk cId="806024896" sldId="299"/>
+            <ac:picMk id="13" creationId="{4282CF7B-5401-EEF8-14E6-45371F7A3725}"/>
+          </ac:picMkLst>
+        </pc:picChg>
+        <pc:picChg chg="add mod topLvl">
+          <ac:chgData name="김소희" userId="292a1162-0793-4577-a94d-2dae0dfa5995" providerId="ADAL" clId="{0FCCC188-AAE5-4E7B-9D03-247A687AEAF8}" dt="2022-11-20T15:32:44.743" v="6593" actId="165"/>
+          <ac:picMkLst>
+            <pc:docMk/>
+            <pc:sldMk cId="806024896" sldId="299"/>
+            <ac:picMk id="43" creationId="{30202B78-FC2A-35FD-71A8-F6B2DBFF9C09}"/>
+          </ac:picMkLst>
+        </pc:picChg>
+        <pc:picChg chg="add mod topLvl">
+          <ac:chgData name="김소희" userId="292a1162-0793-4577-a94d-2dae0dfa5995" providerId="ADAL" clId="{0FCCC188-AAE5-4E7B-9D03-247A687AEAF8}" dt="2022-11-20T15:32:44.743" v="6593" actId="165"/>
+          <ac:picMkLst>
+            <pc:docMk/>
+            <pc:sldMk cId="806024896" sldId="299"/>
+            <ac:picMk id="44" creationId="{F33D9A90-8264-DCEF-377F-8AD82BB90F34}"/>
+          </ac:picMkLst>
+        </pc:picChg>
+        <pc:picChg chg="add mod topLvl">
+          <ac:chgData name="김소희" userId="292a1162-0793-4577-a94d-2dae0dfa5995" providerId="ADAL" clId="{0FCCC188-AAE5-4E7B-9D03-247A687AEAF8}" dt="2022-11-20T15:32:44.743" v="6593" actId="165"/>
+          <ac:picMkLst>
+            <pc:docMk/>
+            <pc:sldMk cId="806024896" sldId="299"/>
+            <ac:picMk id="1026" creationId="{58D2B884-92B3-ED8E-B0D7-241C44E2A67C}"/>
+          </ac:picMkLst>
+        </pc:picChg>
+        <pc:cxnChg chg="add mod topLvl">
+          <ac:chgData name="김소희" userId="292a1162-0793-4577-a94d-2dae0dfa5995" providerId="ADAL" clId="{0FCCC188-AAE5-4E7B-9D03-247A687AEAF8}" dt="2022-11-20T15:45:01.056" v="6985" actId="14100"/>
+          <ac:cxnSpMkLst>
+            <pc:docMk/>
+            <pc:sldMk cId="806024896" sldId="299"/>
+            <ac:cxnSpMk id="20" creationId="{276911D5-02C3-6689-9703-47BA81D7ADF2}"/>
+          </ac:cxnSpMkLst>
+        </pc:cxnChg>
+        <pc:cxnChg chg="add mod topLvl">
+          <ac:chgData name="김소희" userId="292a1162-0793-4577-a94d-2dae0dfa5995" providerId="ADAL" clId="{0FCCC188-AAE5-4E7B-9D03-247A687AEAF8}" dt="2022-11-20T15:45:01.056" v="6985" actId="14100"/>
+          <ac:cxnSpMkLst>
+            <pc:docMk/>
+            <pc:sldMk cId="806024896" sldId="299"/>
+            <ac:cxnSpMk id="23" creationId="{77263A85-2712-FF99-1B48-60891D7EFAE3}"/>
+          </ac:cxnSpMkLst>
+        </pc:cxnChg>
+        <pc:cxnChg chg="add mod topLvl">
+          <ac:chgData name="김소희" userId="292a1162-0793-4577-a94d-2dae0dfa5995" providerId="ADAL" clId="{0FCCC188-AAE5-4E7B-9D03-247A687AEAF8}" dt="2022-11-20T15:32:44.743" v="6593" actId="165"/>
+          <ac:cxnSpMkLst>
+            <pc:docMk/>
+            <pc:sldMk cId="806024896" sldId="299"/>
+            <ac:cxnSpMk id="36" creationId="{B1C8318B-2A28-CF9B-671B-F3CBA2DC1B9D}"/>
+          </ac:cxnSpMkLst>
+        </pc:cxnChg>
+        <pc:cxnChg chg="add mod topLvl">
+          <ac:chgData name="김소희" userId="292a1162-0793-4577-a94d-2dae0dfa5995" providerId="ADAL" clId="{0FCCC188-AAE5-4E7B-9D03-247A687AEAF8}" dt="2022-11-20T15:32:44.743" v="6593" actId="165"/>
+          <ac:cxnSpMkLst>
+            <pc:docMk/>
+            <pc:sldMk cId="806024896" sldId="299"/>
+            <ac:cxnSpMk id="40" creationId="{215CEC99-9049-BA3F-84C0-DBC415E18352}"/>
+          </ac:cxnSpMkLst>
+        </pc:cxnChg>
+        <pc:cxnChg chg="add mod topLvl">
+          <ac:chgData name="김소희" userId="292a1162-0793-4577-a94d-2dae0dfa5995" providerId="ADAL" clId="{0FCCC188-AAE5-4E7B-9D03-247A687AEAF8}" dt="2022-11-20T15:32:44.743" v="6593" actId="165"/>
+          <ac:cxnSpMkLst>
+            <pc:docMk/>
+            <pc:sldMk cId="806024896" sldId="299"/>
+            <ac:cxnSpMk id="45" creationId="{9B976AA0-4967-F85F-A2FA-F6449A74E27E}"/>
+          </ac:cxnSpMkLst>
+        </pc:cxnChg>
+        <pc:cxnChg chg="add mod topLvl">
+          <ac:chgData name="김소희" userId="292a1162-0793-4577-a94d-2dae0dfa5995" providerId="ADAL" clId="{0FCCC188-AAE5-4E7B-9D03-247A687AEAF8}" dt="2022-11-20T15:32:44.743" v="6593" actId="165"/>
+          <ac:cxnSpMkLst>
+            <pc:docMk/>
+            <pc:sldMk cId="806024896" sldId="299"/>
+            <ac:cxnSpMk id="50" creationId="{491A8AAF-CBFA-8AB8-4179-1E0EEE5E1E46}"/>
+          </ac:cxnSpMkLst>
+        </pc:cxnChg>
+        <pc:cxnChg chg="add mod">
+          <ac:chgData name="김소희" userId="292a1162-0793-4577-a94d-2dae0dfa5995" providerId="ADAL" clId="{0FCCC188-AAE5-4E7B-9D03-247A687AEAF8}" dt="2022-11-20T15:32:44.743" v="6593" actId="165"/>
+          <ac:cxnSpMkLst>
+            <pc:docMk/>
+            <pc:sldMk cId="806024896" sldId="299"/>
+            <ac:cxnSpMk id="59" creationId="{E1C34A4F-3699-AE8E-CFCD-919E6DDF3B7A}"/>
+          </ac:cxnSpMkLst>
+        </pc:cxnChg>
+        <pc:cxnChg chg="add mod">
+          <ac:chgData name="김소희" userId="292a1162-0793-4577-a94d-2dae0dfa5995" providerId="ADAL" clId="{0FCCC188-AAE5-4E7B-9D03-247A687AEAF8}" dt="2022-11-20T15:32:44.743" v="6593" actId="165"/>
+          <ac:cxnSpMkLst>
+            <pc:docMk/>
+            <pc:sldMk cId="806024896" sldId="299"/>
+            <ac:cxnSpMk id="60" creationId="{85A7E6A8-9749-6181-DB17-FECF50673A3D}"/>
+          </ac:cxnSpMkLst>
+        </pc:cxnChg>
+      </pc:sldChg>
+      <pc:sldChg chg="addSp delSp modSp new mod">
+        <pc:chgData name="김소희" userId="292a1162-0793-4577-a94d-2dae0dfa5995" providerId="ADAL" clId="{0FCCC188-AAE5-4E7B-9D03-247A687AEAF8}" dt="2022-11-20T15:45:42.759" v="7004" actId="20577"/>
+        <pc:sldMkLst>
+          <pc:docMk/>
+          <pc:sldMk cId="3945545227" sldId="300"/>
+        </pc:sldMkLst>
+        <pc:spChg chg="del">
+          <ac:chgData name="김소희" userId="292a1162-0793-4577-a94d-2dae0dfa5995" providerId="ADAL" clId="{0FCCC188-AAE5-4E7B-9D03-247A687AEAF8}" dt="2022-11-20T15:45:36.119" v="6987" actId="478"/>
+          <ac:spMkLst>
+            <pc:docMk/>
+            <pc:sldMk cId="3945545227" sldId="300"/>
+            <ac:spMk id="2" creationId="{145851B4-F5E0-BA9F-CA78-B2A3D418EE3D}"/>
+          </ac:spMkLst>
+        </pc:spChg>
+        <pc:spChg chg="del">
+          <ac:chgData name="김소희" userId="292a1162-0793-4577-a94d-2dae0dfa5995" providerId="ADAL" clId="{0FCCC188-AAE5-4E7B-9D03-247A687AEAF8}" dt="2022-11-20T15:45:36.119" v="6987" actId="478"/>
+          <ac:spMkLst>
+            <pc:docMk/>
+            <pc:sldMk cId="3945545227" sldId="300"/>
+            <ac:spMk id="3" creationId="{9CAD041E-2E97-02B1-DB8D-1E30ECD1DAE7}"/>
+          </ac:spMkLst>
+        </pc:spChg>
+        <pc:spChg chg="add mod">
+          <ac:chgData name="김소희" userId="292a1162-0793-4577-a94d-2dae0dfa5995" providerId="ADAL" clId="{0FCCC188-AAE5-4E7B-9D03-247A687AEAF8}" dt="2022-11-20T15:45:36.462" v="6988"/>
+          <ac:spMkLst>
+            <pc:docMk/>
+            <pc:sldMk cId="3945545227" sldId="300"/>
+            <ac:spMk id="4" creationId="{88AE202D-BDB2-CAB2-26F9-78AA0AA16128}"/>
+          </ac:spMkLst>
+        </pc:spChg>
+        <pc:spChg chg="add mod">
+          <ac:chgData name="김소희" userId="292a1162-0793-4577-a94d-2dae0dfa5995" providerId="ADAL" clId="{0FCCC188-AAE5-4E7B-9D03-247A687AEAF8}" dt="2022-11-20T15:45:42.759" v="7004" actId="20577"/>
+          <ac:spMkLst>
+            <pc:docMk/>
+            <pc:sldMk cId="3945545227" sldId="300"/>
+            <ac:spMk id="5" creationId="{CAFA88A2-E7D3-D12C-C16B-A8C3B5DEBAD7}"/>
+          </ac:spMkLst>
+        </pc:spChg>
       </pc:sldChg>
       <pc:sldMasterChg chg="modSldLayout">
         <pc:chgData name="김소희" userId="292a1162-0793-4577-a94d-2dae0dfa5995" providerId="ADAL" clId="{0FCCC188-AAE5-4E7B-9D03-247A687AEAF8}" dt="2022-11-14T07:46:15.628" v="192" actId="16037"/>
@@ -10528,7 +10934,7 @@
           <a:p>
             <a:fld id="{29915393-2112-49A2-83FA-09DE4C5B44F3}" type="datetimeFigureOut">
               <a:rPr lang="ko-KR" altLang="en-US" smtClean="0"/>
-              <a:t>2022-11-20</a:t>
+              <a:t>2022-11-21</a:t>
             </a:fld>
             <a:endParaRPr lang="ko-KR" altLang="en-US"/>
           </a:p>
@@ -10721,7 +11127,7 @@
           <a:p>
             <a:fld id="{3C68DF80-E33D-4369-8637-F89ABF057243}" type="datetimeFigureOut">
               <a:rPr lang="ko-KR" altLang="en-US" smtClean="0"/>
-              <a:t>2022-11-20</a:t>
+              <a:t>2022-11-21</a:t>
             </a:fld>
             <a:endParaRPr lang="ko-KR" altLang="en-US"/>
           </a:p>
@@ -12469,8 +12875,117 @@
             </a:r>
             <a:r>
               <a:rPr lang="en-US" altLang="ko-KR" b="0"/>
-              <a:t>Statistics – use the </a:t>
-            </a:r>
+              <a:t>Statistics - they</a:t>
+            </a:r>
+            <a:r>
+              <a:rPr lang="en-US" altLang="ko-KR"/>
+              <a:t> outline a scheme based on optimal experiment design, a statistical technique that can be used to minimize the number of experiment runs required.</a:t>
+            </a:r>
+          </a:p>
+          <a:p>
+            <a:r>
+              <a:rPr lang="en-US" altLang="ko-KR" b="0"/>
+              <a:t>Given this linear model,</a:t>
+            </a:r>
+            <a:endParaRPr lang="en-US" altLang="ko-KR"/>
+          </a:p>
+          <a:p>
+            <a:r>
+              <a:rPr lang="en-US" altLang="ko-KR"/>
+              <a:t>More formally we can set λi as the fraction of times an experiment is chosen </a:t>
+            </a:r>
+          </a:p>
+          <a:p>
+            <a:r>
+              <a:rPr lang="en-US" altLang="ko-KR"/>
+              <a:t>and minimize ** the trace of the inverse of the covariance matrix:</a:t>
+            </a:r>
+          </a:p>
+          <a:p>
+            <a:r>
+              <a:rPr lang="en-US" altLang="ko-KR" b="0"/>
+              <a:t>and subject this to a constraint saying that this total set of points that we pick should still be within some budget that we have.</a:t>
+            </a:r>
+          </a:p>
+          <a:p>
+            <a:endParaRPr lang="en-US" altLang="ko-KR" b="0"/>
+          </a:p>
+          <a:p>
+            <a:r>
+              <a:rPr lang="en-US" altLang="ko-KR" b="0"/>
+              <a:t>Actually this is a </a:t>
+            </a:r>
+            <a:r>
+              <a:rPr lang="en-US" altLang="ko-KR" b="0">
+                <a:effectLst/>
+                <a:latin typeface="Roboto" panose="02000000000000000000" pitchFamily="2" charset="0"/>
+              </a:rPr>
+              <a:t>a small data problem like the number of configurations that we are usually dealing with this is on the order of like hundreds or so and we're trying to pick like five or ten of the best of them out of like hundred.</a:t>
+            </a:r>
+          </a:p>
+          <a:p>
+            <a:r>
+              <a:rPr lang="en-US" altLang="ko-KR" b="0">
+                <a:effectLst/>
+                <a:latin typeface="Roboto" panose="02000000000000000000" pitchFamily="2" charset="0"/>
+              </a:rPr>
+              <a:t>In fact there are off-the-shelf(</a:t>
+            </a:r>
+            <a:r>
+              <a:rPr lang="ko-KR" altLang="en-US" b="0">
+                <a:effectLst/>
+                <a:latin typeface="Roboto" panose="02000000000000000000" pitchFamily="2" charset="0"/>
+              </a:rPr>
+              <a:t>미리 만들어 놓은</a:t>
+            </a:r>
+            <a:r>
+              <a:rPr lang="en-US" altLang="ko-KR" b="0">
+                <a:effectLst/>
+                <a:latin typeface="Roboto" panose="02000000000000000000" pitchFamily="2" charset="0"/>
+              </a:rPr>
+              <a:t>) solver like</a:t>
+            </a:r>
+            <a:r>
+              <a:rPr lang="ko-KR" altLang="en-US" b="0">
+                <a:effectLst/>
+                <a:latin typeface="Roboto" panose="02000000000000000000" pitchFamily="2" charset="0"/>
+              </a:rPr>
+              <a:t> </a:t>
+            </a:r>
+            <a:r>
+              <a:rPr lang="en-US" altLang="ko-KR" b="0">
+                <a:effectLst/>
+                <a:latin typeface="Roboto" panose="02000000000000000000" pitchFamily="2" charset="0"/>
+              </a:rPr>
+              <a:t>CVX, where you can just encode this problem into them as like a formula and you feed it in your hundred configurations </a:t>
+            </a:r>
+          </a:p>
+          <a:p>
+            <a:r>
+              <a:rPr lang="en-US" altLang="ko-KR" b="0">
+                <a:effectLst/>
+                <a:latin typeface="Roboto" panose="02000000000000000000" pitchFamily="2" charset="0"/>
+              </a:rPr>
+              <a:t>and it'll tell you what the best configurations to use are in terms of the number of machines and input size.</a:t>
+            </a:r>
+          </a:p>
+          <a:p>
+            <a:r>
+              <a:rPr lang="en-US" altLang="ko-KR" b="0">
+                <a:effectLst/>
+                <a:latin typeface="Roboto" panose="02000000000000000000" pitchFamily="2" charset="0"/>
+              </a:rPr>
+              <a:t>so that works pretty well</a:t>
+            </a:r>
+          </a:p>
+          <a:p>
+            <a:endParaRPr lang="en-US" altLang="ko-KR" b="0"/>
+          </a:p>
+          <a:p>
+            <a:endParaRPr lang="en-US" altLang="ko-KR" b="0"/>
+          </a:p>
+          <a:p>
+            <a:endParaRPr lang="en-US" altLang="ko-KR" b="0"/>
           </a:p>
         </p:txBody>
       </p:sp>
@@ -12555,92 +13070,72 @@
           <a:lstStyle/>
           <a:p>
             <a:r>
-              <a:rPr lang="en-US" altLang="ko-KR" dirty="0"/>
-              <a:t>To get a more detailed view of MPI performance characteristics, we study the scenario in which 4 MB MPI messages are transferred alongside 4 MB I/O requests in Figure 6. </a:t>
+              <a:rPr lang="en-US" altLang="ko-KR" b="0"/>
+              <a:t>Whay I have told for now on is the workflow of how you would go about using the system that this paper built called ERNEST looks something like this.</a:t>
             </a:r>
           </a:p>
           <a:p>
             <a:r>
-              <a:rPr lang="en-US" altLang="ko-KR" dirty="0"/>
-              <a:t>As described in the previous paragraph, reducing the MPI interval improves the MPI performance during high-intensity interference. </a:t>
+              <a:rPr lang="en-US" altLang="ko-KR" b="0"/>
+              <a:t>From the user side we get the job binary that they're trying to run / and some sort of grid of values (the machines and input size) that we should try for building the model itself </a:t>
             </a:r>
           </a:p>
           <a:p>
             <a:r>
-              <a:rPr lang="en-US" altLang="ko-KR" dirty="0"/>
-              <a:t>When the I/O interference interval is 100 µs, the average message time for 4 </a:t>
-            </a:r>
-            <a:r>
-              <a:rPr lang="en-US" altLang="ko-KR" dirty="0" err="1"/>
-              <a:t>ms</a:t>
-            </a:r>
-            <a:r>
-              <a:rPr lang="en-US" altLang="ko-KR" dirty="0"/>
-              <a:t> MPI interval is 1.34 </a:t>
-            </a:r>
-            <a:r>
-              <a:rPr lang="en-US" altLang="ko-KR" dirty="0" err="1"/>
-              <a:t>ms</a:t>
-            </a:r>
-            <a:r>
-              <a:rPr lang="en-US" altLang="ko-KR" dirty="0"/>
-              <a:t> while the average message time for 100 µs MPI interval is 0.85 </a:t>
-            </a:r>
-            <a:r>
-              <a:rPr lang="en-US" altLang="ko-KR" dirty="0" err="1"/>
-              <a:t>ms.</a:t>
-            </a:r>
-            <a:r>
-              <a:rPr lang="en-US" altLang="ko-KR" dirty="0"/>
-              <a:t> All MPI intervals larger than 4 </a:t>
-            </a:r>
-            <a:r>
-              <a:rPr lang="en-US" altLang="ko-KR" dirty="0" err="1"/>
-              <a:t>ms</a:t>
-            </a:r>
-            <a:r>
-              <a:rPr lang="en-US" altLang="ko-KR" dirty="0"/>
-              <a:t> experience a maximum slowdown above 300% of the baseline times when the I/O interval is 100 µs.</a:t>
+              <a:rPr lang="en-US" altLang="ko-KR" b="0"/>
+              <a:t>** and then both of these are fed into this box </a:t>
             </a:r>
           </a:p>
           <a:p>
-            <a:endParaRPr lang="en-US" altLang="ko-KR" dirty="0"/>
+            <a:r>
+              <a:rPr lang="en-US" altLang="ko-KR" b="0"/>
+              <a:t>** And inside this box we run a number of modules which are going to actually perform some of the actions that I described earlier in the talk </a:t>
+            </a:r>
           </a:p>
           <a:p>
             <a:r>
-              <a:rPr lang="en-US" altLang="ko-KR" dirty="0"/>
-              <a:t>Overall, the results so far can be summarized as follows: </a:t>
+              <a:rPr lang="en-US" altLang="ko-KR" b="0"/>
+              <a:t>so the first action is going to be ** it's going to run experiment design try and figure out the optimal set of training data points to collect </a:t>
             </a:r>
           </a:p>
           <a:p>
             <a:r>
-              <a:rPr lang="en-US" altLang="ko-KR" dirty="0"/>
-              <a:t>• Small interfering requests/messages (4 KB of MPI or I/O) have minimal impact on MPI or I/O performance. </a:t>
+              <a:rPr lang="en-US" altLang="ko-KR" b="0"/>
+              <a:t>and using those training data points it's going to launch some training jobs on a cluster to run.</a:t>
             </a:r>
           </a:p>
           <a:p>
             <a:r>
-              <a:rPr lang="en-US" altLang="ko-KR" dirty="0"/>
-              <a:t>• For I/O performance, the impact of interference is moderate if the I/O interval is larger than the I/O-congestion threshold. Below the threshold, interference has negligible effect. </a:t>
+              <a:rPr lang="en-US" altLang="ko-KR" b="0"/>
+              <a:t>** the other key point here is that we actually run only a few iterations of the job in order to collect some training data and using that we can also extrapolate how the future iterations will look</a:t>
             </a:r>
           </a:p>
           <a:p>
             <a:r>
-              <a:rPr lang="en-US" altLang="ko-KR" dirty="0"/>
-              <a:t>• For MPI performance, interference causes variations even when there is a moderate amount of interfering I/O traffic. The most significant impact is observed when the I/O traffic has passed its I/O-congestion threshold. </a:t>
+              <a:rPr lang="en-US" altLang="ko-KR" b="0"/>
+              <a:t>** and once we have collected this training data we then put it into a linear model </a:t>
             </a:r>
           </a:p>
           <a:p>
             <a:r>
-              <a:rPr lang="en-US" altLang="ko-KR" dirty="0"/>
-              <a:t>• Overall, the impact of interference is higher for MPI than I/O</a:t>
+              <a:rPr lang="en-US" altLang="ko-KR" b="0"/>
+              <a:t>** and the output of this linear model gives us this relation with how the running time varies as we change the number of machines are the input size for our job </a:t>
             </a:r>
           </a:p>
           <a:p>
-            <a:endParaRPr lang="en-US" altLang="ko-KR" dirty="0"/>
+            <a:endParaRPr lang="en-US" altLang="ko-KR" b="0"/>
           </a:p>
           <a:p>
-            <a:endParaRPr lang="ko-KR" altLang="en-US" dirty="0"/>
+            <a:r>
+              <a:rPr lang="en-US" altLang="ko-KR" b="0"/>
+              <a:t>so this gives you an end-to-end view of how Ernest works</a:t>
+            </a:r>
+          </a:p>
+          <a:p>
+            <a:r>
+              <a:rPr lang="en-US" altLang="ko-KR" b="0"/>
+              <a:t>with that I'm going to go and talk about some of the evaluations.</a:t>
+            </a:r>
           </a:p>
         </p:txBody>
       </p:sp>
@@ -12670,7 +13165,7 @@
     </p:spTree>
     <p:extLst>
       <p:ext uri="{BB962C8B-B14F-4D97-AF65-F5344CB8AC3E}">
-        <p14:creationId xmlns:p14="http://schemas.microsoft.com/office/powerpoint/2010/main" val="2793314806"/>
+        <p14:creationId xmlns:p14="http://schemas.microsoft.com/office/powerpoint/2010/main" val="1193760198"/>
       </p:ext>
     </p:extLst>
   </p:cSld>
@@ -12724,106 +13219,7 @@
           <a:bodyPr/>
           <a:lstStyle/>
           <a:p>
-            <a:r>
-              <a:rPr lang="en-US" altLang="ko-KR" dirty="0"/>
-              <a:t>So far, I have presented results on the impact of I/O-MPI interference on the performance of MPI and I/O jobs. </a:t>
-            </a:r>
-          </a:p>
-          <a:p>
-            <a:r>
-              <a:rPr lang="en-US" altLang="ko-KR" dirty="0"/>
-              <a:t>Next, they explore techniques that can potentially mitigate the effect of such interference for the most impacted scenarios. </a:t>
-            </a:r>
-          </a:p>
-          <a:p>
-            <a:r>
-              <a:rPr lang="en-US" altLang="ko-KR" dirty="0"/>
-              <a:t>In particular, we explore three interference mitigation strategies: (</a:t>
-            </a:r>
-            <a:r>
-              <a:rPr lang="en-US" altLang="ko-KR" dirty="0" err="1"/>
-              <a:t>i</a:t>
-            </a:r>
-            <a:r>
-              <a:rPr lang="en-US" altLang="ko-KR" dirty="0"/>
-              <a:t>) modifying the placement of jobs to nodes, (ii) relocating the I/O servers, and (iii) throttling I/O traffic. </a:t>
-            </a:r>
-          </a:p>
-          <a:p>
-            <a:endParaRPr lang="en-US" altLang="ko-KR" dirty="0"/>
-          </a:p>
-          <a:p>
-            <a:r>
-              <a:rPr lang="en-US" altLang="ko-KR" dirty="0"/>
-              <a:t>Figure 9A and Figure 9B show I/O and MPI performance, respectively, for executions with and without I/O-MPI interference for the Random-node and Random-switch job placement schemes.</a:t>
-            </a:r>
-          </a:p>
-          <a:p>
-            <a:r>
-              <a:rPr lang="en-US" altLang="ko-KR" u="sng" dirty="0"/>
-              <a:t>With the Random-switch placement, we see that the I/O and MPI times for the baseline and interference runs are similar, indicating that there is minimal slowdown due to interference for this type of mapping. </a:t>
-            </a:r>
-          </a:p>
-          <a:p>
-            <a:r>
-              <a:rPr lang="en-US" altLang="ko-KR" u="sng" dirty="0"/>
-              <a:t>In contrast, for the Random node placement, the average I/O request time increases by 11.8% </a:t>
-            </a:r>
-            <a:r>
-              <a:rPr lang="en-US" altLang="ko-KR" u="sng" strike="sngStrike" dirty="0"/>
-              <a:t>and the standard deviation increases from 8% to 19% when I/O-MPI interference is present. </a:t>
-            </a:r>
-          </a:p>
-          <a:p>
-            <a:r>
-              <a:rPr lang="en-US" altLang="ko-KR" u="sng" dirty="0"/>
-              <a:t>And MPI messages experience an average slowdown of 800% with the Random-node placement, and the maximum message time increases by two orders of magnitude</a:t>
-            </a:r>
-          </a:p>
-          <a:p>
-            <a:endParaRPr lang="en-US" altLang="ko-KR" dirty="0"/>
-          </a:p>
-          <a:p>
-            <a:r>
-              <a:rPr lang="en-US" altLang="ko-KR" dirty="0"/>
-              <a:t>The Random-switch scheme leads to performance improvements because all links connected to switches with I/O servers and clients carry only I/O traffic;</a:t>
-            </a:r>
-          </a:p>
-          <a:p>
-            <a:r>
-              <a:rPr lang="en-US" altLang="ko-KR" dirty="0"/>
-              <a:t>Therefore, MPI-I/O interference on links between level1 and level-2 switches is avoided.</a:t>
-            </a:r>
-          </a:p>
-          <a:p>
-            <a:endParaRPr lang="en-US" altLang="ko-KR" dirty="0"/>
-          </a:p>
-          <a:p>
-            <a:r>
-              <a:rPr lang="en-US" altLang="ko-KR" dirty="0"/>
-              <a:t>Figure 10 shows the impact of MPII/O interference on performance when the I/O server placement is varied. </a:t>
-            </a:r>
-          </a:p>
-          <a:p>
-            <a:r>
-              <a:rPr lang="en-US" altLang="ko-KR" dirty="0"/>
-              <a:t>They find that the spread-target placement of I/O nodes is best at mitigating interference for both types of jobs. Further, the isolated-target and random-target server placements result in similar slowdown for both jobs.</a:t>
-            </a:r>
-          </a:p>
-          <a:p>
-            <a:r>
-              <a:rPr lang="en-US" altLang="ko-KR" dirty="0"/>
-              <a:t>As a result, the I/O traffic is confined to a subset of the network and thus does not interfere with the MPI traffic. </a:t>
-            </a:r>
-          </a:p>
-          <a:p>
-            <a:r>
-              <a:rPr lang="en-US" altLang="ko-KR" strike="sngStrike" dirty="0"/>
-              <a:t>This insight can guide the placement of LNET routers and burst buffers to leverage the I/O traffic isolation due to the routing algorithm</a:t>
-            </a:r>
-          </a:p>
-          <a:p>
-            <a:endParaRPr lang="ko-KR" altLang="en-US" dirty="0"/>
+            <a:endParaRPr lang="ko-KR" altLang="en-US"/>
           </a:p>
         </p:txBody>
       </p:sp>
@@ -12853,7 +13249,7 @@
     </p:spTree>
     <p:extLst>
       <p:ext uri="{BB962C8B-B14F-4D97-AF65-F5344CB8AC3E}">
-        <p14:creationId xmlns:p14="http://schemas.microsoft.com/office/powerpoint/2010/main" val="3751613236"/>
+        <p14:creationId xmlns:p14="http://schemas.microsoft.com/office/powerpoint/2010/main" val="3413965418"/>
       </p:ext>
     </p:extLst>
   </p:cSld>
@@ -13094,7 +13490,7 @@
           <a:p>
             <a:fld id="{63E8814C-6E53-4AF6-982F-4D0EFBD81B05}" type="datetimeFigureOut">
               <a:rPr lang="ko-KR" altLang="en-US" smtClean="0"/>
-              <a:t>2022-11-20</a:t>
+              <a:t>2022-11-21</a:t>
             </a:fld>
             <a:endParaRPr lang="ko-KR" altLang="en-US"/>
           </a:p>
@@ -13318,7 +13714,7 @@
           <a:p>
             <a:fld id="{63E8814C-6E53-4AF6-982F-4D0EFBD81B05}" type="datetimeFigureOut">
               <a:rPr lang="ko-KR" altLang="en-US" smtClean="0"/>
-              <a:t>2022-11-20</a:t>
+              <a:t>2022-11-21</a:t>
             </a:fld>
             <a:endParaRPr lang="ko-KR" altLang="en-US"/>
           </a:p>
@@ -13609,7 +14005,7 @@
           <a:p>
             <a:fld id="{63E8814C-6E53-4AF6-982F-4D0EFBD81B05}" type="datetimeFigureOut">
               <a:rPr lang="ko-KR" altLang="en-US" smtClean="0"/>
-              <a:t>2022-11-20</a:t>
+              <a:t>2022-11-21</a:t>
             </a:fld>
             <a:endParaRPr lang="ko-KR" altLang="en-US"/>
           </a:p>
@@ -17488,8 +17884,8 @@
           </p:txBody>
         </p:sp>
       </p:grpSp>
-      <mc:AlternateContent xmlns:mc="http://schemas.openxmlformats.org/markup-compatibility/2006">
-        <mc:Choice xmlns:a14="http://schemas.microsoft.com/office/drawing/2010/main" Requires="a14">
+      <mc:AlternateContent xmlns:mc="http://schemas.openxmlformats.org/markup-compatibility/2006" xmlns:a14="http://schemas.microsoft.com/office/drawing/2010/main">
+        <mc:Choice Requires="a14">
           <p:sp>
             <p:nvSpPr>
               <p:cNvPr id="20" name="TextBox 19">
@@ -17818,7 +18214,7 @@
             </p:txBody>
           </p:sp>
         </mc:Choice>
-        <mc:Fallback>
+        <mc:Fallback xmlns="">
           <p:sp>
             <p:nvSpPr>
               <p:cNvPr id="20" name="TextBox 19">
@@ -19247,7 +19643,7 @@
         </p:nvSpPr>
         <p:spPr>
           <a:xfrm>
-            <a:off x="472541" y="1442938"/>
+            <a:off x="472541" y="1339055"/>
             <a:ext cx="2435841" cy="416011"/>
           </a:xfrm>
           <a:prstGeom prst="rect">
@@ -19323,7 +19719,7 @@
         </p:nvSpPr>
         <p:spPr>
           <a:xfrm>
-            <a:off x="4914900" y="1442937"/>
+            <a:off x="4914900" y="1339055"/>
             <a:ext cx="4011952" cy="416011"/>
           </a:xfrm>
           <a:prstGeom prst="rect">
@@ -19376,8 +19772,8 @@
         </p:blipFill>
         <p:spPr>
           <a:xfrm>
-            <a:off x="4966223" y="1982424"/>
-            <a:ext cx="3255502" cy="2274234"/>
+            <a:off x="5206894" y="2231185"/>
+            <a:ext cx="3508785" cy="2451173"/>
           </a:xfrm>
           <a:prstGeom prst="rect">
             <a:avLst/>
@@ -19406,7 +19802,7 @@
         </p:blipFill>
         <p:spPr>
           <a:xfrm>
-            <a:off x="8470661" y="2218641"/>
+            <a:off x="8668407" y="4639558"/>
             <a:ext cx="2892972" cy="1922076"/>
           </a:xfrm>
           <a:prstGeom prst="rect">
@@ -19593,7 +19989,24 @@
                 <a:ea typeface="맑은 고딕"/>
                 <a:cs typeface="+mn-cs"/>
               </a:rPr>
-              <a:t>Baseline : Greedy approach </a:t>
+              <a:t>Baseline : </a:t>
+            </a:r>
+            <a:r>
+              <a:rPr kumimoji="0" lang="en-US" altLang="ko-KR" sz="1400" i="0" u="none" strike="noStrike" kern="1200" cap="none" spc="0" normalizeH="0" baseline="0" noProof="0">
+                <a:ln>
+                  <a:noFill/>
+                </a:ln>
+                <a:solidFill>
+                  <a:prstClr val="black"/>
+                </a:solidFill>
+                <a:effectLst/>
+                <a:uLnTx/>
+                <a:uFillTx/>
+                <a:latin typeface="Roboto Slab"/>
+                <a:ea typeface="맑은 고딕"/>
+                <a:cs typeface="+mn-cs"/>
+              </a:rPr>
+              <a:t>Greedy approach </a:t>
             </a:r>
             <a:br>
               <a:rPr kumimoji="0" lang="en-US" altLang="ko-KR" sz="1400" b="0" i="0" u="none" strike="noStrike" kern="1200" cap="none" spc="0" normalizeH="0" baseline="0" noProof="0">
@@ -19665,78 +20078,12 @@
           </a:p>
         </p:txBody>
       </p:sp>
-    </p:spTree>
-    <p:extLst>
-      <p:ext uri="{BB962C8B-B14F-4D97-AF65-F5344CB8AC3E}">
-        <p14:creationId xmlns:p14="http://schemas.microsoft.com/office/powerpoint/2010/main" val="3592263960"/>
-      </p:ext>
-    </p:extLst>
-  </p:cSld>
-  <p:clrMapOvr>
-    <a:masterClrMapping/>
-  </p:clrMapOvr>
-</p:sld>
-</file>
-
-<file path=ppt/slides/slide6.xml><?xml version="1.0" encoding="utf-8"?>
-<p:sld xmlns:a="http://schemas.openxmlformats.org/drawingml/2006/main" xmlns:r="http://schemas.openxmlformats.org/officeDocument/2006/relationships" xmlns:p="http://schemas.openxmlformats.org/presentationml/2006/main" show="0">
-  <p:cSld>
-    <p:spTree>
-      <p:nvGrpSpPr>
-        <p:cNvPr id="1" name=""/>
-        <p:cNvGrpSpPr/>
-        <p:nvPr/>
-      </p:nvGrpSpPr>
-      <p:grpSpPr>
-        <a:xfrm>
-          <a:off x="0" y="0"/>
-          <a:ext cx="0" cy="0"/>
-          <a:chOff x="0" y="0"/>
-          <a:chExt cx="0" cy="0"/>
-        </a:xfrm>
-      </p:grpSpPr>
       <p:sp>
         <p:nvSpPr>
-          <p:cNvPr id="2" name="제목 1">
+          <p:cNvPr id="9" name="TextBox 8">
             <a:extLst>
               <a:ext uri="{FF2B5EF4-FFF2-40B4-BE49-F238E27FC236}">
-                <a16:creationId xmlns:a16="http://schemas.microsoft.com/office/drawing/2014/main" id="{5C386871-B092-6B43-A8DA-B84A6CCCC7F5}"/>
-              </a:ext>
-            </a:extLst>
-          </p:cNvPr>
-          <p:cNvSpPr>
-            <a:spLocks noGrp="1"/>
-          </p:cNvSpPr>
-          <p:nvPr>
-            <p:ph type="title"/>
-          </p:nvPr>
-        </p:nvSpPr>
-        <p:spPr>
-          <a:xfrm>
-            <a:off x="472541" y="401947"/>
-            <a:ext cx="5284255" cy="665876"/>
-          </a:xfrm>
-        </p:spPr>
-        <p:txBody>
-          <a:bodyPr>
-            <a:normAutofit/>
-          </a:bodyPr>
-          <a:lstStyle/>
-          <a:p>
-            <a:r>
-              <a:rPr lang="en-US" altLang="ko-KR" sz="2400" b="1" u="sng" dirty="0"/>
-              <a:t>3. Characterization of interference</a:t>
-            </a:r>
-            <a:endParaRPr lang="ko-KR" altLang="en-US" sz="2400" b="1" u="sng" dirty="0"/>
-          </a:p>
-        </p:txBody>
-      </p:sp>
-      <p:sp>
-        <p:nvSpPr>
-          <p:cNvPr id="6" name="TextBox 5">
-            <a:extLst>
-              <a:ext uri="{FF2B5EF4-FFF2-40B4-BE49-F238E27FC236}">
-                <a16:creationId xmlns:a16="http://schemas.microsoft.com/office/drawing/2014/main" id="{2188782E-44BF-062E-224B-C021A5C826FC}"/>
+                <a16:creationId xmlns:a16="http://schemas.microsoft.com/office/drawing/2014/main" id="{FA01B2C3-7F77-FDB3-FC0E-4011E9BD8D6F}"/>
               </a:ext>
             </a:extLst>
           </p:cNvPr>
@@ -19745,51 +20092,8 @@
         </p:nvSpPr>
         <p:spPr>
           <a:xfrm>
-            <a:off x="334963" y="1320554"/>
-            <a:ext cx="1617964" cy="454292"/>
-          </a:xfrm>
-          <a:prstGeom prst="rect">
-            <a:avLst/>
-          </a:prstGeom>
-          <a:noFill/>
-        </p:spPr>
-        <p:txBody>
-          <a:bodyPr wrap="square" rtlCol="0">
-            <a:spAutoFit/>
-          </a:bodyPr>
-          <a:lstStyle/>
-          <a:p>
-            <a:pPr marL="342900" indent="-342900">
-              <a:lnSpc>
-                <a:spcPct val="150000"/>
-              </a:lnSpc>
-              <a:buFont typeface="Wingdings" panose="05000000000000000000" pitchFamily="2" charset="2"/>
-              <a:buChar char="v"/>
-            </a:pPr>
-            <a:r>
-              <a:rPr lang="en-US" altLang="ko-KR" b="1" dirty="0"/>
-              <a:t>MPI job</a:t>
-            </a:r>
-            <a:endParaRPr lang="en-US" altLang="ko-KR" dirty="0"/>
-          </a:p>
-        </p:txBody>
-      </p:sp>
-      <p:sp>
-        <p:nvSpPr>
-          <p:cNvPr id="3" name="TextBox 2">
-            <a:extLst>
-              <a:ext uri="{FF2B5EF4-FFF2-40B4-BE49-F238E27FC236}">
-                <a16:creationId xmlns:a16="http://schemas.microsoft.com/office/drawing/2014/main" id="{A058B819-399A-1FE2-5CA0-277A1CFE5C5D}"/>
-              </a:ext>
-            </a:extLst>
-          </p:cNvPr>
-          <p:cNvSpPr txBox="1"/>
-          <p:nvPr/>
-        </p:nvSpPr>
-        <p:spPr>
-          <a:xfrm>
-            <a:off x="0" y="0"/>
-            <a:ext cx="9829800" cy="246221"/>
+            <a:off x="4981989" y="1834631"/>
+            <a:ext cx="6579390" cy="276999"/>
           </a:xfrm>
           <a:prstGeom prst="rect">
             <a:avLst/>
@@ -19802,465 +20106,36 @@
           </a:bodyPr>
           <a:lstStyle/>
           <a:p>
-            <a:r>
-              <a:rPr lang="en-US" altLang="ko-KR" sz="1000" i="0" dirty="0">
+            <a:pPr marL="171450" indent="-171450">
+              <a:buFont typeface="Arial" panose="020B0604020202020204" pitchFamily="34" charset="0"/>
+              <a:buChar char="•"/>
+            </a:pPr>
+            <a:r>
+              <a:rPr lang="en-US" altLang="ko-KR" sz="1200">
                 <a:solidFill>
                   <a:schemeClr val="bg1">
                     <a:lumMod val="50000"/>
                   </a:schemeClr>
                 </a:solidFill>
-                <a:effectLst/>
-                <a:latin typeface="Arial" panose="020B0604020202020204" pitchFamily="34" charset="0"/>
               </a:rPr>
-              <a:t>Brown, Kevin A., et al. "Interference between I/O and MPI traffic on fat-tree networks." Proceedings of the 47th International Conference on Parallel Processing. 2018.</a:t>
-            </a:r>
-          </a:p>
-        </p:txBody>
-      </p:sp>
-      <p:grpSp>
-        <p:nvGrpSpPr>
-          <p:cNvPr id="10" name="그룹 9">
-            <a:extLst>
-              <a:ext uri="{FF2B5EF4-FFF2-40B4-BE49-F238E27FC236}">
-                <a16:creationId xmlns:a16="http://schemas.microsoft.com/office/drawing/2014/main" id="{A904D364-79FA-4AD3-8AEB-490DC6F1D8A8}"/>
-              </a:ext>
-            </a:extLst>
-          </p:cNvPr>
-          <p:cNvGrpSpPr/>
-          <p:nvPr/>
-        </p:nvGrpSpPr>
-        <p:grpSpPr>
-          <a:xfrm>
-            <a:off x="1875560" y="1420143"/>
-            <a:ext cx="8440879" cy="2349731"/>
-            <a:chOff x="2085064" y="1320554"/>
-            <a:chExt cx="8440879" cy="2349731"/>
-          </a:xfrm>
-        </p:grpSpPr>
-        <p:pic>
-          <p:nvPicPr>
-            <p:cNvPr id="8" name="그림 7">
-              <a:extLst>
-                <a:ext uri="{FF2B5EF4-FFF2-40B4-BE49-F238E27FC236}">
-                  <a16:creationId xmlns:a16="http://schemas.microsoft.com/office/drawing/2014/main" id="{DC2B2304-F04D-C632-4428-8E7484B7B810}"/>
-                </a:ext>
-              </a:extLst>
-            </p:cNvPr>
-            <p:cNvPicPr>
-              <a:picLocks noChangeAspect="1"/>
-            </p:cNvPicPr>
-            <p:nvPr/>
-          </p:nvPicPr>
-          <p:blipFill>
-            <a:blip r:embed="rId3"/>
-            <a:stretch>
-              <a:fillRect/>
-            </a:stretch>
-          </p:blipFill>
-          <p:spPr>
-            <a:xfrm>
-              <a:off x="2085064" y="1320554"/>
-              <a:ext cx="8440879" cy="2349731"/>
-            </a:xfrm>
-            <a:prstGeom prst="rect">
-              <a:avLst/>
-            </a:prstGeom>
-          </p:spPr>
-        </p:pic>
-        <p:sp>
-          <p:nvSpPr>
-            <p:cNvPr id="4" name="TextBox 3">
-              <a:extLst>
-                <a:ext uri="{FF2B5EF4-FFF2-40B4-BE49-F238E27FC236}">
-                  <a16:creationId xmlns:a16="http://schemas.microsoft.com/office/drawing/2014/main" id="{CDD5F0FB-CB08-DFD8-9047-69B9C05939ED}"/>
-                </a:ext>
-              </a:extLst>
-            </p:cNvPr>
-            <p:cNvSpPr txBox="1"/>
-            <p:nvPr/>
-          </p:nvSpPr>
-          <p:spPr>
-            <a:xfrm>
-              <a:off x="6518500" y="3233738"/>
-              <a:ext cx="609150" cy="246221"/>
-            </a:xfrm>
-            <a:prstGeom prst="rect">
-              <a:avLst/>
-            </a:prstGeom>
-            <a:solidFill>
-              <a:srgbClr val="FFC000">
-                <a:alpha val="40000"/>
-              </a:srgbClr>
-            </a:solidFill>
-          </p:spPr>
-          <p:txBody>
-            <a:bodyPr wrap="square" rtlCol="0">
-              <a:spAutoFit/>
-            </a:bodyPr>
-            <a:lstStyle>
-              <a:defPPr>
-                <a:defRPr lang="ko-KR"/>
-              </a:defPPr>
-              <a:lvl1pPr>
-                <a:defRPr sz="1100"/>
-              </a:lvl1pPr>
-            </a:lstStyle>
-            <a:p>
-              <a:pPr algn="ctr"/>
-              <a:r>
-                <a:rPr lang="en-US" altLang="ko-KR" sz="1000" dirty="0"/>
-                <a:t>1.34ms</a:t>
-              </a:r>
-              <a:endParaRPr lang="ko-KR" altLang="en-US" sz="1000" dirty="0"/>
-            </a:p>
-          </p:txBody>
-        </p:sp>
-        <p:cxnSp>
-          <p:nvCxnSpPr>
-            <p:cNvPr id="5" name="직선 화살표 연결선 4">
-              <a:extLst>
-                <a:ext uri="{FF2B5EF4-FFF2-40B4-BE49-F238E27FC236}">
-                  <a16:creationId xmlns:a16="http://schemas.microsoft.com/office/drawing/2014/main" id="{6FE78F2C-9C40-267B-8A88-3EAC07C5514A}"/>
-                </a:ext>
-              </a:extLst>
-            </p:cNvPr>
-            <p:cNvCxnSpPr>
-              <a:cxnSpLocks/>
-            </p:cNvCxnSpPr>
-            <p:nvPr/>
-          </p:nvCxnSpPr>
-          <p:spPr>
-            <a:xfrm>
-              <a:off x="6823075" y="2978150"/>
-              <a:ext cx="0" cy="255588"/>
-            </a:xfrm>
-            <a:prstGeom prst="straightConnector1">
-              <a:avLst/>
-            </a:prstGeom>
-            <a:ln w="19050">
+              <a:t>A statistical technique that can be used to minimize the number of experiment runs required</a:t>
+            </a:r>
+            <a:endParaRPr lang="ko-KR" altLang="en-US" sz="1200">
               <a:solidFill>
-                <a:srgbClr val="FFC000"/>
+                <a:schemeClr val="bg1">
+                  <a:lumMod val="50000"/>
+                </a:schemeClr>
               </a:solidFill>
-              <a:tailEnd type="triangle"/>
-            </a:ln>
-          </p:spPr>
-          <p:style>
-            <a:lnRef idx="1">
-              <a:schemeClr val="accent4"/>
-            </a:lnRef>
-            <a:fillRef idx="0">
-              <a:schemeClr val="accent4"/>
-            </a:fillRef>
-            <a:effectRef idx="0">
-              <a:schemeClr val="accent4"/>
-            </a:effectRef>
-            <a:fontRef idx="minor">
-              <a:schemeClr val="tx1"/>
-            </a:fontRef>
-          </p:style>
-        </p:cxnSp>
-        <p:sp>
-          <p:nvSpPr>
-            <p:cNvPr id="11" name="TextBox 10">
-              <a:extLst>
-                <a:ext uri="{FF2B5EF4-FFF2-40B4-BE49-F238E27FC236}">
-                  <a16:creationId xmlns:a16="http://schemas.microsoft.com/office/drawing/2014/main" id="{3735DC66-07DF-8535-151E-6FFD7CC00401}"/>
-                </a:ext>
-              </a:extLst>
-            </p:cNvPr>
-            <p:cNvSpPr txBox="1"/>
-            <p:nvPr/>
-          </p:nvSpPr>
-          <p:spPr>
-            <a:xfrm>
-              <a:off x="9861775" y="3233738"/>
-              <a:ext cx="609150" cy="246221"/>
-            </a:xfrm>
-            <a:prstGeom prst="rect">
-              <a:avLst/>
-            </a:prstGeom>
-            <a:solidFill>
-              <a:srgbClr val="FFC000">
-                <a:alpha val="40000"/>
-              </a:srgbClr>
-            </a:solidFill>
-          </p:spPr>
-          <p:txBody>
-            <a:bodyPr wrap="square" rtlCol="0">
-              <a:spAutoFit/>
-            </a:bodyPr>
-            <a:lstStyle>
-              <a:defPPr>
-                <a:defRPr lang="ko-KR"/>
-              </a:defPPr>
-              <a:lvl1pPr>
-                <a:defRPr sz="1100"/>
-              </a:lvl1pPr>
-            </a:lstStyle>
-            <a:p>
-              <a:pPr algn="ctr"/>
-              <a:r>
-                <a:rPr lang="en-US" altLang="ko-KR" sz="1000" dirty="0"/>
-                <a:t>0.85ms</a:t>
-              </a:r>
-              <a:endParaRPr lang="ko-KR" altLang="en-US" sz="1000" dirty="0"/>
-            </a:p>
-          </p:txBody>
-        </p:sp>
-        <p:cxnSp>
-          <p:nvCxnSpPr>
-            <p:cNvPr id="12" name="직선 화살표 연결선 11">
-              <a:extLst>
-                <a:ext uri="{FF2B5EF4-FFF2-40B4-BE49-F238E27FC236}">
-                  <a16:creationId xmlns:a16="http://schemas.microsoft.com/office/drawing/2014/main" id="{5EE6CA57-070D-A1E1-8E4C-93FF7AE49C83}"/>
-                </a:ext>
-              </a:extLst>
-            </p:cNvPr>
-            <p:cNvCxnSpPr>
-              <a:cxnSpLocks/>
-            </p:cNvCxnSpPr>
-            <p:nvPr/>
-          </p:nvCxnSpPr>
-          <p:spPr>
-            <a:xfrm>
-              <a:off x="10166350" y="2978150"/>
-              <a:ext cx="0" cy="255588"/>
-            </a:xfrm>
-            <a:prstGeom prst="straightConnector1">
-              <a:avLst/>
-            </a:prstGeom>
-            <a:ln w="19050">
-              <a:solidFill>
-                <a:srgbClr val="FFC000"/>
-              </a:solidFill>
-              <a:tailEnd type="triangle"/>
-            </a:ln>
-          </p:spPr>
-          <p:style>
-            <a:lnRef idx="1">
-              <a:schemeClr val="accent4"/>
-            </a:lnRef>
-            <a:fillRef idx="0">
-              <a:schemeClr val="accent4"/>
-            </a:fillRef>
-            <a:effectRef idx="0">
-              <a:schemeClr val="accent4"/>
-            </a:effectRef>
-            <a:fontRef idx="minor">
-              <a:schemeClr val="tx1"/>
-            </a:fontRef>
-          </p:style>
-        </p:cxnSp>
-      </p:grpSp>
-      <p:sp>
-        <p:nvSpPr>
-          <p:cNvPr id="7" name="TextBox 6">
-            <a:extLst>
-              <a:ext uri="{FF2B5EF4-FFF2-40B4-BE49-F238E27FC236}">
-                <a16:creationId xmlns:a16="http://schemas.microsoft.com/office/drawing/2014/main" id="{0C8C2272-F324-175B-C5B7-52FC1B889428}"/>
-              </a:ext>
-            </a:extLst>
-          </p:cNvPr>
-          <p:cNvSpPr txBox="1">
-            <a:spLocks/>
-          </p:cNvSpPr>
-          <p:nvPr/>
-        </p:nvSpPr>
-        <p:spPr>
-          <a:xfrm>
-            <a:off x="1213658" y="3769874"/>
-            <a:ext cx="10078141" cy="610616"/>
-          </a:xfrm>
-          <a:prstGeom prst="rect">
-            <a:avLst/>
-          </a:prstGeom>
-          <a:noFill/>
-        </p:spPr>
-        <p:txBody>
-          <a:bodyPr wrap="square" rtlCol="0">
-            <a:spAutoFit/>
-          </a:bodyPr>
-          <a:lstStyle/>
-          <a:p>
-            <a:pPr marL="171450" indent="-171450">
-              <a:lnSpc>
-                <a:spcPct val="150000"/>
-              </a:lnSpc>
-              <a:buFont typeface="Wingdings" panose="05000000000000000000" pitchFamily="2" charset="2"/>
-              <a:buChar char="Ø"/>
-            </a:pPr>
-            <a:r>
-              <a:rPr lang="en-US" altLang="ko-KR" sz="1200" dirty="0"/>
-              <a:t>Reducing the MPI interval improves the MPI performance during high-intensity interference. </a:t>
-            </a:r>
-          </a:p>
-          <a:p>
-            <a:pPr marL="171450" indent="-171450">
-              <a:lnSpc>
-                <a:spcPct val="150000"/>
-              </a:lnSpc>
-              <a:buFont typeface="Wingdings" panose="05000000000000000000" pitchFamily="2" charset="2"/>
-              <a:buChar char="Ø"/>
-            </a:pPr>
-            <a:r>
-              <a:rPr lang="en-US" altLang="ko-KR" sz="1200" dirty="0"/>
-              <a:t>All MPI intervals larger than 4 </a:t>
-            </a:r>
-            <a:r>
-              <a:rPr lang="en-US" altLang="ko-KR" sz="1200" dirty="0" err="1"/>
-              <a:t>ms</a:t>
-            </a:r>
-            <a:r>
-              <a:rPr lang="en-US" altLang="ko-KR" sz="1200" dirty="0"/>
-              <a:t> experience a maximum slowdown above 300% of the baseline times when the I/O interval is 100 µs.</a:t>
-            </a:r>
+            </a:endParaRPr>
           </a:p>
         </p:txBody>
       </p:sp>
       <p:sp>
         <p:nvSpPr>
-          <p:cNvPr id="13" name="TextBox 12">
+          <p:cNvPr id="10" name="TextBox 9">
             <a:extLst>
               <a:ext uri="{FF2B5EF4-FFF2-40B4-BE49-F238E27FC236}">
-                <a16:creationId xmlns:a16="http://schemas.microsoft.com/office/drawing/2014/main" id="{D42C1FCD-854F-8822-F16B-416E3C7D094E}"/>
-              </a:ext>
-            </a:extLst>
-          </p:cNvPr>
-          <p:cNvSpPr txBox="1">
-            <a:spLocks/>
-          </p:cNvSpPr>
-          <p:nvPr/>
-        </p:nvSpPr>
-        <p:spPr>
-          <a:xfrm>
-            <a:off x="863497" y="2399466"/>
-            <a:ext cx="560896" cy="261610"/>
-          </a:xfrm>
-          <a:prstGeom prst="rect">
-            <a:avLst/>
-          </a:prstGeom>
-          <a:solidFill>
-            <a:schemeClr val="bg1">
-              <a:lumMod val="85000"/>
-              <a:alpha val="69804"/>
-            </a:schemeClr>
-          </a:solidFill>
-        </p:spPr>
-        <p:txBody>
-          <a:bodyPr wrap="square" rtlCol="0">
-            <a:spAutoFit/>
-          </a:bodyPr>
-          <a:lstStyle/>
-          <a:p>
-            <a:r>
-              <a:rPr lang="en-US" altLang="ko-KR" sz="1100" b="1" dirty="0"/>
-              <a:t>4 MB</a:t>
-            </a:r>
-            <a:endParaRPr lang="ko-KR" altLang="en-US" sz="1100" b="1" dirty="0"/>
-          </a:p>
-        </p:txBody>
-      </p:sp>
-      <p:sp>
-        <p:nvSpPr>
-          <p:cNvPr id="15" name="TextBox 14">
-            <a:extLst>
-              <a:ext uri="{FF2B5EF4-FFF2-40B4-BE49-F238E27FC236}">
-                <a16:creationId xmlns:a16="http://schemas.microsoft.com/office/drawing/2014/main" id="{E93933B0-70BD-6DB6-07D5-FD9A709EB133}"/>
-              </a:ext>
-            </a:extLst>
-          </p:cNvPr>
-          <p:cNvSpPr txBox="1">
-            <a:spLocks/>
-          </p:cNvSpPr>
-          <p:nvPr/>
-        </p:nvSpPr>
-        <p:spPr>
-          <a:xfrm>
-            <a:off x="1492898" y="4878672"/>
-            <a:ext cx="9206203" cy="1718612"/>
-          </a:xfrm>
-          <a:prstGeom prst="rect">
-            <a:avLst/>
-          </a:prstGeom>
-          <a:solidFill>
-            <a:srgbClr val="FFF2CC">
-              <a:alpha val="60000"/>
-            </a:srgbClr>
-          </a:solidFill>
-        </p:spPr>
-        <p:txBody>
-          <a:bodyPr wrap="square" rtlCol="0">
-            <a:spAutoFit/>
-          </a:bodyPr>
-          <a:lstStyle/>
-          <a:p>
-            <a:pPr marL="171450" indent="-171450">
-              <a:lnSpc>
-                <a:spcPct val="150000"/>
-              </a:lnSpc>
-              <a:buFont typeface="Wingdings" panose="05000000000000000000" pitchFamily="2" charset="2"/>
-              <a:buChar char="ü"/>
-            </a:pPr>
-            <a:r>
-              <a:rPr lang="en-US" altLang="ko-KR" sz="1200" dirty="0"/>
-              <a:t>Small interfering requests/messages (4 KB of MPI or I/O) have minimal impact on MPI or I/O performance.</a:t>
-            </a:r>
-          </a:p>
-          <a:p>
-            <a:pPr marL="171450" indent="-171450">
-              <a:lnSpc>
-                <a:spcPct val="150000"/>
-              </a:lnSpc>
-              <a:buFont typeface="Wingdings" panose="05000000000000000000" pitchFamily="2" charset="2"/>
-              <a:buChar char="ü"/>
-            </a:pPr>
-            <a:r>
-              <a:rPr lang="en-US" altLang="ko-KR" sz="1200" dirty="0"/>
-              <a:t>For I/O performance, the impact of interference is moderate if the I/O interval is larger than the I/O-congestion threshold. Below the threshold, interference has negligible effect. </a:t>
-            </a:r>
-          </a:p>
-          <a:p>
-            <a:pPr marL="171450" indent="-171450">
-              <a:lnSpc>
-                <a:spcPct val="150000"/>
-              </a:lnSpc>
-              <a:buFont typeface="Wingdings" panose="05000000000000000000" pitchFamily="2" charset="2"/>
-              <a:buChar char="ü"/>
-            </a:pPr>
-            <a:r>
-              <a:rPr lang="en-US" altLang="ko-KR" sz="1200" dirty="0"/>
-              <a:t>For MPI performance, interference causes variations even when there is a moderate amount of interfering I/O traffic. The most significant impact is observed when the I/O traffic has passed its I/O-congestion threshold.</a:t>
-            </a:r>
-          </a:p>
-          <a:p>
-            <a:pPr marL="171450" indent="-171450">
-              <a:lnSpc>
-                <a:spcPct val="150000"/>
-              </a:lnSpc>
-              <a:buFont typeface="Wingdings" panose="05000000000000000000" pitchFamily="2" charset="2"/>
-              <a:buChar char="ü"/>
-            </a:pPr>
-            <a:r>
-              <a:rPr lang="en-US" altLang="ko-KR" sz="1200" dirty="0"/>
-              <a:t>Overall, the impact of interference is </a:t>
-            </a:r>
-            <a:r>
-              <a:rPr lang="en-US" altLang="ko-KR" sz="1200" b="1" dirty="0"/>
-              <a:t>higher for MPI than I/O</a:t>
-            </a:r>
-            <a:r>
-              <a:rPr lang="en-US" altLang="ko-KR" sz="1200" dirty="0"/>
-              <a:t>.</a:t>
-            </a:r>
-          </a:p>
-        </p:txBody>
-      </p:sp>
-      <p:sp>
-        <p:nvSpPr>
-          <p:cNvPr id="16" name="TextBox 15">
-            <a:extLst>
-              <a:ext uri="{FF2B5EF4-FFF2-40B4-BE49-F238E27FC236}">
-                <a16:creationId xmlns:a16="http://schemas.microsoft.com/office/drawing/2014/main" id="{BE75ACC9-F173-CA8C-18A8-C4073064E201}"/>
+                <a16:creationId xmlns:a16="http://schemas.microsoft.com/office/drawing/2014/main" id="{D8CBE6A6-D279-C4ED-6A09-E64BA4AE8566}"/>
               </a:ext>
             </a:extLst>
           </p:cNvPr>
@@ -20269,160 +20144,8 @@
         </p:nvSpPr>
         <p:spPr>
           <a:xfrm>
-            <a:off x="1496705" y="4504787"/>
-            <a:ext cx="1617964" cy="373885"/>
-          </a:xfrm>
-          <a:prstGeom prst="rect">
-            <a:avLst/>
-          </a:prstGeom>
-          <a:noFill/>
-        </p:spPr>
-        <p:txBody>
-          <a:bodyPr wrap="square" rtlCol="0">
-            <a:spAutoFit/>
-          </a:bodyPr>
-          <a:lstStyle/>
-          <a:p>
-            <a:pPr marL="342900" indent="-342900">
-              <a:lnSpc>
-                <a:spcPct val="150000"/>
-              </a:lnSpc>
-              <a:buFont typeface="Wingdings" panose="05000000000000000000" pitchFamily="2" charset="2"/>
-              <a:buChar char="v"/>
-            </a:pPr>
-            <a:r>
-              <a:rPr lang="en-US" altLang="ko-KR" sz="1400" b="1" dirty="0"/>
-              <a:t>Summarize</a:t>
-            </a:r>
-            <a:endParaRPr lang="en-US" altLang="ko-KR" sz="1400" dirty="0"/>
-          </a:p>
-        </p:txBody>
-      </p:sp>
-    </p:spTree>
-    <p:extLst>
-      <p:ext uri="{BB962C8B-B14F-4D97-AF65-F5344CB8AC3E}">
-        <p14:creationId xmlns:p14="http://schemas.microsoft.com/office/powerpoint/2010/main" val="767962921"/>
-      </p:ext>
-    </p:extLst>
-  </p:cSld>
-  <p:clrMapOvr>
-    <a:masterClrMapping/>
-  </p:clrMapOvr>
-</p:sld>
-</file>
-
-<file path=ppt/slides/slide7.xml><?xml version="1.0" encoding="utf-8"?>
-<p:sld xmlns:a="http://schemas.openxmlformats.org/drawingml/2006/main" xmlns:r="http://schemas.openxmlformats.org/officeDocument/2006/relationships" xmlns:p="http://schemas.openxmlformats.org/presentationml/2006/main" show="0">
-  <p:cSld>
-    <p:spTree>
-      <p:nvGrpSpPr>
-        <p:cNvPr id="1" name=""/>
-        <p:cNvGrpSpPr/>
-        <p:nvPr/>
-      </p:nvGrpSpPr>
-      <p:grpSpPr>
-        <a:xfrm>
-          <a:off x="0" y="0"/>
-          <a:ext cx="0" cy="0"/>
-          <a:chOff x="0" y="0"/>
-          <a:chExt cx="0" cy="0"/>
-        </a:xfrm>
-      </p:grpSpPr>
-      <p:sp>
-        <p:nvSpPr>
-          <p:cNvPr id="2" name="제목 1">
-            <a:extLst>
-              <a:ext uri="{FF2B5EF4-FFF2-40B4-BE49-F238E27FC236}">
-                <a16:creationId xmlns:a16="http://schemas.microsoft.com/office/drawing/2014/main" id="{5C386871-B092-6B43-A8DA-B84A6CCCC7F5}"/>
-              </a:ext>
-            </a:extLst>
-          </p:cNvPr>
-          <p:cNvSpPr>
-            <a:spLocks noGrp="1"/>
-          </p:cNvSpPr>
-          <p:nvPr>
-            <p:ph type="title"/>
-          </p:nvPr>
-        </p:nvSpPr>
-        <p:spPr>
-          <a:xfrm>
-            <a:off x="472541" y="401947"/>
-            <a:ext cx="5284255" cy="665876"/>
-          </a:xfrm>
-        </p:spPr>
-        <p:txBody>
-          <a:bodyPr>
-            <a:normAutofit/>
-          </a:bodyPr>
-          <a:lstStyle/>
-          <a:p>
-            <a:r>
-              <a:rPr lang="en-US" altLang="ko-KR" sz="2400" b="1" u="sng" dirty="0"/>
-              <a:t>4. Mitigation strategies</a:t>
-            </a:r>
-            <a:endParaRPr lang="ko-KR" altLang="en-US" sz="2400" b="1" u="sng" dirty="0"/>
-          </a:p>
-        </p:txBody>
-      </p:sp>
-      <p:sp>
-        <p:nvSpPr>
-          <p:cNvPr id="6" name="TextBox 5">
-            <a:extLst>
-              <a:ext uri="{FF2B5EF4-FFF2-40B4-BE49-F238E27FC236}">
-                <a16:creationId xmlns:a16="http://schemas.microsoft.com/office/drawing/2014/main" id="{2188782E-44BF-062E-224B-C021A5C826FC}"/>
-              </a:ext>
-            </a:extLst>
-          </p:cNvPr>
-          <p:cNvSpPr txBox="1"/>
-          <p:nvPr/>
-        </p:nvSpPr>
-        <p:spPr>
-          <a:xfrm>
-            <a:off x="334963" y="1320554"/>
-            <a:ext cx="4761488" cy="454292"/>
-          </a:xfrm>
-          <a:prstGeom prst="rect">
-            <a:avLst/>
-          </a:prstGeom>
-          <a:noFill/>
-        </p:spPr>
-        <p:txBody>
-          <a:bodyPr wrap="square" rtlCol="0">
-            <a:spAutoFit/>
-          </a:bodyPr>
-          <a:lstStyle/>
-          <a:p>
-            <a:pPr marL="342900" indent="-342900">
-              <a:lnSpc>
-                <a:spcPct val="150000"/>
-              </a:lnSpc>
-              <a:buFont typeface="Wingdings" panose="05000000000000000000" pitchFamily="2" charset="2"/>
-              <a:buChar char="v"/>
-            </a:pPr>
-            <a:r>
-              <a:rPr lang="en-US" altLang="ko-KR" b="1" dirty="0"/>
-              <a:t>Job Placement</a:t>
-            </a:r>
-            <a:endParaRPr lang="en-US" altLang="ko-KR" dirty="0"/>
-          </a:p>
-        </p:txBody>
-      </p:sp>
-      <p:sp>
-        <p:nvSpPr>
-          <p:cNvPr id="3" name="TextBox 2">
-            <a:extLst>
-              <a:ext uri="{FF2B5EF4-FFF2-40B4-BE49-F238E27FC236}">
-                <a16:creationId xmlns:a16="http://schemas.microsoft.com/office/drawing/2014/main" id="{A058B819-399A-1FE2-5CA0-277A1CFE5C5D}"/>
-              </a:ext>
-            </a:extLst>
-          </p:cNvPr>
-          <p:cNvSpPr txBox="1"/>
-          <p:nvPr/>
-        </p:nvSpPr>
-        <p:spPr>
-          <a:xfrm>
-            <a:off x="0" y="0"/>
-            <a:ext cx="9829800" cy="246221"/>
+            <a:off x="8668407" y="3032100"/>
+            <a:ext cx="3075962" cy="698717"/>
           </a:xfrm>
           <a:prstGeom prst="rect">
             <a:avLst/>
@@ -20435,360 +20158,119 @@
           </a:bodyPr>
           <a:lstStyle/>
           <a:p>
-            <a:r>
-              <a:rPr lang="en-US" altLang="ko-KR" sz="1000" i="0" dirty="0">
-                <a:solidFill>
-                  <a:schemeClr val="bg1">
-                    <a:lumMod val="50000"/>
-                  </a:schemeClr>
-                </a:solidFill>
-                <a:effectLst/>
-                <a:latin typeface="Arial" panose="020B0604020202020204" pitchFamily="34" charset="0"/>
-              </a:rPr>
-              <a:t>Brown, Kevin A., et al. "Interference between I/O and MPI traffic on fat-tree networks." Proceedings of the 47th International Conference on Parallel Processing. 2018.</a:t>
-            </a:r>
-          </a:p>
-        </p:txBody>
-      </p:sp>
-      <p:grpSp>
-        <p:nvGrpSpPr>
-          <p:cNvPr id="11" name="그룹 10">
-            <a:extLst>
-              <a:ext uri="{FF2B5EF4-FFF2-40B4-BE49-F238E27FC236}">
-                <a16:creationId xmlns:a16="http://schemas.microsoft.com/office/drawing/2014/main" id="{EA4F5E7C-F3BC-AD7F-62EA-EA497A596739}"/>
-              </a:ext>
-            </a:extLst>
-          </p:cNvPr>
-          <p:cNvGrpSpPr/>
-          <p:nvPr/>
-        </p:nvGrpSpPr>
-        <p:grpSpPr>
-          <a:xfrm>
-            <a:off x="1079210" y="2007536"/>
-            <a:ext cx="3943553" cy="2413124"/>
-            <a:chOff x="743930" y="2142156"/>
-            <a:chExt cx="3943553" cy="2413124"/>
-          </a:xfrm>
-        </p:grpSpPr>
-        <p:pic>
-          <p:nvPicPr>
-            <p:cNvPr id="5" name="그림 4">
-              <a:extLst>
-                <a:ext uri="{FF2B5EF4-FFF2-40B4-BE49-F238E27FC236}">
-                  <a16:creationId xmlns:a16="http://schemas.microsoft.com/office/drawing/2014/main" id="{812B1238-304B-B840-6460-68671EA3D031}"/>
-                </a:ext>
-              </a:extLst>
-            </p:cNvPr>
-            <p:cNvPicPr>
-              <a:picLocks noChangeAspect="1"/>
-            </p:cNvPicPr>
-            <p:nvPr/>
-          </p:nvPicPr>
-          <p:blipFill>
-            <a:blip r:embed="rId3"/>
-            <a:stretch>
-              <a:fillRect/>
-            </a:stretch>
-          </p:blipFill>
-          <p:spPr>
-            <a:xfrm>
-              <a:off x="743930" y="2142156"/>
-              <a:ext cx="3943553" cy="2413124"/>
-            </a:xfrm>
-            <a:prstGeom prst="rect">
-              <a:avLst/>
-            </a:prstGeom>
-          </p:spPr>
-        </p:pic>
-        <p:sp>
-          <p:nvSpPr>
-            <p:cNvPr id="7" name="TextBox 6">
-              <a:extLst>
-                <a:ext uri="{FF2B5EF4-FFF2-40B4-BE49-F238E27FC236}">
-                  <a16:creationId xmlns:a16="http://schemas.microsoft.com/office/drawing/2014/main" id="{1FC951C3-7EC6-2E17-C4E1-CD1AD9B9F2D3}"/>
-                </a:ext>
-              </a:extLst>
-            </p:cNvPr>
-            <p:cNvSpPr txBox="1">
-              <a:spLocks/>
-            </p:cNvSpPr>
-            <p:nvPr/>
-          </p:nvSpPr>
-          <p:spPr>
-            <a:xfrm>
-              <a:off x="4034511" y="2952890"/>
-              <a:ext cx="570146" cy="246221"/>
-            </a:xfrm>
-            <a:prstGeom prst="rect">
-              <a:avLst/>
-            </a:prstGeom>
-            <a:solidFill>
-              <a:srgbClr val="FFF2CC">
-                <a:alpha val="69804"/>
-              </a:srgbClr>
-            </a:solidFill>
-          </p:spPr>
-          <p:txBody>
-            <a:bodyPr wrap="square" rtlCol="0">
-              <a:spAutoFit/>
-            </a:bodyPr>
-            <a:lstStyle>
-              <a:defPPr>
-                <a:defRPr lang="ko-KR"/>
-              </a:defPPr>
-              <a:lvl1pPr>
-                <a:defRPr sz="1100"/>
-              </a:lvl1pPr>
-            </a:lstStyle>
-            <a:p>
-              <a:r>
-                <a:rPr lang="en-US" altLang="ko-KR" sz="1000" dirty="0"/>
-                <a:t>similar</a:t>
-              </a:r>
-              <a:endParaRPr lang="ko-KR" altLang="en-US" sz="1000" dirty="0"/>
-            </a:p>
-          </p:txBody>
-        </p:sp>
-        <p:sp>
-          <p:nvSpPr>
-            <p:cNvPr id="8" name="TextBox 7">
-              <a:extLst>
-                <a:ext uri="{FF2B5EF4-FFF2-40B4-BE49-F238E27FC236}">
-                  <a16:creationId xmlns:a16="http://schemas.microsoft.com/office/drawing/2014/main" id="{687D475A-FC47-F4F7-8BF7-72347AC8C90C}"/>
-                </a:ext>
-              </a:extLst>
-            </p:cNvPr>
-            <p:cNvSpPr txBox="1">
-              <a:spLocks/>
-            </p:cNvSpPr>
-            <p:nvPr/>
-          </p:nvSpPr>
-          <p:spPr>
-            <a:xfrm>
-              <a:off x="3373560" y="2384514"/>
-              <a:ext cx="660951" cy="384721"/>
-            </a:xfrm>
-            <a:prstGeom prst="rect">
-              <a:avLst/>
-            </a:prstGeom>
-            <a:solidFill>
-              <a:srgbClr val="FFF2CC">
-                <a:alpha val="69804"/>
-              </a:srgbClr>
-            </a:solidFill>
-          </p:spPr>
-          <p:txBody>
-            <a:bodyPr wrap="square" rtlCol="0">
-              <a:spAutoFit/>
-            </a:bodyPr>
-            <a:lstStyle>
-              <a:defPPr>
-                <a:defRPr lang="ko-KR"/>
-              </a:defPPr>
-              <a:lvl1pPr>
-                <a:defRPr sz="1100"/>
-              </a:lvl1pPr>
-            </a:lstStyle>
-            <a:p>
-              <a:pPr algn="ctr"/>
-              <a:r>
-                <a:rPr lang="en-US" altLang="ko-KR" sz="1000" dirty="0"/>
-                <a:t>Increase</a:t>
-              </a:r>
-            </a:p>
-            <a:p>
-              <a:pPr algn="ctr"/>
-              <a:r>
-                <a:rPr lang="en-US" altLang="ko-KR" sz="900" dirty="0"/>
-                <a:t>(800%)</a:t>
-              </a:r>
-              <a:endParaRPr lang="ko-KR" altLang="en-US" sz="900" dirty="0"/>
-            </a:p>
-          </p:txBody>
-        </p:sp>
-        <p:sp>
-          <p:nvSpPr>
-            <p:cNvPr id="9" name="TextBox 8">
-              <a:extLst>
-                <a:ext uri="{FF2B5EF4-FFF2-40B4-BE49-F238E27FC236}">
-                  <a16:creationId xmlns:a16="http://schemas.microsoft.com/office/drawing/2014/main" id="{01AA6C6A-4A10-EDAA-D96E-6E64C1C78390}"/>
-                </a:ext>
-              </a:extLst>
-            </p:cNvPr>
-            <p:cNvSpPr txBox="1">
-              <a:spLocks/>
-            </p:cNvSpPr>
-            <p:nvPr/>
-          </p:nvSpPr>
-          <p:spPr>
-            <a:xfrm>
-              <a:off x="1977111" y="2952890"/>
-              <a:ext cx="570146" cy="246221"/>
-            </a:xfrm>
-            <a:prstGeom prst="rect">
-              <a:avLst/>
-            </a:prstGeom>
-            <a:solidFill>
-              <a:srgbClr val="FFF2CC">
-                <a:alpha val="69804"/>
-              </a:srgbClr>
-            </a:solidFill>
-          </p:spPr>
-          <p:txBody>
-            <a:bodyPr wrap="square" rtlCol="0">
-              <a:spAutoFit/>
-            </a:bodyPr>
-            <a:lstStyle>
-              <a:defPPr>
-                <a:defRPr lang="ko-KR"/>
-              </a:defPPr>
-              <a:lvl1pPr>
-                <a:defRPr sz="1100"/>
-              </a:lvl1pPr>
-            </a:lstStyle>
-            <a:p>
-              <a:r>
-                <a:rPr lang="en-US" altLang="ko-KR" sz="1000" dirty="0"/>
-                <a:t>similar</a:t>
-              </a:r>
-              <a:endParaRPr lang="ko-KR" altLang="en-US" sz="1000" dirty="0"/>
-            </a:p>
-          </p:txBody>
-        </p:sp>
-        <p:sp>
-          <p:nvSpPr>
-            <p:cNvPr id="10" name="TextBox 9">
-              <a:extLst>
-                <a:ext uri="{FF2B5EF4-FFF2-40B4-BE49-F238E27FC236}">
-                  <a16:creationId xmlns:a16="http://schemas.microsoft.com/office/drawing/2014/main" id="{0EA5DE3C-5970-4820-0663-1AD8ED9A483B}"/>
-                </a:ext>
-              </a:extLst>
-            </p:cNvPr>
-            <p:cNvSpPr txBox="1">
-              <a:spLocks/>
-            </p:cNvSpPr>
-            <p:nvPr/>
-          </p:nvSpPr>
-          <p:spPr>
-            <a:xfrm>
-              <a:off x="1236055" y="2384514"/>
-              <a:ext cx="660951" cy="384721"/>
-            </a:xfrm>
-            <a:prstGeom prst="rect">
-              <a:avLst/>
-            </a:prstGeom>
-            <a:solidFill>
-              <a:srgbClr val="FFF2CC">
-                <a:alpha val="69804"/>
-              </a:srgbClr>
-            </a:solidFill>
-          </p:spPr>
-          <p:txBody>
-            <a:bodyPr wrap="square" rtlCol="0">
-              <a:spAutoFit/>
-            </a:bodyPr>
-            <a:lstStyle>
-              <a:defPPr>
-                <a:defRPr lang="ko-KR"/>
-              </a:defPPr>
-              <a:lvl1pPr>
-                <a:defRPr sz="1100"/>
-              </a:lvl1pPr>
-            </a:lstStyle>
-            <a:p>
-              <a:pPr algn="ctr"/>
-              <a:r>
-                <a:rPr lang="en-US" altLang="ko-KR" sz="1000" dirty="0"/>
-                <a:t>Increase</a:t>
-              </a:r>
-              <a:r>
-                <a:rPr lang="en-US" altLang="ko-KR" sz="900" dirty="0"/>
-                <a:t>(11.8%)</a:t>
-              </a:r>
-              <a:endParaRPr lang="ko-KR" altLang="en-US" sz="1000" dirty="0"/>
-            </a:p>
-          </p:txBody>
-        </p:sp>
-      </p:grpSp>
-      <p:pic>
-        <p:nvPicPr>
-          <p:cNvPr id="13" name="그림 12">
-            <a:extLst>
-              <a:ext uri="{FF2B5EF4-FFF2-40B4-BE49-F238E27FC236}">
-                <a16:creationId xmlns:a16="http://schemas.microsoft.com/office/drawing/2014/main" id="{B4DFE128-CE85-4D6B-E563-CFA1BD581607}"/>
-              </a:ext>
-            </a:extLst>
-          </p:cNvPr>
-          <p:cNvPicPr>
-            <a:picLocks noChangeAspect="1"/>
-          </p:cNvPicPr>
-          <p:nvPr/>
-        </p:nvPicPr>
-        <p:blipFill>
-          <a:blip r:embed="rId4"/>
-          <a:stretch>
-            <a:fillRect/>
-          </a:stretch>
-        </p:blipFill>
-        <p:spPr>
-          <a:xfrm>
-            <a:off x="6815712" y="1998366"/>
-            <a:ext cx="4057859" cy="2381372"/>
-          </a:xfrm>
-          <a:prstGeom prst="rect">
-            <a:avLst/>
-          </a:prstGeom>
-        </p:spPr>
-      </p:pic>
-      <p:sp>
-        <p:nvSpPr>
-          <p:cNvPr id="17" name="TextBox 16">
-            <a:extLst>
-              <a:ext uri="{FF2B5EF4-FFF2-40B4-BE49-F238E27FC236}">
-                <a16:creationId xmlns:a16="http://schemas.microsoft.com/office/drawing/2014/main" id="{99BF2A66-83B7-CBDF-D4CE-E84A069CB75E}"/>
-              </a:ext>
-            </a:extLst>
-          </p:cNvPr>
-          <p:cNvSpPr txBox="1"/>
-          <p:nvPr/>
-        </p:nvSpPr>
-        <p:spPr>
-          <a:xfrm>
-            <a:off x="6096000" y="1320554"/>
-            <a:ext cx="4761488" cy="454292"/>
-          </a:xfrm>
-          <a:prstGeom prst="rect">
-            <a:avLst/>
-          </a:prstGeom>
-          <a:noFill/>
-        </p:spPr>
-        <p:txBody>
-          <a:bodyPr wrap="square" rtlCol="0">
-            <a:spAutoFit/>
-          </a:bodyPr>
-          <a:lstStyle/>
-          <a:p>
-            <a:pPr marL="342900" indent="-342900">
+            <a:pPr marL="285750" marR="0" lvl="0" indent="-285750" algn="l" defTabSz="914400" rtl="0" eaLnBrk="1" fontAlgn="auto" latinLnBrk="1" hangingPunct="1">
               <a:lnSpc>
                 <a:spcPct val="150000"/>
               </a:lnSpc>
-              <a:buFont typeface="Wingdings" panose="05000000000000000000" pitchFamily="2" charset="2"/>
-              <a:buChar char="v"/>
+              <a:spcBef>
+                <a:spcPts val="0"/>
+              </a:spcBef>
+              <a:spcAft>
+                <a:spcPts val="0"/>
+              </a:spcAft>
+              <a:buClrTx/>
+              <a:buSzTx/>
+              <a:buFont typeface="Arial" panose="020B0604020202020204" pitchFamily="34" charset="0"/>
+              <a:buChar char="•"/>
+              <a:tabLst/>
+              <a:defRPr/>
             </a:pPr>
             <a:r>
-              <a:rPr lang="en-US" altLang="ko-KR" b="1" dirty="0"/>
-              <a:t>I/O server Placement</a:t>
-            </a:r>
-            <a:endParaRPr lang="en-US" altLang="ko-KR" dirty="0"/>
+              <a:rPr kumimoji="0" lang="en-US" altLang="ko-KR" sz="1400" b="0" i="0" u="none" strike="noStrike" kern="1200" cap="none" spc="0" normalizeH="0" baseline="0" noProof="0">
+                <a:ln>
+                  <a:noFill/>
+                </a:ln>
+                <a:solidFill>
+                  <a:prstClr val="black"/>
+                </a:solidFill>
+                <a:effectLst/>
+                <a:uLnTx/>
+                <a:uFillTx/>
+                <a:latin typeface="Roboto Slab"/>
+                <a:ea typeface="맑은 고딕"/>
+                <a:cs typeface="+mn-cs"/>
+              </a:rPr>
+              <a:t>Lower variance </a:t>
+            </a:r>
+            <a:r>
+              <a:rPr kumimoji="0" lang="ko-KR" altLang="en-US" sz="1400" b="0" i="0" u="none" strike="noStrike" kern="1200" cap="none" spc="0" normalizeH="0" baseline="0" noProof="0">
+                <a:ln>
+                  <a:noFill/>
+                </a:ln>
+                <a:solidFill>
+                  <a:prstClr val="black"/>
+                </a:solidFill>
+                <a:effectLst/>
+                <a:uLnTx/>
+                <a:uFillTx/>
+                <a:latin typeface="Roboto Slab"/>
+                <a:ea typeface="맑은 고딕"/>
+                <a:cs typeface="+mn-cs"/>
+              </a:rPr>
+              <a:t>⇒ </a:t>
+            </a:r>
+            <a:r>
+              <a:rPr kumimoji="0" lang="en-US" altLang="ko-KR" sz="1400" b="0" i="0" u="none" strike="noStrike" kern="1200" cap="none" spc="0" normalizeH="0" baseline="0" noProof="0">
+                <a:ln>
+                  <a:noFill/>
+                </a:ln>
+                <a:solidFill>
+                  <a:prstClr val="black"/>
+                </a:solidFill>
+                <a:effectLst/>
+                <a:uLnTx/>
+                <a:uFillTx/>
+                <a:latin typeface="Roboto Slab"/>
+                <a:ea typeface="맑은 고딕"/>
+                <a:cs typeface="+mn-cs"/>
+              </a:rPr>
+              <a:t>Better model</a:t>
+            </a:r>
+          </a:p>
+          <a:p>
+            <a:pPr marL="285750" marR="0" lvl="0" indent="-285750" algn="l" defTabSz="914400" rtl="0" eaLnBrk="1" fontAlgn="auto" latinLnBrk="1" hangingPunct="1">
+              <a:lnSpc>
+                <a:spcPct val="150000"/>
+              </a:lnSpc>
+              <a:spcBef>
+                <a:spcPts val="0"/>
+              </a:spcBef>
+              <a:spcAft>
+                <a:spcPts val="0"/>
+              </a:spcAft>
+              <a:buClrTx/>
+              <a:buSzTx/>
+              <a:buFont typeface="Arial" panose="020B0604020202020204" pitchFamily="34" charset="0"/>
+              <a:buChar char="•"/>
+              <a:tabLst/>
+              <a:defRPr/>
+            </a:pPr>
+            <a:r>
+              <a:rPr kumimoji="0" lang="en-US" altLang="ko-KR" sz="1400" b="0" i="0" u="none" strike="noStrike" kern="1200" cap="none" spc="0" normalizeH="0" baseline="0" noProof="0">
+                <a:ln>
+                  <a:noFill/>
+                </a:ln>
+                <a:solidFill>
+                  <a:prstClr val="black"/>
+                </a:solidFill>
+                <a:effectLst/>
+                <a:uLnTx/>
+                <a:uFillTx/>
+                <a:latin typeface="Roboto Slab"/>
+                <a:ea typeface="맑은 고딕"/>
+                <a:cs typeface="+mn-cs"/>
+              </a:rPr>
+              <a:t>Bound total cost</a:t>
+            </a:r>
           </a:p>
         </p:txBody>
       </p:sp>
       <p:sp>
         <p:nvSpPr>
-          <p:cNvPr id="18" name="직사각형 17">
+          <p:cNvPr id="12" name="직사각형 11">
             <a:extLst>
               <a:ext uri="{FF2B5EF4-FFF2-40B4-BE49-F238E27FC236}">
-                <a16:creationId xmlns:a16="http://schemas.microsoft.com/office/drawing/2014/main" id="{0C10CDA0-0EEE-A734-EEF0-D3331A9A4CED}"/>
+                <a16:creationId xmlns:a16="http://schemas.microsoft.com/office/drawing/2014/main" id="{C33CBCCA-B4DC-4770-3B7B-A66D4E05DD36}"/>
               </a:ext>
             </a:extLst>
           </p:cNvPr>
@@ -20799,17 +20281,19 @@
         </p:nvSpPr>
         <p:spPr>
           <a:xfrm>
-            <a:off x="7768632" y="2774249"/>
-            <a:ext cx="444639" cy="818400"/>
+            <a:off x="7041156" y="3316693"/>
+            <a:ext cx="1414416" cy="540603"/>
           </a:xfrm>
           <a:prstGeom prst="rect">
             <a:avLst/>
           </a:prstGeom>
           <a:ln w="38100">
             <a:solidFill>
-              <a:srgbClr val="FFC000">
+              <a:schemeClr val="accent4">
+                <a:lumMod val="60000"/>
+                <a:lumOff val="40000"/>
                 <a:alpha val="50196"/>
-              </a:srgbClr>
+              </a:schemeClr>
             </a:solidFill>
           </a:ln>
         </p:spPr>
@@ -20838,32 +20322,592 @@
       </p:sp>
       <p:sp>
         <p:nvSpPr>
-          <p:cNvPr id="19" name="직사각형 18">
+          <p:cNvPr id="14" name="TextBox 13">
             <a:extLst>
               <a:ext uri="{FF2B5EF4-FFF2-40B4-BE49-F238E27FC236}">
-                <a16:creationId xmlns:a16="http://schemas.microsoft.com/office/drawing/2014/main" id="{EB97FCD9-8810-3C8E-ADE4-DF9AFC3EBE62}"/>
+                <a16:creationId xmlns:a16="http://schemas.microsoft.com/office/drawing/2014/main" id="{FFC42307-AB25-517D-2E02-21D7D9F3C801}"/>
               </a:ext>
             </a:extLst>
           </p:cNvPr>
-          <p:cNvSpPr>
+          <p:cNvSpPr txBox="1">
             <a:spLocks/>
           </p:cNvSpPr>
           <p:nvPr/>
         </p:nvSpPr>
         <p:spPr>
           <a:xfrm>
-            <a:off x="9813471" y="3072699"/>
-            <a:ext cx="444639" cy="471756"/>
+            <a:off x="9334127" y="4377948"/>
+            <a:ext cx="2061714" cy="261610"/>
           </a:xfrm>
           <a:prstGeom prst="rect">
             <a:avLst/>
           </a:prstGeom>
+          <a:solidFill>
+            <a:schemeClr val="bg1">
+              <a:lumMod val="85000"/>
+              <a:alpha val="69804"/>
+            </a:schemeClr>
+          </a:solidFill>
+        </p:spPr>
+        <p:txBody>
+          <a:bodyPr wrap="square" rtlCol="0">
+            <a:spAutoFit/>
+          </a:bodyPr>
+          <a:lstStyle/>
+          <a:p>
+            <a:pPr algn="ctr"/>
+            <a:r>
+              <a:rPr lang="en-US" altLang="ko-KR" sz="1100"/>
+              <a:t>Use off-the-shelf solver (CVX)</a:t>
+            </a:r>
+            <a:endParaRPr lang="ko-KR" altLang="en-US" sz="1100" dirty="0"/>
+          </a:p>
+        </p:txBody>
+      </p:sp>
+      <p:sp>
+        <p:nvSpPr>
+          <p:cNvPr id="18" name="TextBox 17">
+            <a:extLst>
+              <a:ext uri="{FF2B5EF4-FFF2-40B4-BE49-F238E27FC236}">
+                <a16:creationId xmlns:a16="http://schemas.microsoft.com/office/drawing/2014/main" id="{D9E27D96-E4D4-4F4A-C15F-F0AA32FE0568}"/>
+              </a:ext>
+            </a:extLst>
+          </p:cNvPr>
+          <p:cNvSpPr txBox="1"/>
+          <p:nvPr/>
+        </p:nvSpPr>
+        <p:spPr>
+          <a:xfrm>
+            <a:off x="10191093" y="4139422"/>
+            <a:ext cx="1287517" cy="246221"/>
+          </a:xfrm>
+          <a:prstGeom prst="rect">
+            <a:avLst/>
+          </a:prstGeom>
+          <a:noFill/>
+        </p:spPr>
+        <p:txBody>
+          <a:bodyPr wrap="square">
+            <a:spAutoFit/>
+          </a:bodyPr>
+          <a:lstStyle/>
+          <a:p>
+            <a:r>
+              <a:rPr lang="ko-KR" altLang="en-US" sz="1000">
+                <a:solidFill>
+                  <a:schemeClr val="bg1">
+                    <a:lumMod val="65000"/>
+                  </a:schemeClr>
+                </a:solidFill>
+              </a:rPr>
+              <a:t>http://cvxr.com/cvx/</a:t>
+            </a:r>
+          </a:p>
+        </p:txBody>
+      </p:sp>
+    </p:spTree>
+    <p:extLst>
+      <p:ext uri="{BB962C8B-B14F-4D97-AF65-F5344CB8AC3E}">
+        <p14:creationId xmlns:p14="http://schemas.microsoft.com/office/powerpoint/2010/main" val="3592263960"/>
+      </p:ext>
+    </p:extLst>
+  </p:cSld>
+  <p:clrMapOvr>
+    <a:masterClrMapping/>
+  </p:clrMapOvr>
+  <p:timing>
+    <p:tnLst>
+      <p:par>
+        <p:cTn id="1" dur="indefinite" restart="never" nodeType="tmRoot">
+          <p:childTnLst>
+            <p:seq concurrent="1" nextAc="seek">
+              <p:cTn id="2" dur="indefinite" nodeType="mainSeq">
+                <p:childTnLst>
+                  <p:par>
+                    <p:cTn id="3" fill="hold">
+                      <p:stCondLst>
+                        <p:cond delay="indefinite"/>
+                      </p:stCondLst>
+                      <p:childTnLst>
+                        <p:par>
+                          <p:cTn id="4" fill="hold">
+                            <p:stCondLst>
+                              <p:cond delay="0"/>
+                            </p:stCondLst>
+                            <p:childTnLst>
+                              <p:par>
+                                <p:cTn id="5" presetID="10" presetClass="entr" presetSubtype="0" fill="hold" grpId="0" nodeType="clickEffect">
+                                  <p:stCondLst>
+                                    <p:cond delay="0"/>
+                                  </p:stCondLst>
+                                  <p:childTnLst>
+                                    <p:set>
+                                      <p:cBhvr>
+                                        <p:cTn id="6" dur="1" fill="hold">
+                                          <p:stCondLst>
+                                            <p:cond delay="0"/>
+                                          </p:stCondLst>
+                                        </p:cTn>
+                                        <p:tgtEl>
+                                          <p:spTgt spid="12"/>
+                                        </p:tgtEl>
+                                        <p:attrNameLst>
+                                          <p:attrName>style.visibility</p:attrName>
+                                        </p:attrNameLst>
+                                      </p:cBhvr>
+                                      <p:to>
+                                        <p:strVal val="visible"/>
+                                      </p:to>
+                                    </p:set>
+                                    <p:animEffect transition="in" filter="fade">
+                                      <p:cBhvr>
+                                        <p:cTn id="7" dur="500"/>
+                                        <p:tgtEl>
+                                          <p:spTgt spid="12"/>
+                                        </p:tgtEl>
+                                      </p:cBhvr>
+                                    </p:animEffect>
+                                  </p:childTnLst>
+                                </p:cTn>
+                              </p:par>
+                            </p:childTnLst>
+                          </p:cTn>
+                        </p:par>
+                      </p:childTnLst>
+                    </p:cTn>
+                  </p:par>
+                </p:childTnLst>
+              </p:cTn>
+              <p:prevCondLst>
+                <p:cond evt="onPrev" delay="0">
+                  <p:tgtEl>
+                    <p:sldTgt/>
+                  </p:tgtEl>
+                </p:cond>
+              </p:prevCondLst>
+              <p:nextCondLst>
+                <p:cond evt="onNext" delay="0">
+                  <p:tgtEl>
+                    <p:sldTgt/>
+                  </p:tgtEl>
+                </p:cond>
+              </p:nextCondLst>
+            </p:seq>
+          </p:childTnLst>
+        </p:cTn>
+      </p:par>
+    </p:tnLst>
+    <p:bldLst>
+      <p:bldP spid="12" grpId="0" animBg="1"/>
+    </p:bldLst>
+  </p:timing>
+</p:sld>
+</file>
+
+<file path=ppt/slides/slide6.xml><?xml version="1.0" encoding="utf-8"?>
+<p:sld xmlns:a="http://schemas.openxmlformats.org/drawingml/2006/main" xmlns:r="http://schemas.openxmlformats.org/officeDocument/2006/relationships" xmlns:p="http://schemas.openxmlformats.org/presentationml/2006/main">
+  <p:cSld>
+    <p:spTree>
+      <p:nvGrpSpPr>
+        <p:cNvPr id="1" name=""/>
+        <p:cNvGrpSpPr/>
+        <p:nvPr/>
+      </p:nvGrpSpPr>
+      <p:grpSpPr>
+        <a:xfrm>
+          <a:off x="0" y="0"/>
+          <a:ext cx="0" cy="0"/>
+          <a:chOff x="0" y="0"/>
+          <a:chExt cx="0" cy="0"/>
+        </a:xfrm>
+      </p:grpSpPr>
+      <p:sp>
+        <p:nvSpPr>
+          <p:cNvPr id="15" name="TextBox 14">
+            <a:extLst>
+              <a:ext uri="{FF2B5EF4-FFF2-40B4-BE49-F238E27FC236}">
+                <a16:creationId xmlns:a16="http://schemas.microsoft.com/office/drawing/2014/main" id="{77581404-2021-DAD7-7B99-8084FD00F2AD}"/>
+              </a:ext>
+            </a:extLst>
+          </p:cNvPr>
+          <p:cNvSpPr txBox="1"/>
+          <p:nvPr/>
+        </p:nvSpPr>
+        <p:spPr>
+          <a:xfrm>
+            <a:off x="0" y="0"/>
+            <a:ext cx="9829800" cy="215444"/>
+          </a:xfrm>
+          <a:prstGeom prst="rect">
+            <a:avLst/>
+          </a:prstGeom>
+          <a:noFill/>
+        </p:spPr>
+        <p:txBody>
+          <a:bodyPr wrap="square">
+            <a:spAutoFit/>
+          </a:bodyPr>
+          <a:lstStyle/>
+          <a:p>
+            <a:r>
+              <a:rPr lang="en-US" altLang="ko-KR" sz="800" b="0" i="0">
+                <a:solidFill>
+                  <a:schemeClr val="tx1">
+                    <a:lumMod val="50000"/>
+                    <a:lumOff val="50000"/>
+                  </a:schemeClr>
+                </a:solidFill>
+                <a:effectLst/>
+                <a:latin typeface="Arial" panose="020B0604020202020204" pitchFamily="34" charset="0"/>
+              </a:rPr>
+              <a:t>Venkataraman, Shivaram, et al. "Ernest: Efficient Performance Prediction for {Large-Scale} Advanced Analytics." </a:t>
+            </a:r>
+            <a:r>
+              <a:rPr lang="en-US" altLang="ko-KR" sz="800" b="0" i="1">
+                <a:solidFill>
+                  <a:schemeClr val="tx1">
+                    <a:lumMod val="50000"/>
+                    <a:lumOff val="50000"/>
+                  </a:schemeClr>
+                </a:solidFill>
+                <a:effectLst/>
+                <a:latin typeface="Arial" panose="020B0604020202020204" pitchFamily="34" charset="0"/>
+              </a:rPr>
+              <a:t>13th USENIX Symposium on Networked Systems Design and Implementation (NSDI 16)</a:t>
+            </a:r>
+            <a:r>
+              <a:rPr lang="en-US" altLang="ko-KR" sz="800" b="0" i="0">
+                <a:solidFill>
+                  <a:schemeClr val="tx1">
+                    <a:lumMod val="50000"/>
+                    <a:lumOff val="50000"/>
+                  </a:schemeClr>
+                </a:solidFill>
+                <a:effectLst/>
+                <a:latin typeface="Arial" panose="020B0604020202020204" pitchFamily="34" charset="0"/>
+              </a:rPr>
+              <a:t>. 2016.</a:t>
+            </a:r>
+            <a:endParaRPr lang="en-US" altLang="ko-KR" sz="800" b="0" i="0" dirty="0">
+              <a:solidFill>
+                <a:schemeClr val="tx1">
+                  <a:lumMod val="50000"/>
+                  <a:lumOff val="50000"/>
+                </a:schemeClr>
+              </a:solidFill>
+              <a:effectLst/>
+              <a:latin typeface="Arial" panose="020B0604020202020204" pitchFamily="34" charset="0"/>
+            </a:endParaRPr>
+          </a:p>
+        </p:txBody>
+      </p:sp>
+      <p:sp>
+        <p:nvSpPr>
+          <p:cNvPr id="8" name="제목 1">
+            <a:extLst>
+              <a:ext uri="{FF2B5EF4-FFF2-40B4-BE49-F238E27FC236}">
+                <a16:creationId xmlns:a16="http://schemas.microsoft.com/office/drawing/2014/main" id="{6097246A-035E-3AEE-4654-A61A75D6A6C8}"/>
+              </a:ext>
+            </a:extLst>
+          </p:cNvPr>
+          <p:cNvSpPr txBox="1">
+            <a:spLocks/>
+          </p:cNvSpPr>
+          <p:nvPr/>
+        </p:nvSpPr>
+        <p:spPr>
+          <a:xfrm>
+            <a:off x="472541" y="401947"/>
+            <a:ext cx="6464287" cy="665876"/>
+          </a:xfrm>
+          <a:prstGeom prst="rect">
+            <a:avLst/>
+          </a:prstGeom>
+        </p:spPr>
+        <p:txBody>
+          <a:bodyPr vert="horz" lIns="91440" tIns="45720" rIns="91440" bIns="45720" rtlCol="0" anchor="ctr">
+            <a:normAutofit/>
+          </a:bodyPr>
+          <a:lstStyle>
+            <a:lvl1pPr algn="l" defTabSz="914400" rtl="0" eaLnBrk="1" latinLnBrk="1" hangingPunct="1">
+              <a:lnSpc>
+                <a:spcPct val="90000"/>
+              </a:lnSpc>
+              <a:spcBef>
+                <a:spcPct val="0"/>
+              </a:spcBef>
+              <a:buNone/>
+              <a:defRPr sz="4400" kern="1200">
+                <a:solidFill>
+                  <a:schemeClr val="tx1"/>
+                </a:solidFill>
+                <a:latin typeface="+mj-lt"/>
+                <a:ea typeface="+mj-ea"/>
+                <a:cs typeface="+mj-cs"/>
+              </a:defRPr>
+            </a:lvl1pPr>
+          </a:lstStyle>
+          <a:p>
+            <a:r>
+              <a:rPr lang="en-US" altLang="ko-KR" sz="2400" b="1" u="sng">
+                <a:latin typeface="Arial" panose="020B0604020202020204" pitchFamily="34" charset="0"/>
+                <a:cs typeface="Arial" panose="020B0604020202020204" pitchFamily="34" charset="0"/>
+              </a:rPr>
+              <a:t>3. Modeling Advanced Analytics Jobs</a:t>
+            </a:r>
+            <a:endParaRPr lang="ko-KR" altLang="en-US" sz="2400" b="1" u="sng" dirty="0">
+              <a:latin typeface="Arial" panose="020B0604020202020204" pitchFamily="34" charset="0"/>
+              <a:cs typeface="Arial" panose="020B0604020202020204" pitchFamily="34" charset="0"/>
+            </a:endParaRPr>
+          </a:p>
+        </p:txBody>
+      </p:sp>
+      <p:sp>
+        <p:nvSpPr>
+          <p:cNvPr id="57" name="TextBox 56">
+            <a:extLst>
+              <a:ext uri="{FF2B5EF4-FFF2-40B4-BE49-F238E27FC236}">
+                <a16:creationId xmlns:a16="http://schemas.microsoft.com/office/drawing/2014/main" id="{2BB095B1-83C3-84B3-26C0-E3497D09E5F9}"/>
+              </a:ext>
+            </a:extLst>
+          </p:cNvPr>
+          <p:cNvSpPr txBox="1">
+            <a:spLocks/>
+          </p:cNvSpPr>
+          <p:nvPr/>
+        </p:nvSpPr>
+        <p:spPr>
+          <a:xfrm>
+            <a:off x="472541" y="1339055"/>
+            <a:ext cx="2435841" cy="416011"/>
+          </a:xfrm>
+          <a:prstGeom prst="rect">
+            <a:avLst/>
+          </a:prstGeom>
+          <a:noFill/>
+        </p:spPr>
+        <p:txBody>
+          <a:bodyPr wrap="square">
+            <a:spAutoFit/>
+          </a:bodyPr>
+          <a:lstStyle/>
+          <a:p>
+            <a:pPr marL="285750" indent="-285750">
+              <a:lnSpc>
+                <a:spcPct val="150000"/>
+              </a:lnSpc>
+              <a:buFont typeface="Wingdings" panose="05000000000000000000" pitchFamily="2" charset="2"/>
+              <a:buChar char="v"/>
+            </a:pPr>
+            <a:r>
+              <a:rPr lang="en-US" altLang="ko-KR" sz="1600" b="1" i="0">
+                <a:effectLst/>
+                <a:latin typeface="Roboto Slab"/>
+              </a:rPr>
+              <a:t>Using ERNEST</a:t>
+            </a:r>
+          </a:p>
+        </p:txBody>
+      </p:sp>
+      <p:sp>
+        <p:nvSpPr>
+          <p:cNvPr id="14" name="사각형: 둥근 모서리 13">
+            <a:extLst>
+              <a:ext uri="{FF2B5EF4-FFF2-40B4-BE49-F238E27FC236}">
+                <a16:creationId xmlns:a16="http://schemas.microsoft.com/office/drawing/2014/main" id="{60BD64A7-4A11-CCE2-4CE0-044CBA00E938}"/>
+              </a:ext>
+            </a:extLst>
+          </p:cNvPr>
+          <p:cNvSpPr/>
+          <p:nvPr/>
+        </p:nvSpPr>
+        <p:spPr>
+          <a:xfrm>
+            <a:off x="977546" y="4525317"/>
+            <a:ext cx="1536267" cy="1030651"/>
+          </a:xfrm>
+          <a:prstGeom prst="roundRect">
+            <a:avLst/>
+          </a:prstGeom>
+          <a:solidFill>
+            <a:srgbClr val="9DC3E6">
+              <a:alpha val="80000"/>
+            </a:srgbClr>
+          </a:solidFill>
+          <a:ln>
+            <a:noFill/>
+          </a:ln>
+        </p:spPr>
+        <p:style>
+          <a:lnRef idx="2">
+            <a:schemeClr val="accent1">
+              <a:shade val="50000"/>
+            </a:schemeClr>
+          </a:lnRef>
+          <a:fillRef idx="1">
+            <a:schemeClr val="accent1"/>
+          </a:fillRef>
+          <a:effectRef idx="0">
+            <a:schemeClr val="accent1"/>
+          </a:effectRef>
+          <a:fontRef idx="minor">
+            <a:schemeClr val="lt1"/>
+          </a:fontRef>
+        </p:style>
+        <p:txBody>
+          <a:bodyPr rtlCol="0" anchor="ctr"/>
+          <a:lstStyle/>
+          <a:p>
+            <a:pPr algn="ctr"/>
+            <a:r>
+              <a:rPr lang="en-US" altLang="ko-KR" sz="1600"/>
+              <a:t>Machines, Input Size</a:t>
+            </a:r>
+            <a:endParaRPr lang="ko-KR" altLang="en-US" sz="1600"/>
+          </a:p>
+        </p:txBody>
+      </p:sp>
+      <p:sp>
+        <p:nvSpPr>
+          <p:cNvPr id="17" name="타원 16">
+            <a:extLst>
+              <a:ext uri="{FF2B5EF4-FFF2-40B4-BE49-F238E27FC236}">
+                <a16:creationId xmlns:a16="http://schemas.microsoft.com/office/drawing/2014/main" id="{A7CDFFF9-A001-F5BC-B1F2-84B07BF2E698}"/>
+              </a:ext>
+            </a:extLst>
+          </p:cNvPr>
+          <p:cNvSpPr/>
+          <p:nvPr/>
+        </p:nvSpPr>
+        <p:spPr>
+          <a:xfrm>
+            <a:off x="1156446" y="2626648"/>
+            <a:ext cx="1178468" cy="1178468"/>
+          </a:xfrm>
+          <a:prstGeom prst="ellipse">
+            <a:avLst/>
+          </a:prstGeom>
+          <a:solidFill>
+            <a:srgbClr val="F4B183">
+              <a:alpha val="80000"/>
+            </a:srgbClr>
+          </a:solidFill>
+          <a:ln>
+            <a:noFill/>
+          </a:ln>
+        </p:spPr>
+        <p:style>
+          <a:lnRef idx="2">
+            <a:schemeClr val="accent1">
+              <a:shade val="50000"/>
+            </a:schemeClr>
+          </a:lnRef>
+          <a:fillRef idx="1">
+            <a:schemeClr val="accent1"/>
+          </a:fillRef>
+          <a:effectRef idx="0">
+            <a:schemeClr val="accent1"/>
+          </a:effectRef>
+          <a:fontRef idx="minor">
+            <a:schemeClr val="lt1"/>
+          </a:fontRef>
+        </p:style>
+        <p:txBody>
+          <a:bodyPr rtlCol="0" anchor="ctr"/>
+          <a:lstStyle/>
+          <a:p>
+            <a:pPr algn="ctr"/>
+            <a:r>
+              <a:rPr lang="en-US" altLang="ko-KR"/>
+              <a:t>Job Binary</a:t>
+            </a:r>
+            <a:endParaRPr lang="ko-KR" altLang="en-US"/>
+          </a:p>
+        </p:txBody>
+      </p:sp>
+      <p:sp>
+        <p:nvSpPr>
+          <p:cNvPr id="18" name="TextBox 17">
+            <a:extLst>
+              <a:ext uri="{FF2B5EF4-FFF2-40B4-BE49-F238E27FC236}">
+                <a16:creationId xmlns:a16="http://schemas.microsoft.com/office/drawing/2014/main" id="{78FD284B-5A83-F7BF-E204-FE1ADB631125}"/>
+              </a:ext>
+            </a:extLst>
+          </p:cNvPr>
+          <p:cNvSpPr txBox="1"/>
+          <p:nvPr/>
+        </p:nvSpPr>
+        <p:spPr>
+          <a:xfrm>
+            <a:off x="3449237" y="1870255"/>
+            <a:ext cx="1729434" cy="461665"/>
+          </a:xfrm>
+          <a:prstGeom prst="rect">
+            <a:avLst/>
+          </a:prstGeom>
+          <a:solidFill>
+            <a:srgbClr val="FFFFFF">
+              <a:alpha val="50196"/>
+            </a:srgbClr>
+          </a:solidFill>
+        </p:spPr>
+        <p:txBody>
+          <a:bodyPr wrap="square" rtlCol="0">
+            <a:spAutoFit/>
+          </a:bodyPr>
+          <a:lstStyle/>
+          <a:p>
+            <a:pPr algn="ctr"/>
+            <a:r>
+              <a:rPr lang="en-US" altLang="ko-KR" sz="2400" b="1">
+                <a:solidFill>
+                  <a:schemeClr val="accent4"/>
+                </a:solidFill>
+                <a:latin typeface="Abadi" panose="020B0604020104020204" pitchFamily="34" charset="0"/>
+              </a:rPr>
+              <a:t>ERNEST</a:t>
+            </a:r>
+            <a:endParaRPr lang="ko-KR" altLang="en-US" sz="2400" b="1">
+              <a:solidFill>
+                <a:schemeClr val="accent4"/>
+              </a:solidFill>
+              <a:latin typeface="Abadi" panose="020B0604020104020204" pitchFamily="34" charset="0"/>
+            </a:endParaRPr>
+          </a:p>
+        </p:txBody>
+      </p:sp>
+      <p:cxnSp>
+        <p:nvCxnSpPr>
+          <p:cNvPr id="20" name="직선 화살표 연결선 19">
+            <a:extLst>
+              <a:ext uri="{FF2B5EF4-FFF2-40B4-BE49-F238E27FC236}">
+                <a16:creationId xmlns:a16="http://schemas.microsoft.com/office/drawing/2014/main" id="{276911D5-02C3-6689-9703-47BA81D7ADF2}"/>
+              </a:ext>
+            </a:extLst>
+          </p:cNvPr>
+          <p:cNvCxnSpPr>
+            <a:cxnSpLocks/>
+            <a:stCxn id="17" idx="6"/>
+            <a:endCxn id="26" idx="1"/>
+          </p:cNvCxnSpPr>
+          <p:nvPr/>
+        </p:nvCxnSpPr>
+        <p:spPr>
+          <a:xfrm>
+            <a:off x="2334914" y="3215882"/>
+            <a:ext cx="1114323" cy="826597"/>
+          </a:xfrm>
+          <a:prstGeom prst="straightConnector1">
+            <a:avLst/>
+          </a:prstGeom>
           <a:ln w="38100">
             <a:solidFill>
-              <a:srgbClr val="FFC000">
-                <a:alpha val="50196"/>
-              </a:srgbClr>
+              <a:schemeClr val="tx1">
+                <a:lumMod val="50000"/>
+                <a:lumOff val="50000"/>
+              </a:schemeClr>
             </a:solidFill>
+            <a:tailEnd type="triangle"/>
           </a:ln>
         </p:spPr>
         <p:style>
@@ -20880,43 +20924,38 @@
             <a:schemeClr val="tx1"/>
           </a:fontRef>
         </p:style>
-        <p:txBody>
-          <a:bodyPr rtlCol="0" anchor="ctr"/>
-          <a:lstStyle/>
-          <a:p>
-            <a:pPr algn="ctr"/>
-            <a:endParaRPr lang="ko-KR" altLang="en-US" dirty="0"/>
-          </a:p>
-        </p:txBody>
-      </p:sp>
-      <p:sp>
-        <p:nvSpPr>
-          <p:cNvPr id="23" name="직사각형 22">
+      </p:cxnSp>
+      <p:cxnSp>
+        <p:nvCxnSpPr>
+          <p:cNvPr id="23" name="직선 화살표 연결선 22">
             <a:extLst>
               <a:ext uri="{FF2B5EF4-FFF2-40B4-BE49-F238E27FC236}">
-                <a16:creationId xmlns:a16="http://schemas.microsoft.com/office/drawing/2014/main" id="{E4A9D3F9-1435-D8E9-3553-BA57B1E8A7E0}"/>
+                <a16:creationId xmlns:a16="http://schemas.microsoft.com/office/drawing/2014/main" id="{77263A85-2712-FF99-1B48-60891D7EFAE3}"/>
               </a:ext>
             </a:extLst>
           </p:cNvPr>
-          <p:cNvSpPr>
-            <a:spLocks/>
-          </p:cNvSpPr>
+          <p:cNvCxnSpPr>
+            <a:cxnSpLocks/>
+            <a:endCxn id="26" idx="1"/>
+          </p:cNvCxnSpPr>
           <p:nvPr/>
-        </p:nvSpPr>
+        </p:nvCxnSpPr>
         <p:spPr>
-          <a:xfrm>
-            <a:off x="4381149" y="3301685"/>
-            <a:ext cx="435428" cy="259395"/>
+          <a:xfrm flipV="1">
+            <a:off x="2513813" y="4042479"/>
+            <a:ext cx="935424" cy="998164"/>
           </a:xfrm>
-          <a:prstGeom prst="rect">
+          <a:prstGeom prst="straightConnector1">
             <a:avLst/>
           </a:prstGeom>
           <a:ln w="38100">
             <a:solidFill>
-              <a:srgbClr val="FFC000">
-                <a:alpha val="50196"/>
-              </a:srgbClr>
+              <a:schemeClr val="tx1">
+                <a:lumMod val="50000"/>
+                <a:lumOff val="50000"/>
+              </a:schemeClr>
             </a:solidFill>
+            <a:tailEnd type="triangle"/>
           </a:ln>
         </p:spPr>
         <p:style>
@@ -20933,21 +20972,1623 @@
             <a:schemeClr val="tx1"/>
           </a:fontRef>
         </p:style>
+      </p:cxnSp>
+      <p:sp>
+        <p:nvSpPr>
+          <p:cNvPr id="26" name="사각형: 둥근 모서리 25">
+            <a:extLst>
+              <a:ext uri="{FF2B5EF4-FFF2-40B4-BE49-F238E27FC236}">
+                <a16:creationId xmlns:a16="http://schemas.microsoft.com/office/drawing/2014/main" id="{F193DB07-CE15-65EB-297C-54D7784892BF}"/>
+              </a:ext>
+            </a:extLst>
+          </p:cNvPr>
+          <p:cNvSpPr/>
+          <p:nvPr/>
+        </p:nvSpPr>
+        <p:spPr>
+          <a:xfrm>
+            <a:off x="3449237" y="2331920"/>
+            <a:ext cx="5686323" cy="3421117"/>
+          </a:xfrm>
+          <a:prstGeom prst="roundRect">
+            <a:avLst>
+              <a:gd name="adj" fmla="val 2536"/>
+            </a:avLst>
+          </a:prstGeom>
+          <a:noFill/>
+          <a:ln w="38100">
+            <a:solidFill>
+              <a:schemeClr val="accent4">
+                <a:lumMod val="60000"/>
+                <a:lumOff val="40000"/>
+              </a:schemeClr>
+            </a:solidFill>
+          </a:ln>
+        </p:spPr>
+        <p:style>
+          <a:lnRef idx="2">
+            <a:schemeClr val="accent1">
+              <a:shade val="50000"/>
+            </a:schemeClr>
+          </a:lnRef>
+          <a:fillRef idx="1">
+            <a:schemeClr val="accent1"/>
+          </a:fillRef>
+          <a:effectRef idx="0">
+            <a:schemeClr val="accent1"/>
+          </a:effectRef>
+          <a:fontRef idx="minor">
+            <a:schemeClr val="lt1"/>
+          </a:fontRef>
+        </p:style>
         <p:txBody>
           <a:bodyPr rtlCol="0" anchor="ctr"/>
           <a:lstStyle/>
           <a:p>
             <a:pPr algn="ctr"/>
-            <a:endParaRPr lang="ko-KR" altLang="en-US" dirty="0"/>
+            <a:endParaRPr lang="ko-KR" altLang="en-US"/>
           </a:p>
         </p:txBody>
       </p:sp>
       <p:sp>
         <p:nvSpPr>
-          <p:cNvPr id="27" name="TextBox 26">
+          <p:cNvPr id="31" name="직사각형 30">
             <a:extLst>
               <a:ext uri="{FF2B5EF4-FFF2-40B4-BE49-F238E27FC236}">
-                <a16:creationId xmlns:a16="http://schemas.microsoft.com/office/drawing/2014/main" id="{EB699DF4-F870-C660-0535-81063523B1A9}"/>
+                <a16:creationId xmlns:a16="http://schemas.microsoft.com/office/drawing/2014/main" id="{53C90FBC-7BF9-E686-E2C7-B3A7DDC8ED44}"/>
+              </a:ext>
+            </a:extLst>
+          </p:cNvPr>
+          <p:cNvSpPr/>
+          <p:nvPr/>
+        </p:nvSpPr>
+        <p:spPr>
+          <a:xfrm>
+            <a:off x="3795426" y="2566693"/>
+            <a:ext cx="1536267" cy="754560"/>
+          </a:xfrm>
+          <a:prstGeom prst="rect">
+            <a:avLst/>
+          </a:prstGeom>
+          <a:solidFill>
+            <a:schemeClr val="bg1">
+              <a:lumMod val="75000"/>
+            </a:schemeClr>
+          </a:solidFill>
+          <a:ln>
+            <a:noFill/>
+          </a:ln>
+        </p:spPr>
+        <p:style>
+          <a:lnRef idx="2">
+            <a:schemeClr val="accent1">
+              <a:shade val="50000"/>
+            </a:schemeClr>
+          </a:lnRef>
+          <a:fillRef idx="1">
+            <a:schemeClr val="accent1"/>
+          </a:fillRef>
+          <a:effectRef idx="0">
+            <a:schemeClr val="accent1"/>
+          </a:effectRef>
+          <a:fontRef idx="minor">
+            <a:schemeClr val="lt1"/>
+          </a:fontRef>
+        </p:style>
+        <p:txBody>
+          <a:bodyPr rtlCol="0" anchor="ctr"/>
+          <a:lstStyle/>
+          <a:p>
+            <a:pPr algn="ctr"/>
+            <a:r>
+              <a:rPr lang="en-US" altLang="ko-KR" sz="1600"/>
+              <a:t>Experiment Design</a:t>
+            </a:r>
+            <a:endParaRPr lang="ko-KR" altLang="en-US" sz="1600"/>
+          </a:p>
+        </p:txBody>
+      </p:sp>
+      <p:sp>
+        <p:nvSpPr>
+          <p:cNvPr id="32" name="직사각형 31">
+            <a:extLst>
+              <a:ext uri="{FF2B5EF4-FFF2-40B4-BE49-F238E27FC236}">
+                <a16:creationId xmlns:a16="http://schemas.microsoft.com/office/drawing/2014/main" id="{301FBB82-2405-B4DC-4947-713B9EC00FB4}"/>
+              </a:ext>
+            </a:extLst>
+          </p:cNvPr>
+          <p:cNvSpPr/>
+          <p:nvPr/>
+        </p:nvSpPr>
+        <p:spPr>
+          <a:xfrm>
+            <a:off x="3795425" y="3971225"/>
+            <a:ext cx="1536267" cy="754560"/>
+          </a:xfrm>
+          <a:prstGeom prst="rect">
+            <a:avLst/>
+          </a:prstGeom>
+          <a:solidFill>
+            <a:schemeClr val="bg1">
+              <a:lumMod val="75000"/>
+            </a:schemeClr>
+          </a:solidFill>
+          <a:ln>
+            <a:noFill/>
+          </a:ln>
+        </p:spPr>
+        <p:style>
+          <a:lnRef idx="2">
+            <a:schemeClr val="accent1">
+              <a:shade val="50000"/>
+            </a:schemeClr>
+          </a:lnRef>
+          <a:fillRef idx="1">
+            <a:schemeClr val="accent1"/>
+          </a:fillRef>
+          <a:effectRef idx="0">
+            <a:schemeClr val="accent1"/>
+          </a:effectRef>
+          <a:fontRef idx="minor">
+            <a:schemeClr val="lt1"/>
+          </a:fontRef>
+        </p:style>
+        <p:txBody>
+          <a:bodyPr rtlCol="0" anchor="ctr"/>
+          <a:lstStyle/>
+          <a:p>
+            <a:pPr algn="ctr"/>
+            <a:r>
+              <a:rPr lang="en-US" altLang="ko-KR" sz="1600"/>
+              <a:t>Training Jobs</a:t>
+            </a:r>
+            <a:endParaRPr lang="ko-KR" altLang="en-US" sz="1600"/>
+          </a:p>
+        </p:txBody>
+      </p:sp>
+      <p:sp>
+        <p:nvSpPr>
+          <p:cNvPr id="33" name="직사각형 32">
+            <a:extLst>
+              <a:ext uri="{FF2B5EF4-FFF2-40B4-BE49-F238E27FC236}">
+                <a16:creationId xmlns:a16="http://schemas.microsoft.com/office/drawing/2014/main" id="{E353BC90-8AEE-B1DB-58CF-3C6C7953DBF4}"/>
+              </a:ext>
+            </a:extLst>
+          </p:cNvPr>
+          <p:cNvSpPr/>
+          <p:nvPr/>
+        </p:nvSpPr>
+        <p:spPr>
+          <a:xfrm>
+            <a:off x="3795426" y="4831283"/>
+            <a:ext cx="2512626" cy="754946"/>
+          </a:xfrm>
+          <a:prstGeom prst="rect">
+            <a:avLst/>
+          </a:prstGeom>
+          <a:solidFill>
+            <a:schemeClr val="bg1">
+              <a:lumMod val="75000"/>
+            </a:schemeClr>
+          </a:solidFill>
+          <a:ln>
+            <a:noFill/>
+          </a:ln>
+        </p:spPr>
+        <p:style>
+          <a:lnRef idx="2">
+            <a:schemeClr val="accent1">
+              <a:shade val="50000"/>
+            </a:schemeClr>
+          </a:lnRef>
+          <a:fillRef idx="1">
+            <a:schemeClr val="accent1"/>
+          </a:fillRef>
+          <a:effectRef idx="0">
+            <a:schemeClr val="accent1"/>
+          </a:effectRef>
+          <a:fontRef idx="minor">
+            <a:schemeClr val="lt1"/>
+          </a:fontRef>
+        </p:style>
+        <p:txBody>
+          <a:bodyPr rtlCol="0" anchor="ctr"/>
+          <a:lstStyle/>
+          <a:p>
+            <a:pPr algn="ctr"/>
+            <a:r>
+              <a:rPr lang="en-US" altLang="ko-KR" sz="1600"/>
+              <a:t>Use few iterations for training</a:t>
+            </a:r>
+            <a:endParaRPr lang="ko-KR" altLang="en-US" sz="1600"/>
+          </a:p>
+        </p:txBody>
+      </p:sp>
+      <p:pic>
+        <p:nvPicPr>
+          <p:cNvPr id="1026" name="Picture 2">
+            <a:extLst>
+              <a:ext uri="{FF2B5EF4-FFF2-40B4-BE49-F238E27FC236}">
+                <a16:creationId xmlns:a16="http://schemas.microsoft.com/office/drawing/2014/main" id="{58D2B884-92B3-ED8E-B0D7-241C44E2A67C}"/>
+              </a:ext>
+            </a:extLst>
+          </p:cNvPr>
+          <p:cNvPicPr>
+            <a:picLocks noChangeAspect="1" noChangeArrowheads="1"/>
+          </p:cNvPicPr>
+          <p:nvPr/>
+        </p:nvPicPr>
+        <p:blipFill>
+          <a:blip r:embed="rId3">
+            <a:extLst>
+              <a:ext uri="{28A0092B-C50C-407E-A947-70E740481C1C}">
+                <a14:useLocalDpi xmlns:a14="http://schemas.microsoft.com/office/drawing/2010/main" val="0"/>
+              </a:ext>
+            </a:extLst>
+          </a:blip>
+          <a:srcRect/>
+          <a:stretch>
+            <a:fillRect/>
+          </a:stretch>
+        </p:blipFill>
+        <p:spPr bwMode="auto">
+          <a:xfrm>
+            <a:off x="6830400" y="2800465"/>
+            <a:ext cx="642924" cy="642924"/>
+          </a:xfrm>
+          <a:prstGeom prst="rect">
+            <a:avLst/>
+          </a:prstGeom>
+          <a:noFill/>
+          <a:extLst>
+            <a:ext uri="{909E8E84-426E-40DD-AFC4-6F175D3DCCD1}">
+              <a14:hiddenFill xmlns:a14="http://schemas.microsoft.com/office/drawing/2010/main">
+                <a:solidFill>
+                  <a:srgbClr val="FFFFFF"/>
+                </a:solidFill>
+              </a14:hiddenFill>
+            </a:ext>
+          </a:extLst>
+        </p:spPr>
+      </p:pic>
+      <p:cxnSp>
+        <p:nvCxnSpPr>
+          <p:cNvPr id="36" name="직선 화살표 연결선 35">
+            <a:extLst>
+              <a:ext uri="{FF2B5EF4-FFF2-40B4-BE49-F238E27FC236}">
+                <a16:creationId xmlns:a16="http://schemas.microsoft.com/office/drawing/2014/main" id="{B1C8318B-2A28-CF9B-671B-F3CBA2DC1B9D}"/>
+              </a:ext>
+            </a:extLst>
+          </p:cNvPr>
+          <p:cNvCxnSpPr>
+            <a:cxnSpLocks/>
+            <a:stCxn id="31" idx="2"/>
+            <a:endCxn id="32" idx="0"/>
+          </p:cNvCxnSpPr>
+          <p:nvPr/>
+        </p:nvCxnSpPr>
+        <p:spPr>
+          <a:xfrm flipH="1">
+            <a:off x="4563559" y="3321253"/>
+            <a:ext cx="1" cy="649972"/>
+          </a:xfrm>
+          <a:prstGeom prst="straightConnector1">
+            <a:avLst/>
+          </a:prstGeom>
+          <a:ln w="38100">
+            <a:solidFill>
+              <a:schemeClr val="tx1">
+                <a:lumMod val="50000"/>
+                <a:lumOff val="50000"/>
+              </a:schemeClr>
+            </a:solidFill>
+            <a:tailEnd type="triangle"/>
+          </a:ln>
+        </p:spPr>
+        <p:style>
+          <a:lnRef idx="1">
+            <a:schemeClr val="accent1"/>
+          </a:lnRef>
+          <a:fillRef idx="0">
+            <a:schemeClr val="accent1"/>
+          </a:fillRef>
+          <a:effectRef idx="0">
+            <a:schemeClr val="accent1"/>
+          </a:effectRef>
+          <a:fontRef idx="minor">
+            <a:schemeClr val="tx1"/>
+          </a:fontRef>
+        </p:style>
+      </p:cxnSp>
+      <p:cxnSp>
+        <p:nvCxnSpPr>
+          <p:cNvPr id="40" name="직선 화살표 연결선 39">
+            <a:extLst>
+              <a:ext uri="{FF2B5EF4-FFF2-40B4-BE49-F238E27FC236}">
+                <a16:creationId xmlns:a16="http://schemas.microsoft.com/office/drawing/2014/main" id="{215CEC99-9049-BA3F-84C0-DBC415E18352}"/>
+              </a:ext>
+            </a:extLst>
+          </p:cNvPr>
+          <p:cNvCxnSpPr>
+            <a:cxnSpLocks/>
+            <a:stCxn id="32" idx="3"/>
+          </p:cNvCxnSpPr>
+          <p:nvPr/>
+        </p:nvCxnSpPr>
+        <p:spPr>
+          <a:xfrm flipV="1">
+            <a:off x="5331692" y="3231399"/>
+            <a:ext cx="1571945" cy="1117106"/>
+          </a:xfrm>
+          <a:prstGeom prst="straightConnector1">
+            <a:avLst/>
+          </a:prstGeom>
+          <a:ln w="38100">
+            <a:solidFill>
+              <a:schemeClr val="tx1">
+                <a:lumMod val="50000"/>
+                <a:lumOff val="50000"/>
+              </a:schemeClr>
+            </a:solidFill>
+            <a:tailEnd type="triangle"/>
+          </a:ln>
+        </p:spPr>
+        <p:style>
+          <a:lnRef idx="1">
+            <a:schemeClr val="accent1"/>
+          </a:lnRef>
+          <a:fillRef idx="0">
+            <a:schemeClr val="accent1"/>
+          </a:fillRef>
+          <a:effectRef idx="0">
+            <a:schemeClr val="accent1"/>
+          </a:effectRef>
+          <a:fontRef idx="minor">
+            <a:schemeClr val="tx1"/>
+          </a:fontRef>
+        </p:style>
+      </p:cxnSp>
+      <p:pic>
+        <p:nvPicPr>
+          <p:cNvPr id="43" name="Picture 2">
+            <a:extLst>
+              <a:ext uri="{FF2B5EF4-FFF2-40B4-BE49-F238E27FC236}">
+                <a16:creationId xmlns:a16="http://schemas.microsoft.com/office/drawing/2014/main" id="{30202B78-FC2A-35FD-71A8-F6B2DBFF9C09}"/>
+              </a:ext>
+            </a:extLst>
+          </p:cNvPr>
+          <p:cNvPicPr>
+            <a:picLocks noChangeAspect="1" noChangeArrowheads="1"/>
+          </p:cNvPicPr>
+          <p:nvPr/>
+        </p:nvPicPr>
+        <p:blipFill>
+          <a:blip r:embed="rId3">
+            <a:extLst>
+              <a:ext uri="{28A0092B-C50C-407E-A947-70E740481C1C}">
+                <a14:useLocalDpi xmlns:a14="http://schemas.microsoft.com/office/drawing/2010/main" val="0"/>
+              </a:ext>
+            </a:extLst>
+          </a:blip>
+          <a:srcRect/>
+          <a:stretch>
+            <a:fillRect/>
+          </a:stretch>
+        </p:blipFill>
+        <p:spPr bwMode="auto">
+          <a:xfrm>
+            <a:off x="6830400" y="3502731"/>
+            <a:ext cx="642924" cy="642924"/>
+          </a:xfrm>
+          <a:prstGeom prst="rect">
+            <a:avLst/>
+          </a:prstGeom>
+          <a:noFill/>
+          <a:extLst>
+            <a:ext uri="{909E8E84-426E-40DD-AFC4-6F175D3DCCD1}">
+              <a14:hiddenFill xmlns:a14="http://schemas.microsoft.com/office/drawing/2010/main">
+                <a:solidFill>
+                  <a:srgbClr val="FFFFFF"/>
+                </a:solidFill>
+              </a14:hiddenFill>
+            </a:ext>
+          </a:extLst>
+        </p:spPr>
+      </p:pic>
+      <p:pic>
+        <p:nvPicPr>
+          <p:cNvPr id="44" name="Picture 2">
+            <a:extLst>
+              <a:ext uri="{FF2B5EF4-FFF2-40B4-BE49-F238E27FC236}">
+                <a16:creationId xmlns:a16="http://schemas.microsoft.com/office/drawing/2014/main" id="{F33D9A90-8264-DCEF-377F-8AD82BB90F34}"/>
+              </a:ext>
+            </a:extLst>
+          </p:cNvPr>
+          <p:cNvPicPr>
+            <a:picLocks noChangeAspect="1" noChangeArrowheads="1"/>
+          </p:cNvPicPr>
+          <p:nvPr/>
+        </p:nvPicPr>
+        <p:blipFill>
+          <a:blip r:embed="rId3">
+            <a:extLst>
+              <a:ext uri="{28A0092B-C50C-407E-A947-70E740481C1C}">
+                <a14:useLocalDpi xmlns:a14="http://schemas.microsoft.com/office/drawing/2010/main" val="0"/>
+              </a:ext>
+            </a:extLst>
+          </a:blip>
+          <a:srcRect/>
+          <a:stretch>
+            <a:fillRect/>
+          </a:stretch>
+        </p:blipFill>
+        <p:spPr bwMode="auto">
+          <a:xfrm>
+            <a:off x="6830400" y="4264641"/>
+            <a:ext cx="642924" cy="642924"/>
+          </a:xfrm>
+          <a:prstGeom prst="rect">
+            <a:avLst/>
+          </a:prstGeom>
+          <a:noFill/>
+          <a:extLst>
+            <a:ext uri="{909E8E84-426E-40DD-AFC4-6F175D3DCCD1}">
+              <a14:hiddenFill xmlns:a14="http://schemas.microsoft.com/office/drawing/2010/main">
+                <a:solidFill>
+                  <a:srgbClr val="FFFFFF"/>
+                </a:solidFill>
+              </a14:hiddenFill>
+            </a:ext>
+          </a:extLst>
+        </p:spPr>
+      </p:pic>
+      <p:cxnSp>
+        <p:nvCxnSpPr>
+          <p:cNvPr id="45" name="직선 화살표 연결선 44">
+            <a:extLst>
+              <a:ext uri="{FF2B5EF4-FFF2-40B4-BE49-F238E27FC236}">
+                <a16:creationId xmlns:a16="http://schemas.microsoft.com/office/drawing/2014/main" id="{9B976AA0-4967-F85F-A2FA-F6449A74E27E}"/>
+              </a:ext>
+            </a:extLst>
+          </p:cNvPr>
+          <p:cNvCxnSpPr>
+            <a:cxnSpLocks/>
+            <a:stCxn id="32" idx="3"/>
+          </p:cNvCxnSpPr>
+          <p:nvPr/>
+        </p:nvCxnSpPr>
+        <p:spPr>
+          <a:xfrm flipV="1">
+            <a:off x="5331692" y="3926167"/>
+            <a:ext cx="1537020" cy="422338"/>
+          </a:xfrm>
+          <a:prstGeom prst="straightConnector1">
+            <a:avLst/>
+          </a:prstGeom>
+          <a:ln w="38100">
+            <a:solidFill>
+              <a:schemeClr val="tx1">
+                <a:lumMod val="50000"/>
+                <a:lumOff val="50000"/>
+              </a:schemeClr>
+            </a:solidFill>
+            <a:tailEnd type="triangle"/>
+          </a:ln>
+        </p:spPr>
+        <p:style>
+          <a:lnRef idx="1">
+            <a:schemeClr val="accent1"/>
+          </a:lnRef>
+          <a:fillRef idx="0">
+            <a:schemeClr val="accent1"/>
+          </a:fillRef>
+          <a:effectRef idx="0">
+            <a:schemeClr val="accent1"/>
+          </a:effectRef>
+          <a:fontRef idx="minor">
+            <a:schemeClr val="tx1"/>
+          </a:fontRef>
+        </p:style>
+      </p:cxnSp>
+      <p:cxnSp>
+        <p:nvCxnSpPr>
+          <p:cNvPr id="50" name="직선 화살표 연결선 49">
+            <a:extLst>
+              <a:ext uri="{FF2B5EF4-FFF2-40B4-BE49-F238E27FC236}">
+                <a16:creationId xmlns:a16="http://schemas.microsoft.com/office/drawing/2014/main" id="{491A8AAF-CBFA-8AB8-4179-1E0EEE5E1E46}"/>
+              </a:ext>
+            </a:extLst>
+          </p:cNvPr>
+          <p:cNvCxnSpPr>
+            <a:cxnSpLocks/>
+            <a:stCxn id="32" idx="3"/>
+          </p:cNvCxnSpPr>
+          <p:nvPr/>
+        </p:nvCxnSpPr>
+        <p:spPr>
+          <a:xfrm>
+            <a:off x="5331692" y="4348505"/>
+            <a:ext cx="1536267" cy="251693"/>
+          </a:xfrm>
+          <a:prstGeom prst="straightConnector1">
+            <a:avLst/>
+          </a:prstGeom>
+          <a:ln w="38100">
+            <a:solidFill>
+              <a:schemeClr val="tx1">
+                <a:lumMod val="50000"/>
+                <a:lumOff val="50000"/>
+              </a:schemeClr>
+            </a:solidFill>
+            <a:tailEnd type="triangle"/>
+          </a:ln>
+        </p:spPr>
+        <p:style>
+          <a:lnRef idx="1">
+            <a:schemeClr val="accent1"/>
+          </a:lnRef>
+          <a:fillRef idx="0">
+            <a:schemeClr val="accent1"/>
+          </a:fillRef>
+          <a:effectRef idx="0">
+            <a:schemeClr val="accent1"/>
+          </a:effectRef>
+          <a:fontRef idx="minor">
+            <a:schemeClr val="tx1"/>
+          </a:fontRef>
+        </p:style>
+      </p:cxnSp>
+      <p:sp>
+        <p:nvSpPr>
+          <p:cNvPr id="56" name="직사각형 55">
+            <a:extLst>
+              <a:ext uri="{FF2B5EF4-FFF2-40B4-BE49-F238E27FC236}">
+                <a16:creationId xmlns:a16="http://schemas.microsoft.com/office/drawing/2014/main" id="{3E90AAA2-BEBD-AA69-7190-48959372C266}"/>
+              </a:ext>
+            </a:extLst>
+          </p:cNvPr>
+          <p:cNvSpPr/>
+          <p:nvPr/>
+        </p:nvSpPr>
+        <p:spPr>
+          <a:xfrm>
+            <a:off x="7671769" y="3344195"/>
+            <a:ext cx="1323279" cy="891513"/>
+          </a:xfrm>
+          <a:prstGeom prst="rect">
+            <a:avLst/>
+          </a:prstGeom>
+          <a:solidFill>
+            <a:schemeClr val="accent4">
+              <a:lumMod val="60000"/>
+              <a:lumOff val="40000"/>
+              <a:alpha val="80000"/>
+            </a:schemeClr>
+          </a:solidFill>
+          <a:ln>
+            <a:noFill/>
+          </a:ln>
+        </p:spPr>
+        <p:style>
+          <a:lnRef idx="2">
+            <a:schemeClr val="accent1">
+              <a:shade val="50000"/>
+            </a:schemeClr>
+          </a:lnRef>
+          <a:fillRef idx="1">
+            <a:schemeClr val="accent1"/>
+          </a:fillRef>
+          <a:effectRef idx="0">
+            <a:schemeClr val="accent1"/>
+          </a:effectRef>
+          <a:fontRef idx="minor">
+            <a:schemeClr val="lt1"/>
+          </a:fontRef>
+        </p:style>
+        <p:txBody>
+          <a:bodyPr rtlCol="0" anchor="ctr"/>
+          <a:lstStyle/>
+          <a:p>
+            <a:pPr algn="ctr"/>
+            <a:r>
+              <a:rPr lang="en-US" altLang="ko-KR" sz="1600" b="1">
+                <a:solidFill>
+                  <a:schemeClr val="bg1"/>
+                </a:solidFill>
+              </a:rPr>
+              <a:t>Linear Model</a:t>
+            </a:r>
+            <a:endParaRPr lang="ko-KR" altLang="en-US" sz="1600" b="1">
+              <a:solidFill>
+                <a:schemeClr val="bg1"/>
+              </a:solidFill>
+            </a:endParaRPr>
+          </a:p>
+        </p:txBody>
+      </p:sp>
+      <p:grpSp>
+        <p:nvGrpSpPr>
+          <p:cNvPr id="1030" name="그룹 1029">
+            <a:extLst>
+              <a:ext uri="{FF2B5EF4-FFF2-40B4-BE49-F238E27FC236}">
+                <a16:creationId xmlns:a16="http://schemas.microsoft.com/office/drawing/2014/main" id="{6292A326-08FB-D4A1-E055-74438A477301}"/>
+              </a:ext>
+            </a:extLst>
+          </p:cNvPr>
+          <p:cNvGrpSpPr/>
+          <p:nvPr/>
+        </p:nvGrpSpPr>
+        <p:grpSpPr>
+          <a:xfrm>
+            <a:off x="9334005" y="2904959"/>
+            <a:ext cx="1880450" cy="1620358"/>
+            <a:chOff x="9476522" y="2570174"/>
+            <a:chExt cx="1880450" cy="1620358"/>
+          </a:xfrm>
+        </p:grpSpPr>
+        <p:cxnSp>
+          <p:nvCxnSpPr>
+            <p:cNvPr id="59" name="직선 연결선 58">
+              <a:extLst>
+                <a:ext uri="{FF2B5EF4-FFF2-40B4-BE49-F238E27FC236}">
+                  <a16:creationId xmlns:a16="http://schemas.microsoft.com/office/drawing/2014/main" id="{E1C34A4F-3699-AE8E-CFCD-919E6DDF3B7A}"/>
+                </a:ext>
+              </a:extLst>
+            </p:cNvPr>
+            <p:cNvCxnSpPr/>
+            <p:nvPr/>
+          </p:nvCxnSpPr>
+          <p:spPr>
+            <a:xfrm>
+              <a:off x="9810750" y="2570174"/>
+              <a:ext cx="0" cy="1281805"/>
+            </a:xfrm>
+            <a:prstGeom prst="line">
+              <a:avLst/>
+            </a:prstGeom>
+            <a:ln w="19050">
+              <a:solidFill>
+                <a:schemeClr val="bg1">
+                  <a:lumMod val="50000"/>
+                </a:schemeClr>
+              </a:solidFill>
+            </a:ln>
+          </p:spPr>
+          <p:style>
+            <a:lnRef idx="1">
+              <a:schemeClr val="accent1"/>
+            </a:lnRef>
+            <a:fillRef idx="0">
+              <a:schemeClr val="accent1"/>
+            </a:fillRef>
+            <a:effectRef idx="0">
+              <a:schemeClr val="accent1"/>
+            </a:effectRef>
+            <a:fontRef idx="minor">
+              <a:schemeClr val="tx1"/>
+            </a:fontRef>
+          </p:style>
+        </p:cxnSp>
+        <p:cxnSp>
+          <p:nvCxnSpPr>
+            <p:cNvPr id="60" name="직선 연결선 59">
+              <a:extLst>
+                <a:ext uri="{FF2B5EF4-FFF2-40B4-BE49-F238E27FC236}">
+                  <a16:creationId xmlns:a16="http://schemas.microsoft.com/office/drawing/2014/main" id="{85A7E6A8-9749-6181-DB17-FECF50673A3D}"/>
+                </a:ext>
+              </a:extLst>
+            </p:cNvPr>
+            <p:cNvCxnSpPr>
+              <a:cxnSpLocks/>
+            </p:cNvCxnSpPr>
+            <p:nvPr/>
+          </p:nvCxnSpPr>
+          <p:spPr>
+            <a:xfrm flipH="1">
+              <a:off x="9801222" y="3851979"/>
+              <a:ext cx="1555750" cy="0"/>
+            </a:xfrm>
+            <a:prstGeom prst="line">
+              <a:avLst/>
+            </a:prstGeom>
+            <a:ln w="19050">
+              <a:solidFill>
+                <a:schemeClr val="bg1">
+                  <a:lumMod val="50000"/>
+                </a:schemeClr>
+              </a:solidFill>
+            </a:ln>
+          </p:spPr>
+          <p:style>
+            <a:lnRef idx="1">
+              <a:schemeClr val="accent1"/>
+            </a:lnRef>
+            <a:fillRef idx="0">
+              <a:schemeClr val="accent1"/>
+            </a:fillRef>
+            <a:effectRef idx="0">
+              <a:schemeClr val="accent1"/>
+            </a:effectRef>
+            <a:fontRef idx="minor">
+              <a:schemeClr val="tx1"/>
+            </a:fontRef>
+          </p:style>
+        </p:cxnSp>
+        <p:sp>
+          <p:nvSpPr>
+            <p:cNvPr id="1027" name="자유형: 도형 1026">
+              <a:extLst>
+                <a:ext uri="{FF2B5EF4-FFF2-40B4-BE49-F238E27FC236}">
+                  <a16:creationId xmlns:a16="http://schemas.microsoft.com/office/drawing/2014/main" id="{C9911DDC-6D5E-FC2E-42D0-A191158CD555}"/>
+                </a:ext>
+              </a:extLst>
+            </p:cNvPr>
+            <p:cNvSpPr/>
+            <p:nvPr/>
+          </p:nvSpPr>
+          <p:spPr>
+            <a:xfrm>
+              <a:off x="9914393" y="2645038"/>
+              <a:ext cx="1236206" cy="1132075"/>
+            </a:xfrm>
+            <a:custGeom>
+              <a:avLst/>
+              <a:gdLst>
+                <a:gd name="connsiteX0" fmla="*/ 0 w 1174750"/>
+                <a:gd name="connsiteY0" fmla="*/ 0 h 950801"/>
+                <a:gd name="connsiteX1" fmla="*/ 336550 w 1174750"/>
+                <a:gd name="connsiteY1" fmla="*/ 825500 h 950801"/>
+                <a:gd name="connsiteX2" fmla="*/ 1174750 w 1174750"/>
+                <a:gd name="connsiteY2" fmla="*/ 933450 h 950801"/>
+              </a:gdLst>
+              <a:ahLst/>
+              <a:cxnLst>
+                <a:cxn ang="0">
+                  <a:pos x="connsiteX0" y="connsiteY0"/>
+                </a:cxn>
+                <a:cxn ang="0">
+                  <a:pos x="connsiteX1" y="connsiteY1"/>
+                </a:cxn>
+                <a:cxn ang="0">
+                  <a:pos x="connsiteX2" y="connsiteY2"/>
+                </a:cxn>
+              </a:cxnLst>
+              <a:rect l="l" t="t" r="r" b="b"/>
+              <a:pathLst>
+                <a:path w="1174750" h="950801">
+                  <a:moveTo>
+                    <a:pt x="0" y="0"/>
+                  </a:moveTo>
+                  <a:cubicBezTo>
+                    <a:pt x="70379" y="334962"/>
+                    <a:pt x="140759" y="669925"/>
+                    <a:pt x="336550" y="825500"/>
+                  </a:cubicBezTo>
+                  <a:cubicBezTo>
+                    <a:pt x="532341" y="981075"/>
+                    <a:pt x="853545" y="957262"/>
+                    <a:pt x="1174750" y="933450"/>
+                  </a:cubicBezTo>
+                </a:path>
+              </a:pathLst>
+            </a:custGeom>
+            <a:noFill/>
+            <a:ln w="38100">
+              <a:solidFill>
+                <a:schemeClr val="tx1">
+                  <a:lumMod val="75000"/>
+                  <a:lumOff val="25000"/>
+                </a:schemeClr>
+              </a:solidFill>
+              <a:prstDash val="dash"/>
+              <a:extLst>
+                <a:ext uri="{C807C97D-BFC1-408E-A445-0C87EB9F89A2}">
+                  <ask:lineSketchStyleProps xmlns:ask="http://schemas.microsoft.com/office/drawing/2018/sketchyshapes" sd="2008842088">
+                    <a:custGeom>
+                      <a:avLst/>
+                      <a:gdLst>
+                        <a:gd name="connsiteX0" fmla="*/ 0 w 1179041"/>
+                        <a:gd name="connsiteY0" fmla="*/ 0 h 1132075"/>
+                        <a:gd name="connsiteX1" fmla="*/ 337779 w 1179041"/>
+                        <a:gd name="connsiteY1" fmla="*/ 982884 h 1132075"/>
+                        <a:gd name="connsiteX2" fmla="*/ 1179041 w 1179041"/>
+                        <a:gd name="connsiteY2" fmla="*/ 1111415 h 1132075"/>
+                      </a:gdLst>
+                      <a:ahLst/>
+                      <a:cxnLst>
+                        <a:cxn ang="0">
+                          <a:pos x="connsiteX0" y="connsiteY0"/>
+                        </a:cxn>
+                        <a:cxn ang="0">
+                          <a:pos x="connsiteX1" y="connsiteY1"/>
+                        </a:cxn>
+                        <a:cxn ang="0">
+                          <a:pos x="connsiteX2" y="connsiteY2"/>
+                        </a:cxn>
+                      </a:cxnLst>
+                      <a:rect l="l" t="t" r="r" b="b"/>
+                      <a:pathLst>
+                        <a:path w="1179041" h="1132075" extrusionOk="0">
+                          <a:moveTo>
+                            <a:pt x="0" y="0"/>
+                          </a:moveTo>
+                          <a:cubicBezTo>
+                            <a:pt x="115818" y="421857"/>
+                            <a:pt x="134829" y="802790"/>
+                            <a:pt x="337779" y="982884"/>
+                          </a:cubicBezTo>
+                          <a:cubicBezTo>
+                            <a:pt x="519596" y="1215912"/>
+                            <a:pt x="825400" y="1161754"/>
+                            <a:pt x="1179041" y="1111415"/>
+                          </a:cubicBezTo>
+                        </a:path>
+                      </a:pathLst>
+                    </a:custGeom>
+                    <ask:type>
+                      <ask:lineSketchNone/>
+                    </ask:type>
+                  </ask:lineSketchStyleProps>
+                </a:ext>
+              </a:extLst>
+            </a:ln>
+          </p:spPr>
+          <p:style>
+            <a:lnRef idx="2">
+              <a:schemeClr val="accent1">
+                <a:shade val="50000"/>
+              </a:schemeClr>
+            </a:lnRef>
+            <a:fillRef idx="1">
+              <a:schemeClr val="accent1"/>
+            </a:fillRef>
+            <a:effectRef idx="0">
+              <a:schemeClr val="accent1"/>
+            </a:effectRef>
+            <a:fontRef idx="minor">
+              <a:schemeClr val="lt1"/>
+            </a:fontRef>
+          </p:style>
+          <p:txBody>
+            <a:bodyPr rtlCol="0" anchor="ctr"/>
+            <a:lstStyle/>
+            <a:p>
+              <a:pPr algn="ctr"/>
+              <a:endParaRPr lang="ko-KR" altLang="en-US"/>
+            </a:p>
+          </p:txBody>
+        </p:sp>
+        <p:sp>
+          <p:nvSpPr>
+            <p:cNvPr id="1028" name="TextBox 1027">
+              <a:extLst>
+                <a:ext uri="{FF2B5EF4-FFF2-40B4-BE49-F238E27FC236}">
+                  <a16:creationId xmlns:a16="http://schemas.microsoft.com/office/drawing/2014/main" id="{D515F0D6-37D0-6E01-D646-26370DD5FF90}"/>
+                </a:ext>
+              </a:extLst>
+            </p:cNvPr>
+            <p:cNvSpPr txBox="1"/>
+            <p:nvPr/>
+          </p:nvSpPr>
+          <p:spPr>
+            <a:xfrm>
+              <a:off x="9815075" y="3851978"/>
+              <a:ext cx="1527172" cy="338554"/>
+            </a:xfrm>
+            <a:prstGeom prst="rect">
+              <a:avLst/>
+            </a:prstGeom>
+            <a:noFill/>
+          </p:spPr>
+          <p:txBody>
+            <a:bodyPr wrap="square" rtlCol="0">
+              <a:spAutoFit/>
+            </a:bodyPr>
+            <a:lstStyle/>
+            <a:p>
+              <a:pPr algn="ctr"/>
+              <a:r>
+                <a:rPr lang="en-US" altLang="ko-KR" sz="1600"/>
+                <a:t>Machines</a:t>
+              </a:r>
+              <a:endParaRPr lang="ko-KR" altLang="en-US" sz="1600"/>
+            </a:p>
+          </p:txBody>
+        </p:sp>
+        <p:sp>
+          <p:nvSpPr>
+            <p:cNvPr id="1029" name="TextBox 1028">
+              <a:extLst>
+                <a:ext uri="{FF2B5EF4-FFF2-40B4-BE49-F238E27FC236}">
+                  <a16:creationId xmlns:a16="http://schemas.microsoft.com/office/drawing/2014/main" id="{2CA54C49-9653-B07B-CD97-E36DC4C57E61}"/>
+                </a:ext>
+              </a:extLst>
+            </p:cNvPr>
+            <p:cNvSpPr txBox="1"/>
+            <p:nvPr/>
+          </p:nvSpPr>
+          <p:spPr>
+            <a:xfrm rot="16200000">
+              <a:off x="9111419" y="3148321"/>
+              <a:ext cx="1068759" cy="338554"/>
+            </a:xfrm>
+            <a:prstGeom prst="rect">
+              <a:avLst/>
+            </a:prstGeom>
+            <a:noFill/>
+          </p:spPr>
+          <p:txBody>
+            <a:bodyPr wrap="square" rtlCol="0">
+              <a:spAutoFit/>
+            </a:bodyPr>
+            <a:lstStyle/>
+            <a:p>
+              <a:pPr algn="ctr"/>
+              <a:r>
+                <a:rPr lang="en-US" altLang="ko-KR" sz="1600"/>
+                <a:t>Time</a:t>
+              </a:r>
+              <a:endParaRPr lang="ko-KR" altLang="en-US" sz="1600"/>
+            </a:p>
+          </p:txBody>
+        </p:sp>
+      </p:grpSp>
+    </p:spTree>
+    <p:extLst>
+      <p:ext uri="{BB962C8B-B14F-4D97-AF65-F5344CB8AC3E}">
+        <p14:creationId xmlns:p14="http://schemas.microsoft.com/office/powerpoint/2010/main" val="806024896"/>
+      </p:ext>
+    </p:extLst>
+  </p:cSld>
+  <p:clrMapOvr>
+    <a:masterClrMapping/>
+  </p:clrMapOvr>
+  <p:timing>
+    <p:tnLst>
+      <p:par>
+        <p:cTn id="1" dur="indefinite" restart="never" nodeType="tmRoot">
+          <p:childTnLst>
+            <p:seq concurrent="1" nextAc="seek">
+              <p:cTn id="2" dur="indefinite" nodeType="mainSeq">
+                <p:childTnLst>
+                  <p:par>
+                    <p:cTn id="3" fill="hold">
+                      <p:stCondLst>
+                        <p:cond delay="indefinite"/>
+                      </p:stCondLst>
+                      <p:childTnLst>
+                        <p:par>
+                          <p:cTn id="4" fill="hold">
+                            <p:stCondLst>
+                              <p:cond delay="0"/>
+                            </p:stCondLst>
+                            <p:childTnLst>
+                              <p:par>
+                                <p:cTn id="5" presetID="1" presetClass="entr" presetSubtype="0" fill="hold" grpId="0" nodeType="clickEffect">
+                                  <p:stCondLst>
+                                    <p:cond delay="0"/>
+                                  </p:stCondLst>
+                                  <p:childTnLst>
+                                    <p:set>
+                                      <p:cBhvr>
+                                        <p:cTn id="6" dur="1" fill="hold">
+                                          <p:stCondLst>
+                                            <p:cond delay="0"/>
+                                          </p:stCondLst>
+                                        </p:cTn>
+                                        <p:tgtEl>
+                                          <p:spTgt spid="18"/>
+                                        </p:tgtEl>
+                                        <p:attrNameLst>
+                                          <p:attrName>style.visibility</p:attrName>
+                                        </p:attrNameLst>
+                                      </p:cBhvr>
+                                      <p:to>
+                                        <p:strVal val="visible"/>
+                                      </p:to>
+                                    </p:set>
+                                  </p:childTnLst>
+                                </p:cTn>
+                              </p:par>
+                              <p:par>
+                                <p:cTn id="7" presetID="1" presetClass="entr" presetSubtype="0" fill="hold" grpId="0" nodeType="withEffect">
+                                  <p:stCondLst>
+                                    <p:cond delay="0"/>
+                                  </p:stCondLst>
+                                  <p:childTnLst>
+                                    <p:set>
+                                      <p:cBhvr>
+                                        <p:cTn id="8" dur="1" fill="hold">
+                                          <p:stCondLst>
+                                            <p:cond delay="0"/>
+                                          </p:stCondLst>
+                                        </p:cTn>
+                                        <p:tgtEl>
+                                          <p:spTgt spid="26"/>
+                                        </p:tgtEl>
+                                        <p:attrNameLst>
+                                          <p:attrName>style.visibility</p:attrName>
+                                        </p:attrNameLst>
+                                      </p:cBhvr>
+                                      <p:to>
+                                        <p:strVal val="visible"/>
+                                      </p:to>
+                                    </p:set>
+                                  </p:childTnLst>
+                                </p:cTn>
+                              </p:par>
+                            </p:childTnLst>
+                          </p:cTn>
+                        </p:par>
+                      </p:childTnLst>
+                    </p:cTn>
+                  </p:par>
+                  <p:par>
+                    <p:cTn id="9" fill="hold">
+                      <p:stCondLst>
+                        <p:cond delay="indefinite"/>
+                      </p:stCondLst>
+                      <p:childTnLst>
+                        <p:par>
+                          <p:cTn id="10" fill="hold">
+                            <p:stCondLst>
+                              <p:cond delay="0"/>
+                            </p:stCondLst>
+                            <p:childTnLst>
+                              <p:par>
+                                <p:cTn id="11" presetID="10" presetClass="entr" presetSubtype="0" fill="hold" grpId="0" nodeType="clickEffect">
+                                  <p:stCondLst>
+                                    <p:cond delay="0"/>
+                                  </p:stCondLst>
+                                  <p:childTnLst>
+                                    <p:set>
+                                      <p:cBhvr>
+                                        <p:cTn id="12" dur="1" fill="hold">
+                                          <p:stCondLst>
+                                            <p:cond delay="0"/>
+                                          </p:stCondLst>
+                                        </p:cTn>
+                                        <p:tgtEl>
+                                          <p:spTgt spid="31"/>
+                                        </p:tgtEl>
+                                        <p:attrNameLst>
+                                          <p:attrName>style.visibility</p:attrName>
+                                        </p:attrNameLst>
+                                      </p:cBhvr>
+                                      <p:to>
+                                        <p:strVal val="visible"/>
+                                      </p:to>
+                                    </p:set>
+                                    <p:animEffect transition="in" filter="fade">
+                                      <p:cBhvr>
+                                        <p:cTn id="13" dur="500"/>
+                                        <p:tgtEl>
+                                          <p:spTgt spid="31"/>
+                                        </p:tgtEl>
+                                      </p:cBhvr>
+                                    </p:animEffect>
+                                  </p:childTnLst>
+                                </p:cTn>
+                              </p:par>
+                            </p:childTnLst>
+                          </p:cTn>
+                        </p:par>
+                      </p:childTnLst>
+                    </p:cTn>
+                  </p:par>
+                  <p:par>
+                    <p:cTn id="14" fill="hold">
+                      <p:stCondLst>
+                        <p:cond delay="indefinite"/>
+                      </p:stCondLst>
+                      <p:childTnLst>
+                        <p:par>
+                          <p:cTn id="15" fill="hold">
+                            <p:stCondLst>
+                              <p:cond delay="0"/>
+                            </p:stCondLst>
+                            <p:childTnLst>
+                              <p:par>
+                                <p:cTn id="16" presetID="10" presetClass="entr" presetSubtype="0" fill="hold" nodeType="clickEffect">
+                                  <p:stCondLst>
+                                    <p:cond delay="0"/>
+                                  </p:stCondLst>
+                                  <p:childTnLst>
+                                    <p:set>
+                                      <p:cBhvr>
+                                        <p:cTn id="17" dur="1" fill="hold">
+                                          <p:stCondLst>
+                                            <p:cond delay="0"/>
+                                          </p:stCondLst>
+                                        </p:cTn>
+                                        <p:tgtEl>
+                                          <p:spTgt spid="36"/>
+                                        </p:tgtEl>
+                                        <p:attrNameLst>
+                                          <p:attrName>style.visibility</p:attrName>
+                                        </p:attrNameLst>
+                                      </p:cBhvr>
+                                      <p:to>
+                                        <p:strVal val="visible"/>
+                                      </p:to>
+                                    </p:set>
+                                    <p:animEffect transition="in" filter="fade">
+                                      <p:cBhvr>
+                                        <p:cTn id="18" dur="500"/>
+                                        <p:tgtEl>
+                                          <p:spTgt spid="36"/>
+                                        </p:tgtEl>
+                                      </p:cBhvr>
+                                    </p:animEffect>
+                                  </p:childTnLst>
+                                </p:cTn>
+                              </p:par>
+                              <p:par>
+                                <p:cTn id="19" presetID="10" presetClass="entr" presetSubtype="0" fill="hold" grpId="0" nodeType="withEffect">
+                                  <p:stCondLst>
+                                    <p:cond delay="0"/>
+                                  </p:stCondLst>
+                                  <p:childTnLst>
+                                    <p:set>
+                                      <p:cBhvr>
+                                        <p:cTn id="20" dur="1" fill="hold">
+                                          <p:stCondLst>
+                                            <p:cond delay="0"/>
+                                          </p:stCondLst>
+                                        </p:cTn>
+                                        <p:tgtEl>
+                                          <p:spTgt spid="32"/>
+                                        </p:tgtEl>
+                                        <p:attrNameLst>
+                                          <p:attrName>style.visibility</p:attrName>
+                                        </p:attrNameLst>
+                                      </p:cBhvr>
+                                      <p:to>
+                                        <p:strVal val="visible"/>
+                                      </p:to>
+                                    </p:set>
+                                    <p:animEffect transition="in" filter="fade">
+                                      <p:cBhvr>
+                                        <p:cTn id="21" dur="500"/>
+                                        <p:tgtEl>
+                                          <p:spTgt spid="32"/>
+                                        </p:tgtEl>
+                                      </p:cBhvr>
+                                    </p:animEffect>
+                                  </p:childTnLst>
+                                </p:cTn>
+                              </p:par>
+                              <p:par>
+                                <p:cTn id="22" presetID="10" presetClass="entr" presetSubtype="0" fill="hold" grpId="0" nodeType="withEffect">
+                                  <p:stCondLst>
+                                    <p:cond delay="0"/>
+                                  </p:stCondLst>
+                                  <p:childTnLst>
+                                    <p:set>
+                                      <p:cBhvr>
+                                        <p:cTn id="23" dur="1" fill="hold">
+                                          <p:stCondLst>
+                                            <p:cond delay="0"/>
+                                          </p:stCondLst>
+                                        </p:cTn>
+                                        <p:tgtEl>
+                                          <p:spTgt spid="33"/>
+                                        </p:tgtEl>
+                                        <p:attrNameLst>
+                                          <p:attrName>style.visibility</p:attrName>
+                                        </p:attrNameLst>
+                                      </p:cBhvr>
+                                      <p:to>
+                                        <p:strVal val="visible"/>
+                                      </p:to>
+                                    </p:set>
+                                    <p:animEffect transition="in" filter="fade">
+                                      <p:cBhvr>
+                                        <p:cTn id="24" dur="500"/>
+                                        <p:tgtEl>
+                                          <p:spTgt spid="33"/>
+                                        </p:tgtEl>
+                                      </p:cBhvr>
+                                    </p:animEffect>
+                                  </p:childTnLst>
+                                </p:cTn>
+                              </p:par>
+                            </p:childTnLst>
+                          </p:cTn>
+                        </p:par>
+                      </p:childTnLst>
+                    </p:cTn>
+                  </p:par>
+                  <p:par>
+                    <p:cTn id="25" fill="hold">
+                      <p:stCondLst>
+                        <p:cond delay="indefinite"/>
+                      </p:stCondLst>
+                      <p:childTnLst>
+                        <p:par>
+                          <p:cTn id="26" fill="hold">
+                            <p:stCondLst>
+                              <p:cond delay="0"/>
+                            </p:stCondLst>
+                            <p:childTnLst>
+                              <p:par>
+                                <p:cTn id="27" presetID="10" presetClass="entr" presetSubtype="0" fill="hold" nodeType="clickEffect">
+                                  <p:stCondLst>
+                                    <p:cond delay="0"/>
+                                  </p:stCondLst>
+                                  <p:childTnLst>
+                                    <p:set>
+                                      <p:cBhvr>
+                                        <p:cTn id="28" dur="1" fill="hold">
+                                          <p:stCondLst>
+                                            <p:cond delay="0"/>
+                                          </p:stCondLst>
+                                        </p:cTn>
+                                        <p:tgtEl>
+                                          <p:spTgt spid="1026"/>
+                                        </p:tgtEl>
+                                        <p:attrNameLst>
+                                          <p:attrName>style.visibility</p:attrName>
+                                        </p:attrNameLst>
+                                      </p:cBhvr>
+                                      <p:to>
+                                        <p:strVal val="visible"/>
+                                      </p:to>
+                                    </p:set>
+                                    <p:animEffect transition="in" filter="fade">
+                                      <p:cBhvr>
+                                        <p:cTn id="29" dur="500"/>
+                                        <p:tgtEl>
+                                          <p:spTgt spid="1026"/>
+                                        </p:tgtEl>
+                                      </p:cBhvr>
+                                    </p:animEffect>
+                                  </p:childTnLst>
+                                </p:cTn>
+                              </p:par>
+                              <p:par>
+                                <p:cTn id="30" presetID="10" presetClass="entr" presetSubtype="0" fill="hold" nodeType="withEffect">
+                                  <p:stCondLst>
+                                    <p:cond delay="0"/>
+                                  </p:stCondLst>
+                                  <p:childTnLst>
+                                    <p:set>
+                                      <p:cBhvr>
+                                        <p:cTn id="31" dur="1" fill="hold">
+                                          <p:stCondLst>
+                                            <p:cond delay="0"/>
+                                          </p:stCondLst>
+                                        </p:cTn>
+                                        <p:tgtEl>
+                                          <p:spTgt spid="43"/>
+                                        </p:tgtEl>
+                                        <p:attrNameLst>
+                                          <p:attrName>style.visibility</p:attrName>
+                                        </p:attrNameLst>
+                                      </p:cBhvr>
+                                      <p:to>
+                                        <p:strVal val="visible"/>
+                                      </p:to>
+                                    </p:set>
+                                    <p:animEffect transition="in" filter="fade">
+                                      <p:cBhvr>
+                                        <p:cTn id="32" dur="500"/>
+                                        <p:tgtEl>
+                                          <p:spTgt spid="43"/>
+                                        </p:tgtEl>
+                                      </p:cBhvr>
+                                    </p:animEffect>
+                                  </p:childTnLst>
+                                </p:cTn>
+                              </p:par>
+                              <p:par>
+                                <p:cTn id="33" presetID="10" presetClass="entr" presetSubtype="0" fill="hold" nodeType="withEffect">
+                                  <p:stCondLst>
+                                    <p:cond delay="0"/>
+                                  </p:stCondLst>
+                                  <p:childTnLst>
+                                    <p:set>
+                                      <p:cBhvr>
+                                        <p:cTn id="34" dur="1" fill="hold">
+                                          <p:stCondLst>
+                                            <p:cond delay="0"/>
+                                          </p:stCondLst>
+                                        </p:cTn>
+                                        <p:tgtEl>
+                                          <p:spTgt spid="44"/>
+                                        </p:tgtEl>
+                                        <p:attrNameLst>
+                                          <p:attrName>style.visibility</p:attrName>
+                                        </p:attrNameLst>
+                                      </p:cBhvr>
+                                      <p:to>
+                                        <p:strVal val="visible"/>
+                                      </p:to>
+                                    </p:set>
+                                    <p:animEffect transition="in" filter="fade">
+                                      <p:cBhvr>
+                                        <p:cTn id="35" dur="500"/>
+                                        <p:tgtEl>
+                                          <p:spTgt spid="44"/>
+                                        </p:tgtEl>
+                                      </p:cBhvr>
+                                    </p:animEffect>
+                                  </p:childTnLst>
+                                </p:cTn>
+                              </p:par>
+                              <p:par>
+                                <p:cTn id="36" presetID="10" presetClass="entr" presetSubtype="0" fill="hold" nodeType="withEffect">
+                                  <p:stCondLst>
+                                    <p:cond delay="0"/>
+                                  </p:stCondLst>
+                                  <p:childTnLst>
+                                    <p:set>
+                                      <p:cBhvr>
+                                        <p:cTn id="37" dur="1" fill="hold">
+                                          <p:stCondLst>
+                                            <p:cond delay="0"/>
+                                          </p:stCondLst>
+                                        </p:cTn>
+                                        <p:tgtEl>
+                                          <p:spTgt spid="40"/>
+                                        </p:tgtEl>
+                                        <p:attrNameLst>
+                                          <p:attrName>style.visibility</p:attrName>
+                                        </p:attrNameLst>
+                                      </p:cBhvr>
+                                      <p:to>
+                                        <p:strVal val="visible"/>
+                                      </p:to>
+                                    </p:set>
+                                    <p:animEffect transition="in" filter="fade">
+                                      <p:cBhvr>
+                                        <p:cTn id="38" dur="500"/>
+                                        <p:tgtEl>
+                                          <p:spTgt spid="40"/>
+                                        </p:tgtEl>
+                                      </p:cBhvr>
+                                    </p:animEffect>
+                                  </p:childTnLst>
+                                </p:cTn>
+                              </p:par>
+                              <p:par>
+                                <p:cTn id="39" presetID="10" presetClass="entr" presetSubtype="0" fill="hold" nodeType="withEffect">
+                                  <p:stCondLst>
+                                    <p:cond delay="0"/>
+                                  </p:stCondLst>
+                                  <p:childTnLst>
+                                    <p:set>
+                                      <p:cBhvr>
+                                        <p:cTn id="40" dur="1" fill="hold">
+                                          <p:stCondLst>
+                                            <p:cond delay="0"/>
+                                          </p:stCondLst>
+                                        </p:cTn>
+                                        <p:tgtEl>
+                                          <p:spTgt spid="45"/>
+                                        </p:tgtEl>
+                                        <p:attrNameLst>
+                                          <p:attrName>style.visibility</p:attrName>
+                                        </p:attrNameLst>
+                                      </p:cBhvr>
+                                      <p:to>
+                                        <p:strVal val="visible"/>
+                                      </p:to>
+                                    </p:set>
+                                    <p:animEffect transition="in" filter="fade">
+                                      <p:cBhvr>
+                                        <p:cTn id="41" dur="500"/>
+                                        <p:tgtEl>
+                                          <p:spTgt spid="45"/>
+                                        </p:tgtEl>
+                                      </p:cBhvr>
+                                    </p:animEffect>
+                                  </p:childTnLst>
+                                </p:cTn>
+                              </p:par>
+                              <p:par>
+                                <p:cTn id="42" presetID="10" presetClass="entr" presetSubtype="0" fill="hold" nodeType="withEffect">
+                                  <p:stCondLst>
+                                    <p:cond delay="0"/>
+                                  </p:stCondLst>
+                                  <p:childTnLst>
+                                    <p:set>
+                                      <p:cBhvr>
+                                        <p:cTn id="43" dur="1" fill="hold">
+                                          <p:stCondLst>
+                                            <p:cond delay="0"/>
+                                          </p:stCondLst>
+                                        </p:cTn>
+                                        <p:tgtEl>
+                                          <p:spTgt spid="50"/>
+                                        </p:tgtEl>
+                                        <p:attrNameLst>
+                                          <p:attrName>style.visibility</p:attrName>
+                                        </p:attrNameLst>
+                                      </p:cBhvr>
+                                      <p:to>
+                                        <p:strVal val="visible"/>
+                                      </p:to>
+                                    </p:set>
+                                    <p:animEffect transition="in" filter="fade">
+                                      <p:cBhvr>
+                                        <p:cTn id="44" dur="500"/>
+                                        <p:tgtEl>
+                                          <p:spTgt spid="50"/>
+                                        </p:tgtEl>
+                                      </p:cBhvr>
+                                    </p:animEffect>
+                                  </p:childTnLst>
+                                </p:cTn>
+                              </p:par>
+                            </p:childTnLst>
+                          </p:cTn>
+                        </p:par>
+                      </p:childTnLst>
+                    </p:cTn>
+                  </p:par>
+                  <p:par>
+                    <p:cTn id="45" fill="hold">
+                      <p:stCondLst>
+                        <p:cond delay="indefinite"/>
+                      </p:stCondLst>
+                      <p:childTnLst>
+                        <p:par>
+                          <p:cTn id="46" fill="hold">
+                            <p:stCondLst>
+                              <p:cond delay="0"/>
+                            </p:stCondLst>
+                            <p:childTnLst>
+                              <p:par>
+                                <p:cTn id="47" presetID="10" presetClass="entr" presetSubtype="0" fill="hold" grpId="0" nodeType="clickEffect">
+                                  <p:stCondLst>
+                                    <p:cond delay="0"/>
+                                  </p:stCondLst>
+                                  <p:childTnLst>
+                                    <p:set>
+                                      <p:cBhvr>
+                                        <p:cTn id="48" dur="1" fill="hold">
+                                          <p:stCondLst>
+                                            <p:cond delay="0"/>
+                                          </p:stCondLst>
+                                        </p:cTn>
+                                        <p:tgtEl>
+                                          <p:spTgt spid="56"/>
+                                        </p:tgtEl>
+                                        <p:attrNameLst>
+                                          <p:attrName>style.visibility</p:attrName>
+                                        </p:attrNameLst>
+                                      </p:cBhvr>
+                                      <p:to>
+                                        <p:strVal val="visible"/>
+                                      </p:to>
+                                    </p:set>
+                                    <p:animEffect transition="in" filter="fade">
+                                      <p:cBhvr>
+                                        <p:cTn id="49" dur="500"/>
+                                        <p:tgtEl>
+                                          <p:spTgt spid="56"/>
+                                        </p:tgtEl>
+                                      </p:cBhvr>
+                                    </p:animEffect>
+                                  </p:childTnLst>
+                                </p:cTn>
+                              </p:par>
+                            </p:childTnLst>
+                          </p:cTn>
+                        </p:par>
+                      </p:childTnLst>
+                    </p:cTn>
+                  </p:par>
+                  <p:par>
+                    <p:cTn id="50" fill="hold">
+                      <p:stCondLst>
+                        <p:cond delay="indefinite"/>
+                      </p:stCondLst>
+                      <p:childTnLst>
+                        <p:par>
+                          <p:cTn id="51" fill="hold">
+                            <p:stCondLst>
+                              <p:cond delay="0"/>
+                            </p:stCondLst>
+                            <p:childTnLst>
+                              <p:par>
+                                <p:cTn id="52" presetID="10" presetClass="entr" presetSubtype="0" fill="hold" nodeType="clickEffect">
+                                  <p:stCondLst>
+                                    <p:cond delay="0"/>
+                                  </p:stCondLst>
+                                  <p:childTnLst>
+                                    <p:set>
+                                      <p:cBhvr>
+                                        <p:cTn id="53" dur="1" fill="hold">
+                                          <p:stCondLst>
+                                            <p:cond delay="0"/>
+                                          </p:stCondLst>
+                                        </p:cTn>
+                                        <p:tgtEl>
+                                          <p:spTgt spid="1030"/>
+                                        </p:tgtEl>
+                                        <p:attrNameLst>
+                                          <p:attrName>style.visibility</p:attrName>
+                                        </p:attrNameLst>
+                                      </p:cBhvr>
+                                      <p:to>
+                                        <p:strVal val="visible"/>
+                                      </p:to>
+                                    </p:set>
+                                    <p:animEffect transition="in" filter="fade">
+                                      <p:cBhvr>
+                                        <p:cTn id="54" dur="500"/>
+                                        <p:tgtEl>
+                                          <p:spTgt spid="1030"/>
+                                        </p:tgtEl>
+                                      </p:cBhvr>
+                                    </p:animEffect>
+                                  </p:childTnLst>
+                                </p:cTn>
+                              </p:par>
+                            </p:childTnLst>
+                          </p:cTn>
+                        </p:par>
+                      </p:childTnLst>
+                    </p:cTn>
+                  </p:par>
+                </p:childTnLst>
+              </p:cTn>
+              <p:prevCondLst>
+                <p:cond evt="onPrev" delay="0">
+                  <p:tgtEl>
+                    <p:sldTgt/>
+                  </p:tgtEl>
+                </p:cond>
+              </p:prevCondLst>
+              <p:nextCondLst>
+                <p:cond evt="onNext" delay="0">
+                  <p:tgtEl>
+                    <p:sldTgt/>
+                  </p:tgtEl>
+                </p:cond>
+              </p:nextCondLst>
+            </p:seq>
+          </p:childTnLst>
+        </p:cTn>
+      </p:par>
+    </p:tnLst>
+    <p:bldLst>
+      <p:bldP spid="18" grpId="0" animBg="1"/>
+      <p:bldP spid="26" grpId="0" animBg="1"/>
+      <p:bldP spid="31" grpId="0" animBg="1"/>
+      <p:bldP spid="32" grpId="0" animBg="1"/>
+      <p:bldP spid="33" grpId="0" animBg="1"/>
+      <p:bldP spid="56" grpId="0" animBg="1"/>
+    </p:bldLst>
+  </p:timing>
+</p:sld>
+</file>
+
+<file path=ppt/slides/slide7.xml><?xml version="1.0" encoding="utf-8"?>
+<p:sld xmlns:a="http://schemas.openxmlformats.org/drawingml/2006/main" xmlns:r="http://schemas.openxmlformats.org/officeDocument/2006/relationships" xmlns:p="http://schemas.openxmlformats.org/presentationml/2006/main">
+  <p:cSld>
+    <p:spTree>
+      <p:nvGrpSpPr>
+        <p:cNvPr id="1" name=""/>
+        <p:cNvGrpSpPr/>
+        <p:nvPr/>
+      </p:nvGrpSpPr>
+      <p:grpSpPr>
+        <a:xfrm>
+          <a:off x="0" y="0"/>
+          <a:ext cx="0" cy="0"/>
+          <a:chOff x="0" y="0"/>
+          <a:chExt cx="0" cy="0"/>
+        </a:xfrm>
+      </p:grpSpPr>
+      <p:sp>
+        <p:nvSpPr>
+          <p:cNvPr id="4" name="TextBox 3">
+            <a:extLst>
+              <a:ext uri="{FF2B5EF4-FFF2-40B4-BE49-F238E27FC236}">
+                <a16:creationId xmlns:a16="http://schemas.microsoft.com/office/drawing/2014/main" id="{88AE202D-BDB2-CAB2-26F9-78AA0AA16128}"/>
               </a:ext>
             </a:extLst>
           </p:cNvPr>
@@ -20956,8 +22597,8 @@
         </p:nvSpPr>
         <p:spPr>
           <a:xfrm>
-            <a:off x="6416459" y="4841101"/>
-            <a:ext cx="5187712" cy="1392689"/>
+            <a:off x="0" y="0"/>
+            <a:ext cx="9829800" cy="215444"/>
           </a:xfrm>
           <a:prstGeom prst="rect">
             <a:avLst/>
@@ -20965,123 +22606,128 @@
           <a:noFill/>
         </p:spPr>
         <p:txBody>
-          <a:bodyPr wrap="square" rtlCol="0">
+          <a:bodyPr wrap="square">
             <a:spAutoFit/>
           </a:bodyPr>
           <a:lstStyle/>
           <a:p>
-            <a:pPr marL="171450" indent="-171450">
-              <a:lnSpc>
-                <a:spcPct val="200000"/>
-              </a:lnSpc>
-              <a:buFont typeface="Arial" panose="020B0604020202020204" pitchFamily="34" charset="0"/>
-              <a:buChar char="•"/>
-            </a:pPr>
-            <a:r>
-              <a:rPr lang="en-US" altLang="ko-KR" sz="1100" dirty="0"/>
-              <a:t>The </a:t>
-            </a:r>
-            <a:r>
-              <a:rPr lang="en-US" altLang="ko-KR" sz="1100" dirty="0">
+            <a:r>
+              <a:rPr lang="en-US" altLang="ko-KR" sz="800" b="0" i="0">
                 <a:solidFill>
-                  <a:srgbClr val="FF7575"/>
+                  <a:schemeClr val="tx1">
+                    <a:lumMod val="50000"/>
+                    <a:lumOff val="50000"/>
+                  </a:schemeClr>
                 </a:solidFill>
+                <a:effectLst/>
+                <a:latin typeface="Arial" panose="020B0604020202020204" pitchFamily="34" charset="0"/>
               </a:rPr>
-              <a:t>spread-target placement </a:t>
-            </a:r>
-            <a:r>
-              <a:rPr lang="en-US" altLang="ko-KR" sz="1100" dirty="0"/>
-              <a:t>of I/O nodes is best at mitigating interference for both types of jobs</a:t>
-            </a:r>
-          </a:p>
-          <a:p>
-            <a:pPr marL="171450" indent="-171450">
-              <a:lnSpc>
-                <a:spcPct val="200000"/>
-              </a:lnSpc>
-              <a:buFont typeface="Arial" panose="020B0604020202020204" pitchFamily="34" charset="0"/>
-              <a:buChar char="•"/>
-            </a:pPr>
-            <a:r>
-              <a:rPr lang="en-US" altLang="ko-KR" sz="1100" dirty="0"/>
-              <a:t>The I/O traffic is confined to a subset of the network and thus does not interfere with the MPI traffic</a:t>
-            </a:r>
-            <a:endParaRPr lang="ko-KR" altLang="en-US" sz="1100" dirty="0"/>
+              <a:t>Venkataraman, Shivaram, et al. "Ernest: Efficient Performance Prediction for {Large-Scale} Advanced Analytics." </a:t>
+            </a:r>
+            <a:r>
+              <a:rPr lang="en-US" altLang="ko-KR" sz="800" b="0" i="1">
+                <a:solidFill>
+                  <a:schemeClr val="tx1">
+                    <a:lumMod val="50000"/>
+                    <a:lumOff val="50000"/>
+                  </a:schemeClr>
+                </a:solidFill>
+                <a:effectLst/>
+                <a:latin typeface="Arial" panose="020B0604020202020204" pitchFamily="34" charset="0"/>
+              </a:rPr>
+              <a:t>13th USENIX Symposium on Networked Systems Design and Implementation (NSDI 16)</a:t>
+            </a:r>
+            <a:r>
+              <a:rPr lang="en-US" altLang="ko-KR" sz="800" b="0" i="0">
+                <a:solidFill>
+                  <a:schemeClr val="tx1">
+                    <a:lumMod val="50000"/>
+                    <a:lumOff val="50000"/>
+                  </a:schemeClr>
+                </a:solidFill>
+                <a:effectLst/>
+                <a:latin typeface="Arial" panose="020B0604020202020204" pitchFamily="34" charset="0"/>
+              </a:rPr>
+              <a:t>. 2016.</a:t>
+            </a:r>
+            <a:endParaRPr lang="en-US" altLang="ko-KR" sz="800" b="0" i="0" dirty="0">
+              <a:solidFill>
+                <a:schemeClr val="tx1">
+                  <a:lumMod val="50000"/>
+                  <a:lumOff val="50000"/>
+                </a:schemeClr>
+              </a:solidFill>
+              <a:effectLst/>
+              <a:latin typeface="Arial" panose="020B0604020202020204" pitchFamily="34" charset="0"/>
+            </a:endParaRPr>
           </a:p>
         </p:txBody>
       </p:sp>
       <p:sp>
         <p:nvSpPr>
-          <p:cNvPr id="28" name="TextBox 27">
+          <p:cNvPr id="5" name="제목 1">
             <a:extLst>
               <a:ext uri="{FF2B5EF4-FFF2-40B4-BE49-F238E27FC236}">
-                <a16:creationId xmlns:a16="http://schemas.microsoft.com/office/drawing/2014/main" id="{45D8E339-99A2-DC1C-596D-C3CE50D236F5}"/>
+                <a16:creationId xmlns:a16="http://schemas.microsoft.com/office/drawing/2014/main" id="{CAFA88A2-E7D3-D12C-C16B-A8C3B5DEBAD7}"/>
               </a:ext>
             </a:extLst>
           </p:cNvPr>
-          <p:cNvSpPr txBox="1"/>
+          <p:cNvSpPr txBox="1">
+            <a:spLocks/>
+          </p:cNvSpPr>
           <p:nvPr/>
         </p:nvSpPr>
         <p:spPr>
           <a:xfrm>
-            <a:off x="587829" y="4663018"/>
-            <a:ext cx="5187712" cy="1731243"/>
+            <a:off x="472541" y="401947"/>
+            <a:ext cx="6464287" cy="665876"/>
           </a:xfrm>
           <a:prstGeom prst="rect">
             <a:avLst/>
           </a:prstGeom>
-          <a:noFill/>
         </p:spPr>
         <p:txBody>
-          <a:bodyPr wrap="square" rtlCol="0">
-            <a:spAutoFit/>
+          <a:bodyPr vert="horz" lIns="91440" tIns="45720" rIns="91440" bIns="45720" rtlCol="0" anchor="ctr">
+            <a:normAutofit/>
           </a:bodyPr>
-          <a:lstStyle/>
+          <a:lstStyle>
+            <a:lvl1pPr algn="l" defTabSz="914400" rtl="0" eaLnBrk="1" latinLnBrk="1" hangingPunct="1">
+              <a:lnSpc>
+                <a:spcPct val="90000"/>
+              </a:lnSpc>
+              <a:spcBef>
+                <a:spcPct val="0"/>
+              </a:spcBef>
+              <a:buNone/>
+              <a:defRPr sz="4400" kern="1200">
+                <a:solidFill>
+                  <a:schemeClr val="tx1"/>
+                </a:solidFill>
+                <a:latin typeface="+mj-lt"/>
+                <a:ea typeface="+mj-ea"/>
+                <a:cs typeface="+mj-cs"/>
+              </a:defRPr>
+            </a:lvl1pPr>
+          </a:lstStyle>
           <a:p>
-            <a:pPr marL="171450" indent="-171450">
-              <a:lnSpc>
-                <a:spcPct val="200000"/>
-              </a:lnSpc>
-              <a:buFont typeface="Wingdings" panose="05000000000000000000" pitchFamily="2" charset="2"/>
-              <a:buChar char="ü"/>
-            </a:pPr>
-            <a:r>
-              <a:rPr lang="en-US" altLang="ko-KR" sz="1100" dirty="0"/>
-              <a:t>Random switch : </a:t>
-            </a:r>
-          </a:p>
-          <a:p>
-            <a:pPr marL="628650" lvl="1" indent="-171450">
-              <a:lnSpc>
-                <a:spcPct val="200000"/>
-              </a:lnSpc>
-              <a:buFont typeface="Arial" panose="020B0604020202020204" pitchFamily="34" charset="0"/>
-              <a:buChar char="•"/>
-            </a:pPr>
-            <a:r>
-              <a:rPr lang="en-US" altLang="ko-KR" sz="1100" dirty="0"/>
-              <a:t>Improvements - All links connected to switches with I/O servers and clients carry only I/O traffic</a:t>
-            </a:r>
-          </a:p>
-          <a:p>
-            <a:pPr marL="628650" lvl="1" indent="-171450">
-              <a:lnSpc>
-                <a:spcPct val="200000"/>
-              </a:lnSpc>
-              <a:buFont typeface="Arial" panose="020B0604020202020204" pitchFamily="34" charset="0"/>
-              <a:buChar char="•"/>
-            </a:pPr>
-            <a:r>
-              <a:rPr lang="en-US" altLang="ko-KR" sz="1100" dirty="0"/>
-              <a:t>Therefore, MPI-I/O interference on links between level1 and level-2 switches is avoided.</a:t>
-            </a:r>
+            <a:r>
+              <a:rPr lang="en-US" altLang="ko-KR" sz="2400" b="1" u="sng">
+                <a:latin typeface="Arial" panose="020B0604020202020204" pitchFamily="34" charset="0"/>
+                <a:cs typeface="Arial" panose="020B0604020202020204" pitchFamily="34" charset="0"/>
+              </a:rPr>
+              <a:t>4. Evaluation</a:t>
+            </a:r>
+            <a:endParaRPr lang="ko-KR" altLang="en-US" sz="2400" b="1" u="sng" dirty="0">
+              <a:latin typeface="Arial" panose="020B0604020202020204" pitchFamily="34" charset="0"/>
+              <a:cs typeface="Arial" panose="020B0604020202020204" pitchFamily="34" charset="0"/>
+            </a:endParaRPr>
           </a:p>
         </p:txBody>
       </p:sp>
     </p:spTree>
     <p:extLst>
       <p:ext uri="{BB962C8B-B14F-4D97-AF65-F5344CB8AC3E}">
-        <p14:creationId xmlns:p14="http://schemas.microsoft.com/office/powerpoint/2010/main" val="977882044"/>
+        <p14:creationId xmlns:p14="http://schemas.microsoft.com/office/powerpoint/2010/main" val="3945545227"/>
       </p:ext>
     </p:extLst>
   </p:cSld>

--- a/Cloud Computing/Paper review/3. Ernest/22.11.22_Ernest_SoheeKim.pptx
+++ b/Cloud Computing/Paper review/3. Ernest/22.11.22_Ernest_SoheeKim.pptx
@@ -165,7 +165,7 @@
 <file path=ppt/revisionInfo.xml><?xml version="1.0" encoding="utf-8"?>
 <p1510:revInfo xmlns:a="http://schemas.openxmlformats.org/drawingml/2006/main" xmlns:r="http://schemas.openxmlformats.org/officeDocument/2006/relationships" xmlns:p1510="http://schemas.microsoft.com/office/powerpoint/2015/10/main">
   <p1510:revLst>
-    <p1510:client id="{0FCCC188-AAE5-4E7B-9D03-247A687AEAF8}" v="604" dt="2022-11-21T11:58:28.475"/>
+    <p1510:client id="{0FCCC188-AAE5-4E7B-9D03-247A687AEAF8}" v="615" dt="2022-11-21T17:36:02.165"/>
   </p1510:revLst>
 </p1510:revInfo>
 </file>
@@ -1936,12 +1936,12 @@
   <pc:docChgLst>
     <pc:chgData name="김소희" userId="292a1162-0793-4577-a94d-2dae0dfa5995" providerId="ADAL" clId="{0FCCC188-AAE5-4E7B-9D03-247A687AEAF8}"/>
     <pc:docChg chg="undo redo custSel addSld delSld modSld sldOrd modMainMaster">
-      <pc:chgData name="김소희" userId="292a1162-0793-4577-a94d-2dae0dfa5995" providerId="ADAL" clId="{0FCCC188-AAE5-4E7B-9D03-247A687AEAF8}" dt="2022-11-21T11:58:38.735" v="9968" actId="20577"/>
+      <pc:chgData name="김소희" userId="292a1162-0793-4577-a94d-2dae0dfa5995" providerId="ADAL" clId="{0FCCC188-AAE5-4E7B-9D03-247A687AEAF8}" dt="2022-11-21T17:36:02.165" v="10700" actId="2711"/>
       <pc:docMkLst>
         <pc:docMk/>
       </pc:docMkLst>
       <pc:sldChg chg="addSp delSp modSp mod modNotesTx">
-        <pc:chgData name="김소희" userId="292a1162-0793-4577-a94d-2dae0dfa5995" providerId="ADAL" clId="{0FCCC188-AAE5-4E7B-9D03-247A687AEAF8}" dt="2022-11-20T11:27:41.001" v="1681" actId="1076"/>
+        <pc:chgData name="김소희" userId="292a1162-0793-4577-a94d-2dae0dfa5995" providerId="ADAL" clId="{0FCCC188-AAE5-4E7B-9D03-247A687AEAF8}" dt="2022-11-21T17:34:40.807" v="10693" actId="2711"/>
         <pc:sldMkLst>
           <pc:docMk/>
           <pc:sldMk cId="2351987689" sldId="258"/>
@@ -1955,7 +1955,7 @@
           </ac:spMkLst>
         </pc:spChg>
         <pc:spChg chg="mod">
-          <ac:chgData name="김소희" userId="292a1162-0793-4577-a94d-2dae0dfa5995" providerId="ADAL" clId="{0FCCC188-AAE5-4E7B-9D03-247A687AEAF8}" dt="2022-11-15T08:36:26.688" v="1335" actId="404"/>
+          <ac:chgData name="김소희" userId="292a1162-0793-4577-a94d-2dae0dfa5995" providerId="ADAL" clId="{0FCCC188-AAE5-4E7B-9D03-247A687AEAF8}" dt="2022-11-21T17:34:40.807" v="10693" actId="2711"/>
           <ac:spMkLst>
             <pc:docMk/>
             <pc:sldMk cId="2351987689" sldId="258"/>
@@ -1979,7 +1979,7 @@
           </ac:spMkLst>
         </pc:spChg>
         <pc:spChg chg="mod">
-          <ac:chgData name="김소희" userId="292a1162-0793-4577-a94d-2dae0dfa5995" providerId="ADAL" clId="{0FCCC188-AAE5-4E7B-9D03-247A687AEAF8}" dt="2022-11-15T08:47:06.652" v="1469" actId="207"/>
+          <ac:chgData name="김소희" userId="292a1162-0793-4577-a94d-2dae0dfa5995" providerId="ADAL" clId="{0FCCC188-AAE5-4E7B-9D03-247A687AEAF8}" dt="2022-11-21T17:34:40.807" v="10693" actId="2711"/>
           <ac:spMkLst>
             <pc:docMk/>
             <pc:sldMk cId="2351987689" sldId="258"/>
@@ -2745,7 +2745,7 @@
         </pc:sldMkLst>
       </pc:sldChg>
       <pc:sldChg chg="addSp delSp modSp add mod modAnim modNotesTx">
-        <pc:chgData name="김소희" userId="292a1162-0793-4577-a94d-2dae0dfa5995" providerId="ADAL" clId="{0FCCC188-AAE5-4E7B-9D03-247A687AEAF8}" dt="2022-11-21T10:49:22.626" v="8231" actId="207"/>
+        <pc:chgData name="김소희" userId="292a1162-0793-4577-a94d-2dae0dfa5995" providerId="ADAL" clId="{0FCCC188-AAE5-4E7B-9D03-247A687AEAF8}" dt="2022-11-21T17:35:02.635" v="10695" actId="2711"/>
         <pc:sldMkLst>
           <pc:docMk/>
           <pc:sldMk cId="1308601588" sldId="296"/>
@@ -2775,7 +2775,7 @@
           </ac:spMkLst>
         </pc:spChg>
         <pc:spChg chg="add mod">
-          <ac:chgData name="김소희" userId="292a1162-0793-4577-a94d-2dae0dfa5995" providerId="ADAL" clId="{0FCCC188-AAE5-4E7B-9D03-247A687AEAF8}" dt="2022-11-20T13:00:33.578" v="3175" actId="20577"/>
+          <ac:chgData name="김소희" userId="292a1162-0793-4577-a94d-2dae0dfa5995" providerId="ADAL" clId="{0FCCC188-AAE5-4E7B-9D03-247A687AEAF8}" dt="2022-11-21T17:35:02.635" v="10695" actId="2711"/>
           <ac:spMkLst>
             <pc:docMk/>
             <pc:sldMk cId="1308601588" sldId="296"/>
@@ -2783,7 +2783,7 @@
           </ac:spMkLst>
         </pc:spChg>
         <pc:spChg chg="add mod">
-          <ac:chgData name="김소희" userId="292a1162-0793-4577-a94d-2dae0dfa5995" providerId="ADAL" clId="{0FCCC188-AAE5-4E7B-9D03-247A687AEAF8}" dt="2022-11-20T13:00:44.684" v="3186" actId="14100"/>
+          <ac:chgData name="김소희" userId="292a1162-0793-4577-a94d-2dae0dfa5995" providerId="ADAL" clId="{0FCCC188-AAE5-4E7B-9D03-247A687AEAF8}" dt="2022-11-21T17:35:02.635" v="10695" actId="2711"/>
           <ac:spMkLst>
             <pc:docMk/>
             <pc:sldMk cId="1308601588" sldId="296"/>
@@ -2791,7 +2791,7 @@
           </ac:spMkLst>
         </pc:spChg>
         <pc:spChg chg="mod">
-          <ac:chgData name="김소희" userId="292a1162-0793-4577-a94d-2dae0dfa5995" providerId="ADAL" clId="{0FCCC188-AAE5-4E7B-9D03-247A687AEAF8}" dt="2022-11-20T13:57:35.596" v="4702" actId="12"/>
+          <ac:chgData name="김소희" userId="292a1162-0793-4577-a94d-2dae0dfa5995" providerId="ADAL" clId="{0FCCC188-AAE5-4E7B-9D03-247A687AEAF8}" dt="2022-11-21T17:35:02.635" v="10695" actId="2711"/>
           <ac:spMkLst>
             <pc:docMk/>
             <pc:sldMk cId="1308601588" sldId="296"/>
@@ -2815,7 +2815,7 @@
           </ac:spMkLst>
         </pc:spChg>
         <pc:spChg chg="add mod">
-          <ac:chgData name="김소희" userId="292a1162-0793-4577-a94d-2dae0dfa5995" providerId="ADAL" clId="{0FCCC188-AAE5-4E7B-9D03-247A687AEAF8}" dt="2022-11-20T14:11:36.979" v="5571" actId="1035"/>
+          <ac:chgData name="김소희" userId="292a1162-0793-4577-a94d-2dae0dfa5995" providerId="ADAL" clId="{0FCCC188-AAE5-4E7B-9D03-247A687AEAF8}" dt="2022-11-21T17:35:02.635" v="10695" actId="2711"/>
           <ac:spMkLst>
             <pc:docMk/>
             <pc:sldMk cId="1308601588" sldId="296"/>
@@ -2823,7 +2823,7 @@
           </ac:spMkLst>
         </pc:spChg>
         <pc:spChg chg="add mod topLvl">
-          <ac:chgData name="김소희" userId="292a1162-0793-4577-a94d-2dae0dfa5995" providerId="ADAL" clId="{0FCCC188-AAE5-4E7B-9D03-247A687AEAF8}" dt="2022-11-20T14:11:36.979" v="5571" actId="1035"/>
+          <ac:chgData name="김소희" userId="292a1162-0793-4577-a94d-2dae0dfa5995" providerId="ADAL" clId="{0FCCC188-AAE5-4E7B-9D03-247A687AEAF8}" dt="2022-11-21T17:35:02.635" v="10695" actId="2711"/>
           <ac:spMkLst>
             <pc:docMk/>
             <pc:sldMk cId="1308601588" sldId="296"/>
@@ -2831,7 +2831,7 @@
           </ac:spMkLst>
         </pc:spChg>
         <pc:spChg chg="add mod topLvl">
-          <ac:chgData name="김소희" userId="292a1162-0793-4577-a94d-2dae0dfa5995" providerId="ADAL" clId="{0FCCC188-AAE5-4E7B-9D03-247A687AEAF8}" dt="2022-11-20T14:11:36.979" v="5571" actId="1035"/>
+          <ac:chgData name="김소희" userId="292a1162-0793-4577-a94d-2dae0dfa5995" providerId="ADAL" clId="{0FCCC188-AAE5-4E7B-9D03-247A687AEAF8}" dt="2022-11-21T17:35:02.635" v="10695" actId="2711"/>
           <ac:spMkLst>
             <pc:docMk/>
             <pc:sldMk cId="1308601588" sldId="296"/>
@@ -2839,7 +2839,7 @@
           </ac:spMkLst>
         </pc:spChg>
         <pc:spChg chg="add mod topLvl">
-          <ac:chgData name="김소희" userId="292a1162-0793-4577-a94d-2dae0dfa5995" providerId="ADAL" clId="{0FCCC188-AAE5-4E7B-9D03-247A687AEAF8}" dt="2022-11-20T14:11:36.979" v="5571" actId="1035"/>
+          <ac:chgData name="김소희" userId="292a1162-0793-4577-a94d-2dae0dfa5995" providerId="ADAL" clId="{0FCCC188-AAE5-4E7B-9D03-247A687AEAF8}" dt="2022-11-21T17:35:02.635" v="10695" actId="2711"/>
           <ac:spMkLst>
             <pc:docMk/>
             <pc:sldMk cId="1308601588" sldId="296"/>
@@ -2847,7 +2847,7 @@
           </ac:spMkLst>
         </pc:spChg>
         <pc:spChg chg="add mod topLvl">
-          <ac:chgData name="김소희" userId="292a1162-0793-4577-a94d-2dae0dfa5995" providerId="ADAL" clId="{0FCCC188-AAE5-4E7B-9D03-247A687AEAF8}" dt="2022-11-20T14:11:36.979" v="5571" actId="1035"/>
+          <ac:chgData name="김소희" userId="292a1162-0793-4577-a94d-2dae0dfa5995" providerId="ADAL" clId="{0FCCC188-AAE5-4E7B-9D03-247A687AEAF8}" dt="2022-11-21T17:35:02.635" v="10695" actId="2711"/>
           <ac:spMkLst>
             <pc:docMk/>
             <pc:sldMk cId="1308601588" sldId="296"/>
@@ -2855,7 +2855,7 @@
           </ac:spMkLst>
         </pc:spChg>
         <pc:spChg chg="add mod topLvl">
-          <ac:chgData name="김소희" userId="292a1162-0793-4577-a94d-2dae0dfa5995" providerId="ADAL" clId="{0FCCC188-AAE5-4E7B-9D03-247A687AEAF8}" dt="2022-11-21T10:49:00.055" v="8227" actId="14100"/>
+          <ac:chgData name="김소희" userId="292a1162-0793-4577-a94d-2dae0dfa5995" providerId="ADAL" clId="{0FCCC188-AAE5-4E7B-9D03-247A687AEAF8}" dt="2022-11-21T17:35:02.635" v="10695" actId="2711"/>
           <ac:spMkLst>
             <pc:docMk/>
             <pc:sldMk cId="1308601588" sldId="296"/>
@@ -2863,7 +2863,7 @@
           </ac:spMkLst>
         </pc:spChg>
         <pc:spChg chg="add mod topLvl">
-          <ac:chgData name="김소희" userId="292a1162-0793-4577-a94d-2dae0dfa5995" providerId="ADAL" clId="{0FCCC188-AAE5-4E7B-9D03-247A687AEAF8}" dt="2022-11-21T10:49:02.301" v="8228" actId="14100"/>
+          <ac:chgData name="김소희" userId="292a1162-0793-4577-a94d-2dae0dfa5995" providerId="ADAL" clId="{0FCCC188-AAE5-4E7B-9D03-247A687AEAF8}" dt="2022-11-21T17:35:02.635" v="10695" actId="2711"/>
           <ac:spMkLst>
             <pc:docMk/>
             <pc:sldMk cId="1308601588" sldId="296"/>
@@ -2871,7 +2871,7 @@
           </ac:spMkLst>
         </pc:spChg>
         <pc:spChg chg="add mod topLvl">
-          <ac:chgData name="김소희" userId="292a1162-0793-4577-a94d-2dae0dfa5995" providerId="ADAL" clId="{0FCCC188-AAE5-4E7B-9D03-247A687AEAF8}" dt="2022-11-21T10:49:11.123" v="8229" actId="1076"/>
+          <ac:chgData name="김소희" userId="292a1162-0793-4577-a94d-2dae0dfa5995" providerId="ADAL" clId="{0FCCC188-AAE5-4E7B-9D03-247A687AEAF8}" dt="2022-11-21T17:35:02.635" v="10695" actId="2711"/>
           <ac:spMkLst>
             <pc:docMk/>
             <pc:sldMk cId="1308601588" sldId="296"/>
@@ -2879,7 +2879,7 @@
           </ac:spMkLst>
         </pc:spChg>
         <pc:spChg chg="add mod topLvl">
-          <ac:chgData name="김소희" userId="292a1162-0793-4577-a94d-2dae0dfa5995" providerId="ADAL" clId="{0FCCC188-AAE5-4E7B-9D03-247A687AEAF8}" dt="2022-11-21T10:49:13.203" v="8230" actId="1076"/>
+          <ac:chgData name="김소희" userId="292a1162-0793-4577-a94d-2dae0dfa5995" providerId="ADAL" clId="{0FCCC188-AAE5-4E7B-9D03-247A687AEAF8}" dt="2022-11-21T17:35:02.635" v="10695" actId="2711"/>
           <ac:spMkLst>
             <pc:docMk/>
             <pc:sldMk cId="1308601588" sldId="296"/>
@@ -2903,7 +2903,7 @@
           </ac:spMkLst>
         </pc:spChg>
         <pc:spChg chg="add mod">
-          <ac:chgData name="김소희" userId="292a1162-0793-4577-a94d-2dae0dfa5995" providerId="ADAL" clId="{0FCCC188-AAE5-4E7B-9D03-247A687AEAF8}" dt="2022-11-20T13:50:45.356" v="4621" actId="14100"/>
+          <ac:chgData name="김소희" userId="292a1162-0793-4577-a94d-2dae0dfa5995" providerId="ADAL" clId="{0FCCC188-AAE5-4E7B-9D03-247A687AEAF8}" dt="2022-11-21T17:35:02.635" v="10695" actId="2711"/>
           <ac:spMkLst>
             <pc:docMk/>
             <pc:sldMk cId="1308601588" sldId="296"/>
@@ -3048,7 +3048,7 @@
         </pc:cxnChg>
       </pc:sldChg>
       <pc:sldChg chg="addSp delSp modSp add mod modAnim modNotesTx">
-        <pc:chgData name="김소희" userId="292a1162-0793-4577-a94d-2dae0dfa5995" providerId="ADAL" clId="{0FCCC188-AAE5-4E7B-9D03-247A687AEAF8}" dt="2022-11-21T08:22:05.322" v="7030" actId="12"/>
+        <pc:chgData name="김소희" userId="292a1162-0793-4577-a94d-2dae0dfa5995" providerId="ADAL" clId="{0FCCC188-AAE5-4E7B-9D03-247A687AEAF8}" dt="2022-11-21T17:35:18.359" v="10696" actId="2711"/>
         <pc:sldMkLst>
           <pc:docMk/>
           <pc:sldMk cId="3592263960" sldId="297"/>
@@ -3070,7 +3070,7 @@
           </ac:spMkLst>
         </pc:spChg>
         <pc:spChg chg="add mod">
-          <ac:chgData name="김소희" userId="292a1162-0793-4577-a94d-2dae0dfa5995" providerId="ADAL" clId="{0FCCC188-AAE5-4E7B-9D03-247A687AEAF8}" dt="2022-11-20T14:14:48.379" v="5616" actId="1076"/>
+          <ac:chgData name="김소희" userId="292a1162-0793-4577-a94d-2dae0dfa5995" providerId="ADAL" clId="{0FCCC188-AAE5-4E7B-9D03-247A687AEAF8}" dt="2022-11-21T17:35:18.359" v="10696" actId="2711"/>
           <ac:spMkLst>
             <pc:docMk/>
             <pc:sldMk cId="3592263960" sldId="297"/>
@@ -3086,7 +3086,7 @@
           </ac:spMkLst>
         </pc:spChg>
         <pc:spChg chg="add mod">
-          <ac:chgData name="김소희" userId="292a1162-0793-4577-a94d-2dae0dfa5995" providerId="ADAL" clId="{0FCCC188-AAE5-4E7B-9D03-247A687AEAF8}" dt="2022-11-20T14:14:50.966" v="5617" actId="1076"/>
+          <ac:chgData name="김소희" userId="292a1162-0793-4577-a94d-2dae0dfa5995" providerId="ADAL" clId="{0FCCC188-AAE5-4E7B-9D03-247A687AEAF8}" dt="2022-11-21T17:35:18.359" v="10696" actId="2711"/>
           <ac:spMkLst>
             <pc:docMk/>
             <pc:sldMk cId="3592263960" sldId="297"/>
@@ -3110,7 +3110,7 @@
           </ac:spMkLst>
         </pc:spChg>
         <pc:spChg chg="add mod">
-          <ac:chgData name="김소희" userId="292a1162-0793-4577-a94d-2dae0dfa5995" providerId="ADAL" clId="{0FCCC188-AAE5-4E7B-9D03-247A687AEAF8}" dt="2022-11-20T14:14:57.887" v="5620" actId="14100"/>
+          <ac:chgData name="김소희" userId="292a1162-0793-4577-a94d-2dae0dfa5995" providerId="ADAL" clId="{0FCCC188-AAE5-4E7B-9D03-247A687AEAF8}" dt="2022-11-21T17:35:18.359" v="10696" actId="2711"/>
           <ac:spMkLst>
             <pc:docMk/>
             <pc:sldMk cId="3592263960" sldId="297"/>
@@ -3126,7 +3126,7 @@
           </ac:spMkLst>
         </pc:spChg>
         <pc:spChg chg="add mod">
-          <ac:chgData name="김소희" userId="292a1162-0793-4577-a94d-2dae0dfa5995" providerId="ADAL" clId="{0FCCC188-AAE5-4E7B-9D03-247A687AEAF8}" dt="2022-11-21T08:22:05.322" v="7030" actId="12"/>
+          <ac:chgData name="김소희" userId="292a1162-0793-4577-a94d-2dae0dfa5995" providerId="ADAL" clId="{0FCCC188-AAE5-4E7B-9D03-247A687AEAF8}" dt="2022-11-21T17:35:18.359" v="10696" actId="2711"/>
           <ac:spMkLst>
             <pc:docMk/>
             <pc:sldMk cId="3592263960" sldId="297"/>
@@ -3142,7 +3142,7 @@
           </ac:spMkLst>
         </pc:spChg>
         <pc:spChg chg="add mod">
-          <ac:chgData name="김소희" userId="292a1162-0793-4577-a94d-2dae0dfa5995" providerId="ADAL" clId="{0FCCC188-AAE5-4E7B-9D03-247A687AEAF8}" dt="2022-11-20T14:37:56.514" v="6015" actId="14100"/>
+          <ac:chgData name="김소희" userId="292a1162-0793-4577-a94d-2dae0dfa5995" providerId="ADAL" clId="{0FCCC188-AAE5-4E7B-9D03-247A687AEAF8}" dt="2022-11-21T17:35:18.359" v="10696" actId="2711"/>
           <ac:spMkLst>
             <pc:docMk/>
             <pc:sldMk cId="3592263960" sldId="297"/>
@@ -3158,7 +3158,7 @@
           </ac:spMkLst>
         </pc:spChg>
         <pc:spChg chg="add mod">
-          <ac:chgData name="김소희" userId="292a1162-0793-4577-a94d-2dae0dfa5995" providerId="ADAL" clId="{0FCCC188-AAE5-4E7B-9D03-247A687AEAF8}" dt="2022-11-20T14:37:35.624" v="6009" actId="1076"/>
+          <ac:chgData name="김소희" userId="292a1162-0793-4577-a94d-2dae0dfa5995" providerId="ADAL" clId="{0FCCC188-AAE5-4E7B-9D03-247A687AEAF8}" dt="2022-11-21T17:35:18.359" v="10696" actId="2711"/>
           <ac:spMkLst>
             <pc:docMk/>
             <pc:sldMk cId="3592263960" sldId="297"/>
@@ -3174,7 +3174,7 @@
           </ac:spMkLst>
         </pc:spChg>
         <pc:spChg chg="add mod">
-          <ac:chgData name="김소희" userId="292a1162-0793-4577-a94d-2dae0dfa5995" providerId="ADAL" clId="{0FCCC188-AAE5-4E7B-9D03-247A687AEAF8}" dt="2022-11-21T08:21:45.259" v="7028" actId="20577"/>
+          <ac:chgData name="김소희" userId="292a1162-0793-4577-a94d-2dae0dfa5995" providerId="ADAL" clId="{0FCCC188-AAE5-4E7B-9D03-247A687AEAF8}" dt="2022-11-21T17:35:18.359" v="10696" actId="2711"/>
           <ac:spMkLst>
             <pc:docMk/>
             <pc:sldMk cId="3592263960" sldId="297"/>
@@ -3190,7 +3190,7 @@
           </ac:spMkLst>
         </pc:spChg>
         <pc:spChg chg="add mod">
-          <ac:chgData name="김소희" userId="292a1162-0793-4577-a94d-2dae0dfa5995" providerId="ADAL" clId="{0FCCC188-AAE5-4E7B-9D03-247A687AEAF8}" dt="2022-11-20T14:57:53.553" v="6161" actId="1076"/>
+          <ac:chgData name="김소희" userId="292a1162-0793-4577-a94d-2dae0dfa5995" providerId="ADAL" clId="{0FCCC188-AAE5-4E7B-9D03-247A687AEAF8}" dt="2022-11-21T17:35:18.359" v="10696" actId="2711"/>
           <ac:spMkLst>
             <pc:docMk/>
             <pc:sldMk cId="3592263960" sldId="297"/>
@@ -3206,7 +3206,7 @@
           </ac:spMkLst>
         </pc:spChg>
         <pc:spChg chg="add mod">
-          <ac:chgData name="김소희" userId="292a1162-0793-4577-a94d-2dae0dfa5995" providerId="ADAL" clId="{0FCCC188-AAE5-4E7B-9D03-247A687AEAF8}" dt="2022-11-20T14:15:19.790" v="5622" actId="113"/>
+          <ac:chgData name="김소희" userId="292a1162-0793-4577-a94d-2dae0dfa5995" providerId="ADAL" clId="{0FCCC188-AAE5-4E7B-9D03-247A687AEAF8}" dt="2022-11-21T17:35:18.359" v="10696" actId="2711"/>
           <ac:spMkLst>
             <pc:docMk/>
             <pc:sldMk cId="3592263960" sldId="297"/>
@@ -3279,7 +3279,7 @@
         </pc:picChg>
       </pc:sldChg>
       <pc:sldChg chg="addSp delSp modSp add mod modNotesTx">
-        <pc:chgData name="김소희" userId="292a1162-0793-4577-a94d-2dae0dfa5995" providerId="ADAL" clId="{0FCCC188-AAE5-4E7B-9D03-247A687AEAF8}" dt="2022-11-20T13:57:12.566" v="4701" actId="14100"/>
+        <pc:chgData name="김소희" userId="292a1162-0793-4577-a94d-2dae0dfa5995" providerId="ADAL" clId="{0FCCC188-AAE5-4E7B-9D03-247A687AEAF8}" dt="2022-11-21T17:34:53.760" v="10694" actId="2711"/>
         <pc:sldMkLst>
           <pc:docMk/>
           <pc:sldMk cId="2354564375" sldId="298"/>
@@ -3293,7 +3293,7 @@
           </ac:spMkLst>
         </pc:spChg>
         <pc:spChg chg="mod">
-          <ac:chgData name="김소희" userId="292a1162-0793-4577-a94d-2dae0dfa5995" providerId="ADAL" clId="{0FCCC188-AAE5-4E7B-9D03-247A687AEAF8}" dt="2022-11-20T12:18:26.972" v="2728" actId="1076"/>
+          <ac:chgData name="김소희" userId="292a1162-0793-4577-a94d-2dae0dfa5995" providerId="ADAL" clId="{0FCCC188-AAE5-4E7B-9D03-247A687AEAF8}" dt="2022-11-21T17:34:53.760" v="10694" actId="2711"/>
           <ac:spMkLst>
             <pc:docMk/>
             <pc:sldMk cId="2354564375" sldId="298"/>
@@ -3317,7 +3317,7 @@
           </ac:spMkLst>
         </pc:spChg>
         <pc:spChg chg="add mod">
-          <ac:chgData name="김소희" userId="292a1162-0793-4577-a94d-2dae0dfa5995" providerId="ADAL" clId="{0FCCC188-AAE5-4E7B-9D03-247A687AEAF8}" dt="2022-11-20T12:18:24.354" v="2727" actId="1076"/>
+          <ac:chgData name="김소희" userId="292a1162-0793-4577-a94d-2dae0dfa5995" providerId="ADAL" clId="{0FCCC188-AAE5-4E7B-9D03-247A687AEAF8}" dt="2022-11-21T17:34:53.760" v="10694" actId="2711"/>
           <ac:spMkLst>
             <pc:docMk/>
             <pc:sldMk cId="2354564375" sldId="298"/>
@@ -3325,7 +3325,7 @@
           </ac:spMkLst>
         </pc:spChg>
         <pc:spChg chg="add mod">
-          <ac:chgData name="김소희" userId="292a1162-0793-4577-a94d-2dae0dfa5995" providerId="ADAL" clId="{0FCCC188-AAE5-4E7B-9D03-247A687AEAF8}" dt="2022-11-20T12:19:07.614" v="2744" actId="1076"/>
+          <ac:chgData name="김소희" userId="292a1162-0793-4577-a94d-2dae0dfa5995" providerId="ADAL" clId="{0FCCC188-AAE5-4E7B-9D03-247A687AEAF8}" dt="2022-11-21T17:34:53.760" v="10694" actId="2711"/>
           <ac:spMkLst>
             <pc:docMk/>
             <pc:sldMk cId="2354564375" sldId="298"/>
@@ -3333,7 +3333,7 @@
           </ac:spMkLst>
         </pc:spChg>
         <pc:spChg chg="add mod">
-          <ac:chgData name="김소희" userId="292a1162-0793-4577-a94d-2dae0dfa5995" providerId="ADAL" clId="{0FCCC188-AAE5-4E7B-9D03-247A687AEAF8}" dt="2022-11-20T12:26:46.186" v="2838" actId="1076"/>
+          <ac:chgData name="김소희" userId="292a1162-0793-4577-a94d-2dae0dfa5995" providerId="ADAL" clId="{0FCCC188-AAE5-4E7B-9D03-247A687AEAF8}" dt="2022-11-21T17:34:53.760" v="10694" actId="2711"/>
           <ac:spMkLst>
             <pc:docMk/>
             <pc:sldMk cId="2354564375" sldId="298"/>
@@ -3341,7 +3341,7 @@
           </ac:spMkLst>
         </pc:spChg>
         <pc:spChg chg="add mod">
-          <ac:chgData name="김소희" userId="292a1162-0793-4577-a94d-2dae0dfa5995" providerId="ADAL" clId="{0FCCC188-AAE5-4E7B-9D03-247A687AEAF8}" dt="2022-11-20T12:26:48.908" v="2839" actId="14100"/>
+          <ac:chgData name="김소희" userId="292a1162-0793-4577-a94d-2dae0dfa5995" providerId="ADAL" clId="{0FCCC188-AAE5-4E7B-9D03-247A687AEAF8}" dt="2022-11-21T17:34:53.760" v="10694" actId="2711"/>
           <ac:spMkLst>
             <pc:docMk/>
             <pc:sldMk cId="2354564375" sldId="298"/>
@@ -3373,7 +3373,7 @@
           </ac:spMkLst>
         </pc:spChg>
         <pc:spChg chg="add mod">
-          <ac:chgData name="김소희" userId="292a1162-0793-4577-a94d-2dae0dfa5995" providerId="ADAL" clId="{0FCCC188-AAE5-4E7B-9D03-247A687AEAF8}" dt="2022-11-20T12:18:47.252" v="2729" actId="1076"/>
+          <ac:chgData name="김소희" userId="292a1162-0793-4577-a94d-2dae0dfa5995" providerId="ADAL" clId="{0FCCC188-AAE5-4E7B-9D03-247A687AEAF8}" dt="2022-11-21T17:34:53.760" v="10694" actId="2711"/>
           <ac:spMkLst>
             <pc:docMk/>
             <pc:sldMk cId="2354564375" sldId="298"/>
@@ -3389,7 +3389,7 @@
           </ac:spMkLst>
         </pc:spChg>
         <pc:spChg chg="add mod">
-          <ac:chgData name="김소희" userId="292a1162-0793-4577-a94d-2dae0dfa5995" providerId="ADAL" clId="{0FCCC188-AAE5-4E7B-9D03-247A687AEAF8}" dt="2022-11-20T13:57:12.566" v="4701" actId="14100"/>
+          <ac:chgData name="김소희" userId="292a1162-0793-4577-a94d-2dae0dfa5995" providerId="ADAL" clId="{0FCCC188-AAE5-4E7B-9D03-247A687AEAF8}" dt="2022-11-21T17:34:53.760" v="10694" actId="2711"/>
           <ac:spMkLst>
             <pc:docMk/>
             <pc:sldMk cId="2354564375" sldId="298"/>
@@ -3429,7 +3429,7 @@
           </ac:grpSpMkLst>
         </pc:grpChg>
         <pc:picChg chg="add mod modCrop">
-          <ac:chgData name="김소희" userId="292a1162-0793-4577-a94d-2dae0dfa5995" providerId="ADAL" clId="{0FCCC188-AAE5-4E7B-9D03-247A687AEAF8}" dt="2022-11-20T12:26:42.369" v="2837" actId="1076"/>
+          <ac:chgData name="김소희" userId="292a1162-0793-4577-a94d-2dae0dfa5995" providerId="ADAL" clId="{0FCCC188-AAE5-4E7B-9D03-247A687AEAF8}" dt="2022-11-21T17:34:53.760" v="10694" actId="2711"/>
           <ac:picMkLst>
             <pc:docMk/>
             <pc:sldMk cId="2354564375" sldId="298"/>
@@ -3437,7 +3437,7 @@
           </ac:picMkLst>
         </pc:picChg>
         <pc:picChg chg="add mod modCrop">
-          <ac:chgData name="김소희" userId="292a1162-0793-4577-a94d-2dae0dfa5995" providerId="ADAL" clId="{0FCCC188-AAE5-4E7B-9D03-247A687AEAF8}" dt="2022-11-20T12:18:48.834" v="2730" actId="14100"/>
+          <ac:chgData name="김소희" userId="292a1162-0793-4577-a94d-2dae0dfa5995" providerId="ADAL" clId="{0FCCC188-AAE5-4E7B-9D03-247A687AEAF8}" dt="2022-11-21T17:34:53.760" v="10694" actId="2711"/>
           <ac:picMkLst>
             <pc:docMk/>
             <pc:sldMk cId="2354564375" sldId="298"/>
@@ -3485,7 +3485,7 @@
           </ac:picMkLst>
         </pc:picChg>
         <pc:picChg chg="add mod">
-          <ac:chgData name="김소희" userId="292a1162-0793-4577-a94d-2dae0dfa5995" providerId="ADAL" clId="{0FCCC188-AAE5-4E7B-9D03-247A687AEAF8}" dt="2022-11-20T12:25:40.854" v="2817" actId="1076"/>
+          <ac:chgData name="김소희" userId="292a1162-0793-4577-a94d-2dae0dfa5995" providerId="ADAL" clId="{0FCCC188-AAE5-4E7B-9D03-247A687AEAF8}" dt="2022-11-21T17:34:53.760" v="10694" actId="2711"/>
           <ac:picMkLst>
             <pc:docMk/>
             <pc:sldMk cId="2354564375" sldId="298"/>
@@ -3494,7 +3494,7 @@
         </pc:picChg>
       </pc:sldChg>
       <pc:sldChg chg="addSp delSp modSp add mod modAnim modNotesTx">
-        <pc:chgData name="김소희" userId="292a1162-0793-4577-a94d-2dae0dfa5995" providerId="ADAL" clId="{0FCCC188-AAE5-4E7B-9D03-247A687AEAF8}" dt="2022-11-20T15:45:01.056" v="6985" actId="14100"/>
+        <pc:chgData name="김소희" userId="292a1162-0793-4577-a94d-2dae0dfa5995" providerId="ADAL" clId="{0FCCC188-AAE5-4E7B-9D03-247A687AEAF8}" dt="2022-11-21T17:35:35.360" v="10697" actId="2711"/>
         <pc:sldMkLst>
           <pc:docMk/>
           <pc:sldMk cId="806024896" sldId="299"/>
@@ -3612,7 +3612,7 @@
           </ac:spMkLst>
         </pc:spChg>
         <pc:spChg chg="add mod">
-          <ac:chgData name="김소희" userId="292a1162-0793-4577-a94d-2dae0dfa5995" providerId="ADAL" clId="{0FCCC188-AAE5-4E7B-9D03-247A687AEAF8}" dt="2022-11-20T15:16:12.619" v="6497" actId="20577"/>
+          <ac:chgData name="김소희" userId="292a1162-0793-4577-a94d-2dae0dfa5995" providerId="ADAL" clId="{0FCCC188-AAE5-4E7B-9D03-247A687AEAF8}" dt="2022-11-21T17:35:35.360" v="10697" actId="2711"/>
           <ac:spMkLst>
             <pc:docMk/>
             <pc:sldMk cId="806024896" sldId="299"/>
@@ -3813,7 +3813,7 @@
         </pc:cxnChg>
       </pc:sldChg>
       <pc:sldChg chg="addSp delSp modSp new mod modAnim modNotesTx">
-        <pc:chgData name="김소희" userId="292a1162-0793-4577-a94d-2dae0dfa5995" providerId="ADAL" clId="{0FCCC188-AAE5-4E7B-9D03-247A687AEAF8}" dt="2022-11-21T11:43:47.827" v="9515" actId="1076"/>
+        <pc:chgData name="김소희" userId="292a1162-0793-4577-a94d-2dae0dfa5995" providerId="ADAL" clId="{0FCCC188-AAE5-4E7B-9D03-247A687AEAF8}" dt="2022-11-21T17:35:44.198" v="10698" actId="2711"/>
         <pc:sldMkLst>
           <pc:docMk/>
           <pc:sldMk cId="3945545227" sldId="300"/>
@@ -3843,7 +3843,7 @@
           </ac:spMkLst>
         </pc:spChg>
         <pc:spChg chg="add mod">
-          <ac:chgData name="김소희" userId="292a1162-0793-4577-a94d-2dae0dfa5995" providerId="ADAL" clId="{0FCCC188-AAE5-4E7B-9D03-247A687AEAF8}" dt="2022-11-21T11:43:47.827" v="9515" actId="1076"/>
+          <ac:chgData name="김소희" userId="292a1162-0793-4577-a94d-2dae0dfa5995" providerId="ADAL" clId="{0FCCC188-AAE5-4E7B-9D03-247A687AEAF8}" dt="2022-11-21T17:35:44.198" v="10698" actId="2711"/>
           <ac:spMkLst>
             <pc:docMk/>
             <pc:sldMk cId="3945545227" sldId="300"/>
@@ -3875,7 +3875,7 @@
           </ac:spMkLst>
         </pc:spChg>
         <pc:spChg chg="add mod">
-          <ac:chgData name="김소희" userId="292a1162-0793-4577-a94d-2dae0dfa5995" providerId="ADAL" clId="{0FCCC188-AAE5-4E7B-9D03-247A687AEAF8}" dt="2022-11-21T10:29:48.667" v="7739" actId="114"/>
+          <ac:chgData name="김소희" userId="292a1162-0793-4577-a94d-2dae0dfa5995" providerId="ADAL" clId="{0FCCC188-AAE5-4E7B-9D03-247A687AEAF8}" dt="2022-11-21T17:35:44.198" v="10698" actId="2711"/>
           <ac:spMkLst>
             <pc:docMk/>
             <pc:sldMk cId="3945545227" sldId="300"/>
@@ -3883,7 +3883,7 @@
           </ac:spMkLst>
         </pc:spChg>
         <pc:spChg chg="add mod">
-          <ac:chgData name="김소희" userId="292a1162-0793-4577-a94d-2dae0dfa5995" providerId="ADAL" clId="{0FCCC188-AAE5-4E7B-9D03-247A687AEAF8}" dt="2022-11-21T10:27:55.652" v="7712" actId="14100"/>
+          <ac:chgData name="김소희" userId="292a1162-0793-4577-a94d-2dae0dfa5995" providerId="ADAL" clId="{0FCCC188-AAE5-4E7B-9D03-247A687AEAF8}" dt="2022-11-21T17:35:44.198" v="10698" actId="2711"/>
           <ac:spMkLst>
             <pc:docMk/>
             <pc:sldMk cId="3945545227" sldId="300"/>
@@ -3899,7 +3899,7 @@
           </ac:spMkLst>
         </pc:spChg>
         <pc:spChg chg="add del mod">
-          <ac:chgData name="김소희" userId="292a1162-0793-4577-a94d-2dae0dfa5995" providerId="ADAL" clId="{0FCCC188-AAE5-4E7B-9D03-247A687AEAF8}" dt="2022-11-21T10:40:47.181" v="7889" actId="207"/>
+          <ac:chgData name="김소희" userId="292a1162-0793-4577-a94d-2dae0dfa5995" providerId="ADAL" clId="{0FCCC188-AAE5-4E7B-9D03-247A687AEAF8}" dt="2022-11-21T17:35:44.198" v="10698" actId="2711"/>
           <ac:spMkLst>
             <pc:docMk/>
             <pc:sldMk cId="3945545227" sldId="300"/>
@@ -3907,7 +3907,7 @@
           </ac:spMkLst>
         </pc:spChg>
         <pc:spChg chg="add mod">
-          <ac:chgData name="김소희" userId="292a1162-0793-4577-a94d-2dae0dfa5995" providerId="ADAL" clId="{0FCCC188-AAE5-4E7B-9D03-247A687AEAF8}" dt="2022-11-21T11:18:54.271" v="8853" actId="1076"/>
+          <ac:chgData name="김소희" userId="292a1162-0793-4577-a94d-2dae0dfa5995" providerId="ADAL" clId="{0FCCC188-AAE5-4E7B-9D03-247A687AEAF8}" dt="2022-11-21T17:35:44.198" v="10698" actId="2711"/>
           <ac:spMkLst>
             <pc:docMk/>
             <pc:sldMk cId="3945545227" sldId="300"/>
@@ -3915,7 +3915,7 @@
           </ac:spMkLst>
         </pc:spChg>
         <pc:spChg chg="add mod">
-          <ac:chgData name="김소희" userId="292a1162-0793-4577-a94d-2dae0dfa5995" providerId="ADAL" clId="{0FCCC188-AAE5-4E7B-9D03-247A687AEAF8}" dt="2022-11-21T11:19:09.160" v="8856" actId="1076"/>
+          <ac:chgData name="김소희" userId="292a1162-0793-4577-a94d-2dae0dfa5995" providerId="ADAL" clId="{0FCCC188-AAE5-4E7B-9D03-247A687AEAF8}" dt="2022-11-21T17:35:44.198" v="10698" actId="2711"/>
           <ac:spMkLst>
             <pc:docMk/>
             <pc:sldMk cId="3945545227" sldId="300"/>
@@ -3923,7 +3923,7 @@
           </ac:spMkLst>
         </pc:spChg>
         <pc:spChg chg="add mod">
-          <ac:chgData name="김소희" userId="292a1162-0793-4577-a94d-2dae0dfa5995" providerId="ADAL" clId="{0FCCC188-AAE5-4E7B-9D03-247A687AEAF8}" dt="2022-11-21T11:19:01.513" v="8854" actId="1076"/>
+          <ac:chgData name="김소희" userId="292a1162-0793-4577-a94d-2dae0dfa5995" providerId="ADAL" clId="{0FCCC188-AAE5-4E7B-9D03-247A687AEAF8}" dt="2022-11-21T17:35:44.198" v="10698" actId="2711"/>
           <ac:spMkLst>
             <pc:docMk/>
             <pc:sldMk cId="3945545227" sldId="300"/>
@@ -3939,7 +3939,7 @@
           </ac:spMkLst>
         </pc:spChg>
         <pc:spChg chg="add mod">
-          <ac:chgData name="김소희" userId="292a1162-0793-4577-a94d-2dae0dfa5995" providerId="ADAL" clId="{0FCCC188-AAE5-4E7B-9D03-247A687AEAF8}" dt="2022-11-21T10:43:49.621" v="7932" actId="164"/>
+          <ac:chgData name="김소희" userId="292a1162-0793-4577-a94d-2dae0dfa5995" providerId="ADAL" clId="{0FCCC188-AAE5-4E7B-9D03-247A687AEAF8}" dt="2022-11-21T17:35:44.198" v="10698" actId="2711"/>
           <ac:spMkLst>
             <pc:docMk/>
             <pc:sldMk cId="3945545227" sldId="300"/>
@@ -3947,7 +3947,7 @@
           </ac:spMkLst>
         </pc:spChg>
         <pc:spChg chg="add mod">
-          <ac:chgData name="김소희" userId="292a1162-0793-4577-a94d-2dae0dfa5995" providerId="ADAL" clId="{0FCCC188-AAE5-4E7B-9D03-247A687AEAF8}" dt="2022-11-21T10:43:49.621" v="7932" actId="164"/>
+          <ac:chgData name="김소희" userId="292a1162-0793-4577-a94d-2dae0dfa5995" providerId="ADAL" clId="{0FCCC188-AAE5-4E7B-9D03-247A687AEAF8}" dt="2022-11-21T17:35:44.198" v="10698" actId="2711"/>
           <ac:spMkLst>
             <pc:docMk/>
             <pc:sldMk cId="3945545227" sldId="300"/>
@@ -3955,7 +3955,7 @@
           </ac:spMkLst>
         </pc:spChg>
         <pc:spChg chg="add mod">
-          <ac:chgData name="김소희" userId="292a1162-0793-4577-a94d-2dae0dfa5995" providerId="ADAL" clId="{0FCCC188-AAE5-4E7B-9D03-247A687AEAF8}" dt="2022-11-21T10:43:49.621" v="7932" actId="164"/>
+          <ac:chgData name="김소희" userId="292a1162-0793-4577-a94d-2dae0dfa5995" providerId="ADAL" clId="{0FCCC188-AAE5-4E7B-9D03-247A687AEAF8}" dt="2022-11-21T17:35:44.198" v="10698" actId="2711"/>
           <ac:spMkLst>
             <pc:docMk/>
             <pc:sldMk cId="3945545227" sldId="300"/>
@@ -3963,7 +3963,7 @@
           </ac:spMkLst>
         </pc:spChg>
         <pc:spChg chg="add mod">
-          <ac:chgData name="김소희" userId="292a1162-0793-4577-a94d-2dae0dfa5995" providerId="ADAL" clId="{0FCCC188-AAE5-4E7B-9D03-247A687AEAF8}" dt="2022-11-21T10:43:49.621" v="7932" actId="164"/>
+          <ac:chgData name="김소희" userId="292a1162-0793-4577-a94d-2dae0dfa5995" providerId="ADAL" clId="{0FCCC188-AAE5-4E7B-9D03-247A687AEAF8}" dt="2022-11-21T17:35:44.198" v="10698" actId="2711"/>
           <ac:spMkLst>
             <pc:docMk/>
             <pc:sldMk cId="3945545227" sldId="300"/>
@@ -3971,7 +3971,7 @@
           </ac:spMkLst>
         </pc:spChg>
         <pc:spChg chg="add mod">
-          <ac:chgData name="김소희" userId="292a1162-0793-4577-a94d-2dae0dfa5995" providerId="ADAL" clId="{0FCCC188-AAE5-4E7B-9D03-247A687AEAF8}" dt="2022-11-21T10:43:49.621" v="7932" actId="164"/>
+          <ac:chgData name="김소희" userId="292a1162-0793-4577-a94d-2dae0dfa5995" providerId="ADAL" clId="{0FCCC188-AAE5-4E7B-9D03-247A687AEAF8}" dt="2022-11-21T17:35:44.198" v="10698" actId="2711"/>
           <ac:spMkLst>
             <pc:docMk/>
             <pc:sldMk cId="3945545227" sldId="300"/>
@@ -4027,7 +4027,7 @@
           </ac:spMkLst>
         </pc:spChg>
         <pc:spChg chg="add mod">
-          <ac:chgData name="김소희" userId="292a1162-0793-4577-a94d-2dae0dfa5995" providerId="ADAL" clId="{0FCCC188-AAE5-4E7B-9D03-247A687AEAF8}" dt="2022-11-21T11:19:04.054" v="8855" actId="1076"/>
+          <ac:chgData name="김소희" userId="292a1162-0793-4577-a94d-2dae0dfa5995" providerId="ADAL" clId="{0FCCC188-AAE5-4E7B-9D03-247A687AEAF8}" dt="2022-11-21T17:35:44.198" v="10698" actId="2711"/>
           <ac:spMkLst>
             <pc:docMk/>
             <pc:sldMk cId="3945545227" sldId="300"/>
@@ -4067,7 +4067,7 @@
           </ac:spMkLst>
         </pc:spChg>
         <pc:spChg chg="add mod">
-          <ac:chgData name="김소희" userId="292a1162-0793-4577-a94d-2dae0dfa5995" providerId="ADAL" clId="{0FCCC188-AAE5-4E7B-9D03-247A687AEAF8}" dt="2022-11-21T11:43:47.827" v="9515" actId="1076"/>
+          <ac:chgData name="김소희" userId="292a1162-0793-4577-a94d-2dae0dfa5995" providerId="ADAL" clId="{0FCCC188-AAE5-4E7B-9D03-247A687AEAF8}" dt="2022-11-21T17:35:44.198" v="10698" actId="2711"/>
           <ac:spMkLst>
             <pc:docMk/>
             <pc:sldMk cId="3945545227" sldId="300"/>
@@ -4211,13 +4211,13 @@
         </pc:picChg>
       </pc:sldChg>
       <pc:sldChg chg="addSp delSp modSp add mod modAnim modNotesTx">
-        <pc:chgData name="김소희" userId="292a1162-0793-4577-a94d-2dae0dfa5995" providerId="ADAL" clId="{0FCCC188-AAE5-4E7B-9D03-247A687AEAF8}" dt="2022-11-21T11:58:38.735" v="9968" actId="20577"/>
+        <pc:chgData name="김소희" userId="292a1162-0793-4577-a94d-2dae0dfa5995" providerId="ADAL" clId="{0FCCC188-AAE5-4E7B-9D03-247A687AEAF8}" dt="2022-11-21T17:36:02.165" v="10700" actId="2711"/>
         <pc:sldMkLst>
           <pc:docMk/>
           <pc:sldMk cId="635534619" sldId="302"/>
         </pc:sldMkLst>
         <pc:spChg chg="add mod">
-          <ac:chgData name="김소희" userId="292a1162-0793-4577-a94d-2dae0dfa5995" providerId="ADAL" clId="{0FCCC188-AAE5-4E7B-9D03-247A687AEAF8}" dt="2022-11-21T11:57:42.628" v="9950" actId="2711"/>
+          <ac:chgData name="김소희" userId="292a1162-0793-4577-a94d-2dae0dfa5995" providerId="ADAL" clId="{0FCCC188-AAE5-4E7B-9D03-247A687AEAF8}" dt="2022-11-21T17:36:02.165" v="10700" actId="2711"/>
           <ac:spMkLst>
             <pc:docMk/>
             <pc:sldMk cId="635534619" sldId="302"/>
@@ -4225,7 +4225,7 @@
           </ac:spMkLst>
         </pc:spChg>
         <pc:spChg chg="add mod topLvl">
-          <ac:chgData name="김소희" userId="292a1162-0793-4577-a94d-2dae0dfa5995" providerId="ADAL" clId="{0FCCC188-AAE5-4E7B-9D03-247A687AEAF8}" dt="2022-11-21T11:58:28.475" v="9953" actId="165"/>
+          <ac:chgData name="김소희" userId="292a1162-0793-4577-a94d-2dae0dfa5995" providerId="ADAL" clId="{0FCCC188-AAE5-4E7B-9D03-247A687AEAF8}" dt="2022-11-21T17:36:02.165" v="10700" actId="2711"/>
           <ac:spMkLst>
             <pc:docMk/>
             <pc:sldMk cId="635534619" sldId="302"/>
@@ -4233,7 +4233,7 @@
           </ac:spMkLst>
         </pc:spChg>
         <pc:spChg chg="add mod topLvl">
-          <ac:chgData name="김소희" userId="292a1162-0793-4577-a94d-2dae0dfa5995" providerId="ADAL" clId="{0FCCC188-AAE5-4E7B-9D03-247A687AEAF8}" dt="2022-11-21T11:58:28.475" v="9953" actId="165"/>
+          <ac:chgData name="김소희" userId="292a1162-0793-4577-a94d-2dae0dfa5995" providerId="ADAL" clId="{0FCCC188-AAE5-4E7B-9D03-247A687AEAF8}" dt="2022-11-21T17:36:02.165" v="10700" actId="2711"/>
           <ac:spMkLst>
             <pc:docMk/>
             <pc:sldMk cId="635534619" sldId="302"/>
@@ -4249,7 +4249,7 @@
           </ac:spMkLst>
         </pc:spChg>
         <pc:spChg chg="add mod topLvl">
-          <ac:chgData name="김소희" userId="292a1162-0793-4577-a94d-2dae0dfa5995" providerId="ADAL" clId="{0FCCC188-AAE5-4E7B-9D03-247A687AEAF8}" dt="2022-11-21T11:58:28.475" v="9953" actId="165"/>
+          <ac:chgData name="김소희" userId="292a1162-0793-4577-a94d-2dae0dfa5995" providerId="ADAL" clId="{0FCCC188-AAE5-4E7B-9D03-247A687AEAF8}" dt="2022-11-21T17:36:02.165" v="10700" actId="2711"/>
           <ac:spMkLst>
             <pc:docMk/>
             <pc:sldMk cId="635534619" sldId="302"/>
@@ -4257,7 +4257,7 @@
           </ac:spMkLst>
         </pc:spChg>
         <pc:spChg chg="add mod topLvl">
-          <ac:chgData name="김소희" userId="292a1162-0793-4577-a94d-2dae0dfa5995" providerId="ADAL" clId="{0FCCC188-AAE5-4E7B-9D03-247A687AEAF8}" dt="2022-11-21T11:58:28.475" v="9953" actId="165"/>
+          <ac:chgData name="김소희" userId="292a1162-0793-4577-a94d-2dae0dfa5995" providerId="ADAL" clId="{0FCCC188-AAE5-4E7B-9D03-247A687AEAF8}" dt="2022-11-21T17:36:02.165" v="10700" actId="2711"/>
           <ac:spMkLst>
             <pc:docMk/>
             <pc:sldMk cId="635534619" sldId="302"/>
@@ -4265,7 +4265,7 @@
           </ac:spMkLst>
         </pc:spChg>
         <pc:spChg chg="add mod topLvl">
-          <ac:chgData name="김소희" userId="292a1162-0793-4577-a94d-2dae0dfa5995" providerId="ADAL" clId="{0FCCC188-AAE5-4E7B-9D03-247A687AEAF8}" dt="2022-11-21T11:58:28.475" v="9953" actId="165"/>
+          <ac:chgData name="김소희" userId="292a1162-0793-4577-a94d-2dae0dfa5995" providerId="ADAL" clId="{0FCCC188-AAE5-4E7B-9D03-247A687AEAF8}" dt="2022-11-21T17:36:02.165" v="10700" actId="2711"/>
           <ac:spMkLst>
             <pc:docMk/>
             <pc:sldMk cId="635534619" sldId="302"/>
@@ -4273,7 +4273,7 @@
           </ac:spMkLst>
         </pc:spChg>
         <pc:spChg chg="add mod topLvl">
-          <ac:chgData name="김소희" userId="292a1162-0793-4577-a94d-2dae0dfa5995" providerId="ADAL" clId="{0FCCC188-AAE5-4E7B-9D03-247A687AEAF8}" dt="2022-11-21T11:58:28.475" v="9953" actId="165"/>
+          <ac:chgData name="김소희" userId="292a1162-0793-4577-a94d-2dae0dfa5995" providerId="ADAL" clId="{0FCCC188-AAE5-4E7B-9D03-247A687AEAF8}" dt="2022-11-21T17:36:02.165" v="10700" actId="2711"/>
           <ac:spMkLst>
             <pc:docMk/>
             <pc:sldMk cId="635534619" sldId="302"/>
@@ -4281,7 +4281,7 @@
           </ac:spMkLst>
         </pc:spChg>
         <pc:spChg chg="add mod topLvl">
-          <ac:chgData name="김소희" userId="292a1162-0793-4577-a94d-2dae0dfa5995" providerId="ADAL" clId="{0FCCC188-AAE5-4E7B-9D03-247A687AEAF8}" dt="2022-11-21T11:58:28.475" v="9953" actId="165"/>
+          <ac:chgData name="김소희" userId="292a1162-0793-4577-a94d-2dae0dfa5995" providerId="ADAL" clId="{0FCCC188-AAE5-4E7B-9D03-247A687AEAF8}" dt="2022-11-21T17:36:02.165" v="10700" actId="2711"/>
           <ac:spMkLst>
             <pc:docMk/>
             <pc:sldMk cId="635534619" sldId="302"/>
@@ -4289,7 +4289,7 @@
           </ac:spMkLst>
         </pc:spChg>
         <pc:spChg chg="add mod topLvl">
-          <ac:chgData name="김소희" userId="292a1162-0793-4577-a94d-2dae0dfa5995" providerId="ADAL" clId="{0FCCC188-AAE5-4E7B-9D03-247A687AEAF8}" dt="2022-11-21T11:58:28.475" v="9953" actId="165"/>
+          <ac:chgData name="김소희" userId="292a1162-0793-4577-a94d-2dae0dfa5995" providerId="ADAL" clId="{0FCCC188-AAE5-4E7B-9D03-247A687AEAF8}" dt="2022-11-21T17:36:02.165" v="10700" actId="2711"/>
           <ac:spMkLst>
             <pc:docMk/>
             <pc:sldMk cId="635534619" sldId="302"/>
@@ -4297,7 +4297,7 @@
           </ac:spMkLst>
         </pc:spChg>
         <pc:spChg chg="mod">
-          <ac:chgData name="김소희" userId="292a1162-0793-4577-a94d-2dae0dfa5995" providerId="ADAL" clId="{0FCCC188-AAE5-4E7B-9D03-247A687AEAF8}" dt="2022-11-21T11:58:28.475" v="9953" actId="165"/>
+          <ac:chgData name="김소희" userId="292a1162-0793-4577-a94d-2dae0dfa5995" providerId="ADAL" clId="{0FCCC188-AAE5-4E7B-9D03-247A687AEAF8}" dt="2022-11-21T17:36:02.165" v="10700" actId="2711"/>
           <ac:spMkLst>
             <pc:docMk/>
             <pc:sldMk cId="635534619" sldId="302"/>
@@ -4305,7 +4305,7 @@
           </ac:spMkLst>
         </pc:spChg>
         <pc:spChg chg="mod">
-          <ac:chgData name="김소희" userId="292a1162-0793-4577-a94d-2dae0dfa5995" providerId="ADAL" clId="{0FCCC188-AAE5-4E7B-9D03-247A687AEAF8}" dt="2022-11-21T11:58:28.475" v="9953" actId="165"/>
+          <ac:chgData name="김소희" userId="292a1162-0793-4577-a94d-2dae0dfa5995" providerId="ADAL" clId="{0FCCC188-AAE5-4E7B-9D03-247A687AEAF8}" dt="2022-11-21T17:36:02.165" v="10700" actId="2711"/>
           <ac:spMkLst>
             <pc:docMk/>
             <pc:sldMk cId="635534619" sldId="302"/>
@@ -4313,7 +4313,7 @@
           </ac:spMkLst>
         </pc:spChg>
         <pc:spChg chg="mod">
-          <ac:chgData name="김소희" userId="292a1162-0793-4577-a94d-2dae0dfa5995" providerId="ADAL" clId="{0FCCC188-AAE5-4E7B-9D03-247A687AEAF8}" dt="2022-11-21T11:58:28.475" v="9953" actId="165"/>
+          <ac:chgData name="김소희" userId="292a1162-0793-4577-a94d-2dae0dfa5995" providerId="ADAL" clId="{0FCCC188-AAE5-4E7B-9D03-247A687AEAF8}" dt="2022-11-21T17:36:02.165" v="10700" actId="2711"/>
           <ac:spMkLst>
             <pc:docMk/>
             <pc:sldMk cId="635534619" sldId="302"/>
@@ -4321,15 +4321,63 @@
           </ac:spMkLst>
         </pc:spChg>
         <pc:spChg chg="add mod">
-          <ac:chgData name="김소희" userId="292a1162-0793-4577-a94d-2dae0dfa5995" providerId="ADAL" clId="{0FCCC188-AAE5-4E7B-9D03-247A687AEAF8}" dt="2022-11-21T11:57:42.628" v="9950" actId="2711"/>
+          <ac:chgData name="김소희" userId="292a1162-0793-4577-a94d-2dae0dfa5995" providerId="ADAL" clId="{0FCCC188-AAE5-4E7B-9D03-247A687AEAF8}" dt="2022-11-21T17:36:02.165" v="10700" actId="2711"/>
           <ac:spMkLst>
             <pc:docMk/>
             <pc:sldMk cId="635534619" sldId="302"/>
             <ac:spMk id="31" creationId="{2B599C00-D263-5B08-83A8-15DB80AE9C8D}"/>
           </ac:spMkLst>
         </pc:spChg>
+        <pc:spChg chg="mod">
+          <ac:chgData name="김소희" userId="292a1162-0793-4577-a94d-2dae0dfa5995" providerId="ADAL" clId="{0FCCC188-AAE5-4E7B-9D03-247A687AEAF8}" dt="2022-11-21T17:29:49.517" v="10681"/>
+          <ac:spMkLst>
+            <pc:docMk/>
+            <pc:sldMk cId="635534619" sldId="302"/>
+            <ac:spMk id="32" creationId="{7F36A367-8790-D87F-F70D-4668A1397203}"/>
+          </ac:spMkLst>
+        </pc:spChg>
+        <pc:spChg chg="mod">
+          <ac:chgData name="김소희" userId="292a1162-0793-4577-a94d-2dae0dfa5995" providerId="ADAL" clId="{0FCCC188-AAE5-4E7B-9D03-247A687AEAF8}" dt="2022-11-21T17:29:49.517" v="10681"/>
+          <ac:spMkLst>
+            <pc:docMk/>
+            <pc:sldMk cId="635534619" sldId="302"/>
+            <ac:spMk id="33" creationId="{B4891660-161F-E245-E186-9FBD21EC25D4}"/>
+          </ac:spMkLst>
+        </pc:spChg>
+        <pc:spChg chg="mod">
+          <ac:chgData name="김소희" userId="292a1162-0793-4577-a94d-2dae0dfa5995" providerId="ADAL" clId="{0FCCC188-AAE5-4E7B-9D03-247A687AEAF8}" dt="2022-11-21T17:29:49.517" v="10681"/>
+          <ac:spMkLst>
+            <pc:docMk/>
+            <pc:sldMk cId="635534619" sldId="302"/>
+            <ac:spMk id="34" creationId="{B07CB6FB-4C22-CD40-29E9-60D642449C4B}"/>
+          </ac:spMkLst>
+        </pc:spChg>
+        <pc:spChg chg="mod">
+          <ac:chgData name="김소희" userId="292a1162-0793-4577-a94d-2dae0dfa5995" providerId="ADAL" clId="{0FCCC188-AAE5-4E7B-9D03-247A687AEAF8}" dt="2022-11-21T17:29:49.517" v="10681"/>
+          <ac:spMkLst>
+            <pc:docMk/>
+            <pc:sldMk cId="635534619" sldId="302"/>
+            <ac:spMk id="35" creationId="{B122D6A7-D651-2BE3-ADF6-515C1115E9FB}"/>
+          </ac:spMkLst>
+        </pc:spChg>
+        <pc:spChg chg="mod">
+          <ac:chgData name="김소희" userId="292a1162-0793-4577-a94d-2dae0dfa5995" providerId="ADAL" clId="{0FCCC188-AAE5-4E7B-9D03-247A687AEAF8}" dt="2022-11-21T17:29:49.517" v="10681"/>
+          <ac:spMkLst>
+            <pc:docMk/>
+            <pc:sldMk cId="635534619" sldId="302"/>
+            <ac:spMk id="36" creationId="{606AC4EA-B848-E4E8-8FCF-857AD32F8E91}"/>
+          </ac:spMkLst>
+        </pc:spChg>
+        <pc:grpChg chg="add mod">
+          <ac:chgData name="김소희" userId="292a1162-0793-4577-a94d-2dae0dfa5995" providerId="ADAL" clId="{0FCCC188-AAE5-4E7B-9D03-247A687AEAF8}" dt="2022-11-21T17:36:02.165" v="10700" actId="2711"/>
+          <ac:grpSpMkLst>
+            <pc:docMk/>
+            <pc:sldMk cId="635534619" sldId="302"/>
+            <ac:grpSpMk id="5" creationId="{D326CC63-2DAC-F2B1-3218-CB6D7D4B544C}"/>
+          </ac:grpSpMkLst>
+        </pc:grpChg>
         <pc:grpChg chg="add mod topLvl">
-          <ac:chgData name="김소희" userId="292a1162-0793-4577-a94d-2dae0dfa5995" providerId="ADAL" clId="{0FCCC188-AAE5-4E7B-9D03-247A687AEAF8}" dt="2022-11-21T11:58:28.475" v="9953" actId="165"/>
+          <ac:chgData name="김소희" userId="292a1162-0793-4577-a94d-2dae0dfa5995" providerId="ADAL" clId="{0FCCC188-AAE5-4E7B-9D03-247A687AEAF8}" dt="2022-11-21T17:36:02.165" v="10700" actId="2711"/>
           <ac:grpSpMkLst>
             <pc:docMk/>
             <pc:sldMk cId="635534619" sldId="302"/>
@@ -4337,11 +4385,19 @@
           </ac:grpSpMkLst>
         </pc:grpChg>
         <pc:grpChg chg="add del mod">
-          <ac:chgData name="김소희" userId="292a1162-0793-4577-a94d-2dae0dfa5995" providerId="ADAL" clId="{0FCCC188-AAE5-4E7B-9D03-247A687AEAF8}" dt="2022-11-21T11:58:28.475" v="9953" actId="165"/>
+          <ac:chgData name="김소희" userId="292a1162-0793-4577-a94d-2dae0dfa5995" providerId="ADAL" clId="{0FCCC188-AAE5-4E7B-9D03-247A687AEAF8}" dt="2022-11-21T17:36:02.165" v="10700" actId="2711"/>
           <ac:grpSpMkLst>
             <pc:docMk/>
             <pc:sldMk cId="635534619" sldId="302"/>
             <ac:grpSpMk id="29" creationId="{9E5A5DF6-7B6A-40A3-67DF-4F8D2C27AA77}"/>
+          </ac:grpSpMkLst>
+        </pc:grpChg>
+        <pc:grpChg chg="mod">
+          <ac:chgData name="김소희" userId="292a1162-0793-4577-a94d-2dae0dfa5995" providerId="ADAL" clId="{0FCCC188-AAE5-4E7B-9D03-247A687AEAF8}" dt="2022-11-21T17:29:49.517" v="10681"/>
+          <ac:grpSpMkLst>
+            <pc:docMk/>
+            <pc:sldMk cId="635534619" sldId="302"/>
+            <ac:grpSpMk id="30" creationId="{E8DA2D16-E315-3ECA-B1D1-963A138DB8A0}"/>
           </ac:grpSpMkLst>
         </pc:grpChg>
         <pc:picChg chg="del">
@@ -4353,7 +4409,7 @@
           </ac:picMkLst>
         </pc:picChg>
         <pc:picChg chg="add mod topLvl">
-          <ac:chgData name="김소희" userId="292a1162-0793-4577-a94d-2dae0dfa5995" providerId="ADAL" clId="{0FCCC188-AAE5-4E7B-9D03-247A687AEAF8}" dt="2022-11-21T11:58:28.475" v="9953" actId="165"/>
+          <ac:chgData name="김소희" userId="292a1162-0793-4577-a94d-2dae0dfa5995" providerId="ADAL" clId="{0FCCC188-AAE5-4E7B-9D03-247A687AEAF8}" dt="2022-11-21T17:36:02.165" v="10700" actId="2711"/>
           <ac:picMkLst>
             <pc:docMk/>
             <pc:sldMk cId="635534619" sldId="302"/>
@@ -4361,7 +4417,7 @@
           </ac:picMkLst>
         </pc:picChg>
         <pc:picChg chg="add mod topLvl">
-          <ac:chgData name="김소희" userId="292a1162-0793-4577-a94d-2dae0dfa5995" providerId="ADAL" clId="{0FCCC188-AAE5-4E7B-9D03-247A687AEAF8}" dt="2022-11-21T11:58:28.475" v="9953" actId="165"/>
+          <ac:chgData name="김소희" userId="292a1162-0793-4577-a94d-2dae0dfa5995" providerId="ADAL" clId="{0FCCC188-AAE5-4E7B-9D03-247A687AEAF8}" dt="2022-11-21T17:36:02.165" v="10700" actId="2711"/>
           <ac:picMkLst>
             <pc:docMk/>
             <pc:sldMk cId="635534619" sldId="302"/>
@@ -4369,7 +4425,7 @@
           </ac:picMkLst>
         </pc:picChg>
         <pc:picChg chg="add mod topLvl">
-          <ac:chgData name="김소희" userId="292a1162-0793-4577-a94d-2dae0dfa5995" providerId="ADAL" clId="{0FCCC188-AAE5-4E7B-9D03-247A687AEAF8}" dt="2022-11-21T11:58:28.475" v="9953" actId="165"/>
+          <ac:chgData name="김소희" userId="292a1162-0793-4577-a94d-2dae0dfa5995" providerId="ADAL" clId="{0FCCC188-AAE5-4E7B-9D03-247A687AEAF8}" dt="2022-11-21T17:36:02.165" v="10700" actId="2711"/>
           <ac:picMkLst>
             <pc:docMk/>
             <pc:sldMk cId="635534619" sldId="302"/>
@@ -4377,7 +4433,7 @@
           </ac:picMkLst>
         </pc:picChg>
         <pc:cxnChg chg="add mod topLvl">
-          <ac:chgData name="김소희" userId="292a1162-0793-4577-a94d-2dae0dfa5995" providerId="ADAL" clId="{0FCCC188-AAE5-4E7B-9D03-247A687AEAF8}" dt="2022-11-21T11:58:28.475" v="9953" actId="165"/>
+          <ac:chgData name="김소희" userId="292a1162-0793-4577-a94d-2dae0dfa5995" providerId="ADAL" clId="{0FCCC188-AAE5-4E7B-9D03-247A687AEAF8}" dt="2022-11-21T17:36:02.165" v="10700" actId="2711"/>
           <ac:cxnSpMkLst>
             <pc:docMk/>
             <pc:sldMk cId="635534619" sldId="302"/>
@@ -4385,7 +4441,7 @@
           </ac:cxnSpMkLst>
         </pc:cxnChg>
         <pc:cxnChg chg="add mod topLvl">
-          <ac:chgData name="김소희" userId="292a1162-0793-4577-a94d-2dae0dfa5995" providerId="ADAL" clId="{0FCCC188-AAE5-4E7B-9D03-247A687AEAF8}" dt="2022-11-21T11:58:28.475" v="9953" actId="165"/>
+          <ac:chgData name="김소희" userId="292a1162-0793-4577-a94d-2dae0dfa5995" providerId="ADAL" clId="{0FCCC188-AAE5-4E7B-9D03-247A687AEAF8}" dt="2022-11-21T17:36:02.165" v="10700" actId="2711"/>
           <ac:cxnSpMkLst>
             <pc:docMk/>
             <pc:sldMk cId="635534619" sldId="302"/>
@@ -4393,7 +4449,7 @@
           </ac:cxnSpMkLst>
         </pc:cxnChg>
         <pc:cxnChg chg="add mod topLvl">
-          <ac:chgData name="김소희" userId="292a1162-0793-4577-a94d-2dae0dfa5995" providerId="ADAL" clId="{0FCCC188-AAE5-4E7B-9D03-247A687AEAF8}" dt="2022-11-21T11:58:28.475" v="9953" actId="165"/>
+          <ac:chgData name="김소희" userId="292a1162-0793-4577-a94d-2dae0dfa5995" providerId="ADAL" clId="{0FCCC188-AAE5-4E7B-9D03-247A687AEAF8}" dt="2022-11-21T17:36:02.165" v="10700" actId="2711"/>
           <ac:cxnSpMkLst>
             <pc:docMk/>
             <pc:sldMk cId="635534619" sldId="302"/>
@@ -4401,7 +4457,7 @@
           </ac:cxnSpMkLst>
         </pc:cxnChg>
         <pc:cxnChg chg="add mod topLvl">
-          <ac:chgData name="김소희" userId="292a1162-0793-4577-a94d-2dae0dfa5995" providerId="ADAL" clId="{0FCCC188-AAE5-4E7B-9D03-247A687AEAF8}" dt="2022-11-21T11:58:28.475" v="9953" actId="165"/>
+          <ac:chgData name="김소희" userId="292a1162-0793-4577-a94d-2dae0dfa5995" providerId="ADAL" clId="{0FCCC188-AAE5-4E7B-9D03-247A687AEAF8}" dt="2022-11-21T17:36:02.165" v="10700" actId="2711"/>
           <ac:cxnSpMkLst>
             <pc:docMk/>
             <pc:sldMk cId="635534619" sldId="302"/>
@@ -4409,7 +4465,7 @@
           </ac:cxnSpMkLst>
         </pc:cxnChg>
         <pc:cxnChg chg="add mod topLvl">
-          <ac:chgData name="김소희" userId="292a1162-0793-4577-a94d-2dae0dfa5995" providerId="ADAL" clId="{0FCCC188-AAE5-4E7B-9D03-247A687AEAF8}" dt="2022-11-21T11:58:28.475" v="9953" actId="165"/>
+          <ac:chgData name="김소희" userId="292a1162-0793-4577-a94d-2dae0dfa5995" providerId="ADAL" clId="{0FCCC188-AAE5-4E7B-9D03-247A687AEAF8}" dt="2022-11-21T17:36:02.165" v="10700" actId="2711"/>
           <ac:cxnSpMkLst>
             <pc:docMk/>
             <pc:sldMk cId="635534619" sldId="302"/>
@@ -4417,7 +4473,7 @@
           </ac:cxnSpMkLst>
         </pc:cxnChg>
         <pc:cxnChg chg="add mod topLvl">
-          <ac:chgData name="김소희" userId="292a1162-0793-4577-a94d-2dae0dfa5995" providerId="ADAL" clId="{0FCCC188-AAE5-4E7B-9D03-247A687AEAF8}" dt="2022-11-21T11:58:28.475" v="9953" actId="165"/>
+          <ac:chgData name="김소희" userId="292a1162-0793-4577-a94d-2dae0dfa5995" providerId="ADAL" clId="{0FCCC188-AAE5-4E7B-9D03-247A687AEAF8}" dt="2022-11-21T17:36:02.165" v="10700" actId="2711"/>
           <ac:cxnSpMkLst>
             <pc:docMk/>
             <pc:sldMk cId="635534619" sldId="302"/>
@@ -4425,7 +4481,7 @@
           </ac:cxnSpMkLst>
         </pc:cxnChg>
         <pc:cxnChg chg="mod">
-          <ac:chgData name="김소희" userId="292a1162-0793-4577-a94d-2dae0dfa5995" providerId="ADAL" clId="{0FCCC188-AAE5-4E7B-9D03-247A687AEAF8}" dt="2022-11-21T11:58:28.475" v="9953" actId="165"/>
+          <ac:chgData name="김소희" userId="292a1162-0793-4577-a94d-2dae0dfa5995" providerId="ADAL" clId="{0FCCC188-AAE5-4E7B-9D03-247A687AEAF8}" dt="2022-11-21T17:36:02.165" v="10700" actId="2711"/>
           <ac:cxnSpMkLst>
             <pc:docMk/>
             <pc:sldMk cId="635534619" sldId="302"/>
@@ -4433,7 +4489,7 @@
           </ac:cxnSpMkLst>
         </pc:cxnChg>
         <pc:cxnChg chg="mod">
-          <ac:chgData name="김소희" userId="292a1162-0793-4577-a94d-2dae0dfa5995" providerId="ADAL" clId="{0FCCC188-AAE5-4E7B-9D03-247A687AEAF8}" dt="2022-11-21T11:58:28.475" v="9953" actId="165"/>
+          <ac:chgData name="김소희" userId="292a1162-0793-4577-a94d-2dae0dfa5995" providerId="ADAL" clId="{0FCCC188-AAE5-4E7B-9D03-247A687AEAF8}" dt="2022-11-21T17:36:02.165" v="10700" actId="2711"/>
           <ac:cxnSpMkLst>
             <pc:docMk/>
             <pc:sldMk cId="635534619" sldId="302"/>
@@ -4481,13 +4537,13 @@
         </pc:picChg>
       </pc:sldChg>
       <pc:sldChg chg="addSp delSp modSp add mod modAnim modNotesTx">
-        <pc:chgData name="김소희" userId="292a1162-0793-4577-a94d-2dae0dfa5995" providerId="ADAL" clId="{0FCCC188-AAE5-4E7B-9D03-247A687AEAF8}" dt="2022-11-21T11:45:23.430" v="9538" actId="1076"/>
+        <pc:chgData name="김소희" userId="292a1162-0793-4577-a94d-2dae0dfa5995" providerId="ADAL" clId="{0FCCC188-AAE5-4E7B-9D03-247A687AEAF8}" dt="2022-11-21T17:35:53.382" v="10699" actId="2711"/>
         <pc:sldMkLst>
           <pc:docMk/>
           <pc:sldMk cId="646762004" sldId="304"/>
         </pc:sldMkLst>
         <pc:spChg chg="mod">
-          <ac:chgData name="김소희" userId="292a1162-0793-4577-a94d-2dae0dfa5995" providerId="ADAL" clId="{0FCCC188-AAE5-4E7B-9D03-247A687AEAF8}" dt="2022-11-21T11:33:39.124" v="9183" actId="1036"/>
+          <ac:chgData name="김소희" userId="292a1162-0793-4577-a94d-2dae0dfa5995" providerId="ADAL" clId="{0FCCC188-AAE5-4E7B-9D03-247A687AEAF8}" dt="2022-11-21T17:35:53.382" v="10699" actId="2711"/>
           <ac:spMkLst>
             <pc:docMk/>
             <pc:sldMk cId="646762004" sldId="304"/>
@@ -4495,7 +4551,7 @@
           </ac:spMkLst>
         </pc:spChg>
         <pc:spChg chg="add mod">
-          <ac:chgData name="김소희" userId="292a1162-0793-4577-a94d-2dae0dfa5995" providerId="ADAL" clId="{0FCCC188-AAE5-4E7B-9D03-247A687AEAF8}" dt="2022-11-21T11:44:37.651" v="9526" actId="1076"/>
+          <ac:chgData name="김소희" userId="292a1162-0793-4577-a94d-2dae0dfa5995" providerId="ADAL" clId="{0FCCC188-AAE5-4E7B-9D03-247A687AEAF8}" dt="2022-11-21T17:35:53.382" v="10699" actId="2711"/>
           <ac:spMkLst>
             <pc:docMk/>
             <pc:sldMk cId="646762004" sldId="304"/>
@@ -4503,7 +4559,7 @@
           </ac:spMkLst>
         </pc:spChg>
         <pc:spChg chg="add mod">
-          <ac:chgData name="김소희" userId="292a1162-0793-4577-a94d-2dae0dfa5995" providerId="ADAL" clId="{0FCCC188-AAE5-4E7B-9D03-247A687AEAF8}" dt="2022-11-21T11:33:39.124" v="9183" actId="1036"/>
+          <ac:chgData name="김소희" userId="292a1162-0793-4577-a94d-2dae0dfa5995" providerId="ADAL" clId="{0FCCC188-AAE5-4E7B-9D03-247A687AEAF8}" dt="2022-11-21T17:35:53.382" v="10699" actId="2711"/>
           <ac:spMkLst>
             <pc:docMk/>
             <pc:sldMk cId="646762004" sldId="304"/>
@@ -4511,7 +4567,7 @@
           </ac:spMkLst>
         </pc:spChg>
         <pc:spChg chg="add mod">
-          <ac:chgData name="김소희" userId="292a1162-0793-4577-a94d-2dae0dfa5995" providerId="ADAL" clId="{0FCCC188-AAE5-4E7B-9D03-247A687AEAF8}" dt="2022-11-21T11:08:31.435" v="8769" actId="1076"/>
+          <ac:chgData name="김소희" userId="292a1162-0793-4577-a94d-2dae0dfa5995" providerId="ADAL" clId="{0FCCC188-AAE5-4E7B-9D03-247A687AEAF8}" dt="2022-11-21T17:35:53.382" v="10699" actId="2711"/>
           <ac:spMkLst>
             <pc:docMk/>
             <pc:sldMk cId="646762004" sldId="304"/>
@@ -4519,7 +4575,7 @@
           </ac:spMkLst>
         </pc:spChg>
         <pc:spChg chg="add mod">
-          <ac:chgData name="김소희" userId="292a1162-0793-4577-a94d-2dae0dfa5995" providerId="ADAL" clId="{0FCCC188-AAE5-4E7B-9D03-247A687AEAF8}" dt="2022-11-21T11:08:38.725" v="8770" actId="1076"/>
+          <ac:chgData name="김소희" userId="292a1162-0793-4577-a94d-2dae0dfa5995" providerId="ADAL" clId="{0FCCC188-AAE5-4E7B-9D03-247A687AEAF8}" dt="2022-11-21T17:35:53.382" v="10699" actId="2711"/>
           <ac:spMkLst>
             <pc:docMk/>
             <pc:sldMk cId="646762004" sldId="304"/>
@@ -4527,7 +4583,7 @@
           </ac:spMkLst>
         </pc:spChg>
         <pc:spChg chg="add mod">
-          <ac:chgData name="김소희" userId="292a1162-0793-4577-a94d-2dae0dfa5995" providerId="ADAL" clId="{0FCCC188-AAE5-4E7B-9D03-247A687AEAF8}" dt="2022-11-21T11:08:42.596" v="8771" actId="1076"/>
+          <ac:chgData name="김소희" userId="292a1162-0793-4577-a94d-2dae0dfa5995" providerId="ADAL" clId="{0FCCC188-AAE5-4E7B-9D03-247A687AEAF8}" dt="2022-11-21T17:35:53.382" v="10699" actId="2711"/>
           <ac:spMkLst>
             <pc:docMk/>
             <pc:sldMk cId="646762004" sldId="304"/>
@@ -4535,7 +4591,7 @@
           </ac:spMkLst>
         </pc:spChg>
         <pc:spChg chg="add mod">
-          <ac:chgData name="김소희" userId="292a1162-0793-4577-a94d-2dae0dfa5995" providerId="ADAL" clId="{0FCCC188-AAE5-4E7B-9D03-247A687AEAF8}" dt="2022-11-21T11:45:23.430" v="9538" actId="1076"/>
+          <ac:chgData name="김소희" userId="292a1162-0793-4577-a94d-2dae0dfa5995" providerId="ADAL" clId="{0FCCC188-AAE5-4E7B-9D03-247A687AEAF8}" dt="2022-11-21T17:35:53.382" v="10699" actId="2711"/>
           <ac:spMkLst>
             <pc:docMk/>
             <pc:sldMk cId="646762004" sldId="304"/>
@@ -4543,7 +4599,7 @@
           </ac:spMkLst>
         </pc:spChg>
         <pc:spChg chg="add mod">
-          <ac:chgData name="김소희" userId="292a1162-0793-4577-a94d-2dae0dfa5995" providerId="ADAL" clId="{0FCCC188-AAE5-4E7B-9D03-247A687AEAF8}" dt="2022-11-21T11:26:30.429" v="8923" actId="164"/>
+          <ac:chgData name="김소희" userId="292a1162-0793-4577-a94d-2dae0dfa5995" providerId="ADAL" clId="{0FCCC188-AAE5-4E7B-9D03-247A687AEAF8}" dt="2022-11-21T17:35:53.382" v="10699" actId="2711"/>
           <ac:spMkLst>
             <pc:docMk/>
             <pc:sldMk cId="646762004" sldId="304"/>
@@ -4551,7 +4607,7 @@
           </ac:spMkLst>
         </pc:spChg>
         <pc:spChg chg="add mod">
-          <ac:chgData name="김소희" userId="292a1162-0793-4577-a94d-2dae0dfa5995" providerId="ADAL" clId="{0FCCC188-AAE5-4E7B-9D03-247A687AEAF8}" dt="2022-11-21T11:44:13.546" v="9521" actId="403"/>
+          <ac:chgData name="김소희" userId="292a1162-0793-4577-a94d-2dae0dfa5995" providerId="ADAL" clId="{0FCCC188-AAE5-4E7B-9D03-247A687AEAF8}" dt="2022-11-21T17:35:53.382" v="10699" actId="2711"/>
           <ac:spMkLst>
             <pc:docMk/>
             <pc:sldMk cId="646762004" sldId="304"/>
@@ -11699,7 +11755,7 @@
           <a:p>
             <a:fld id="{29915393-2112-49A2-83FA-09DE4C5B44F3}" type="datetimeFigureOut">
               <a:rPr lang="ko-KR" altLang="en-US" smtClean="0"/>
-              <a:t>2022-11-21</a:t>
+              <a:t>2022-11-22</a:t>
             </a:fld>
             <a:endParaRPr lang="ko-KR" altLang="en-US"/>
           </a:p>
@@ -11892,7 +11948,7 @@
           <a:p>
             <a:fld id="{3C68DF80-E33D-4369-8637-F89ABF057243}" type="datetimeFigureOut">
               <a:rPr lang="ko-KR" altLang="en-US" smtClean="0"/>
-              <a:t>2022-11-21</a:t>
+              <a:t>2022-11-22</a:t>
             </a:fld>
             <a:endParaRPr lang="ko-KR" altLang="en-US"/>
           </a:p>
@@ -12430,116 +12486,8 @@
           <a:lstStyle/>
           <a:p>
             <a:r>
-              <a:rPr lang="ko-KR" altLang="en-US" b="0"/>
-              <a:t>대역폭 </a:t>
-            </a:r>
-            <a:r>
-              <a:rPr lang="en-US" altLang="ko-KR" b="0"/>
-              <a:t>Bandwith : </a:t>
-            </a:r>
-            <a:r>
-              <a:rPr lang="ko-KR" altLang="en-US" b="0" i="0">
-                <a:solidFill>
-                  <a:srgbClr val="0000CC"/>
-                </a:solidFill>
-                <a:effectLst/>
-                <a:latin typeface="Lucida Grande"/>
-              </a:rPr>
-              <a:t>일정 시간 동안 해당 버스를 통해 전송될 수 있는 데이터의 양</a:t>
-            </a:r>
-            <a:endParaRPr lang="en-US" altLang="ko-KR" b="0" i="0">
-              <a:solidFill>
-                <a:srgbClr val="0000CC"/>
-              </a:solidFill>
-              <a:effectLst/>
-              <a:latin typeface="Lucida Grande"/>
-            </a:endParaRPr>
-          </a:p>
-          <a:p>
-            <a:r>
-              <a:rPr lang="ko-KR" altLang="en-US" b="0" i="0">
-                <a:solidFill>
-                  <a:srgbClr val="0000CC"/>
-                </a:solidFill>
-                <a:effectLst/>
-                <a:latin typeface="Lucida Grande"/>
-              </a:rPr>
-              <a:t>워크로드 </a:t>
-            </a:r>
-            <a:r>
-              <a:rPr lang="en-US" altLang="ko-KR" b="0" i="0">
-                <a:solidFill>
-                  <a:srgbClr val="0000CC"/>
-                </a:solidFill>
-                <a:effectLst/>
-                <a:latin typeface="Lucida Grande"/>
-              </a:rPr>
-              <a:t>Workload :</a:t>
-            </a:r>
-            <a:r>
-              <a:rPr lang="ko-KR" altLang="en-US" b="0" i="0">
-                <a:solidFill>
-                  <a:srgbClr val="0000CC"/>
-                </a:solidFill>
-                <a:effectLst/>
-                <a:latin typeface="Lucida Grande"/>
-              </a:rPr>
-              <a:t> 주어진 기간에 시스템에 의해 실행되어야 할 직업의 할당량</a:t>
-            </a:r>
-            <a:r>
-              <a:rPr lang="en-US" altLang="ko-KR" b="0" i="0">
-                <a:solidFill>
-                  <a:srgbClr val="0000CC"/>
-                </a:solidFill>
-                <a:effectLst/>
-                <a:latin typeface="Lucida Grande"/>
-              </a:rPr>
-              <a:t>. </a:t>
-            </a:r>
-            <a:r>
-              <a:rPr lang="ko-KR" altLang="en-US" b="0" i="0">
-                <a:solidFill>
-                  <a:srgbClr val="454545"/>
-                </a:solidFill>
-                <a:effectLst/>
-                <a:latin typeface="Source Sans Pro" panose="020B0604020202020204" pitchFamily="34" charset="0"/>
-              </a:rPr>
-              <a:t>애플리케이션을 지원하는 스토리지 객체</a:t>
-            </a:r>
-            <a:r>
-              <a:rPr lang="en-US" altLang="ko-KR" b="0" i="0">
-                <a:solidFill>
-                  <a:srgbClr val="454545"/>
-                </a:solidFill>
-                <a:effectLst/>
-                <a:latin typeface="Source Sans Pro" panose="020B0604020202020204" pitchFamily="34" charset="0"/>
-              </a:rPr>
-              <a:t>. </a:t>
-            </a:r>
-            <a:r>
-              <a:rPr lang="en-US" altLang="ko-KR" b="0" i="0">
-                <a:solidFill>
-                  <a:srgbClr val="202122"/>
-                </a:solidFill>
-                <a:effectLst/>
-                <a:latin typeface="Arial" panose="020B0604020202020204" pitchFamily="34" charset="0"/>
-              </a:rPr>
-              <a:t> the amount of work an individual has to do</a:t>
-            </a:r>
-          </a:p>
-          <a:p>
-            <a:endParaRPr lang="en-US" altLang="ko-KR" b="0" i="0">
-              <a:solidFill>
-                <a:srgbClr val="0000CC"/>
-              </a:solidFill>
-              <a:effectLst/>
-              <a:latin typeface="Lucida Grande"/>
-            </a:endParaRPr>
-          </a:p>
-          <a:p>
-            <a:r>
               <a:rPr lang="en-US" altLang="ko-KR"/>
-              <a:t>Recent workload trends indicate rapid growth in the deployment of machine learning, genomics and scientific workloads on cloud computing infrastructure</a:t>
+              <a:t>Recent workload trends indicate rapid growth in the deployment of machine learning, genomics and scientific workloads on cloud computing infrastructure.</a:t>
             </a:r>
             <a:endParaRPr lang="en-US" altLang="ko-KR" b="0" i="0">
               <a:solidFill>
@@ -12665,7 +12613,13 @@
           <a:p>
             <a:r>
               <a:rPr lang="en-US" altLang="ko-KR"/>
-              <a:t>The cost and utility of training data points collected is important for low-overhead prediction and we address this problem using optimal experiment design, a statistical technique that allows us to select the most useful data points for training.</a:t>
+              <a:t>The cost and utility of training data points collected is important for low-overhead prediction </a:t>
+            </a:r>
+          </a:p>
+          <a:p>
+            <a:r>
+              <a:rPr lang="en-US" altLang="ko-KR"/>
+              <a:t>and they address this problem using optimal experiment design, a statistical technique that allows us to select the most useful data points for training.</a:t>
             </a:r>
           </a:p>
           <a:p>
@@ -12692,6 +12646,114 @@
               <a:rPr lang="en-US" altLang="ko-KR" strike="sngStrike"/>
               <a:t>The reason this approach works so well is because many advanced analytics workloads have a simple structure and the dependence between their running times and the input sizes or number of nodes is in general characterized by a relatively small number of smooth functions.</a:t>
             </a:r>
+          </a:p>
+          <a:p>
+            <a:r>
+              <a:rPr lang="ko-KR" altLang="en-US" b="0"/>
+              <a:t>대역폭 </a:t>
+            </a:r>
+            <a:r>
+              <a:rPr lang="en-US" altLang="ko-KR" b="0"/>
+              <a:t>Bandwith : </a:t>
+            </a:r>
+            <a:r>
+              <a:rPr lang="ko-KR" altLang="en-US" b="0" i="0">
+                <a:solidFill>
+                  <a:srgbClr val="0000CC"/>
+                </a:solidFill>
+                <a:effectLst/>
+                <a:latin typeface="Lucida Grande"/>
+              </a:rPr>
+              <a:t>일정 시간 동안 해당 버스를 통해 전송될 수 있는 데이터의 양</a:t>
+            </a:r>
+            <a:endParaRPr lang="en-US" altLang="ko-KR" b="0" i="0">
+              <a:solidFill>
+                <a:srgbClr val="0000CC"/>
+              </a:solidFill>
+              <a:effectLst/>
+              <a:latin typeface="Lucida Grande"/>
+            </a:endParaRPr>
+          </a:p>
+          <a:p>
+            <a:r>
+              <a:rPr lang="ko-KR" altLang="en-US" b="0" i="0">
+                <a:solidFill>
+                  <a:srgbClr val="0000CC"/>
+                </a:solidFill>
+                <a:effectLst/>
+                <a:latin typeface="Lucida Grande"/>
+              </a:rPr>
+              <a:t>워크로드 </a:t>
+            </a:r>
+            <a:r>
+              <a:rPr lang="en-US" altLang="ko-KR" b="0" i="0">
+                <a:solidFill>
+                  <a:srgbClr val="0000CC"/>
+                </a:solidFill>
+                <a:effectLst/>
+                <a:latin typeface="Lucida Grande"/>
+              </a:rPr>
+              <a:t>Workload :</a:t>
+            </a:r>
+            <a:r>
+              <a:rPr lang="ko-KR" altLang="en-US" b="0" i="0">
+                <a:solidFill>
+                  <a:srgbClr val="0000CC"/>
+                </a:solidFill>
+                <a:effectLst/>
+                <a:latin typeface="Lucida Grande"/>
+              </a:rPr>
+              <a:t> 주어진 기간에 시스템에 의해 실행되어야 할 직업의 할당량</a:t>
+            </a:r>
+            <a:r>
+              <a:rPr lang="en-US" altLang="ko-KR" b="0" i="0">
+                <a:solidFill>
+                  <a:srgbClr val="0000CC"/>
+                </a:solidFill>
+                <a:effectLst/>
+                <a:latin typeface="Lucida Grande"/>
+              </a:rPr>
+              <a:t>. </a:t>
+            </a:r>
+            <a:r>
+              <a:rPr lang="ko-KR" altLang="en-US" b="0" i="0">
+                <a:solidFill>
+                  <a:srgbClr val="454545"/>
+                </a:solidFill>
+                <a:effectLst/>
+                <a:latin typeface="Source Sans Pro" panose="020B0604020202020204" pitchFamily="34" charset="0"/>
+              </a:rPr>
+              <a:t>애플리케이션을 지원하는 스토리지 객체</a:t>
+            </a:r>
+            <a:r>
+              <a:rPr lang="en-US" altLang="ko-KR" b="0" i="0">
+                <a:solidFill>
+                  <a:srgbClr val="454545"/>
+                </a:solidFill>
+                <a:effectLst/>
+                <a:latin typeface="Source Sans Pro" panose="020B0604020202020204" pitchFamily="34" charset="0"/>
+              </a:rPr>
+              <a:t>. </a:t>
+            </a:r>
+            <a:r>
+              <a:rPr lang="en-US" altLang="ko-KR" b="0" i="0">
+                <a:solidFill>
+                  <a:srgbClr val="202122"/>
+                </a:solidFill>
+                <a:effectLst/>
+                <a:latin typeface="Arial" panose="020B0604020202020204" pitchFamily="34" charset="0"/>
+              </a:rPr>
+              <a:t> the amount of work an individual has to do</a:t>
+            </a:r>
+          </a:p>
+          <a:p>
+            <a:endParaRPr lang="en-US" altLang="ko-KR" b="0" i="0">
+              <a:solidFill>
+                <a:srgbClr val="0000CC"/>
+              </a:solidFill>
+              <a:effectLst/>
+              <a:latin typeface="Lucida Grande"/>
+            </a:endParaRPr>
           </a:p>
           <a:p>
             <a:endParaRPr lang="ko-KR" altLang="en-US" b="0" strike="sngStrike" dirty="0"/>
@@ -12786,6 +12848,29 @@
                 <a:effectLst/>
                 <a:latin typeface="Roboto Slab"/>
               </a:rPr>
+              <a:t>For the background, first </a:t>
+            </a:r>
+            <a:r>
+              <a:rPr lang="en-US" altLang="ko-KR"/>
+              <a:t>is about the performance prediction. </a:t>
+            </a:r>
+            <a:endParaRPr lang="en-US" altLang="ko-KR" b="0" i="0">
+              <a:solidFill>
+                <a:srgbClr val="000000"/>
+              </a:solidFill>
+              <a:effectLst/>
+              <a:latin typeface="Roboto Slab"/>
+            </a:endParaRPr>
+          </a:p>
+          <a:p>
+            <a:r>
+              <a:rPr lang="en-US" altLang="ko-KR" b="0" i="0">
+                <a:solidFill>
+                  <a:srgbClr val="000000"/>
+                </a:solidFill>
+                <a:effectLst/>
+                <a:latin typeface="Roboto Slab"/>
+              </a:rPr>
               <a:t>The main steps in building a predictive model are determining the data points to collect; determining what features should be derived from the training data; </a:t>
             </a:r>
           </a:p>
@@ -12824,7 +12909,13 @@
           <a:p>
             <a:r>
               <a:rPr lang="en-US" altLang="ko-KR"/>
-              <a:t>As an example of an advanced analytics job, right figure shows a machine learning pipline used for Speech recognition on TIMIT dataset. (The pipeline trains a model using kernel SVMs and the execution DAG)</a:t>
+              <a:t>As an example of an advanced analytics job, this figure shows a machine learning pipline used for Speech recognition on TIMIT dataset. </a:t>
+            </a:r>
+          </a:p>
+          <a:p>
+            <a:r>
+              <a:rPr lang="en-US" altLang="ko-KR" strike="sngStrike"/>
+              <a:t>(The pipeline trains a model using kernel SVMs and the execution DAG)</a:t>
             </a:r>
           </a:p>
           <a:p>
@@ -13126,10 +13217,36 @@
           <a:bodyPr/>
           <a:lstStyle/>
           <a:p>
+            <a:pPr marL="0" marR="0" lvl="0" indent="0" algn="l" defTabSz="914400" rtl="0" eaLnBrk="1" fontAlgn="auto" latinLnBrk="1" hangingPunct="1">
+              <a:lnSpc>
+                <a:spcPct val="100000"/>
+              </a:lnSpc>
+              <a:spcBef>
+                <a:spcPts val="0"/>
+              </a:spcBef>
+              <a:spcAft>
+                <a:spcPts val="0"/>
+              </a:spcAft>
+              <a:buClrTx/>
+              <a:buSzTx/>
+              <a:buFontTx/>
+              <a:buNone/>
+              <a:tabLst/>
+              <a:defRPr/>
+            </a:pPr>
             <a:r>
               <a:rPr lang="en-US" altLang="ko-KR"/>
-              <a:t>Next is about design of the performance model.</a:t>
-            </a:r>
+              <a:t>For this section, I will outline a model for predicting execution time of advanced analytics jobs. </a:t>
+            </a:r>
+          </a:p>
+          <a:p>
+            <a:endParaRPr lang="en-US" altLang="ko-KR" b="0" i="0">
+              <a:solidFill>
+                <a:schemeClr val="tx1"/>
+              </a:solidFill>
+              <a:effectLst/>
+              <a:latin typeface="+mn-lt"/>
+            </a:endParaRPr>
           </a:p>
           <a:p>
             <a:r>
@@ -13562,7 +13679,13 @@
           <a:p>
             <a:r>
               <a:rPr lang="en-US" altLang="ko-KR" b="0"/>
-              <a:t>Now such a model formulation is defined, the next step is to collect some training data and then we can use some off-the-shelf libraries in order to fit the model that they are going to use for the system</a:t>
+              <a:t>Now such a model formulation is defined, </a:t>
+            </a:r>
+          </a:p>
+          <a:p>
+            <a:r>
+              <a:rPr lang="en-US" altLang="ko-KR" b="0"/>
+              <a:t>** the next step is to collect some training data and then we can use some off-the-shelf libraries in order to fit the model that they are going to use for the system</a:t>
             </a:r>
           </a:p>
           <a:p>
@@ -13652,6 +13775,12 @@
           <a:p>
             <a:r>
               <a:rPr lang="en-US" altLang="ko-KR"/>
+              <a:t>The next step is to collect training data points for building a predictive model. </a:t>
+            </a:r>
+          </a:p>
+          <a:p>
+            <a:r>
+              <a:rPr lang="en-US" altLang="ko-KR"/>
               <a:t>One of the main challenges in predictive modeling is minimizing the time spent on collecting training data while achieving good enough accuracy</a:t>
             </a:r>
           </a:p>
@@ -14086,18 +14215,15 @@
             </a:r>
           </a:p>
           <a:p>
-            <a:endParaRPr lang="en-US" altLang="ko-KR"/>
-          </a:p>
-          <a:p>
             <a:r>
               <a:rPr lang="en-US" altLang="ko-KR"/>
-              <a:t>We evaluate how well Ernest works by using two metrics: the prediction accuracy and the overhead of training for long-running machine learning jobs.</a:t>
+              <a:t>The paper evaluate how well Ernest works by using two metrics: the prediction accuracy and the overhead of training for long-running machine learning jobs.</a:t>
             </a:r>
           </a:p>
           <a:p>
             <a:r>
               <a:rPr lang="en-US" altLang="ko-KR"/>
-              <a:t>In experiments where we measure accuracy, or how close a prediction is to the actual job completion time, </a:t>
+              <a:t>In experiments where to measure accuracy, or how close a prediction is to the actual job completion time, </a:t>
             </a:r>
           </a:p>
           <a:p>
@@ -14263,7 +14389,7 @@
           <a:p>
             <a:r>
               <a:rPr lang="en-US" altLang="ko-KR"/>
-              <a:t>When users have a fixed-time or fixed-cost budget it is often tricky to figure out how many instances should be used for a job as the communication vs. computation trade-off is hard to determine for a given workload.</a:t>
+              <a:t>When users have a fixed-time or fixed-cost budget it is often tricky to figure out how many instances should be used for a job as the communication vs. computation trade-off is hard to determine for a given workload. In here, they use Ernest’s predictions to determine the optimum number of instances.</a:t>
             </a:r>
           </a:p>
           <a:p>
@@ -14294,18 +14420,21 @@
             <a:endParaRPr lang="en-US" altLang="ko-KR"/>
           </a:p>
           <a:p>
-            <a:endParaRPr lang="en-US" altLang="ko-KR"/>
-          </a:p>
-          <a:p>
             <a:r>
               <a:rPr lang="en-US" altLang="ko-KR"/>
-              <a:t>We next evaluate the benefits of using optimal experiment design in Ernest. </a:t>
+              <a:t>Then they evaluate the benefits of using optimal experiment design in Ernest. </a:t>
             </a:r>
           </a:p>
           <a:p>
             <a:r>
               <a:rPr lang="en-US" altLang="ko-KR"/>
-              <a:t>We compare experiment design to a greedy scheme where all the candidate training data points are sorted in increasing order of cost and we pick training points to match the cost of the points chosen in experiment design.</a:t>
+              <a:t>They compare experiment design to a greedy scheme where all the candidate training data points are sorted in increasing order of cost </a:t>
+            </a:r>
+          </a:p>
+          <a:p>
+            <a:r>
+              <a:rPr lang="en-US" altLang="ko-KR"/>
+              <a:t>and they pick training points to match the cost of the points chosen in experiment design.</a:t>
             </a:r>
           </a:p>
           <a:p>
@@ -14447,6 +14576,51 @@
             <a:r>
               <a:rPr lang="en-US" altLang="ko-KR"/>
               <a:t>and in order to reduce the amount of time spent in collecting data, they use techniques from optimal experiment design.</a:t>
+            </a:r>
+          </a:p>
+          <a:p>
+            <a:endParaRPr lang="en-US" altLang="ko-KR"/>
+          </a:p>
+          <a:p>
+            <a:endParaRPr lang="en-US" altLang="ko-KR"/>
+          </a:p>
+          <a:p>
+            <a:r>
+              <a:rPr lang="en-US" altLang="ko-KR"/>
+              <a:t>1. Problem : workload trends is users use advanced analytics in the cloud - large scale machine learning workload (like image classification models, speech recognition on the phone …)</a:t>
+            </a:r>
+          </a:p>
+          <a:p>
+            <a:pPr marL="0" indent="0">
+              <a:lnSpc>
+                <a:spcPct val="150000"/>
+              </a:lnSpc>
+              <a:buFont typeface="Wingdings" panose="05000000000000000000" pitchFamily="2" charset="2"/>
+              <a:buNone/>
+            </a:pPr>
+            <a:r>
+              <a:rPr lang="en-US" altLang="ko-KR" sz="1400"/>
+              <a:t>2. A new approach that can </a:t>
+            </a:r>
+            <a:r>
+              <a:rPr lang="en-US" altLang="ko-KR" sz="1400" u="sng"/>
+              <a:t>accurately predict the performance of a given analytics job (large scale analytics)</a:t>
+            </a:r>
+          </a:p>
+          <a:p>
+            <a:r>
+              <a:rPr lang="en-US" altLang="ko-KR"/>
+              <a:t>3. </a:t>
+            </a:r>
+            <a:r>
+              <a:rPr lang="en-US" altLang="ko-KR" b="0" i="0">
+                <a:solidFill>
+                  <a:srgbClr val="000000"/>
+                </a:solidFill>
+                <a:effectLst/>
+                <a:latin typeface="noto"/>
+              </a:rPr>
+              <a:t>It was surprising that the model was made with a simple formula and good at prediction</a:t>
             </a:r>
           </a:p>
           <a:p>
@@ -14640,7 +14814,7 @@
           <a:p>
             <a:fld id="{63E8814C-6E53-4AF6-982F-4D0EFBD81B05}" type="datetimeFigureOut">
               <a:rPr lang="ko-KR" altLang="en-US" smtClean="0"/>
-              <a:t>2022-11-21</a:t>
+              <a:t>2022-11-22</a:t>
             </a:fld>
             <a:endParaRPr lang="ko-KR" altLang="en-US"/>
           </a:p>
@@ -14864,7 +15038,7 @@
           <a:p>
             <a:fld id="{63E8814C-6E53-4AF6-982F-4D0EFBD81B05}" type="datetimeFigureOut">
               <a:rPr lang="ko-KR" altLang="en-US" smtClean="0"/>
-              <a:t>2022-11-21</a:t>
+              <a:t>2022-11-22</a:t>
             </a:fld>
             <a:endParaRPr lang="ko-KR" altLang="en-US"/>
           </a:p>
@@ -15155,7 +15329,7 @@
           <a:p>
             <a:fld id="{63E8814C-6E53-4AF6-982F-4D0EFBD81B05}" type="datetimeFigureOut">
               <a:rPr lang="ko-KR" altLang="en-US" smtClean="0"/>
-              <a:t>2022-11-21</a:t>
+              <a:t>2022-11-22</a:t>
             </a:fld>
             <a:endParaRPr lang="ko-KR" altLang="en-US"/>
           </a:p>
@@ -17239,21 +17413,18 @@
                 <a:solidFill>
                   <a:srgbClr val="FF7575"/>
                 </a:solidFill>
-                <a:latin typeface="Arial" panose="020B0604020202020204" pitchFamily="34" charset="0"/>
                 <a:cs typeface="Arial" panose="020B0604020202020204" pitchFamily="34" charset="0"/>
               </a:rPr>
               <a:t>Ernest</a:t>
             </a:r>
             <a:r>
               <a:rPr lang="en-US" altLang="ko-KR" sz="1400" b="1">
-                <a:latin typeface="Arial" panose="020B0604020202020204" pitchFamily="34" charset="0"/>
                 <a:cs typeface="Arial" panose="020B0604020202020204" pitchFamily="34" charset="0"/>
               </a:rPr>
               <a:t> </a:t>
             </a:r>
             <a:r>
               <a:rPr lang="en-US" altLang="ko-KR" sz="1400">
-                <a:latin typeface="Arial" panose="020B0604020202020204" pitchFamily="34" charset="0"/>
                 <a:cs typeface="Arial" panose="020B0604020202020204" pitchFamily="34" charset="0"/>
               </a:rPr>
               <a:t>(A performance prediction framework for large scale analytics)</a:t>
@@ -17465,7 +17636,7 @@
             </a:pPr>
             <a:r>
               <a:rPr lang="en-US" altLang="ko-KR" sz="1400"/>
-              <a:t>Workload trends : advanced analytics (machine learning, genomics, scientific)</a:t>
+              <a:t>Workload trends : Advanced Analytics (machine learning, genomics, scientific)</a:t>
             </a:r>
           </a:p>
           <a:p>
@@ -17486,7 +17657,6 @@
                   <a:srgbClr val="4D6BED"/>
                 </a:solidFill>
                 <a:effectLst/>
-                <a:latin typeface="Roboto Slab"/>
               </a:rPr>
               <a:t>predicting</a:t>
             </a:r>
@@ -17496,7 +17666,6 @@
                   <a:srgbClr val="4D6BED"/>
                 </a:solidFill>
                 <a:effectLst/>
-                <a:latin typeface="Roboto Slab"/>
               </a:rPr>
               <a:t> the most efficient configuration for </a:t>
             </a:r>
@@ -17506,7 +17675,6 @@
                   <a:srgbClr val="4D6BED"/>
                 </a:solidFill>
                 <a:effectLst/>
-                <a:latin typeface="Roboto Slab"/>
               </a:rPr>
               <a:t>large advanced analytics applications </a:t>
             </a:r>
@@ -17516,7 +17684,6 @@
                   <a:srgbClr val="4D6BED"/>
                 </a:solidFill>
                 <a:effectLst/>
-                <a:latin typeface="Roboto Slab"/>
               </a:rPr>
               <a:t>in a heterogeneous multi-tenant environments</a:t>
             </a:r>
@@ -17530,28 +17697,23 @@
               <a:buChar char="•"/>
             </a:pPr>
             <a:r>
-              <a:rPr lang="en-US" altLang="ko-KR" sz="1400">
-                <a:latin typeface="Roboto Slab"/>
-              </a:rPr>
+              <a:rPr lang="en-US" altLang="ko-KR" sz="1400"/>
               <a:t>User’s goal : </a:t>
             </a:r>
             <a:r>
               <a:rPr lang="en-US" altLang="ko-KR" sz="1400" b="0" i="0">
                 <a:effectLst/>
-                <a:latin typeface="Roboto Slab"/>
               </a:rPr>
               <a:t>Minimizing the running time given a budget </a:t>
             </a:r>
             <a:br>
               <a:rPr lang="en-US" altLang="ko-KR" sz="1400" b="0" i="0">
                 <a:effectLst/>
-                <a:latin typeface="Roboto Slab"/>
               </a:rPr>
             </a:br>
             <a:r>
               <a:rPr lang="en-US" altLang="ko-KR" sz="1400" b="0" i="0">
                 <a:effectLst/>
-                <a:latin typeface="Roboto Slab"/>
               </a:rPr>
               <a:t>                     / Meeting a deadline while minimizing the cost</a:t>
             </a:r>
@@ -18098,7 +18260,7 @@
         </p:nvSpPr>
         <p:spPr>
           <a:xfrm>
-            <a:off x="472540" y="3253405"/>
+            <a:off x="472540" y="3196255"/>
             <a:ext cx="2361216" cy="416011"/>
           </a:xfrm>
           <a:prstGeom prst="rect">
@@ -18140,7 +18302,6 @@
                 <a:effectLst/>
                 <a:uLnTx/>
                 <a:uFillTx/>
-                <a:latin typeface="Arial"/>
                 <a:ea typeface="맑은 고딕"/>
                 <a:cs typeface="+mn-cs"/>
               </a:rPr>
@@ -18187,7 +18348,6 @@
             <a:r>
               <a:rPr lang="en-US" altLang="ko-KR" sz="1400" b="0" i="0">
                 <a:effectLst/>
-                <a:latin typeface="Roboto Slab"/>
               </a:rPr>
               <a:t>Numerically Intensive</a:t>
             </a:r>
@@ -18201,9 +18361,7 @@
               <a:buChar char="Ø"/>
             </a:pPr>
             <a:r>
-              <a:rPr lang="en-US" altLang="ko-KR" sz="1400">
-                <a:latin typeface="Roboto Slab"/>
-              </a:rPr>
+              <a:rPr lang="en-US" altLang="ko-KR" sz="1400"/>
               <a:t>Sensitive to the number of cores and bandwidth available</a:t>
             </a:r>
           </a:p>
@@ -18218,27 +18376,23 @@
             <a:r>
               <a:rPr lang="en-US" altLang="ko-KR" sz="1400" b="0" i="0">
                 <a:effectLst/>
-                <a:latin typeface="Roboto Slab"/>
               </a:rPr>
               <a:t>Long running </a:t>
             </a:r>
             <a:br>
               <a:rPr lang="en-US" altLang="ko-KR" sz="1400" b="0" i="0">
                 <a:effectLst/>
-                <a:latin typeface="Roboto Slab"/>
               </a:rPr>
             </a:br>
             <a:r>
               <a:rPr lang="ko-KR" altLang="en-US" sz="1400" b="0" i="0">
                 <a:effectLst/>
-                <a:latin typeface="Roboto Slab"/>
               </a:rPr>
               <a:t>→</a:t>
             </a:r>
             <a:r>
               <a:rPr lang="en-US" altLang="ko-KR" sz="1400" b="0" i="0">
                 <a:effectLst/>
-                <a:latin typeface="Roboto Slab"/>
               </a:rPr>
               <a:t> expensive to run on large datasets</a:t>
             </a:r>
@@ -18315,9 +18469,8 @@
                   <a:srgbClr val="000000"/>
                 </a:solidFill>
                 <a:effectLst/>
-                <a:latin typeface="Roboto Slab"/>
               </a:rPr>
-              <a:t>The main steps in building a predictive model </a:t>
+              <a:t>The main steps in building, a predictive model are</a:t>
             </a:r>
           </a:p>
           <a:p>
@@ -18334,7 +18487,6 @@
                   <a:srgbClr val="000000"/>
                 </a:solidFill>
                 <a:effectLst/>
-                <a:latin typeface="Roboto Slab"/>
               </a:rPr>
               <a:t>Determining the </a:t>
             </a:r>
@@ -18344,7 +18496,6 @@
                   <a:srgbClr val="4D6BED"/>
                 </a:solidFill>
                 <a:effectLst/>
-                <a:latin typeface="Roboto Slab"/>
               </a:rPr>
               <a:t>data points</a:t>
             </a:r>
@@ -18354,7 +18505,6 @@
                   <a:srgbClr val="000000"/>
                 </a:solidFill>
                 <a:effectLst/>
-                <a:latin typeface="Roboto Slab"/>
               </a:rPr>
               <a:t> to collect </a:t>
             </a:r>
@@ -18364,7 +18514,6 @@
                   <a:srgbClr val="000000"/>
                 </a:solidFill>
                 <a:effectLst/>
-                <a:latin typeface="Roboto Slab"/>
               </a:rPr>
             </a:br>
             <a:r>
@@ -18373,7 +18522,6 @@
                   <a:srgbClr val="000000"/>
                 </a:solidFill>
                 <a:effectLst/>
-                <a:latin typeface="Roboto Slab"/>
               </a:rPr>
               <a:t>= determining what features should be derived from the training data</a:t>
             </a:r>
@@ -18392,7 +18540,6 @@
                   <a:srgbClr val="000000"/>
                 </a:solidFill>
                 <a:effectLst/>
-                <a:latin typeface="Roboto Slab"/>
               </a:rPr>
               <a:t>Performing feature selection to pick the </a:t>
             </a:r>
@@ -18402,7 +18549,6 @@
                   <a:srgbClr val="4D6BED"/>
                 </a:solidFill>
                 <a:effectLst/>
-                <a:latin typeface="Roboto Slab"/>
               </a:rPr>
               <a:t>simplest model </a:t>
             </a:r>
@@ -18412,7 +18558,6 @@
                   <a:srgbClr val="000000"/>
                 </a:solidFill>
                 <a:effectLst/>
-                <a:latin typeface="Roboto Slab"/>
               </a:rPr>
               <a:t>that best fits the data</a:t>
             </a:r>
@@ -18538,15 +18683,11 @@
                 <a:effectLst/>
                 <a:uLnTx/>
                 <a:uFillTx/>
-                <a:latin typeface="Roboto Slab"/>
                 <a:ea typeface="맑은 고딕"/>
-                <a:cs typeface="+mn-cs"/>
               </a:rPr>
               <a:t>All-to-one(collect)</a:t>
             </a:r>
-            <a:endParaRPr lang="en-US" altLang="ko-KR" sz="1400">
-              <a:latin typeface="Roboto Slab"/>
-            </a:endParaRPr>
+            <a:endParaRPr lang="en-US" altLang="ko-KR" sz="1400"/>
           </a:p>
           <a:p>
             <a:pPr marL="285750" indent="-285750">
@@ -18557,9 +18698,7 @@
               <a:buChar char="•"/>
             </a:pPr>
             <a:r>
-              <a:rPr lang="en-US" altLang="ko-KR" sz="1400">
-                <a:latin typeface="Roboto Slab"/>
-              </a:rPr>
+              <a:rPr lang="en-US" altLang="ko-KR" sz="1400"/>
               <a:t>Tree aggregation </a:t>
             </a:r>
           </a:p>
@@ -18574,7 +18713,6 @@
             <a:r>
               <a:rPr lang="en-US" altLang="ko-KR" sz="1400" b="0" i="0">
                 <a:effectLst/>
-                <a:latin typeface="Roboto Slab"/>
               </a:rPr>
               <a:t>Shuffle : many to many</a:t>
             </a:r>
@@ -18864,9 +19002,7 @@
               <a:buChar char="ü"/>
             </a:pPr>
             <a:r>
-              <a:rPr lang="en-US" altLang="ko-KR" sz="1400">
-                <a:latin typeface="Roboto Slab"/>
-              </a:rPr>
+              <a:rPr lang="en-US" altLang="ko-KR" sz="1400"/>
               <a:t>Total time</a:t>
             </a:r>
           </a:p>
@@ -18881,7 +19017,6 @@
             <a:r>
               <a:rPr lang="en-US" altLang="ko-KR" sz="1400" b="0" i="0">
                 <a:effectLst/>
-                <a:latin typeface="Roboto Slab"/>
               </a:rPr>
               <a:t>Computation</a:t>
             </a:r>
@@ -18895,14 +19030,11 @@
               <a:buChar char="•"/>
             </a:pPr>
             <a:r>
-              <a:rPr lang="en-US" altLang="ko-KR" sz="1400">
-                <a:latin typeface="Roboto Slab"/>
-              </a:rPr>
+              <a:rPr lang="en-US" altLang="ko-KR" sz="1400"/>
               <a:t>Communication</a:t>
             </a:r>
             <a:endParaRPr lang="en-US" altLang="ko-KR" sz="1400" b="0" i="0">
               <a:effectLst/>
-              <a:latin typeface="Roboto Slab"/>
             </a:endParaRPr>
           </a:p>
         </p:txBody>
@@ -18947,7 +19079,6 @@
             <a:r>
               <a:rPr lang="en-US" altLang="ko-KR" sz="1600" b="1" i="0">
                 <a:effectLst/>
-                <a:latin typeface="Roboto Slab"/>
               </a:rPr>
               <a:t>Basic model</a:t>
             </a:r>
@@ -19136,8 +19267,8 @@
           </p:txBody>
         </p:sp>
       </p:grpSp>
-      <mc:AlternateContent xmlns:mc="http://schemas.openxmlformats.org/markup-compatibility/2006" xmlns:a14="http://schemas.microsoft.com/office/drawing/2010/main">
-        <mc:Choice Requires="a14">
+      <mc:AlternateContent xmlns:mc="http://schemas.openxmlformats.org/markup-compatibility/2006">
+        <mc:Choice xmlns:a14="http://schemas.microsoft.com/office/drawing/2010/main" Requires="a14">
           <p:sp>
             <p:nvSpPr>
               <p:cNvPr id="20" name="TextBox 19">
@@ -19176,25 +19307,20 @@
                     </m:oMathParaPr>
                     <m:oMath xmlns:m="http://schemas.openxmlformats.org/officeDocument/2006/math">
                       <m:r>
-                        <a:rPr lang="en-US" altLang="ko-KR" b="0" i="1" smtClean="0">
-                          <a:latin typeface="Cambria Math" panose="02040503050406030204" pitchFamily="18" charset="0"/>
-                        </a:rPr>
+                        <a:rPr lang="en-US" altLang="ko-KR" b="0" i="1" smtClean="0"/>
                         <m:t>𝑡𝑖𝑚𝑒</m:t>
                       </m:r>
                       <m:r>
                         <m:rPr>
                           <m:nor/>
                         </m:rPr>
-                        <a:rPr lang="en-US" altLang="ko-KR" b="0" i="0" smtClean="0">
-                          <a:latin typeface="Cambria Math" panose="02040503050406030204" pitchFamily="18" charset="0"/>
-                        </a:rPr>
+                        <a:rPr lang="en-US" altLang="ko-KR" b="0" i="0" smtClean="0"/>
                         <m:t>=</m:t>
                       </m:r>
                       <m:sSub>
                         <m:sSubPr>
                           <m:ctrlPr>
                             <a:rPr lang="en-US" altLang="ko-KR" b="0" i="1" smtClean="0">
-                              <a:latin typeface="Cambria Math" panose="02040503050406030204" pitchFamily="18" charset="0"/>
                               <a:ea typeface="Cambria Math" panose="02040503050406030204" pitchFamily="18" charset="0"/>
                             </a:rPr>
                           </m:ctrlPr>
@@ -19205,7 +19331,6 @@
                               <m:sty m:val="p"/>
                             </m:rPr>
                             <a:rPr lang="el-GR" altLang="ko-KR" b="0" i="1" smtClean="0">
-                              <a:latin typeface="Cambria Math" panose="02040503050406030204" pitchFamily="18" charset="0"/>
                               <a:ea typeface="Cambria Math" panose="02040503050406030204" pitchFamily="18" charset="0"/>
                             </a:rPr>
                             <m:t>θ</m:t>
@@ -19214,7 +19339,6 @@
                         <m:sub>
                           <m:r>
                             <a:rPr lang="en-US" altLang="ko-KR" b="0" i="1" smtClean="0">
-                              <a:latin typeface="Cambria Math" panose="02040503050406030204" pitchFamily="18" charset="0"/>
                               <a:ea typeface="Cambria Math" panose="02040503050406030204" pitchFamily="18" charset="0"/>
                             </a:rPr>
                             <m:t>0</m:t>
@@ -19223,7 +19347,6 @@
                       </m:sSub>
                       <m:r>
                         <a:rPr lang="en-US" altLang="ko-KR" b="0" i="1" smtClean="0">
-                          <a:latin typeface="Cambria Math" panose="02040503050406030204" pitchFamily="18" charset="0"/>
                           <a:ea typeface="Cambria Math" panose="02040503050406030204" pitchFamily="18" charset="0"/>
                         </a:rPr>
                         <m:t>+</m:t>
@@ -19232,7 +19355,6 @@
                         <m:sSubPr>
                           <m:ctrlPr>
                             <a:rPr lang="en-US" altLang="ko-KR" i="1">
-                              <a:latin typeface="Cambria Math" panose="02040503050406030204" pitchFamily="18" charset="0"/>
                               <a:ea typeface="Cambria Math" panose="02040503050406030204" pitchFamily="18" charset="0"/>
                             </a:rPr>
                           </m:ctrlPr>
@@ -19243,7 +19365,6 @@
                               <m:sty m:val="p"/>
                             </m:rPr>
                             <a:rPr lang="el-GR" altLang="ko-KR" i="1">
-                              <a:latin typeface="Cambria Math" panose="02040503050406030204" pitchFamily="18" charset="0"/>
                               <a:ea typeface="Cambria Math" panose="02040503050406030204" pitchFamily="18" charset="0"/>
                             </a:rPr>
                             <m:t>θ</m:t>
@@ -19252,7 +19373,6 @@
                         <m:sub>
                           <m:r>
                             <a:rPr lang="en-US" altLang="ko-KR" b="0" i="1" smtClean="0">
-                              <a:latin typeface="Cambria Math" panose="02040503050406030204" pitchFamily="18" charset="0"/>
                               <a:ea typeface="Cambria Math" panose="02040503050406030204" pitchFamily="18" charset="0"/>
                             </a:rPr>
                             <m:t>1</m:t>
@@ -19261,28 +19381,24 @@
                       </m:sSub>
                       <m:r>
                         <a:rPr lang="en-US" altLang="ko-KR" i="1">
-                          <a:latin typeface="Cambria Math" panose="02040503050406030204" pitchFamily="18" charset="0"/>
                           <a:ea typeface="Cambria Math" panose="02040503050406030204" pitchFamily="18" charset="0"/>
                         </a:rPr>
                         <m:t>×</m:t>
                       </m:r>
                       <m:r>
                         <a:rPr lang="en-US" altLang="ko-KR" b="0" i="1" smtClean="0">
-                          <a:latin typeface="Cambria Math" panose="02040503050406030204" pitchFamily="18" charset="0"/>
                           <a:ea typeface="Cambria Math" panose="02040503050406030204" pitchFamily="18" charset="0"/>
                         </a:rPr>
                         <m:t>(</m:t>
                       </m:r>
                       <m:r>
                         <a:rPr lang="en-US" altLang="ko-KR" b="0" i="1" smtClean="0">
-                          <a:latin typeface="Cambria Math" panose="02040503050406030204" pitchFamily="18" charset="0"/>
                           <a:ea typeface="Cambria Math" panose="02040503050406030204" pitchFamily="18" charset="0"/>
                         </a:rPr>
                         <m:t>𝑠𝑐𝑎𝑙𝑒</m:t>
                       </m:r>
                       <m:r>
                         <a:rPr lang="en-US" altLang="ko-KR" b="0" i="1" smtClean="0">
-                          <a:latin typeface="Cambria Math" panose="02040503050406030204" pitchFamily="18" charset="0"/>
                           <a:ea typeface="Cambria Math" panose="02040503050406030204" pitchFamily="18" charset="0"/>
                         </a:rPr>
                         <m:t>×</m:t>
@@ -19291,7 +19407,6 @@
                         <m:fPr>
                           <m:ctrlPr>
                             <a:rPr lang="en-US" altLang="ko-KR" b="0" i="1" smtClean="0">
-                              <a:latin typeface="Cambria Math" panose="02040503050406030204" pitchFamily="18" charset="0"/>
                               <a:ea typeface="Cambria Math" panose="02040503050406030204" pitchFamily="18" charset="0"/>
                             </a:rPr>
                           </m:ctrlPr>
@@ -19299,7 +19414,6 @@
                         <m:num>
                           <m:r>
                             <a:rPr lang="en-US" altLang="ko-KR" b="0" i="1" smtClean="0">
-                              <a:latin typeface="Cambria Math" panose="02040503050406030204" pitchFamily="18" charset="0"/>
                               <a:ea typeface="Cambria Math" panose="02040503050406030204" pitchFamily="18" charset="0"/>
                             </a:rPr>
                             <m:t>1</m:t>
@@ -19308,7 +19422,6 @@
                         <m:den>
                           <m:r>
                             <a:rPr lang="en-US" altLang="ko-KR" i="1">
-                              <a:latin typeface="Cambria Math" panose="02040503050406030204" pitchFamily="18" charset="0"/>
                               <a:ea typeface="Cambria Math" panose="02040503050406030204" pitchFamily="18" charset="0"/>
                             </a:rPr>
                             <m:t>𝑚𝑎𝑐h𝑖𝑛𝑒𝑠</m:t>
@@ -19320,7 +19433,6 @@
                           <m:nor/>
                         </m:rPr>
                         <a:rPr lang="en-US" altLang="ko-KR" b="0" i="0" smtClean="0">
-                          <a:latin typeface="Cambria Math" panose="02040503050406030204" pitchFamily="18" charset="0"/>
                           <a:ea typeface="Cambria Math" panose="02040503050406030204" pitchFamily="18" charset="0"/>
                         </a:rPr>
                         <m:t>)+</m:t>
@@ -19329,7 +19441,6 @@
                         <m:sSubPr>
                           <m:ctrlPr>
                             <a:rPr lang="en-US" altLang="ko-KR" i="1" smtClean="0">
-                              <a:latin typeface="Cambria Math" panose="02040503050406030204" pitchFamily="18" charset="0"/>
                               <a:ea typeface="Cambria Math" panose="02040503050406030204" pitchFamily="18" charset="0"/>
                             </a:rPr>
                           </m:ctrlPr>
@@ -19340,7 +19451,6 @@
                               <m:sty m:val="p"/>
                             </m:rPr>
                             <a:rPr lang="el-GR" altLang="ko-KR" i="1">
-                              <a:latin typeface="Cambria Math" panose="02040503050406030204" pitchFamily="18" charset="0"/>
                               <a:ea typeface="Cambria Math" panose="02040503050406030204" pitchFamily="18" charset="0"/>
                             </a:rPr>
                             <m:t>θ</m:t>
@@ -19349,7 +19459,6 @@
                         <m:sub>
                           <m:r>
                             <a:rPr lang="en-US" altLang="ko-KR" b="0" i="1" smtClean="0">
-                              <a:latin typeface="Cambria Math" panose="02040503050406030204" pitchFamily="18" charset="0"/>
                               <a:ea typeface="Cambria Math" panose="02040503050406030204" pitchFamily="18" charset="0"/>
                             </a:rPr>
                             <m:t>2</m:t>
@@ -19358,7 +19467,6 @@
                       </m:sSub>
                       <m:r>
                         <a:rPr lang="en-US" altLang="ko-KR" i="1">
-                          <a:latin typeface="Cambria Math" panose="02040503050406030204" pitchFamily="18" charset="0"/>
                           <a:ea typeface="Cambria Math" panose="02040503050406030204" pitchFamily="18" charset="0"/>
                         </a:rPr>
                         <m:t>×</m:t>
@@ -19367,7 +19475,6 @@
                         <m:funcPr>
                           <m:ctrlPr>
                             <a:rPr lang="en-US" altLang="ko-KR" b="0" i="1" smtClean="0">
-                              <a:latin typeface="Cambria Math" panose="02040503050406030204" pitchFamily="18" charset="0"/>
                               <a:ea typeface="Cambria Math" panose="02040503050406030204" pitchFamily="18" charset="0"/>
                             </a:rPr>
                           </m:ctrlPr>
@@ -19378,7 +19485,6 @@
                               <m:sty m:val="p"/>
                             </m:rPr>
                             <a:rPr lang="en-US" altLang="ko-KR" b="0" i="0" smtClean="0">
-                              <a:latin typeface="Cambria Math" panose="02040503050406030204" pitchFamily="18" charset="0"/>
                               <a:ea typeface="Cambria Math" panose="02040503050406030204" pitchFamily="18" charset="0"/>
                             </a:rPr>
                             <m:t>log</m:t>
@@ -19389,7 +19495,6 @@
                             <m:dPr>
                               <m:ctrlPr>
                                 <a:rPr lang="en-US" altLang="ko-KR" b="0" i="1" smtClean="0">
-                                  <a:latin typeface="Cambria Math" panose="02040503050406030204" pitchFamily="18" charset="0"/>
                                   <a:ea typeface="Cambria Math" panose="02040503050406030204" pitchFamily="18" charset="0"/>
                                 </a:rPr>
                               </m:ctrlPr>
@@ -19397,7 +19502,6 @@
                             <m:e>
                               <m:r>
                                 <a:rPr lang="en-US" altLang="ko-KR" b="0" i="1" smtClean="0">
-                                  <a:latin typeface="Cambria Math" panose="02040503050406030204" pitchFamily="18" charset="0"/>
                                   <a:ea typeface="Cambria Math" panose="02040503050406030204" pitchFamily="18" charset="0"/>
                                 </a:rPr>
                                 <m:t>𝑚𝑎𝑐h𝑖𝑛𝑒𝑠</m:t>
@@ -19408,7 +19512,6 @@
                       </m:func>
                       <m:r>
                         <a:rPr lang="en-US" altLang="ko-KR" b="0" i="1" smtClean="0">
-                          <a:latin typeface="Cambria Math" panose="02040503050406030204" pitchFamily="18" charset="0"/>
                           <a:ea typeface="Cambria Math" panose="02040503050406030204" pitchFamily="18" charset="0"/>
                         </a:rPr>
                         <m:t>+</m:t>
@@ -19417,7 +19520,6 @@
                         <m:sSubPr>
                           <m:ctrlPr>
                             <a:rPr lang="en-US" altLang="ko-KR" i="1">
-                              <a:latin typeface="Cambria Math" panose="02040503050406030204" pitchFamily="18" charset="0"/>
                               <a:ea typeface="Cambria Math" panose="02040503050406030204" pitchFamily="18" charset="0"/>
                             </a:rPr>
                           </m:ctrlPr>
@@ -19428,7 +19530,6 @@
                               <m:sty m:val="p"/>
                             </m:rPr>
                             <a:rPr lang="el-GR" altLang="ko-KR" i="1">
-                              <a:latin typeface="Cambria Math" panose="02040503050406030204" pitchFamily="18" charset="0"/>
                               <a:ea typeface="Cambria Math" panose="02040503050406030204" pitchFamily="18" charset="0"/>
                             </a:rPr>
                             <m:t>θ</m:t>
@@ -19437,7 +19538,6 @@
                         <m:sub>
                           <m:r>
                             <a:rPr lang="en-US" altLang="ko-KR" b="0" i="1" smtClean="0">
-                              <a:latin typeface="Cambria Math" panose="02040503050406030204" pitchFamily="18" charset="0"/>
                               <a:ea typeface="Cambria Math" panose="02040503050406030204" pitchFamily="18" charset="0"/>
                             </a:rPr>
                             <m:t>3</m:t>
@@ -19446,14 +19546,12 @@
                       </m:sSub>
                       <m:r>
                         <a:rPr lang="en-US" altLang="ko-KR" i="1">
-                          <a:latin typeface="Cambria Math" panose="02040503050406030204" pitchFamily="18" charset="0"/>
                           <a:ea typeface="Cambria Math" panose="02040503050406030204" pitchFamily="18" charset="0"/>
                         </a:rPr>
                         <m:t>×</m:t>
                       </m:r>
                       <m:r>
                         <a:rPr lang="en-US" altLang="ko-KR" b="0" i="1" smtClean="0">
-                          <a:latin typeface="Cambria Math" panose="02040503050406030204" pitchFamily="18" charset="0"/>
                           <a:ea typeface="Cambria Math" panose="02040503050406030204" pitchFamily="18" charset="0"/>
                         </a:rPr>
                         <m:t>𝑚𝑎𝑐h𝑖𝑛𝑒𝑠</m:t>
@@ -19466,7 +19564,7 @@
             </p:txBody>
           </p:sp>
         </mc:Choice>
-        <mc:Fallback xmlns="">
+        <mc:Fallback>
           <p:sp>
             <p:nvSpPr>
               <p:cNvPr id="20" name="TextBox 19">
@@ -20118,7 +20216,7 @@
         <p:spPr>
           <a:xfrm>
             <a:off x="8786870" y="4320182"/>
-            <a:ext cx="640300" cy="261610"/>
+            <a:ext cx="2551690" cy="261610"/>
           </a:xfrm>
           <a:prstGeom prst="rect">
             <a:avLst/>
@@ -20139,7 +20237,7 @@
             <a:pPr algn="ctr"/>
             <a:r>
               <a:rPr lang="en-US" altLang="ko-KR" sz="1100" b="1"/>
-              <a:t>NNLS</a:t>
+              <a:t>Non-negative Least Squares (NNLS)</a:t>
             </a:r>
             <a:endParaRPr lang="ko-KR" altLang="en-US" sz="1100" b="1" dirty="0"/>
           </a:p>
@@ -20919,7 +21017,6 @@
             <a:r>
               <a:rPr lang="en-US" altLang="ko-KR" sz="1600" b="1" i="0">
                 <a:effectLst/>
-                <a:latin typeface="Roboto Slab"/>
               </a:rPr>
               <a:t>Data Collection</a:t>
             </a:r>
@@ -20994,8 +21091,10 @@
             </a:pPr>
             <a:r>
               <a:rPr lang="en-US" altLang="ko-KR" sz="1600" b="1" i="0">
+                <a:solidFill>
+                  <a:srgbClr val="4D6BED"/>
+                </a:solidFill>
                 <a:effectLst/>
-                <a:latin typeface="Roboto Slab"/>
               </a:rPr>
               <a:t>Optimal Experiment Design</a:t>
             </a:r>
@@ -21098,9 +21197,7 @@
               <a:buChar char="•"/>
             </a:pPr>
             <a:r>
-              <a:rPr lang="en-US" altLang="ko-KR" sz="1400">
-                <a:latin typeface="Roboto Slab"/>
-              </a:rPr>
+              <a:rPr lang="en-US" altLang="ko-KR" sz="1400"/>
               <a:t>Minimizing the time spent on collecting training data while achieving good enough accuracy</a:t>
             </a:r>
           </a:p>
@@ -21113,9 +21210,7 @@
               <a:buChar char="•"/>
             </a:pPr>
             <a:r>
-              <a:rPr lang="en-US" altLang="ko-KR" sz="1400">
-                <a:latin typeface="Roboto Slab"/>
-              </a:rPr>
+              <a:rPr lang="en-US" altLang="ko-KR" sz="1400"/>
               <a:t>2 variables : input size, number of machines</a:t>
             </a:r>
           </a:p>
@@ -21128,17 +21223,14 @@
               <a:buChar char="•"/>
             </a:pPr>
             <a:r>
-              <a:rPr lang="en-US" altLang="ko-KR" sz="1400">
-                <a:latin typeface="Roboto Slab"/>
-              </a:rPr>
+              <a:rPr lang="en-US" altLang="ko-KR" sz="1400"/>
               <a:t>Form a </a:t>
             </a:r>
             <a:r>
               <a:rPr lang="en-US" altLang="ko-KR" sz="1400">
                 <a:solidFill>
-                  <a:srgbClr val="4D6BED"/>
+                  <a:srgbClr val="FF7575"/>
                 </a:solidFill>
-                <a:latin typeface="Roboto Slab"/>
               </a:rPr>
               <a:t>Grid of input, machines</a:t>
             </a:r>
@@ -21201,7 +21293,6 @@
                 <a:effectLst/>
                 <a:uLnTx/>
                 <a:uFillTx/>
-                <a:latin typeface="Roboto Slab"/>
                 <a:ea typeface="맑은 고딕"/>
                 <a:cs typeface="+mn-cs"/>
               </a:rPr>
@@ -21237,7 +21328,6 @@
                 <a:effectLst/>
                 <a:uLnTx/>
                 <a:uFillTx/>
-                <a:latin typeface="Roboto Slab"/>
                 <a:ea typeface="맑은 고딕"/>
                 <a:cs typeface="+mn-cs"/>
               </a:rPr>
@@ -21254,7 +21344,6 @@
                 <a:effectLst/>
                 <a:uLnTx/>
                 <a:uFillTx/>
-                <a:latin typeface="Roboto Slab"/>
                 <a:ea typeface="맑은 고딕"/>
                 <a:cs typeface="+mn-cs"/>
               </a:rPr>
@@ -21271,7 +21360,6 @@
                 <a:effectLst/>
                 <a:uLnTx/>
                 <a:uFillTx/>
-                <a:latin typeface="Roboto Slab"/>
                 <a:ea typeface="맑은 고딕"/>
                 <a:cs typeface="+mn-cs"/>
               </a:rPr>
@@ -21287,7 +21375,6 @@
                 <a:effectLst/>
                 <a:uLnTx/>
                 <a:uFillTx/>
-                <a:latin typeface="Roboto Slab"/>
                 <a:ea typeface="맑은 고딕"/>
                 <a:cs typeface="+mn-cs"/>
               </a:rPr>
@@ -21304,7 +21391,6 @@
                 <a:effectLst/>
                 <a:uLnTx/>
                 <a:uFillTx/>
-                <a:latin typeface="Roboto Slab"/>
                 <a:ea typeface="맑은 고딕"/>
                 <a:cs typeface="+mn-cs"/>
               </a:rPr>
@@ -21321,7 +21407,6 @@
                 <a:effectLst/>
                 <a:uLnTx/>
                 <a:uFillTx/>
-                <a:latin typeface="Roboto Slab"/>
                 <a:ea typeface="맑은 고딕"/>
                 <a:cs typeface="+mn-cs"/>
               </a:rPr>
@@ -21438,7 +21523,6 @@
                 <a:effectLst/>
                 <a:uLnTx/>
                 <a:uFillTx/>
-                <a:latin typeface="Roboto Slab"/>
                 <a:ea typeface="맑은 고딕"/>
                 <a:cs typeface="+mn-cs"/>
               </a:rPr>
@@ -21455,7 +21539,6 @@
                 <a:effectLst/>
                 <a:uLnTx/>
                 <a:uFillTx/>
-                <a:latin typeface="Roboto Slab"/>
                 <a:ea typeface="맑은 고딕"/>
                 <a:cs typeface="+mn-cs"/>
               </a:rPr>
@@ -21472,7 +21555,6 @@
                 <a:effectLst/>
                 <a:uLnTx/>
                 <a:uFillTx/>
-                <a:latin typeface="Roboto Slab"/>
                 <a:ea typeface="맑은 고딕"/>
                 <a:cs typeface="+mn-cs"/>
               </a:rPr>
@@ -21508,7 +21590,6 @@
                 <a:effectLst/>
                 <a:uLnTx/>
                 <a:uFillTx/>
-                <a:latin typeface="Roboto Slab"/>
                 <a:ea typeface="맑은 고딕"/>
                 <a:cs typeface="+mn-cs"/>
               </a:rPr>
@@ -21954,7 +22035,6 @@
             <a:r>
               <a:rPr lang="en-US" altLang="ko-KR" sz="1600" b="1" i="0">
                 <a:effectLst/>
-                <a:latin typeface="Roboto Slab"/>
               </a:rPr>
               <a:t>Using ERNEST</a:t>
             </a:r>
@@ -24019,7 +24099,6 @@
             <a:r>
               <a:rPr lang="en-US" altLang="ko-KR" sz="1400" b="1" i="0">
                 <a:effectLst/>
-                <a:latin typeface="Roboto Slab"/>
               </a:rPr>
               <a:t>Objectives</a:t>
             </a:r>
@@ -24027,7 +24106,6 @@
               <a:solidFill>
                 <a:prstClr val="black"/>
               </a:solidFill>
-              <a:latin typeface="Roboto Slab"/>
               <a:ea typeface="맑은 고딕"/>
             </a:endParaRPr>
           </a:p>
@@ -24054,7 +24132,6 @@
                 <a:solidFill>
                   <a:prstClr val="black"/>
                 </a:solidFill>
-                <a:latin typeface="Roboto Slab"/>
                 <a:ea typeface="맑은 고딕"/>
               </a:rPr>
               <a:t>Prediction accuracy</a:t>
@@ -24089,7 +24166,6 @@
                 <a:effectLst/>
                 <a:uLnTx/>
                 <a:uFillTx/>
-                <a:latin typeface="Roboto Slab"/>
                 <a:ea typeface="맑은 고딕"/>
                 <a:cs typeface="+mn-cs"/>
               </a:rPr>
@@ -24100,7 +24176,6 @@
                 <a:solidFill>
                   <a:prstClr val="black"/>
                 </a:solidFill>
-                <a:latin typeface="Roboto Slab"/>
                 <a:ea typeface="맑은 고딕"/>
               </a:rPr>
               <a:t>overhead</a:t>
@@ -24129,7 +24204,6 @@
                 <a:solidFill>
                   <a:prstClr val="black"/>
                 </a:solidFill>
-                <a:latin typeface="Roboto Slab"/>
                 <a:ea typeface="맑은 고딕"/>
               </a:rPr>
               <a:t>Choosing optimal number of instances</a:t>
@@ -24164,7 +24238,6 @@
                 <a:effectLst/>
                 <a:uLnTx/>
                 <a:uFillTx/>
-                <a:latin typeface="Roboto Slab"/>
                 <a:ea typeface="맑은 고딕"/>
                 <a:cs typeface="+mn-cs"/>
               </a:rPr>
@@ -24258,7 +24331,6 @@
                 <a:effectLst/>
                 <a:uLnTx/>
                 <a:uFillTx/>
-                <a:latin typeface="Roboto Slab"/>
                 <a:ea typeface="맑은 고딕"/>
                 <a:cs typeface="+mn-cs"/>
               </a:rPr>
@@ -24275,7 +24347,6 @@
                 <a:effectLst/>
                 <a:uLnTx/>
                 <a:uFillTx/>
-                <a:latin typeface="Roboto Slab"/>
                 <a:ea typeface="맑은 고딕"/>
                 <a:cs typeface="+mn-cs"/>
               </a:rPr>
@@ -24292,7 +24363,6 @@
                 <a:effectLst/>
                 <a:uLnTx/>
                 <a:uFillTx/>
-                <a:latin typeface="Roboto Slab"/>
                 <a:ea typeface="맑은 고딕"/>
                 <a:cs typeface="+mn-cs"/>
               </a:rPr>
@@ -24309,7 +24379,6 @@
                 <a:effectLst/>
                 <a:uLnTx/>
                 <a:uFillTx/>
-                <a:latin typeface="Roboto Slab"/>
                 <a:ea typeface="맑은 고딕"/>
                 <a:cs typeface="+mn-cs"/>
               </a:rPr>
@@ -24345,7 +24414,6 @@
                 <a:effectLst/>
                 <a:uLnTx/>
                 <a:uFillTx/>
-                <a:latin typeface="Roboto Slab"/>
                 <a:ea typeface="맑은 고딕"/>
                 <a:cs typeface="+mn-cs"/>
               </a:rPr>
@@ -24454,7 +24522,6 @@
                 <a:effectLst/>
                 <a:uLnTx/>
                 <a:uFillTx/>
-                <a:latin typeface="Roboto Slab"/>
                 <a:ea typeface="맑은 고딕"/>
                 <a:cs typeface="+mn-cs"/>
               </a:rPr>
@@ -24471,7 +24538,6 @@
                 <a:effectLst/>
                 <a:uLnTx/>
                 <a:uFillTx/>
-                <a:latin typeface="Roboto Slab"/>
                 <a:ea typeface="맑은 고딕"/>
                 <a:cs typeface="+mn-cs"/>
               </a:rPr>
@@ -24488,7 +24554,6 @@
                 <a:effectLst/>
                 <a:uLnTx/>
                 <a:uFillTx/>
-                <a:latin typeface="Roboto Slab"/>
                 <a:ea typeface="맑은 고딕"/>
                 <a:cs typeface="+mn-cs"/>
               </a:rPr>
@@ -24505,7 +24570,6 @@
                 <a:effectLst/>
                 <a:uLnTx/>
                 <a:uFillTx/>
-                <a:latin typeface="Roboto Slab"/>
                 <a:ea typeface="맑은 고딕"/>
                 <a:cs typeface="+mn-cs"/>
               </a:rPr>
@@ -24522,7 +24586,6 @@
                 <a:effectLst/>
                 <a:uLnTx/>
                 <a:uFillTx/>
-                <a:latin typeface="Roboto Slab"/>
                 <a:ea typeface="맑은 고딕"/>
                 <a:cs typeface="+mn-cs"/>
               </a:rPr>
@@ -24571,7 +24634,6 @@
             <a:r>
               <a:rPr lang="en-US" altLang="ko-KR" sz="1600" b="1" i="0">
                 <a:effectLst/>
-                <a:latin typeface="Roboto Slab"/>
               </a:rPr>
               <a:t>Prediction accuracy</a:t>
             </a:r>
@@ -24618,7 +24680,6 @@
             <a:r>
               <a:rPr lang="en-US" altLang="ko-KR" sz="1600" b="1" i="0">
                 <a:effectLst/>
-                <a:latin typeface="Roboto Slab"/>
               </a:rPr>
               <a:t>Model training overhead</a:t>
             </a:r>
@@ -24681,7 +24742,6 @@
                 <a:effectLst/>
                 <a:uLnTx/>
                 <a:uFillTx/>
-                <a:latin typeface="Roboto Slab"/>
                 <a:ea typeface="맑은 고딕"/>
                 <a:cs typeface="+mn-cs"/>
               </a:rPr>
@@ -24698,7 +24758,6 @@
                 <a:effectLst/>
                 <a:uLnTx/>
                 <a:uFillTx/>
-                <a:latin typeface="Roboto Slab"/>
                 <a:ea typeface="맑은 고딕"/>
                 <a:cs typeface="+mn-cs"/>
               </a:rPr>
@@ -24715,7 +24774,6 @@
                 <a:effectLst/>
                 <a:uLnTx/>
                 <a:uFillTx/>
-                <a:latin typeface="Roboto Slab"/>
                 <a:ea typeface="맑은 고딕"/>
                 <a:cs typeface="+mn-cs"/>
               </a:rPr>
@@ -24745,7 +24803,6 @@
                 <a:solidFill>
                   <a:prstClr val="black"/>
                 </a:solidFill>
-                <a:latin typeface="Roboto Slab"/>
                 <a:ea typeface="맑은 고딕"/>
               </a:rPr>
               <a:t>Ernest’s prediction : </a:t>
@@ -24755,7 +24812,6 @@
                 <a:solidFill>
                   <a:srgbClr val="FF7575"/>
                 </a:solidFill>
-                <a:latin typeface="Roboto Slab"/>
                 <a:ea typeface="맑은 고딕"/>
               </a:rPr>
               <a:t>within</a:t>
@@ -24765,7 +24821,6 @@
                 <a:solidFill>
                   <a:prstClr val="black"/>
                 </a:solidFill>
-                <a:latin typeface="Roboto Slab"/>
                 <a:ea typeface="맑은 고딕"/>
               </a:rPr>
               <a:t> </a:t>
@@ -24775,7 +24830,6 @@
                 <a:solidFill>
                   <a:srgbClr val="FF7575"/>
                 </a:solidFill>
-                <a:latin typeface="Roboto Slab"/>
                 <a:ea typeface="맑은 고딕"/>
               </a:rPr>
               <a:t>14%</a:t>
@@ -24790,7 +24844,6 @@
               <a:effectLst/>
               <a:uLnTx/>
               <a:uFillTx/>
-              <a:latin typeface="Roboto Slab"/>
               <a:ea typeface="맑은 고딕"/>
             </a:endParaRPr>
           </a:p>
@@ -25215,7 +25268,6 @@
                 <a:effectLst/>
                 <a:uLnTx/>
                 <a:uFillTx/>
-                <a:latin typeface="Roboto Slab"/>
                 <a:ea typeface="맑은 고딕"/>
                 <a:cs typeface="+mn-cs"/>
               </a:rPr>
@@ -25235,7 +25287,6 @@
                 <a:effectLst/>
                 <a:uLnTx/>
                 <a:uFillTx/>
-                <a:latin typeface="Roboto Slab"/>
                 <a:ea typeface="맑은 고딕"/>
                 <a:cs typeface="+mn-cs"/>
               </a:rPr>
@@ -25255,7 +25306,6 @@
                 <a:effectLst/>
                 <a:uLnTx/>
                 <a:uFillTx/>
-                <a:latin typeface="Roboto Slab"/>
                 <a:ea typeface="맑은 고딕"/>
                 <a:cs typeface="+mn-cs"/>
               </a:rPr>
@@ -25274,7 +25324,6 @@
                 <a:effectLst/>
                 <a:uLnTx/>
                 <a:uFillTx/>
-                <a:latin typeface="Roboto Slab"/>
                 <a:ea typeface="맑은 고딕"/>
                 <a:cs typeface="+mn-cs"/>
               </a:rPr>
@@ -25618,7 +25667,6 @@
             <a:r>
               <a:rPr lang="en-US" altLang="ko-KR" sz="1600" b="1" i="0">
                 <a:effectLst/>
-                <a:latin typeface="Roboto Slab"/>
               </a:rPr>
               <a:t>Choosing optimal number of instances</a:t>
             </a:r>
@@ -25669,7 +25717,7 @@
         <p:spPr>
           <a:xfrm>
             <a:off x="633723" y="4810708"/>
-            <a:ext cx="4529991" cy="1345048"/>
+            <a:ext cx="4529991" cy="1668214"/>
           </a:xfrm>
           <a:prstGeom prst="rect">
             <a:avLst/>
@@ -25692,13 +25740,7 @@
             </a:pPr>
             <a:r>
               <a:rPr lang="en-US" altLang="ko-KR" sz="1400"/>
-              <a:t>Cost = </a:t>
-            </a:r>
-            <a:r>
-              <a:rPr lang="en-US" altLang="ko-KR" sz="1400">
-                <a:latin typeface="Adobe Garamond Pro" panose="02020502060506020403" pitchFamily="18" charset="0"/>
-              </a:rPr>
-              <a:t>$0.35/hour </a:t>
+              <a:t>Cost = $0.35/hour </a:t>
             </a:r>
             <a:r>
               <a:rPr lang="ko-KR" altLang="en-US" sz="1400"/>
@@ -25706,23 +25748,7 @@
             </a:r>
             <a:r>
               <a:rPr lang="en-US" altLang="ko-KR" sz="1400"/>
-              <a:t>Greedy = </a:t>
-            </a:r>
-            <a:r>
-              <a:rPr lang="en-US" altLang="ko-KR" sz="1400">
-                <a:latin typeface="Adobe Garamond Pro" panose="02020502060506020403" pitchFamily="18" charset="0"/>
-              </a:rPr>
-              <a:t>$22.4 </a:t>
-            </a:r>
-            <a:r>
-              <a:rPr lang="en-US" altLang="ko-KR" sz="1400"/>
-              <a:t>/ Ernest = </a:t>
-            </a:r>
-            <a:r>
-              <a:rPr lang="en-US" altLang="ko-KR" sz="1400">
-                <a:latin typeface="Adobe Garamond Pro" panose="02020502060506020403" pitchFamily="18" charset="0"/>
-              </a:rPr>
-              <a:t>$5.6</a:t>
+              <a:t>Greedy = $22.4 / Ernest = $5.6</a:t>
             </a:r>
           </a:p>
           <a:p>
@@ -25769,7 +25795,6 @@
               <a:effectLst/>
               <a:uLnTx/>
               <a:uFillTx/>
-              <a:latin typeface="Roboto Slab"/>
               <a:ea typeface="맑은 고딕"/>
               <a:cs typeface="+mn-cs"/>
             </a:endParaRPr>
@@ -25845,7 +25870,6 @@
             <a:r>
               <a:rPr lang="en-US" altLang="ko-KR" sz="1600" b="1" i="0">
                 <a:effectLst/>
-                <a:latin typeface="Roboto Slab"/>
               </a:rPr>
               <a:t>Importance of experiment design</a:t>
             </a:r>
@@ -26085,7 +26109,6 @@
               <a:effectLst/>
               <a:uLnTx/>
               <a:uFillTx/>
-              <a:latin typeface="Roboto Slab"/>
               <a:ea typeface="맑은 고딕"/>
               <a:cs typeface="+mn-cs"/>
             </a:endParaRPr>
@@ -26649,7 +26672,19 @@
             </a:pPr>
             <a:r>
               <a:rPr lang="en-US" altLang="ko-KR" sz="1600"/>
-              <a:t>Workload Trends : Advanced Analytics in the Cloud </a:t>
+              <a:t>Workload Trends : </a:t>
+            </a:r>
+            <a:r>
+              <a:rPr lang="en-US" altLang="ko-KR" sz="1600">
+                <a:solidFill>
+                  <a:srgbClr val="4D6BED"/>
+                </a:solidFill>
+              </a:rPr>
+              <a:t>Advanced Analytics</a:t>
+            </a:r>
+            <a:r>
+              <a:rPr lang="en-US" altLang="ko-KR" sz="1600"/>
+              <a:t> in the Cloud </a:t>
             </a:r>
           </a:p>
           <a:p>
@@ -26673,7 +26708,6 @@
               <a:uLnTx/>
               <a:uFillTx/>
               <a:ea typeface="맑은 고딕"/>
-              <a:cs typeface="+mn-cs"/>
             </a:endParaRPr>
           </a:p>
         </p:txBody>
@@ -26694,7 +26728,7 @@
         </p:nvGrpSpPr>
         <p:grpSpPr>
           <a:xfrm>
-            <a:off x="4721500" y="3670300"/>
+            <a:off x="4721500" y="3719267"/>
             <a:ext cx="7215506" cy="2736786"/>
             <a:chOff x="977546" y="1870256"/>
             <a:chExt cx="10236909" cy="3882781"/>
@@ -26837,7 +26871,7 @@
           <p:spPr>
             <a:xfrm>
               <a:off x="3449236" y="1870256"/>
-              <a:ext cx="1729434" cy="477124"/>
+              <a:ext cx="1729434" cy="392989"/>
             </a:xfrm>
             <a:prstGeom prst="rect">
               <a:avLst/>
@@ -26860,7 +26894,6 @@
                   <a:solidFill>
                     <a:schemeClr val="accent4"/>
                   </a:solidFill>
-                  <a:latin typeface="Abadi" panose="020B0604020104020204" pitchFamily="34" charset="0"/>
                 </a:rPr>
                 <a:t>ERNEST</a:t>
               </a:r>
@@ -26868,7 +26901,6 @@
                 <a:solidFill>
                   <a:schemeClr val="accent4"/>
                 </a:solidFill>
-                <a:latin typeface="Abadi" panose="020B0604020104020204" pitchFamily="34" charset="0"/>
               </a:endParaRPr>
             </a:p>
           </p:txBody>
@@ -27629,10 +27661,10 @@
           </p:nvGrpSpPr>
           <p:grpSpPr>
             <a:xfrm>
-              <a:off x="9291227" y="2904959"/>
-              <a:ext cx="1923228" cy="1705913"/>
-              <a:chOff x="9433743" y="2570174"/>
-              <a:chExt cx="1923229" cy="1705913"/>
+              <a:off x="9328621" y="2904959"/>
+              <a:ext cx="1885834" cy="1631127"/>
+              <a:chOff x="9471137" y="2570174"/>
+              <a:chExt cx="1885835" cy="1631127"/>
             </a:xfrm>
           </p:grpSpPr>
           <p:cxnSp>
@@ -27888,7 +27920,7 @@
             <p:spPr>
               <a:xfrm>
                 <a:off x="9815072" y="3851978"/>
-                <a:ext cx="1527171" cy="424109"/>
+                <a:ext cx="1527171" cy="349323"/>
               </a:xfrm>
               <a:prstGeom prst="rect">
                 <a:avLst/>
@@ -27926,8 +27958,8 @@
             </p:nvSpPr>
             <p:spPr>
               <a:xfrm rot="16200000">
-                <a:off x="9111418" y="3105544"/>
-                <a:ext cx="1068759" cy="424110"/>
+                <a:off x="9111419" y="3142938"/>
+                <a:ext cx="1068759" cy="349323"/>
               </a:xfrm>
               <a:prstGeom prst="rect">
                 <a:avLst/>
@@ -28034,7 +28066,6 @@
                 <a:uLnTx/>
                 <a:uFillTx/>
                 <a:ea typeface="맑은 고딕"/>
-                <a:cs typeface="+mn-cs"/>
               </a:rPr>
               <a:t>Optimal e</a:t>
             </a:r>
@@ -28052,11 +28083,334 @@
               <a:uLnTx/>
               <a:uFillTx/>
               <a:ea typeface="맑은 고딕"/>
-              <a:cs typeface="+mn-cs"/>
             </a:endParaRPr>
           </a:p>
         </p:txBody>
       </p:sp>
+      <p:grpSp>
+        <p:nvGrpSpPr>
+          <p:cNvPr id="5" name="그룹 4">
+            <a:extLst>
+              <a:ext uri="{FF2B5EF4-FFF2-40B4-BE49-F238E27FC236}">
+                <a16:creationId xmlns:a16="http://schemas.microsoft.com/office/drawing/2014/main" id="{D326CC63-2DAC-F2B1-3218-CB6D7D4B544C}"/>
+              </a:ext>
+            </a:extLst>
+          </p:cNvPr>
+          <p:cNvGrpSpPr/>
+          <p:nvPr/>
+        </p:nvGrpSpPr>
+        <p:grpSpPr>
+          <a:xfrm>
+            <a:off x="9449146" y="1608199"/>
+            <a:ext cx="2264538" cy="1495580"/>
+            <a:chOff x="9338001" y="1762443"/>
+            <a:chExt cx="2264538" cy="1495580"/>
+          </a:xfrm>
+        </p:grpSpPr>
+        <p:grpSp>
+          <p:nvGrpSpPr>
+            <p:cNvPr id="30" name="그룹 29">
+              <a:extLst>
+                <a:ext uri="{FF2B5EF4-FFF2-40B4-BE49-F238E27FC236}">
+                  <a16:creationId xmlns:a16="http://schemas.microsoft.com/office/drawing/2014/main" id="{E8DA2D16-E315-3ECA-B1D1-963A138DB8A0}"/>
+                </a:ext>
+              </a:extLst>
+            </p:cNvPr>
+            <p:cNvGrpSpPr/>
+            <p:nvPr/>
+          </p:nvGrpSpPr>
+          <p:grpSpPr>
+            <a:xfrm>
+              <a:off x="9338001" y="1762443"/>
+              <a:ext cx="2264538" cy="1495580"/>
+              <a:chOff x="9070871" y="2669143"/>
+              <a:chExt cx="2264538" cy="1495580"/>
+            </a:xfrm>
+          </p:grpSpPr>
+          <p:sp>
+            <p:nvSpPr>
+              <p:cNvPr id="33" name="타원 32">
+                <a:extLst>
+                  <a:ext uri="{FF2B5EF4-FFF2-40B4-BE49-F238E27FC236}">
+                    <a16:creationId xmlns:a16="http://schemas.microsoft.com/office/drawing/2014/main" id="{B4891660-161F-E245-E186-9FBD21EC25D4}"/>
+                  </a:ext>
+                </a:extLst>
+              </p:cNvPr>
+              <p:cNvSpPr/>
+              <p:nvPr/>
+            </p:nvSpPr>
+            <p:spPr>
+              <a:xfrm>
+                <a:off x="9070871" y="2724806"/>
+                <a:ext cx="2264538" cy="1439917"/>
+              </a:xfrm>
+              <a:prstGeom prst="ellipse">
+                <a:avLst/>
+              </a:prstGeom>
+              <a:noFill/>
+              <a:ln w="28575">
+                <a:solidFill>
+                  <a:schemeClr val="accent4">
+                    <a:lumMod val="40000"/>
+                    <a:lumOff val="60000"/>
+                  </a:schemeClr>
+                </a:solidFill>
+              </a:ln>
+            </p:spPr>
+            <p:style>
+              <a:lnRef idx="2">
+                <a:schemeClr val="accent1">
+                  <a:shade val="50000"/>
+                </a:schemeClr>
+              </a:lnRef>
+              <a:fillRef idx="1">
+                <a:schemeClr val="accent1"/>
+              </a:fillRef>
+              <a:effectRef idx="0">
+                <a:schemeClr val="accent1"/>
+              </a:effectRef>
+              <a:fontRef idx="minor">
+                <a:schemeClr val="lt1"/>
+              </a:fontRef>
+            </p:style>
+            <p:txBody>
+              <a:bodyPr rtlCol="0" anchor="ctr"/>
+              <a:lstStyle/>
+              <a:p>
+                <a:pPr algn="ctr"/>
+                <a:endParaRPr lang="ko-KR" altLang="en-US"/>
+              </a:p>
+            </p:txBody>
+          </p:sp>
+          <p:sp>
+            <p:nvSpPr>
+              <p:cNvPr id="34" name="직사각형 33">
+                <a:extLst>
+                  <a:ext uri="{FF2B5EF4-FFF2-40B4-BE49-F238E27FC236}">
+                    <a16:creationId xmlns:a16="http://schemas.microsoft.com/office/drawing/2014/main" id="{B07CB6FB-4C22-CD40-29E9-60D642449C4B}"/>
+                  </a:ext>
+                </a:extLst>
+              </p:cNvPr>
+              <p:cNvSpPr/>
+              <p:nvPr/>
+            </p:nvSpPr>
+            <p:spPr>
+              <a:xfrm>
+                <a:off x="9379594" y="3177235"/>
+                <a:ext cx="726096" cy="535057"/>
+              </a:xfrm>
+              <a:prstGeom prst="rect">
+                <a:avLst/>
+              </a:prstGeom>
+              <a:solidFill>
+                <a:schemeClr val="accent5">
+                  <a:lumMod val="60000"/>
+                  <a:lumOff val="40000"/>
+                </a:schemeClr>
+              </a:solidFill>
+              <a:ln>
+                <a:noFill/>
+              </a:ln>
+            </p:spPr>
+            <p:style>
+              <a:lnRef idx="2">
+                <a:schemeClr val="accent1">
+                  <a:shade val="50000"/>
+                </a:schemeClr>
+              </a:lnRef>
+              <a:fillRef idx="1">
+                <a:schemeClr val="accent1"/>
+              </a:fillRef>
+              <a:effectRef idx="0">
+                <a:schemeClr val="accent1"/>
+              </a:effectRef>
+              <a:fontRef idx="minor">
+                <a:schemeClr val="lt1"/>
+              </a:fontRef>
+            </p:style>
+            <p:txBody>
+              <a:bodyPr rtlCol="0" anchor="ctr"/>
+              <a:lstStyle/>
+              <a:p>
+                <a:pPr algn="ctr"/>
+                <a:r>
+                  <a:rPr lang="en-US" altLang="ko-KR" sz="1600"/>
+                  <a:t>data</a:t>
+                </a:r>
+                <a:endParaRPr lang="ko-KR" altLang="en-US" sz="1600"/>
+              </a:p>
+            </p:txBody>
+          </p:sp>
+          <p:sp>
+            <p:nvSpPr>
+              <p:cNvPr id="35" name="타원 34">
+                <a:extLst>
+                  <a:ext uri="{FF2B5EF4-FFF2-40B4-BE49-F238E27FC236}">
+                    <a16:creationId xmlns:a16="http://schemas.microsoft.com/office/drawing/2014/main" id="{B122D6A7-D651-2BE3-ADF6-515C1115E9FB}"/>
+                  </a:ext>
+                </a:extLst>
+              </p:cNvPr>
+              <p:cNvSpPr/>
+              <p:nvPr/>
+            </p:nvSpPr>
+            <p:spPr>
+              <a:xfrm>
+                <a:off x="10362752" y="3121572"/>
+                <a:ext cx="726096" cy="648528"/>
+              </a:xfrm>
+              <a:prstGeom prst="ellipse">
+                <a:avLst/>
+              </a:prstGeom>
+              <a:solidFill>
+                <a:schemeClr val="accent2">
+                  <a:lumMod val="60000"/>
+                  <a:lumOff val="40000"/>
+                </a:schemeClr>
+              </a:solidFill>
+              <a:ln>
+                <a:noFill/>
+              </a:ln>
+            </p:spPr>
+            <p:style>
+              <a:lnRef idx="2">
+                <a:schemeClr val="accent1">
+                  <a:shade val="50000"/>
+                </a:schemeClr>
+              </a:lnRef>
+              <a:fillRef idx="1">
+                <a:schemeClr val="accent1"/>
+              </a:fillRef>
+              <a:effectRef idx="0">
+                <a:schemeClr val="accent1"/>
+              </a:effectRef>
+              <a:fontRef idx="minor">
+                <a:schemeClr val="lt1"/>
+              </a:fontRef>
+            </p:style>
+            <p:txBody>
+              <a:bodyPr rtlCol="0" anchor="ctr"/>
+              <a:lstStyle/>
+              <a:p>
+                <a:pPr algn="ctr"/>
+                <a:r>
+                  <a:rPr lang="en-US" altLang="ko-KR" sz="1600"/>
+                  <a:t>Job</a:t>
+                </a:r>
+                <a:endParaRPr lang="ko-KR" altLang="en-US" sz="1600"/>
+              </a:p>
+            </p:txBody>
+          </p:sp>
+          <p:sp>
+            <p:nvSpPr>
+              <p:cNvPr id="36" name="TextBox 35">
+                <a:extLst>
+                  <a:ext uri="{FF2B5EF4-FFF2-40B4-BE49-F238E27FC236}">
+                    <a16:creationId xmlns:a16="http://schemas.microsoft.com/office/drawing/2014/main" id="{606AC4EA-B848-E4E8-8FCF-857AD32F8E91}"/>
+                  </a:ext>
+                </a:extLst>
+              </p:cNvPr>
+              <p:cNvSpPr txBox="1"/>
+              <p:nvPr/>
+            </p:nvSpPr>
+            <p:spPr>
+              <a:xfrm>
+                <a:off x="9158128" y="2669143"/>
+                <a:ext cx="2090024" cy="338554"/>
+              </a:xfrm>
+              <a:prstGeom prst="rect">
+                <a:avLst/>
+              </a:prstGeom>
+              <a:solidFill>
+                <a:srgbClr val="FFFFFF">
+                  <a:alpha val="50196"/>
+                </a:srgbClr>
+              </a:solidFill>
+            </p:spPr>
+            <p:txBody>
+              <a:bodyPr wrap="square" rtlCol="0">
+                <a:spAutoFit/>
+              </a:bodyPr>
+              <a:lstStyle/>
+              <a:p>
+                <a:pPr algn="ctr"/>
+                <a:r>
+                  <a:rPr lang="en-US" altLang="ko-KR" sz="1600" b="1">
+                    <a:solidFill>
+                      <a:schemeClr val="accent4"/>
+                    </a:solidFill>
+                  </a:rPr>
+                  <a:t>Performance model</a:t>
+                </a:r>
+                <a:endParaRPr lang="ko-KR" altLang="en-US" sz="1600" b="1">
+                  <a:solidFill>
+                    <a:schemeClr val="accent4"/>
+                  </a:solidFill>
+                </a:endParaRPr>
+              </a:p>
+            </p:txBody>
+          </p:sp>
+        </p:grpSp>
+        <p:sp>
+          <p:nvSpPr>
+            <p:cNvPr id="32" name="더하기 기호 31">
+              <a:extLst>
+                <a:ext uri="{FF2B5EF4-FFF2-40B4-BE49-F238E27FC236}">
+                  <a16:creationId xmlns:a16="http://schemas.microsoft.com/office/drawing/2014/main" id="{7F36A367-8790-D87F-F70D-4668A1397203}"/>
+                </a:ext>
+              </a:extLst>
+            </p:cNvPr>
+            <p:cNvSpPr/>
+            <p:nvPr/>
+          </p:nvSpPr>
+          <p:spPr>
+            <a:xfrm>
+              <a:off x="10412626" y="2447462"/>
+              <a:ext cx="166949" cy="181201"/>
+            </a:xfrm>
+            <a:prstGeom prst="mathPlus">
+              <a:avLst/>
+            </a:prstGeom>
+            <a:solidFill>
+              <a:schemeClr val="accent4">
+                <a:lumMod val="40000"/>
+                <a:lumOff val="60000"/>
+              </a:schemeClr>
+            </a:solidFill>
+            <a:ln>
+              <a:solidFill>
+                <a:schemeClr val="accent4">
+                  <a:lumMod val="40000"/>
+                  <a:lumOff val="60000"/>
+                </a:schemeClr>
+              </a:solidFill>
+            </a:ln>
+          </p:spPr>
+          <p:style>
+            <a:lnRef idx="2">
+              <a:schemeClr val="accent1">
+                <a:shade val="50000"/>
+              </a:schemeClr>
+            </a:lnRef>
+            <a:fillRef idx="1">
+              <a:schemeClr val="accent1"/>
+            </a:fillRef>
+            <a:effectRef idx="0">
+              <a:schemeClr val="accent1"/>
+            </a:effectRef>
+            <a:fontRef idx="minor">
+              <a:schemeClr val="lt1"/>
+            </a:fontRef>
+          </p:style>
+          <p:txBody>
+            <a:bodyPr rtlCol="0" anchor="ctr"/>
+            <a:lstStyle/>
+            <a:p>
+              <a:pPr algn="ctr"/>
+              <a:endParaRPr lang="ko-KR" altLang="en-US"/>
+            </a:p>
+          </p:txBody>
+        </p:sp>
+      </p:grpSp>
     </p:spTree>
     <p:extLst>
       <p:ext uri="{BB962C8B-B14F-4D97-AF65-F5344CB8AC3E}">

--- a/Cloud Computing/Paper review/3. Ernest/22.11.22_Ernest_SoheeKim.pptx
+++ b/Cloud Computing/Paper review/3. Ernest/22.11.22_Ernest_SoheeKim.pptx
@@ -1936,7 +1936,7 @@
   <pc:docChgLst>
     <pc:chgData name="김소희" userId="292a1162-0793-4577-a94d-2dae0dfa5995" providerId="ADAL" clId="{0FCCC188-AAE5-4E7B-9D03-247A687AEAF8}"/>
     <pc:docChg chg="undo redo custSel addSld delSld modSld sldOrd modMainMaster">
-      <pc:chgData name="김소희" userId="292a1162-0793-4577-a94d-2dae0dfa5995" providerId="ADAL" clId="{0FCCC188-AAE5-4E7B-9D03-247A687AEAF8}" dt="2022-11-21T17:36:02.165" v="10700" actId="2711"/>
+      <pc:chgData name="김소희" userId="292a1162-0793-4577-a94d-2dae0dfa5995" providerId="ADAL" clId="{0FCCC188-AAE5-4E7B-9D03-247A687AEAF8}" dt="2022-11-22T02:28:10.149" v="10719" actId="1076"/>
       <pc:docMkLst>
         <pc:docMk/>
       </pc:docMkLst>
@@ -2075,7 +2075,7 @@
         </pc:sldMkLst>
       </pc:sldChg>
       <pc:sldChg chg="addSp delSp modSp mod setBg setClrOvrMap modNotesTx">
-        <pc:chgData name="김소희" userId="292a1162-0793-4577-a94d-2dae0dfa5995" providerId="ADAL" clId="{0FCCC188-AAE5-4E7B-9D03-247A687AEAF8}" dt="2022-11-20T11:42:24.566" v="1814"/>
+        <pc:chgData name="김소희" userId="292a1162-0793-4577-a94d-2dae0dfa5995" providerId="ADAL" clId="{0FCCC188-AAE5-4E7B-9D03-247A687AEAF8}" dt="2022-11-22T01:55:41.465" v="10712" actId="14100"/>
         <pc:sldMkLst>
           <pc:docMk/>
           <pc:sldMk cId="1982670525" sldId="274"/>
@@ -2601,7 +2601,7 @@
           </ac:picMkLst>
         </pc:picChg>
         <pc:picChg chg="add mod">
-          <ac:chgData name="김소희" userId="292a1162-0793-4577-a94d-2dae0dfa5995" providerId="ADAL" clId="{0FCCC188-AAE5-4E7B-9D03-247A687AEAF8}" dt="2022-11-13T07:42:02.858" v="147" actId="1076"/>
+          <ac:chgData name="김소희" userId="292a1162-0793-4577-a94d-2dae0dfa5995" providerId="ADAL" clId="{0FCCC188-AAE5-4E7B-9D03-247A687AEAF8}" dt="2022-11-22T01:55:41.465" v="10712" actId="14100"/>
           <ac:picMkLst>
             <pc:docMk/>
             <pc:sldMk cId="1982670525" sldId="274"/>
@@ -2745,7 +2745,7 @@
         </pc:sldMkLst>
       </pc:sldChg>
       <pc:sldChg chg="addSp delSp modSp add mod modAnim modNotesTx">
-        <pc:chgData name="김소희" userId="292a1162-0793-4577-a94d-2dae0dfa5995" providerId="ADAL" clId="{0FCCC188-AAE5-4E7B-9D03-247A687AEAF8}" dt="2022-11-21T17:35:02.635" v="10695" actId="2711"/>
+        <pc:chgData name="김소희" userId="292a1162-0793-4577-a94d-2dae0dfa5995" providerId="ADAL" clId="{0FCCC188-AAE5-4E7B-9D03-247A687AEAF8}" dt="2022-11-22T02:27:50.680" v="10716" actId="14100"/>
         <pc:sldMkLst>
           <pc:docMk/>
           <pc:sldMk cId="1308601588" sldId="296"/>
@@ -2903,7 +2903,7 @@
           </ac:spMkLst>
         </pc:spChg>
         <pc:spChg chg="add mod">
-          <ac:chgData name="김소희" userId="292a1162-0793-4577-a94d-2dae0dfa5995" providerId="ADAL" clId="{0FCCC188-AAE5-4E7B-9D03-247A687AEAF8}" dt="2022-11-21T17:35:02.635" v="10695" actId="2711"/>
+          <ac:chgData name="김소희" userId="292a1162-0793-4577-a94d-2dae0dfa5995" providerId="ADAL" clId="{0FCCC188-AAE5-4E7B-9D03-247A687AEAF8}" dt="2022-11-22T02:27:50.680" v="10716" actId="14100"/>
           <ac:spMkLst>
             <pc:docMk/>
             <pc:sldMk cId="1308601588" sldId="296"/>
@@ -3279,7 +3279,7 @@
         </pc:picChg>
       </pc:sldChg>
       <pc:sldChg chg="addSp delSp modSp add mod modNotesTx">
-        <pc:chgData name="김소희" userId="292a1162-0793-4577-a94d-2dae0dfa5995" providerId="ADAL" clId="{0FCCC188-AAE5-4E7B-9D03-247A687AEAF8}" dt="2022-11-21T17:34:53.760" v="10694" actId="2711"/>
+        <pc:chgData name="김소희" userId="292a1162-0793-4577-a94d-2dae0dfa5995" providerId="ADAL" clId="{0FCCC188-AAE5-4E7B-9D03-247A687AEAF8}" dt="2022-11-22T02:28:10.149" v="10719" actId="1076"/>
         <pc:sldMkLst>
           <pc:docMk/>
           <pc:sldMk cId="2354564375" sldId="298"/>
@@ -3325,7 +3325,7 @@
           </ac:spMkLst>
         </pc:spChg>
         <pc:spChg chg="add mod">
-          <ac:chgData name="김소희" userId="292a1162-0793-4577-a94d-2dae0dfa5995" providerId="ADAL" clId="{0FCCC188-AAE5-4E7B-9D03-247A687AEAF8}" dt="2022-11-21T17:34:53.760" v="10694" actId="2711"/>
+          <ac:chgData name="김소희" userId="292a1162-0793-4577-a94d-2dae0dfa5995" providerId="ADAL" clId="{0FCCC188-AAE5-4E7B-9D03-247A687AEAF8}" dt="2022-11-22T02:28:10.149" v="10719" actId="1076"/>
           <ac:spMkLst>
             <pc:docMk/>
             <pc:sldMk cId="2354564375" sldId="298"/>
@@ -4211,7 +4211,7 @@
         </pc:picChg>
       </pc:sldChg>
       <pc:sldChg chg="addSp delSp modSp add mod modAnim modNotesTx">
-        <pc:chgData name="김소희" userId="292a1162-0793-4577-a94d-2dae0dfa5995" providerId="ADAL" clId="{0FCCC188-AAE5-4E7B-9D03-247A687AEAF8}" dt="2022-11-21T17:36:02.165" v="10700" actId="2711"/>
+        <pc:chgData name="김소희" userId="292a1162-0793-4577-a94d-2dae0dfa5995" providerId="ADAL" clId="{0FCCC188-AAE5-4E7B-9D03-247A687AEAF8}" dt="2022-11-22T01:53:15.175" v="10710" actId="20577"/>
         <pc:sldMkLst>
           <pc:docMk/>
           <pc:sldMk cId="635534619" sldId="302"/>
@@ -4662,6 +4662,13 @@
             <ac:picMk id="12" creationId="{D5A17215-F693-0676-CE25-6AA39E01B703}"/>
           </ac:picMkLst>
         </pc:picChg>
+      </pc:sldChg>
+      <pc:sldChg chg="add del">
+        <pc:chgData name="김소희" userId="292a1162-0793-4577-a94d-2dae0dfa5995" providerId="ADAL" clId="{0FCCC188-AAE5-4E7B-9D03-247A687AEAF8}" dt="2022-11-22T02:26:57.882" v="10714" actId="47"/>
+        <pc:sldMkLst>
+          <pc:docMk/>
+          <pc:sldMk cId="535235781" sldId="305"/>
+        </pc:sldMkLst>
       </pc:sldChg>
       <pc:sldMasterChg chg="modSldLayout">
         <pc:chgData name="김소희" userId="292a1162-0793-4577-a94d-2dae0dfa5995" providerId="ADAL" clId="{0FCCC188-AAE5-4E7B-9D03-247A687AEAF8}" dt="2022-11-21T11:10:01.404" v="8792" actId="20577"/>
@@ -4914,3305 +4921,6 @@
           </ac:picMkLst>
         </pc:picChg>
       </pc:sldChg>
-    </pc:docChg>
-  </pc:docChgLst>
-  <pc:docChgLst>
-    <pc:chgData name="김소희" userId="292a1162-0793-4577-a94d-2dae0dfa5995" providerId="ADAL" clId="{56FB9BA8-8618-469E-B881-B7E5EAC1530C}"/>
-    <pc:docChg chg="undo custSel addSld modSld sldOrd modMainMaster">
-      <pc:chgData name="김소희" userId="292a1162-0793-4577-a94d-2dae0dfa5995" providerId="ADAL" clId="{56FB9BA8-8618-469E-B881-B7E5EAC1530C}" dt="2022-07-19T05:43:20.955" v="15316" actId="20577"/>
-      <pc:docMkLst>
-        <pc:docMk/>
-      </pc:docMkLst>
-      <pc:sldChg chg="modSp mod">
-        <pc:chgData name="김소희" userId="292a1162-0793-4577-a94d-2dae0dfa5995" providerId="ADAL" clId="{56FB9BA8-8618-469E-B881-B7E5EAC1530C}" dt="2022-07-16T16:55:23.235" v="6641" actId="113"/>
-        <pc:sldMkLst>
-          <pc:docMk/>
-          <pc:sldMk cId="158654813" sldId="256"/>
-        </pc:sldMkLst>
-        <pc:spChg chg="mod">
-          <ac:chgData name="김소희" userId="292a1162-0793-4577-a94d-2dae0dfa5995" providerId="ADAL" clId="{56FB9BA8-8618-469E-B881-B7E5EAC1530C}" dt="2022-07-16T16:55:23.235" v="6641" actId="113"/>
-          <ac:spMkLst>
-            <pc:docMk/>
-            <pc:sldMk cId="158654813" sldId="256"/>
-            <ac:spMk id="2" creationId="{D42C8D01-1348-904F-A28E-FB1F05F50B66}"/>
-          </ac:spMkLst>
-        </pc:spChg>
-      </pc:sldChg>
-      <pc:sldChg chg="addSp delSp modSp mod modNotesTx">
-        <pc:chgData name="김소희" userId="292a1162-0793-4577-a94d-2dae0dfa5995" providerId="ADAL" clId="{56FB9BA8-8618-469E-B881-B7E5EAC1530C}" dt="2022-07-17T12:27:12.652" v="7259" actId="20577"/>
-        <pc:sldMkLst>
-          <pc:docMk/>
-          <pc:sldMk cId="1064256564" sldId="257"/>
-        </pc:sldMkLst>
-        <pc:spChg chg="add mod">
-          <ac:chgData name="김소희" userId="292a1162-0793-4577-a94d-2dae0dfa5995" providerId="ADAL" clId="{56FB9BA8-8618-469E-B881-B7E5EAC1530C}" dt="2022-07-16T08:31:39.259" v="1367" actId="207"/>
-          <ac:spMkLst>
-            <pc:docMk/>
-            <pc:sldMk cId="1064256564" sldId="257"/>
-            <ac:spMk id="4" creationId="{23D46D21-7D87-A5C5-3A16-F43F451EE6D6}"/>
-          </ac:spMkLst>
-        </pc:spChg>
-        <pc:spChg chg="mod">
-          <ac:chgData name="김소희" userId="292a1162-0793-4577-a94d-2dae0dfa5995" providerId="ADAL" clId="{56FB9BA8-8618-469E-B881-B7E5EAC1530C}" dt="2022-07-17T12:27:12.652" v="7259" actId="20577"/>
-          <ac:spMkLst>
-            <pc:docMk/>
-            <pc:sldMk cId="1064256564" sldId="257"/>
-            <ac:spMk id="6" creationId="{2188782E-44BF-062E-224B-C021A5C826FC}"/>
-          </ac:spMkLst>
-        </pc:spChg>
-        <pc:spChg chg="del mod">
-          <ac:chgData name="김소희" userId="292a1162-0793-4577-a94d-2dae0dfa5995" providerId="ADAL" clId="{56FB9BA8-8618-469E-B881-B7E5EAC1530C}" dt="2022-07-16T08:26:10.230" v="1075" actId="478"/>
-          <ac:spMkLst>
-            <pc:docMk/>
-            <pc:sldMk cId="1064256564" sldId="257"/>
-            <ac:spMk id="8" creationId="{91C6AC31-B2E0-521A-F2DE-468A37F39761}"/>
-          </ac:spMkLst>
-        </pc:spChg>
-        <pc:spChg chg="add del mod">
-          <ac:chgData name="김소희" userId="292a1162-0793-4577-a94d-2dae0dfa5995" providerId="ADAL" clId="{56FB9BA8-8618-469E-B881-B7E5EAC1530C}" dt="2022-07-16T08:30:37.383" v="1361" actId="478"/>
-          <ac:spMkLst>
-            <pc:docMk/>
-            <pc:sldMk cId="1064256564" sldId="257"/>
-            <ac:spMk id="10" creationId="{0BC09C1D-47E9-8980-4D0D-1F639EC5333B}"/>
-          </ac:spMkLst>
-        </pc:spChg>
-        <pc:spChg chg="add mod">
-          <ac:chgData name="김소희" userId="292a1162-0793-4577-a94d-2dae0dfa5995" providerId="ADAL" clId="{56FB9BA8-8618-469E-B881-B7E5EAC1530C}" dt="2022-07-16T08:30:28.806" v="1359" actId="14100"/>
-          <ac:spMkLst>
-            <pc:docMk/>
-            <pc:sldMk cId="1064256564" sldId="257"/>
-            <ac:spMk id="13" creationId="{174246C5-3CB0-4EE1-338B-F486C3F74F8D}"/>
-          </ac:spMkLst>
-        </pc:spChg>
-        <pc:picChg chg="del mod">
-          <ac:chgData name="김소희" userId="292a1162-0793-4577-a94d-2dae0dfa5995" providerId="ADAL" clId="{56FB9BA8-8618-469E-B881-B7E5EAC1530C}" dt="2022-07-16T08:26:10.230" v="1075" actId="478"/>
-          <ac:picMkLst>
-            <pc:docMk/>
-            <pc:sldMk cId="1064256564" sldId="257"/>
-            <ac:picMk id="12" creationId="{848F1558-F4DC-3F98-DD5D-BEE130F52286}"/>
-          </ac:picMkLst>
-        </pc:picChg>
-        <pc:picChg chg="add mod">
-          <ac:chgData name="김소희" userId="292a1162-0793-4577-a94d-2dae0dfa5995" providerId="ADAL" clId="{56FB9BA8-8618-469E-B881-B7E5EAC1530C}" dt="2022-07-16T08:28:53.073" v="1274" actId="1076"/>
-          <ac:picMkLst>
-            <pc:docMk/>
-            <pc:sldMk cId="1064256564" sldId="257"/>
-            <ac:picMk id="1026" creationId="{082B6978-1040-2636-ECB5-72C25D649201}"/>
-          </ac:picMkLst>
-        </pc:picChg>
-      </pc:sldChg>
-      <pc:sldChg chg="addSp delSp modSp add mod modNotesTx">
-        <pc:chgData name="김소희" userId="292a1162-0793-4577-a94d-2dae0dfa5995" providerId="ADAL" clId="{56FB9BA8-8618-469E-B881-B7E5EAC1530C}" dt="2022-07-16T09:04:12.262" v="1882" actId="20577"/>
-        <pc:sldMkLst>
-          <pc:docMk/>
-          <pc:sldMk cId="2351987689" sldId="258"/>
-        </pc:sldMkLst>
-        <pc:spChg chg="mod">
-          <ac:chgData name="김소희" userId="292a1162-0793-4577-a94d-2dae0dfa5995" providerId="ADAL" clId="{56FB9BA8-8618-469E-B881-B7E5EAC1530C}" dt="2022-07-16T08:30:49.384" v="1364" actId="14100"/>
-          <ac:spMkLst>
-            <pc:docMk/>
-            <pc:sldMk cId="2351987689" sldId="258"/>
-            <ac:spMk id="6" creationId="{2188782E-44BF-062E-224B-C021A5C826FC}"/>
-          </ac:spMkLst>
-        </pc:spChg>
-        <pc:spChg chg="del">
-          <ac:chgData name="김소희" userId="292a1162-0793-4577-a94d-2dae0dfa5995" providerId="ADAL" clId="{56FB9BA8-8618-469E-B881-B7E5EAC1530C}" dt="2022-07-16T08:20:29.194" v="731" actId="478"/>
-          <ac:spMkLst>
-            <pc:docMk/>
-            <pc:sldMk cId="2351987689" sldId="258"/>
-            <ac:spMk id="8" creationId="{91C6AC31-B2E0-521A-F2DE-468A37F39761}"/>
-          </ac:spMkLst>
-        </pc:spChg>
-        <pc:spChg chg="del mod">
-          <ac:chgData name="김소희" userId="292a1162-0793-4577-a94d-2dae0dfa5995" providerId="ADAL" clId="{56FB9BA8-8618-469E-B881-B7E5EAC1530C}" dt="2022-07-16T08:22:50.756" v="865" actId="478"/>
-          <ac:spMkLst>
-            <pc:docMk/>
-            <pc:sldMk cId="2351987689" sldId="258"/>
-            <ac:spMk id="10" creationId="{0BC09C1D-47E9-8980-4D0D-1F639EC5333B}"/>
-          </ac:spMkLst>
-        </pc:spChg>
-        <pc:spChg chg="add mod">
-          <ac:chgData name="김소희" userId="292a1162-0793-4577-a94d-2dae0dfa5995" providerId="ADAL" clId="{56FB9BA8-8618-469E-B881-B7E5EAC1530C}" dt="2022-07-16T08:26:03.472" v="1074" actId="12"/>
-          <ac:spMkLst>
-            <pc:docMk/>
-            <pc:sldMk cId="2351987689" sldId="258"/>
-            <ac:spMk id="11" creationId="{5481EF30-FFA6-F378-2E64-2114E0FFA5EF}"/>
-          </ac:spMkLst>
-        </pc:spChg>
-        <pc:spChg chg="add mod">
-          <ac:chgData name="김소희" userId="292a1162-0793-4577-a94d-2dae0dfa5995" providerId="ADAL" clId="{56FB9BA8-8618-469E-B881-B7E5EAC1530C}" dt="2022-07-16T08:50:44.709" v="1638" actId="12"/>
-          <ac:spMkLst>
-            <pc:docMk/>
-            <pc:sldMk cId="2351987689" sldId="258"/>
-            <ac:spMk id="13" creationId="{05BC5614-7DFD-FAE5-2BEB-AF2F6A47D423}"/>
-          </ac:spMkLst>
-        </pc:spChg>
-        <pc:picChg chg="del">
-          <ac:chgData name="김소희" userId="292a1162-0793-4577-a94d-2dae0dfa5995" providerId="ADAL" clId="{56FB9BA8-8618-469E-B881-B7E5EAC1530C}" dt="2022-07-16T08:20:28.095" v="730" actId="478"/>
-          <ac:picMkLst>
-            <pc:docMk/>
-            <pc:sldMk cId="2351987689" sldId="258"/>
-            <ac:picMk id="12" creationId="{848F1558-F4DC-3F98-DD5D-BEE130F52286}"/>
-          </ac:picMkLst>
-        </pc:picChg>
-        <pc:picChg chg="add mod">
-          <ac:chgData name="김소희" userId="292a1162-0793-4577-a94d-2dae0dfa5995" providerId="ADAL" clId="{56FB9BA8-8618-469E-B881-B7E5EAC1530C}" dt="2022-07-16T08:25:46.015" v="1070"/>
-          <ac:picMkLst>
-            <pc:docMk/>
-            <pc:sldMk cId="2351987689" sldId="258"/>
-            <ac:picMk id="14" creationId="{3550B59F-30E4-08DC-0645-D07F8750CACD}"/>
-          </ac:picMkLst>
-        </pc:picChg>
-        <pc:picChg chg="del">
-          <ac:chgData name="김소희" userId="292a1162-0793-4577-a94d-2dae0dfa5995" providerId="ADAL" clId="{56FB9BA8-8618-469E-B881-B7E5EAC1530C}" dt="2022-07-16T08:20:27.555" v="729" actId="478"/>
-          <ac:picMkLst>
-            <pc:docMk/>
-            <pc:sldMk cId="2351987689" sldId="258"/>
-            <ac:picMk id="1026" creationId="{082B6978-1040-2636-ECB5-72C25D649201}"/>
-          </ac:picMkLst>
-        </pc:picChg>
-      </pc:sldChg>
-      <pc:sldChg chg="addSp delSp modSp add mod modNotesTx">
-        <pc:chgData name="김소희" userId="292a1162-0793-4577-a94d-2dae0dfa5995" providerId="ADAL" clId="{56FB9BA8-8618-469E-B881-B7E5EAC1530C}" dt="2022-07-16T16:42:24.003" v="6221" actId="1035"/>
-        <pc:sldMkLst>
-          <pc:docMk/>
-          <pc:sldMk cId="2540614236" sldId="259"/>
-        </pc:sldMkLst>
-        <pc:spChg chg="mod">
-          <ac:chgData name="김소희" userId="292a1162-0793-4577-a94d-2dae0dfa5995" providerId="ADAL" clId="{56FB9BA8-8618-469E-B881-B7E5EAC1530C}" dt="2022-07-16T08:31:55.418" v="1382" actId="20577"/>
-          <ac:spMkLst>
-            <pc:docMk/>
-            <pc:sldMk cId="2540614236" sldId="259"/>
-            <ac:spMk id="2" creationId="{5C386871-B092-6B43-A8DA-B84A6CCCC7F5}"/>
-          </ac:spMkLst>
-        </pc:spChg>
-        <pc:spChg chg="add mod">
-          <ac:chgData name="김소희" userId="292a1162-0793-4577-a94d-2dae0dfa5995" providerId="ADAL" clId="{56FB9BA8-8618-469E-B881-B7E5EAC1530C}" dt="2022-07-16T13:45:59.286" v="4654" actId="164"/>
-          <ac:spMkLst>
-            <pc:docMk/>
-            <pc:sldMk cId="2540614236" sldId="259"/>
-            <ac:spMk id="5" creationId="{24DA0997-B92A-747D-4206-9DEFB0356AFD}"/>
-          </ac:spMkLst>
-        </pc:spChg>
-        <pc:spChg chg="mod">
-          <ac:chgData name="김소희" userId="292a1162-0793-4577-a94d-2dae0dfa5995" providerId="ADAL" clId="{56FB9BA8-8618-469E-B881-B7E5EAC1530C}" dt="2022-07-16T09:28:09.859" v="2552" actId="12"/>
-          <ac:spMkLst>
-            <pc:docMk/>
-            <pc:sldMk cId="2540614236" sldId="259"/>
-            <ac:spMk id="6" creationId="{2188782E-44BF-062E-224B-C021A5C826FC}"/>
-          </ac:spMkLst>
-        </pc:spChg>
-        <pc:spChg chg="add mod">
-          <ac:chgData name="김소희" userId="292a1162-0793-4577-a94d-2dae0dfa5995" providerId="ADAL" clId="{56FB9BA8-8618-469E-B881-B7E5EAC1530C}" dt="2022-07-16T13:45:59.286" v="4654" actId="164"/>
-          <ac:spMkLst>
-            <pc:docMk/>
-            <pc:sldMk cId="2540614236" sldId="259"/>
-            <ac:spMk id="10" creationId="{B0AB050B-B991-465F-2E16-1A469CA5D388}"/>
-          </ac:spMkLst>
-        </pc:spChg>
-        <pc:spChg chg="mod">
-          <ac:chgData name="김소희" userId="292a1162-0793-4577-a94d-2dae0dfa5995" providerId="ADAL" clId="{56FB9BA8-8618-469E-B881-B7E5EAC1530C}" dt="2022-07-16T16:42:21.207" v="6217" actId="1036"/>
-          <ac:spMkLst>
-            <pc:docMk/>
-            <pc:sldMk cId="2540614236" sldId="259"/>
-            <ac:spMk id="11" creationId="{5481EF30-FFA6-F378-2E64-2114E0FFA5EF}"/>
-          </ac:spMkLst>
-        </pc:spChg>
-        <pc:spChg chg="add del mod">
-          <ac:chgData name="김소희" userId="292a1162-0793-4577-a94d-2dae0dfa5995" providerId="ADAL" clId="{56FB9BA8-8618-469E-B881-B7E5EAC1530C}" dt="2022-07-16T08:52:51.395" v="1675" actId="478"/>
-          <ac:spMkLst>
-            <pc:docMk/>
-            <pc:sldMk cId="2540614236" sldId="259"/>
-            <ac:spMk id="12" creationId="{13D2191F-0914-B705-64B1-CAAF1AACD383}"/>
-          </ac:spMkLst>
-        </pc:spChg>
-        <pc:spChg chg="add mod">
-          <ac:chgData name="김소희" userId="292a1162-0793-4577-a94d-2dae0dfa5995" providerId="ADAL" clId="{56FB9BA8-8618-469E-B881-B7E5EAC1530C}" dt="2022-07-16T13:45:59.286" v="4654" actId="164"/>
-          <ac:spMkLst>
-            <pc:docMk/>
-            <pc:sldMk cId="2540614236" sldId="259"/>
-            <ac:spMk id="12" creationId="{65019E8B-8A3F-C319-1082-C904FCE012C2}"/>
-          </ac:spMkLst>
-        </pc:spChg>
-        <pc:spChg chg="del">
-          <ac:chgData name="김소희" userId="292a1162-0793-4577-a94d-2dae0dfa5995" providerId="ADAL" clId="{56FB9BA8-8618-469E-B881-B7E5EAC1530C}" dt="2022-07-16T08:32:37.335" v="1444" actId="478"/>
-          <ac:spMkLst>
-            <pc:docMk/>
-            <pc:sldMk cId="2540614236" sldId="259"/>
-            <ac:spMk id="13" creationId="{05BC5614-7DFD-FAE5-2BEB-AF2F6A47D423}"/>
-          </ac:spMkLst>
-        </pc:spChg>
-        <pc:spChg chg="add mod">
-          <ac:chgData name="김소희" userId="292a1162-0793-4577-a94d-2dae0dfa5995" providerId="ADAL" clId="{56FB9BA8-8618-469E-B881-B7E5EAC1530C}" dt="2022-07-16T13:45:59.286" v="4654" actId="164"/>
-          <ac:spMkLst>
-            <pc:docMk/>
-            <pc:sldMk cId="2540614236" sldId="259"/>
-            <ac:spMk id="13" creationId="{149E48E9-A829-BECD-FC9E-7DA93463AA6E}"/>
-          </ac:spMkLst>
-        </pc:spChg>
-        <pc:spChg chg="add mod">
-          <ac:chgData name="김소희" userId="292a1162-0793-4577-a94d-2dae0dfa5995" providerId="ADAL" clId="{56FB9BA8-8618-469E-B881-B7E5EAC1530C}" dt="2022-07-16T09:11:41.309" v="2014" actId="1076"/>
-          <ac:spMkLst>
-            <pc:docMk/>
-            <pc:sldMk cId="2540614236" sldId="259"/>
-            <ac:spMk id="14" creationId="{3A2F6365-F069-3566-8C7B-8A2F6BEA5AFB}"/>
-          </ac:spMkLst>
-        </pc:spChg>
-        <pc:spChg chg="add mod">
-          <ac:chgData name="김소희" userId="292a1162-0793-4577-a94d-2dae0dfa5995" providerId="ADAL" clId="{56FB9BA8-8618-469E-B881-B7E5EAC1530C}" dt="2022-07-16T13:45:59.286" v="4654" actId="164"/>
-          <ac:spMkLst>
-            <pc:docMk/>
-            <pc:sldMk cId="2540614236" sldId="259"/>
-            <ac:spMk id="15" creationId="{B770780B-C5B7-E047-A823-FA8D84EFBCD2}"/>
-          </ac:spMkLst>
-        </pc:spChg>
-        <pc:spChg chg="add del mod">
-          <ac:chgData name="김소희" userId="292a1162-0793-4577-a94d-2dae0dfa5995" providerId="ADAL" clId="{56FB9BA8-8618-469E-B881-B7E5EAC1530C}" dt="2022-07-16T09:05:24.174" v="1924" actId="478"/>
-          <ac:spMkLst>
-            <pc:docMk/>
-            <pc:sldMk cId="2540614236" sldId="259"/>
-            <ac:spMk id="17" creationId="{243EB416-31B4-D5A6-F31A-5544CB387F6F}"/>
-          </ac:spMkLst>
-        </pc:spChg>
-        <pc:spChg chg="add del mod">
-          <ac:chgData name="김소희" userId="292a1162-0793-4577-a94d-2dae0dfa5995" providerId="ADAL" clId="{56FB9BA8-8618-469E-B881-B7E5EAC1530C}" dt="2022-07-16T09:10:11.336" v="2000" actId="478"/>
-          <ac:spMkLst>
-            <pc:docMk/>
-            <pc:sldMk cId="2540614236" sldId="259"/>
-            <ac:spMk id="19" creationId="{E94A76AD-6E09-A439-0AEF-86EDCE9E60F2}"/>
-          </ac:spMkLst>
-        </pc:spChg>
-        <pc:grpChg chg="add mod">
-          <ac:chgData name="김소희" userId="292a1162-0793-4577-a94d-2dae0dfa5995" providerId="ADAL" clId="{56FB9BA8-8618-469E-B881-B7E5EAC1530C}" dt="2022-07-16T13:45:59.286" v="4654" actId="164"/>
-          <ac:grpSpMkLst>
-            <pc:docMk/>
-            <pc:sldMk cId="2540614236" sldId="259"/>
-            <ac:grpSpMk id="3" creationId="{3E8FF027-0355-3747-AFA7-CB35E9A8E7AF}"/>
-          </ac:grpSpMkLst>
-        </pc:grpChg>
-        <pc:picChg chg="add mod">
-          <ac:chgData name="김소희" userId="292a1162-0793-4577-a94d-2dae0dfa5995" providerId="ADAL" clId="{56FB9BA8-8618-469E-B881-B7E5EAC1530C}" dt="2022-07-16T13:45:59.286" v="4654" actId="164"/>
-          <ac:picMkLst>
-            <pc:docMk/>
-            <pc:sldMk cId="2540614236" sldId="259"/>
-            <ac:picMk id="4" creationId="{DAA39A6E-FD07-BFB0-77C6-D5834F1AA695}"/>
-          </ac:picMkLst>
-        </pc:picChg>
-        <pc:picChg chg="add mod">
-          <ac:chgData name="김소희" userId="292a1162-0793-4577-a94d-2dae0dfa5995" providerId="ADAL" clId="{56FB9BA8-8618-469E-B881-B7E5EAC1530C}" dt="2022-07-16T16:42:24.003" v="6221" actId="1035"/>
-          <ac:picMkLst>
-            <pc:docMk/>
-            <pc:sldMk cId="2540614236" sldId="259"/>
-            <ac:picMk id="7" creationId="{0935BA8F-CDDC-8772-DE95-5623BAFA5E44}"/>
-          </ac:picMkLst>
-        </pc:picChg>
-        <pc:picChg chg="del">
-          <ac:chgData name="김소희" userId="292a1162-0793-4577-a94d-2dae0dfa5995" providerId="ADAL" clId="{56FB9BA8-8618-469E-B881-B7E5EAC1530C}" dt="2022-07-16T08:32:37.800" v="1445" actId="478"/>
-          <ac:picMkLst>
-            <pc:docMk/>
-            <pc:sldMk cId="2540614236" sldId="259"/>
-            <ac:picMk id="14" creationId="{3550B59F-30E4-08DC-0645-D07F8750CACD}"/>
-          </ac:picMkLst>
-        </pc:picChg>
-        <pc:cxnChg chg="add mod">
-          <ac:chgData name="김소희" userId="292a1162-0793-4577-a94d-2dae0dfa5995" providerId="ADAL" clId="{56FB9BA8-8618-469E-B881-B7E5EAC1530C}" dt="2022-07-16T13:45:59.286" v="4654" actId="164"/>
-          <ac:cxnSpMkLst>
-            <pc:docMk/>
-            <pc:sldMk cId="2540614236" sldId="259"/>
-            <ac:cxnSpMk id="8" creationId="{450BE0E2-44E3-0895-C714-B9C57F5B8E25}"/>
-          </ac:cxnSpMkLst>
-        </pc:cxnChg>
-      </pc:sldChg>
-      <pc:sldChg chg="addSp delSp modSp add mod modNotesTx">
-        <pc:chgData name="김소희" userId="292a1162-0793-4577-a94d-2dae0dfa5995" providerId="ADAL" clId="{56FB9BA8-8618-469E-B881-B7E5EAC1530C}" dt="2022-07-16T09:32:31.477" v="2641" actId="948"/>
-        <pc:sldMkLst>
-          <pc:docMk/>
-          <pc:sldMk cId="2288350488" sldId="260"/>
-        </pc:sldMkLst>
-        <pc:spChg chg="del mod">
-          <ac:chgData name="김소희" userId="292a1162-0793-4577-a94d-2dae0dfa5995" providerId="ADAL" clId="{56FB9BA8-8618-469E-B881-B7E5EAC1530C}" dt="2022-07-16T09:27:56.102" v="2549" actId="478"/>
-          <ac:spMkLst>
-            <pc:docMk/>
-            <pc:sldMk cId="2288350488" sldId="260"/>
-            <ac:spMk id="6" creationId="{2188782E-44BF-062E-224B-C021A5C826FC}"/>
-          </ac:spMkLst>
-        </pc:spChg>
-        <pc:spChg chg="add mod">
-          <ac:chgData name="김소희" userId="292a1162-0793-4577-a94d-2dae0dfa5995" providerId="ADAL" clId="{56FB9BA8-8618-469E-B881-B7E5EAC1530C}" dt="2022-07-16T09:30:40.702" v="2631" actId="20577"/>
-          <ac:spMkLst>
-            <pc:docMk/>
-            <pc:sldMk cId="2288350488" sldId="260"/>
-            <ac:spMk id="7" creationId="{CC716C3F-F2B1-F760-045E-029309F50BD4}"/>
-          </ac:spMkLst>
-        </pc:spChg>
-        <pc:spChg chg="mod">
-          <ac:chgData name="김소희" userId="292a1162-0793-4577-a94d-2dae0dfa5995" providerId="ADAL" clId="{56FB9BA8-8618-469E-B881-B7E5EAC1530C}" dt="2022-07-16T09:32:31.477" v="2641" actId="948"/>
-          <ac:spMkLst>
-            <pc:docMk/>
-            <pc:sldMk cId="2288350488" sldId="260"/>
-            <ac:spMk id="11" creationId="{5481EF30-FFA6-F378-2E64-2114E0FFA5EF}"/>
-          </ac:spMkLst>
-        </pc:spChg>
-        <pc:picChg chg="del">
-          <ac:chgData name="김소희" userId="292a1162-0793-4577-a94d-2dae0dfa5995" providerId="ADAL" clId="{56FB9BA8-8618-469E-B881-B7E5EAC1530C}" dt="2022-07-16T09:25:52.806" v="2452" actId="478"/>
-          <ac:picMkLst>
-            <pc:docMk/>
-            <pc:sldMk cId="2288350488" sldId="260"/>
-            <ac:picMk id="4" creationId="{DAA39A6E-FD07-BFB0-77C6-D5834F1AA695}"/>
-          </ac:picMkLst>
-        </pc:picChg>
-      </pc:sldChg>
-      <pc:sldChg chg="addSp delSp modSp add mod modNotesTx">
-        <pc:chgData name="김소희" userId="292a1162-0793-4577-a94d-2dae0dfa5995" providerId="ADAL" clId="{56FB9BA8-8618-469E-B881-B7E5EAC1530C}" dt="2022-07-16T09:35:58.420" v="2686" actId="1076"/>
-        <pc:sldMkLst>
-          <pc:docMk/>
-          <pc:sldMk cId="676448917" sldId="261"/>
-        </pc:sldMkLst>
-        <pc:spChg chg="add del mod">
-          <ac:chgData name="김소희" userId="292a1162-0793-4577-a94d-2dae0dfa5995" providerId="ADAL" clId="{56FB9BA8-8618-469E-B881-B7E5EAC1530C}" dt="2022-07-16T09:35:38.528" v="2677" actId="478"/>
-          <ac:spMkLst>
-            <pc:docMk/>
-            <pc:sldMk cId="676448917" sldId="261"/>
-            <ac:spMk id="3" creationId="{19DC913F-F72D-2D6E-7D41-F86B5E551E4E}"/>
-          </ac:spMkLst>
-        </pc:spChg>
-        <pc:spChg chg="del">
-          <ac:chgData name="김소희" userId="292a1162-0793-4577-a94d-2dae0dfa5995" providerId="ADAL" clId="{56FB9BA8-8618-469E-B881-B7E5EAC1530C}" dt="2022-07-16T08:57:03.404" v="1730" actId="478"/>
-          <ac:spMkLst>
-            <pc:docMk/>
-            <pc:sldMk cId="676448917" sldId="261"/>
-            <ac:spMk id="5" creationId="{24DA0997-B92A-747D-4206-9DEFB0356AFD}"/>
-          </ac:spMkLst>
-        </pc:spChg>
-        <pc:spChg chg="mod">
-          <ac:chgData name="김소희" userId="292a1162-0793-4577-a94d-2dae0dfa5995" providerId="ADAL" clId="{56FB9BA8-8618-469E-B881-B7E5EAC1530C}" dt="2022-07-16T09:28:05.504" v="2551" actId="12"/>
-          <ac:spMkLst>
-            <pc:docMk/>
-            <pc:sldMk cId="676448917" sldId="261"/>
-            <ac:spMk id="6" creationId="{2188782E-44BF-062E-224B-C021A5C826FC}"/>
-          </ac:spMkLst>
-        </pc:spChg>
-        <pc:spChg chg="del">
-          <ac:chgData name="김소희" userId="292a1162-0793-4577-a94d-2dae0dfa5995" providerId="ADAL" clId="{56FB9BA8-8618-469E-B881-B7E5EAC1530C}" dt="2022-07-16T08:57:03.404" v="1730" actId="478"/>
-          <ac:spMkLst>
-            <pc:docMk/>
-            <pc:sldMk cId="676448917" sldId="261"/>
-            <ac:spMk id="10" creationId="{B0AB050B-B991-465F-2E16-1A469CA5D388}"/>
-          </ac:spMkLst>
-        </pc:spChg>
-        <pc:spChg chg="del">
-          <ac:chgData name="김소희" userId="292a1162-0793-4577-a94d-2dae0dfa5995" providerId="ADAL" clId="{56FB9BA8-8618-469E-B881-B7E5EAC1530C}" dt="2022-07-16T08:57:00.909" v="1729" actId="478"/>
-          <ac:spMkLst>
-            <pc:docMk/>
-            <pc:sldMk cId="676448917" sldId="261"/>
-            <ac:spMk id="11" creationId="{5481EF30-FFA6-F378-2E64-2114E0FFA5EF}"/>
-          </ac:spMkLst>
-        </pc:spChg>
-        <pc:spChg chg="del">
-          <ac:chgData name="김소희" userId="292a1162-0793-4577-a94d-2dae0dfa5995" providerId="ADAL" clId="{56FB9BA8-8618-469E-B881-B7E5EAC1530C}" dt="2022-07-16T08:57:03.404" v="1730" actId="478"/>
-          <ac:spMkLst>
-            <pc:docMk/>
-            <pc:sldMk cId="676448917" sldId="261"/>
-            <ac:spMk id="12" creationId="{65019E8B-8A3F-C319-1082-C904FCE012C2}"/>
-          </ac:spMkLst>
-        </pc:spChg>
-        <pc:spChg chg="del">
-          <ac:chgData name="김소희" userId="292a1162-0793-4577-a94d-2dae0dfa5995" providerId="ADAL" clId="{56FB9BA8-8618-469E-B881-B7E5EAC1530C}" dt="2022-07-16T08:57:03.404" v="1730" actId="478"/>
-          <ac:spMkLst>
-            <pc:docMk/>
-            <pc:sldMk cId="676448917" sldId="261"/>
-            <ac:spMk id="13" creationId="{149E48E9-A829-BECD-FC9E-7DA93463AA6E}"/>
-          </ac:spMkLst>
-        </pc:spChg>
-        <pc:spChg chg="del">
-          <ac:chgData name="김소희" userId="292a1162-0793-4577-a94d-2dae0dfa5995" providerId="ADAL" clId="{56FB9BA8-8618-469E-B881-B7E5EAC1530C}" dt="2022-07-16T08:57:03.404" v="1730" actId="478"/>
-          <ac:spMkLst>
-            <pc:docMk/>
-            <pc:sldMk cId="676448917" sldId="261"/>
-            <ac:spMk id="15" creationId="{B770780B-C5B7-E047-A823-FA8D84EFBCD2}"/>
-          </ac:spMkLst>
-        </pc:spChg>
-        <pc:spChg chg="add del mod">
-          <ac:chgData name="김소희" userId="292a1162-0793-4577-a94d-2dae0dfa5995" providerId="ADAL" clId="{56FB9BA8-8618-469E-B881-B7E5EAC1530C}" dt="2022-07-16T09:35:38.528" v="2677" actId="478"/>
-          <ac:spMkLst>
-            <pc:docMk/>
-            <pc:sldMk cId="676448917" sldId="261"/>
-            <ac:spMk id="19" creationId="{0126A984-6C79-D91E-B5E5-80CEAF4141F8}"/>
-          </ac:spMkLst>
-        </pc:spChg>
-        <pc:spChg chg="add del mod">
-          <ac:chgData name="김소희" userId="292a1162-0793-4577-a94d-2dae0dfa5995" providerId="ADAL" clId="{56FB9BA8-8618-469E-B881-B7E5EAC1530C}" dt="2022-07-16T09:35:37.344" v="2676" actId="478"/>
-          <ac:spMkLst>
-            <pc:docMk/>
-            <pc:sldMk cId="676448917" sldId="261"/>
-            <ac:spMk id="20" creationId="{5B1C124D-E9AC-85F9-B0EF-8582DE581848}"/>
-          </ac:spMkLst>
-        </pc:spChg>
-        <pc:spChg chg="add del mod">
-          <ac:chgData name="김소희" userId="292a1162-0793-4577-a94d-2dae0dfa5995" providerId="ADAL" clId="{56FB9BA8-8618-469E-B881-B7E5EAC1530C}" dt="2022-07-16T09:35:25.720" v="2673" actId="478"/>
-          <ac:spMkLst>
-            <pc:docMk/>
-            <pc:sldMk cId="676448917" sldId="261"/>
-            <ac:spMk id="21" creationId="{7F1F594F-B298-8402-0077-5DF71DD518E4}"/>
-          </ac:spMkLst>
-        </pc:spChg>
-        <pc:spChg chg="add del mod">
-          <ac:chgData name="김소희" userId="292a1162-0793-4577-a94d-2dae0dfa5995" providerId="ADAL" clId="{56FB9BA8-8618-469E-B881-B7E5EAC1530C}" dt="2022-07-16T09:35:27.018" v="2675" actId="478"/>
-          <ac:spMkLst>
-            <pc:docMk/>
-            <pc:sldMk cId="676448917" sldId="261"/>
-            <ac:spMk id="22" creationId="{4D045694-0B2F-CC04-8B49-C19A5A09B1BE}"/>
-          </ac:spMkLst>
-        </pc:spChg>
-        <pc:spChg chg="add mod">
-          <ac:chgData name="김소희" userId="292a1162-0793-4577-a94d-2dae0dfa5995" providerId="ADAL" clId="{56FB9BA8-8618-469E-B881-B7E5EAC1530C}" dt="2022-07-16T09:35:11.793" v="2666" actId="1076"/>
-          <ac:spMkLst>
-            <pc:docMk/>
-            <pc:sldMk cId="676448917" sldId="261"/>
-            <ac:spMk id="28" creationId="{72DE8D63-3C98-84CB-644B-1853D9E89E53}"/>
-          </ac:spMkLst>
-        </pc:spChg>
-        <pc:picChg chg="del">
-          <ac:chgData name="김소희" userId="292a1162-0793-4577-a94d-2dae0dfa5995" providerId="ADAL" clId="{56FB9BA8-8618-469E-B881-B7E5EAC1530C}" dt="2022-07-16T08:57:03.404" v="1730" actId="478"/>
-          <ac:picMkLst>
-            <pc:docMk/>
-            <pc:sldMk cId="676448917" sldId="261"/>
-            <ac:picMk id="4" creationId="{DAA39A6E-FD07-BFB0-77C6-D5834F1AA695}"/>
-          </ac:picMkLst>
-        </pc:picChg>
-        <pc:picChg chg="add del mod">
-          <ac:chgData name="김소희" userId="292a1162-0793-4577-a94d-2dae0dfa5995" providerId="ADAL" clId="{56FB9BA8-8618-469E-B881-B7E5EAC1530C}" dt="2022-07-16T09:35:22.249" v="2669" actId="478"/>
-          <ac:picMkLst>
-            <pc:docMk/>
-            <pc:sldMk cId="676448917" sldId="261"/>
-            <ac:picMk id="14" creationId="{238310A9-59BB-4FB5-ABF7-7735DF51CA1D}"/>
-          </ac:picMkLst>
-        </pc:picChg>
-        <pc:picChg chg="add del mod">
-          <ac:chgData name="김소희" userId="292a1162-0793-4577-a94d-2dae0dfa5995" providerId="ADAL" clId="{56FB9BA8-8618-469E-B881-B7E5EAC1530C}" dt="2022-07-16T09:35:26.286" v="2674" actId="478"/>
-          <ac:picMkLst>
-            <pc:docMk/>
-            <pc:sldMk cId="676448917" sldId="261"/>
-            <ac:picMk id="17" creationId="{8BDC61B1-3BFB-DBE1-7173-C179D1F8F468}"/>
-          </ac:picMkLst>
-        </pc:picChg>
-        <pc:picChg chg="add del mod">
-          <ac:chgData name="김소희" userId="292a1162-0793-4577-a94d-2dae0dfa5995" providerId="ADAL" clId="{56FB9BA8-8618-469E-B881-B7E5EAC1530C}" dt="2022-07-16T09:35:21.153" v="2668" actId="478"/>
-          <ac:picMkLst>
-            <pc:docMk/>
-            <pc:sldMk cId="676448917" sldId="261"/>
-            <ac:picMk id="1026" creationId="{4867FB84-E012-E2A1-D8FF-795E02C0C44C}"/>
-          </ac:picMkLst>
-        </pc:picChg>
-        <pc:picChg chg="add del mod">
-          <ac:chgData name="김소희" userId="292a1162-0793-4577-a94d-2dae0dfa5995" providerId="ADAL" clId="{56FB9BA8-8618-469E-B881-B7E5EAC1530C}" dt="2022-07-16T09:17:41.987" v="2270" actId="478"/>
-          <ac:picMkLst>
-            <pc:docMk/>
-            <pc:sldMk cId="676448917" sldId="261"/>
-            <ac:picMk id="1028" creationId="{A369A91C-59BC-FC3C-FB31-B7AD89016B40}"/>
-          </ac:picMkLst>
-        </pc:picChg>
-        <pc:picChg chg="add del mod">
-          <ac:chgData name="김소희" userId="292a1162-0793-4577-a94d-2dae0dfa5995" providerId="ADAL" clId="{56FB9BA8-8618-469E-B881-B7E5EAC1530C}" dt="2022-07-16T09:35:24.030" v="2672" actId="478"/>
-          <ac:picMkLst>
-            <pc:docMk/>
-            <pc:sldMk cId="676448917" sldId="261"/>
-            <ac:picMk id="1030" creationId="{A9CE1CB0-A2E3-5622-447C-D80AE73F6116}"/>
-          </ac:picMkLst>
-        </pc:picChg>
-        <pc:picChg chg="add del mod">
-          <ac:chgData name="김소희" userId="292a1162-0793-4577-a94d-2dae0dfa5995" providerId="ADAL" clId="{56FB9BA8-8618-469E-B881-B7E5EAC1530C}" dt="2022-07-16T09:35:22.699" v="2670" actId="478"/>
-          <ac:picMkLst>
-            <pc:docMk/>
-            <pc:sldMk cId="676448917" sldId="261"/>
-            <ac:picMk id="1032" creationId="{F23564B4-F5B9-E640-ABE5-9DF3F6436A87}"/>
-          </ac:picMkLst>
-        </pc:picChg>
-        <pc:picChg chg="add del mod">
-          <ac:chgData name="김소희" userId="292a1162-0793-4577-a94d-2dae0dfa5995" providerId="ADAL" clId="{56FB9BA8-8618-469E-B881-B7E5EAC1530C}" dt="2022-07-16T09:35:23.266" v="2671" actId="478"/>
-          <ac:picMkLst>
-            <pc:docMk/>
-            <pc:sldMk cId="676448917" sldId="261"/>
-            <ac:picMk id="1034" creationId="{43143014-9830-3049-AD8C-F0E81AC9F975}"/>
-          </ac:picMkLst>
-        </pc:picChg>
-        <pc:picChg chg="add mod">
-          <ac:chgData name="김소희" userId="292a1162-0793-4577-a94d-2dae0dfa5995" providerId="ADAL" clId="{56FB9BA8-8618-469E-B881-B7E5EAC1530C}" dt="2022-07-16T09:35:58.420" v="2686" actId="1076"/>
-          <ac:picMkLst>
-            <pc:docMk/>
-            <pc:sldMk cId="676448917" sldId="261"/>
-            <ac:picMk id="1036" creationId="{018E3C12-285D-CB90-3779-C415A13420B8}"/>
-          </ac:picMkLst>
-        </pc:picChg>
-        <pc:cxnChg chg="del">
-          <ac:chgData name="김소희" userId="292a1162-0793-4577-a94d-2dae0dfa5995" providerId="ADAL" clId="{56FB9BA8-8618-469E-B881-B7E5EAC1530C}" dt="2022-07-16T08:57:03.404" v="1730" actId="478"/>
-          <ac:cxnSpMkLst>
-            <pc:docMk/>
-            <pc:sldMk cId="676448917" sldId="261"/>
-            <ac:cxnSpMk id="8" creationId="{450BE0E2-44E3-0895-C714-B9C57F5B8E25}"/>
-          </ac:cxnSpMkLst>
-        </pc:cxnChg>
-      </pc:sldChg>
-      <pc:sldChg chg="addSp delSp modSp add mod">
-        <pc:chgData name="김소희" userId="292a1162-0793-4577-a94d-2dae0dfa5995" providerId="ADAL" clId="{56FB9BA8-8618-469E-B881-B7E5EAC1530C}" dt="2022-07-16T09:28:02.346" v="2550" actId="12"/>
-        <pc:sldMkLst>
-          <pc:docMk/>
-          <pc:sldMk cId="2116673439" sldId="262"/>
-        </pc:sldMkLst>
-        <pc:spChg chg="mod">
-          <ac:chgData name="김소희" userId="292a1162-0793-4577-a94d-2dae0dfa5995" providerId="ADAL" clId="{56FB9BA8-8618-469E-B881-B7E5EAC1530C}" dt="2022-07-16T09:28:02.346" v="2550" actId="12"/>
-          <ac:spMkLst>
-            <pc:docMk/>
-            <pc:sldMk cId="2116673439" sldId="262"/>
-            <ac:spMk id="6" creationId="{2188782E-44BF-062E-224B-C021A5C826FC}"/>
-          </ac:spMkLst>
-        </pc:spChg>
-        <pc:spChg chg="del">
-          <ac:chgData name="김소희" userId="292a1162-0793-4577-a94d-2dae0dfa5995" providerId="ADAL" clId="{56FB9BA8-8618-469E-B881-B7E5EAC1530C}" dt="2022-07-16T09:08:34.109" v="1986" actId="478"/>
-          <ac:spMkLst>
-            <pc:docMk/>
-            <pc:sldMk cId="2116673439" sldId="262"/>
-            <ac:spMk id="11" creationId="{5481EF30-FFA6-F378-2E64-2114E0FFA5EF}"/>
-          </ac:spMkLst>
-        </pc:spChg>
-        <pc:spChg chg="mod">
-          <ac:chgData name="김소희" userId="292a1162-0793-4577-a94d-2dae0dfa5995" providerId="ADAL" clId="{56FB9BA8-8618-469E-B881-B7E5EAC1530C}" dt="2022-07-16T09:13:46.103" v="2055" actId="14100"/>
-          <ac:spMkLst>
-            <pc:docMk/>
-            <pc:sldMk cId="2116673439" sldId="262"/>
-            <ac:spMk id="12" creationId="{65019E8B-8A3F-C319-1082-C904FCE012C2}"/>
-          </ac:spMkLst>
-        </pc:spChg>
-        <pc:spChg chg="del">
-          <ac:chgData name="김소희" userId="292a1162-0793-4577-a94d-2dae0dfa5995" providerId="ADAL" clId="{56FB9BA8-8618-469E-B881-B7E5EAC1530C}" dt="2022-07-16T09:11:46.340" v="2015" actId="478"/>
-          <ac:spMkLst>
-            <pc:docMk/>
-            <pc:sldMk cId="2116673439" sldId="262"/>
-            <ac:spMk id="14" creationId="{3A2F6365-F069-3566-8C7B-8A2F6BEA5AFB}"/>
-          </ac:spMkLst>
-        </pc:spChg>
-        <pc:spChg chg="add mod">
-          <ac:chgData name="김소희" userId="292a1162-0793-4577-a94d-2dae0dfa5995" providerId="ADAL" clId="{56FB9BA8-8618-469E-B881-B7E5EAC1530C}" dt="2022-07-16T09:25:36.884" v="2451" actId="1076"/>
-          <ac:spMkLst>
-            <pc:docMk/>
-            <pc:sldMk cId="2116673439" sldId="262"/>
-            <ac:spMk id="18" creationId="{DF2D7F8E-05ED-31C6-AA6B-FFEF7827CCE1}"/>
-          </ac:spMkLst>
-        </pc:spChg>
-        <pc:spChg chg="del">
-          <ac:chgData name="김소희" userId="292a1162-0793-4577-a94d-2dae0dfa5995" providerId="ADAL" clId="{56FB9BA8-8618-469E-B881-B7E5EAC1530C}" dt="2022-07-16T09:11:46.340" v="2015" actId="478"/>
-          <ac:spMkLst>
-            <pc:docMk/>
-            <pc:sldMk cId="2116673439" sldId="262"/>
-            <ac:spMk id="19" creationId="{E94A76AD-6E09-A439-0AEF-86EDCE9E60F2}"/>
-          </ac:spMkLst>
-        </pc:spChg>
-        <pc:spChg chg="add del mod">
-          <ac:chgData name="김소희" userId="292a1162-0793-4577-a94d-2dae0dfa5995" providerId="ADAL" clId="{56FB9BA8-8618-469E-B881-B7E5EAC1530C}" dt="2022-07-16T09:19:38.732" v="2307"/>
-          <ac:spMkLst>
-            <pc:docMk/>
-            <pc:sldMk cId="2116673439" sldId="262"/>
-            <ac:spMk id="20" creationId="{7239491C-0CF4-A402-7970-5DA9A2EDD32C}"/>
-          </ac:spMkLst>
-        </pc:spChg>
-        <pc:picChg chg="del">
-          <ac:chgData name="김소희" userId="292a1162-0793-4577-a94d-2dae0dfa5995" providerId="ADAL" clId="{56FB9BA8-8618-469E-B881-B7E5EAC1530C}" dt="2022-07-16T09:08:39.602" v="1991" actId="478"/>
-          <ac:picMkLst>
-            <pc:docMk/>
-            <pc:sldMk cId="2116673439" sldId="262"/>
-            <ac:picMk id="7" creationId="{0935BA8F-CDDC-8772-DE95-5623BAFA5E44}"/>
-          </ac:picMkLst>
-        </pc:picChg>
-        <pc:picChg chg="add mod">
-          <ac:chgData name="김소희" userId="292a1162-0793-4577-a94d-2dae0dfa5995" providerId="ADAL" clId="{56FB9BA8-8618-469E-B881-B7E5EAC1530C}" dt="2022-07-16T09:16:14.963" v="2248" actId="1076"/>
-          <ac:picMkLst>
-            <pc:docMk/>
-            <pc:sldMk cId="2116673439" sldId="262"/>
-            <ac:picMk id="16" creationId="{E72890E1-170E-FF92-E495-B3118D165A57}"/>
-          </ac:picMkLst>
-        </pc:picChg>
-      </pc:sldChg>
-      <pc:sldChg chg="addSp delSp modSp add mod modNotesTx">
-        <pc:chgData name="김소희" userId="292a1162-0793-4577-a94d-2dae0dfa5995" providerId="ADAL" clId="{56FB9BA8-8618-469E-B881-B7E5EAC1530C}" dt="2022-07-17T11:27:18.802" v="6671" actId="1582"/>
-        <pc:sldMkLst>
-          <pc:docMk/>
-          <pc:sldMk cId="3731227598" sldId="263"/>
-        </pc:sldMkLst>
-        <pc:spChg chg="mod">
-          <ac:chgData name="김소희" userId="292a1162-0793-4577-a94d-2dae0dfa5995" providerId="ADAL" clId="{56FB9BA8-8618-469E-B881-B7E5EAC1530C}" dt="2022-07-16T09:26:37.316" v="2530" actId="27636"/>
-          <ac:spMkLst>
-            <pc:docMk/>
-            <pc:sldMk cId="3731227598" sldId="263"/>
-            <ac:spMk id="2" creationId="{5C386871-B092-6B43-A8DA-B84A6CCCC7F5}"/>
-          </ac:spMkLst>
-        </pc:spChg>
-        <pc:spChg chg="del">
-          <ac:chgData name="김소희" userId="292a1162-0793-4577-a94d-2dae0dfa5995" providerId="ADAL" clId="{56FB9BA8-8618-469E-B881-B7E5EAC1530C}" dt="2022-07-16T09:38:36.311" v="2696" actId="478"/>
-          <ac:spMkLst>
-            <pc:docMk/>
-            <pc:sldMk cId="3731227598" sldId="263"/>
-            <ac:spMk id="6" creationId="{2188782E-44BF-062E-224B-C021A5C826FC}"/>
-          </ac:spMkLst>
-        </pc:spChg>
-        <pc:spChg chg="add mod">
-          <ac:chgData name="김소희" userId="292a1162-0793-4577-a94d-2dae0dfa5995" providerId="ADAL" clId="{56FB9BA8-8618-469E-B881-B7E5EAC1530C}" dt="2022-07-16T13:35:10.560" v="4630" actId="1076"/>
-          <ac:spMkLst>
-            <pc:docMk/>
-            <pc:sldMk cId="3731227598" sldId="263"/>
-            <ac:spMk id="6" creationId="{8FD53B7C-C39B-8C27-57C8-6AB36FC73CA2}"/>
-          </ac:spMkLst>
-        </pc:spChg>
-        <pc:spChg chg="add mod">
-          <ac:chgData name="김소희" userId="292a1162-0793-4577-a94d-2dae0dfa5995" providerId="ADAL" clId="{56FB9BA8-8618-469E-B881-B7E5EAC1530C}" dt="2022-07-16T13:06:14.608" v="3200" actId="20577"/>
-          <ac:spMkLst>
-            <pc:docMk/>
-            <pc:sldMk cId="3731227598" sldId="263"/>
-            <ac:spMk id="8" creationId="{C2ADB51E-13DF-E87D-D675-47D2583F93E4}"/>
-          </ac:spMkLst>
-        </pc:spChg>
-        <pc:spChg chg="add mod">
-          <ac:chgData name="김소희" userId="292a1162-0793-4577-a94d-2dae0dfa5995" providerId="ADAL" clId="{56FB9BA8-8618-469E-B881-B7E5EAC1530C}" dt="2022-07-16T13:14:55.211" v="3547" actId="113"/>
-          <ac:spMkLst>
-            <pc:docMk/>
-            <pc:sldMk cId="3731227598" sldId="263"/>
-            <ac:spMk id="10" creationId="{502FB13B-3AA8-3E8A-03B7-F348C0F672EC}"/>
-          </ac:spMkLst>
-        </pc:spChg>
-        <pc:spChg chg="del">
-          <ac:chgData name="김소희" userId="292a1162-0793-4577-a94d-2dae0dfa5995" providerId="ADAL" clId="{56FB9BA8-8618-469E-B881-B7E5EAC1530C}" dt="2022-07-16T09:38:37.863" v="2697" actId="478"/>
-          <ac:spMkLst>
-            <pc:docMk/>
-            <pc:sldMk cId="3731227598" sldId="263"/>
-            <ac:spMk id="11" creationId="{5481EF30-FFA6-F378-2E64-2114E0FFA5EF}"/>
-          </ac:spMkLst>
-        </pc:spChg>
-        <pc:spChg chg="add mod">
-          <ac:chgData name="김소희" userId="292a1162-0793-4577-a94d-2dae0dfa5995" providerId="ADAL" clId="{56FB9BA8-8618-469E-B881-B7E5EAC1530C}" dt="2022-07-16T13:17:01.577" v="3651" actId="1076"/>
-          <ac:spMkLst>
-            <pc:docMk/>
-            <pc:sldMk cId="3731227598" sldId="263"/>
-            <ac:spMk id="11" creationId="{B277AC84-FC34-1777-DC61-197CCDABE26A}"/>
-          </ac:spMkLst>
-        </pc:spChg>
-        <pc:spChg chg="add mod">
-          <ac:chgData name="김소희" userId="292a1162-0793-4577-a94d-2dae0dfa5995" providerId="ADAL" clId="{56FB9BA8-8618-469E-B881-B7E5EAC1530C}" dt="2022-07-17T11:27:18.802" v="6671" actId="1582"/>
-          <ac:spMkLst>
-            <pc:docMk/>
-            <pc:sldMk cId="3731227598" sldId="263"/>
-            <ac:spMk id="13" creationId="{71B3AF7D-2BF9-823C-2F9A-93FAE77B5F22}"/>
-          </ac:spMkLst>
-        </pc:spChg>
-        <pc:spChg chg="add mod">
-          <ac:chgData name="김소희" userId="292a1162-0793-4577-a94d-2dae0dfa5995" providerId="ADAL" clId="{56FB9BA8-8618-469E-B881-B7E5EAC1530C}" dt="2022-07-16T13:20:25.515" v="3942" actId="164"/>
-          <ac:spMkLst>
-            <pc:docMk/>
-            <pc:sldMk cId="3731227598" sldId="263"/>
-            <ac:spMk id="14" creationId="{7E8FC6C2-1BCF-B59A-DEF3-1206179EFC04}"/>
-          </ac:spMkLst>
-        </pc:spChg>
-        <pc:spChg chg="add mod">
-          <ac:chgData name="김소희" userId="292a1162-0793-4577-a94d-2dae0dfa5995" providerId="ADAL" clId="{56FB9BA8-8618-469E-B881-B7E5EAC1530C}" dt="2022-07-16T13:20:25.515" v="3942" actId="164"/>
-          <ac:spMkLst>
-            <pc:docMk/>
-            <pc:sldMk cId="3731227598" sldId="263"/>
-            <ac:spMk id="15" creationId="{65EB580F-7D91-8FFB-F2C8-C043B28930A3}"/>
-          </ac:spMkLst>
-        </pc:spChg>
-        <pc:spChg chg="add mod">
-          <ac:chgData name="김소희" userId="292a1162-0793-4577-a94d-2dae0dfa5995" providerId="ADAL" clId="{56FB9BA8-8618-469E-B881-B7E5EAC1530C}" dt="2022-07-16T13:20:25.515" v="3942" actId="164"/>
-          <ac:spMkLst>
-            <pc:docMk/>
-            <pc:sldMk cId="3731227598" sldId="263"/>
-            <ac:spMk id="16" creationId="{97A58A2A-7533-6695-3BEE-BCADEA7FCB99}"/>
-          </ac:spMkLst>
-        </pc:spChg>
-        <pc:spChg chg="add mod">
-          <ac:chgData name="김소희" userId="292a1162-0793-4577-a94d-2dae0dfa5995" providerId="ADAL" clId="{56FB9BA8-8618-469E-B881-B7E5EAC1530C}" dt="2022-07-16T13:20:25.515" v="3942" actId="164"/>
-          <ac:spMkLst>
-            <pc:docMk/>
-            <pc:sldMk cId="3731227598" sldId="263"/>
-            <ac:spMk id="17" creationId="{81CCC4B4-F3D5-F040-1297-15F146F352D6}"/>
-          </ac:spMkLst>
-        </pc:spChg>
-        <pc:spChg chg="add mod">
-          <ac:chgData name="김소희" userId="292a1162-0793-4577-a94d-2dae0dfa5995" providerId="ADAL" clId="{56FB9BA8-8618-469E-B881-B7E5EAC1530C}" dt="2022-07-16T13:31:06.603" v="4543" actId="113"/>
-          <ac:spMkLst>
-            <pc:docMk/>
-            <pc:sldMk cId="3731227598" sldId="263"/>
-            <ac:spMk id="18" creationId="{3AD65BFA-9912-8CE2-E433-8F90FBE1168D}"/>
-          </ac:spMkLst>
-        </pc:spChg>
-        <pc:grpChg chg="add mod">
-          <ac:chgData name="김소희" userId="292a1162-0793-4577-a94d-2dae0dfa5995" providerId="ADAL" clId="{56FB9BA8-8618-469E-B881-B7E5EAC1530C}" dt="2022-07-16T13:20:29.334" v="3943" actId="1076"/>
-          <ac:grpSpMkLst>
-            <pc:docMk/>
-            <pc:sldMk cId="3731227598" sldId="263"/>
-            <ac:grpSpMk id="5" creationId="{4E42D042-521C-7A1B-554C-B9AEED338A20}"/>
-          </ac:grpSpMkLst>
-        </pc:grpChg>
-        <pc:picChg chg="add mod">
-          <ac:chgData name="김소희" userId="292a1162-0793-4577-a94d-2dae0dfa5995" providerId="ADAL" clId="{56FB9BA8-8618-469E-B881-B7E5EAC1530C}" dt="2022-07-16T13:12:10.739" v="3372" actId="1076"/>
-          <ac:picMkLst>
-            <pc:docMk/>
-            <pc:sldMk cId="3731227598" sldId="263"/>
-            <ac:picMk id="4" creationId="{8B443E2B-F896-A515-70CF-31881F4CC7D4}"/>
-          </ac:picMkLst>
-        </pc:picChg>
-        <pc:picChg chg="add mod modCrop">
-          <ac:chgData name="김소희" userId="292a1162-0793-4577-a94d-2dae0dfa5995" providerId="ADAL" clId="{56FB9BA8-8618-469E-B881-B7E5EAC1530C}" dt="2022-07-16T13:20:25.515" v="3942" actId="164"/>
-          <ac:picMkLst>
-            <pc:docMk/>
-            <pc:sldMk cId="3731227598" sldId="263"/>
-            <ac:picMk id="7" creationId="{B082A5DF-13F5-34D7-2418-A18C8F2C5957}"/>
-          </ac:picMkLst>
-        </pc:picChg>
-        <pc:cxnChg chg="add del mod">
-          <ac:chgData name="김소희" userId="292a1162-0793-4577-a94d-2dae0dfa5995" providerId="ADAL" clId="{56FB9BA8-8618-469E-B881-B7E5EAC1530C}" dt="2022-07-16T13:09:16.746" v="3320" actId="478"/>
-          <ac:cxnSpMkLst>
-            <pc:docMk/>
-            <pc:sldMk cId="3731227598" sldId="263"/>
-            <ac:cxnSpMk id="12" creationId="{C7DFA5D1-CD91-6226-F8FA-53A0D26C8F64}"/>
-          </ac:cxnSpMkLst>
-        </pc:cxnChg>
-      </pc:sldChg>
-      <pc:sldChg chg="addSp modSp add mod">
-        <pc:chgData name="김소희" userId="292a1162-0793-4577-a94d-2dae0dfa5995" providerId="ADAL" clId="{56FB9BA8-8618-469E-B881-B7E5EAC1530C}" dt="2022-07-16T09:37:25.623" v="2695" actId="1076"/>
-        <pc:sldMkLst>
-          <pc:docMk/>
-          <pc:sldMk cId="893567842" sldId="264"/>
-        </pc:sldMkLst>
-        <pc:spChg chg="mod">
-          <ac:chgData name="김소희" userId="292a1162-0793-4577-a94d-2dae0dfa5995" providerId="ADAL" clId="{56FB9BA8-8618-469E-B881-B7E5EAC1530C}" dt="2022-07-16T09:37:25.623" v="2695" actId="1076"/>
-          <ac:spMkLst>
-            <pc:docMk/>
-            <pc:sldMk cId="893567842" sldId="264"/>
-            <ac:spMk id="3" creationId="{19DC913F-F72D-2D6E-7D41-F86B5E551E4E}"/>
-          </ac:spMkLst>
-        </pc:spChg>
-        <pc:spChg chg="mod">
-          <ac:chgData name="김소희" userId="292a1162-0793-4577-a94d-2dae0dfa5995" providerId="ADAL" clId="{56FB9BA8-8618-469E-B881-B7E5EAC1530C}" dt="2022-07-16T09:36:54.340" v="2691" actId="1076"/>
-          <ac:spMkLst>
-            <pc:docMk/>
-            <pc:sldMk cId="893567842" sldId="264"/>
-            <ac:spMk id="21" creationId="{7F1F594F-B298-8402-0077-5DF71DD518E4}"/>
-          </ac:spMkLst>
-        </pc:spChg>
-        <pc:picChg chg="add mod">
-          <ac:chgData name="김소희" userId="292a1162-0793-4577-a94d-2dae0dfa5995" providerId="ADAL" clId="{56FB9BA8-8618-469E-B881-B7E5EAC1530C}" dt="2022-07-16T09:36:56.516" v="2692" actId="1076"/>
-          <ac:picMkLst>
-            <pc:docMk/>
-            <pc:sldMk cId="893567842" sldId="264"/>
-            <ac:picMk id="5" creationId="{AF982632-4D05-6D30-13B3-0FD37CE1CE56}"/>
-          </ac:picMkLst>
-        </pc:picChg>
-        <pc:picChg chg="mod">
-          <ac:chgData name="김소희" userId="292a1162-0793-4577-a94d-2dae0dfa5995" providerId="ADAL" clId="{56FB9BA8-8618-469E-B881-B7E5EAC1530C}" dt="2022-07-16T09:37:01.632" v="2694" actId="1076"/>
-          <ac:picMkLst>
-            <pc:docMk/>
-            <pc:sldMk cId="893567842" sldId="264"/>
-            <ac:picMk id="14" creationId="{238310A9-59BB-4FB5-ABF7-7735DF51CA1D}"/>
-          </ac:picMkLst>
-        </pc:picChg>
-        <pc:picChg chg="mod">
-          <ac:chgData name="김소희" userId="292a1162-0793-4577-a94d-2dae0dfa5995" providerId="ADAL" clId="{56FB9BA8-8618-469E-B881-B7E5EAC1530C}" dt="2022-07-16T09:36:54.340" v="2691" actId="1076"/>
-          <ac:picMkLst>
-            <pc:docMk/>
-            <pc:sldMk cId="893567842" sldId="264"/>
-            <ac:picMk id="1030" creationId="{A9CE1CB0-A2E3-5622-447C-D80AE73F6116}"/>
-          </ac:picMkLst>
-        </pc:picChg>
-        <pc:picChg chg="mod">
-          <ac:chgData name="김소희" userId="292a1162-0793-4577-a94d-2dae0dfa5995" providerId="ADAL" clId="{56FB9BA8-8618-469E-B881-B7E5EAC1530C}" dt="2022-07-16T09:36:54.340" v="2691" actId="1076"/>
-          <ac:picMkLst>
-            <pc:docMk/>
-            <pc:sldMk cId="893567842" sldId="264"/>
-            <ac:picMk id="1032" creationId="{F23564B4-F5B9-E640-ABE5-9DF3F6436A87}"/>
-          </ac:picMkLst>
-        </pc:picChg>
-      </pc:sldChg>
-      <pc:sldChg chg="addSp delSp modSp add mod modNotesTx">
-        <pc:chgData name="김소희" userId="292a1162-0793-4577-a94d-2dae0dfa5995" providerId="ADAL" clId="{56FB9BA8-8618-469E-B881-B7E5EAC1530C}" dt="2022-07-17T11:27:46.071" v="6674" actId="12"/>
-        <pc:sldMkLst>
-          <pc:docMk/>
-          <pc:sldMk cId="548109497" sldId="265"/>
-        </pc:sldMkLst>
-        <pc:spChg chg="add mod">
-          <ac:chgData name="김소희" userId="292a1162-0793-4577-a94d-2dae0dfa5995" providerId="ADAL" clId="{56FB9BA8-8618-469E-B881-B7E5EAC1530C}" dt="2022-07-16T14:09:52.512" v="5214" actId="1037"/>
-          <ac:spMkLst>
-            <pc:docMk/>
-            <pc:sldMk cId="548109497" sldId="265"/>
-            <ac:spMk id="7" creationId="{BD155077-449E-015A-7157-F637366E0F77}"/>
-          </ac:spMkLst>
-        </pc:spChg>
-        <pc:spChg chg="add mod">
-          <ac:chgData name="김소희" userId="292a1162-0793-4577-a94d-2dae0dfa5995" providerId="ADAL" clId="{56FB9BA8-8618-469E-B881-B7E5EAC1530C}" dt="2022-07-16T14:09:50.772" v="5211" actId="1037"/>
-          <ac:spMkLst>
-            <pc:docMk/>
-            <pc:sldMk cId="548109497" sldId="265"/>
-            <ac:spMk id="10" creationId="{E9238ED0-205C-8045-4495-8268FFF283F3}"/>
-          </ac:spMkLst>
-        </pc:spChg>
-        <pc:spChg chg="add del mod">
-          <ac:chgData name="김소희" userId="292a1162-0793-4577-a94d-2dae0dfa5995" providerId="ADAL" clId="{56FB9BA8-8618-469E-B881-B7E5EAC1530C}" dt="2022-07-16T13:23:38.967" v="4122" actId="22"/>
-          <ac:spMkLst>
-            <pc:docMk/>
-            <pc:sldMk cId="548109497" sldId="265"/>
-            <ac:spMk id="12" creationId="{C6584654-9C77-E86E-B152-9B5812B8F9D7}"/>
-          </ac:spMkLst>
-        </pc:spChg>
-        <pc:spChg chg="add del mod">
-          <ac:chgData name="김소희" userId="292a1162-0793-4577-a94d-2dae0dfa5995" providerId="ADAL" clId="{56FB9BA8-8618-469E-B881-B7E5EAC1530C}" dt="2022-07-16T13:24:04.697" v="4161" actId="478"/>
-          <ac:spMkLst>
-            <pc:docMk/>
-            <pc:sldMk cId="548109497" sldId="265"/>
-            <ac:spMk id="13" creationId="{346C11A7-6FA6-4868-873F-1D7E5129BCBD}"/>
-          </ac:spMkLst>
-        </pc:spChg>
-        <pc:spChg chg="add mod">
-          <ac:chgData name="김소희" userId="292a1162-0793-4577-a94d-2dae0dfa5995" providerId="ADAL" clId="{56FB9BA8-8618-469E-B881-B7E5EAC1530C}" dt="2022-07-16T14:09:31.744" v="5208" actId="1035"/>
-          <ac:spMkLst>
-            <pc:docMk/>
-            <pc:sldMk cId="548109497" sldId="265"/>
-            <ac:spMk id="14" creationId="{0B62BDE0-0534-AD1E-D249-336BE088D136}"/>
-          </ac:spMkLst>
-        </pc:spChg>
-        <pc:spChg chg="add mod">
-          <ac:chgData name="김소희" userId="292a1162-0793-4577-a94d-2dae0dfa5995" providerId="ADAL" clId="{56FB9BA8-8618-469E-B881-B7E5EAC1530C}" dt="2022-07-17T11:27:46.071" v="6674" actId="12"/>
-          <ac:spMkLst>
-            <pc:docMk/>
-            <pc:sldMk cId="548109497" sldId="265"/>
-            <ac:spMk id="15" creationId="{E4733A03-AAC5-D312-188B-E7434350D488}"/>
-          </ac:spMkLst>
-        </pc:spChg>
-        <pc:picChg chg="del">
-          <ac:chgData name="김소희" userId="292a1162-0793-4577-a94d-2dae0dfa5995" providerId="ADAL" clId="{56FB9BA8-8618-469E-B881-B7E5EAC1530C}" dt="2022-07-16T09:42:41.021" v="2707" actId="478"/>
-          <ac:picMkLst>
-            <pc:docMk/>
-            <pc:sldMk cId="548109497" sldId="265"/>
-            <ac:picMk id="4" creationId="{8B443E2B-F896-A515-70CF-31881F4CC7D4}"/>
-          </ac:picMkLst>
-        </pc:picChg>
-        <pc:picChg chg="add mod">
-          <ac:chgData name="김소희" userId="292a1162-0793-4577-a94d-2dae0dfa5995" providerId="ADAL" clId="{56FB9BA8-8618-469E-B881-B7E5EAC1530C}" dt="2022-07-16T14:09:50.772" v="5211" actId="1037"/>
-          <ac:picMkLst>
-            <pc:docMk/>
-            <pc:sldMk cId="548109497" sldId="265"/>
-            <ac:picMk id="5" creationId="{2B1D5BB1-3B52-7157-1523-03F72D9D4E0B}"/>
-          </ac:picMkLst>
-        </pc:picChg>
-        <pc:picChg chg="del">
-          <ac:chgData name="김소희" userId="292a1162-0793-4577-a94d-2dae0dfa5995" providerId="ADAL" clId="{56FB9BA8-8618-469E-B881-B7E5EAC1530C}" dt="2022-07-16T09:42:40.611" v="2706" actId="478"/>
-          <ac:picMkLst>
-            <pc:docMk/>
-            <pc:sldMk cId="548109497" sldId="265"/>
-            <ac:picMk id="7" creationId="{B082A5DF-13F5-34D7-2418-A18C8F2C5957}"/>
-          </ac:picMkLst>
-        </pc:picChg>
-        <pc:picChg chg="add del mod">
-          <ac:chgData name="김소희" userId="292a1162-0793-4577-a94d-2dae0dfa5995" providerId="ADAL" clId="{56FB9BA8-8618-469E-B881-B7E5EAC1530C}" dt="2022-07-16T13:24:05.535" v="4162" actId="478"/>
-          <ac:picMkLst>
-            <pc:docMk/>
-            <pc:sldMk cId="548109497" sldId="265"/>
-            <ac:picMk id="8" creationId="{EA934249-FCAF-95AB-CED5-79C520AB08BA}"/>
-          </ac:picMkLst>
-        </pc:picChg>
-        <pc:picChg chg="add mod">
-          <ac:chgData name="김소희" userId="292a1162-0793-4577-a94d-2dae0dfa5995" providerId="ADAL" clId="{56FB9BA8-8618-469E-B881-B7E5EAC1530C}" dt="2022-07-16T14:09:31.744" v="5208" actId="1035"/>
-          <ac:picMkLst>
-            <pc:docMk/>
-            <pc:sldMk cId="548109497" sldId="265"/>
-            <ac:picMk id="11" creationId="{857B6171-CD2E-B19F-500D-79822B30AC41}"/>
-          </ac:picMkLst>
-        </pc:picChg>
-      </pc:sldChg>
-      <pc:sldChg chg="addSp delSp modSp add mod ord">
-        <pc:chgData name="김소희" userId="292a1162-0793-4577-a94d-2dae0dfa5995" providerId="ADAL" clId="{56FB9BA8-8618-469E-B881-B7E5EAC1530C}" dt="2022-07-17T09:55:29.688" v="6662" actId="1035"/>
-        <pc:sldMkLst>
-          <pc:docMk/>
-          <pc:sldMk cId="4281153154" sldId="266"/>
-        </pc:sldMkLst>
-        <pc:spChg chg="mod">
-          <ac:chgData name="김소희" userId="292a1162-0793-4577-a94d-2dae0dfa5995" providerId="ADAL" clId="{56FB9BA8-8618-469E-B881-B7E5EAC1530C}" dt="2022-07-16T09:50:35.024" v="2776"/>
-          <ac:spMkLst>
-            <pc:docMk/>
-            <pc:sldMk cId="4281153154" sldId="266"/>
-            <ac:spMk id="2" creationId="{5C386871-B092-6B43-A8DA-B84A6CCCC7F5}"/>
-          </ac:spMkLst>
-        </pc:spChg>
-        <pc:spChg chg="add mod">
-          <ac:chgData name="김소희" userId="292a1162-0793-4577-a94d-2dae0dfa5995" providerId="ADAL" clId="{56FB9BA8-8618-469E-B881-B7E5EAC1530C}" dt="2022-07-16T16:23:23.599" v="5844" actId="1035"/>
-          <ac:spMkLst>
-            <pc:docMk/>
-            <pc:sldMk cId="4281153154" sldId="266"/>
-            <ac:spMk id="8" creationId="{3BFAAFC2-C393-1318-55F1-1652740E1E26}"/>
-          </ac:spMkLst>
-        </pc:spChg>
-        <pc:spChg chg="add mod">
-          <ac:chgData name="김소희" userId="292a1162-0793-4577-a94d-2dae0dfa5995" providerId="ADAL" clId="{56FB9BA8-8618-469E-B881-B7E5EAC1530C}" dt="2022-07-16T16:23:23.599" v="5844" actId="1035"/>
-          <ac:spMkLst>
-            <pc:docMk/>
-            <pc:sldMk cId="4281153154" sldId="266"/>
-            <ac:spMk id="10" creationId="{A44840FD-B047-3415-E615-E7D9E5EF6035}"/>
-          </ac:spMkLst>
-        </pc:spChg>
-        <pc:spChg chg="add mod">
-          <ac:chgData name="김소희" userId="292a1162-0793-4577-a94d-2dae0dfa5995" providerId="ADAL" clId="{56FB9BA8-8618-469E-B881-B7E5EAC1530C}" dt="2022-07-16T16:23:39.407" v="5845" actId="1076"/>
-          <ac:spMkLst>
-            <pc:docMk/>
-            <pc:sldMk cId="4281153154" sldId="266"/>
-            <ac:spMk id="11" creationId="{E4C6515E-6A1B-DBC3-BE77-9018F93233BD}"/>
-          </ac:spMkLst>
-        </pc:spChg>
-        <pc:spChg chg="add del mod">
-          <ac:chgData name="김소희" userId="292a1162-0793-4577-a94d-2dae0dfa5995" providerId="ADAL" clId="{56FB9BA8-8618-469E-B881-B7E5EAC1530C}" dt="2022-07-16T16:34:59.918" v="5870" actId="478"/>
-          <ac:spMkLst>
-            <pc:docMk/>
-            <pc:sldMk cId="4281153154" sldId="266"/>
-            <ac:spMk id="13" creationId="{9AB1625D-C819-619E-FE31-34C0E6373698}"/>
-          </ac:spMkLst>
-        </pc:spChg>
-        <pc:spChg chg="add mod">
-          <ac:chgData name="김소희" userId="292a1162-0793-4577-a94d-2dae0dfa5995" providerId="ADAL" clId="{56FB9BA8-8618-469E-B881-B7E5EAC1530C}" dt="2022-07-16T16:23:13.587" v="5830" actId="1035"/>
-          <ac:spMkLst>
-            <pc:docMk/>
-            <pc:sldMk cId="4281153154" sldId="266"/>
-            <ac:spMk id="14" creationId="{E89E35C5-CDC5-E213-E030-34717EFA3209}"/>
-          </ac:spMkLst>
-        </pc:spChg>
-        <pc:spChg chg="add mod">
-          <ac:chgData name="김소희" userId="292a1162-0793-4577-a94d-2dae0dfa5995" providerId="ADAL" clId="{56FB9BA8-8618-469E-B881-B7E5EAC1530C}" dt="2022-07-16T16:23:13.587" v="5830" actId="1035"/>
-          <ac:spMkLst>
-            <pc:docMk/>
-            <pc:sldMk cId="4281153154" sldId="266"/>
-            <ac:spMk id="15" creationId="{8D930912-89D0-1463-E935-699E3D0E262D}"/>
-          </ac:spMkLst>
-        </pc:spChg>
-        <pc:spChg chg="add mod">
-          <ac:chgData name="김소희" userId="292a1162-0793-4577-a94d-2dae0dfa5995" providerId="ADAL" clId="{56FB9BA8-8618-469E-B881-B7E5EAC1530C}" dt="2022-07-17T09:55:29.688" v="6662" actId="1035"/>
-          <ac:spMkLst>
-            <pc:docMk/>
-            <pc:sldMk cId="4281153154" sldId="266"/>
-            <ac:spMk id="17" creationId="{E99EF0D5-E6E0-BE23-A763-BD4C3DDE6434}"/>
-          </ac:spMkLst>
-        </pc:spChg>
-        <pc:spChg chg="add mod">
-          <ac:chgData name="김소희" userId="292a1162-0793-4577-a94d-2dae0dfa5995" providerId="ADAL" clId="{56FB9BA8-8618-469E-B881-B7E5EAC1530C}" dt="2022-07-16T16:47:40.786" v="6395" actId="1076"/>
-          <ac:spMkLst>
-            <pc:docMk/>
-            <pc:sldMk cId="4281153154" sldId="266"/>
-            <ac:spMk id="18" creationId="{7A35343B-4E3F-F8A2-908F-D28E89C1C95C}"/>
-          </ac:spMkLst>
-        </pc:spChg>
-        <pc:picChg chg="add del mod">
-          <ac:chgData name="김소희" userId="292a1162-0793-4577-a94d-2dae0dfa5995" providerId="ADAL" clId="{56FB9BA8-8618-469E-B881-B7E5EAC1530C}" dt="2022-07-16T09:44:19.336" v="2729" actId="478"/>
-          <ac:picMkLst>
-            <pc:docMk/>
-            <pc:sldMk cId="4281153154" sldId="266"/>
-            <ac:picMk id="4" creationId="{64024CAB-69DB-9876-2E51-69DF7CDD967A}"/>
-          </ac:picMkLst>
-        </pc:picChg>
-        <pc:picChg chg="del">
-          <ac:chgData name="김소희" userId="292a1162-0793-4577-a94d-2dae0dfa5995" providerId="ADAL" clId="{56FB9BA8-8618-469E-B881-B7E5EAC1530C}" dt="2022-07-16T09:43:23.733" v="2718" actId="478"/>
-          <ac:picMkLst>
-            <pc:docMk/>
-            <pc:sldMk cId="4281153154" sldId="266"/>
-            <ac:picMk id="5" creationId="{2B1D5BB1-3B52-7157-1523-03F72D9D4E0B}"/>
-          </ac:picMkLst>
-        </pc:picChg>
-        <pc:picChg chg="add mod">
-          <ac:chgData name="김소희" userId="292a1162-0793-4577-a94d-2dae0dfa5995" providerId="ADAL" clId="{56FB9BA8-8618-469E-B881-B7E5EAC1530C}" dt="2022-07-16T16:25:46.304" v="5861" actId="1076"/>
-          <ac:picMkLst>
-            <pc:docMk/>
-            <pc:sldMk cId="4281153154" sldId="266"/>
-            <ac:picMk id="7" creationId="{66570E45-0B89-3E19-4B27-7F32E857FC02}"/>
-          </ac:picMkLst>
-        </pc:picChg>
-        <pc:picChg chg="del">
-          <ac:chgData name="김소희" userId="292a1162-0793-4577-a94d-2dae0dfa5995" providerId="ADAL" clId="{56FB9BA8-8618-469E-B881-B7E5EAC1530C}" dt="2022-07-16T09:43:23.733" v="2718" actId="478"/>
-          <ac:picMkLst>
-            <pc:docMk/>
-            <pc:sldMk cId="4281153154" sldId="266"/>
-            <ac:picMk id="8" creationId="{EA934249-FCAF-95AB-CED5-79C520AB08BA}"/>
-          </ac:picMkLst>
-        </pc:picChg>
-        <pc:picChg chg="del">
-          <ac:chgData name="김소희" userId="292a1162-0793-4577-a94d-2dae0dfa5995" providerId="ADAL" clId="{56FB9BA8-8618-469E-B881-B7E5EAC1530C}" dt="2022-07-16T09:43:23.733" v="2718" actId="478"/>
-          <ac:picMkLst>
-            <pc:docMk/>
-            <pc:sldMk cId="4281153154" sldId="266"/>
-            <ac:picMk id="11" creationId="{857B6171-CD2E-B19F-500D-79822B30AC41}"/>
-          </ac:picMkLst>
-        </pc:picChg>
-        <pc:picChg chg="add mod">
-          <ac:chgData name="김소희" userId="292a1162-0793-4577-a94d-2dae0dfa5995" providerId="ADAL" clId="{56FB9BA8-8618-469E-B881-B7E5EAC1530C}" dt="2022-07-16T16:47:35.718" v="6394" actId="1035"/>
-          <ac:picMkLst>
-            <pc:docMk/>
-            <pc:sldMk cId="4281153154" sldId="266"/>
-            <ac:picMk id="12" creationId="{F722584A-E6D6-C0F2-949D-4F622A3ECFB5}"/>
-          </ac:picMkLst>
-        </pc:picChg>
-        <pc:picChg chg="add mod">
-          <ac:chgData name="김소희" userId="292a1162-0793-4577-a94d-2dae0dfa5995" providerId="ADAL" clId="{56FB9BA8-8618-469E-B881-B7E5EAC1530C}" dt="2022-07-16T16:27:00.480" v="5869" actId="14100"/>
-          <ac:picMkLst>
-            <pc:docMk/>
-            <pc:sldMk cId="4281153154" sldId="266"/>
-            <ac:picMk id="16" creationId="{61ED6A02-5182-78B8-E205-3BC9442BDECF}"/>
-          </ac:picMkLst>
-        </pc:picChg>
-      </pc:sldChg>
-      <pc:sldChg chg="addSp delSp modSp add mod modNotesTx">
-        <pc:chgData name="김소희" userId="292a1162-0793-4577-a94d-2dae0dfa5995" providerId="ADAL" clId="{56FB9BA8-8618-469E-B881-B7E5EAC1530C}" dt="2022-07-16T14:19:20.159" v="5422" actId="20577"/>
-        <pc:sldMkLst>
-          <pc:docMk/>
-          <pc:sldMk cId="823482226" sldId="267"/>
-        </pc:sldMkLst>
-        <pc:spChg chg="mod">
-          <ac:chgData name="김소희" userId="292a1162-0793-4577-a94d-2dae0dfa5995" providerId="ADAL" clId="{56FB9BA8-8618-469E-B881-B7E5EAC1530C}" dt="2022-07-16T09:44:05.628" v="2727" actId="20577"/>
-          <ac:spMkLst>
-            <pc:docMk/>
-            <pc:sldMk cId="823482226" sldId="267"/>
-            <ac:spMk id="2" creationId="{5C386871-B092-6B43-A8DA-B84A6CCCC7F5}"/>
-          </ac:spMkLst>
-        </pc:spChg>
-        <pc:spChg chg="add del mod">
-          <ac:chgData name="김소희" userId="292a1162-0793-4577-a94d-2dae0dfa5995" providerId="ADAL" clId="{56FB9BA8-8618-469E-B881-B7E5EAC1530C}" dt="2022-07-16T13:31:22.647" v="4546" actId="478"/>
-          <ac:spMkLst>
-            <pc:docMk/>
-            <pc:sldMk cId="823482226" sldId="267"/>
-            <ac:spMk id="8" creationId="{48D52675-99FF-A883-822E-BFAAE7C1D1F2}"/>
-          </ac:spMkLst>
-        </pc:spChg>
-        <pc:spChg chg="add mod">
-          <ac:chgData name="김소희" userId="292a1162-0793-4577-a94d-2dae0dfa5995" providerId="ADAL" clId="{56FB9BA8-8618-469E-B881-B7E5EAC1530C}" dt="2022-07-16T14:16:38.987" v="5389" actId="1037"/>
-          <ac:spMkLst>
-            <pc:docMk/>
-            <pc:sldMk cId="823482226" sldId="267"/>
-            <ac:spMk id="10" creationId="{505A864D-43A1-E27A-6F0E-94048FDBCFC2}"/>
-          </ac:spMkLst>
-        </pc:spChg>
-        <pc:spChg chg="add mod">
-          <ac:chgData name="김소희" userId="292a1162-0793-4577-a94d-2dae0dfa5995" providerId="ADAL" clId="{56FB9BA8-8618-469E-B881-B7E5EAC1530C}" dt="2022-07-16T14:17:03.885" v="5395" actId="1076"/>
-          <ac:spMkLst>
-            <pc:docMk/>
-            <pc:sldMk cId="823482226" sldId="267"/>
-            <ac:spMk id="11" creationId="{4C75138B-7097-5754-7AD6-79B09C3159C6}"/>
-          </ac:spMkLst>
-        </pc:spChg>
-        <pc:spChg chg="add mod">
-          <ac:chgData name="김소희" userId="292a1162-0793-4577-a94d-2dae0dfa5995" providerId="ADAL" clId="{56FB9BA8-8618-469E-B881-B7E5EAC1530C}" dt="2022-07-16T14:16:51.744" v="5393" actId="14100"/>
-          <ac:spMkLst>
-            <pc:docMk/>
-            <pc:sldMk cId="823482226" sldId="267"/>
-            <ac:spMk id="12" creationId="{F6F1740F-2DCB-B755-E9B3-52B09FE71B03}"/>
-          </ac:spMkLst>
-        </pc:spChg>
-        <pc:spChg chg="add mod">
-          <ac:chgData name="김소희" userId="292a1162-0793-4577-a94d-2dae0dfa5995" providerId="ADAL" clId="{56FB9BA8-8618-469E-B881-B7E5EAC1530C}" dt="2022-07-16T14:18:09.723" v="5417" actId="1076"/>
-          <ac:spMkLst>
-            <pc:docMk/>
-            <pc:sldMk cId="823482226" sldId="267"/>
-            <ac:spMk id="13" creationId="{B5B1DA14-4F32-2E8C-7FD1-A86F5EEDFE9E}"/>
-          </ac:spMkLst>
-        </pc:spChg>
-        <pc:spChg chg="del mod">
-          <ac:chgData name="김소희" userId="292a1162-0793-4577-a94d-2dae0dfa5995" providerId="ADAL" clId="{56FB9BA8-8618-469E-B881-B7E5EAC1530C}" dt="2022-07-16T13:46:36.530" v="4663" actId="478"/>
-          <ac:spMkLst>
-            <pc:docMk/>
-            <pc:sldMk cId="823482226" sldId="267"/>
-            <ac:spMk id="16" creationId="{03AE33B7-4BBB-4B90-D542-91EB98D7C97B}"/>
-          </ac:spMkLst>
-        </pc:spChg>
-        <pc:spChg chg="add del mod topLvl">
-          <ac:chgData name="김소희" userId="292a1162-0793-4577-a94d-2dae0dfa5995" providerId="ADAL" clId="{56FB9BA8-8618-469E-B881-B7E5EAC1530C}" dt="2022-07-16T13:47:54.074" v="4675" actId="164"/>
-          <ac:spMkLst>
-            <pc:docMk/>
-            <pc:sldMk cId="823482226" sldId="267"/>
-            <ac:spMk id="18" creationId="{B7C089CA-85FA-2A45-C401-EA15C34413AF}"/>
-          </ac:spMkLst>
-        </pc:spChg>
-        <pc:spChg chg="add del mod topLvl">
-          <ac:chgData name="김소희" userId="292a1162-0793-4577-a94d-2dae0dfa5995" providerId="ADAL" clId="{56FB9BA8-8618-469E-B881-B7E5EAC1530C}" dt="2022-07-16T13:47:54.074" v="4675" actId="164"/>
-          <ac:spMkLst>
-            <pc:docMk/>
-            <pc:sldMk cId="823482226" sldId="267"/>
-            <ac:spMk id="19" creationId="{9583431D-F2B7-3E4C-2BAB-761A5E6C0C1F}"/>
-          </ac:spMkLst>
-        </pc:spChg>
-        <pc:spChg chg="del mod">
-          <ac:chgData name="김소희" userId="292a1162-0793-4577-a94d-2dae0dfa5995" providerId="ADAL" clId="{56FB9BA8-8618-469E-B881-B7E5EAC1530C}" dt="2022-07-16T13:46:32.630" v="4662" actId="478"/>
-          <ac:spMkLst>
-            <pc:docMk/>
-            <pc:sldMk cId="823482226" sldId="267"/>
-            <ac:spMk id="20" creationId="{9194579F-7D1D-69D9-3CA1-296669831957}"/>
-          </ac:spMkLst>
-        </pc:spChg>
-        <pc:spChg chg="del mod">
-          <ac:chgData name="김소희" userId="292a1162-0793-4577-a94d-2dae0dfa5995" providerId="ADAL" clId="{56FB9BA8-8618-469E-B881-B7E5EAC1530C}" dt="2022-07-16T13:46:43.564" v="4664" actId="478"/>
-          <ac:spMkLst>
-            <pc:docMk/>
-            <pc:sldMk cId="823482226" sldId="267"/>
-            <ac:spMk id="21" creationId="{DCB8ACAD-0A2D-D660-1823-BA5CD488B1B5}"/>
-          </ac:spMkLst>
-        </pc:spChg>
-        <pc:spChg chg="add mod">
-          <ac:chgData name="김소희" userId="292a1162-0793-4577-a94d-2dae0dfa5995" providerId="ADAL" clId="{56FB9BA8-8618-469E-B881-B7E5EAC1530C}" dt="2022-07-16T13:47:54.074" v="4675" actId="164"/>
-          <ac:spMkLst>
-            <pc:docMk/>
-            <pc:sldMk cId="823482226" sldId="267"/>
-            <ac:spMk id="22" creationId="{DAF3ABAB-7E78-840D-AB11-0172EDDF3D71}"/>
-          </ac:spMkLst>
-        </pc:spChg>
-        <pc:spChg chg="add mod">
-          <ac:chgData name="김소희" userId="292a1162-0793-4577-a94d-2dae0dfa5995" providerId="ADAL" clId="{56FB9BA8-8618-469E-B881-B7E5EAC1530C}" dt="2022-07-16T13:47:54.074" v="4675" actId="164"/>
-          <ac:spMkLst>
-            <pc:docMk/>
-            <pc:sldMk cId="823482226" sldId="267"/>
-            <ac:spMk id="23" creationId="{B7CE930C-060F-4785-748A-AB3CD50D80AF}"/>
-          </ac:spMkLst>
-        </pc:spChg>
-        <pc:spChg chg="add del mod">
-          <ac:chgData name="김소희" userId="292a1162-0793-4577-a94d-2dae0dfa5995" providerId="ADAL" clId="{56FB9BA8-8618-469E-B881-B7E5EAC1530C}" dt="2022-07-16T13:49:01.155" v="4680"/>
-          <ac:spMkLst>
-            <pc:docMk/>
-            <pc:sldMk cId="823482226" sldId="267"/>
-            <ac:spMk id="24" creationId="{921E2A2F-1DFC-0B65-4831-8DAA2D6C5438}"/>
-          </ac:spMkLst>
-        </pc:spChg>
-        <pc:spChg chg="add del mod">
-          <ac:chgData name="김소희" userId="292a1162-0793-4577-a94d-2dae0dfa5995" providerId="ADAL" clId="{56FB9BA8-8618-469E-B881-B7E5EAC1530C}" dt="2022-07-16T13:49:01.155" v="4680"/>
-          <ac:spMkLst>
-            <pc:docMk/>
-            <pc:sldMk cId="823482226" sldId="267"/>
-            <ac:spMk id="25" creationId="{2FA034EE-522A-D284-570B-6B3225BF8DCA}"/>
-          </ac:spMkLst>
-        </pc:spChg>
-        <pc:spChg chg="add mod">
-          <ac:chgData name="김소희" userId="292a1162-0793-4577-a94d-2dae0dfa5995" providerId="ADAL" clId="{56FB9BA8-8618-469E-B881-B7E5EAC1530C}" dt="2022-07-16T14:19:20.159" v="5422" actId="20577"/>
-          <ac:spMkLst>
-            <pc:docMk/>
-            <pc:sldMk cId="823482226" sldId="267"/>
-            <ac:spMk id="26" creationId="{0B2E71C4-63DD-5D21-3108-80838DB539DC}"/>
-          </ac:spMkLst>
-        </pc:spChg>
-        <pc:spChg chg="add mod">
-          <ac:chgData name="김소희" userId="292a1162-0793-4577-a94d-2dae0dfa5995" providerId="ADAL" clId="{56FB9BA8-8618-469E-B881-B7E5EAC1530C}" dt="2022-07-16T13:57:11.040" v="4895" actId="1037"/>
-          <ac:spMkLst>
-            <pc:docMk/>
-            <pc:sldMk cId="823482226" sldId="267"/>
-            <ac:spMk id="27" creationId="{0EB3B09D-29FB-5641-3658-98165C3662E2}"/>
-          </ac:spMkLst>
-        </pc:spChg>
-        <pc:spChg chg="add mod">
-          <ac:chgData name="김소희" userId="292a1162-0793-4577-a94d-2dae0dfa5995" providerId="ADAL" clId="{56FB9BA8-8618-469E-B881-B7E5EAC1530C}" dt="2022-07-16T14:05:57.542" v="5057" actId="164"/>
-          <ac:spMkLst>
-            <pc:docMk/>
-            <pc:sldMk cId="823482226" sldId="267"/>
-            <ac:spMk id="28" creationId="{55068063-54D5-482C-6350-2134AE9A12C8}"/>
-          </ac:spMkLst>
-        </pc:spChg>
-        <pc:spChg chg="add mod">
-          <ac:chgData name="김소희" userId="292a1162-0793-4577-a94d-2dae0dfa5995" providerId="ADAL" clId="{56FB9BA8-8618-469E-B881-B7E5EAC1530C}" dt="2022-07-16T14:18:18.481" v="5419" actId="1076"/>
-          <ac:spMkLst>
-            <pc:docMk/>
-            <pc:sldMk cId="823482226" sldId="267"/>
-            <ac:spMk id="29" creationId="{3206A378-0E36-B833-A9CC-30BE0FE0AA9D}"/>
-          </ac:spMkLst>
-        </pc:spChg>
-        <pc:grpChg chg="add mod ord">
-          <ac:chgData name="김소희" userId="292a1162-0793-4577-a94d-2dae0dfa5995" providerId="ADAL" clId="{56FB9BA8-8618-469E-B881-B7E5EAC1530C}" dt="2022-07-16T13:57:25.431" v="4897" actId="1076"/>
-          <ac:grpSpMkLst>
-            <pc:docMk/>
-            <pc:sldMk cId="823482226" sldId="267"/>
-            <ac:grpSpMk id="6" creationId="{B58EC3AE-7195-3D95-1C6B-4E17454DE56C}"/>
-          </ac:grpSpMkLst>
-        </pc:grpChg>
-        <pc:grpChg chg="add del mod">
-          <ac:chgData name="김소희" userId="292a1162-0793-4577-a94d-2dae0dfa5995" providerId="ADAL" clId="{56FB9BA8-8618-469E-B881-B7E5EAC1530C}" dt="2022-07-16T13:46:50.885" v="4666" actId="165"/>
-          <ac:grpSpMkLst>
-            <pc:docMk/>
-            <pc:sldMk cId="823482226" sldId="267"/>
-            <ac:grpSpMk id="14" creationId="{17821C68-0FF5-E7BC-C52C-DBBBA69A4E6E}"/>
-          </ac:grpSpMkLst>
-        </pc:grpChg>
-        <pc:grpChg chg="add mod">
-          <ac:chgData name="김소희" userId="292a1162-0793-4577-a94d-2dae0dfa5995" providerId="ADAL" clId="{56FB9BA8-8618-469E-B881-B7E5EAC1530C}" dt="2022-07-16T14:18:09.723" v="5417" actId="1076"/>
-          <ac:grpSpMkLst>
-            <pc:docMk/>
-            <pc:sldMk cId="823482226" sldId="267"/>
-            <ac:grpSpMk id="30" creationId="{1F39CF99-D5CD-F251-9866-53C6321BB7CB}"/>
-          </ac:grpSpMkLst>
-        </pc:grpChg>
-        <pc:picChg chg="add mod modCrop">
-          <ac:chgData name="김소희" userId="292a1162-0793-4577-a94d-2dae0dfa5995" providerId="ADAL" clId="{56FB9BA8-8618-469E-B881-B7E5EAC1530C}" dt="2022-07-16T14:19:09.687" v="5420" actId="1076"/>
-          <ac:picMkLst>
-            <pc:docMk/>
-            <pc:sldMk cId="823482226" sldId="267"/>
-            <ac:picMk id="4" creationId="{3BA3D4B1-8FF7-D712-8062-E7C82489B203}"/>
-          </ac:picMkLst>
-        </pc:picChg>
-        <pc:picChg chg="del">
-          <ac:chgData name="김소희" userId="292a1162-0793-4577-a94d-2dae0dfa5995" providerId="ADAL" clId="{56FB9BA8-8618-469E-B881-B7E5EAC1530C}" dt="2022-07-16T09:43:27.298" v="2719" actId="478"/>
-          <ac:picMkLst>
-            <pc:docMk/>
-            <pc:sldMk cId="823482226" sldId="267"/>
-            <ac:picMk id="5" creationId="{2B1D5BB1-3B52-7157-1523-03F72D9D4E0B}"/>
-          </ac:picMkLst>
-        </pc:picChg>
-        <pc:picChg chg="add mod">
-          <ac:chgData name="김소희" userId="292a1162-0793-4577-a94d-2dae0dfa5995" providerId="ADAL" clId="{56FB9BA8-8618-469E-B881-B7E5EAC1530C}" dt="2022-07-16T14:05:57.542" v="5057" actId="164"/>
-          <ac:picMkLst>
-            <pc:docMk/>
-            <pc:sldMk cId="823482226" sldId="267"/>
-            <ac:picMk id="5" creationId="{3BA724AA-EC82-064A-A524-2C0AC1CC2903}"/>
-          </ac:picMkLst>
-        </pc:picChg>
-        <pc:picChg chg="add mod modCrop">
-          <ac:chgData name="김소희" userId="292a1162-0793-4577-a94d-2dae0dfa5995" providerId="ADAL" clId="{56FB9BA8-8618-469E-B881-B7E5EAC1530C}" dt="2022-07-16T14:16:40.816" v="5390" actId="1076"/>
-          <ac:picMkLst>
-            <pc:docMk/>
-            <pc:sldMk cId="823482226" sldId="267"/>
-            <ac:picMk id="7" creationId="{7570B179-4177-2904-52B5-FBC13CD82DE7}"/>
-          </ac:picMkLst>
-        </pc:picChg>
-        <pc:picChg chg="del">
-          <ac:chgData name="김소희" userId="292a1162-0793-4577-a94d-2dae0dfa5995" providerId="ADAL" clId="{56FB9BA8-8618-469E-B881-B7E5EAC1530C}" dt="2022-07-16T09:43:27.298" v="2719" actId="478"/>
-          <ac:picMkLst>
-            <pc:docMk/>
-            <pc:sldMk cId="823482226" sldId="267"/>
-            <ac:picMk id="8" creationId="{EA934249-FCAF-95AB-CED5-79C520AB08BA}"/>
-          </ac:picMkLst>
-        </pc:picChg>
-        <pc:picChg chg="del">
-          <ac:chgData name="김소희" userId="292a1162-0793-4577-a94d-2dae0dfa5995" providerId="ADAL" clId="{56FB9BA8-8618-469E-B881-B7E5EAC1530C}" dt="2022-07-16T09:43:27.298" v="2719" actId="478"/>
-          <ac:picMkLst>
-            <pc:docMk/>
-            <pc:sldMk cId="823482226" sldId="267"/>
-            <ac:picMk id="11" creationId="{857B6171-CD2E-B19F-500D-79822B30AC41}"/>
-          </ac:picMkLst>
-        </pc:picChg>
-        <pc:picChg chg="mod topLvl modCrop">
-          <ac:chgData name="김소희" userId="292a1162-0793-4577-a94d-2dae0dfa5995" providerId="ADAL" clId="{56FB9BA8-8618-469E-B881-B7E5EAC1530C}" dt="2022-07-16T13:48:17.992" v="4678" actId="732"/>
-          <ac:picMkLst>
-            <pc:docMk/>
-            <pc:sldMk cId="823482226" sldId="267"/>
-            <ac:picMk id="15" creationId="{B5E9E492-AEEC-AD2B-61F9-A11C80E10A48}"/>
-          </ac:picMkLst>
-        </pc:picChg>
-        <pc:cxnChg chg="del mod">
-          <ac:chgData name="김소희" userId="292a1162-0793-4577-a94d-2dae0dfa5995" providerId="ADAL" clId="{56FB9BA8-8618-469E-B881-B7E5EAC1530C}" dt="2022-07-16T13:46:48.444" v="4665" actId="478"/>
-          <ac:cxnSpMkLst>
-            <pc:docMk/>
-            <pc:sldMk cId="823482226" sldId="267"/>
-            <ac:cxnSpMk id="17" creationId="{96626C23-BBEF-81A8-1087-3FCBE422D1A8}"/>
-          </ac:cxnSpMkLst>
-        </pc:cxnChg>
-      </pc:sldChg>
-      <pc:sldChg chg="addSp delSp modSp add mod ord">
-        <pc:chgData name="김소희" userId="292a1162-0793-4577-a94d-2dae0dfa5995" providerId="ADAL" clId="{56FB9BA8-8618-469E-B881-B7E5EAC1530C}" dt="2022-07-16T16:24:21.069" v="5852" actId="1035"/>
-        <pc:sldMkLst>
-          <pc:docMk/>
-          <pc:sldMk cId="3685255024" sldId="268"/>
-        </pc:sldMkLst>
-        <pc:spChg chg="mod">
-          <ac:chgData name="김소희" userId="292a1162-0793-4577-a94d-2dae0dfa5995" providerId="ADAL" clId="{56FB9BA8-8618-469E-B881-B7E5EAC1530C}" dt="2022-07-16T09:48:50.970" v="2767"/>
-          <ac:spMkLst>
-            <pc:docMk/>
-            <pc:sldMk cId="3685255024" sldId="268"/>
-            <ac:spMk id="2" creationId="{5C386871-B092-6B43-A8DA-B84A6CCCC7F5}"/>
-          </ac:spMkLst>
-        </pc:spChg>
-        <pc:spChg chg="add mod">
-          <ac:chgData name="김소희" userId="292a1162-0793-4577-a94d-2dae0dfa5995" providerId="ADAL" clId="{56FB9BA8-8618-469E-B881-B7E5EAC1530C}" dt="2022-07-16T14:21:18.546" v="5444" actId="14100"/>
-          <ac:spMkLst>
-            <pc:docMk/>
-            <pc:sldMk cId="3685255024" sldId="268"/>
-            <ac:spMk id="7" creationId="{4D70969F-B72C-E13B-3A27-807376949EF3}"/>
-          </ac:spMkLst>
-        </pc:spChg>
-        <pc:spChg chg="add mod">
-          <ac:chgData name="김소희" userId="292a1162-0793-4577-a94d-2dae0dfa5995" providerId="ADAL" clId="{56FB9BA8-8618-469E-B881-B7E5EAC1530C}" dt="2022-07-16T16:23:03.399" v="5816" actId="1076"/>
-          <ac:spMkLst>
-            <pc:docMk/>
-            <pc:sldMk cId="3685255024" sldId="268"/>
-            <ac:spMk id="8" creationId="{F09E10D0-500A-B99C-CBFD-25923A7906EF}"/>
-          </ac:spMkLst>
-        </pc:spChg>
-        <pc:spChg chg="add del mod">
-          <ac:chgData name="김소희" userId="292a1162-0793-4577-a94d-2dae0dfa5995" providerId="ADAL" clId="{56FB9BA8-8618-469E-B881-B7E5EAC1530C}" dt="2022-07-16T14:21:53.318" v="5486"/>
-          <ac:spMkLst>
-            <pc:docMk/>
-            <pc:sldMk cId="3685255024" sldId="268"/>
-            <ac:spMk id="10" creationId="{CC76ED43-C7AA-49DB-8C6A-A54674A37204}"/>
-          </ac:spMkLst>
-        </pc:spChg>
-        <pc:spChg chg="add mod">
-          <ac:chgData name="김소희" userId="292a1162-0793-4577-a94d-2dae0dfa5995" providerId="ADAL" clId="{56FB9BA8-8618-469E-B881-B7E5EAC1530C}" dt="2022-07-16T16:24:21.069" v="5852" actId="1035"/>
-          <ac:spMkLst>
-            <pc:docMk/>
-            <pc:sldMk cId="3685255024" sldId="268"/>
-            <ac:spMk id="11" creationId="{CCC8864A-DD65-070E-70D1-3CB298A5112E}"/>
-          </ac:spMkLst>
-        </pc:spChg>
-        <pc:spChg chg="add mod">
-          <ac:chgData name="김소희" userId="292a1162-0793-4577-a94d-2dae0dfa5995" providerId="ADAL" clId="{56FB9BA8-8618-469E-B881-B7E5EAC1530C}" dt="2022-07-16T15:35:10.868" v="5507" actId="20577"/>
-          <ac:spMkLst>
-            <pc:docMk/>
-            <pc:sldMk cId="3685255024" sldId="268"/>
-            <ac:spMk id="12" creationId="{F0ABF226-EA99-35B3-765F-D21167F361B4}"/>
-          </ac:spMkLst>
-        </pc:spChg>
-        <pc:spChg chg="add mod">
-          <ac:chgData name="김소희" userId="292a1162-0793-4577-a94d-2dae0dfa5995" providerId="ADAL" clId="{56FB9BA8-8618-469E-B881-B7E5EAC1530C}" dt="2022-07-16T15:36:23.259" v="5685" actId="20577"/>
-          <ac:spMkLst>
-            <pc:docMk/>
-            <pc:sldMk cId="3685255024" sldId="268"/>
-            <ac:spMk id="13" creationId="{625E10A7-CE26-050D-5157-B8389F747707}"/>
-          </ac:spMkLst>
-        </pc:spChg>
-        <pc:picChg chg="add mod">
-          <ac:chgData name="김소희" userId="292a1162-0793-4577-a94d-2dae0dfa5995" providerId="ADAL" clId="{56FB9BA8-8618-469E-B881-B7E5EAC1530C}" dt="2022-07-16T16:22:59.130" v="5815" actId="1076"/>
-          <ac:picMkLst>
-            <pc:docMk/>
-            <pc:sldMk cId="3685255024" sldId="268"/>
-            <ac:picMk id="4" creationId="{DE3370A8-E560-5A2A-167A-0DCC7CC0B805}"/>
-          </ac:picMkLst>
-        </pc:picChg>
-        <pc:picChg chg="add mod">
-          <ac:chgData name="김소희" userId="292a1162-0793-4577-a94d-2dae0dfa5995" providerId="ADAL" clId="{56FB9BA8-8618-469E-B881-B7E5EAC1530C}" dt="2022-07-16T15:35:40.722" v="5554" actId="14100"/>
-          <ac:picMkLst>
-            <pc:docMk/>
-            <pc:sldMk cId="3685255024" sldId="268"/>
-            <ac:picMk id="6" creationId="{E17F1D46-98D2-EA06-085E-20B47EE269A5}"/>
-          </ac:picMkLst>
-        </pc:picChg>
-      </pc:sldChg>
-      <pc:sldChg chg="addSp delSp modSp add mod">
-        <pc:chgData name="김소희" userId="292a1162-0793-4577-a94d-2dae0dfa5995" providerId="ADAL" clId="{56FB9BA8-8618-469E-B881-B7E5EAC1530C}" dt="2022-07-16T16:49:11.097" v="6509" actId="20577"/>
-        <pc:sldMkLst>
-          <pc:docMk/>
-          <pc:sldMk cId="2469761216" sldId="269"/>
-        </pc:sldMkLst>
-        <pc:spChg chg="add mod">
-          <ac:chgData name="김소희" userId="292a1162-0793-4577-a94d-2dae0dfa5995" providerId="ADAL" clId="{56FB9BA8-8618-469E-B881-B7E5EAC1530C}" dt="2022-07-16T16:49:11.097" v="6509" actId="20577"/>
-          <ac:spMkLst>
-            <pc:docMk/>
-            <pc:sldMk cId="2469761216" sldId="269"/>
-            <ac:spMk id="6" creationId="{EFA8B7E0-492C-4117-880E-44A23D6C39EC}"/>
-          </ac:spMkLst>
-        </pc:spChg>
-        <pc:spChg chg="mod">
-          <ac:chgData name="김소희" userId="292a1162-0793-4577-a94d-2dae0dfa5995" providerId="ADAL" clId="{56FB9BA8-8618-469E-B881-B7E5EAC1530C}" dt="2022-07-16T16:35:23.644" v="5878" actId="1035"/>
-          <ac:spMkLst>
-            <pc:docMk/>
-            <pc:sldMk cId="2469761216" sldId="269"/>
-            <ac:spMk id="14" creationId="{E89E35C5-CDC5-E213-E030-34717EFA3209}"/>
-          </ac:spMkLst>
-        </pc:spChg>
-        <pc:spChg chg="del">
-          <ac:chgData name="김소희" userId="292a1162-0793-4577-a94d-2dae0dfa5995" providerId="ADAL" clId="{56FB9BA8-8618-469E-B881-B7E5EAC1530C}" dt="2022-07-16T09:52:58.772" v="2808" actId="478"/>
-          <ac:spMkLst>
-            <pc:docMk/>
-            <pc:sldMk cId="2469761216" sldId="269"/>
-            <ac:spMk id="15" creationId="{8D930912-89D0-1463-E935-699E3D0E262D}"/>
-          </ac:spMkLst>
-        </pc:spChg>
-        <pc:picChg chg="add mod">
-          <ac:chgData name="김소희" userId="292a1162-0793-4577-a94d-2dae0dfa5995" providerId="ADAL" clId="{56FB9BA8-8618-469E-B881-B7E5EAC1530C}" dt="2022-07-16T16:35:27.028" v="5879" actId="1076"/>
-          <ac:picMkLst>
-            <pc:docMk/>
-            <pc:sldMk cId="2469761216" sldId="269"/>
-            <ac:picMk id="4" creationId="{7DB98AC0-EF39-454C-E9A7-3C2C745E5BCE}"/>
-          </ac:picMkLst>
-        </pc:picChg>
-        <pc:picChg chg="del">
-          <ac:chgData name="김소희" userId="292a1162-0793-4577-a94d-2dae0dfa5995" providerId="ADAL" clId="{56FB9BA8-8618-469E-B881-B7E5EAC1530C}" dt="2022-07-16T09:52:57.861" v="2806" actId="478"/>
-          <ac:picMkLst>
-            <pc:docMk/>
-            <pc:sldMk cId="2469761216" sldId="269"/>
-            <ac:picMk id="7" creationId="{66570E45-0B89-3E19-4B27-7F32E857FC02}"/>
-          </ac:picMkLst>
-        </pc:picChg>
-        <pc:picChg chg="del">
-          <ac:chgData name="김소희" userId="292a1162-0793-4577-a94d-2dae0dfa5995" providerId="ADAL" clId="{56FB9BA8-8618-469E-B881-B7E5EAC1530C}" dt="2022-07-16T09:52:58.156" v="2807" actId="478"/>
-          <ac:picMkLst>
-            <pc:docMk/>
-            <pc:sldMk cId="2469761216" sldId="269"/>
-            <ac:picMk id="12" creationId="{F722584A-E6D6-C0F2-949D-4F622A3ECFB5}"/>
-          </ac:picMkLst>
-        </pc:picChg>
-      </pc:sldChg>
-      <pc:sldChg chg="addSp delSp modSp add mod">
-        <pc:chgData name="김소희" userId="292a1162-0793-4577-a94d-2dae0dfa5995" providerId="ADAL" clId="{56FB9BA8-8618-469E-B881-B7E5EAC1530C}" dt="2022-07-17T11:28:19.260" v="6675" actId="1076"/>
-        <pc:sldMkLst>
-          <pc:docMk/>
-          <pc:sldMk cId="1001211680" sldId="270"/>
-        </pc:sldMkLst>
-        <pc:spChg chg="mod">
-          <ac:chgData name="김소희" userId="292a1162-0793-4577-a94d-2dae0dfa5995" providerId="ADAL" clId="{56FB9BA8-8618-469E-B881-B7E5EAC1530C}" dt="2022-07-16T09:55:20.568" v="2883" actId="20577"/>
-          <ac:spMkLst>
-            <pc:docMk/>
-            <pc:sldMk cId="1001211680" sldId="270"/>
-            <ac:spMk id="2" creationId="{5C386871-B092-6B43-A8DA-B84A6CCCC7F5}"/>
-          </ac:spMkLst>
-        </pc:spChg>
-        <pc:spChg chg="add del">
-          <ac:chgData name="김소희" userId="292a1162-0793-4577-a94d-2dae0dfa5995" providerId="ADAL" clId="{56FB9BA8-8618-469E-B881-B7E5EAC1530C}" dt="2022-07-16T09:55:40.161" v="2886" actId="22"/>
-          <ac:spMkLst>
-            <pc:docMk/>
-            <pc:sldMk cId="1001211680" sldId="270"/>
-            <ac:spMk id="7" creationId="{15C3B2BA-17ED-CA42-7B7A-1092DAE5B046}"/>
-          </ac:spMkLst>
-        </pc:spChg>
-        <pc:spChg chg="add mod">
-          <ac:chgData name="김소희" userId="292a1162-0793-4577-a94d-2dae0dfa5995" providerId="ADAL" clId="{56FB9BA8-8618-469E-B881-B7E5EAC1530C}" dt="2022-07-17T11:28:19.260" v="6675" actId="1076"/>
-          <ac:spMkLst>
-            <pc:docMk/>
-            <pc:sldMk cId="1001211680" sldId="270"/>
-            <ac:spMk id="10" creationId="{72987552-5AA4-DD5A-C2A2-02550016258E}"/>
-          </ac:spMkLst>
-        </pc:spChg>
-        <pc:spChg chg="del">
-          <ac:chgData name="김소희" userId="292a1162-0793-4577-a94d-2dae0dfa5995" providerId="ADAL" clId="{56FB9BA8-8618-469E-B881-B7E5EAC1530C}" dt="2022-07-16T09:55:51.558" v="2898" actId="478"/>
-          <ac:spMkLst>
-            <pc:docMk/>
-            <pc:sldMk cId="1001211680" sldId="270"/>
-            <ac:spMk id="14" creationId="{E89E35C5-CDC5-E213-E030-34717EFA3209}"/>
-          </ac:spMkLst>
-        </pc:spChg>
-        <pc:picChg chg="del">
-          <ac:chgData name="김소희" userId="292a1162-0793-4577-a94d-2dae0dfa5995" providerId="ADAL" clId="{56FB9BA8-8618-469E-B881-B7E5EAC1530C}" dt="2022-07-16T09:55:37.578" v="2884" actId="478"/>
-          <ac:picMkLst>
-            <pc:docMk/>
-            <pc:sldMk cId="1001211680" sldId="270"/>
-            <ac:picMk id="4" creationId="{7DB98AC0-EF39-454C-E9A7-3C2C745E5BCE}"/>
-          </ac:picMkLst>
-        </pc:picChg>
-      </pc:sldChg>
-      <pc:sldChg chg="addSp delSp modSp add mod ord">
-        <pc:chgData name="김소희" userId="292a1162-0793-4577-a94d-2dae0dfa5995" providerId="ADAL" clId="{56FB9BA8-8618-469E-B881-B7E5EAC1530C}" dt="2022-07-16T16:55:18.855" v="6639" actId="113"/>
-        <pc:sldMkLst>
-          <pc:docMk/>
-          <pc:sldMk cId="2778352275" sldId="271"/>
-        </pc:sldMkLst>
-        <pc:spChg chg="mod">
-          <ac:chgData name="김소희" userId="292a1162-0793-4577-a94d-2dae0dfa5995" providerId="ADAL" clId="{56FB9BA8-8618-469E-B881-B7E5EAC1530C}" dt="2022-07-16T16:55:18.855" v="6639" actId="113"/>
-          <ac:spMkLst>
-            <pc:docMk/>
-            <pc:sldMk cId="2778352275" sldId="271"/>
-            <ac:spMk id="2" creationId="{D42C8D01-1348-904F-A28E-FB1F05F50B66}"/>
-          </ac:spMkLst>
-        </pc:spChg>
-        <pc:spChg chg="del">
-          <ac:chgData name="김소희" userId="292a1162-0793-4577-a94d-2dae0dfa5995" providerId="ADAL" clId="{56FB9BA8-8618-469E-B881-B7E5EAC1530C}" dt="2022-07-16T16:54:35.233" v="6628" actId="478"/>
-          <ac:spMkLst>
-            <pc:docMk/>
-            <pc:sldMk cId="2778352275" sldId="271"/>
-            <ac:spMk id="3" creationId="{BB4F0E0A-8459-60AB-4DBF-FC43E9161C10}"/>
-          </ac:spMkLst>
-        </pc:spChg>
-        <pc:spChg chg="mod">
-          <ac:chgData name="김소희" userId="292a1162-0793-4577-a94d-2dae0dfa5995" providerId="ADAL" clId="{56FB9BA8-8618-469E-B881-B7E5EAC1530C}" dt="2022-07-16T16:54:39.786" v="6630" actId="14100"/>
-          <ac:spMkLst>
-            <pc:docMk/>
-            <pc:sldMk cId="2778352275" sldId="271"/>
-            <ac:spMk id="5" creationId="{433B89A1-AC33-8D2C-470E-70698F2016E8}"/>
-          </ac:spMkLst>
-        </pc:spChg>
-        <pc:spChg chg="add del mod">
-          <ac:chgData name="김소희" userId="292a1162-0793-4577-a94d-2dae0dfa5995" providerId="ADAL" clId="{56FB9BA8-8618-469E-B881-B7E5EAC1530C}" dt="2022-07-16T16:54:37.017" v="6629" actId="478"/>
-          <ac:spMkLst>
-            <pc:docMk/>
-            <pc:sldMk cId="2778352275" sldId="271"/>
-            <ac:spMk id="6" creationId="{7D9D3ED7-223E-4B42-201C-C2C027DC6654}"/>
-          </ac:spMkLst>
-        </pc:spChg>
-      </pc:sldChg>
-      <pc:sldChg chg="addSp delSp modSp add mod ord modNotesTx">
-        <pc:chgData name="김소희" userId="292a1162-0793-4577-a94d-2dae0dfa5995" providerId="ADAL" clId="{56FB9BA8-8618-469E-B881-B7E5EAC1530C}" dt="2022-07-17T12:36:57.945" v="7414" actId="1076"/>
-        <pc:sldMkLst>
-          <pc:docMk/>
-          <pc:sldMk cId="1677538351" sldId="272"/>
-        </pc:sldMkLst>
-        <pc:spChg chg="del">
-          <ac:chgData name="김소희" userId="292a1162-0793-4577-a94d-2dae0dfa5995" providerId="ADAL" clId="{56FB9BA8-8618-469E-B881-B7E5EAC1530C}" dt="2022-07-16T16:56:14.085" v="6643" actId="478"/>
-          <ac:spMkLst>
-            <pc:docMk/>
-            <pc:sldMk cId="1677538351" sldId="272"/>
-            <ac:spMk id="4" creationId="{23D46D21-7D87-A5C5-3A16-F43F451EE6D6}"/>
-          </ac:spMkLst>
-        </pc:spChg>
-        <pc:spChg chg="mod">
-          <ac:chgData name="김소희" userId="292a1162-0793-4577-a94d-2dae0dfa5995" providerId="ADAL" clId="{56FB9BA8-8618-469E-B881-B7E5EAC1530C}" dt="2022-07-17T12:33:15.514" v="7315" actId="403"/>
-          <ac:spMkLst>
-            <pc:docMk/>
-            <pc:sldMk cId="1677538351" sldId="272"/>
-            <ac:spMk id="6" creationId="{2188782E-44BF-062E-224B-C021A5C826FC}"/>
-          </ac:spMkLst>
-        </pc:spChg>
-        <pc:spChg chg="add mod">
-          <ac:chgData name="김소희" userId="292a1162-0793-4577-a94d-2dae0dfa5995" providerId="ADAL" clId="{56FB9BA8-8618-469E-B881-B7E5EAC1530C}" dt="2022-07-17T12:32:21.077" v="7299" actId="1035"/>
-          <ac:spMkLst>
-            <pc:docMk/>
-            <pc:sldMk cId="1677538351" sldId="272"/>
-            <ac:spMk id="8" creationId="{B588D191-0AEA-6E66-B176-CEA9533A2031}"/>
-          </ac:spMkLst>
-        </pc:spChg>
-        <pc:spChg chg="mod">
-          <ac:chgData name="김소희" userId="292a1162-0793-4577-a94d-2dae0dfa5995" providerId="ADAL" clId="{56FB9BA8-8618-469E-B881-B7E5EAC1530C}" dt="2022-07-16T16:55:03.377" v="6637" actId="14100"/>
-          <ac:spMkLst>
-            <pc:docMk/>
-            <pc:sldMk cId="1677538351" sldId="272"/>
-            <ac:spMk id="9" creationId="{4E262F7D-1CD2-9678-413C-EB257F68A044}"/>
-          </ac:spMkLst>
-        </pc:spChg>
-        <pc:spChg chg="add mod">
-          <ac:chgData name="김소희" userId="292a1162-0793-4577-a94d-2dae0dfa5995" providerId="ADAL" clId="{56FB9BA8-8618-469E-B881-B7E5EAC1530C}" dt="2022-07-17T12:32:21.077" v="7299" actId="1035"/>
-          <ac:spMkLst>
-            <pc:docMk/>
-            <pc:sldMk cId="1677538351" sldId="272"/>
-            <ac:spMk id="10" creationId="{196C492B-1218-3877-CBA4-906C0D2BFF6E}"/>
-          </ac:spMkLst>
-        </pc:spChg>
-        <pc:spChg chg="add del mod">
-          <ac:chgData name="김소희" userId="292a1162-0793-4577-a94d-2dae0dfa5995" providerId="ADAL" clId="{56FB9BA8-8618-469E-B881-B7E5EAC1530C}" dt="2022-07-17T12:31:53.478" v="7279" actId="21"/>
-          <ac:spMkLst>
-            <pc:docMk/>
-            <pc:sldMk cId="1677538351" sldId="272"/>
-            <ac:spMk id="11" creationId="{EBFAD5C0-1CED-341A-A2BD-A8B84BBC7BC0}"/>
-          </ac:spMkLst>
-        </pc:spChg>
-        <pc:spChg chg="del">
-          <ac:chgData name="김소희" userId="292a1162-0793-4577-a94d-2dae0dfa5995" providerId="ADAL" clId="{56FB9BA8-8618-469E-B881-B7E5EAC1530C}" dt="2022-07-17T12:28:05.820" v="7261" actId="478"/>
-          <ac:spMkLst>
-            <pc:docMk/>
-            <pc:sldMk cId="1677538351" sldId="272"/>
-            <ac:spMk id="13" creationId="{174246C5-3CB0-4EE1-338B-F486C3F74F8D}"/>
-          </ac:spMkLst>
-        </pc:spChg>
-        <pc:picChg chg="add mod">
-          <ac:chgData name="김소희" userId="292a1162-0793-4577-a94d-2dae0dfa5995" providerId="ADAL" clId="{56FB9BA8-8618-469E-B881-B7E5EAC1530C}" dt="2022-07-17T12:36:57.945" v="7414" actId="1076"/>
-          <ac:picMkLst>
-            <pc:docMk/>
-            <pc:sldMk cId="1677538351" sldId="272"/>
-            <ac:picMk id="4" creationId="{A286BE99-4C6E-717B-D201-69688FB57D8E}"/>
-          </ac:picMkLst>
-        </pc:picChg>
-        <pc:picChg chg="del">
-          <ac:chgData name="김소희" userId="292a1162-0793-4577-a94d-2dae0dfa5995" providerId="ADAL" clId="{56FB9BA8-8618-469E-B881-B7E5EAC1530C}" dt="2022-07-16T16:56:12.908" v="6642" actId="478"/>
-          <ac:picMkLst>
-            <pc:docMk/>
-            <pc:sldMk cId="1677538351" sldId="272"/>
-            <ac:picMk id="1026" creationId="{082B6978-1040-2636-ECB5-72C25D649201}"/>
-          </ac:picMkLst>
-        </pc:picChg>
-      </pc:sldChg>
-      <pc:sldChg chg="addSp delSp modSp add mod">
-        <pc:chgData name="김소희" userId="292a1162-0793-4577-a94d-2dae0dfa5995" providerId="ADAL" clId="{56FB9BA8-8618-469E-B881-B7E5EAC1530C}" dt="2022-07-17T18:18:45.657" v="11407" actId="1076"/>
-        <pc:sldMkLst>
-          <pc:docMk/>
-          <pc:sldMk cId="3575306235" sldId="273"/>
-        </pc:sldMkLst>
-        <pc:spChg chg="del">
-          <ac:chgData name="김소희" userId="292a1162-0793-4577-a94d-2dae0dfa5995" providerId="ADAL" clId="{56FB9BA8-8618-469E-B881-B7E5EAC1530C}" dt="2022-07-17T12:30:44.119" v="7272" actId="478"/>
-          <ac:spMkLst>
-            <pc:docMk/>
-            <pc:sldMk cId="3575306235" sldId="273"/>
-            <ac:spMk id="6" creationId="{2188782E-44BF-062E-224B-C021A5C826FC}"/>
-          </ac:spMkLst>
-        </pc:spChg>
-        <pc:spChg chg="del">
-          <ac:chgData name="김소희" userId="292a1162-0793-4577-a94d-2dae0dfa5995" providerId="ADAL" clId="{56FB9BA8-8618-469E-B881-B7E5EAC1530C}" dt="2022-07-17T12:30:44.119" v="7272" actId="478"/>
-          <ac:spMkLst>
-            <pc:docMk/>
-            <pc:sldMk cId="3575306235" sldId="273"/>
-            <ac:spMk id="8" creationId="{B588D191-0AEA-6E66-B176-CEA9533A2031}"/>
-          </ac:spMkLst>
-        </pc:spChg>
-        <pc:spChg chg="del">
-          <ac:chgData name="김소희" userId="292a1162-0793-4577-a94d-2dae0dfa5995" providerId="ADAL" clId="{56FB9BA8-8618-469E-B881-B7E5EAC1530C}" dt="2022-07-17T12:30:44.119" v="7272" actId="478"/>
-          <ac:spMkLst>
-            <pc:docMk/>
-            <pc:sldMk cId="3575306235" sldId="273"/>
-            <ac:spMk id="10" creationId="{196C492B-1218-3877-CBA4-906C0D2BFF6E}"/>
-          </ac:spMkLst>
-        </pc:spChg>
-        <pc:spChg chg="del">
-          <ac:chgData name="김소희" userId="292a1162-0793-4577-a94d-2dae0dfa5995" providerId="ADAL" clId="{56FB9BA8-8618-469E-B881-B7E5EAC1530C}" dt="2022-07-17T12:30:44.119" v="7272" actId="478"/>
-          <ac:spMkLst>
-            <pc:docMk/>
-            <pc:sldMk cId="3575306235" sldId="273"/>
-            <ac:spMk id="11" creationId="{EBFAD5C0-1CED-341A-A2BD-A8B84BBC7BC0}"/>
-          </ac:spMkLst>
-        </pc:spChg>
-        <pc:spChg chg="add mod">
-          <ac:chgData name="김소희" userId="292a1162-0793-4577-a94d-2dae0dfa5995" providerId="ADAL" clId="{56FB9BA8-8618-469E-B881-B7E5EAC1530C}" dt="2022-07-17T15:38:35.143" v="7741" actId="1076"/>
-          <ac:spMkLst>
-            <pc:docMk/>
-            <pc:sldMk cId="3575306235" sldId="273"/>
-            <ac:spMk id="15" creationId="{2494126B-543A-FDDA-17D0-F993FACA44E4}"/>
-          </ac:spMkLst>
-        </pc:spChg>
-        <pc:spChg chg="add mod">
-          <ac:chgData name="김소희" userId="292a1162-0793-4577-a94d-2dae0dfa5995" providerId="ADAL" clId="{56FB9BA8-8618-469E-B881-B7E5EAC1530C}" dt="2022-07-17T18:18:45.657" v="11407" actId="1076"/>
-          <ac:spMkLst>
-            <pc:docMk/>
-            <pc:sldMk cId="3575306235" sldId="273"/>
-            <ac:spMk id="17" creationId="{5F6C1FB1-4562-2466-D242-5574E13C66F6}"/>
-          </ac:spMkLst>
-        </pc:spChg>
-        <pc:picChg chg="del">
-          <ac:chgData name="김소희" userId="292a1162-0793-4577-a94d-2dae0dfa5995" providerId="ADAL" clId="{56FB9BA8-8618-469E-B881-B7E5EAC1530C}" dt="2022-07-17T12:30:44.119" v="7272" actId="478"/>
-          <ac:picMkLst>
-            <pc:docMk/>
-            <pc:sldMk cId="3575306235" sldId="273"/>
-            <ac:picMk id="4" creationId="{A286BE99-4C6E-717B-D201-69688FB57D8E}"/>
-          </ac:picMkLst>
-        </pc:picChg>
-        <pc:picChg chg="add del">
-          <ac:chgData name="김소희" userId="292a1162-0793-4577-a94d-2dae0dfa5995" providerId="ADAL" clId="{56FB9BA8-8618-469E-B881-B7E5EAC1530C}" dt="2022-07-17T12:30:55.852" v="7274" actId="478"/>
-          <ac:picMkLst>
-            <pc:docMk/>
-            <pc:sldMk cId="3575306235" sldId="273"/>
-            <ac:picMk id="5" creationId="{E7F87D54-6880-7131-A047-00BDA9894009}"/>
-          </ac:picMkLst>
-        </pc:picChg>
-        <pc:picChg chg="add del">
-          <ac:chgData name="김소희" userId="292a1162-0793-4577-a94d-2dae0dfa5995" providerId="ADAL" clId="{56FB9BA8-8618-469E-B881-B7E5EAC1530C}" dt="2022-07-17T12:31:13.148" v="7276" actId="478"/>
-          <ac:picMkLst>
-            <pc:docMk/>
-            <pc:sldMk cId="3575306235" sldId="273"/>
-            <ac:picMk id="12" creationId="{432536C4-836C-B7CC-76EE-19193FBAB65A}"/>
-          </ac:picMkLst>
-        </pc:picChg>
-        <pc:picChg chg="add mod">
-          <ac:chgData name="김소희" userId="292a1162-0793-4577-a94d-2dae0dfa5995" providerId="ADAL" clId="{56FB9BA8-8618-469E-B881-B7E5EAC1530C}" dt="2022-07-17T15:38:35.143" v="7741" actId="1076"/>
-          <ac:picMkLst>
-            <pc:docMk/>
-            <pc:sldMk cId="3575306235" sldId="273"/>
-            <ac:picMk id="14" creationId="{96BFB391-FD25-112E-FC94-B41BF2CE94AE}"/>
-          </ac:picMkLst>
-        </pc:picChg>
-      </pc:sldChg>
-      <pc:sldChg chg="addSp delSp modSp add mod modNotesTx">
-        <pc:chgData name="김소희" userId="292a1162-0793-4577-a94d-2dae0dfa5995" providerId="ADAL" clId="{56FB9BA8-8618-469E-B881-B7E5EAC1530C}" dt="2022-07-17T17:59:30.901" v="10796" actId="692"/>
-        <pc:sldMkLst>
-          <pc:docMk/>
-          <pc:sldMk cId="1864032891" sldId="274"/>
-        </pc:sldMkLst>
-        <pc:spChg chg="mod">
-          <ac:chgData name="김소희" userId="292a1162-0793-4577-a94d-2dae0dfa5995" providerId="ADAL" clId="{56FB9BA8-8618-469E-B881-B7E5EAC1530C}" dt="2022-07-17T12:46:18.717" v="7431" actId="20577"/>
-          <ac:spMkLst>
-            <pc:docMk/>
-            <pc:sldMk cId="1864032891" sldId="274"/>
-            <ac:spMk id="2" creationId="{5C386871-B092-6B43-A8DA-B84A6CCCC7F5}"/>
-          </ac:spMkLst>
-        </pc:spChg>
-        <pc:spChg chg="add mod">
-          <ac:chgData name="김소희" userId="292a1162-0793-4577-a94d-2dae0dfa5995" providerId="ADAL" clId="{56FB9BA8-8618-469E-B881-B7E5EAC1530C}" dt="2022-07-17T15:24:26.674" v="7597" actId="20577"/>
-          <ac:spMkLst>
-            <pc:docMk/>
-            <pc:sldMk cId="1864032891" sldId="274"/>
-            <ac:spMk id="10" creationId="{520BCCFE-A412-1390-F84E-B2BC02960CC3}"/>
-          </ac:spMkLst>
-        </pc:spChg>
-        <pc:spChg chg="add mod">
-          <ac:chgData name="김소희" userId="292a1162-0793-4577-a94d-2dae0dfa5995" providerId="ADAL" clId="{56FB9BA8-8618-469E-B881-B7E5EAC1530C}" dt="2022-07-17T16:35:52.949" v="9252" actId="1035"/>
-          <ac:spMkLst>
-            <pc:docMk/>
-            <pc:sldMk cId="1864032891" sldId="274"/>
-            <ac:spMk id="11" creationId="{6755C027-8498-D876-EA78-C0874A1BF132}"/>
-          </ac:spMkLst>
-        </pc:spChg>
-        <pc:spChg chg="add mod">
-          <ac:chgData name="김소희" userId="292a1162-0793-4577-a94d-2dae0dfa5995" providerId="ADAL" clId="{56FB9BA8-8618-469E-B881-B7E5EAC1530C}" dt="2022-07-17T15:21:54.629" v="7487" actId="1076"/>
-          <ac:spMkLst>
-            <pc:docMk/>
-            <pc:sldMk cId="1864032891" sldId="274"/>
-            <ac:spMk id="12" creationId="{7FE97760-12BC-CE55-9D5E-DDC76B6211DF}"/>
-          </ac:spMkLst>
-        </pc:spChg>
-        <pc:spChg chg="add mod">
-          <ac:chgData name="김소희" userId="292a1162-0793-4577-a94d-2dae0dfa5995" providerId="ADAL" clId="{56FB9BA8-8618-469E-B881-B7E5EAC1530C}" dt="2022-07-17T16:08:10.750" v="8246" actId="20577"/>
-          <ac:spMkLst>
-            <pc:docMk/>
-            <pc:sldMk cId="1864032891" sldId="274"/>
-            <ac:spMk id="13" creationId="{5C6CC0AE-B7C5-9CFE-084B-81561CB21A4E}"/>
-          </ac:spMkLst>
-        </pc:spChg>
-        <pc:spChg chg="del mod">
-          <ac:chgData name="김소희" userId="292a1162-0793-4577-a94d-2dae0dfa5995" providerId="ADAL" clId="{56FB9BA8-8618-469E-B881-B7E5EAC1530C}" dt="2022-07-17T15:30:51.708" v="7730" actId="478"/>
-          <ac:spMkLst>
-            <pc:docMk/>
-            <pc:sldMk cId="1864032891" sldId="274"/>
-            <ac:spMk id="15" creationId="{2494126B-543A-FDDA-17D0-F993FACA44E4}"/>
-          </ac:spMkLst>
-        </pc:spChg>
-        <pc:spChg chg="add mod">
-          <ac:chgData name="김소희" userId="292a1162-0793-4577-a94d-2dae0dfa5995" providerId="ADAL" clId="{56FB9BA8-8618-469E-B881-B7E5EAC1530C}" dt="2022-07-17T16:08:02.930" v="8245" actId="1076"/>
-          <ac:spMkLst>
-            <pc:docMk/>
-            <pc:sldMk cId="1864032891" sldId="274"/>
-            <ac:spMk id="16" creationId="{AEED4E74-7EF2-03D4-2D75-037C4D8BA8A2}"/>
-          </ac:spMkLst>
-        </pc:spChg>
-        <pc:spChg chg="del mod">
-          <ac:chgData name="김소희" userId="292a1162-0793-4577-a94d-2dae0dfa5995" providerId="ADAL" clId="{56FB9BA8-8618-469E-B881-B7E5EAC1530C}" dt="2022-07-17T12:46:38.243" v="7433" actId="478"/>
-          <ac:spMkLst>
-            <pc:docMk/>
-            <pc:sldMk cId="1864032891" sldId="274"/>
-            <ac:spMk id="17" creationId="{5F6C1FB1-4562-2466-D242-5574E13C66F6}"/>
-          </ac:spMkLst>
-        </pc:spChg>
-        <pc:spChg chg="add mod">
-          <ac:chgData name="김소희" userId="292a1162-0793-4577-a94d-2dae0dfa5995" providerId="ADAL" clId="{56FB9BA8-8618-469E-B881-B7E5EAC1530C}" dt="2022-07-17T16:08:37.908" v="8248" actId="1037"/>
-          <ac:spMkLst>
-            <pc:docMk/>
-            <pc:sldMk cId="1864032891" sldId="274"/>
-            <ac:spMk id="18" creationId="{4F3CF27E-CA54-B9D3-7E45-6D9C54FE497F}"/>
-          </ac:spMkLst>
-        </pc:spChg>
-        <pc:spChg chg="add mod">
-          <ac:chgData name="김소희" userId="292a1162-0793-4577-a94d-2dae0dfa5995" providerId="ADAL" clId="{56FB9BA8-8618-469E-B881-B7E5EAC1530C}" dt="2022-07-17T16:08:49.045" v="8253" actId="1035"/>
-          <ac:spMkLst>
-            <pc:docMk/>
-            <pc:sldMk cId="1864032891" sldId="274"/>
-            <ac:spMk id="19" creationId="{3304FBB8-A148-60B5-79CC-28FA7FB5A959}"/>
-          </ac:spMkLst>
-        </pc:spChg>
-        <pc:spChg chg="add mod">
-          <ac:chgData name="김소희" userId="292a1162-0793-4577-a94d-2dae0dfa5995" providerId="ADAL" clId="{56FB9BA8-8618-469E-B881-B7E5EAC1530C}" dt="2022-07-17T17:59:18.283" v="10795" actId="1076"/>
-          <ac:spMkLst>
-            <pc:docMk/>
-            <pc:sldMk cId="1864032891" sldId="274"/>
-            <ac:spMk id="22" creationId="{CC50681B-3125-460A-A23A-6D23BF9EA36B}"/>
-          </ac:spMkLst>
-        </pc:spChg>
-        <pc:spChg chg="add del mod">
-          <ac:chgData name="김소희" userId="292a1162-0793-4577-a94d-2dae0dfa5995" providerId="ADAL" clId="{56FB9BA8-8618-469E-B881-B7E5EAC1530C}" dt="2022-07-17T15:41:54.407" v="7847" actId="478"/>
-          <ac:spMkLst>
-            <pc:docMk/>
-            <pc:sldMk cId="1864032891" sldId="274"/>
-            <ac:spMk id="24" creationId="{25DE5375-78C5-F0CB-CCC1-E3E5C35E4DD9}"/>
-          </ac:spMkLst>
-        </pc:spChg>
-        <pc:spChg chg="add mod">
-          <ac:chgData name="김소희" userId="292a1162-0793-4577-a94d-2dae0dfa5995" providerId="ADAL" clId="{56FB9BA8-8618-469E-B881-B7E5EAC1530C}" dt="2022-07-17T16:10:45.609" v="8274" actId="404"/>
-          <ac:spMkLst>
-            <pc:docMk/>
-            <pc:sldMk cId="1864032891" sldId="274"/>
-            <ac:spMk id="25" creationId="{1AC397F3-2AD1-9EEE-9357-CC8970237A4C}"/>
-          </ac:spMkLst>
-        </pc:spChg>
-        <pc:spChg chg="add mod">
-          <ac:chgData name="김소희" userId="292a1162-0793-4577-a94d-2dae0dfa5995" providerId="ADAL" clId="{56FB9BA8-8618-469E-B881-B7E5EAC1530C}" dt="2022-07-17T16:09:34.772" v="8263" actId="1037"/>
-          <ac:spMkLst>
-            <pc:docMk/>
-            <pc:sldMk cId="1864032891" sldId="274"/>
-            <ac:spMk id="30" creationId="{BFB724BC-D356-E345-7218-9B4FB1EF280C}"/>
-          </ac:spMkLst>
-        </pc:spChg>
-        <pc:spChg chg="add mod">
-          <ac:chgData name="김소희" userId="292a1162-0793-4577-a94d-2dae0dfa5995" providerId="ADAL" clId="{56FB9BA8-8618-469E-B881-B7E5EAC1530C}" dt="2022-07-17T16:35:54.443" v="9255" actId="1035"/>
-          <ac:spMkLst>
-            <pc:docMk/>
-            <pc:sldMk cId="1864032891" sldId="274"/>
-            <ac:spMk id="34" creationId="{F22535CD-E7CA-C242-DC7F-78B8A871D4A0}"/>
-          </ac:spMkLst>
-        </pc:spChg>
-        <pc:spChg chg="add del mod">
-          <ac:chgData name="김소희" userId="292a1162-0793-4577-a94d-2dae0dfa5995" providerId="ADAL" clId="{56FB9BA8-8618-469E-B881-B7E5EAC1530C}" dt="2022-07-17T15:56:19.988" v="8034" actId="478"/>
-          <ac:spMkLst>
-            <pc:docMk/>
-            <pc:sldMk cId="1864032891" sldId="274"/>
-            <ac:spMk id="35" creationId="{D6FE1070-71D5-45C8-F06E-E852AC842C51}"/>
-          </ac:spMkLst>
-        </pc:spChg>
-        <pc:spChg chg="add del mod">
-          <ac:chgData name="김소희" userId="292a1162-0793-4577-a94d-2dae0dfa5995" providerId="ADAL" clId="{56FB9BA8-8618-469E-B881-B7E5EAC1530C}" dt="2022-07-17T16:03:44.638" v="8183" actId="478"/>
-          <ac:spMkLst>
-            <pc:docMk/>
-            <pc:sldMk cId="1864032891" sldId="274"/>
-            <ac:spMk id="36" creationId="{68430E58-BB0A-DB77-09D4-573BBA787F20}"/>
-          </ac:spMkLst>
-        </pc:spChg>
-        <pc:spChg chg="add mod">
-          <ac:chgData name="김소희" userId="292a1162-0793-4577-a94d-2dae0dfa5995" providerId="ADAL" clId="{56FB9BA8-8618-469E-B881-B7E5EAC1530C}" dt="2022-07-17T16:09:34.772" v="8263" actId="1037"/>
-          <ac:spMkLst>
-            <pc:docMk/>
-            <pc:sldMk cId="1864032891" sldId="274"/>
-            <ac:spMk id="40" creationId="{594874C8-2BBC-1065-2777-B1BEA2D874CD}"/>
-          </ac:spMkLst>
-        </pc:spChg>
-        <pc:grpChg chg="add mod">
-          <ac:chgData name="김소희" userId="292a1162-0793-4577-a94d-2dae0dfa5995" providerId="ADAL" clId="{56FB9BA8-8618-469E-B881-B7E5EAC1530C}" dt="2022-07-17T16:08:02.930" v="8245" actId="1076"/>
-          <ac:grpSpMkLst>
-            <pc:docMk/>
-            <pc:sldMk cId="1864032891" sldId="274"/>
-            <ac:grpSpMk id="31" creationId="{6C1FB062-A586-5174-2C7F-DF3EC44B0F2F}"/>
-          </ac:grpSpMkLst>
-        </pc:grpChg>
-        <pc:picChg chg="add del mod">
-          <ac:chgData name="김소희" userId="292a1162-0793-4577-a94d-2dae0dfa5995" providerId="ADAL" clId="{56FB9BA8-8618-469E-B881-B7E5EAC1530C}" dt="2022-07-17T15:20:46.619" v="7440" actId="478"/>
-          <ac:picMkLst>
-            <pc:docMk/>
-            <pc:sldMk cId="1864032891" sldId="274"/>
-            <ac:picMk id="4" creationId="{9A1DD40B-515B-FB77-D91F-D1A61770B71A}"/>
-          </ac:picMkLst>
-        </pc:picChg>
-        <pc:picChg chg="add mod ord">
-          <ac:chgData name="김소희" userId="292a1162-0793-4577-a94d-2dae0dfa5995" providerId="ADAL" clId="{56FB9BA8-8618-469E-B881-B7E5EAC1530C}" dt="2022-07-17T16:35:26.865" v="9226" actId="208"/>
-          <ac:picMkLst>
-            <pc:docMk/>
-            <pc:sldMk cId="1864032891" sldId="274"/>
-            <ac:picMk id="8" creationId="{1AC658A8-D7DA-2E4A-A8B0-80EDC15C3AE2}"/>
-          </ac:picMkLst>
-        </pc:picChg>
-        <pc:picChg chg="del">
-          <ac:chgData name="김소희" userId="292a1162-0793-4577-a94d-2dae0dfa5995" providerId="ADAL" clId="{56FB9BA8-8618-469E-B881-B7E5EAC1530C}" dt="2022-07-17T12:46:13.028" v="7420" actId="478"/>
-          <ac:picMkLst>
-            <pc:docMk/>
-            <pc:sldMk cId="1864032891" sldId="274"/>
-            <ac:picMk id="14" creationId="{96BFB391-FD25-112E-FC94-B41BF2CE94AE}"/>
-          </ac:picMkLst>
-        </pc:picChg>
-        <pc:picChg chg="add mod">
-          <ac:chgData name="김소희" userId="292a1162-0793-4577-a94d-2dae0dfa5995" providerId="ADAL" clId="{56FB9BA8-8618-469E-B881-B7E5EAC1530C}" dt="2022-07-17T16:08:02.930" v="8245" actId="1076"/>
-          <ac:picMkLst>
-            <pc:docMk/>
-            <pc:sldMk cId="1864032891" sldId="274"/>
-            <ac:picMk id="1026" creationId="{D8F19ADC-E0C9-86E2-DDEC-A85CA37D666F}"/>
-          </ac:picMkLst>
-        </pc:picChg>
-        <pc:picChg chg="add del mod">
-          <ac:chgData name="김소희" userId="292a1162-0793-4577-a94d-2dae0dfa5995" providerId="ADAL" clId="{56FB9BA8-8618-469E-B881-B7E5EAC1530C}" dt="2022-07-17T15:30:31.196" v="7723" actId="478"/>
-          <ac:picMkLst>
-            <pc:docMk/>
-            <pc:sldMk cId="1864032891" sldId="274"/>
-            <ac:picMk id="1028" creationId="{C83C384B-67CF-4B7A-79E9-30FBB20B9198}"/>
-          </ac:picMkLst>
-        </pc:picChg>
-        <pc:picChg chg="add mod">
-          <ac:chgData name="김소희" userId="292a1162-0793-4577-a94d-2dae0dfa5995" providerId="ADAL" clId="{56FB9BA8-8618-469E-B881-B7E5EAC1530C}" dt="2022-07-17T16:09:47.877" v="8268" actId="1076"/>
-          <ac:picMkLst>
-            <pc:docMk/>
-            <pc:sldMk cId="1864032891" sldId="274"/>
-            <ac:picMk id="1030" creationId="{5658C78A-FA1D-FC6B-43FB-E48740EB9751}"/>
-          </ac:picMkLst>
-        </pc:picChg>
-        <pc:cxnChg chg="add mod">
-          <ac:chgData name="김소희" userId="292a1162-0793-4577-a94d-2dae0dfa5995" providerId="ADAL" clId="{56FB9BA8-8618-469E-B881-B7E5EAC1530C}" dt="2022-07-17T17:59:30.901" v="10796" actId="692"/>
-          <ac:cxnSpMkLst>
-            <pc:docMk/>
-            <pc:sldMk cId="1864032891" sldId="274"/>
-            <ac:cxnSpMk id="21" creationId="{231209F2-A61F-507A-CBB5-6D4D9252B279}"/>
-          </ac:cxnSpMkLst>
-        </pc:cxnChg>
-        <pc:cxnChg chg="add mod">
-          <ac:chgData name="김소희" userId="292a1162-0793-4577-a94d-2dae0dfa5995" providerId="ADAL" clId="{56FB9BA8-8618-469E-B881-B7E5EAC1530C}" dt="2022-07-17T16:35:47.671" v="9238" actId="1035"/>
-          <ac:cxnSpMkLst>
-            <pc:docMk/>
-            <pc:sldMk cId="1864032891" sldId="274"/>
-            <ac:cxnSpMk id="27" creationId="{13960771-C0FC-EF6A-D9D7-0E0CF947D2C9}"/>
-          </ac:cxnSpMkLst>
-        </pc:cxnChg>
-        <pc:cxnChg chg="add mod">
-          <ac:chgData name="김소희" userId="292a1162-0793-4577-a94d-2dae0dfa5995" providerId="ADAL" clId="{56FB9BA8-8618-469E-B881-B7E5EAC1530C}" dt="2022-07-17T16:35:50.259" v="9248" actId="1035"/>
-          <ac:cxnSpMkLst>
-            <pc:docMk/>
-            <pc:sldMk cId="1864032891" sldId="274"/>
-            <ac:cxnSpMk id="38" creationId="{232E0601-0B2B-491C-7862-2678C95BA6B9}"/>
-          </ac:cxnSpMkLst>
-        </pc:cxnChg>
-      </pc:sldChg>
-      <pc:sldChg chg="addSp delSp modSp add mod">
-        <pc:chgData name="김소희" userId="292a1162-0793-4577-a94d-2dae0dfa5995" providerId="ADAL" clId="{56FB9BA8-8618-469E-B881-B7E5EAC1530C}" dt="2022-07-17T18:19:08.914" v="11410" actId="1035"/>
-        <pc:sldMkLst>
-          <pc:docMk/>
-          <pc:sldMk cId="1710748464" sldId="275"/>
-        </pc:sldMkLst>
-        <pc:spChg chg="add mod">
-          <ac:chgData name="김소희" userId="292a1162-0793-4577-a94d-2dae0dfa5995" providerId="ADAL" clId="{56FB9BA8-8618-469E-B881-B7E5EAC1530C}" dt="2022-07-17T18:19:08.914" v="11410" actId="1035"/>
-          <ac:spMkLst>
-            <pc:docMk/>
-            <pc:sldMk cId="1710748464" sldId="275"/>
-            <ac:spMk id="6" creationId="{F446FE9C-3EE4-C6EB-8545-9571B4F20B24}"/>
-          </ac:spMkLst>
-        </pc:spChg>
-        <pc:spChg chg="add del mod">
-          <ac:chgData name="김소희" userId="292a1162-0793-4577-a94d-2dae0dfa5995" providerId="ADAL" clId="{56FB9BA8-8618-469E-B881-B7E5EAC1530C}" dt="2022-07-17T16:15:03.181" v="8576" actId="478"/>
-          <ac:spMkLst>
-            <pc:docMk/>
-            <pc:sldMk cId="1710748464" sldId="275"/>
-            <ac:spMk id="7" creationId="{5FF834EC-C667-129F-6DE7-24EC80562A9F}"/>
-          </ac:spMkLst>
-        </pc:spChg>
-        <pc:spChg chg="mod">
-          <ac:chgData name="김소희" userId="292a1162-0793-4577-a94d-2dae0dfa5995" providerId="ADAL" clId="{56FB9BA8-8618-469E-B881-B7E5EAC1530C}" dt="2022-07-17T17:43:43.132" v="10179" actId="207"/>
-          <ac:spMkLst>
-            <pc:docMk/>
-            <pc:sldMk cId="1710748464" sldId="275"/>
-            <ac:spMk id="15" creationId="{2494126B-543A-FDDA-17D0-F993FACA44E4}"/>
-          </ac:spMkLst>
-        </pc:spChg>
-        <pc:picChg chg="del mod">
-          <ac:chgData name="김소희" userId="292a1162-0793-4577-a94d-2dae0dfa5995" providerId="ADAL" clId="{56FB9BA8-8618-469E-B881-B7E5EAC1530C}" dt="2022-07-17T16:14:59.420" v="8575" actId="478"/>
-          <ac:picMkLst>
-            <pc:docMk/>
-            <pc:sldMk cId="1710748464" sldId="275"/>
-            <ac:picMk id="4" creationId="{9A1DD40B-515B-FB77-D91F-D1A61770B71A}"/>
-          </ac:picMkLst>
-        </pc:picChg>
-        <pc:picChg chg="add mod">
-          <ac:chgData name="김소희" userId="292a1162-0793-4577-a94d-2dae0dfa5995" providerId="ADAL" clId="{56FB9BA8-8618-469E-B881-B7E5EAC1530C}" dt="2022-07-17T16:17:16.584" v="8647" actId="1076"/>
-          <ac:picMkLst>
-            <pc:docMk/>
-            <pc:sldMk cId="1710748464" sldId="275"/>
-            <ac:picMk id="8" creationId="{452ED89C-DC3B-3E32-C031-AF960A2234C0}"/>
-          </ac:picMkLst>
-        </pc:picChg>
-      </pc:sldChg>
-      <pc:sldChg chg="addSp delSp modSp add mod">
-        <pc:chgData name="김소희" userId="292a1162-0793-4577-a94d-2dae0dfa5995" providerId="ADAL" clId="{56FB9BA8-8618-469E-B881-B7E5EAC1530C}" dt="2022-07-18T05:51:49.446" v="12840" actId="208"/>
-        <pc:sldMkLst>
-          <pc:docMk/>
-          <pc:sldMk cId="2083716223" sldId="276"/>
-        </pc:sldMkLst>
-        <pc:spChg chg="del">
-          <ac:chgData name="김소희" userId="292a1162-0793-4577-a94d-2dae0dfa5995" providerId="ADAL" clId="{56FB9BA8-8618-469E-B881-B7E5EAC1530C}" dt="2022-07-17T16:18:28.880" v="8655" actId="478"/>
-          <ac:spMkLst>
-            <pc:docMk/>
-            <pc:sldMk cId="2083716223" sldId="276"/>
-            <ac:spMk id="6" creationId="{F446FE9C-3EE4-C6EB-8545-9571B4F20B24}"/>
-          </ac:spMkLst>
-        </pc:spChg>
-        <pc:spChg chg="mod">
-          <ac:chgData name="김소희" userId="292a1162-0793-4577-a94d-2dae0dfa5995" providerId="ADAL" clId="{56FB9BA8-8618-469E-B881-B7E5EAC1530C}" dt="2022-07-17T17:42:15.789" v="10167" actId="207"/>
-          <ac:spMkLst>
-            <pc:docMk/>
-            <pc:sldMk cId="2083716223" sldId="276"/>
-            <ac:spMk id="7" creationId="{5FF834EC-C667-129F-6DE7-24EC80562A9F}"/>
-          </ac:spMkLst>
-        </pc:spChg>
-        <pc:spChg chg="add mod">
-          <ac:chgData name="김소희" userId="292a1162-0793-4577-a94d-2dae0dfa5995" providerId="ADAL" clId="{56FB9BA8-8618-469E-B881-B7E5EAC1530C}" dt="2022-07-17T16:30:21.020" v="9062" actId="20577"/>
-          <ac:spMkLst>
-            <pc:docMk/>
-            <pc:sldMk cId="2083716223" sldId="276"/>
-            <ac:spMk id="8" creationId="{9530C086-2C13-F035-575F-854F651D3568}"/>
-          </ac:spMkLst>
-        </pc:spChg>
-        <pc:spChg chg="add mod">
-          <ac:chgData name="김소희" userId="292a1162-0793-4577-a94d-2dae0dfa5995" providerId="ADAL" clId="{56FB9BA8-8618-469E-B881-B7E5EAC1530C}" dt="2022-07-17T16:31:38.557" v="9076" actId="164"/>
-          <ac:spMkLst>
-            <pc:docMk/>
-            <pc:sldMk cId="2083716223" sldId="276"/>
-            <ac:spMk id="10" creationId="{F31E1171-8A08-B76C-F69F-11BE262933A5}"/>
-          </ac:spMkLst>
-        </pc:spChg>
-        <pc:spChg chg="add mod">
-          <ac:chgData name="김소희" userId="292a1162-0793-4577-a94d-2dae0dfa5995" providerId="ADAL" clId="{56FB9BA8-8618-469E-B881-B7E5EAC1530C}" dt="2022-07-17T16:31:38.557" v="9076" actId="164"/>
-          <ac:spMkLst>
-            <pc:docMk/>
-            <pc:sldMk cId="2083716223" sldId="276"/>
-            <ac:spMk id="11" creationId="{5E75915A-9ED9-087D-B5D4-8D7DE00C43C0}"/>
-          </ac:spMkLst>
-        </pc:spChg>
-        <pc:spChg chg="add del mod">
-          <ac:chgData name="김소희" userId="292a1162-0793-4577-a94d-2dae0dfa5995" providerId="ADAL" clId="{56FB9BA8-8618-469E-B881-B7E5EAC1530C}" dt="2022-07-17T16:24:11.559" v="8820"/>
-          <ac:spMkLst>
-            <pc:docMk/>
-            <pc:sldMk cId="2083716223" sldId="276"/>
-            <ac:spMk id="12" creationId="{D5C18C7D-7BFF-8E58-16A7-B899CCE0A6E8}"/>
-          </ac:spMkLst>
-        </pc:spChg>
-        <pc:spChg chg="add mod">
-          <ac:chgData name="김소희" userId="292a1162-0793-4577-a94d-2dae0dfa5995" providerId="ADAL" clId="{56FB9BA8-8618-469E-B881-B7E5EAC1530C}" dt="2022-07-17T16:31:38.557" v="9076" actId="164"/>
-          <ac:spMkLst>
-            <pc:docMk/>
-            <pc:sldMk cId="2083716223" sldId="276"/>
-            <ac:spMk id="13" creationId="{B6DA59CA-7693-E14D-C506-2CEB242652DE}"/>
-          </ac:spMkLst>
-        </pc:spChg>
-        <pc:spChg chg="add mod">
-          <ac:chgData name="김소희" userId="292a1162-0793-4577-a94d-2dae0dfa5995" providerId="ADAL" clId="{56FB9BA8-8618-469E-B881-B7E5EAC1530C}" dt="2022-07-17T16:31:38.557" v="9076" actId="164"/>
-          <ac:spMkLst>
-            <pc:docMk/>
-            <pc:sldMk cId="2083716223" sldId="276"/>
-            <ac:spMk id="14" creationId="{52728B2B-4DD5-FFD6-ABAB-1516F1B21BED}"/>
-          </ac:spMkLst>
-        </pc:spChg>
-        <pc:spChg chg="del">
-          <ac:chgData name="김소희" userId="292a1162-0793-4577-a94d-2dae0dfa5995" providerId="ADAL" clId="{56FB9BA8-8618-469E-B881-B7E5EAC1530C}" dt="2022-07-17T16:18:28.880" v="8655" actId="478"/>
-          <ac:spMkLst>
-            <pc:docMk/>
-            <pc:sldMk cId="2083716223" sldId="276"/>
-            <ac:spMk id="15" creationId="{2494126B-543A-FDDA-17D0-F993FACA44E4}"/>
-          </ac:spMkLst>
-        </pc:spChg>
-        <pc:spChg chg="add mod">
-          <ac:chgData name="김소희" userId="292a1162-0793-4577-a94d-2dae0dfa5995" providerId="ADAL" clId="{56FB9BA8-8618-469E-B881-B7E5EAC1530C}" dt="2022-07-17T16:31:38.557" v="9076" actId="164"/>
-          <ac:spMkLst>
-            <pc:docMk/>
-            <pc:sldMk cId="2083716223" sldId="276"/>
-            <ac:spMk id="16" creationId="{24673AE0-5A9B-519E-1DE2-ACA0ADB6FD14}"/>
-          </ac:spMkLst>
-        </pc:spChg>
-        <pc:spChg chg="add mod">
-          <ac:chgData name="김소희" userId="292a1162-0793-4577-a94d-2dae0dfa5995" providerId="ADAL" clId="{56FB9BA8-8618-469E-B881-B7E5EAC1530C}" dt="2022-07-17T16:31:38.557" v="9076" actId="164"/>
-          <ac:spMkLst>
-            <pc:docMk/>
-            <pc:sldMk cId="2083716223" sldId="276"/>
-            <ac:spMk id="17" creationId="{CED7611A-35D5-4BC6-12E6-DBB24B86C0F4}"/>
-          </ac:spMkLst>
-        </pc:spChg>
-        <pc:spChg chg="add mod">
-          <ac:chgData name="김소희" userId="292a1162-0793-4577-a94d-2dae0dfa5995" providerId="ADAL" clId="{56FB9BA8-8618-469E-B881-B7E5EAC1530C}" dt="2022-07-17T16:35:04.322" v="9225" actId="14100"/>
-          <ac:spMkLst>
-            <pc:docMk/>
-            <pc:sldMk cId="2083716223" sldId="276"/>
-            <ac:spMk id="20" creationId="{ECC14A61-5B3B-63A9-8A1F-095892D9DA2C}"/>
-          </ac:spMkLst>
-        </pc:spChg>
-        <pc:spChg chg="add mod">
-          <ac:chgData name="김소희" userId="292a1162-0793-4577-a94d-2dae0dfa5995" providerId="ADAL" clId="{56FB9BA8-8618-469E-B881-B7E5EAC1530C}" dt="2022-07-17T16:43:56.015" v="9382" actId="1076"/>
-          <ac:spMkLst>
-            <pc:docMk/>
-            <pc:sldMk cId="2083716223" sldId="276"/>
-            <ac:spMk id="22" creationId="{3161147D-EDD1-F295-9DFE-A0871B59E7E8}"/>
-          </ac:spMkLst>
-        </pc:spChg>
-        <pc:spChg chg="add mod">
-          <ac:chgData name="김소희" userId="292a1162-0793-4577-a94d-2dae0dfa5995" providerId="ADAL" clId="{56FB9BA8-8618-469E-B881-B7E5EAC1530C}" dt="2022-07-18T05:51:42.802" v="12838" actId="207"/>
-          <ac:spMkLst>
-            <pc:docMk/>
-            <pc:sldMk cId="2083716223" sldId="276"/>
-            <ac:spMk id="23" creationId="{47C4DA89-A353-B37C-FA0A-C988944FDB9B}"/>
-          </ac:spMkLst>
-        </pc:spChg>
-        <pc:spChg chg="add mod">
-          <ac:chgData name="김소희" userId="292a1162-0793-4577-a94d-2dae0dfa5995" providerId="ADAL" clId="{56FB9BA8-8618-469E-B881-B7E5EAC1530C}" dt="2022-07-17T16:33:04.310" v="9167" actId="20577"/>
-          <ac:spMkLst>
-            <pc:docMk/>
-            <pc:sldMk cId="2083716223" sldId="276"/>
-            <ac:spMk id="24" creationId="{DFBB6B18-E1C8-F3AB-6AFD-3A241C98ADEE}"/>
-          </ac:spMkLst>
-        </pc:spChg>
-        <pc:spChg chg="add mod">
-          <ac:chgData name="김소희" userId="292a1162-0793-4577-a94d-2dae0dfa5995" providerId="ADAL" clId="{56FB9BA8-8618-469E-B881-B7E5EAC1530C}" dt="2022-07-17T16:34:55.015" v="9221" actId="1076"/>
-          <ac:spMkLst>
-            <pc:docMk/>
-            <pc:sldMk cId="2083716223" sldId="276"/>
-            <ac:spMk id="26" creationId="{71F36E78-1095-967D-CEC7-08DA1ED846D0}"/>
-          </ac:spMkLst>
-        </pc:spChg>
-        <pc:grpChg chg="add mod">
-          <ac:chgData name="김소희" userId="292a1162-0793-4577-a94d-2dae0dfa5995" providerId="ADAL" clId="{56FB9BA8-8618-469E-B881-B7E5EAC1530C}" dt="2022-07-18T05:51:29.934" v="12836" actId="1076"/>
-          <ac:grpSpMkLst>
-            <pc:docMk/>
-            <pc:sldMk cId="2083716223" sldId="276"/>
-            <ac:grpSpMk id="27" creationId="{681B5E7D-412A-2C70-35A9-A23437D4A309}"/>
-          </ac:grpSpMkLst>
-        </pc:grpChg>
-        <pc:picChg chg="mod modCrop">
-          <ac:chgData name="김소희" userId="292a1162-0793-4577-a94d-2dae0dfa5995" providerId="ADAL" clId="{56FB9BA8-8618-469E-B881-B7E5EAC1530C}" dt="2022-07-17T16:31:38.557" v="9076" actId="164"/>
-          <ac:picMkLst>
-            <pc:docMk/>
-            <pc:sldMk cId="2083716223" sldId="276"/>
-            <ac:picMk id="4" creationId="{9A1DD40B-515B-FB77-D91F-D1A61770B71A}"/>
-          </ac:picMkLst>
-        </pc:picChg>
-        <pc:picChg chg="add mod">
-          <ac:chgData name="김소희" userId="292a1162-0793-4577-a94d-2dae0dfa5995" providerId="ADAL" clId="{56FB9BA8-8618-469E-B881-B7E5EAC1530C}" dt="2022-07-17T16:33:21.526" v="9169" actId="208"/>
-          <ac:picMkLst>
-            <pc:docMk/>
-            <pc:sldMk cId="2083716223" sldId="276"/>
-            <ac:picMk id="5" creationId="{E8F30DDB-AE88-CFA5-CD61-27A40D2A07D2}"/>
-          </ac:picMkLst>
-        </pc:picChg>
-        <pc:picChg chg="add mod">
-          <ac:chgData name="김소희" userId="292a1162-0793-4577-a94d-2dae0dfa5995" providerId="ADAL" clId="{56FB9BA8-8618-469E-B881-B7E5EAC1530C}" dt="2022-07-17T16:34:58.291" v="9222" actId="1076"/>
-          <ac:picMkLst>
-            <pc:docMk/>
-            <pc:sldMk cId="2083716223" sldId="276"/>
-            <ac:picMk id="19" creationId="{6A93AB8A-D3A3-C7ED-3788-8493A84CF8E9}"/>
-          </ac:picMkLst>
-        </pc:picChg>
-        <pc:picChg chg="add mod">
-          <ac:chgData name="김소희" userId="292a1162-0793-4577-a94d-2dae0dfa5995" providerId="ADAL" clId="{56FB9BA8-8618-469E-B881-B7E5EAC1530C}" dt="2022-07-17T16:43:56.015" v="9382" actId="1076"/>
-          <ac:picMkLst>
-            <pc:docMk/>
-            <pc:sldMk cId="2083716223" sldId="276"/>
-            <ac:picMk id="21" creationId="{A7F40CE3-2DC3-B0E4-0BE4-65F3270EDB70}"/>
-          </ac:picMkLst>
-        </pc:picChg>
-        <pc:picChg chg="add del">
-          <ac:chgData name="김소희" userId="292a1162-0793-4577-a94d-2dae0dfa5995" providerId="ADAL" clId="{56FB9BA8-8618-469E-B881-B7E5EAC1530C}" dt="2022-07-17T16:29:56.935" v="9051" actId="22"/>
-          <ac:picMkLst>
-            <pc:docMk/>
-            <pc:sldMk cId="2083716223" sldId="276"/>
-            <ac:picMk id="23" creationId="{F96ED7C2-D6E4-C59F-0FE0-5F648456662B}"/>
-          </ac:picMkLst>
-        </pc:picChg>
-        <pc:cxnChg chg="add mod">
-          <ac:chgData name="김소희" userId="292a1162-0793-4577-a94d-2dae0dfa5995" providerId="ADAL" clId="{56FB9BA8-8618-469E-B881-B7E5EAC1530C}" dt="2022-07-18T05:51:49.446" v="12840" actId="208"/>
-          <ac:cxnSpMkLst>
-            <pc:docMk/>
-            <pc:sldMk cId="2083716223" sldId="276"/>
-            <ac:cxnSpMk id="6" creationId="{03B84DCD-352B-3C31-B6BF-C75E728F04AE}"/>
-          </ac:cxnSpMkLst>
-        </pc:cxnChg>
-      </pc:sldChg>
-      <pc:sldChg chg="addSp delSp modSp add mod">
-        <pc:chgData name="김소희" userId="292a1162-0793-4577-a94d-2dae0dfa5995" providerId="ADAL" clId="{56FB9BA8-8618-469E-B881-B7E5EAC1530C}" dt="2022-07-17T18:01:25.036" v="10818" actId="1035"/>
-        <pc:sldMkLst>
-          <pc:docMk/>
-          <pc:sldMk cId="3383878795" sldId="277"/>
-        </pc:sldMkLst>
-        <pc:spChg chg="mod">
-          <ac:chgData name="김소희" userId="292a1162-0793-4577-a94d-2dae0dfa5995" providerId="ADAL" clId="{56FB9BA8-8618-469E-B881-B7E5EAC1530C}" dt="2022-07-17T17:42:19.387" v="10168" actId="207"/>
-          <ac:spMkLst>
-            <pc:docMk/>
-            <pc:sldMk cId="3383878795" sldId="277"/>
-            <ac:spMk id="7" creationId="{5FF834EC-C667-129F-6DE7-24EC80562A9F}"/>
-          </ac:spMkLst>
-        </pc:spChg>
-        <pc:spChg chg="mod">
-          <ac:chgData name="김소희" userId="292a1162-0793-4577-a94d-2dae0dfa5995" providerId="ADAL" clId="{56FB9BA8-8618-469E-B881-B7E5EAC1530C}" dt="2022-07-17T18:01:25.036" v="10818" actId="1035"/>
-          <ac:spMkLst>
-            <pc:docMk/>
-            <pc:sldMk cId="3383878795" sldId="277"/>
-            <ac:spMk id="8" creationId="{9530C086-2C13-F035-575F-854F651D3568}"/>
-          </ac:spMkLst>
-        </pc:spChg>
-        <pc:spChg chg="del">
-          <ac:chgData name="김소희" userId="292a1162-0793-4577-a94d-2dae0dfa5995" providerId="ADAL" clId="{56FB9BA8-8618-469E-B881-B7E5EAC1530C}" dt="2022-07-17T16:46:14.882" v="9401" actId="478"/>
-          <ac:spMkLst>
-            <pc:docMk/>
-            <pc:sldMk cId="3383878795" sldId="277"/>
-            <ac:spMk id="20" creationId="{ECC14A61-5B3B-63A9-8A1F-095892D9DA2C}"/>
-          </ac:spMkLst>
-        </pc:spChg>
-        <pc:spChg chg="del">
-          <ac:chgData name="김소희" userId="292a1162-0793-4577-a94d-2dae0dfa5995" providerId="ADAL" clId="{56FB9BA8-8618-469E-B881-B7E5EAC1530C}" dt="2022-07-17T16:46:14.882" v="9401" actId="478"/>
-          <ac:spMkLst>
-            <pc:docMk/>
-            <pc:sldMk cId="3383878795" sldId="277"/>
-            <ac:spMk id="22" creationId="{3161147D-EDD1-F295-9DFE-A0871B59E7E8}"/>
-          </ac:spMkLst>
-        </pc:spChg>
-        <pc:spChg chg="del">
-          <ac:chgData name="김소희" userId="292a1162-0793-4577-a94d-2dae0dfa5995" providerId="ADAL" clId="{56FB9BA8-8618-469E-B881-B7E5EAC1530C}" dt="2022-07-17T16:46:14.882" v="9401" actId="478"/>
-          <ac:spMkLst>
-            <pc:docMk/>
-            <pc:sldMk cId="3383878795" sldId="277"/>
-            <ac:spMk id="23" creationId="{47C4DA89-A353-B37C-FA0A-C988944FDB9B}"/>
-          </ac:spMkLst>
-        </pc:spChg>
-        <pc:spChg chg="del">
-          <ac:chgData name="김소희" userId="292a1162-0793-4577-a94d-2dae0dfa5995" providerId="ADAL" clId="{56FB9BA8-8618-469E-B881-B7E5EAC1530C}" dt="2022-07-17T16:46:14.882" v="9401" actId="478"/>
-          <ac:spMkLst>
-            <pc:docMk/>
-            <pc:sldMk cId="3383878795" sldId="277"/>
-            <ac:spMk id="24" creationId="{DFBB6B18-E1C8-F3AB-6AFD-3A241C98ADEE}"/>
-          </ac:spMkLst>
-        </pc:spChg>
-        <pc:spChg chg="del">
-          <ac:chgData name="김소희" userId="292a1162-0793-4577-a94d-2dae0dfa5995" providerId="ADAL" clId="{56FB9BA8-8618-469E-B881-B7E5EAC1530C}" dt="2022-07-17T16:46:14.882" v="9401" actId="478"/>
-          <ac:spMkLst>
-            <pc:docMk/>
-            <pc:sldMk cId="3383878795" sldId="277"/>
-            <ac:spMk id="26" creationId="{71F36E78-1095-967D-CEC7-08DA1ED846D0}"/>
-          </ac:spMkLst>
-        </pc:spChg>
-        <pc:spChg chg="add mod ord">
-          <ac:chgData name="김소희" userId="292a1162-0793-4577-a94d-2dae0dfa5995" providerId="ADAL" clId="{56FB9BA8-8618-469E-B881-B7E5EAC1530C}" dt="2022-07-17T18:01:25.036" v="10818" actId="1035"/>
-          <ac:spMkLst>
-            <pc:docMk/>
-            <pc:sldMk cId="3383878795" sldId="277"/>
-            <ac:spMk id="28" creationId="{6EBF89F1-86DC-39FD-C56C-3F3A9A830943}"/>
-          </ac:spMkLst>
-        </pc:spChg>
-        <pc:spChg chg="add mod">
-          <ac:chgData name="김소희" userId="292a1162-0793-4577-a94d-2dae0dfa5995" providerId="ADAL" clId="{56FB9BA8-8618-469E-B881-B7E5EAC1530C}" dt="2022-07-17T18:01:25.036" v="10818" actId="1035"/>
-          <ac:spMkLst>
-            <pc:docMk/>
-            <pc:sldMk cId="3383878795" sldId="277"/>
-            <ac:spMk id="29" creationId="{6249B86C-3C23-511D-2770-A42478CE3217}"/>
-          </ac:spMkLst>
-        </pc:spChg>
-        <pc:spChg chg="add mod">
-          <ac:chgData name="김소희" userId="292a1162-0793-4577-a94d-2dae0dfa5995" providerId="ADAL" clId="{56FB9BA8-8618-469E-B881-B7E5EAC1530C}" dt="2022-07-17T18:01:25.036" v="10818" actId="1035"/>
-          <ac:spMkLst>
-            <pc:docMk/>
-            <pc:sldMk cId="3383878795" sldId="277"/>
-            <ac:spMk id="30" creationId="{B2AA91B7-72B1-ABDC-4BCF-57BE5BD51013}"/>
-          </ac:spMkLst>
-        </pc:spChg>
-        <pc:spChg chg="add mod">
-          <ac:chgData name="김소희" userId="292a1162-0793-4577-a94d-2dae0dfa5995" providerId="ADAL" clId="{56FB9BA8-8618-469E-B881-B7E5EAC1530C}" dt="2022-07-17T18:01:25.036" v="10818" actId="1035"/>
-          <ac:spMkLst>
-            <pc:docMk/>
-            <pc:sldMk cId="3383878795" sldId="277"/>
-            <ac:spMk id="31" creationId="{7A525C70-5F9D-B1F1-61D5-A1C4B8DED67B}"/>
-          </ac:spMkLst>
-        </pc:spChg>
-        <pc:spChg chg="mod">
-          <ac:chgData name="김소희" userId="292a1162-0793-4577-a94d-2dae0dfa5995" providerId="ADAL" clId="{56FB9BA8-8618-469E-B881-B7E5EAC1530C}" dt="2022-07-17T17:38:23.319" v="10038"/>
-          <ac:spMkLst>
-            <pc:docMk/>
-            <pc:sldMk cId="3383878795" sldId="277"/>
-            <ac:spMk id="34" creationId="{5947AAC9-A86B-D2E1-EED3-62D6F3AE330C}"/>
-          </ac:spMkLst>
-        </pc:spChg>
-        <pc:spChg chg="mod">
-          <ac:chgData name="김소희" userId="292a1162-0793-4577-a94d-2dae0dfa5995" providerId="ADAL" clId="{56FB9BA8-8618-469E-B881-B7E5EAC1530C}" dt="2022-07-17T17:38:23.319" v="10038"/>
-          <ac:spMkLst>
-            <pc:docMk/>
-            <pc:sldMk cId="3383878795" sldId="277"/>
-            <ac:spMk id="35" creationId="{A445B665-69E7-4729-BD82-A1CE0FD5227C}"/>
-          </ac:spMkLst>
-        </pc:spChg>
-        <pc:spChg chg="mod">
-          <ac:chgData name="김소희" userId="292a1162-0793-4577-a94d-2dae0dfa5995" providerId="ADAL" clId="{56FB9BA8-8618-469E-B881-B7E5EAC1530C}" dt="2022-07-17T17:38:23.319" v="10038"/>
-          <ac:spMkLst>
-            <pc:docMk/>
-            <pc:sldMk cId="3383878795" sldId="277"/>
-            <ac:spMk id="36" creationId="{6F07D7F1-76AE-F30F-CB80-B9D92EAD262A}"/>
-          </ac:spMkLst>
-        </pc:spChg>
-        <pc:spChg chg="mod">
-          <ac:chgData name="김소희" userId="292a1162-0793-4577-a94d-2dae0dfa5995" providerId="ADAL" clId="{56FB9BA8-8618-469E-B881-B7E5EAC1530C}" dt="2022-07-17T17:38:23.319" v="10038"/>
-          <ac:spMkLst>
-            <pc:docMk/>
-            <pc:sldMk cId="3383878795" sldId="277"/>
-            <ac:spMk id="37" creationId="{5B3FF7ED-3EB3-C792-622E-F1D96E145238}"/>
-          </ac:spMkLst>
-        </pc:spChg>
-        <pc:spChg chg="mod">
-          <ac:chgData name="김소희" userId="292a1162-0793-4577-a94d-2dae0dfa5995" providerId="ADAL" clId="{56FB9BA8-8618-469E-B881-B7E5EAC1530C}" dt="2022-07-17T17:38:23.319" v="10038"/>
-          <ac:spMkLst>
-            <pc:docMk/>
-            <pc:sldMk cId="3383878795" sldId="277"/>
-            <ac:spMk id="38" creationId="{D6C6E2BA-7D67-E8C0-4608-F022DB8AD646}"/>
-          </ac:spMkLst>
-        </pc:spChg>
-        <pc:spChg chg="mod">
-          <ac:chgData name="김소희" userId="292a1162-0793-4577-a94d-2dae0dfa5995" providerId="ADAL" clId="{56FB9BA8-8618-469E-B881-B7E5EAC1530C}" dt="2022-07-17T17:38:23.319" v="10038"/>
-          <ac:spMkLst>
-            <pc:docMk/>
-            <pc:sldMk cId="3383878795" sldId="277"/>
-            <ac:spMk id="39" creationId="{A82197B3-9FDB-B9EC-5CD1-783DA88454CB}"/>
-          </ac:spMkLst>
-        </pc:spChg>
-        <pc:grpChg chg="del">
-          <ac:chgData name="김소희" userId="292a1162-0793-4577-a94d-2dae0dfa5995" providerId="ADAL" clId="{56FB9BA8-8618-469E-B881-B7E5EAC1530C}" dt="2022-07-17T16:46:14.882" v="9401" actId="478"/>
-          <ac:grpSpMkLst>
-            <pc:docMk/>
-            <pc:sldMk cId="3383878795" sldId="277"/>
-            <ac:grpSpMk id="27" creationId="{681B5E7D-412A-2C70-35A9-A23437D4A309}"/>
-          </ac:grpSpMkLst>
-        </pc:grpChg>
-        <pc:grpChg chg="add del mod">
-          <ac:chgData name="김소희" userId="292a1162-0793-4577-a94d-2dae0dfa5995" providerId="ADAL" clId="{56FB9BA8-8618-469E-B881-B7E5EAC1530C}" dt="2022-07-17T17:38:33.524" v="10043"/>
-          <ac:grpSpMkLst>
-            <pc:docMk/>
-            <pc:sldMk cId="3383878795" sldId="277"/>
-            <ac:grpSpMk id="32" creationId="{A6AB966E-C514-0231-34A0-EC3CF8FB1709}"/>
-          </ac:grpSpMkLst>
-        </pc:grpChg>
-        <pc:picChg chg="del">
-          <ac:chgData name="김소희" userId="292a1162-0793-4577-a94d-2dae0dfa5995" providerId="ADAL" clId="{56FB9BA8-8618-469E-B881-B7E5EAC1530C}" dt="2022-07-17T16:46:14.882" v="9401" actId="478"/>
-          <ac:picMkLst>
-            <pc:docMk/>
-            <pc:sldMk cId="3383878795" sldId="277"/>
-            <ac:picMk id="5" creationId="{E8F30DDB-AE88-CFA5-CD61-27A40D2A07D2}"/>
-          </ac:picMkLst>
-        </pc:picChg>
-        <pc:picChg chg="add mod">
-          <ac:chgData name="김소희" userId="292a1162-0793-4577-a94d-2dae0dfa5995" providerId="ADAL" clId="{56FB9BA8-8618-469E-B881-B7E5EAC1530C}" dt="2022-07-17T18:01:25.036" v="10818" actId="1035"/>
-          <ac:picMkLst>
-            <pc:docMk/>
-            <pc:sldMk cId="3383878795" sldId="277"/>
-            <ac:picMk id="12" creationId="{578ACBF1-4819-2E3C-F2B5-88BE628E11D6}"/>
-          </ac:picMkLst>
-        </pc:picChg>
-        <pc:picChg chg="del">
-          <ac:chgData name="김소희" userId="292a1162-0793-4577-a94d-2dae0dfa5995" providerId="ADAL" clId="{56FB9BA8-8618-469E-B881-B7E5EAC1530C}" dt="2022-07-17T16:46:14.882" v="9401" actId="478"/>
-          <ac:picMkLst>
-            <pc:docMk/>
-            <pc:sldMk cId="3383878795" sldId="277"/>
-            <ac:picMk id="19" creationId="{6A93AB8A-D3A3-C7ED-3788-8493A84CF8E9}"/>
-          </ac:picMkLst>
-        </pc:picChg>
-        <pc:picChg chg="del">
-          <ac:chgData name="김소희" userId="292a1162-0793-4577-a94d-2dae0dfa5995" providerId="ADAL" clId="{56FB9BA8-8618-469E-B881-B7E5EAC1530C}" dt="2022-07-17T16:46:14.882" v="9401" actId="478"/>
-          <ac:picMkLst>
-            <pc:docMk/>
-            <pc:sldMk cId="3383878795" sldId="277"/>
-            <ac:picMk id="21" creationId="{A7F40CE3-2DC3-B0E4-0BE4-65F3270EDB70}"/>
-          </ac:picMkLst>
-        </pc:picChg>
-        <pc:picChg chg="mod">
-          <ac:chgData name="김소희" userId="292a1162-0793-4577-a94d-2dae0dfa5995" providerId="ADAL" clId="{56FB9BA8-8618-469E-B881-B7E5EAC1530C}" dt="2022-07-17T17:38:23.319" v="10038"/>
-          <ac:picMkLst>
-            <pc:docMk/>
-            <pc:sldMk cId="3383878795" sldId="277"/>
-            <ac:picMk id="33" creationId="{3E828213-7BFF-4428-259C-15D0F341C145}"/>
-          </ac:picMkLst>
-        </pc:picChg>
-        <pc:picChg chg="add mod">
-          <ac:chgData name="김소희" userId="292a1162-0793-4577-a94d-2dae0dfa5995" providerId="ADAL" clId="{56FB9BA8-8618-469E-B881-B7E5EAC1530C}" dt="2022-07-17T18:01:25.036" v="10818" actId="1035"/>
-          <ac:picMkLst>
-            <pc:docMk/>
-            <pc:sldMk cId="3383878795" sldId="277"/>
-            <ac:picMk id="40" creationId="{5526943C-6091-5D89-05BA-82DF089B1ABF}"/>
-          </ac:picMkLst>
-        </pc:picChg>
-        <pc:cxnChg chg="del">
-          <ac:chgData name="김소희" userId="292a1162-0793-4577-a94d-2dae0dfa5995" providerId="ADAL" clId="{56FB9BA8-8618-469E-B881-B7E5EAC1530C}" dt="2022-07-17T16:46:14.882" v="9401" actId="478"/>
-          <ac:cxnSpMkLst>
-            <pc:docMk/>
-            <pc:sldMk cId="3383878795" sldId="277"/>
-            <ac:cxnSpMk id="6" creationId="{03B84DCD-352B-3C31-B6BF-C75E728F04AE}"/>
-          </ac:cxnSpMkLst>
-        </pc:cxnChg>
-      </pc:sldChg>
-      <pc:sldChg chg="addSp delSp modSp add mod">
-        <pc:chgData name="김소희" userId="292a1162-0793-4577-a94d-2dae0dfa5995" providerId="ADAL" clId="{56FB9BA8-8618-469E-B881-B7E5EAC1530C}" dt="2022-07-19T05:40:02.707" v="15227" actId="1076"/>
-        <pc:sldMkLst>
-          <pc:docMk/>
-          <pc:sldMk cId="2345294917" sldId="278"/>
-        </pc:sldMkLst>
-        <pc:spChg chg="mod">
-          <ac:chgData name="김소희" userId="292a1162-0793-4577-a94d-2dae0dfa5995" providerId="ADAL" clId="{56FB9BA8-8618-469E-B881-B7E5EAC1530C}" dt="2022-07-17T17:43:48.400" v="10180" actId="207"/>
-          <ac:spMkLst>
-            <pc:docMk/>
-            <pc:sldMk cId="2345294917" sldId="278"/>
-            <ac:spMk id="7" creationId="{5FF834EC-C667-129F-6DE7-24EC80562A9F}"/>
-          </ac:spMkLst>
-        </pc:spChg>
-        <pc:spChg chg="mod">
-          <ac:chgData name="김소희" userId="292a1162-0793-4577-a94d-2dae0dfa5995" providerId="ADAL" clId="{56FB9BA8-8618-469E-B881-B7E5EAC1530C}" dt="2022-07-17T17:53:57.501" v="10634" actId="1035"/>
-          <ac:spMkLst>
-            <pc:docMk/>
-            <pc:sldMk cId="2345294917" sldId="278"/>
-            <ac:spMk id="8" creationId="{9530C086-2C13-F035-575F-854F651D3568}"/>
-          </ac:spMkLst>
-        </pc:spChg>
-        <pc:spChg chg="add mod">
-          <ac:chgData name="김소희" userId="292a1162-0793-4577-a94d-2dae0dfa5995" providerId="ADAL" clId="{56FB9BA8-8618-469E-B881-B7E5EAC1530C}" dt="2022-07-17T17:48:11.066" v="10324" actId="1076"/>
-          <ac:spMkLst>
-            <pc:docMk/>
-            <pc:sldMk cId="2345294917" sldId="278"/>
-            <ac:spMk id="13" creationId="{2DC24430-A795-C1F9-99A2-7E72233BE090}"/>
-          </ac:spMkLst>
-        </pc:spChg>
-        <pc:spChg chg="add mod">
-          <ac:chgData name="김소희" userId="292a1162-0793-4577-a94d-2dae0dfa5995" providerId="ADAL" clId="{56FB9BA8-8618-469E-B881-B7E5EAC1530C}" dt="2022-07-17T18:02:37.659" v="10826" actId="207"/>
-          <ac:spMkLst>
-            <pc:docMk/>
-            <pc:sldMk cId="2345294917" sldId="278"/>
-            <ac:spMk id="19" creationId="{4FF4ADFA-322F-20B3-6C50-164BDE56FBFB}"/>
-          </ac:spMkLst>
-        </pc:spChg>
-        <pc:spChg chg="add mod">
-          <ac:chgData name="김소희" userId="292a1162-0793-4577-a94d-2dae0dfa5995" providerId="ADAL" clId="{56FB9BA8-8618-469E-B881-B7E5EAC1530C}" dt="2022-07-19T05:39:55.536" v="15226" actId="1076"/>
-          <ac:spMkLst>
-            <pc:docMk/>
-            <pc:sldMk cId="2345294917" sldId="278"/>
-            <ac:spMk id="20" creationId="{2A88B6F0-F1A3-3EB0-F98F-3E9B6246ECDC}"/>
-          </ac:spMkLst>
-        </pc:spChg>
-        <pc:spChg chg="add mod">
-          <ac:chgData name="김소희" userId="292a1162-0793-4577-a94d-2dae0dfa5995" providerId="ADAL" clId="{56FB9BA8-8618-469E-B881-B7E5EAC1530C}" dt="2022-07-19T05:39:53.383" v="15225" actId="1076"/>
-          <ac:spMkLst>
-            <pc:docMk/>
-            <pc:sldMk cId="2345294917" sldId="278"/>
-            <ac:spMk id="21" creationId="{6587A468-4DC2-7013-5085-A2201E83F6C2}"/>
-          </ac:spMkLst>
-        </pc:spChg>
-        <pc:spChg chg="add mod">
-          <ac:chgData name="김소희" userId="292a1162-0793-4577-a94d-2dae0dfa5995" providerId="ADAL" clId="{56FB9BA8-8618-469E-B881-B7E5EAC1530C}" dt="2022-07-17T17:58:59.884" v="10794" actId="1076"/>
-          <ac:spMkLst>
-            <pc:docMk/>
-            <pc:sldMk cId="2345294917" sldId="278"/>
-            <ac:spMk id="22" creationId="{3DE0E977-7298-303C-F83E-DAFBB7734624}"/>
-          </ac:spMkLst>
-        </pc:spChg>
-        <pc:spChg chg="add mod">
-          <ac:chgData name="김소희" userId="292a1162-0793-4577-a94d-2dae0dfa5995" providerId="ADAL" clId="{56FB9BA8-8618-469E-B881-B7E5EAC1530C}" dt="2022-07-17T18:17:45.443" v="11371" actId="207"/>
-          <ac:spMkLst>
-            <pc:docMk/>
-            <pc:sldMk cId="2345294917" sldId="278"/>
-            <ac:spMk id="23" creationId="{0BD9ED52-1BDE-D4EF-17D7-E1409A486AFA}"/>
-          </ac:spMkLst>
-        </pc:spChg>
-        <pc:spChg chg="del">
-          <ac:chgData name="김소희" userId="292a1162-0793-4577-a94d-2dae0dfa5995" providerId="ADAL" clId="{56FB9BA8-8618-469E-B881-B7E5EAC1530C}" dt="2022-07-17T17:41:33.676" v="10112" actId="478"/>
-          <ac:spMkLst>
-            <pc:docMk/>
-            <pc:sldMk cId="2345294917" sldId="278"/>
-            <ac:spMk id="28" creationId="{6EBF89F1-86DC-39FD-C56C-3F3A9A830943}"/>
-          </ac:spMkLst>
-        </pc:spChg>
-        <pc:spChg chg="del">
-          <ac:chgData name="김소희" userId="292a1162-0793-4577-a94d-2dae0dfa5995" providerId="ADAL" clId="{56FB9BA8-8618-469E-B881-B7E5EAC1530C}" dt="2022-07-17T17:41:33.676" v="10112" actId="478"/>
-          <ac:spMkLst>
-            <pc:docMk/>
-            <pc:sldMk cId="2345294917" sldId="278"/>
-            <ac:spMk id="29" creationId="{6249B86C-3C23-511D-2770-A42478CE3217}"/>
-          </ac:spMkLst>
-        </pc:spChg>
-        <pc:spChg chg="del">
-          <ac:chgData name="김소희" userId="292a1162-0793-4577-a94d-2dae0dfa5995" providerId="ADAL" clId="{56FB9BA8-8618-469E-B881-B7E5EAC1530C}" dt="2022-07-17T17:41:30.473" v="10110" actId="478"/>
-          <ac:spMkLst>
-            <pc:docMk/>
-            <pc:sldMk cId="2345294917" sldId="278"/>
-            <ac:spMk id="30" creationId="{B2AA91B7-72B1-ABDC-4BCF-57BE5BD51013}"/>
-          </ac:spMkLst>
-        </pc:spChg>
-        <pc:spChg chg="del mod">
-          <ac:chgData name="김소희" userId="292a1162-0793-4577-a94d-2dae0dfa5995" providerId="ADAL" clId="{56FB9BA8-8618-469E-B881-B7E5EAC1530C}" dt="2022-07-17T17:41:33.676" v="10112" actId="478"/>
-          <ac:spMkLst>
-            <pc:docMk/>
-            <pc:sldMk cId="2345294917" sldId="278"/>
-            <ac:spMk id="31" creationId="{7A525C70-5F9D-B1F1-61D5-A1C4B8DED67B}"/>
-          </ac:spMkLst>
-        </pc:spChg>
-        <pc:picChg chg="add mod">
-          <ac:chgData name="김소희" userId="292a1162-0793-4577-a94d-2dae0dfa5995" providerId="ADAL" clId="{56FB9BA8-8618-469E-B881-B7E5EAC1530C}" dt="2022-07-17T17:57:00.708" v="10776" actId="1076"/>
-          <ac:picMkLst>
-            <pc:docMk/>
-            <pc:sldMk cId="2345294917" sldId="278"/>
-            <ac:picMk id="4" creationId="{16159F1E-26A0-D02C-E556-EE6E3AB94E91}"/>
-          </ac:picMkLst>
-        </pc:picChg>
-        <pc:picChg chg="add mod">
-          <ac:chgData name="김소희" userId="292a1162-0793-4577-a94d-2dae0dfa5995" providerId="ADAL" clId="{56FB9BA8-8618-469E-B881-B7E5EAC1530C}" dt="2022-07-17T18:14:26.109" v="11278" actId="208"/>
-          <ac:picMkLst>
-            <pc:docMk/>
-            <pc:sldMk cId="2345294917" sldId="278"/>
-            <ac:picMk id="6" creationId="{C993ECB8-9226-FB24-DBB7-AA219BFAA484}"/>
-          </ac:picMkLst>
-        </pc:picChg>
-        <pc:picChg chg="add mod">
-          <ac:chgData name="김소희" userId="292a1162-0793-4577-a94d-2dae0dfa5995" providerId="ADAL" clId="{56FB9BA8-8618-469E-B881-B7E5EAC1530C}" dt="2022-07-19T05:40:02.707" v="15227" actId="1076"/>
-          <ac:picMkLst>
-            <pc:docMk/>
-            <pc:sldMk cId="2345294917" sldId="278"/>
-            <ac:picMk id="11" creationId="{0AF44DA9-DFB7-8FEB-36E8-8FC44A08F72F}"/>
-          </ac:picMkLst>
-        </pc:picChg>
-        <pc:picChg chg="del">
-          <ac:chgData name="김소희" userId="292a1162-0793-4577-a94d-2dae0dfa5995" providerId="ADAL" clId="{56FB9BA8-8618-469E-B881-B7E5EAC1530C}" dt="2022-07-17T17:41:33.676" v="10112" actId="478"/>
-          <ac:picMkLst>
-            <pc:docMk/>
-            <pc:sldMk cId="2345294917" sldId="278"/>
-            <ac:picMk id="12" creationId="{578ACBF1-4819-2E3C-F2B5-88BE628E11D6}"/>
-          </ac:picMkLst>
-        </pc:picChg>
-        <pc:picChg chg="del">
-          <ac:chgData name="김소희" userId="292a1162-0793-4577-a94d-2dae0dfa5995" providerId="ADAL" clId="{56FB9BA8-8618-469E-B881-B7E5EAC1530C}" dt="2022-07-17T17:41:34.605" v="10113" actId="478"/>
-          <ac:picMkLst>
-            <pc:docMk/>
-            <pc:sldMk cId="2345294917" sldId="278"/>
-            <ac:picMk id="40" creationId="{5526943C-6091-5D89-05BA-82DF089B1ABF}"/>
-          </ac:picMkLst>
-        </pc:picChg>
-        <pc:cxnChg chg="add mod">
-          <ac:chgData name="김소희" userId="292a1162-0793-4577-a94d-2dae0dfa5995" providerId="ADAL" clId="{56FB9BA8-8618-469E-B881-B7E5EAC1530C}" dt="2022-07-17T17:58:12.952" v="10782" actId="208"/>
-          <ac:cxnSpMkLst>
-            <pc:docMk/>
-            <pc:sldMk cId="2345294917" sldId="278"/>
-            <ac:cxnSpMk id="15" creationId="{82AA8975-E961-9A8E-7799-F336C3C931D4}"/>
-          </ac:cxnSpMkLst>
-        </pc:cxnChg>
-      </pc:sldChg>
-      <pc:sldChg chg="addSp delSp modSp add mod modNotesTx">
-        <pc:chgData name="김소희" userId="292a1162-0793-4577-a94d-2dae0dfa5995" providerId="ADAL" clId="{56FB9BA8-8618-469E-B881-B7E5EAC1530C}" dt="2022-07-18T06:05:37.851" v="13468"/>
-        <pc:sldMkLst>
-          <pc:docMk/>
-          <pc:sldMk cId="2498032575" sldId="279"/>
-        </pc:sldMkLst>
-        <pc:spChg chg="add mod">
-          <ac:chgData name="김소희" userId="292a1162-0793-4577-a94d-2dae0dfa5995" providerId="ADAL" clId="{56FB9BA8-8618-469E-B881-B7E5EAC1530C}" dt="2022-07-17T18:17:09.678" v="11366" actId="1076"/>
-          <ac:spMkLst>
-            <pc:docMk/>
-            <pc:sldMk cId="2498032575" sldId="279"/>
-            <ac:spMk id="6" creationId="{A2CB003F-D844-B99C-7E75-945E120257C4}"/>
-          </ac:spMkLst>
-        </pc:spChg>
-        <pc:spChg chg="mod">
-          <ac:chgData name="김소희" userId="292a1162-0793-4577-a94d-2dae0dfa5995" providerId="ADAL" clId="{56FB9BA8-8618-469E-B881-B7E5EAC1530C}" dt="2022-07-17T17:43:50.087" v="10181" actId="207"/>
-          <ac:spMkLst>
-            <pc:docMk/>
-            <pc:sldMk cId="2498032575" sldId="279"/>
-            <ac:spMk id="7" creationId="{5FF834EC-C667-129F-6DE7-24EC80562A9F}"/>
-          </ac:spMkLst>
-        </pc:spChg>
-        <pc:spChg chg="mod">
-          <ac:chgData name="김소희" userId="292a1162-0793-4577-a94d-2dae0dfa5995" providerId="ADAL" clId="{56FB9BA8-8618-469E-B881-B7E5EAC1530C}" dt="2022-07-17T17:54:00.446" v="10639" actId="1035"/>
-          <ac:spMkLst>
-            <pc:docMk/>
-            <pc:sldMk cId="2498032575" sldId="279"/>
-            <ac:spMk id="8" creationId="{9530C086-2C13-F035-575F-854F651D3568}"/>
-          </ac:spMkLst>
-        </pc:spChg>
-        <pc:spChg chg="add mod">
-          <ac:chgData name="김소희" userId="292a1162-0793-4577-a94d-2dae0dfa5995" providerId="ADAL" clId="{56FB9BA8-8618-469E-B881-B7E5EAC1530C}" dt="2022-07-17T18:12:49.943" v="11218" actId="1076"/>
-          <ac:spMkLst>
-            <pc:docMk/>
-            <pc:sldMk cId="2498032575" sldId="279"/>
-            <ac:spMk id="10" creationId="{5F1BA15A-1876-3192-AA7B-41DE490C8684}"/>
-          </ac:spMkLst>
-        </pc:spChg>
-        <pc:spChg chg="add mod">
-          <ac:chgData name="김소희" userId="292a1162-0793-4577-a94d-2dae0dfa5995" providerId="ADAL" clId="{56FB9BA8-8618-469E-B881-B7E5EAC1530C}" dt="2022-07-17T18:17:29.553" v="11370" actId="207"/>
-          <ac:spMkLst>
-            <pc:docMk/>
-            <pc:sldMk cId="2498032575" sldId="279"/>
-            <ac:spMk id="13" creationId="{1505F85D-4E18-42FC-726C-028A2BD784F5}"/>
-          </ac:spMkLst>
-        </pc:spChg>
-        <pc:spChg chg="add mod">
-          <ac:chgData name="김소희" userId="292a1162-0793-4577-a94d-2dae0dfa5995" providerId="ADAL" clId="{56FB9BA8-8618-469E-B881-B7E5EAC1530C}" dt="2022-07-17T18:15:27.264" v="11314" actId="1035"/>
-          <ac:spMkLst>
-            <pc:docMk/>
-            <pc:sldMk cId="2498032575" sldId="279"/>
-            <ac:spMk id="15" creationId="{DB3305B8-8FCF-CEC6-8B05-78E28D18BD38}"/>
-          </ac:spMkLst>
-        </pc:spChg>
-        <pc:spChg chg="add mod">
-          <ac:chgData name="김소희" userId="292a1162-0793-4577-a94d-2dae0dfa5995" providerId="ADAL" clId="{56FB9BA8-8618-469E-B881-B7E5EAC1530C}" dt="2022-07-17T18:17:49.678" v="11372" actId="207"/>
-          <ac:spMkLst>
-            <pc:docMk/>
-            <pc:sldMk cId="2498032575" sldId="279"/>
-            <ac:spMk id="16" creationId="{ABAD0C93-F92D-5C4B-7E51-7694EB790562}"/>
-          </ac:spMkLst>
-        </pc:spChg>
-        <pc:picChg chg="add mod">
-          <ac:chgData name="김소희" userId="292a1162-0793-4577-a94d-2dae0dfa5995" providerId="ADAL" clId="{56FB9BA8-8618-469E-B881-B7E5EAC1530C}" dt="2022-07-17T18:15:27.264" v="11314" actId="1035"/>
-          <ac:picMkLst>
-            <pc:docMk/>
-            <pc:sldMk cId="2498032575" sldId="279"/>
-            <ac:picMk id="4" creationId="{B1C51329-4F1D-5F31-19F1-EF5FC16F2EFF}"/>
-          </ac:picMkLst>
-        </pc:picChg>
-        <pc:picChg chg="add mod modCrop">
-          <ac:chgData name="김소희" userId="292a1162-0793-4577-a94d-2dae0dfa5995" providerId="ADAL" clId="{56FB9BA8-8618-469E-B881-B7E5EAC1530C}" dt="2022-07-17T18:00:59.301" v="10805" actId="1076"/>
-          <ac:picMkLst>
-            <pc:docMk/>
-            <pc:sldMk cId="2498032575" sldId="279"/>
-            <ac:picMk id="11" creationId="{B5958A8B-865C-EA87-50E7-B2145B4099BA}"/>
-          </ac:picMkLst>
-        </pc:picChg>
-        <pc:picChg chg="add mod">
-          <ac:chgData name="김소희" userId="292a1162-0793-4577-a94d-2dae0dfa5995" providerId="ADAL" clId="{56FB9BA8-8618-469E-B881-B7E5EAC1530C}" dt="2022-07-17T18:15:45.872" v="11315" actId="14100"/>
-          <ac:picMkLst>
-            <pc:docMk/>
-            <pc:sldMk cId="2498032575" sldId="279"/>
-            <ac:picMk id="12" creationId="{4E0DA67B-AAA0-B116-BE93-7FA3C2ADCCF8}"/>
-          </ac:picMkLst>
-        </pc:picChg>
-        <pc:picChg chg="add del mod">
-          <ac:chgData name="김소희" userId="292a1162-0793-4577-a94d-2dae0dfa5995" providerId="ADAL" clId="{56FB9BA8-8618-469E-B881-B7E5EAC1530C}" dt="2022-07-17T18:11:40.635" v="11072" actId="478"/>
-          <ac:picMkLst>
-            <pc:docMk/>
-            <pc:sldMk cId="2498032575" sldId="279"/>
-            <ac:picMk id="14" creationId="{AB13C3F1-9690-29A5-1F54-A5EE44DE024F}"/>
-          </ac:picMkLst>
-        </pc:picChg>
-      </pc:sldChg>
-      <pc:sldChg chg="addSp delSp modSp add mod modNotesTx">
-        <pc:chgData name="김소희" userId="292a1162-0793-4577-a94d-2dae0dfa5995" providerId="ADAL" clId="{56FB9BA8-8618-469E-B881-B7E5EAC1530C}" dt="2022-07-18T07:21:50.942" v="14105" actId="1037"/>
-        <pc:sldMkLst>
-          <pc:docMk/>
-          <pc:sldMk cId="706761807" sldId="280"/>
-        </pc:sldMkLst>
-        <pc:spChg chg="mod">
-          <ac:chgData name="김소희" userId="292a1162-0793-4577-a94d-2dae0dfa5995" providerId="ADAL" clId="{56FB9BA8-8618-469E-B881-B7E5EAC1530C}" dt="2022-07-17T18:18:15.873" v="11397" actId="20577"/>
-          <ac:spMkLst>
-            <pc:docMk/>
-            <pc:sldMk cId="706761807" sldId="280"/>
-            <ac:spMk id="2" creationId="{5C386871-B092-6B43-A8DA-B84A6CCCC7F5}"/>
-          </ac:spMkLst>
-        </pc:spChg>
-        <pc:spChg chg="add mod">
-          <ac:chgData name="김소희" userId="292a1162-0793-4577-a94d-2dae0dfa5995" providerId="ADAL" clId="{56FB9BA8-8618-469E-B881-B7E5EAC1530C}" dt="2022-07-18T07:21:27.843" v="14092" actId="1076"/>
-          <ac:spMkLst>
-            <pc:docMk/>
-            <pc:sldMk cId="706761807" sldId="280"/>
-            <ac:spMk id="5" creationId="{07969C9B-CED3-4E10-6AC1-4A89CC0710A1}"/>
-          </ac:spMkLst>
-        </pc:spChg>
-        <pc:spChg chg="del">
-          <ac:chgData name="김소희" userId="292a1162-0793-4577-a94d-2dae0dfa5995" providerId="ADAL" clId="{56FB9BA8-8618-469E-B881-B7E5EAC1530C}" dt="2022-07-17T18:18:08.503" v="11374" actId="478"/>
-          <ac:spMkLst>
-            <pc:docMk/>
-            <pc:sldMk cId="706761807" sldId="280"/>
-            <ac:spMk id="6" creationId="{A2CB003F-D844-B99C-7E75-945E120257C4}"/>
-          </ac:spMkLst>
-        </pc:spChg>
-        <pc:spChg chg="add mod">
-          <ac:chgData name="김소희" userId="292a1162-0793-4577-a94d-2dae0dfa5995" providerId="ADAL" clId="{56FB9BA8-8618-469E-B881-B7E5EAC1530C}" dt="2022-07-18T07:21:48.540" v="14100" actId="1037"/>
-          <ac:spMkLst>
-            <pc:docMk/>
-            <pc:sldMk cId="706761807" sldId="280"/>
-            <ac:spMk id="6" creationId="{BF22174C-FE65-8F5C-23A4-CEE86E4EE7B2}"/>
-          </ac:spMkLst>
-        </pc:spChg>
-        <pc:spChg chg="mod">
-          <ac:chgData name="김소희" userId="292a1162-0793-4577-a94d-2dae0dfa5995" providerId="ADAL" clId="{56FB9BA8-8618-469E-B881-B7E5EAC1530C}" dt="2022-07-18T07:21:17.808" v="14090" actId="1035"/>
-          <ac:spMkLst>
-            <pc:docMk/>
-            <pc:sldMk cId="706761807" sldId="280"/>
-            <ac:spMk id="7" creationId="{5FF834EC-C667-129F-6DE7-24EC80562A9F}"/>
-          </ac:spMkLst>
-        </pc:spChg>
-        <pc:spChg chg="add mod">
-          <ac:chgData name="김소희" userId="292a1162-0793-4577-a94d-2dae0dfa5995" providerId="ADAL" clId="{56FB9BA8-8618-469E-B881-B7E5EAC1530C}" dt="2022-07-18T07:21:50.942" v="14105" actId="1037"/>
-          <ac:spMkLst>
-            <pc:docMk/>
-            <pc:sldMk cId="706761807" sldId="280"/>
-            <ac:spMk id="8" creationId="{0BCB3254-0204-A594-6121-B571C1233A20}"/>
-          </ac:spMkLst>
-        </pc:spChg>
-        <pc:spChg chg="del">
-          <ac:chgData name="김소희" userId="292a1162-0793-4577-a94d-2dae0dfa5995" providerId="ADAL" clId="{56FB9BA8-8618-469E-B881-B7E5EAC1530C}" dt="2022-07-17T18:18:08.503" v="11374" actId="478"/>
-          <ac:spMkLst>
-            <pc:docMk/>
-            <pc:sldMk cId="706761807" sldId="280"/>
-            <ac:spMk id="8" creationId="{9530C086-2C13-F035-575F-854F651D3568}"/>
-          </ac:spMkLst>
-        </pc:spChg>
-        <pc:spChg chg="add mod">
-          <ac:chgData name="김소희" userId="292a1162-0793-4577-a94d-2dae0dfa5995" providerId="ADAL" clId="{56FB9BA8-8618-469E-B881-B7E5EAC1530C}" dt="2022-07-18T07:14:38.506" v="13933" actId="1076"/>
-          <ac:spMkLst>
-            <pc:docMk/>
-            <pc:sldMk cId="706761807" sldId="280"/>
-            <ac:spMk id="10" creationId="{3EE173F4-387B-DFCF-4930-ADE398C6A763}"/>
-          </ac:spMkLst>
-        </pc:spChg>
-        <pc:spChg chg="del">
-          <ac:chgData name="김소희" userId="292a1162-0793-4577-a94d-2dae0dfa5995" providerId="ADAL" clId="{56FB9BA8-8618-469E-B881-B7E5EAC1530C}" dt="2022-07-17T18:18:08.503" v="11374" actId="478"/>
-          <ac:spMkLst>
-            <pc:docMk/>
-            <pc:sldMk cId="706761807" sldId="280"/>
-            <ac:spMk id="10" creationId="{5F1BA15A-1876-3192-AA7B-41DE490C8684}"/>
-          </ac:spMkLst>
-        </pc:spChg>
-        <pc:spChg chg="add del mod">
-          <ac:chgData name="김소희" userId="292a1162-0793-4577-a94d-2dae0dfa5995" providerId="ADAL" clId="{56FB9BA8-8618-469E-B881-B7E5EAC1530C}" dt="2022-07-18T05:47:56.763" v="12563"/>
-          <ac:spMkLst>
-            <pc:docMk/>
-            <pc:sldMk cId="706761807" sldId="280"/>
-            <ac:spMk id="11" creationId="{311A97C1-C6D6-FB16-046B-6587C881399E}"/>
-          </ac:spMkLst>
-        </pc:spChg>
-        <pc:spChg chg="del">
-          <ac:chgData name="김소희" userId="292a1162-0793-4577-a94d-2dae0dfa5995" providerId="ADAL" clId="{56FB9BA8-8618-469E-B881-B7E5EAC1530C}" dt="2022-07-17T18:18:08.503" v="11374" actId="478"/>
-          <ac:spMkLst>
-            <pc:docMk/>
-            <pc:sldMk cId="706761807" sldId="280"/>
-            <ac:spMk id="13" creationId="{1505F85D-4E18-42FC-726C-028A2BD784F5}"/>
-          </ac:spMkLst>
-        </pc:spChg>
-        <pc:spChg chg="del">
-          <ac:chgData name="김소희" userId="292a1162-0793-4577-a94d-2dae0dfa5995" providerId="ADAL" clId="{56FB9BA8-8618-469E-B881-B7E5EAC1530C}" dt="2022-07-17T18:18:08.503" v="11374" actId="478"/>
-          <ac:spMkLst>
-            <pc:docMk/>
-            <pc:sldMk cId="706761807" sldId="280"/>
-            <ac:spMk id="15" creationId="{DB3305B8-8FCF-CEC6-8B05-78E28D18BD38}"/>
-          </ac:spMkLst>
-        </pc:spChg>
-        <pc:spChg chg="del">
-          <ac:chgData name="김소희" userId="292a1162-0793-4577-a94d-2dae0dfa5995" providerId="ADAL" clId="{56FB9BA8-8618-469E-B881-B7E5EAC1530C}" dt="2022-07-17T18:18:08.503" v="11374" actId="478"/>
-          <ac:spMkLst>
-            <pc:docMk/>
-            <pc:sldMk cId="706761807" sldId="280"/>
-            <ac:spMk id="16" creationId="{ABAD0C93-F92D-5C4B-7E51-7694EB790562}"/>
-          </ac:spMkLst>
-        </pc:spChg>
-        <pc:picChg chg="del">
-          <ac:chgData name="김소희" userId="292a1162-0793-4577-a94d-2dae0dfa5995" providerId="ADAL" clId="{56FB9BA8-8618-469E-B881-B7E5EAC1530C}" dt="2022-07-17T18:18:08.503" v="11374" actId="478"/>
-          <ac:picMkLst>
-            <pc:docMk/>
-            <pc:sldMk cId="706761807" sldId="280"/>
-            <ac:picMk id="4" creationId="{B1C51329-4F1D-5F31-19F1-EF5FC16F2EFF}"/>
-          </ac:picMkLst>
-        </pc:picChg>
-        <pc:picChg chg="del">
-          <ac:chgData name="김소희" userId="292a1162-0793-4577-a94d-2dae0dfa5995" providerId="ADAL" clId="{56FB9BA8-8618-469E-B881-B7E5EAC1530C}" dt="2022-07-17T18:18:09.221" v="11375" actId="478"/>
-          <ac:picMkLst>
-            <pc:docMk/>
-            <pc:sldMk cId="706761807" sldId="280"/>
-            <ac:picMk id="11" creationId="{B5958A8B-865C-EA87-50E7-B2145B4099BA}"/>
-          </ac:picMkLst>
-        </pc:picChg>
-        <pc:picChg chg="del">
-          <ac:chgData name="김소희" userId="292a1162-0793-4577-a94d-2dae0dfa5995" providerId="ADAL" clId="{56FB9BA8-8618-469E-B881-B7E5EAC1530C}" dt="2022-07-17T18:18:08.503" v="11374" actId="478"/>
-          <ac:picMkLst>
-            <pc:docMk/>
-            <pc:sldMk cId="706761807" sldId="280"/>
-            <ac:picMk id="12" creationId="{4E0DA67B-AAA0-B116-BE93-7FA3C2ADCCF8}"/>
-          </ac:picMkLst>
-        </pc:picChg>
-        <pc:picChg chg="add mod">
-          <ac:chgData name="김소희" userId="292a1162-0793-4577-a94d-2dae0dfa5995" providerId="ADAL" clId="{56FB9BA8-8618-469E-B881-B7E5EAC1530C}" dt="2022-07-18T07:14:47.648" v="13934" actId="14100"/>
-          <ac:picMkLst>
-            <pc:docMk/>
-            <pc:sldMk cId="706761807" sldId="280"/>
-            <ac:picMk id="2050" creationId="{7512299E-CA36-287D-8340-06C50C5D4F9E}"/>
-          </ac:picMkLst>
-        </pc:picChg>
-      </pc:sldChg>
-      <pc:sldChg chg="addSp delSp modSp add mod modNotesTx">
-        <pc:chgData name="김소희" userId="292a1162-0793-4577-a94d-2dae0dfa5995" providerId="ADAL" clId="{56FB9BA8-8618-469E-B881-B7E5EAC1530C}" dt="2022-07-19T05:41:17.232" v="15231" actId="207"/>
-        <pc:sldMkLst>
-          <pc:docMk/>
-          <pc:sldMk cId="298544368" sldId="281"/>
-        </pc:sldMkLst>
-        <pc:spChg chg="add mod">
-          <ac:chgData name="김소희" userId="292a1162-0793-4577-a94d-2dae0dfa5995" providerId="ADAL" clId="{56FB9BA8-8618-469E-B881-B7E5EAC1530C}" dt="2022-07-18T07:42:04.938" v="14530" actId="1076"/>
-          <ac:spMkLst>
-            <pc:docMk/>
-            <pc:sldMk cId="298544368" sldId="281"/>
-            <ac:spMk id="5" creationId="{8A62A27D-5B39-023B-8274-C267E1AD80A5}"/>
-          </ac:spMkLst>
-        </pc:spChg>
-        <pc:spChg chg="mod">
-          <ac:chgData name="김소희" userId="292a1162-0793-4577-a94d-2dae0dfa5995" providerId="ADAL" clId="{56FB9BA8-8618-469E-B881-B7E5EAC1530C}" dt="2022-07-18T07:22:11.685" v="14120" actId="1035"/>
-          <ac:spMkLst>
-            <pc:docMk/>
-            <pc:sldMk cId="298544368" sldId="281"/>
-            <ac:spMk id="7" creationId="{5FF834EC-C667-129F-6DE7-24EC80562A9F}"/>
-          </ac:spMkLst>
-        </pc:spChg>
-        <pc:spChg chg="add mod">
-          <ac:chgData name="김소희" userId="292a1162-0793-4577-a94d-2dae0dfa5995" providerId="ADAL" clId="{56FB9BA8-8618-469E-B881-B7E5EAC1530C}" dt="2022-07-18T07:42:09.079" v="14531" actId="1076"/>
-          <ac:spMkLst>
-            <pc:docMk/>
-            <pc:sldMk cId="298544368" sldId="281"/>
-            <ac:spMk id="10" creationId="{8DFDB6E9-CCC3-8E83-9F1E-CD433C536AF4}"/>
-          </ac:spMkLst>
-        </pc:spChg>
-        <pc:spChg chg="add mod">
-          <ac:chgData name="김소희" userId="292a1162-0793-4577-a94d-2dae0dfa5995" providerId="ADAL" clId="{56FB9BA8-8618-469E-B881-B7E5EAC1530C}" dt="2022-07-18T07:42:27.731" v="14536" actId="1076"/>
-          <ac:spMkLst>
-            <pc:docMk/>
-            <pc:sldMk cId="298544368" sldId="281"/>
-            <ac:spMk id="11" creationId="{872B8FC4-67C5-CC5E-DA26-30F6C4E252E9}"/>
-          </ac:spMkLst>
-        </pc:spChg>
-        <pc:spChg chg="add mod">
-          <ac:chgData name="김소희" userId="292a1162-0793-4577-a94d-2dae0dfa5995" providerId="ADAL" clId="{56FB9BA8-8618-469E-B881-B7E5EAC1530C}" dt="2022-07-19T05:41:17.232" v="15231" actId="207"/>
-          <ac:spMkLst>
-            <pc:docMk/>
-            <pc:sldMk cId="298544368" sldId="281"/>
-            <ac:spMk id="12" creationId="{837DF62E-A419-EA53-4393-D770C5FA647D}"/>
-          </ac:spMkLst>
-        </pc:spChg>
-        <pc:picChg chg="add mod">
-          <ac:chgData name="김소희" userId="292a1162-0793-4577-a94d-2dae0dfa5995" providerId="ADAL" clId="{56FB9BA8-8618-469E-B881-B7E5EAC1530C}" dt="2022-07-18T07:42:31.616" v="14537" actId="1076"/>
-          <ac:picMkLst>
-            <pc:docMk/>
-            <pc:sldMk cId="298544368" sldId="281"/>
-            <ac:picMk id="4" creationId="{CA1FF9BD-956F-8439-2287-120D4CA4B0F0}"/>
-          </ac:picMkLst>
-        </pc:picChg>
-        <pc:picChg chg="add del mod">
-          <ac:chgData name="김소희" userId="292a1162-0793-4577-a94d-2dae0dfa5995" providerId="ADAL" clId="{56FB9BA8-8618-469E-B881-B7E5EAC1530C}" dt="2022-07-18T07:41:49.822" v="14523" actId="478"/>
-          <ac:picMkLst>
-            <pc:docMk/>
-            <pc:sldMk cId="298544368" sldId="281"/>
-            <ac:picMk id="8" creationId="{AE3CA713-90C9-AFA4-0B8A-68F9397A7118}"/>
-          </ac:picMkLst>
-        </pc:picChg>
-        <pc:picChg chg="add mod">
-          <ac:chgData name="김소희" userId="292a1162-0793-4577-a94d-2dae0dfa5995" providerId="ADAL" clId="{56FB9BA8-8618-469E-B881-B7E5EAC1530C}" dt="2022-07-18T07:42:19.600" v="14534" actId="1076"/>
-          <ac:picMkLst>
-            <pc:docMk/>
-            <pc:sldMk cId="298544368" sldId="281"/>
-            <ac:picMk id="13" creationId="{172A6EDF-BDD7-6B59-12D2-0D3CDFA35BA9}"/>
-          </ac:picMkLst>
-        </pc:picChg>
-      </pc:sldChg>
-      <pc:sldChg chg="addSp delSp modSp add mod modNotesTx">
-        <pc:chgData name="김소희" userId="292a1162-0793-4577-a94d-2dae0dfa5995" providerId="ADAL" clId="{56FB9BA8-8618-469E-B881-B7E5EAC1530C}" dt="2022-07-18T08:10:01.082" v="15222" actId="1076"/>
-        <pc:sldMkLst>
-          <pc:docMk/>
-          <pc:sldMk cId="3341805491" sldId="282"/>
-        </pc:sldMkLst>
-        <pc:spChg chg="mod">
-          <ac:chgData name="김소희" userId="292a1162-0793-4577-a94d-2dae0dfa5995" providerId="ADAL" clId="{56FB9BA8-8618-469E-B881-B7E5EAC1530C}" dt="2022-07-18T07:57:46.777" v="14877" actId="1076"/>
-          <ac:spMkLst>
-            <pc:docMk/>
-            <pc:sldMk cId="3341805491" sldId="282"/>
-            <ac:spMk id="7" creationId="{5FF834EC-C667-129F-6DE7-24EC80562A9F}"/>
-          </ac:spMkLst>
-        </pc:spChg>
-        <pc:spChg chg="mod">
-          <ac:chgData name="김소희" userId="292a1162-0793-4577-a94d-2dae0dfa5995" providerId="ADAL" clId="{56FB9BA8-8618-469E-B881-B7E5EAC1530C}" dt="2022-07-18T07:55:56.606" v="14875" actId="14100"/>
-          <ac:spMkLst>
-            <pc:docMk/>
-            <pc:sldMk cId="3341805491" sldId="282"/>
-            <ac:spMk id="9" creationId="{4E262F7D-1CD2-9678-413C-EB257F68A044}"/>
-          </ac:spMkLst>
-        </pc:spChg>
-        <pc:spChg chg="add mod">
-          <ac:chgData name="김소희" userId="292a1162-0793-4577-a94d-2dae0dfa5995" providerId="ADAL" clId="{56FB9BA8-8618-469E-B881-B7E5EAC1530C}" dt="2022-07-18T08:09:54.136" v="15219" actId="1035"/>
-          <ac:spMkLst>
-            <pc:docMk/>
-            <pc:sldMk cId="3341805491" sldId="282"/>
-            <ac:spMk id="10" creationId="{0315E5D6-EE09-FB46-7FE3-BA94A4A968B2}"/>
-          </ac:spMkLst>
-        </pc:spChg>
-        <pc:spChg chg="add mod">
-          <ac:chgData name="김소희" userId="292a1162-0793-4577-a94d-2dae0dfa5995" providerId="ADAL" clId="{56FB9BA8-8618-469E-B881-B7E5EAC1530C}" dt="2022-07-18T08:09:54.136" v="15219" actId="1035"/>
-          <ac:spMkLst>
-            <pc:docMk/>
-            <pc:sldMk cId="3341805491" sldId="282"/>
-            <ac:spMk id="11" creationId="{A7790D7A-D678-3139-6DC4-7DEC46CE66B3}"/>
-          </ac:spMkLst>
-        </pc:spChg>
-        <pc:spChg chg="add mod">
-          <ac:chgData name="김소희" userId="292a1162-0793-4577-a94d-2dae0dfa5995" providerId="ADAL" clId="{56FB9BA8-8618-469E-B881-B7E5EAC1530C}" dt="2022-07-18T08:09:54.136" v="15219" actId="1035"/>
-          <ac:spMkLst>
-            <pc:docMk/>
-            <pc:sldMk cId="3341805491" sldId="282"/>
-            <ac:spMk id="12" creationId="{40EC1D8C-9479-C382-0FCA-2D2C523AD5D7}"/>
-          </ac:spMkLst>
-        </pc:spChg>
-        <pc:spChg chg="add mod">
-          <ac:chgData name="김소희" userId="292a1162-0793-4577-a94d-2dae0dfa5995" providerId="ADAL" clId="{56FB9BA8-8618-469E-B881-B7E5EAC1530C}" dt="2022-07-18T08:09:54.136" v="15219" actId="1035"/>
-          <ac:spMkLst>
-            <pc:docMk/>
-            <pc:sldMk cId="3341805491" sldId="282"/>
-            <ac:spMk id="13" creationId="{7E5D850C-3126-3A83-C1B6-A3E51B2D39C2}"/>
-          </ac:spMkLst>
-        </pc:spChg>
-        <pc:spChg chg="add mod">
-          <ac:chgData name="김소희" userId="292a1162-0793-4577-a94d-2dae0dfa5995" providerId="ADAL" clId="{56FB9BA8-8618-469E-B881-B7E5EAC1530C}" dt="2022-07-18T08:09:54.136" v="15219" actId="1035"/>
-          <ac:spMkLst>
-            <pc:docMk/>
-            <pc:sldMk cId="3341805491" sldId="282"/>
-            <ac:spMk id="14" creationId="{F8D60F50-BA1F-012D-2515-471E26C62E23}"/>
-          </ac:spMkLst>
-        </pc:spChg>
-        <pc:spChg chg="add mod">
-          <ac:chgData name="김소희" userId="292a1162-0793-4577-a94d-2dae0dfa5995" providerId="ADAL" clId="{56FB9BA8-8618-469E-B881-B7E5EAC1530C}" dt="2022-07-18T08:09:54.136" v="15219" actId="1035"/>
-          <ac:spMkLst>
-            <pc:docMk/>
-            <pc:sldMk cId="3341805491" sldId="282"/>
-            <ac:spMk id="15" creationId="{1B600DE8-2C40-6AB7-574A-580049264DA3}"/>
-          </ac:spMkLst>
-        </pc:spChg>
-        <pc:spChg chg="add mod">
-          <ac:chgData name="김소희" userId="292a1162-0793-4577-a94d-2dae0dfa5995" providerId="ADAL" clId="{56FB9BA8-8618-469E-B881-B7E5EAC1530C}" dt="2022-07-18T08:09:54.136" v="15219" actId="1035"/>
-          <ac:spMkLst>
-            <pc:docMk/>
-            <pc:sldMk cId="3341805491" sldId="282"/>
-            <ac:spMk id="16" creationId="{14329310-FF14-709D-421D-F55594E4F2B4}"/>
-          </ac:spMkLst>
-        </pc:spChg>
-        <pc:spChg chg="add mod">
-          <ac:chgData name="김소희" userId="292a1162-0793-4577-a94d-2dae0dfa5995" providerId="ADAL" clId="{56FB9BA8-8618-469E-B881-B7E5EAC1530C}" dt="2022-07-18T07:58:29.074" v="14927" actId="20577"/>
-          <ac:spMkLst>
-            <pc:docMk/>
-            <pc:sldMk cId="3341805491" sldId="282"/>
-            <ac:spMk id="17" creationId="{96C045DA-AAC5-0D63-E63E-C080093A386F}"/>
-          </ac:spMkLst>
-        </pc:spChg>
-        <pc:spChg chg="add mod">
-          <ac:chgData name="김소희" userId="292a1162-0793-4577-a94d-2dae0dfa5995" providerId="ADAL" clId="{56FB9BA8-8618-469E-B881-B7E5EAC1530C}" dt="2022-07-18T08:10:01.082" v="15222" actId="1076"/>
-          <ac:spMkLst>
-            <pc:docMk/>
-            <pc:sldMk cId="3341805491" sldId="282"/>
-            <ac:spMk id="18" creationId="{0A66A598-E3C1-83A6-054B-E7EE3AAAEE20}"/>
-          </ac:spMkLst>
-        </pc:spChg>
-        <pc:spChg chg="add del">
-          <ac:chgData name="김소희" userId="292a1162-0793-4577-a94d-2dae0dfa5995" providerId="ADAL" clId="{56FB9BA8-8618-469E-B881-B7E5EAC1530C}" dt="2022-07-18T07:59:27.247" v="14948" actId="22"/>
-          <ac:spMkLst>
-            <pc:docMk/>
-            <pc:sldMk cId="3341805491" sldId="282"/>
-            <ac:spMk id="19" creationId="{781594CD-2030-7E57-BEBB-EEDFD7239184}"/>
-          </ac:spMkLst>
-        </pc:spChg>
-        <pc:spChg chg="add mod">
-          <ac:chgData name="김소희" userId="292a1162-0793-4577-a94d-2dae0dfa5995" providerId="ADAL" clId="{56FB9BA8-8618-469E-B881-B7E5EAC1530C}" dt="2022-07-18T08:09:54.136" v="15219" actId="1035"/>
-          <ac:spMkLst>
-            <pc:docMk/>
-            <pc:sldMk cId="3341805491" sldId="282"/>
-            <ac:spMk id="20" creationId="{46037585-3C71-F7F9-3B07-E137D87B4796}"/>
-          </ac:spMkLst>
-        </pc:spChg>
-        <pc:picChg chg="add mod modCrop">
-          <ac:chgData name="김소희" userId="292a1162-0793-4577-a94d-2dae0dfa5995" providerId="ADAL" clId="{56FB9BA8-8618-469E-B881-B7E5EAC1530C}" dt="2022-07-18T08:09:54.136" v="15219" actId="1035"/>
-          <ac:picMkLst>
-            <pc:docMk/>
-            <pc:sldMk cId="3341805491" sldId="282"/>
-            <ac:picMk id="4" creationId="{8D039AB4-5B46-0D6A-EE04-207F9A59E863}"/>
-          </ac:picMkLst>
-        </pc:picChg>
-        <pc:picChg chg="add mod modCrop">
-          <ac:chgData name="김소희" userId="292a1162-0793-4577-a94d-2dae0dfa5995" providerId="ADAL" clId="{56FB9BA8-8618-469E-B881-B7E5EAC1530C}" dt="2022-07-18T07:58:09.835" v="14893" actId="1076"/>
-          <ac:picMkLst>
-            <pc:docMk/>
-            <pc:sldMk cId="3341805491" sldId="282"/>
-            <ac:picMk id="6" creationId="{C78A8068-87A9-65DB-F981-00D272048007}"/>
-          </ac:picMkLst>
-        </pc:picChg>
-        <pc:picChg chg="add mod">
-          <ac:chgData name="김소희" userId="292a1162-0793-4577-a94d-2dae0dfa5995" providerId="ADAL" clId="{56FB9BA8-8618-469E-B881-B7E5EAC1530C}" dt="2022-07-18T08:09:58.748" v="15221" actId="1076"/>
-          <ac:picMkLst>
-            <pc:docMk/>
-            <pc:sldMk cId="3341805491" sldId="282"/>
-            <ac:picMk id="21" creationId="{1CCCC015-C1E4-2CC9-327F-DA5FA01BE713}"/>
-          </ac:picMkLst>
-        </pc:picChg>
-        <pc:picChg chg="add mod">
-          <ac:chgData name="김소희" userId="292a1162-0793-4577-a94d-2dae0dfa5995" providerId="ADAL" clId="{56FB9BA8-8618-469E-B881-B7E5EAC1530C}" dt="2022-07-18T08:09:57.100" v="15220" actId="1076"/>
-          <ac:picMkLst>
-            <pc:docMk/>
-            <pc:sldMk cId="3341805491" sldId="282"/>
-            <ac:picMk id="22" creationId="{26C14469-54EE-8277-DF83-4BD67F0CBB36}"/>
-          </ac:picMkLst>
-        </pc:picChg>
-      </pc:sldChg>
-      <pc:sldChg chg="addSp delSp modSp add mod modNotesTx">
-        <pc:chgData name="김소희" userId="292a1162-0793-4577-a94d-2dae0dfa5995" providerId="ADAL" clId="{56FB9BA8-8618-469E-B881-B7E5EAC1530C}" dt="2022-07-19T05:43:20.955" v="15316" actId="20577"/>
-        <pc:sldMkLst>
-          <pc:docMk/>
-          <pc:sldMk cId="3162282273" sldId="283"/>
-        </pc:sldMkLst>
-        <pc:spChg chg="mod">
-          <ac:chgData name="김소희" userId="292a1162-0793-4577-a94d-2dae0dfa5995" providerId="ADAL" clId="{56FB9BA8-8618-469E-B881-B7E5EAC1530C}" dt="2022-07-18T07:29:38.618" v="14267" actId="20577"/>
-          <ac:spMkLst>
-            <pc:docMk/>
-            <pc:sldMk cId="3162282273" sldId="283"/>
-            <ac:spMk id="2" creationId="{5C386871-B092-6B43-A8DA-B84A6CCCC7F5}"/>
-          </ac:spMkLst>
-        </pc:spChg>
-        <pc:spChg chg="add mod">
-          <ac:chgData name="김소희" userId="292a1162-0793-4577-a94d-2dae0dfa5995" providerId="ADAL" clId="{56FB9BA8-8618-469E-B881-B7E5EAC1530C}" dt="2022-07-18T07:43:25.408" v="14545" actId="14100"/>
-          <ac:spMkLst>
-            <pc:docMk/>
-            <pc:sldMk cId="3162282273" sldId="283"/>
-            <ac:spMk id="6" creationId="{57192B6A-465D-7C65-4BC7-5189ED235F22}"/>
-          </ac:spMkLst>
-        </pc:spChg>
-        <pc:spChg chg="del mod">
-          <ac:chgData name="김소희" userId="292a1162-0793-4577-a94d-2dae0dfa5995" providerId="ADAL" clId="{56FB9BA8-8618-469E-B881-B7E5EAC1530C}" dt="2022-07-18T07:29:44.352" v="14269" actId="478"/>
-          <ac:spMkLst>
-            <pc:docMk/>
-            <pc:sldMk cId="3162282273" sldId="283"/>
-            <ac:spMk id="7" creationId="{5FF834EC-C667-129F-6DE7-24EC80562A9F}"/>
-          </ac:spMkLst>
-        </pc:spChg>
-        <pc:spChg chg="add mod">
-          <ac:chgData name="김소희" userId="292a1162-0793-4577-a94d-2dae0dfa5995" providerId="ADAL" clId="{56FB9BA8-8618-469E-B881-B7E5EAC1530C}" dt="2022-07-19T05:43:20.955" v="15316" actId="20577"/>
-          <ac:spMkLst>
-            <pc:docMk/>
-            <pc:sldMk cId="3162282273" sldId="283"/>
-            <ac:spMk id="10" creationId="{B3DB1977-7503-E6F5-CD75-D940B5E28872}"/>
-          </ac:spMkLst>
-        </pc:spChg>
-        <pc:picChg chg="del">
-          <ac:chgData name="김소희" userId="292a1162-0793-4577-a94d-2dae0dfa5995" providerId="ADAL" clId="{56FB9BA8-8618-469E-B881-B7E5EAC1530C}" dt="2022-07-18T05:19:44.993" v="11477" actId="478"/>
-          <ac:picMkLst>
-            <pc:docMk/>
-            <pc:sldMk cId="3162282273" sldId="283"/>
-            <ac:picMk id="4" creationId="{8D039AB4-5B46-0D6A-EE04-207F9A59E863}"/>
-          </ac:picMkLst>
-        </pc:picChg>
-        <pc:picChg chg="add mod ord">
-          <ac:chgData name="김소희" userId="292a1162-0793-4577-a94d-2dae0dfa5995" providerId="ADAL" clId="{56FB9BA8-8618-469E-B881-B7E5EAC1530C}" dt="2022-07-18T07:43:41.561" v="14550" actId="1076"/>
-          <ac:picMkLst>
-            <pc:docMk/>
-            <pc:sldMk cId="3162282273" sldId="283"/>
-            <ac:picMk id="5" creationId="{82221CB0-3BF4-7144-7C5F-210C558F5E0C}"/>
-          </ac:picMkLst>
-        </pc:picChg>
-        <pc:picChg chg="add mod">
-          <ac:chgData name="김소희" userId="292a1162-0793-4577-a94d-2dae0dfa5995" providerId="ADAL" clId="{56FB9BA8-8618-469E-B881-B7E5EAC1530C}" dt="2022-07-18T07:43:43.496" v="14551" actId="1076"/>
-          <ac:picMkLst>
-            <pc:docMk/>
-            <pc:sldMk cId="3162282273" sldId="283"/>
-            <ac:picMk id="11" creationId="{D50E5684-2ACA-94F8-327D-0A513508D713}"/>
-          </ac:picMkLst>
-        </pc:picChg>
-      </pc:sldChg>
-      <pc:sldChg chg="addSp delSp modSp add mod modNotesTx">
-        <pc:chgData name="김소희" userId="292a1162-0793-4577-a94d-2dae0dfa5995" providerId="ADAL" clId="{56FB9BA8-8618-469E-B881-B7E5EAC1530C}" dt="2022-07-19T05:40:57.299" v="15230" actId="1076"/>
-        <pc:sldMkLst>
-          <pc:docMk/>
-          <pc:sldMk cId="270594255" sldId="284"/>
-        </pc:sldMkLst>
-        <pc:spChg chg="del">
-          <ac:chgData name="김소희" userId="292a1162-0793-4577-a94d-2dae0dfa5995" providerId="ADAL" clId="{56FB9BA8-8618-469E-B881-B7E5EAC1530C}" dt="2022-07-18T05:52:26.584" v="12842" actId="478"/>
-          <ac:spMkLst>
-            <pc:docMk/>
-            <pc:sldMk cId="270594255" sldId="284"/>
-            <ac:spMk id="5" creationId="{07969C9B-CED3-4E10-6AC1-4A89CC0710A1}"/>
-          </ac:spMkLst>
-        </pc:spChg>
-        <pc:spChg chg="mod">
-          <ac:chgData name="김소희" userId="292a1162-0793-4577-a94d-2dae0dfa5995" providerId="ADAL" clId="{56FB9BA8-8618-469E-B881-B7E5EAC1530C}" dt="2022-07-18T07:22:00.633" v="14109" actId="1076"/>
-          <ac:spMkLst>
-            <pc:docMk/>
-            <pc:sldMk cId="270594255" sldId="284"/>
-            <ac:spMk id="6" creationId="{BF22174C-FE65-8F5C-23A4-CEE86E4EE7B2}"/>
-          </ac:spMkLst>
-        </pc:spChg>
-        <pc:spChg chg="del">
-          <ac:chgData name="김소희" userId="292a1162-0793-4577-a94d-2dae0dfa5995" providerId="ADAL" clId="{56FB9BA8-8618-469E-B881-B7E5EAC1530C}" dt="2022-07-18T07:21:55.960" v="14106" actId="478"/>
-          <ac:spMkLst>
-            <pc:docMk/>
-            <pc:sldMk cId="270594255" sldId="284"/>
-            <ac:spMk id="7" creationId="{5FF834EC-C667-129F-6DE7-24EC80562A9F}"/>
-          </ac:spMkLst>
-        </pc:spChg>
-        <pc:spChg chg="del">
-          <ac:chgData name="김소희" userId="292a1162-0793-4577-a94d-2dae0dfa5995" providerId="ADAL" clId="{56FB9BA8-8618-469E-B881-B7E5EAC1530C}" dt="2022-07-18T05:52:27.530" v="12843" actId="478"/>
-          <ac:spMkLst>
-            <pc:docMk/>
-            <pc:sldMk cId="270594255" sldId="284"/>
-            <ac:spMk id="8" creationId="{0BCB3254-0204-A594-6121-B571C1233A20}"/>
-          </ac:spMkLst>
-        </pc:spChg>
-        <pc:spChg chg="mod">
-          <ac:chgData name="김소희" userId="292a1162-0793-4577-a94d-2dae0dfa5995" providerId="ADAL" clId="{56FB9BA8-8618-469E-B881-B7E5EAC1530C}" dt="2022-07-18T07:22:04.700" v="14110" actId="1076"/>
-          <ac:spMkLst>
-            <pc:docMk/>
-            <pc:sldMk cId="270594255" sldId="284"/>
-            <ac:spMk id="10" creationId="{3EE173F4-387B-DFCF-4930-ADE398C6A763}"/>
-          </ac:spMkLst>
-        </pc:spChg>
-        <pc:spChg chg="add mod">
-          <ac:chgData name="김소희" userId="292a1162-0793-4577-a94d-2dae0dfa5995" providerId="ADAL" clId="{56FB9BA8-8618-469E-B881-B7E5EAC1530C}" dt="2022-07-18T06:12:14.633" v="13694" actId="20577"/>
-          <ac:spMkLst>
-            <pc:docMk/>
-            <pc:sldMk cId="270594255" sldId="284"/>
-            <ac:spMk id="11" creationId="{4CBAB280-9E43-F6BD-D5AE-D896D42224E1}"/>
-          </ac:spMkLst>
-        </pc:spChg>
-        <pc:spChg chg="add mod">
-          <ac:chgData name="김소희" userId="292a1162-0793-4577-a94d-2dae0dfa5995" providerId="ADAL" clId="{56FB9BA8-8618-469E-B881-B7E5EAC1530C}" dt="2022-07-19T05:40:43.286" v="15228" actId="14100"/>
-          <ac:spMkLst>
-            <pc:docMk/>
-            <pc:sldMk cId="270594255" sldId="284"/>
-            <ac:spMk id="12" creationId="{96E3FED2-8A59-4C85-6052-003B77488F26}"/>
-          </ac:spMkLst>
-        </pc:spChg>
-        <pc:spChg chg="add mod">
-          <ac:chgData name="김소희" userId="292a1162-0793-4577-a94d-2dae0dfa5995" providerId="ADAL" clId="{56FB9BA8-8618-469E-B881-B7E5EAC1530C}" dt="2022-07-19T05:40:57.299" v="15230" actId="1076"/>
-          <ac:spMkLst>
-            <pc:docMk/>
-            <pc:sldMk cId="270594255" sldId="284"/>
-            <ac:spMk id="14" creationId="{AB866497-41F7-1D57-0B08-4FED33301F6C}"/>
-          </ac:spMkLst>
-        </pc:spChg>
-        <pc:spChg chg="add mod">
-          <ac:chgData name="김소희" userId="292a1162-0793-4577-a94d-2dae0dfa5995" providerId="ADAL" clId="{56FB9BA8-8618-469E-B881-B7E5EAC1530C}" dt="2022-07-18T07:51:21.532" v="14816" actId="207"/>
-          <ac:spMkLst>
-            <pc:docMk/>
-            <pc:sldMk cId="270594255" sldId="284"/>
-            <ac:spMk id="15" creationId="{D8F22C53-3630-5A0F-A312-B39C51D4987F}"/>
-          </ac:spMkLst>
-        </pc:spChg>
-        <pc:spChg chg="add mod">
-          <ac:chgData name="김소희" userId="292a1162-0793-4577-a94d-2dae0dfa5995" providerId="ADAL" clId="{56FB9BA8-8618-469E-B881-B7E5EAC1530C}" dt="2022-07-18T07:21:56.198" v="14107"/>
-          <ac:spMkLst>
-            <pc:docMk/>
-            <pc:sldMk cId="270594255" sldId="284"/>
-            <ac:spMk id="17" creationId="{5A4330A6-F6FC-5305-C262-FF7770664241}"/>
-          </ac:spMkLst>
-        </pc:spChg>
-        <pc:picChg chg="add mod">
-          <ac:chgData name="김소희" userId="292a1162-0793-4577-a94d-2dae0dfa5995" providerId="ADAL" clId="{56FB9BA8-8618-469E-B881-B7E5EAC1530C}" dt="2022-07-18T07:22:04.700" v="14110" actId="1076"/>
-          <ac:picMkLst>
-            <pc:docMk/>
-            <pc:sldMk cId="270594255" sldId="284"/>
-            <ac:picMk id="1026" creationId="{069C4F25-1ED0-7298-25A6-0FC9D2C8445B}"/>
-          </ac:picMkLst>
-        </pc:picChg>
-        <pc:picChg chg="add mod">
-          <ac:chgData name="김소희" userId="292a1162-0793-4577-a94d-2dae0dfa5995" providerId="ADAL" clId="{56FB9BA8-8618-469E-B881-B7E5EAC1530C}" dt="2022-07-18T06:56:54.685" v="13708" actId="1076"/>
-          <ac:picMkLst>
-            <pc:docMk/>
-            <pc:sldMk cId="270594255" sldId="284"/>
-            <ac:picMk id="1028" creationId="{203737A6-F53E-EEAC-A8C4-423F2DF2BB21}"/>
-          </ac:picMkLst>
-        </pc:picChg>
-        <pc:picChg chg="add mod">
-          <ac:chgData name="김소희" userId="292a1162-0793-4577-a94d-2dae0dfa5995" providerId="ADAL" clId="{56FB9BA8-8618-469E-B881-B7E5EAC1530C}" dt="2022-07-18T06:13:30.069" v="13703" actId="1076"/>
-          <ac:picMkLst>
-            <pc:docMk/>
-            <pc:sldMk cId="270594255" sldId="284"/>
-            <ac:picMk id="1030" creationId="{EDD43B3B-81D0-1375-5FAC-A89FB2138DFB}"/>
-          </ac:picMkLst>
-        </pc:picChg>
-        <pc:picChg chg="add mod">
-          <ac:chgData name="김소희" userId="292a1162-0793-4577-a94d-2dae0dfa5995" providerId="ADAL" clId="{56FB9BA8-8618-469E-B881-B7E5EAC1530C}" dt="2022-07-18T06:13:11.049" v="13698" actId="1076"/>
-          <ac:picMkLst>
-            <pc:docMk/>
-            <pc:sldMk cId="270594255" sldId="284"/>
-            <ac:picMk id="1032" creationId="{4486E9B8-F4B3-5FB4-F945-1265215DF60B}"/>
-          </ac:picMkLst>
-        </pc:picChg>
-      </pc:sldChg>
-      <pc:sldChg chg="addSp delSp modSp add mod modNotesTx">
-        <pc:chgData name="김소희" userId="292a1162-0793-4577-a94d-2dae0dfa5995" providerId="ADAL" clId="{56FB9BA8-8618-469E-B881-B7E5EAC1530C}" dt="2022-07-18T08:07:27.721" v="15162" actId="20577"/>
-        <pc:sldMkLst>
-          <pc:docMk/>
-          <pc:sldMk cId="3787048862" sldId="285"/>
-        </pc:sldMkLst>
-        <pc:spChg chg="mod">
-          <ac:chgData name="김소희" userId="292a1162-0793-4577-a94d-2dae0dfa5995" providerId="ADAL" clId="{56FB9BA8-8618-469E-B881-B7E5EAC1530C}" dt="2022-07-18T07:34:15.960" v="14402" actId="1076"/>
-          <ac:spMkLst>
-            <pc:docMk/>
-            <pc:sldMk cId="3787048862" sldId="285"/>
-            <ac:spMk id="5" creationId="{8A62A27D-5B39-023B-8274-C267E1AD80A5}"/>
-          </ac:spMkLst>
-        </pc:spChg>
-        <pc:spChg chg="del">
-          <ac:chgData name="김소희" userId="292a1162-0793-4577-a94d-2dae0dfa5995" providerId="ADAL" clId="{56FB9BA8-8618-469E-B881-B7E5EAC1530C}" dt="2022-07-18T07:22:24.488" v="14122" actId="478"/>
-          <ac:spMkLst>
-            <pc:docMk/>
-            <pc:sldMk cId="3787048862" sldId="285"/>
-            <ac:spMk id="7" creationId="{5FF834EC-C667-129F-6DE7-24EC80562A9F}"/>
-          </ac:spMkLst>
-        </pc:spChg>
-        <pc:spChg chg="mod">
-          <ac:chgData name="김소희" userId="292a1162-0793-4577-a94d-2dae0dfa5995" providerId="ADAL" clId="{56FB9BA8-8618-469E-B881-B7E5EAC1530C}" dt="2022-07-18T07:25:41.188" v="14242" actId="1076"/>
-          <ac:spMkLst>
-            <pc:docMk/>
-            <pc:sldMk cId="3787048862" sldId="285"/>
-            <ac:spMk id="10" creationId="{8DFDB6E9-CCC3-8E83-9F1E-CD433C536AF4}"/>
-          </ac:spMkLst>
-        </pc:spChg>
-        <pc:spChg chg="del mod">
-          <ac:chgData name="김소희" userId="292a1162-0793-4577-a94d-2dae0dfa5995" providerId="ADAL" clId="{56FB9BA8-8618-469E-B881-B7E5EAC1530C}" dt="2022-07-18T07:26:37.318" v="14246" actId="478"/>
-          <ac:spMkLst>
-            <pc:docMk/>
-            <pc:sldMk cId="3787048862" sldId="285"/>
-            <ac:spMk id="11" creationId="{872B8FC4-67C5-CC5E-DA26-30F6C4E252E9}"/>
-          </ac:spMkLst>
-        </pc:spChg>
-        <pc:spChg chg="mod">
-          <ac:chgData name="김소희" userId="292a1162-0793-4577-a94d-2dae0dfa5995" providerId="ADAL" clId="{56FB9BA8-8618-469E-B881-B7E5EAC1530C}" dt="2022-07-18T07:34:21.719" v="14403" actId="1076"/>
-          <ac:spMkLst>
-            <pc:docMk/>
-            <pc:sldMk cId="3787048862" sldId="285"/>
-            <ac:spMk id="12" creationId="{837DF62E-A419-EA53-4393-D770C5FA647D}"/>
-          </ac:spMkLst>
-        </pc:spChg>
-        <pc:spChg chg="add mod">
-          <ac:chgData name="김소희" userId="292a1162-0793-4577-a94d-2dae0dfa5995" providerId="ADAL" clId="{56FB9BA8-8618-469E-B881-B7E5EAC1530C}" dt="2022-07-18T07:22:28.685" v="14124" actId="1076"/>
-          <ac:spMkLst>
-            <pc:docMk/>
-            <pc:sldMk cId="3787048862" sldId="285"/>
-            <ac:spMk id="13" creationId="{B2A5C84C-A679-6B87-7F78-46C461D9C845}"/>
-          </ac:spMkLst>
-        </pc:spChg>
-        <pc:spChg chg="add mod">
-          <ac:chgData name="김소희" userId="292a1162-0793-4577-a94d-2dae0dfa5995" providerId="ADAL" clId="{56FB9BA8-8618-469E-B881-B7E5EAC1530C}" dt="2022-07-18T07:22:24.730" v="14123"/>
-          <ac:spMkLst>
-            <pc:docMk/>
-            <pc:sldMk cId="3787048862" sldId="285"/>
-            <ac:spMk id="16" creationId="{4577B740-1AF1-7CC2-2251-FA8E658EBFCB}"/>
-          </ac:spMkLst>
-        </pc:spChg>
-        <pc:spChg chg="add mod">
-          <ac:chgData name="김소희" userId="292a1162-0793-4577-a94d-2dae0dfa5995" providerId="ADAL" clId="{56FB9BA8-8618-469E-B881-B7E5EAC1530C}" dt="2022-07-18T07:44:15.508" v="14555" actId="1076"/>
-          <ac:spMkLst>
-            <pc:docMk/>
-            <pc:sldMk cId="3787048862" sldId="285"/>
-            <ac:spMk id="17" creationId="{D200BBC0-6ACC-9B41-8D14-0C7D86723C29}"/>
-          </ac:spMkLst>
-        </pc:spChg>
-        <pc:spChg chg="add mod">
-          <ac:chgData name="김소희" userId="292a1162-0793-4577-a94d-2dae0dfa5995" providerId="ADAL" clId="{56FB9BA8-8618-469E-B881-B7E5EAC1530C}" dt="2022-07-18T07:44:25.279" v="14557" actId="1076"/>
-          <ac:spMkLst>
-            <pc:docMk/>
-            <pc:sldMk cId="3787048862" sldId="285"/>
-            <ac:spMk id="18" creationId="{75774BA6-F708-4B24-3409-B7EE827802E6}"/>
-          </ac:spMkLst>
-        </pc:spChg>
-        <pc:spChg chg="add mod">
-          <ac:chgData name="김소희" userId="292a1162-0793-4577-a94d-2dae0dfa5995" providerId="ADAL" clId="{56FB9BA8-8618-469E-B881-B7E5EAC1530C}" dt="2022-07-18T07:44:15.508" v="14555" actId="1076"/>
-          <ac:spMkLst>
-            <pc:docMk/>
-            <pc:sldMk cId="3787048862" sldId="285"/>
-            <ac:spMk id="19" creationId="{06BE8D04-79BE-A5AD-BE10-211DAD98FADB}"/>
-          </ac:spMkLst>
-        </pc:spChg>
-        <pc:spChg chg="add del mod">
-          <ac:chgData name="김소희" userId="292a1162-0793-4577-a94d-2dae0dfa5995" providerId="ADAL" clId="{56FB9BA8-8618-469E-B881-B7E5EAC1530C}" dt="2022-07-18T07:44:00.832" v="14552" actId="478"/>
-          <ac:spMkLst>
-            <pc:docMk/>
-            <pc:sldMk cId="3787048862" sldId="285"/>
-            <ac:spMk id="20" creationId="{FAA72755-6C47-C6FC-ED48-4B02F1C952B3}"/>
-          </ac:spMkLst>
-        </pc:spChg>
-        <pc:picChg chg="del">
-          <ac:chgData name="김소희" userId="292a1162-0793-4577-a94d-2dae0dfa5995" providerId="ADAL" clId="{56FB9BA8-8618-469E-B881-B7E5EAC1530C}" dt="2022-07-18T07:19:14.575" v="14038" actId="478"/>
-          <ac:picMkLst>
-            <pc:docMk/>
-            <pc:sldMk cId="3787048862" sldId="285"/>
-            <ac:picMk id="4" creationId="{CA1FF9BD-956F-8439-2287-120D4CA4B0F0}"/>
-          </ac:picMkLst>
-        </pc:picChg>
-        <pc:picChg chg="add mod">
-          <ac:chgData name="김소희" userId="292a1162-0793-4577-a94d-2dae0dfa5995" providerId="ADAL" clId="{56FB9BA8-8618-469E-B881-B7E5EAC1530C}" dt="2022-07-18T07:25:42.995" v="14243" actId="1076"/>
-          <ac:picMkLst>
-            <pc:docMk/>
-            <pc:sldMk cId="3787048862" sldId="285"/>
-            <ac:picMk id="6" creationId="{7576E02A-4F7B-F91A-C864-2FBF2A93144B}"/>
-          </ac:picMkLst>
-        </pc:picChg>
-        <pc:picChg chg="del">
-          <ac:chgData name="김소희" userId="292a1162-0793-4577-a94d-2dae0dfa5995" providerId="ADAL" clId="{56FB9BA8-8618-469E-B881-B7E5EAC1530C}" dt="2022-07-18T07:19:14" v="14037" actId="478"/>
-          <ac:picMkLst>
-            <pc:docMk/>
-            <pc:sldMk cId="3787048862" sldId="285"/>
-            <ac:picMk id="8" creationId="{AE3CA713-90C9-AFA4-0B8A-68F9397A7118}"/>
-          </ac:picMkLst>
-        </pc:picChg>
-        <pc:picChg chg="add mod">
-          <ac:chgData name="김소희" userId="292a1162-0793-4577-a94d-2dae0dfa5995" providerId="ADAL" clId="{56FB9BA8-8618-469E-B881-B7E5EAC1530C}" dt="2022-07-18T07:26:28.220" v="14244" actId="14100"/>
-          <ac:picMkLst>
-            <pc:docMk/>
-            <pc:sldMk cId="3787048862" sldId="285"/>
-            <ac:picMk id="15" creationId="{6B5342E7-540E-EF39-A1D5-68D5C8E1658D}"/>
-          </ac:picMkLst>
-        </pc:picChg>
-      </pc:sldChg>
-      <pc:sldMasterChg chg="modSldLayout">
-        <pc:chgData name="김소희" userId="292a1162-0793-4577-a94d-2dae0dfa5995" providerId="ADAL" clId="{56FB9BA8-8618-469E-B881-B7E5EAC1530C}" dt="2022-07-18T08:57:43.951" v="15224" actId="20577"/>
-        <pc:sldMasterMkLst>
-          <pc:docMk/>
-          <pc:sldMasterMk cId="3910064173" sldId="2147483648"/>
-        </pc:sldMasterMkLst>
-        <pc:sldLayoutChg chg="modSp mod">
-          <pc:chgData name="김소희" userId="292a1162-0793-4577-a94d-2dae0dfa5995" providerId="ADAL" clId="{56FB9BA8-8618-469E-B881-B7E5EAC1530C}" dt="2022-07-18T08:57:43.951" v="15224" actId="20577"/>
-          <pc:sldLayoutMkLst>
-            <pc:docMk/>
-            <pc:sldMasterMk cId="3910064173" sldId="2147483648"/>
-            <pc:sldLayoutMk cId="2993821319" sldId="2147483650"/>
-          </pc:sldLayoutMkLst>
-          <pc:spChg chg="mod ord">
-            <ac:chgData name="김소희" userId="292a1162-0793-4577-a94d-2dae0dfa5995" providerId="ADAL" clId="{56FB9BA8-8618-469E-B881-B7E5EAC1530C}" dt="2022-07-18T08:57:43.951" v="15224" actId="20577"/>
-            <ac:spMkLst>
-              <pc:docMk/>
-              <pc:sldMasterMk cId="3910064173" sldId="2147483648"/>
-              <pc:sldLayoutMk cId="2993821319" sldId="2147483650"/>
-              <ac:spMk id="7" creationId="{C005384D-ECA5-527F-035D-4F18DB7E2A7F}"/>
-            </ac:spMkLst>
-          </pc:spChg>
-        </pc:sldLayoutChg>
-      </pc:sldMasterChg>
     </pc:docChg>
   </pc:docChgLst>
   <pc:docChgLst>
@@ -8336,6 +5044,3305 @@
               <pc:sldMasterMk cId="3910064173" sldId="2147483648"/>
               <pc:sldLayoutMk cId="2993821319" sldId="2147483650"/>
               <ac:spMk id="8" creationId="{E8747D6F-E9C7-70E1-DE8C-54BEFCF726C3}"/>
+            </ac:spMkLst>
+          </pc:spChg>
+        </pc:sldLayoutChg>
+      </pc:sldMasterChg>
+    </pc:docChg>
+  </pc:docChgLst>
+  <pc:docChgLst>
+    <pc:chgData name="김소희" userId="292a1162-0793-4577-a94d-2dae0dfa5995" providerId="ADAL" clId="{56FB9BA8-8618-469E-B881-B7E5EAC1530C}"/>
+    <pc:docChg chg="undo custSel addSld modSld sldOrd modMainMaster">
+      <pc:chgData name="김소희" userId="292a1162-0793-4577-a94d-2dae0dfa5995" providerId="ADAL" clId="{56FB9BA8-8618-469E-B881-B7E5EAC1530C}" dt="2022-07-19T05:43:20.955" v="15316" actId="20577"/>
+      <pc:docMkLst>
+        <pc:docMk/>
+      </pc:docMkLst>
+      <pc:sldChg chg="modSp mod">
+        <pc:chgData name="김소희" userId="292a1162-0793-4577-a94d-2dae0dfa5995" providerId="ADAL" clId="{56FB9BA8-8618-469E-B881-B7E5EAC1530C}" dt="2022-07-16T16:55:23.235" v="6641" actId="113"/>
+        <pc:sldMkLst>
+          <pc:docMk/>
+          <pc:sldMk cId="158654813" sldId="256"/>
+        </pc:sldMkLst>
+        <pc:spChg chg="mod">
+          <ac:chgData name="김소희" userId="292a1162-0793-4577-a94d-2dae0dfa5995" providerId="ADAL" clId="{56FB9BA8-8618-469E-B881-B7E5EAC1530C}" dt="2022-07-16T16:55:23.235" v="6641" actId="113"/>
+          <ac:spMkLst>
+            <pc:docMk/>
+            <pc:sldMk cId="158654813" sldId="256"/>
+            <ac:spMk id="2" creationId="{D42C8D01-1348-904F-A28E-FB1F05F50B66}"/>
+          </ac:spMkLst>
+        </pc:spChg>
+      </pc:sldChg>
+      <pc:sldChg chg="addSp delSp modSp mod modNotesTx">
+        <pc:chgData name="김소희" userId="292a1162-0793-4577-a94d-2dae0dfa5995" providerId="ADAL" clId="{56FB9BA8-8618-469E-B881-B7E5EAC1530C}" dt="2022-07-17T12:27:12.652" v="7259" actId="20577"/>
+        <pc:sldMkLst>
+          <pc:docMk/>
+          <pc:sldMk cId="1064256564" sldId="257"/>
+        </pc:sldMkLst>
+        <pc:spChg chg="add mod">
+          <ac:chgData name="김소희" userId="292a1162-0793-4577-a94d-2dae0dfa5995" providerId="ADAL" clId="{56FB9BA8-8618-469E-B881-B7E5EAC1530C}" dt="2022-07-16T08:31:39.259" v="1367" actId="207"/>
+          <ac:spMkLst>
+            <pc:docMk/>
+            <pc:sldMk cId="1064256564" sldId="257"/>
+            <ac:spMk id="4" creationId="{23D46D21-7D87-A5C5-3A16-F43F451EE6D6}"/>
+          </ac:spMkLst>
+        </pc:spChg>
+        <pc:spChg chg="mod">
+          <ac:chgData name="김소희" userId="292a1162-0793-4577-a94d-2dae0dfa5995" providerId="ADAL" clId="{56FB9BA8-8618-469E-B881-B7E5EAC1530C}" dt="2022-07-17T12:27:12.652" v="7259" actId="20577"/>
+          <ac:spMkLst>
+            <pc:docMk/>
+            <pc:sldMk cId="1064256564" sldId="257"/>
+            <ac:spMk id="6" creationId="{2188782E-44BF-062E-224B-C021A5C826FC}"/>
+          </ac:spMkLst>
+        </pc:spChg>
+        <pc:spChg chg="del mod">
+          <ac:chgData name="김소희" userId="292a1162-0793-4577-a94d-2dae0dfa5995" providerId="ADAL" clId="{56FB9BA8-8618-469E-B881-B7E5EAC1530C}" dt="2022-07-16T08:26:10.230" v="1075" actId="478"/>
+          <ac:spMkLst>
+            <pc:docMk/>
+            <pc:sldMk cId="1064256564" sldId="257"/>
+            <ac:spMk id="8" creationId="{91C6AC31-B2E0-521A-F2DE-468A37F39761}"/>
+          </ac:spMkLst>
+        </pc:spChg>
+        <pc:spChg chg="add del mod">
+          <ac:chgData name="김소희" userId="292a1162-0793-4577-a94d-2dae0dfa5995" providerId="ADAL" clId="{56FB9BA8-8618-469E-B881-B7E5EAC1530C}" dt="2022-07-16T08:30:37.383" v="1361" actId="478"/>
+          <ac:spMkLst>
+            <pc:docMk/>
+            <pc:sldMk cId="1064256564" sldId="257"/>
+            <ac:spMk id="10" creationId="{0BC09C1D-47E9-8980-4D0D-1F639EC5333B}"/>
+          </ac:spMkLst>
+        </pc:spChg>
+        <pc:spChg chg="add mod">
+          <ac:chgData name="김소희" userId="292a1162-0793-4577-a94d-2dae0dfa5995" providerId="ADAL" clId="{56FB9BA8-8618-469E-B881-B7E5EAC1530C}" dt="2022-07-16T08:30:28.806" v="1359" actId="14100"/>
+          <ac:spMkLst>
+            <pc:docMk/>
+            <pc:sldMk cId="1064256564" sldId="257"/>
+            <ac:spMk id="13" creationId="{174246C5-3CB0-4EE1-338B-F486C3F74F8D}"/>
+          </ac:spMkLst>
+        </pc:spChg>
+        <pc:picChg chg="del mod">
+          <ac:chgData name="김소희" userId="292a1162-0793-4577-a94d-2dae0dfa5995" providerId="ADAL" clId="{56FB9BA8-8618-469E-B881-B7E5EAC1530C}" dt="2022-07-16T08:26:10.230" v="1075" actId="478"/>
+          <ac:picMkLst>
+            <pc:docMk/>
+            <pc:sldMk cId="1064256564" sldId="257"/>
+            <ac:picMk id="12" creationId="{848F1558-F4DC-3F98-DD5D-BEE130F52286}"/>
+          </ac:picMkLst>
+        </pc:picChg>
+        <pc:picChg chg="add mod">
+          <ac:chgData name="김소희" userId="292a1162-0793-4577-a94d-2dae0dfa5995" providerId="ADAL" clId="{56FB9BA8-8618-469E-B881-B7E5EAC1530C}" dt="2022-07-16T08:28:53.073" v="1274" actId="1076"/>
+          <ac:picMkLst>
+            <pc:docMk/>
+            <pc:sldMk cId="1064256564" sldId="257"/>
+            <ac:picMk id="1026" creationId="{082B6978-1040-2636-ECB5-72C25D649201}"/>
+          </ac:picMkLst>
+        </pc:picChg>
+      </pc:sldChg>
+      <pc:sldChg chg="addSp delSp modSp add mod modNotesTx">
+        <pc:chgData name="김소희" userId="292a1162-0793-4577-a94d-2dae0dfa5995" providerId="ADAL" clId="{56FB9BA8-8618-469E-B881-B7E5EAC1530C}" dt="2022-07-16T09:04:12.262" v="1882" actId="20577"/>
+        <pc:sldMkLst>
+          <pc:docMk/>
+          <pc:sldMk cId="2351987689" sldId="258"/>
+        </pc:sldMkLst>
+        <pc:spChg chg="mod">
+          <ac:chgData name="김소희" userId="292a1162-0793-4577-a94d-2dae0dfa5995" providerId="ADAL" clId="{56FB9BA8-8618-469E-B881-B7E5EAC1530C}" dt="2022-07-16T08:30:49.384" v="1364" actId="14100"/>
+          <ac:spMkLst>
+            <pc:docMk/>
+            <pc:sldMk cId="2351987689" sldId="258"/>
+            <ac:spMk id="6" creationId="{2188782E-44BF-062E-224B-C021A5C826FC}"/>
+          </ac:spMkLst>
+        </pc:spChg>
+        <pc:spChg chg="del">
+          <ac:chgData name="김소희" userId="292a1162-0793-4577-a94d-2dae0dfa5995" providerId="ADAL" clId="{56FB9BA8-8618-469E-B881-B7E5EAC1530C}" dt="2022-07-16T08:20:29.194" v="731" actId="478"/>
+          <ac:spMkLst>
+            <pc:docMk/>
+            <pc:sldMk cId="2351987689" sldId="258"/>
+            <ac:spMk id="8" creationId="{91C6AC31-B2E0-521A-F2DE-468A37F39761}"/>
+          </ac:spMkLst>
+        </pc:spChg>
+        <pc:spChg chg="del mod">
+          <ac:chgData name="김소희" userId="292a1162-0793-4577-a94d-2dae0dfa5995" providerId="ADAL" clId="{56FB9BA8-8618-469E-B881-B7E5EAC1530C}" dt="2022-07-16T08:22:50.756" v="865" actId="478"/>
+          <ac:spMkLst>
+            <pc:docMk/>
+            <pc:sldMk cId="2351987689" sldId="258"/>
+            <ac:spMk id="10" creationId="{0BC09C1D-47E9-8980-4D0D-1F639EC5333B}"/>
+          </ac:spMkLst>
+        </pc:spChg>
+        <pc:spChg chg="add mod">
+          <ac:chgData name="김소희" userId="292a1162-0793-4577-a94d-2dae0dfa5995" providerId="ADAL" clId="{56FB9BA8-8618-469E-B881-B7E5EAC1530C}" dt="2022-07-16T08:26:03.472" v="1074" actId="12"/>
+          <ac:spMkLst>
+            <pc:docMk/>
+            <pc:sldMk cId="2351987689" sldId="258"/>
+            <ac:spMk id="11" creationId="{5481EF30-FFA6-F378-2E64-2114E0FFA5EF}"/>
+          </ac:spMkLst>
+        </pc:spChg>
+        <pc:spChg chg="add mod">
+          <ac:chgData name="김소희" userId="292a1162-0793-4577-a94d-2dae0dfa5995" providerId="ADAL" clId="{56FB9BA8-8618-469E-B881-B7E5EAC1530C}" dt="2022-07-16T08:50:44.709" v="1638" actId="12"/>
+          <ac:spMkLst>
+            <pc:docMk/>
+            <pc:sldMk cId="2351987689" sldId="258"/>
+            <ac:spMk id="13" creationId="{05BC5614-7DFD-FAE5-2BEB-AF2F6A47D423}"/>
+          </ac:spMkLst>
+        </pc:spChg>
+        <pc:picChg chg="del">
+          <ac:chgData name="김소희" userId="292a1162-0793-4577-a94d-2dae0dfa5995" providerId="ADAL" clId="{56FB9BA8-8618-469E-B881-B7E5EAC1530C}" dt="2022-07-16T08:20:28.095" v="730" actId="478"/>
+          <ac:picMkLst>
+            <pc:docMk/>
+            <pc:sldMk cId="2351987689" sldId="258"/>
+            <ac:picMk id="12" creationId="{848F1558-F4DC-3F98-DD5D-BEE130F52286}"/>
+          </ac:picMkLst>
+        </pc:picChg>
+        <pc:picChg chg="add mod">
+          <ac:chgData name="김소희" userId="292a1162-0793-4577-a94d-2dae0dfa5995" providerId="ADAL" clId="{56FB9BA8-8618-469E-B881-B7E5EAC1530C}" dt="2022-07-16T08:25:46.015" v="1070"/>
+          <ac:picMkLst>
+            <pc:docMk/>
+            <pc:sldMk cId="2351987689" sldId="258"/>
+            <ac:picMk id="14" creationId="{3550B59F-30E4-08DC-0645-D07F8750CACD}"/>
+          </ac:picMkLst>
+        </pc:picChg>
+        <pc:picChg chg="del">
+          <ac:chgData name="김소희" userId="292a1162-0793-4577-a94d-2dae0dfa5995" providerId="ADAL" clId="{56FB9BA8-8618-469E-B881-B7E5EAC1530C}" dt="2022-07-16T08:20:27.555" v="729" actId="478"/>
+          <ac:picMkLst>
+            <pc:docMk/>
+            <pc:sldMk cId="2351987689" sldId="258"/>
+            <ac:picMk id="1026" creationId="{082B6978-1040-2636-ECB5-72C25D649201}"/>
+          </ac:picMkLst>
+        </pc:picChg>
+      </pc:sldChg>
+      <pc:sldChg chg="addSp delSp modSp add mod modNotesTx">
+        <pc:chgData name="김소희" userId="292a1162-0793-4577-a94d-2dae0dfa5995" providerId="ADAL" clId="{56FB9BA8-8618-469E-B881-B7E5EAC1530C}" dt="2022-07-16T16:42:24.003" v="6221" actId="1035"/>
+        <pc:sldMkLst>
+          <pc:docMk/>
+          <pc:sldMk cId="2540614236" sldId="259"/>
+        </pc:sldMkLst>
+        <pc:spChg chg="mod">
+          <ac:chgData name="김소희" userId="292a1162-0793-4577-a94d-2dae0dfa5995" providerId="ADAL" clId="{56FB9BA8-8618-469E-B881-B7E5EAC1530C}" dt="2022-07-16T08:31:55.418" v="1382" actId="20577"/>
+          <ac:spMkLst>
+            <pc:docMk/>
+            <pc:sldMk cId="2540614236" sldId="259"/>
+            <ac:spMk id="2" creationId="{5C386871-B092-6B43-A8DA-B84A6CCCC7F5}"/>
+          </ac:spMkLst>
+        </pc:spChg>
+        <pc:spChg chg="add mod">
+          <ac:chgData name="김소희" userId="292a1162-0793-4577-a94d-2dae0dfa5995" providerId="ADAL" clId="{56FB9BA8-8618-469E-B881-B7E5EAC1530C}" dt="2022-07-16T13:45:59.286" v="4654" actId="164"/>
+          <ac:spMkLst>
+            <pc:docMk/>
+            <pc:sldMk cId="2540614236" sldId="259"/>
+            <ac:spMk id="5" creationId="{24DA0997-B92A-747D-4206-9DEFB0356AFD}"/>
+          </ac:spMkLst>
+        </pc:spChg>
+        <pc:spChg chg="mod">
+          <ac:chgData name="김소희" userId="292a1162-0793-4577-a94d-2dae0dfa5995" providerId="ADAL" clId="{56FB9BA8-8618-469E-B881-B7E5EAC1530C}" dt="2022-07-16T09:28:09.859" v="2552" actId="12"/>
+          <ac:spMkLst>
+            <pc:docMk/>
+            <pc:sldMk cId="2540614236" sldId="259"/>
+            <ac:spMk id="6" creationId="{2188782E-44BF-062E-224B-C021A5C826FC}"/>
+          </ac:spMkLst>
+        </pc:spChg>
+        <pc:spChg chg="add mod">
+          <ac:chgData name="김소희" userId="292a1162-0793-4577-a94d-2dae0dfa5995" providerId="ADAL" clId="{56FB9BA8-8618-469E-B881-B7E5EAC1530C}" dt="2022-07-16T13:45:59.286" v="4654" actId="164"/>
+          <ac:spMkLst>
+            <pc:docMk/>
+            <pc:sldMk cId="2540614236" sldId="259"/>
+            <ac:spMk id="10" creationId="{B0AB050B-B991-465F-2E16-1A469CA5D388}"/>
+          </ac:spMkLst>
+        </pc:spChg>
+        <pc:spChg chg="mod">
+          <ac:chgData name="김소희" userId="292a1162-0793-4577-a94d-2dae0dfa5995" providerId="ADAL" clId="{56FB9BA8-8618-469E-B881-B7E5EAC1530C}" dt="2022-07-16T16:42:21.207" v="6217" actId="1036"/>
+          <ac:spMkLst>
+            <pc:docMk/>
+            <pc:sldMk cId="2540614236" sldId="259"/>
+            <ac:spMk id="11" creationId="{5481EF30-FFA6-F378-2E64-2114E0FFA5EF}"/>
+          </ac:spMkLst>
+        </pc:spChg>
+        <pc:spChg chg="add del mod">
+          <ac:chgData name="김소희" userId="292a1162-0793-4577-a94d-2dae0dfa5995" providerId="ADAL" clId="{56FB9BA8-8618-469E-B881-B7E5EAC1530C}" dt="2022-07-16T08:52:51.395" v="1675" actId="478"/>
+          <ac:spMkLst>
+            <pc:docMk/>
+            <pc:sldMk cId="2540614236" sldId="259"/>
+            <ac:spMk id="12" creationId="{13D2191F-0914-B705-64B1-CAAF1AACD383}"/>
+          </ac:spMkLst>
+        </pc:spChg>
+        <pc:spChg chg="add mod">
+          <ac:chgData name="김소희" userId="292a1162-0793-4577-a94d-2dae0dfa5995" providerId="ADAL" clId="{56FB9BA8-8618-469E-B881-B7E5EAC1530C}" dt="2022-07-16T13:45:59.286" v="4654" actId="164"/>
+          <ac:spMkLst>
+            <pc:docMk/>
+            <pc:sldMk cId="2540614236" sldId="259"/>
+            <ac:spMk id="12" creationId="{65019E8B-8A3F-C319-1082-C904FCE012C2}"/>
+          </ac:spMkLst>
+        </pc:spChg>
+        <pc:spChg chg="del">
+          <ac:chgData name="김소희" userId="292a1162-0793-4577-a94d-2dae0dfa5995" providerId="ADAL" clId="{56FB9BA8-8618-469E-B881-B7E5EAC1530C}" dt="2022-07-16T08:32:37.335" v="1444" actId="478"/>
+          <ac:spMkLst>
+            <pc:docMk/>
+            <pc:sldMk cId="2540614236" sldId="259"/>
+            <ac:spMk id="13" creationId="{05BC5614-7DFD-FAE5-2BEB-AF2F6A47D423}"/>
+          </ac:spMkLst>
+        </pc:spChg>
+        <pc:spChg chg="add mod">
+          <ac:chgData name="김소희" userId="292a1162-0793-4577-a94d-2dae0dfa5995" providerId="ADAL" clId="{56FB9BA8-8618-469E-B881-B7E5EAC1530C}" dt="2022-07-16T13:45:59.286" v="4654" actId="164"/>
+          <ac:spMkLst>
+            <pc:docMk/>
+            <pc:sldMk cId="2540614236" sldId="259"/>
+            <ac:spMk id="13" creationId="{149E48E9-A829-BECD-FC9E-7DA93463AA6E}"/>
+          </ac:spMkLst>
+        </pc:spChg>
+        <pc:spChg chg="add mod">
+          <ac:chgData name="김소희" userId="292a1162-0793-4577-a94d-2dae0dfa5995" providerId="ADAL" clId="{56FB9BA8-8618-469E-B881-B7E5EAC1530C}" dt="2022-07-16T09:11:41.309" v="2014" actId="1076"/>
+          <ac:spMkLst>
+            <pc:docMk/>
+            <pc:sldMk cId="2540614236" sldId="259"/>
+            <ac:spMk id="14" creationId="{3A2F6365-F069-3566-8C7B-8A2F6BEA5AFB}"/>
+          </ac:spMkLst>
+        </pc:spChg>
+        <pc:spChg chg="add mod">
+          <ac:chgData name="김소희" userId="292a1162-0793-4577-a94d-2dae0dfa5995" providerId="ADAL" clId="{56FB9BA8-8618-469E-B881-B7E5EAC1530C}" dt="2022-07-16T13:45:59.286" v="4654" actId="164"/>
+          <ac:spMkLst>
+            <pc:docMk/>
+            <pc:sldMk cId="2540614236" sldId="259"/>
+            <ac:spMk id="15" creationId="{B770780B-C5B7-E047-A823-FA8D84EFBCD2}"/>
+          </ac:spMkLst>
+        </pc:spChg>
+        <pc:spChg chg="add del mod">
+          <ac:chgData name="김소희" userId="292a1162-0793-4577-a94d-2dae0dfa5995" providerId="ADAL" clId="{56FB9BA8-8618-469E-B881-B7E5EAC1530C}" dt="2022-07-16T09:05:24.174" v="1924" actId="478"/>
+          <ac:spMkLst>
+            <pc:docMk/>
+            <pc:sldMk cId="2540614236" sldId="259"/>
+            <ac:spMk id="17" creationId="{243EB416-31B4-D5A6-F31A-5544CB387F6F}"/>
+          </ac:spMkLst>
+        </pc:spChg>
+        <pc:spChg chg="add del mod">
+          <ac:chgData name="김소희" userId="292a1162-0793-4577-a94d-2dae0dfa5995" providerId="ADAL" clId="{56FB9BA8-8618-469E-B881-B7E5EAC1530C}" dt="2022-07-16T09:10:11.336" v="2000" actId="478"/>
+          <ac:spMkLst>
+            <pc:docMk/>
+            <pc:sldMk cId="2540614236" sldId="259"/>
+            <ac:spMk id="19" creationId="{E94A76AD-6E09-A439-0AEF-86EDCE9E60F2}"/>
+          </ac:spMkLst>
+        </pc:spChg>
+        <pc:grpChg chg="add mod">
+          <ac:chgData name="김소희" userId="292a1162-0793-4577-a94d-2dae0dfa5995" providerId="ADAL" clId="{56FB9BA8-8618-469E-B881-B7E5EAC1530C}" dt="2022-07-16T13:45:59.286" v="4654" actId="164"/>
+          <ac:grpSpMkLst>
+            <pc:docMk/>
+            <pc:sldMk cId="2540614236" sldId="259"/>
+            <ac:grpSpMk id="3" creationId="{3E8FF027-0355-3747-AFA7-CB35E9A8E7AF}"/>
+          </ac:grpSpMkLst>
+        </pc:grpChg>
+        <pc:picChg chg="add mod">
+          <ac:chgData name="김소희" userId="292a1162-0793-4577-a94d-2dae0dfa5995" providerId="ADAL" clId="{56FB9BA8-8618-469E-B881-B7E5EAC1530C}" dt="2022-07-16T13:45:59.286" v="4654" actId="164"/>
+          <ac:picMkLst>
+            <pc:docMk/>
+            <pc:sldMk cId="2540614236" sldId="259"/>
+            <ac:picMk id="4" creationId="{DAA39A6E-FD07-BFB0-77C6-D5834F1AA695}"/>
+          </ac:picMkLst>
+        </pc:picChg>
+        <pc:picChg chg="add mod">
+          <ac:chgData name="김소희" userId="292a1162-0793-4577-a94d-2dae0dfa5995" providerId="ADAL" clId="{56FB9BA8-8618-469E-B881-B7E5EAC1530C}" dt="2022-07-16T16:42:24.003" v="6221" actId="1035"/>
+          <ac:picMkLst>
+            <pc:docMk/>
+            <pc:sldMk cId="2540614236" sldId="259"/>
+            <ac:picMk id="7" creationId="{0935BA8F-CDDC-8772-DE95-5623BAFA5E44}"/>
+          </ac:picMkLst>
+        </pc:picChg>
+        <pc:picChg chg="del">
+          <ac:chgData name="김소희" userId="292a1162-0793-4577-a94d-2dae0dfa5995" providerId="ADAL" clId="{56FB9BA8-8618-469E-B881-B7E5EAC1530C}" dt="2022-07-16T08:32:37.800" v="1445" actId="478"/>
+          <ac:picMkLst>
+            <pc:docMk/>
+            <pc:sldMk cId="2540614236" sldId="259"/>
+            <ac:picMk id="14" creationId="{3550B59F-30E4-08DC-0645-D07F8750CACD}"/>
+          </ac:picMkLst>
+        </pc:picChg>
+        <pc:cxnChg chg="add mod">
+          <ac:chgData name="김소희" userId="292a1162-0793-4577-a94d-2dae0dfa5995" providerId="ADAL" clId="{56FB9BA8-8618-469E-B881-B7E5EAC1530C}" dt="2022-07-16T13:45:59.286" v="4654" actId="164"/>
+          <ac:cxnSpMkLst>
+            <pc:docMk/>
+            <pc:sldMk cId="2540614236" sldId="259"/>
+            <ac:cxnSpMk id="8" creationId="{450BE0E2-44E3-0895-C714-B9C57F5B8E25}"/>
+          </ac:cxnSpMkLst>
+        </pc:cxnChg>
+      </pc:sldChg>
+      <pc:sldChg chg="addSp delSp modSp add mod modNotesTx">
+        <pc:chgData name="김소희" userId="292a1162-0793-4577-a94d-2dae0dfa5995" providerId="ADAL" clId="{56FB9BA8-8618-469E-B881-B7E5EAC1530C}" dt="2022-07-16T09:32:31.477" v="2641" actId="948"/>
+        <pc:sldMkLst>
+          <pc:docMk/>
+          <pc:sldMk cId="2288350488" sldId="260"/>
+        </pc:sldMkLst>
+        <pc:spChg chg="del mod">
+          <ac:chgData name="김소희" userId="292a1162-0793-4577-a94d-2dae0dfa5995" providerId="ADAL" clId="{56FB9BA8-8618-469E-B881-B7E5EAC1530C}" dt="2022-07-16T09:27:56.102" v="2549" actId="478"/>
+          <ac:spMkLst>
+            <pc:docMk/>
+            <pc:sldMk cId="2288350488" sldId="260"/>
+            <ac:spMk id="6" creationId="{2188782E-44BF-062E-224B-C021A5C826FC}"/>
+          </ac:spMkLst>
+        </pc:spChg>
+        <pc:spChg chg="add mod">
+          <ac:chgData name="김소희" userId="292a1162-0793-4577-a94d-2dae0dfa5995" providerId="ADAL" clId="{56FB9BA8-8618-469E-B881-B7E5EAC1530C}" dt="2022-07-16T09:30:40.702" v="2631" actId="20577"/>
+          <ac:spMkLst>
+            <pc:docMk/>
+            <pc:sldMk cId="2288350488" sldId="260"/>
+            <ac:spMk id="7" creationId="{CC716C3F-F2B1-F760-045E-029309F50BD4}"/>
+          </ac:spMkLst>
+        </pc:spChg>
+        <pc:spChg chg="mod">
+          <ac:chgData name="김소희" userId="292a1162-0793-4577-a94d-2dae0dfa5995" providerId="ADAL" clId="{56FB9BA8-8618-469E-B881-B7E5EAC1530C}" dt="2022-07-16T09:32:31.477" v="2641" actId="948"/>
+          <ac:spMkLst>
+            <pc:docMk/>
+            <pc:sldMk cId="2288350488" sldId="260"/>
+            <ac:spMk id="11" creationId="{5481EF30-FFA6-F378-2E64-2114E0FFA5EF}"/>
+          </ac:spMkLst>
+        </pc:spChg>
+        <pc:picChg chg="del">
+          <ac:chgData name="김소희" userId="292a1162-0793-4577-a94d-2dae0dfa5995" providerId="ADAL" clId="{56FB9BA8-8618-469E-B881-B7E5EAC1530C}" dt="2022-07-16T09:25:52.806" v="2452" actId="478"/>
+          <ac:picMkLst>
+            <pc:docMk/>
+            <pc:sldMk cId="2288350488" sldId="260"/>
+            <ac:picMk id="4" creationId="{DAA39A6E-FD07-BFB0-77C6-D5834F1AA695}"/>
+          </ac:picMkLst>
+        </pc:picChg>
+      </pc:sldChg>
+      <pc:sldChg chg="addSp delSp modSp add mod modNotesTx">
+        <pc:chgData name="김소희" userId="292a1162-0793-4577-a94d-2dae0dfa5995" providerId="ADAL" clId="{56FB9BA8-8618-469E-B881-B7E5EAC1530C}" dt="2022-07-16T09:35:58.420" v="2686" actId="1076"/>
+        <pc:sldMkLst>
+          <pc:docMk/>
+          <pc:sldMk cId="676448917" sldId="261"/>
+        </pc:sldMkLst>
+        <pc:spChg chg="add del mod">
+          <ac:chgData name="김소희" userId="292a1162-0793-4577-a94d-2dae0dfa5995" providerId="ADAL" clId="{56FB9BA8-8618-469E-B881-B7E5EAC1530C}" dt="2022-07-16T09:35:38.528" v="2677" actId="478"/>
+          <ac:spMkLst>
+            <pc:docMk/>
+            <pc:sldMk cId="676448917" sldId="261"/>
+            <ac:spMk id="3" creationId="{19DC913F-F72D-2D6E-7D41-F86B5E551E4E}"/>
+          </ac:spMkLst>
+        </pc:spChg>
+        <pc:spChg chg="del">
+          <ac:chgData name="김소희" userId="292a1162-0793-4577-a94d-2dae0dfa5995" providerId="ADAL" clId="{56FB9BA8-8618-469E-B881-B7E5EAC1530C}" dt="2022-07-16T08:57:03.404" v="1730" actId="478"/>
+          <ac:spMkLst>
+            <pc:docMk/>
+            <pc:sldMk cId="676448917" sldId="261"/>
+            <ac:spMk id="5" creationId="{24DA0997-B92A-747D-4206-9DEFB0356AFD}"/>
+          </ac:spMkLst>
+        </pc:spChg>
+        <pc:spChg chg="mod">
+          <ac:chgData name="김소희" userId="292a1162-0793-4577-a94d-2dae0dfa5995" providerId="ADAL" clId="{56FB9BA8-8618-469E-B881-B7E5EAC1530C}" dt="2022-07-16T09:28:05.504" v="2551" actId="12"/>
+          <ac:spMkLst>
+            <pc:docMk/>
+            <pc:sldMk cId="676448917" sldId="261"/>
+            <ac:spMk id="6" creationId="{2188782E-44BF-062E-224B-C021A5C826FC}"/>
+          </ac:spMkLst>
+        </pc:spChg>
+        <pc:spChg chg="del">
+          <ac:chgData name="김소희" userId="292a1162-0793-4577-a94d-2dae0dfa5995" providerId="ADAL" clId="{56FB9BA8-8618-469E-B881-B7E5EAC1530C}" dt="2022-07-16T08:57:03.404" v="1730" actId="478"/>
+          <ac:spMkLst>
+            <pc:docMk/>
+            <pc:sldMk cId="676448917" sldId="261"/>
+            <ac:spMk id="10" creationId="{B0AB050B-B991-465F-2E16-1A469CA5D388}"/>
+          </ac:spMkLst>
+        </pc:spChg>
+        <pc:spChg chg="del">
+          <ac:chgData name="김소희" userId="292a1162-0793-4577-a94d-2dae0dfa5995" providerId="ADAL" clId="{56FB9BA8-8618-469E-B881-B7E5EAC1530C}" dt="2022-07-16T08:57:00.909" v="1729" actId="478"/>
+          <ac:spMkLst>
+            <pc:docMk/>
+            <pc:sldMk cId="676448917" sldId="261"/>
+            <ac:spMk id="11" creationId="{5481EF30-FFA6-F378-2E64-2114E0FFA5EF}"/>
+          </ac:spMkLst>
+        </pc:spChg>
+        <pc:spChg chg="del">
+          <ac:chgData name="김소희" userId="292a1162-0793-4577-a94d-2dae0dfa5995" providerId="ADAL" clId="{56FB9BA8-8618-469E-B881-B7E5EAC1530C}" dt="2022-07-16T08:57:03.404" v="1730" actId="478"/>
+          <ac:spMkLst>
+            <pc:docMk/>
+            <pc:sldMk cId="676448917" sldId="261"/>
+            <ac:spMk id="12" creationId="{65019E8B-8A3F-C319-1082-C904FCE012C2}"/>
+          </ac:spMkLst>
+        </pc:spChg>
+        <pc:spChg chg="del">
+          <ac:chgData name="김소희" userId="292a1162-0793-4577-a94d-2dae0dfa5995" providerId="ADAL" clId="{56FB9BA8-8618-469E-B881-B7E5EAC1530C}" dt="2022-07-16T08:57:03.404" v="1730" actId="478"/>
+          <ac:spMkLst>
+            <pc:docMk/>
+            <pc:sldMk cId="676448917" sldId="261"/>
+            <ac:spMk id="13" creationId="{149E48E9-A829-BECD-FC9E-7DA93463AA6E}"/>
+          </ac:spMkLst>
+        </pc:spChg>
+        <pc:spChg chg="del">
+          <ac:chgData name="김소희" userId="292a1162-0793-4577-a94d-2dae0dfa5995" providerId="ADAL" clId="{56FB9BA8-8618-469E-B881-B7E5EAC1530C}" dt="2022-07-16T08:57:03.404" v="1730" actId="478"/>
+          <ac:spMkLst>
+            <pc:docMk/>
+            <pc:sldMk cId="676448917" sldId="261"/>
+            <ac:spMk id="15" creationId="{B770780B-C5B7-E047-A823-FA8D84EFBCD2}"/>
+          </ac:spMkLst>
+        </pc:spChg>
+        <pc:spChg chg="add del mod">
+          <ac:chgData name="김소희" userId="292a1162-0793-4577-a94d-2dae0dfa5995" providerId="ADAL" clId="{56FB9BA8-8618-469E-B881-B7E5EAC1530C}" dt="2022-07-16T09:35:38.528" v="2677" actId="478"/>
+          <ac:spMkLst>
+            <pc:docMk/>
+            <pc:sldMk cId="676448917" sldId="261"/>
+            <ac:spMk id="19" creationId="{0126A984-6C79-D91E-B5E5-80CEAF4141F8}"/>
+          </ac:spMkLst>
+        </pc:spChg>
+        <pc:spChg chg="add del mod">
+          <ac:chgData name="김소희" userId="292a1162-0793-4577-a94d-2dae0dfa5995" providerId="ADAL" clId="{56FB9BA8-8618-469E-B881-B7E5EAC1530C}" dt="2022-07-16T09:35:37.344" v="2676" actId="478"/>
+          <ac:spMkLst>
+            <pc:docMk/>
+            <pc:sldMk cId="676448917" sldId="261"/>
+            <ac:spMk id="20" creationId="{5B1C124D-E9AC-85F9-B0EF-8582DE581848}"/>
+          </ac:spMkLst>
+        </pc:spChg>
+        <pc:spChg chg="add del mod">
+          <ac:chgData name="김소희" userId="292a1162-0793-4577-a94d-2dae0dfa5995" providerId="ADAL" clId="{56FB9BA8-8618-469E-B881-B7E5EAC1530C}" dt="2022-07-16T09:35:25.720" v="2673" actId="478"/>
+          <ac:spMkLst>
+            <pc:docMk/>
+            <pc:sldMk cId="676448917" sldId="261"/>
+            <ac:spMk id="21" creationId="{7F1F594F-B298-8402-0077-5DF71DD518E4}"/>
+          </ac:spMkLst>
+        </pc:spChg>
+        <pc:spChg chg="add del mod">
+          <ac:chgData name="김소희" userId="292a1162-0793-4577-a94d-2dae0dfa5995" providerId="ADAL" clId="{56FB9BA8-8618-469E-B881-B7E5EAC1530C}" dt="2022-07-16T09:35:27.018" v="2675" actId="478"/>
+          <ac:spMkLst>
+            <pc:docMk/>
+            <pc:sldMk cId="676448917" sldId="261"/>
+            <ac:spMk id="22" creationId="{4D045694-0B2F-CC04-8B49-C19A5A09B1BE}"/>
+          </ac:spMkLst>
+        </pc:spChg>
+        <pc:spChg chg="add mod">
+          <ac:chgData name="김소희" userId="292a1162-0793-4577-a94d-2dae0dfa5995" providerId="ADAL" clId="{56FB9BA8-8618-469E-B881-B7E5EAC1530C}" dt="2022-07-16T09:35:11.793" v="2666" actId="1076"/>
+          <ac:spMkLst>
+            <pc:docMk/>
+            <pc:sldMk cId="676448917" sldId="261"/>
+            <ac:spMk id="28" creationId="{72DE8D63-3C98-84CB-644B-1853D9E89E53}"/>
+          </ac:spMkLst>
+        </pc:spChg>
+        <pc:picChg chg="del">
+          <ac:chgData name="김소희" userId="292a1162-0793-4577-a94d-2dae0dfa5995" providerId="ADAL" clId="{56FB9BA8-8618-469E-B881-B7E5EAC1530C}" dt="2022-07-16T08:57:03.404" v="1730" actId="478"/>
+          <ac:picMkLst>
+            <pc:docMk/>
+            <pc:sldMk cId="676448917" sldId="261"/>
+            <ac:picMk id="4" creationId="{DAA39A6E-FD07-BFB0-77C6-D5834F1AA695}"/>
+          </ac:picMkLst>
+        </pc:picChg>
+        <pc:picChg chg="add del mod">
+          <ac:chgData name="김소희" userId="292a1162-0793-4577-a94d-2dae0dfa5995" providerId="ADAL" clId="{56FB9BA8-8618-469E-B881-B7E5EAC1530C}" dt="2022-07-16T09:35:22.249" v="2669" actId="478"/>
+          <ac:picMkLst>
+            <pc:docMk/>
+            <pc:sldMk cId="676448917" sldId="261"/>
+            <ac:picMk id="14" creationId="{238310A9-59BB-4FB5-ABF7-7735DF51CA1D}"/>
+          </ac:picMkLst>
+        </pc:picChg>
+        <pc:picChg chg="add del mod">
+          <ac:chgData name="김소희" userId="292a1162-0793-4577-a94d-2dae0dfa5995" providerId="ADAL" clId="{56FB9BA8-8618-469E-B881-B7E5EAC1530C}" dt="2022-07-16T09:35:26.286" v="2674" actId="478"/>
+          <ac:picMkLst>
+            <pc:docMk/>
+            <pc:sldMk cId="676448917" sldId="261"/>
+            <ac:picMk id="17" creationId="{8BDC61B1-3BFB-DBE1-7173-C179D1F8F468}"/>
+          </ac:picMkLst>
+        </pc:picChg>
+        <pc:picChg chg="add del mod">
+          <ac:chgData name="김소희" userId="292a1162-0793-4577-a94d-2dae0dfa5995" providerId="ADAL" clId="{56FB9BA8-8618-469E-B881-B7E5EAC1530C}" dt="2022-07-16T09:35:21.153" v="2668" actId="478"/>
+          <ac:picMkLst>
+            <pc:docMk/>
+            <pc:sldMk cId="676448917" sldId="261"/>
+            <ac:picMk id="1026" creationId="{4867FB84-E012-E2A1-D8FF-795E02C0C44C}"/>
+          </ac:picMkLst>
+        </pc:picChg>
+        <pc:picChg chg="add del mod">
+          <ac:chgData name="김소희" userId="292a1162-0793-4577-a94d-2dae0dfa5995" providerId="ADAL" clId="{56FB9BA8-8618-469E-B881-B7E5EAC1530C}" dt="2022-07-16T09:17:41.987" v="2270" actId="478"/>
+          <ac:picMkLst>
+            <pc:docMk/>
+            <pc:sldMk cId="676448917" sldId="261"/>
+            <ac:picMk id="1028" creationId="{A369A91C-59BC-FC3C-FB31-B7AD89016B40}"/>
+          </ac:picMkLst>
+        </pc:picChg>
+        <pc:picChg chg="add del mod">
+          <ac:chgData name="김소희" userId="292a1162-0793-4577-a94d-2dae0dfa5995" providerId="ADAL" clId="{56FB9BA8-8618-469E-B881-B7E5EAC1530C}" dt="2022-07-16T09:35:24.030" v="2672" actId="478"/>
+          <ac:picMkLst>
+            <pc:docMk/>
+            <pc:sldMk cId="676448917" sldId="261"/>
+            <ac:picMk id="1030" creationId="{A9CE1CB0-A2E3-5622-447C-D80AE73F6116}"/>
+          </ac:picMkLst>
+        </pc:picChg>
+        <pc:picChg chg="add del mod">
+          <ac:chgData name="김소희" userId="292a1162-0793-4577-a94d-2dae0dfa5995" providerId="ADAL" clId="{56FB9BA8-8618-469E-B881-B7E5EAC1530C}" dt="2022-07-16T09:35:22.699" v="2670" actId="478"/>
+          <ac:picMkLst>
+            <pc:docMk/>
+            <pc:sldMk cId="676448917" sldId="261"/>
+            <ac:picMk id="1032" creationId="{F23564B4-F5B9-E640-ABE5-9DF3F6436A87}"/>
+          </ac:picMkLst>
+        </pc:picChg>
+        <pc:picChg chg="add del mod">
+          <ac:chgData name="김소희" userId="292a1162-0793-4577-a94d-2dae0dfa5995" providerId="ADAL" clId="{56FB9BA8-8618-469E-B881-B7E5EAC1530C}" dt="2022-07-16T09:35:23.266" v="2671" actId="478"/>
+          <ac:picMkLst>
+            <pc:docMk/>
+            <pc:sldMk cId="676448917" sldId="261"/>
+            <ac:picMk id="1034" creationId="{43143014-9830-3049-AD8C-F0E81AC9F975}"/>
+          </ac:picMkLst>
+        </pc:picChg>
+        <pc:picChg chg="add mod">
+          <ac:chgData name="김소희" userId="292a1162-0793-4577-a94d-2dae0dfa5995" providerId="ADAL" clId="{56FB9BA8-8618-469E-B881-B7E5EAC1530C}" dt="2022-07-16T09:35:58.420" v="2686" actId="1076"/>
+          <ac:picMkLst>
+            <pc:docMk/>
+            <pc:sldMk cId="676448917" sldId="261"/>
+            <ac:picMk id="1036" creationId="{018E3C12-285D-CB90-3779-C415A13420B8}"/>
+          </ac:picMkLst>
+        </pc:picChg>
+        <pc:cxnChg chg="del">
+          <ac:chgData name="김소희" userId="292a1162-0793-4577-a94d-2dae0dfa5995" providerId="ADAL" clId="{56FB9BA8-8618-469E-B881-B7E5EAC1530C}" dt="2022-07-16T08:57:03.404" v="1730" actId="478"/>
+          <ac:cxnSpMkLst>
+            <pc:docMk/>
+            <pc:sldMk cId="676448917" sldId="261"/>
+            <ac:cxnSpMk id="8" creationId="{450BE0E2-44E3-0895-C714-B9C57F5B8E25}"/>
+          </ac:cxnSpMkLst>
+        </pc:cxnChg>
+      </pc:sldChg>
+      <pc:sldChg chg="addSp delSp modSp add mod">
+        <pc:chgData name="김소희" userId="292a1162-0793-4577-a94d-2dae0dfa5995" providerId="ADAL" clId="{56FB9BA8-8618-469E-B881-B7E5EAC1530C}" dt="2022-07-16T09:28:02.346" v="2550" actId="12"/>
+        <pc:sldMkLst>
+          <pc:docMk/>
+          <pc:sldMk cId="2116673439" sldId="262"/>
+        </pc:sldMkLst>
+        <pc:spChg chg="mod">
+          <ac:chgData name="김소희" userId="292a1162-0793-4577-a94d-2dae0dfa5995" providerId="ADAL" clId="{56FB9BA8-8618-469E-B881-B7E5EAC1530C}" dt="2022-07-16T09:28:02.346" v="2550" actId="12"/>
+          <ac:spMkLst>
+            <pc:docMk/>
+            <pc:sldMk cId="2116673439" sldId="262"/>
+            <ac:spMk id="6" creationId="{2188782E-44BF-062E-224B-C021A5C826FC}"/>
+          </ac:spMkLst>
+        </pc:spChg>
+        <pc:spChg chg="del">
+          <ac:chgData name="김소희" userId="292a1162-0793-4577-a94d-2dae0dfa5995" providerId="ADAL" clId="{56FB9BA8-8618-469E-B881-B7E5EAC1530C}" dt="2022-07-16T09:08:34.109" v="1986" actId="478"/>
+          <ac:spMkLst>
+            <pc:docMk/>
+            <pc:sldMk cId="2116673439" sldId="262"/>
+            <ac:spMk id="11" creationId="{5481EF30-FFA6-F378-2E64-2114E0FFA5EF}"/>
+          </ac:spMkLst>
+        </pc:spChg>
+        <pc:spChg chg="mod">
+          <ac:chgData name="김소희" userId="292a1162-0793-4577-a94d-2dae0dfa5995" providerId="ADAL" clId="{56FB9BA8-8618-469E-B881-B7E5EAC1530C}" dt="2022-07-16T09:13:46.103" v="2055" actId="14100"/>
+          <ac:spMkLst>
+            <pc:docMk/>
+            <pc:sldMk cId="2116673439" sldId="262"/>
+            <ac:spMk id="12" creationId="{65019E8B-8A3F-C319-1082-C904FCE012C2}"/>
+          </ac:spMkLst>
+        </pc:spChg>
+        <pc:spChg chg="del">
+          <ac:chgData name="김소희" userId="292a1162-0793-4577-a94d-2dae0dfa5995" providerId="ADAL" clId="{56FB9BA8-8618-469E-B881-B7E5EAC1530C}" dt="2022-07-16T09:11:46.340" v="2015" actId="478"/>
+          <ac:spMkLst>
+            <pc:docMk/>
+            <pc:sldMk cId="2116673439" sldId="262"/>
+            <ac:spMk id="14" creationId="{3A2F6365-F069-3566-8C7B-8A2F6BEA5AFB}"/>
+          </ac:spMkLst>
+        </pc:spChg>
+        <pc:spChg chg="add mod">
+          <ac:chgData name="김소희" userId="292a1162-0793-4577-a94d-2dae0dfa5995" providerId="ADAL" clId="{56FB9BA8-8618-469E-B881-B7E5EAC1530C}" dt="2022-07-16T09:25:36.884" v="2451" actId="1076"/>
+          <ac:spMkLst>
+            <pc:docMk/>
+            <pc:sldMk cId="2116673439" sldId="262"/>
+            <ac:spMk id="18" creationId="{DF2D7F8E-05ED-31C6-AA6B-FFEF7827CCE1}"/>
+          </ac:spMkLst>
+        </pc:spChg>
+        <pc:spChg chg="del">
+          <ac:chgData name="김소희" userId="292a1162-0793-4577-a94d-2dae0dfa5995" providerId="ADAL" clId="{56FB9BA8-8618-469E-B881-B7E5EAC1530C}" dt="2022-07-16T09:11:46.340" v="2015" actId="478"/>
+          <ac:spMkLst>
+            <pc:docMk/>
+            <pc:sldMk cId="2116673439" sldId="262"/>
+            <ac:spMk id="19" creationId="{E94A76AD-6E09-A439-0AEF-86EDCE9E60F2}"/>
+          </ac:spMkLst>
+        </pc:spChg>
+        <pc:spChg chg="add del mod">
+          <ac:chgData name="김소희" userId="292a1162-0793-4577-a94d-2dae0dfa5995" providerId="ADAL" clId="{56FB9BA8-8618-469E-B881-B7E5EAC1530C}" dt="2022-07-16T09:19:38.732" v="2307"/>
+          <ac:spMkLst>
+            <pc:docMk/>
+            <pc:sldMk cId="2116673439" sldId="262"/>
+            <ac:spMk id="20" creationId="{7239491C-0CF4-A402-7970-5DA9A2EDD32C}"/>
+          </ac:spMkLst>
+        </pc:spChg>
+        <pc:picChg chg="del">
+          <ac:chgData name="김소희" userId="292a1162-0793-4577-a94d-2dae0dfa5995" providerId="ADAL" clId="{56FB9BA8-8618-469E-B881-B7E5EAC1530C}" dt="2022-07-16T09:08:39.602" v="1991" actId="478"/>
+          <ac:picMkLst>
+            <pc:docMk/>
+            <pc:sldMk cId="2116673439" sldId="262"/>
+            <ac:picMk id="7" creationId="{0935BA8F-CDDC-8772-DE95-5623BAFA5E44}"/>
+          </ac:picMkLst>
+        </pc:picChg>
+        <pc:picChg chg="add mod">
+          <ac:chgData name="김소희" userId="292a1162-0793-4577-a94d-2dae0dfa5995" providerId="ADAL" clId="{56FB9BA8-8618-469E-B881-B7E5EAC1530C}" dt="2022-07-16T09:16:14.963" v="2248" actId="1076"/>
+          <ac:picMkLst>
+            <pc:docMk/>
+            <pc:sldMk cId="2116673439" sldId="262"/>
+            <ac:picMk id="16" creationId="{E72890E1-170E-FF92-E495-B3118D165A57}"/>
+          </ac:picMkLst>
+        </pc:picChg>
+      </pc:sldChg>
+      <pc:sldChg chg="addSp delSp modSp add mod modNotesTx">
+        <pc:chgData name="김소희" userId="292a1162-0793-4577-a94d-2dae0dfa5995" providerId="ADAL" clId="{56FB9BA8-8618-469E-B881-B7E5EAC1530C}" dt="2022-07-17T11:27:18.802" v="6671" actId="1582"/>
+        <pc:sldMkLst>
+          <pc:docMk/>
+          <pc:sldMk cId="3731227598" sldId="263"/>
+        </pc:sldMkLst>
+        <pc:spChg chg="mod">
+          <ac:chgData name="김소희" userId="292a1162-0793-4577-a94d-2dae0dfa5995" providerId="ADAL" clId="{56FB9BA8-8618-469E-B881-B7E5EAC1530C}" dt="2022-07-16T09:26:37.316" v="2530" actId="27636"/>
+          <ac:spMkLst>
+            <pc:docMk/>
+            <pc:sldMk cId="3731227598" sldId="263"/>
+            <ac:spMk id="2" creationId="{5C386871-B092-6B43-A8DA-B84A6CCCC7F5}"/>
+          </ac:spMkLst>
+        </pc:spChg>
+        <pc:spChg chg="del">
+          <ac:chgData name="김소희" userId="292a1162-0793-4577-a94d-2dae0dfa5995" providerId="ADAL" clId="{56FB9BA8-8618-469E-B881-B7E5EAC1530C}" dt="2022-07-16T09:38:36.311" v="2696" actId="478"/>
+          <ac:spMkLst>
+            <pc:docMk/>
+            <pc:sldMk cId="3731227598" sldId="263"/>
+            <ac:spMk id="6" creationId="{2188782E-44BF-062E-224B-C021A5C826FC}"/>
+          </ac:spMkLst>
+        </pc:spChg>
+        <pc:spChg chg="add mod">
+          <ac:chgData name="김소희" userId="292a1162-0793-4577-a94d-2dae0dfa5995" providerId="ADAL" clId="{56FB9BA8-8618-469E-B881-B7E5EAC1530C}" dt="2022-07-16T13:35:10.560" v="4630" actId="1076"/>
+          <ac:spMkLst>
+            <pc:docMk/>
+            <pc:sldMk cId="3731227598" sldId="263"/>
+            <ac:spMk id="6" creationId="{8FD53B7C-C39B-8C27-57C8-6AB36FC73CA2}"/>
+          </ac:spMkLst>
+        </pc:spChg>
+        <pc:spChg chg="add mod">
+          <ac:chgData name="김소희" userId="292a1162-0793-4577-a94d-2dae0dfa5995" providerId="ADAL" clId="{56FB9BA8-8618-469E-B881-B7E5EAC1530C}" dt="2022-07-16T13:06:14.608" v="3200" actId="20577"/>
+          <ac:spMkLst>
+            <pc:docMk/>
+            <pc:sldMk cId="3731227598" sldId="263"/>
+            <ac:spMk id="8" creationId="{C2ADB51E-13DF-E87D-D675-47D2583F93E4}"/>
+          </ac:spMkLst>
+        </pc:spChg>
+        <pc:spChg chg="add mod">
+          <ac:chgData name="김소희" userId="292a1162-0793-4577-a94d-2dae0dfa5995" providerId="ADAL" clId="{56FB9BA8-8618-469E-B881-B7E5EAC1530C}" dt="2022-07-16T13:14:55.211" v="3547" actId="113"/>
+          <ac:spMkLst>
+            <pc:docMk/>
+            <pc:sldMk cId="3731227598" sldId="263"/>
+            <ac:spMk id="10" creationId="{502FB13B-3AA8-3E8A-03B7-F348C0F672EC}"/>
+          </ac:spMkLst>
+        </pc:spChg>
+        <pc:spChg chg="del">
+          <ac:chgData name="김소희" userId="292a1162-0793-4577-a94d-2dae0dfa5995" providerId="ADAL" clId="{56FB9BA8-8618-469E-B881-B7E5EAC1530C}" dt="2022-07-16T09:38:37.863" v="2697" actId="478"/>
+          <ac:spMkLst>
+            <pc:docMk/>
+            <pc:sldMk cId="3731227598" sldId="263"/>
+            <ac:spMk id="11" creationId="{5481EF30-FFA6-F378-2E64-2114E0FFA5EF}"/>
+          </ac:spMkLst>
+        </pc:spChg>
+        <pc:spChg chg="add mod">
+          <ac:chgData name="김소희" userId="292a1162-0793-4577-a94d-2dae0dfa5995" providerId="ADAL" clId="{56FB9BA8-8618-469E-B881-B7E5EAC1530C}" dt="2022-07-16T13:17:01.577" v="3651" actId="1076"/>
+          <ac:spMkLst>
+            <pc:docMk/>
+            <pc:sldMk cId="3731227598" sldId="263"/>
+            <ac:spMk id="11" creationId="{B277AC84-FC34-1777-DC61-197CCDABE26A}"/>
+          </ac:spMkLst>
+        </pc:spChg>
+        <pc:spChg chg="add mod">
+          <ac:chgData name="김소희" userId="292a1162-0793-4577-a94d-2dae0dfa5995" providerId="ADAL" clId="{56FB9BA8-8618-469E-B881-B7E5EAC1530C}" dt="2022-07-17T11:27:18.802" v="6671" actId="1582"/>
+          <ac:spMkLst>
+            <pc:docMk/>
+            <pc:sldMk cId="3731227598" sldId="263"/>
+            <ac:spMk id="13" creationId="{71B3AF7D-2BF9-823C-2F9A-93FAE77B5F22}"/>
+          </ac:spMkLst>
+        </pc:spChg>
+        <pc:spChg chg="add mod">
+          <ac:chgData name="김소희" userId="292a1162-0793-4577-a94d-2dae0dfa5995" providerId="ADAL" clId="{56FB9BA8-8618-469E-B881-B7E5EAC1530C}" dt="2022-07-16T13:20:25.515" v="3942" actId="164"/>
+          <ac:spMkLst>
+            <pc:docMk/>
+            <pc:sldMk cId="3731227598" sldId="263"/>
+            <ac:spMk id="14" creationId="{7E8FC6C2-1BCF-B59A-DEF3-1206179EFC04}"/>
+          </ac:spMkLst>
+        </pc:spChg>
+        <pc:spChg chg="add mod">
+          <ac:chgData name="김소희" userId="292a1162-0793-4577-a94d-2dae0dfa5995" providerId="ADAL" clId="{56FB9BA8-8618-469E-B881-B7E5EAC1530C}" dt="2022-07-16T13:20:25.515" v="3942" actId="164"/>
+          <ac:spMkLst>
+            <pc:docMk/>
+            <pc:sldMk cId="3731227598" sldId="263"/>
+            <ac:spMk id="15" creationId="{65EB580F-7D91-8FFB-F2C8-C043B28930A3}"/>
+          </ac:spMkLst>
+        </pc:spChg>
+        <pc:spChg chg="add mod">
+          <ac:chgData name="김소희" userId="292a1162-0793-4577-a94d-2dae0dfa5995" providerId="ADAL" clId="{56FB9BA8-8618-469E-B881-B7E5EAC1530C}" dt="2022-07-16T13:20:25.515" v="3942" actId="164"/>
+          <ac:spMkLst>
+            <pc:docMk/>
+            <pc:sldMk cId="3731227598" sldId="263"/>
+            <ac:spMk id="16" creationId="{97A58A2A-7533-6695-3BEE-BCADEA7FCB99}"/>
+          </ac:spMkLst>
+        </pc:spChg>
+        <pc:spChg chg="add mod">
+          <ac:chgData name="김소희" userId="292a1162-0793-4577-a94d-2dae0dfa5995" providerId="ADAL" clId="{56FB9BA8-8618-469E-B881-B7E5EAC1530C}" dt="2022-07-16T13:20:25.515" v="3942" actId="164"/>
+          <ac:spMkLst>
+            <pc:docMk/>
+            <pc:sldMk cId="3731227598" sldId="263"/>
+            <ac:spMk id="17" creationId="{81CCC4B4-F3D5-F040-1297-15F146F352D6}"/>
+          </ac:spMkLst>
+        </pc:spChg>
+        <pc:spChg chg="add mod">
+          <ac:chgData name="김소희" userId="292a1162-0793-4577-a94d-2dae0dfa5995" providerId="ADAL" clId="{56FB9BA8-8618-469E-B881-B7E5EAC1530C}" dt="2022-07-16T13:31:06.603" v="4543" actId="113"/>
+          <ac:spMkLst>
+            <pc:docMk/>
+            <pc:sldMk cId="3731227598" sldId="263"/>
+            <ac:spMk id="18" creationId="{3AD65BFA-9912-8CE2-E433-8F90FBE1168D}"/>
+          </ac:spMkLst>
+        </pc:spChg>
+        <pc:grpChg chg="add mod">
+          <ac:chgData name="김소희" userId="292a1162-0793-4577-a94d-2dae0dfa5995" providerId="ADAL" clId="{56FB9BA8-8618-469E-B881-B7E5EAC1530C}" dt="2022-07-16T13:20:29.334" v="3943" actId="1076"/>
+          <ac:grpSpMkLst>
+            <pc:docMk/>
+            <pc:sldMk cId="3731227598" sldId="263"/>
+            <ac:grpSpMk id="5" creationId="{4E42D042-521C-7A1B-554C-B9AEED338A20}"/>
+          </ac:grpSpMkLst>
+        </pc:grpChg>
+        <pc:picChg chg="add mod">
+          <ac:chgData name="김소희" userId="292a1162-0793-4577-a94d-2dae0dfa5995" providerId="ADAL" clId="{56FB9BA8-8618-469E-B881-B7E5EAC1530C}" dt="2022-07-16T13:12:10.739" v="3372" actId="1076"/>
+          <ac:picMkLst>
+            <pc:docMk/>
+            <pc:sldMk cId="3731227598" sldId="263"/>
+            <ac:picMk id="4" creationId="{8B443E2B-F896-A515-70CF-31881F4CC7D4}"/>
+          </ac:picMkLst>
+        </pc:picChg>
+        <pc:picChg chg="add mod modCrop">
+          <ac:chgData name="김소희" userId="292a1162-0793-4577-a94d-2dae0dfa5995" providerId="ADAL" clId="{56FB9BA8-8618-469E-B881-B7E5EAC1530C}" dt="2022-07-16T13:20:25.515" v="3942" actId="164"/>
+          <ac:picMkLst>
+            <pc:docMk/>
+            <pc:sldMk cId="3731227598" sldId="263"/>
+            <ac:picMk id="7" creationId="{B082A5DF-13F5-34D7-2418-A18C8F2C5957}"/>
+          </ac:picMkLst>
+        </pc:picChg>
+        <pc:cxnChg chg="add del mod">
+          <ac:chgData name="김소희" userId="292a1162-0793-4577-a94d-2dae0dfa5995" providerId="ADAL" clId="{56FB9BA8-8618-469E-B881-B7E5EAC1530C}" dt="2022-07-16T13:09:16.746" v="3320" actId="478"/>
+          <ac:cxnSpMkLst>
+            <pc:docMk/>
+            <pc:sldMk cId="3731227598" sldId="263"/>
+            <ac:cxnSpMk id="12" creationId="{C7DFA5D1-CD91-6226-F8FA-53A0D26C8F64}"/>
+          </ac:cxnSpMkLst>
+        </pc:cxnChg>
+      </pc:sldChg>
+      <pc:sldChg chg="addSp modSp add mod">
+        <pc:chgData name="김소희" userId="292a1162-0793-4577-a94d-2dae0dfa5995" providerId="ADAL" clId="{56FB9BA8-8618-469E-B881-B7E5EAC1530C}" dt="2022-07-16T09:37:25.623" v="2695" actId="1076"/>
+        <pc:sldMkLst>
+          <pc:docMk/>
+          <pc:sldMk cId="893567842" sldId="264"/>
+        </pc:sldMkLst>
+        <pc:spChg chg="mod">
+          <ac:chgData name="김소희" userId="292a1162-0793-4577-a94d-2dae0dfa5995" providerId="ADAL" clId="{56FB9BA8-8618-469E-B881-B7E5EAC1530C}" dt="2022-07-16T09:37:25.623" v="2695" actId="1076"/>
+          <ac:spMkLst>
+            <pc:docMk/>
+            <pc:sldMk cId="893567842" sldId="264"/>
+            <ac:spMk id="3" creationId="{19DC913F-F72D-2D6E-7D41-F86B5E551E4E}"/>
+          </ac:spMkLst>
+        </pc:spChg>
+        <pc:spChg chg="mod">
+          <ac:chgData name="김소희" userId="292a1162-0793-4577-a94d-2dae0dfa5995" providerId="ADAL" clId="{56FB9BA8-8618-469E-B881-B7E5EAC1530C}" dt="2022-07-16T09:36:54.340" v="2691" actId="1076"/>
+          <ac:spMkLst>
+            <pc:docMk/>
+            <pc:sldMk cId="893567842" sldId="264"/>
+            <ac:spMk id="21" creationId="{7F1F594F-B298-8402-0077-5DF71DD518E4}"/>
+          </ac:spMkLst>
+        </pc:spChg>
+        <pc:picChg chg="add mod">
+          <ac:chgData name="김소희" userId="292a1162-0793-4577-a94d-2dae0dfa5995" providerId="ADAL" clId="{56FB9BA8-8618-469E-B881-B7E5EAC1530C}" dt="2022-07-16T09:36:56.516" v="2692" actId="1076"/>
+          <ac:picMkLst>
+            <pc:docMk/>
+            <pc:sldMk cId="893567842" sldId="264"/>
+            <ac:picMk id="5" creationId="{AF982632-4D05-6D30-13B3-0FD37CE1CE56}"/>
+          </ac:picMkLst>
+        </pc:picChg>
+        <pc:picChg chg="mod">
+          <ac:chgData name="김소희" userId="292a1162-0793-4577-a94d-2dae0dfa5995" providerId="ADAL" clId="{56FB9BA8-8618-469E-B881-B7E5EAC1530C}" dt="2022-07-16T09:37:01.632" v="2694" actId="1076"/>
+          <ac:picMkLst>
+            <pc:docMk/>
+            <pc:sldMk cId="893567842" sldId="264"/>
+            <ac:picMk id="14" creationId="{238310A9-59BB-4FB5-ABF7-7735DF51CA1D}"/>
+          </ac:picMkLst>
+        </pc:picChg>
+        <pc:picChg chg="mod">
+          <ac:chgData name="김소희" userId="292a1162-0793-4577-a94d-2dae0dfa5995" providerId="ADAL" clId="{56FB9BA8-8618-469E-B881-B7E5EAC1530C}" dt="2022-07-16T09:36:54.340" v="2691" actId="1076"/>
+          <ac:picMkLst>
+            <pc:docMk/>
+            <pc:sldMk cId="893567842" sldId="264"/>
+            <ac:picMk id="1030" creationId="{A9CE1CB0-A2E3-5622-447C-D80AE73F6116}"/>
+          </ac:picMkLst>
+        </pc:picChg>
+        <pc:picChg chg="mod">
+          <ac:chgData name="김소희" userId="292a1162-0793-4577-a94d-2dae0dfa5995" providerId="ADAL" clId="{56FB9BA8-8618-469E-B881-B7E5EAC1530C}" dt="2022-07-16T09:36:54.340" v="2691" actId="1076"/>
+          <ac:picMkLst>
+            <pc:docMk/>
+            <pc:sldMk cId="893567842" sldId="264"/>
+            <ac:picMk id="1032" creationId="{F23564B4-F5B9-E640-ABE5-9DF3F6436A87}"/>
+          </ac:picMkLst>
+        </pc:picChg>
+      </pc:sldChg>
+      <pc:sldChg chg="addSp delSp modSp add mod modNotesTx">
+        <pc:chgData name="김소희" userId="292a1162-0793-4577-a94d-2dae0dfa5995" providerId="ADAL" clId="{56FB9BA8-8618-469E-B881-B7E5EAC1530C}" dt="2022-07-17T11:27:46.071" v="6674" actId="12"/>
+        <pc:sldMkLst>
+          <pc:docMk/>
+          <pc:sldMk cId="548109497" sldId="265"/>
+        </pc:sldMkLst>
+        <pc:spChg chg="add mod">
+          <ac:chgData name="김소희" userId="292a1162-0793-4577-a94d-2dae0dfa5995" providerId="ADAL" clId="{56FB9BA8-8618-469E-B881-B7E5EAC1530C}" dt="2022-07-16T14:09:52.512" v="5214" actId="1037"/>
+          <ac:spMkLst>
+            <pc:docMk/>
+            <pc:sldMk cId="548109497" sldId="265"/>
+            <ac:spMk id="7" creationId="{BD155077-449E-015A-7157-F637366E0F77}"/>
+          </ac:spMkLst>
+        </pc:spChg>
+        <pc:spChg chg="add mod">
+          <ac:chgData name="김소희" userId="292a1162-0793-4577-a94d-2dae0dfa5995" providerId="ADAL" clId="{56FB9BA8-8618-469E-B881-B7E5EAC1530C}" dt="2022-07-16T14:09:50.772" v="5211" actId="1037"/>
+          <ac:spMkLst>
+            <pc:docMk/>
+            <pc:sldMk cId="548109497" sldId="265"/>
+            <ac:spMk id="10" creationId="{E9238ED0-205C-8045-4495-8268FFF283F3}"/>
+          </ac:spMkLst>
+        </pc:spChg>
+        <pc:spChg chg="add del mod">
+          <ac:chgData name="김소희" userId="292a1162-0793-4577-a94d-2dae0dfa5995" providerId="ADAL" clId="{56FB9BA8-8618-469E-B881-B7E5EAC1530C}" dt="2022-07-16T13:23:38.967" v="4122" actId="22"/>
+          <ac:spMkLst>
+            <pc:docMk/>
+            <pc:sldMk cId="548109497" sldId="265"/>
+            <ac:spMk id="12" creationId="{C6584654-9C77-E86E-B152-9B5812B8F9D7}"/>
+          </ac:spMkLst>
+        </pc:spChg>
+        <pc:spChg chg="add del mod">
+          <ac:chgData name="김소희" userId="292a1162-0793-4577-a94d-2dae0dfa5995" providerId="ADAL" clId="{56FB9BA8-8618-469E-B881-B7E5EAC1530C}" dt="2022-07-16T13:24:04.697" v="4161" actId="478"/>
+          <ac:spMkLst>
+            <pc:docMk/>
+            <pc:sldMk cId="548109497" sldId="265"/>
+            <ac:spMk id="13" creationId="{346C11A7-6FA6-4868-873F-1D7E5129BCBD}"/>
+          </ac:spMkLst>
+        </pc:spChg>
+        <pc:spChg chg="add mod">
+          <ac:chgData name="김소희" userId="292a1162-0793-4577-a94d-2dae0dfa5995" providerId="ADAL" clId="{56FB9BA8-8618-469E-B881-B7E5EAC1530C}" dt="2022-07-16T14:09:31.744" v="5208" actId="1035"/>
+          <ac:spMkLst>
+            <pc:docMk/>
+            <pc:sldMk cId="548109497" sldId="265"/>
+            <ac:spMk id="14" creationId="{0B62BDE0-0534-AD1E-D249-336BE088D136}"/>
+          </ac:spMkLst>
+        </pc:spChg>
+        <pc:spChg chg="add mod">
+          <ac:chgData name="김소희" userId="292a1162-0793-4577-a94d-2dae0dfa5995" providerId="ADAL" clId="{56FB9BA8-8618-469E-B881-B7E5EAC1530C}" dt="2022-07-17T11:27:46.071" v="6674" actId="12"/>
+          <ac:spMkLst>
+            <pc:docMk/>
+            <pc:sldMk cId="548109497" sldId="265"/>
+            <ac:spMk id="15" creationId="{E4733A03-AAC5-D312-188B-E7434350D488}"/>
+          </ac:spMkLst>
+        </pc:spChg>
+        <pc:picChg chg="del">
+          <ac:chgData name="김소희" userId="292a1162-0793-4577-a94d-2dae0dfa5995" providerId="ADAL" clId="{56FB9BA8-8618-469E-B881-B7E5EAC1530C}" dt="2022-07-16T09:42:41.021" v="2707" actId="478"/>
+          <ac:picMkLst>
+            <pc:docMk/>
+            <pc:sldMk cId="548109497" sldId="265"/>
+            <ac:picMk id="4" creationId="{8B443E2B-F896-A515-70CF-31881F4CC7D4}"/>
+          </ac:picMkLst>
+        </pc:picChg>
+        <pc:picChg chg="add mod">
+          <ac:chgData name="김소희" userId="292a1162-0793-4577-a94d-2dae0dfa5995" providerId="ADAL" clId="{56FB9BA8-8618-469E-B881-B7E5EAC1530C}" dt="2022-07-16T14:09:50.772" v="5211" actId="1037"/>
+          <ac:picMkLst>
+            <pc:docMk/>
+            <pc:sldMk cId="548109497" sldId="265"/>
+            <ac:picMk id="5" creationId="{2B1D5BB1-3B52-7157-1523-03F72D9D4E0B}"/>
+          </ac:picMkLst>
+        </pc:picChg>
+        <pc:picChg chg="del">
+          <ac:chgData name="김소희" userId="292a1162-0793-4577-a94d-2dae0dfa5995" providerId="ADAL" clId="{56FB9BA8-8618-469E-B881-B7E5EAC1530C}" dt="2022-07-16T09:42:40.611" v="2706" actId="478"/>
+          <ac:picMkLst>
+            <pc:docMk/>
+            <pc:sldMk cId="548109497" sldId="265"/>
+            <ac:picMk id="7" creationId="{B082A5DF-13F5-34D7-2418-A18C8F2C5957}"/>
+          </ac:picMkLst>
+        </pc:picChg>
+        <pc:picChg chg="add del mod">
+          <ac:chgData name="김소희" userId="292a1162-0793-4577-a94d-2dae0dfa5995" providerId="ADAL" clId="{56FB9BA8-8618-469E-B881-B7E5EAC1530C}" dt="2022-07-16T13:24:05.535" v="4162" actId="478"/>
+          <ac:picMkLst>
+            <pc:docMk/>
+            <pc:sldMk cId="548109497" sldId="265"/>
+            <ac:picMk id="8" creationId="{EA934249-FCAF-95AB-CED5-79C520AB08BA}"/>
+          </ac:picMkLst>
+        </pc:picChg>
+        <pc:picChg chg="add mod">
+          <ac:chgData name="김소희" userId="292a1162-0793-4577-a94d-2dae0dfa5995" providerId="ADAL" clId="{56FB9BA8-8618-469E-B881-B7E5EAC1530C}" dt="2022-07-16T14:09:31.744" v="5208" actId="1035"/>
+          <ac:picMkLst>
+            <pc:docMk/>
+            <pc:sldMk cId="548109497" sldId="265"/>
+            <ac:picMk id="11" creationId="{857B6171-CD2E-B19F-500D-79822B30AC41}"/>
+          </ac:picMkLst>
+        </pc:picChg>
+      </pc:sldChg>
+      <pc:sldChg chg="addSp delSp modSp add mod ord">
+        <pc:chgData name="김소희" userId="292a1162-0793-4577-a94d-2dae0dfa5995" providerId="ADAL" clId="{56FB9BA8-8618-469E-B881-B7E5EAC1530C}" dt="2022-07-17T09:55:29.688" v="6662" actId="1035"/>
+        <pc:sldMkLst>
+          <pc:docMk/>
+          <pc:sldMk cId="4281153154" sldId="266"/>
+        </pc:sldMkLst>
+        <pc:spChg chg="mod">
+          <ac:chgData name="김소희" userId="292a1162-0793-4577-a94d-2dae0dfa5995" providerId="ADAL" clId="{56FB9BA8-8618-469E-B881-B7E5EAC1530C}" dt="2022-07-16T09:50:35.024" v="2776"/>
+          <ac:spMkLst>
+            <pc:docMk/>
+            <pc:sldMk cId="4281153154" sldId="266"/>
+            <ac:spMk id="2" creationId="{5C386871-B092-6B43-A8DA-B84A6CCCC7F5}"/>
+          </ac:spMkLst>
+        </pc:spChg>
+        <pc:spChg chg="add mod">
+          <ac:chgData name="김소희" userId="292a1162-0793-4577-a94d-2dae0dfa5995" providerId="ADAL" clId="{56FB9BA8-8618-469E-B881-B7E5EAC1530C}" dt="2022-07-16T16:23:23.599" v="5844" actId="1035"/>
+          <ac:spMkLst>
+            <pc:docMk/>
+            <pc:sldMk cId="4281153154" sldId="266"/>
+            <ac:spMk id="8" creationId="{3BFAAFC2-C393-1318-55F1-1652740E1E26}"/>
+          </ac:spMkLst>
+        </pc:spChg>
+        <pc:spChg chg="add mod">
+          <ac:chgData name="김소희" userId="292a1162-0793-4577-a94d-2dae0dfa5995" providerId="ADAL" clId="{56FB9BA8-8618-469E-B881-B7E5EAC1530C}" dt="2022-07-16T16:23:23.599" v="5844" actId="1035"/>
+          <ac:spMkLst>
+            <pc:docMk/>
+            <pc:sldMk cId="4281153154" sldId="266"/>
+            <ac:spMk id="10" creationId="{A44840FD-B047-3415-E615-E7D9E5EF6035}"/>
+          </ac:spMkLst>
+        </pc:spChg>
+        <pc:spChg chg="add mod">
+          <ac:chgData name="김소희" userId="292a1162-0793-4577-a94d-2dae0dfa5995" providerId="ADAL" clId="{56FB9BA8-8618-469E-B881-B7E5EAC1530C}" dt="2022-07-16T16:23:39.407" v="5845" actId="1076"/>
+          <ac:spMkLst>
+            <pc:docMk/>
+            <pc:sldMk cId="4281153154" sldId="266"/>
+            <ac:spMk id="11" creationId="{E4C6515E-6A1B-DBC3-BE77-9018F93233BD}"/>
+          </ac:spMkLst>
+        </pc:spChg>
+        <pc:spChg chg="add del mod">
+          <ac:chgData name="김소희" userId="292a1162-0793-4577-a94d-2dae0dfa5995" providerId="ADAL" clId="{56FB9BA8-8618-469E-B881-B7E5EAC1530C}" dt="2022-07-16T16:34:59.918" v="5870" actId="478"/>
+          <ac:spMkLst>
+            <pc:docMk/>
+            <pc:sldMk cId="4281153154" sldId="266"/>
+            <ac:spMk id="13" creationId="{9AB1625D-C819-619E-FE31-34C0E6373698}"/>
+          </ac:spMkLst>
+        </pc:spChg>
+        <pc:spChg chg="add mod">
+          <ac:chgData name="김소희" userId="292a1162-0793-4577-a94d-2dae0dfa5995" providerId="ADAL" clId="{56FB9BA8-8618-469E-B881-B7E5EAC1530C}" dt="2022-07-16T16:23:13.587" v="5830" actId="1035"/>
+          <ac:spMkLst>
+            <pc:docMk/>
+            <pc:sldMk cId="4281153154" sldId="266"/>
+            <ac:spMk id="14" creationId="{E89E35C5-CDC5-E213-E030-34717EFA3209}"/>
+          </ac:spMkLst>
+        </pc:spChg>
+        <pc:spChg chg="add mod">
+          <ac:chgData name="김소희" userId="292a1162-0793-4577-a94d-2dae0dfa5995" providerId="ADAL" clId="{56FB9BA8-8618-469E-B881-B7E5EAC1530C}" dt="2022-07-16T16:23:13.587" v="5830" actId="1035"/>
+          <ac:spMkLst>
+            <pc:docMk/>
+            <pc:sldMk cId="4281153154" sldId="266"/>
+            <ac:spMk id="15" creationId="{8D930912-89D0-1463-E935-699E3D0E262D}"/>
+          </ac:spMkLst>
+        </pc:spChg>
+        <pc:spChg chg="add mod">
+          <ac:chgData name="김소희" userId="292a1162-0793-4577-a94d-2dae0dfa5995" providerId="ADAL" clId="{56FB9BA8-8618-469E-B881-B7E5EAC1530C}" dt="2022-07-17T09:55:29.688" v="6662" actId="1035"/>
+          <ac:spMkLst>
+            <pc:docMk/>
+            <pc:sldMk cId="4281153154" sldId="266"/>
+            <ac:spMk id="17" creationId="{E99EF0D5-E6E0-BE23-A763-BD4C3DDE6434}"/>
+          </ac:spMkLst>
+        </pc:spChg>
+        <pc:spChg chg="add mod">
+          <ac:chgData name="김소희" userId="292a1162-0793-4577-a94d-2dae0dfa5995" providerId="ADAL" clId="{56FB9BA8-8618-469E-B881-B7E5EAC1530C}" dt="2022-07-16T16:47:40.786" v="6395" actId="1076"/>
+          <ac:spMkLst>
+            <pc:docMk/>
+            <pc:sldMk cId="4281153154" sldId="266"/>
+            <ac:spMk id="18" creationId="{7A35343B-4E3F-F8A2-908F-D28E89C1C95C}"/>
+          </ac:spMkLst>
+        </pc:spChg>
+        <pc:picChg chg="add del mod">
+          <ac:chgData name="김소희" userId="292a1162-0793-4577-a94d-2dae0dfa5995" providerId="ADAL" clId="{56FB9BA8-8618-469E-B881-B7E5EAC1530C}" dt="2022-07-16T09:44:19.336" v="2729" actId="478"/>
+          <ac:picMkLst>
+            <pc:docMk/>
+            <pc:sldMk cId="4281153154" sldId="266"/>
+            <ac:picMk id="4" creationId="{64024CAB-69DB-9876-2E51-69DF7CDD967A}"/>
+          </ac:picMkLst>
+        </pc:picChg>
+        <pc:picChg chg="del">
+          <ac:chgData name="김소희" userId="292a1162-0793-4577-a94d-2dae0dfa5995" providerId="ADAL" clId="{56FB9BA8-8618-469E-B881-B7E5EAC1530C}" dt="2022-07-16T09:43:23.733" v="2718" actId="478"/>
+          <ac:picMkLst>
+            <pc:docMk/>
+            <pc:sldMk cId="4281153154" sldId="266"/>
+            <ac:picMk id="5" creationId="{2B1D5BB1-3B52-7157-1523-03F72D9D4E0B}"/>
+          </ac:picMkLst>
+        </pc:picChg>
+        <pc:picChg chg="add mod">
+          <ac:chgData name="김소희" userId="292a1162-0793-4577-a94d-2dae0dfa5995" providerId="ADAL" clId="{56FB9BA8-8618-469E-B881-B7E5EAC1530C}" dt="2022-07-16T16:25:46.304" v="5861" actId="1076"/>
+          <ac:picMkLst>
+            <pc:docMk/>
+            <pc:sldMk cId="4281153154" sldId="266"/>
+            <ac:picMk id="7" creationId="{66570E45-0B89-3E19-4B27-7F32E857FC02}"/>
+          </ac:picMkLst>
+        </pc:picChg>
+        <pc:picChg chg="del">
+          <ac:chgData name="김소희" userId="292a1162-0793-4577-a94d-2dae0dfa5995" providerId="ADAL" clId="{56FB9BA8-8618-469E-B881-B7E5EAC1530C}" dt="2022-07-16T09:43:23.733" v="2718" actId="478"/>
+          <ac:picMkLst>
+            <pc:docMk/>
+            <pc:sldMk cId="4281153154" sldId="266"/>
+            <ac:picMk id="8" creationId="{EA934249-FCAF-95AB-CED5-79C520AB08BA}"/>
+          </ac:picMkLst>
+        </pc:picChg>
+        <pc:picChg chg="del">
+          <ac:chgData name="김소희" userId="292a1162-0793-4577-a94d-2dae0dfa5995" providerId="ADAL" clId="{56FB9BA8-8618-469E-B881-B7E5EAC1530C}" dt="2022-07-16T09:43:23.733" v="2718" actId="478"/>
+          <ac:picMkLst>
+            <pc:docMk/>
+            <pc:sldMk cId="4281153154" sldId="266"/>
+            <ac:picMk id="11" creationId="{857B6171-CD2E-B19F-500D-79822B30AC41}"/>
+          </ac:picMkLst>
+        </pc:picChg>
+        <pc:picChg chg="add mod">
+          <ac:chgData name="김소희" userId="292a1162-0793-4577-a94d-2dae0dfa5995" providerId="ADAL" clId="{56FB9BA8-8618-469E-B881-B7E5EAC1530C}" dt="2022-07-16T16:47:35.718" v="6394" actId="1035"/>
+          <ac:picMkLst>
+            <pc:docMk/>
+            <pc:sldMk cId="4281153154" sldId="266"/>
+            <ac:picMk id="12" creationId="{F722584A-E6D6-C0F2-949D-4F622A3ECFB5}"/>
+          </ac:picMkLst>
+        </pc:picChg>
+        <pc:picChg chg="add mod">
+          <ac:chgData name="김소희" userId="292a1162-0793-4577-a94d-2dae0dfa5995" providerId="ADAL" clId="{56FB9BA8-8618-469E-B881-B7E5EAC1530C}" dt="2022-07-16T16:27:00.480" v="5869" actId="14100"/>
+          <ac:picMkLst>
+            <pc:docMk/>
+            <pc:sldMk cId="4281153154" sldId="266"/>
+            <ac:picMk id="16" creationId="{61ED6A02-5182-78B8-E205-3BC9442BDECF}"/>
+          </ac:picMkLst>
+        </pc:picChg>
+      </pc:sldChg>
+      <pc:sldChg chg="addSp delSp modSp add mod modNotesTx">
+        <pc:chgData name="김소희" userId="292a1162-0793-4577-a94d-2dae0dfa5995" providerId="ADAL" clId="{56FB9BA8-8618-469E-B881-B7E5EAC1530C}" dt="2022-07-16T14:19:20.159" v="5422" actId="20577"/>
+        <pc:sldMkLst>
+          <pc:docMk/>
+          <pc:sldMk cId="823482226" sldId="267"/>
+        </pc:sldMkLst>
+        <pc:spChg chg="mod">
+          <ac:chgData name="김소희" userId="292a1162-0793-4577-a94d-2dae0dfa5995" providerId="ADAL" clId="{56FB9BA8-8618-469E-B881-B7E5EAC1530C}" dt="2022-07-16T09:44:05.628" v="2727" actId="20577"/>
+          <ac:spMkLst>
+            <pc:docMk/>
+            <pc:sldMk cId="823482226" sldId="267"/>
+            <ac:spMk id="2" creationId="{5C386871-B092-6B43-A8DA-B84A6CCCC7F5}"/>
+          </ac:spMkLst>
+        </pc:spChg>
+        <pc:spChg chg="add del mod">
+          <ac:chgData name="김소희" userId="292a1162-0793-4577-a94d-2dae0dfa5995" providerId="ADAL" clId="{56FB9BA8-8618-469E-B881-B7E5EAC1530C}" dt="2022-07-16T13:31:22.647" v="4546" actId="478"/>
+          <ac:spMkLst>
+            <pc:docMk/>
+            <pc:sldMk cId="823482226" sldId="267"/>
+            <ac:spMk id="8" creationId="{48D52675-99FF-A883-822E-BFAAE7C1D1F2}"/>
+          </ac:spMkLst>
+        </pc:spChg>
+        <pc:spChg chg="add mod">
+          <ac:chgData name="김소희" userId="292a1162-0793-4577-a94d-2dae0dfa5995" providerId="ADAL" clId="{56FB9BA8-8618-469E-B881-B7E5EAC1530C}" dt="2022-07-16T14:16:38.987" v="5389" actId="1037"/>
+          <ac:spMkLst>
+            <pc:docMk/>
+            <pc:sldMk cId="823482226" sldId="267"/>
+            <ac:spMk id="10" creationId="{505A864D-43A1-E27A-6F0E-94048FDBCFC2}"/>
+          </ac:spMkLst>
+        </pc:spChg>
+        <pc:spChg chg="add mod">
+          <ac:chgData name="김소희" userId="292a1162-0793-4577-a94d-2dae0dfa5995" providerId="ADAL" clId="{56FB9BA8-8618-469E-B881-B7E5EAC1530C}" dt="2022-07-16T14:17:03.885" v="5395" actId="1076"/>
+          <ac:spMkLst>
+            <pc:docMk/>
+            <pc:sldMk cId="823482226" sldId="267"/>
+            <ac:spMk id="11" creationId="{4C75138B-7097-5754-7AD6-79B09C3159C6}"/>
+          </ac:spMkLst>
+        </pc:spChg>
+        <pc:spChg chg="add mod">
+          <ac:chgData name="김소희" userId="292a1162-0793-4577-a94d-2dae0dfa5995" providerId="ADAL" clId="{56FB9BA8-8618-469E-B881-B7E5EAC1530C}" dt="2022-07-16T14:16:51.744" v="5393" actId="14100"/>
+          <ac:spMkLst>
+            <pc:docMk/>
+            <pc:sldMk cId="823482226" sldId="267"/>
+            <ac:spMk id="12" creationId="{F6F1740F-2DCB-B755-E9B3-52B09FE71B03}"/>
+          </ac:spMkLst>
+        </pc:spChg>
+        <pc:spChg chg="add mod">
+          <ac:chgData name="김소희" userId="292a1162-0793-4577-a94d-2dae0dfa5995" providerId="ADAL" clId="{56FB9BA8-8618-469E-B881-B7E5EAC1530C}" dt="2022-07-16T14:18:09.723" v="5417" actId="1076"/>
+          <ac:spMkLst>
+            <pc:docMk/>
+            <pc:sldMk cId="823482226" sldId="267"/>
+            <ac:spMk id="13" creationId="{B5B1DA14-4F32-2E8C-7FD1-A86F5EEDFE9E}"/>
+          </ac:spMkLst>
+        </pc:spChg>
+        <pc:spChg chg="del mod">
+          <ac:chgData name="김소희" userId="292a1162-0793-4577-a94d-2dae0dfa5995" providerId="ADAL" clId="{56FB9BA8-8618-469E-B881-B7E5EAC1530C}" dt="2022-07-16T13:46:36.530" v="4663" actId="478"/>
+          <ac:spMkLst>
+            <pc:docMk/>
+            <pc:sldMk cId="823482226" sldId="267"/>
+            <ac:spMk id="16" creationId="{03AE33B7-4BBB-4B90-D542-91EB98D7C97B}"/>
+          </ac:spMkLst>
+        </pc:spChg>
+        <pc:spChg chg="add del mod topLvl">
+          <ac:chgData name="김소희" userId="292a1162-0793-4577-a94d-2dae0dfa5995" providerId="ADAL" clId="{56FB9BA8-8618-469E-B881-B7E5EAC1530C}" dt="2022-07-16T13:47:54.074" v="4675" actId="164"/>
+          <ac:spMkLst>
+            <pc:docMk/>
+            <pc:sldMk cId="823482226" sldId="267"/>
+            <ac:spMk id="18" creationId="{B7C089CA-85FA-2A45-C401-EA15C34413AF}"/>
+          </ac:spMkLst>
+        </pc:spChg>
+        <pc:spChg chg="add del mod topLvl">
+          <ac:chgData name="김소희" userId="292a1162-0793-4577-a94d-2dae0dfa5995" providerId="ADAL" clId="{56FB9BA8-8618-469E-B881-B7E5EAC1530C}" dt="2022-07-16T13:47:54.074" v="4675" actId="164"/>
+          <ac:spMkLst>
+            <pc:docMk/>
+            <pc:sldMk cId="823482226" sldId="267"/>
+            <ac:spMk id="19" creationId="{9583431D-F2B7-3E4C-2BAB-761A5E6C0C1F}"/>
+          </ac:spMkLst>
+        </pc:spChg>
+        <pc:spChg chg="del mod">
+          <ac:chgData name="김소희" userId="292a1162-0793-4577-a94d-2dae0dfa5995" providerId="ADAL" clId="{56FB9BA8-8618-469E-B881-B7E5EAC1530C}" dt="2022-07-16T13:46:32.630" v="4662" actId="478"/>
+          <ac:spMkLst>
+            <pc:docMk/>
+            <pc:sldMk cId="823482226" sldId="267"/>
+            <ac:spMk id="20" creationId="{9194579F-7D1D-69D9-3CA1-296669831957}"/>
+          </ac:spMkLst>
+        </pc:spChg>
+        <pc:spChg chg="del mod">
+          <ac:chgData name="김소희" userId="292a1162-0793-4577-a94d-2dae0dfa5995" providerId="ADAL" clId="{56FB9BA8-8618-469E-B881-B7E5EAC1530C}" dt="2022-07-16T13:46:43.564" v="4664" actId="478"/>
+          <ac:spMkLst>
+            <pc:docMk/>
+            <pc:sldMk cId="823482226" sldId="267"/>
+            <ac:spMk id="21" creationId="{DCB8ACAD-0A2D-D660-1823-BA5CD488B1B5}"/>
+          </ac:spMkLst>
+        </pc:spChg>
+        <pc:spChg chg="add mod">
+          <ac:chgData name="김소희" userId="292a1162-0793-4577-a94d-2dae0dfa5995" providerId="ADAL" clId="{56FB9BA8-8618-469E-B881-B7E5EAC1530C}" dt="2022-07-16T13:47:54.074" v="4675" actId="164"/>
+          <ac:spMkLst>
+            <pc:docMk/>
+            <pc:sldMk cId="823482226" sldId="267"/>
+            <ac:spMk id="22" creationId="{DAF3ABAB-7E78-840D-AB11-0172EDDF3D71}"/>
+          </ac:spMkLst>
+        </pc:spChg>
+        <pc:spChg chg="add mod">
+          <ac:chgData name="김소희" userId="292a1162-0793-4577-a94d-2dae0dfa5995" providerId="ADAL" clId="{56FB9BA8-8618-469E-B881-B7E5EAC1530C}" dt="2022-07-16T13:47:54.074" v="4675" actId="164"/>
+          <ac:spMkLst>
+            <pc:docMk/>
+            <pc:sldMk cId="823482226" sldId="267"/>
+            <ac:spMk id="23" creationId="{B7CE930C-060F-4785-748A-AB3CD50D80AF}"/>
+          </ac:spMkLst>
+        </pc:spChg>
+        <pc:spChg chg="add del mod">
+          <ac:chgData name="김소희" userId="292a1162-0793-4577-a94d-2dae0dfa5995" providerId="ADAL" clId="{56FB9BA8-8618-469E-B881-B7E5EAC1530C}" dt="2022-07-16T13:49:01.155" v="4680"/>
+          <ac:spMkLst>
+            <pc:docMk/>
+            <pc:sldMk cId="823482226" sldId="267"/>
+            <ac:spMk id="24" creationId="{921E2A2F-1DFC-0B65-4831-8DAA2D6C5438}"/>
+          </ac:spMkLst>
+        </pc:spChg>
+        <pc:spChg chg="add del mod">
+          <ac:chgData name="김소희" userId="292a1162-0793-4577-a94d-2dae0dfa5995" providerId="ADAL" clId="{56FB9BA8-8618-469E-B881-B7E5EAC1530C}" dt="2022-07-16T13:49:01.155" v="4680"/>
+          <ac:spMkLst>
+            <pc:docMk/>
+            <pc:sldMk cId="823482226" sldId="267"/>
+            <ac:spMk id="25" creationId="{2FA034EE-522A-D284-570B-6B3225BF8DCA}"/>
+          </ac:spMkLst>
+        </pc:spChg>
+        <pc:spChg chg="add mod">
+          <ac:chgData name="김소희" userId="292a1162-0793-4577-a94d-2dae0dfa5995" providerId="ADAL" clId="{56FB9BA8-8618-469E-B881-B7E5EAC1530C}" dt="2022-07-16T14:19:20.159" v="5422" actId="20577"/>
+          <ac:spMkLst>
+            <pc:docMk/>
+            <pc:sldMk cId="823482226" sldId="267"/>
+            <ac:spMk id="26" creationId="{0B2E71C4-63DD-5D21-3108-80838DB539DC}"/>
+          </ac:spMkLst>
+        </pc:spChg>
+        <pc:spChg chg="add mod">
+          <ac:chgData name="김소희" userId="292a1162-0793-4577-a94d-2dae0dfa5995" providerId="ADAL" clId="{56FB9BA8-8618-469E-B881-B7E5EAC1530C}" dt="2022-07-16T13:57:11.040" v="4895" actId="1037"/>
+          <ac:spMkLst>
+            <pc:docMk/>
+            <pc:sldMk cId="823482226" sldId="267"/>
+            <ac:spMk id="27" creationId="{0EB3B09D-29FB-5641-3658-98165C3662E2}"/>
+          </ac:spMkLst>
+        </pc:spChg>
+        <pc:spChg chg="add mod">
+          <ac:chgData name="김소희" userId="292a1162-0793-4577-a94d-2dae0dfa5995" providerId="ADAL" clId="{56FB9BA8-8618-469E-B881-B7E5EAC1530C}" dt="2022-07-16T14:05:57.542" v="5057" actId="164"/>
+          <ac:spMkLst>
+            <pc:docMk/>
+            <pc:sldMk cId="823482226" sldId="267"/>
+            <ac:spMk id="28" creationId="{55068063-54D5-482C-6350-2134AE9A12C8}"/>
+          </ac:spMkLst>
+        </pc:spChg>
+        <pc:spChg chg="add mod">
+          <ac:chgData name="김소희" userId="292a1162-0793-4577-a94d-2dae0dfa5995" providerId="ADAL" clId="{56FB9BA8-8618-469E-B881-B7E5EAC1530C}" dt="2022-07-16T14:18:18.481" v="5419" actId="1076"/>
+          <ac:spMkLst>
+            <pc:docMk/>
+            <pc:sldMk cId="823482226" sldId="267"/>
+            <ac:spMk id="29" creationId="{3206A378-0E36-B833-A9CC-30BE0FE0AA9D}"/>
+          </ac:spMkLst>
+        </pc:spChg>
+        <pc:grpChg chg="add mod ord">
+          <ac:chgData name="김소희" userId="292a1162-0793-4577-a94d-2dae0dfa5995" providerId="ADAL" clId="{56FB9BA8-8618-469E-B881-B7E5EAC1530C}" dt="2022-07-16T13:57:25.431" v="4897" actId="1076"/>
+          <ac:grpSpMkLst>
+            <pc:docMk/>
+            <pc:sldMk cId="823482226" sldId="267"/>
+            <ac:grpSpMk id="6" creationId="{B58EC3AE-7195-3D95-1C6B-4E17454DE56C}"/>
+          </ac:grpSpMkLst>
+        </pc:grpChg>
+        <pc:grpChg chg="add del mod">
+          <ac:chgData name="김소희" userId="292a1162-0793-4577-a94d-2dae0dfa5995" providerId="ADAL" clId="{56FB9BA8-8618-469E-B881-B7E5EAC1530C}" dt="2022-07-16T13:46:50.885" v="4666" actId="165"/>
+          <ac:grpSpMkLst>
+            <pc:docMk/>
+            <pc:sldMk cId="823482226" sldId="267"/>
+            <ac:grpSpMk id="14" creationId="{17821C68-0FF5-E7BC-C52C-DBBBA69A4E6E}"/>
+          </ac:grpSpMkLst>
+        </pc:grpChg>
+        <pc:grpChg chg="add mod">
+          <ac:chgData name="김소희" userId="292a1162-0793-4577-a94d-2dae0dfa5995" providerId="ADAL" clId="{56FB9BA8-8618-469E-B881-B7E5EAC1530C}" dt="2022-07-16T14:18:09.723" v="5417" actId="1076"/>
+          <ac:grpSpMkLst>
+            <pc:docMk/>
+            <pc:sldMk cId="823482226" sldId="267"/>
+            <ac:grpSpMk id="30" creationId="{1F39CF99-D5CD-F251-9866-53C6321BB7CB}"/>
+          </ac:grpSpMkLst>
+        </pc:grpChg>
+        <pc:picChg chg="add mod modCrop">
+          <ac:chgData name="김소희" userId="292a1162-0793-4577-a94d-2dae0dfa5995" providerId="ADAL" clId="{56FB9BA8-8618-469E-B881-B7E5EAC1530C}" dt="2022-07-16T14:19:09.687" v="5420" actId="1076"/>
+          <ac:picMkLst>
+            <pc:docMk/>
+            <pc:sldMk cId="823482226" sldId="267"/>
+            <ac:picMk id="4" creationId="{3BA3D4B1-8FF7-D712-8062-E7C82489B203}"/>
+          </ac:picMkLst>
+        </pc:picChg>
+        <pc:picChg chg="del">
+          <ac:chgData name="김소희" userId="292a1162-0793-4577-a94d-2dae0dfa5995" providerId="ADAL" clId="{56FB9BA8-8618-469E-B881-B7E5EAC1530C}" dt="2022-07-16T09:43:27.298" v="2719" actId="478"/>
+          <ac:picMkLst>
+            <pc:docMk/>
+            <pc:sldMk cId="823482226" sldId="267"/>
+            <ac:picMk id="5" creationId="{2B1D5BB1-3B52-7157-1523-03F72D9D4E0B}"/>
+          </ac:picMkLst>
+        </pc:picChg>
+        <pc:picChg chg="add mod">
+          <ac:chgData name="김소희" userId="292a1162-0793-4577-a94d-2dae0dfa5995" providerId="ADAL" clId="{56FB9BA8-8618-469E-B881-B7E5EAC1530C}" dt="2022-07-16T14:05:57.542" v="5057" actId="164"/>
+          <ac:picMkLst>
+            <pc:docMk/>
+            <pc:sldMk cId="823482226" sldId="267"/>
+            <ac:picMk id="5" creationId="{3BA724AA-EC82-064A-A524-2C0AC1CC2903}"/>
+          </ac:picMkLst>
+        </pc:picChg>
+        <pc:picChg chg="add mod modCrop">
+          <ac:chgData name="김소희" userId="292a1162-0793-4577-a94d-2dae0dfa5995" providerId="ADAL" clId="{56FB9BA8-8618-469E-B881-B7E5EAC1530C}" dt="2022-07-16T14:16:40.816" v="5390" actId="1076"/>
+          <ac:picMkLst>
+            <pc:docMk/>
+            <pc:sldMk cId="823482226" sldId="267"/>
+            <ac:picMk id="7" creationId="{7570B179-4177-2904-52B5-FBC13CD82DE7}"/>
+          </ac:picMkLst>
+        </pc:picChg>
+        <pc:picChg chg="del">
+          <ac:chgData name="김소희" userId="292a1162-0793-4577-a94d-2dae0dfa5995" providerId="ADAL" clId="{56FB9BA8-8618-469E-B881-B7E5EAC1530C}" dt="2022-07-16T09:43:27.298" v="2719" actId="478"/>
+          <ac:picMkLst>
+            <pc:docMk/>
+            <pc:sldMk cId="823482226" sldId="267"/>
+            <ac:picMk id="8" creationId="{EA934249-FCAF-95AB-CED5-79C520AB08BA}"/>
+          </ac:picMkLst>
+        </pc:picChg>
+        <pc:picChg chg="del">
+          <ac:chgData name="김소희" userId="292a1162-0793-4577-a94d-2dae0dfa5995" providerId="ADAL" clId="{56FB9BA8-8618-469E-B881-B7E5EAC1530C}" dt="2022-07-16T09:43:27.298" v="2719" actId="478"/>
+          <ac:picMkLst>
+            <pc:docMk/>
+            <pc:sldMk cId="823482226" sldId="267"/>
+            <ac:picMk id="11" creationId="{857B6171-CD2E-B19F-500D-79822B30AC41}"/>
+          </ac:picMkLst>
+        </pc:picChg>
+        <pc:picChg chg="mod topLvl modCrop">
+          <ac:chgData name="김소희" userId="292a1162-0793-4577-a94d-2dae0dfa5995" providerId="ADAL" clId="{56FB9BA8-8618-469E-B881-B7E5EAC1530C}" dt="2022-07-16T13:48:17.992" v="4678" actId="732"/>
+          <ac:picMkLst>
+            <pc:docMk/>
+            <pc:sldMk cId="823482226" sldId="267"/>
+            <ac:picMk id="15" creationId="{B5E9E492-AEEC-AD2B-61F9-A11C80E10A48}"/>
+          </ac:picMkLst>
+        </pc:picChg>
+        <pc:cxnChg chg="del mod">
+          <ac:chgData name="김소희" userId="292a1162-0793-4577-a94d-2dae0dfa5995" providerId="ADAL" clId="{56FB9BA8-8618-469E-B881-B7E5EAC1530C}" dt="2022-07-16T13:46:48.444" v="4665" actId="478"/>
+          <ac:cxnSpMkLst>
+            <pc:docMk/>
+            <pc:sldMk cId="823482226" sldId="267"/>
+            <ac:cxnSpMk id="17" creationId="{96626C23-BBEF-81A8-1087-3FCBE422D1A8}"/>
+          </ac:cxnSpMkLst>
+        </pc:cxnChg>
+      </pc:sldChg>
+      <pc:sldChg chg="addSp delSp modSp add mod ord">
+        <pc:chgData name="김소희" userId="292a1162-0793-4577-a94d-2dae0dfa5995" providerId="ADAL" clId="{56FB9BA8-8618-469E-B881-B7E5EAC1530C}" dt="2022-07-16T16:24:21.069" v="5852" actId="1035"/>
+        <pc:sldMkLst>
+          <pc:docMk/>
+          <pc:sldMk cId="3685255024" sldId="268"/>
+        </pc:sldMkLst>
+        <pc:spChg chg="mod">
+          <ac:chgData name="김소희" userId="292a1162-0793-4577-a94d-2dae0dfa5995" providerId="ADAL" clId="{56FB9BA8-8618-469E-B881-B7E5EAC1530C}" dt="2022-07-16T09:48:50.970" v="2767"/>
+          <ac:spMkLst>
+            <pc:docMk/>
+            <pc:sldMk cId="3685255024" sldId="268"/>
+            <ac:spMk id="2" creationId="{5C386871-B092-6B43-A8DA-B84A6CCCC7F5}"/>
+          </ac:spMkLst>
+        </pc:spChg>
+        <pc:spChg chg="add mod">
+          <ac:chgData name="김소희" userId="292a1162-0793-4577-a94d-2dae0dfa5995" providerId="ADAL" clId="{56FB9BA8-8618-469E-B881-B7E5EAC1530C}" dt="2022-07-16T14:21:18.546" v="5444" actId="14100"/>
+          <ac:spMkLst>
+            <pc:docMk/>
+            <pc:sldMk cId="3685255024" sldId="268"/>
+            <ac:spMk id="7" creationId="{4D70969F-B72C-E13B-3A27-807376949EF3}"/>
+          </ac:spMkLst>
+        </pc:spChg>
+        <pc:spChg chg="add mod">
+          <ac:chgData name="김소희" userId="292a1162-0793-4577-a94d-2dae0dfa5995" providerId="ADAL" clId="{56FB9BA8-8618-469E-B881-B7E5EAC1530C}" dt="2022-07-16T16:23:03.399" v="5816" actId="1076"/>
+          <ac:spMkLst>
+            <pc:docMk/>
+            <pc:sldMk cId="3685255024" sldId="268"/>
+            <ac:spMk id="8" creationId="{F09E10D0-500A-B99C-CBFD-25923A7906EF}"/>
+          </ac:spMkLst>
+        </pc:spChg>
+        <pc:spChg chg="add del mod">
+          <ac:chgData name="김소희" userId="292a1162-0793-4577-a94d-2dae0dfa5995" providerId="ADAL" clId="{56FB9BA8-8618-469E-B881-B7E5EAC1530C}" dt="2022-07-16T14:21:53.318" v="5486"/>
+          <ac:spMkLst>
+            <pc:docMk/>
+            <pc:sldMk cId="3685255024" sldId="268"/>
+            <ac:spMk id="10" creationId="{CC76ED43-C7AA-49DB-8C6A-A54674A37204}"/>
+          </ac:spMkLst>
+        </pc:spChg>
+        <pc:spChg chg="add mod">
+          <ac:chgData name="김소희" userId="292a1162-0793-4577-a94d-2dae0dfa5995" providerId="ADAL" clId="{56FB9BA8-8618-469E-B881-B7E5EAC1530C}" dt="2022-07-16T16:24:21.069" v="5852" actId="1035"/>
+          <ac:spMkLst>
+            <pc:docMk/>
+            <pc:sldMk cId="3685255024" sldId="268"/>
+            <ac:spMk id="11" creationId="{CCC8864A-DD65-070E-70D1-3CB298A5112E}"/>
+          </ac:spMkLst>
+        </pc:spChg>
+        <pc:spChg chg="add mod">
+          <ac:chgData name="김소희" userId="292a1162-0793-4577-a94d-2dae0dfa5995" providerId="ADAL" clId="{56FB9BA8-8618-469E-B881-B7E5EAC1530C}" dt="2022-07-16T15:35:10.868" v="5507" actId="20577"/>
+          <ac:spMkLst>
+            <pc:docMk/>
+            <pc:sldMk cId="3685255024" sldId="268"/>
+            <ac:spMk id="12" creationId="{F0ABF226-EA99-35B3-765F-D21167F361B4}"/>
+          </ac:spMkLst>
+        </pc:spChg>
+        <pc:spChg chg="add mod">
+          <ac:chgData name="김소희" userId="292a1162-0793-4577-a94d-2dae0dfa5995" providerId="ADAL" clId="{56FB9BA8-8618-469E-B881-B7E5EAC1530C}" dt="2022-07-16T15:36:23.259" v="5685" actId="20577"/>
+          <ac:spMkLst>
+            <pc:docMk/>
+            <pc:sldMk cId="3685255024" sldId="268"/>
+            <ac:spMk id="13" creationId="{625E10A7-CE26-050D-5157-B8389F747707}"/>
+          </ac:spMkLst>
+        </pc:spChg>
+        <pc:picChg chg="add mod">
+          <ac:chgData name="김소희" userId="292a1162-0793-4577-a94d-2dae0dfa5995" providerId="ADAL" clId="{56FB9BA8-8618-469E-B881-B7E5EAC1530C}" dt="2022-07-16T16:22:59.130" v="5815" actId="1076"/>
+          <ac:picMkLst>
+            <pc:docMk/>
+            <pc:sldMk cId="3685255024" sldId="268"/>
+            <ac:picMk id="4" creationId="{DE3370A8-E560-5A2A-167A-0DCC7CC0B805}"/>
+          </ac:picMkLst>
+        </pc:picChg>
+        <pc:picChg chg="add mod">
+          <ac:chgData name="김소희" userId="292a1162-0793-4577-a94d-2dae0dfa5995" providerId="ADAL" clId="{56FB9BA8-8618-469E-B881-B7E5EAC1530C}" dt="2022-07-16T15:35:40.722" v="5554" actId="14100"/>
+          <ac:picMkLst>
+            <pc:docMk/>
+            <pc:sldMk cId="3685255024" sldId="268"/>
+            <ac:picMk id="6" creationId="{E17F1D46-98D2-EA06-085E-20B47EE269A5}"/>
+          </ac:picMkLst>
+        </pc:picChg>
+      </pc:sldChg>
+      <pc:sldChg chg="addSp delSp modSp add mod">
+        <pc:chgData name="김소희" userId="292a1162-0793-4577-a94d-2dae0dfa5995" providerId="ADAL" clId="{56FB9BA8-8618-469E-B881-B7E5EAC1530C}" dt="2022-07-16T16:49:11.097" v="6509" actId="20577"/>
+        <pc:sldMkLst>
+          <pc:docMk/>
+          <pc:sldMk cId="2469761216" sldId="269"/>
+        </pc:sldMkLst>
+        <pc:spChg chg="add mod">
+          <ac:chgData name="김소희" userId="292a1162-0793-4577-a94d-2dae0dfa5995" providerId="ADAL" clId="{56FB9BA8-8618-469E-B881-B7E5EAC1530C}" dt="2022-07-16T16:49:11.097" v="6509" actId="20577"/>
+          <ac:spMkLst>
+            <pc:docMk/>
+            <pc:sldMk cId="2469761216" sldId="269"/>
+            <ac:spMk id="6" creationId="{EFA8B7E0-492C-4117-880E-44A23D6C39EC}"/>
+          </ac:spMkLst>
+        </pc:spChg>
+        <pc:spChg chg="mod">
+          <ac:chgData name="김소희" userId="292a1162-0793-4577-a94d-2dae0dfa5995" providerId="ADAL" clId="{56FB9BA8-8618-469E-B881-B7E5EAC1530C}" dt="2022-07-16T16:35:23.644" v="5878" actId="1035"/>
+          <ac:spMkLst>
+            <pc:docMk/>
+            <pc:sldMk cId="2469761216" sldId="269"/>
+            <ac:spMk id="14" creationId="{E89E35C5-CDC5-E213-E030-34717EFA3209}"/>
+          </ac:spMkLst>
+        </pc:spChg>
+        <pc:spChg chg="del">
+          <ac:chgData name="김소희" userId="292a1162-0793-4577-a94d-2dae0dfa5995" providerId="ADAL" clId="{56FB9BA8-8618-469E-B881-B7E5EAC1530C}" dt="2022-07-16T09:52:58.772" v="2808" actId="478"/>
+          <ac:spMkLst>
+            <pc:docMk/>
+            <pc:sldMk cId="2469761216" sldId="269"/>
+            <ac:spMk id="15" creationId="{8D930912-89D0-1463-E935-699E3D0E262D}"/>
+          </ac:spMkLst>
+        </pc:spChg>
+        <pc:picChg chg="add mod">
+          <ac:chgData name="김소희" userId="292a1162-0793-4577-a94d-2dae0dfa5995" providerId="ADAL" clId="{56FB9BA8-8618-469E-B881-B7E5EAC1530C}" dt="2022-07-16T16:35:27.028" v="5879" actId="1076"/>
+          <ac:picMkLst>
+            <pc:docMk/>
+            <pc:sldMk cId="2469761216" sldId="269"/>
+            <ac:picMk id="4" creationId="{7DB98AC0-EF39-454C-E9A7-3C2C745E5BCE}"/>
+          </ac:picMkLst>
+        </pc:picChg>
+        <pc:picChg chg="del">
+          <ac:chgData name="김소희" userId="292a1162-0793-4577-a94d-2dae0dfa5995" providerId="ADAL" clId="{56FB9BA8-8618-469E-B881-B7E5EAC1530C}" dt="2022-07-16T09:52:57.861" v="2806" actId="478"/>
+          <ac:picMkLst>
+            <pc:docMk/>
+            <pc:sldMk cId="2469761216" sldId="269"/>
+            <ac:picMk id="7" creationId="{66570E45-0B89-3E19-4B27-7F32E857FC02}"/>
+          </ac:picMkLst>
+        </pc:picChg>
+        <pc:picChg chg="del">
+          <ac:chgData name="김소희" userId="292a1162-0793-4577-a94d-2dae0dfa5995" providerId="ADAL" clId="{56FB9BA8-8618-469E-B881-B7E5EAC1530C}" dt="2022-07-16T09:52:58.156" v="2807" actId="478"/>
+          <ac:picMkLst>
+            <pc:docMk/>
+            <pc:sldMk cId="2469761216" sldId="269"/>
+            <ac:picMk id="12" creationId="{F722584A-E6D6-C0F2-949D-4F622A3ECFB5}"/>
+          </ac:picMkLst>
+        </pc:picChg>
+      </pc:sldChg>
+      <pc:sldChg chg="addSp delSp modSp add mod">
+        <pc:chgData name="김소희" userId="292a1162-0793-4577-a94d-2dae0dfa5995" providerId="ADAL" clId="{56FB9BA8-8618-469E-B881-B7E5EAC1530C}" dt="2022-07-17T11:28:19.260" v="6675" actId="1076"/>
+        <pc:sldMkLst>
+          <pc:docMk/>
+          <pc:sldMk cId="1001211680" sldId="270"/>
+        </pc:sldMkLst>
+        <pc:spChg chg="mod">
+          <ac:chgData name="김소희" userId="292a1162-0793-4577-a94d-2dae0dfa5995" providerId="ADAL" clId="{56FB9BA8-8618-469E-B881-B7E5EAC1530C}" dt="2022-07-16T09:55:20.568" v="2883" actId="20577"/>
+          <ac:spMkLst>
+            <pc:docMk/>
+            <pc:sldMk cId="1001211680" sldId="270"/>
+            <ac:spMk id="2" creationId="{5C386871-B092-6B43-A8DA-B84A6CCCC7F5}"/>
+          </ac:spMkLst>
+        </pc:spChg>
+        <pc:spChg chg="add del">
+          <ac:chgData name="김소희" userId="292a1162-0793-4577-a94d-2dae0dfa5995" providerId="ADAL" clId="{56FB9BA8-8618-469E-B881-B7E5EAC1530C}" dt="2022-07-16T09:55:40.161" v="2886" actId="22"/>
+          <ac:spMkLst>
+            <pc:docMk/>
+            <pc:sldMk cId="1001211680" sldId="270"/>
+            <ac:spMk id="7" creationId="{15C3B2BA-17ED-CA42-7B7A-1092DAE5B046}"/>
+          </ac:spMkLst>
+        </pc:spChg>
+        <pc:spChg chg="add mod">
+          <ac:chgData name="김소희" userId="292a1162-0793-4577-a94d-2dae0dfa5995" providerId="ADAL" clId="{56FB9BA8-8618-469E-B881-B7E5EAC1530C}" dt="2022-07-17T11:28:19.260" v="6675" actId="1076"/>
+          <ac:spMkLst>
+            <pc:docMk/>
+            <pc:sldMk cId="1001211680" sldId="270"/>
+            <ac:spMk id="10" creationId="{72987552-5AA4-DD5A-C2A2-02550016258E}"/>
+          </ac:spMkLst>
+        </pc:spChg>
+        <pc:spChg chg="del">
+          <ac:chgData name="김소희" userId="292a1162-0793-4577-a94d-2dae0dfa5995" providerId="ADAL" clId="{56FB9BA8-8618-469E-B881-B7E5EAC1530C}" dt="2022-07-16T09:55:51.558" v="2898" actId="478"/>
+          <ac:spMkLst>
+            <pc:docMk/>
+            <pc:sldMk cId="1001211680" sldId="270"/>
+            <ac:spMk id="14" creationId="{E89E35C5-CDC5-E213-E030-34717EFA3209}"/>
+          </ac:spMkLst>
+        </pc:spChg>
+        <pc:picChg chg="del">
+          <ac:chgData name="김소희" userId="292a1162-0793-4577-a94d-2dae0dfa5995" providerId="ADAL" clId="{56FB9BA8-8618-469E-B881-B7E5EAC1530C}" dt="2022-07-16T09:55:37.578" v="2884" actId="478"/>
+          <ac:picMkLst>
+            <pc:docMk/>
+            <pc:sldMk cId="1001211680" sldId="270"/>
+            <ac:picMk id="4" creationId="{7DB98AC0-EF39-454C-E9A7-3C2C745E5BCE}"/>
+          </ac:picMkLst>
+        </pc:picChg>
+      </pc:sldChg>
+      <pc:sldChg chg="addSp delSp modSp add mod ord">
+        <pc:chgData name="김소희" userId="292a1162-0793-4577-a94d-2dae0dfa5995" providerId="ADAL" clId="{56FB9BA8-8618-469E-B881-B7E5EAC1530C}" dt="2022-07-16T16:55:18.855" v="6639" actId="113"/>
+        <pc:sldMkLst>
+          <pc:docMk/>
+          <pc:sldMk cId="2778352275" sldId="271"/>
+        </pc:sldMkLst>
+        <pc:spChg chg="mod">
+          <ac:chgData name="김소희" userId="292a1162-0793-4577-a94d-2dae0dfa5995" providerId="ADAL" clId="{56FB9BA8-8618-469E-B881-B7E5EAC1530C}" dt="2022-07-16T16:55:18.855" v="6639" actId="113"/>
+          <ac:spMkLst>
+            <pc:docMk/>
+            <pc:sldMk cId="2778352275" sldId="271"/>
+            <ac:spMk id="2" creationId="{D42C8D01-1348-904F-A28E-FB1F05F50B66}"/>
+          </ac:spMkLst>
+        </pc:spChg>
+        <pc:spChg chg="del">
+          <ac:chgData name="김소희" userId="292a1162-0793-4577-a94d-2dae0dfa5995" providerId="ADAL" clId="{56FB9BA8-8618-469E-B881-B7E5EAC1530C}" dt="2022-07-16T16:54:35.233" v="6628" actId="478"/>
+          <ac:spMkLst>
+            <pc:docMk/>
+            <pc:sldMk cId="2778352275" sldId="271"/>
+            <ac:spMk id="3" creationId="{BB4F0E0A-8459-60AB-4DBF-FC43E9161C10}"/>
+          </ac:spMkLst>
+        </pc:spChg>
+        <pc:spChg chg="mod">
+          <ac:chgData name="김소희" userId="292a1162-0793-4577-a94d-2dae0dfa5995" providerId="ADAL" clId="{56FB9BA8-8618-469E-B881-B7E5EAC1530C}" dt="2022-07-16T16:54:39.786" v="6630" actId="14100"/>
+          <ac:spMkLst>
+            <pc:docMk/>
+            <pc:sldMk cId="2778352275" sldId="271"/>
+            <ac:spMk id="5" creationId="{433B89A1-AC33-8D2C-470E-70698F2016E8}"/>
+          </ac:spMkLst>
+        </pc:spChg>
+        <pc:spChg chg="add del mod">
+          <ac:chgData name="김소희" userId="292a1162-0793-4577-a94d-2dae0dfa5995" providerId="ADAL" clId="{56FB9BA8-8618-469E-B881-B7E5EAC1530C}" dt="2022-07-16T16:54:37.017" v="6629" actId="478"/>
+          <ac:spMkLst>
+            <pc:docMk/>
+            <pc:sldMk cId="2778352275" sldId="271"/>
+            <ac:spMk id="6" creationId="{7D9D3ED7-223E-4B42-201C-C2C027DC6654}"/>
+          </ac:spMkLst>
+        </pc:spChg>
+      </pc:sldChg>
+      <pc:sldChg chg="addSp delSp modSp add mod ord modNotesTx">
+        <pc:chgData name="김소희" userId="292a1162-0793-4577-a94d-2dae0dfa5995" providerId="ADAL" clId="{56FB9BA8-8618-469E-B881-B7E5EAC1530C}" dt="2022-07-17T12:36:57.945" v="7414" actId="1076"/>
+        <pc:sldMkLst>
+          <pc:docMk/>
+          <pc:sldMk cId="1677538351" sldId="272"/>
+        </pc:sldMkLst>
+        <pc:spChg chg="del">
+          <ac:chgData name="김소희" userId="292a1162-0793-4577-a94d-2dae0dfa5995" providerId="ADAL" clId="{56FB9BA8-8618-469E-B881-B7E5EAC1530C}" dt="2022-07-16T16:56:14.085" v="6643" actId="478"/>
+          <ac:spMkLst>
+            <pc:docMk/>
+            <pc:sldMk cId="1677538351" sldId="272"/>
+            <ac:spMk id="4" creationId="{23D46D21-7D87-A5C5-3A16-F43F451EE6D6}"/>
+          </ac:spMkLst>
+        </pc:spChg>
+        <pc:spChg chg="mod">
+          <ac:chgData name="김소희" userId="292a1162-0793-4577-a94d-2dae0dfa5995" providerId="ADAL" clId="{56FB9BA8-8618-469E-B881-B7E5EAC1530C}" dt="2022-07-17T12:33:15.514" v="7315" actId="403"/>
+          <ac:spMkLst>
+            <pc:docMk/>
+            <pc:sldMk cId="1677538351" sldId="272"/>
+            <ac:spMk id="6" creationId="{2188782E-44BF-062E-224B-C021A5C826FC}"/>
+          </ac:spMkLst>
+        </pc:spChg>
+        <pc:spChg chg="add mod">
+          <ac:chgData name="김소희" userId="292a1162-0793-4577-a94d-2dae0dfa5995" providerId="ADAL" clId="{56FB9BA8-8618-469E-B881-B7E5EAC1530C}" dt="2022-07-17T12:32:21.077" v="7299" actId="1035"/>
+          <ac:spMkLst>
+            <pc:docMk/>
+            <pc:sldMk cId="1677538351" sldId="272"/>
+            <ac:spMk id="8" creationId="{B588D191-0AEA-6E66-B176-CEA9533A2031}"/>
+          </ac:spMkLst>
+        </pc:spChg>
+        <pc:spChg chg="mod">
+          <ac:chgData name="김소희" userId="292a1162-0793-4577-a94d-2dae0dfa5995" providerId="ADAL" clId="{56FB9BA8-8618-469E-B881-B7E5EAC1530C}" dt="2022-07-16T16:55:03.377" v="6637" actId="14100"/>
+          <ac:spMkLst>
+            <pc:docMk/>
+            <pc:sldMk cId="1677538351" sldId="272"/>
+            <ac:spMk id="9" creationId="{4E262F7D-1CD2-9678-413C-EB257F68A044}"/>
+          </ac:spMkLst>
+        </pc:spChg>
+        <pc:spChg chg="add mod">
+          <ac:chgData name="김소희" userId="292a1162-0793-4577-a94d-2dae0dfa5995" providerId="ADAL" clId="{56FB9BA8-8618-469E-B881-B7E5EAC1530C}" dt="2022-07-17T12:32:21.077" v="7299" actId="1035"/>
+          <ac:spMkLst>
+            <pc:docMk/>
+            <pc:sldMk cId="1677538351" sldId="272"/>
+            <ac:spMk id="10" creationId="{196C492B-1218-3877-CBA4-906C0D2BFF6E}"/>
+          </ac:spMkLst>
+        </pc:spChg>
+        <pc:spChg chg="add del mod">
+          <ac:chgData name="김소희" userId="292a1162-0793-4577-a94d-2dae0dfa5995" providerId="ADAL" clId="{56FB9BA8-8618-469E-B881-B7E5EAC1530C}" dt="2022-07-17T12:31:53.478" v="7279" actId="21"/>
+          <ac:spMkLst>
+            <pc:docMk/>
+            <pc:sldMk cId="1677538351" sldId="272"/>
+            <ac:spMk id="11" creationId="{EBFAD5C0-1CED-341A-A2BD-A8B84BBC7BC0}"/>
+          </ac:spMkLst>
+        </pc:spChg>
+        <pc:spChg chg="del">
+          <ac:chgData name="김소희" userId="292a1162-0793-4577-a94d-2dae0dfa5995" providerId="ADAL" clId="{56FB9BA8-8618-469E-B881-B7E5EAC1530C}" dt="2022-07-17T12:28:05.820" v="7261" actId="478"/>
+          <ac:spMkLst>
+            <pc:docMk/>
+            <pc:sldMk cId="1677538351" sldId="272"/>
+            <ac:spMk id="13" creationId="{174246C5-3CB0-4EE1-338B-F486C3F74F8D}"/>
+          </ac:spMkLst>
+        </pc:spChg>
+        <pc:picChg chg="add mod">
+          <ac:chgData name="김소희" userId="292a1162-0793-4577-a94d-2dae0dfa5995" providerId="ADAL" clId="{56FB9BA8-8618-469E-B881-B7E5EAC1530C}" dt="2022-07-17T12:36:57.945" v="7414" actId="1076"/>
+          <ac:picMkLst>
+            <pc:docMk/>
+            <pc:sldMk cId="1677538351" sldId="272"/>
+            <ac:picMk id="4" creationId="{A286BE99-4C6E-717B-D201-69688FB57D8E}"/>
+          </ac:picMkLst>
+        </pc:picChg>
+        <pc:picChg chg="del">
+          <ac:chgData name="김소희" userId="292a1162-0793-4577-a94d-2dae0dfa5995" providerId="ADAL" clId="{56FB9BA8-8618-469E-B881-B7E5EAC1530C}" dt="2022-07-16T16:56:12.908" v="6642" actId="478"/>
+          <ac:picMkLst>
+            <pc:docMk/>
+            <pc:sldMk cId="1677538351" sldId="272"/>
+            <ac:picMk id="1026" creationId="{082B6978-1040-2636-ECB5-72C25D649201}"/>
+          </ac:picMkLst>
+        </pc:picChg>
+      </pc:sldChg>
+      <pc:sldChg chg="addSp delSp modSp add mod">
+        <pc:chgData name="김소희" userId="292a1162-0793-4577-a94d-2dae0dfa5995" providerId="ADAL" clId="{56FB9BA8-8618-469E-B881-B7E5EAC1530C}" dt="2022-07-17T18:18:45.657" v="11407" actId="1076"/>
+        <pc:sldMkLst>
+          <pc:docMk/>
+          <pc:sldMk cId="3575306235" sldId="273"/>
+        </pc:sldMkLst>
+        <pc:spChg chg="del">
+          <ac:chgData name="김소희" userId="292a1162-0793-4577-a94d-2dae0dfa5995" providerId="ADAL" clId="{56FB9BA8-8618-469E-B881-B7E5EAC1530C}" dt="2022-07-17T12:30:44.119" v="7272" actId="478"/>
+          <ac:spMkLst>
+            <pc:docMk/>
+            <pc:sldMk cId="3575306235" sldId="273"/>
+            <ac:spMk id="6" creationId="{2188782E-44BF-062E-224B-C021A5C826FC}"/>
+          </ac:spMkLst>
+        </pc:spChg>
+        <pc:spChg chg="del">
+          <ac:chgData name="김소희" userId="292a1162-0793-4577-a94d-2dae0dfa5995" providerId="ADAL" clId="{56FB9BA8-8618-469E-B881-B7E5EAC1530C}" dt="2022-07-17T12:30:44.119" v="7272" actId="478"/>
+          <ac:spMkLst>
+            <pc:docMk/>
+            <pc:sldMk cId="3575306235" sldId="273"/>
+            <ac:spMk id="8" creationId="{B588D191-0AEA-6E66-B176-CEA9533A2031}"/>
+          </ac:spMkLst>
+        </pc:spChg>
+        <pc:spChg chg="del">
+          <ac:chgData name="김소희" userId="292a1162-0793-4577-a94d-2dae0dfa5995" providerId="ADAL" clId="{56FB9BA8-8618-469E-B881-B7E5EAC1530C}" dt="2022-07-17T12:30:44.119" v="7272" actId="478"/>
+          <ac:spMkLst>
+            <pc:docMk/>
+            <pc:sldMk cId="3575306235" sldId="273"/>
+            <ac:spMk id="10" creationId="{196C492B-1218-3877-CBA4-906C0D2BFF6E}"/>
+          </ac:spMkLst>
+        </pc:spChg>
+        <pc:spChg chg="del">
+          <ac:chgData name="김소희" userId="292a1162-0793-4577-a94d-2dae0dfa5995" providerId="ADAL" clId="{56FB9BA8-8618-469E-B881-B7E5EAC1530C}" dt="2022-07-17T12:30:44.119" v="7272" actId="478"/>
+          <ac:spMkLst>
+            <pc:docMk/>
+            <pc:sldMk cId="3575306235" sldId="273"/>
+            <ac:spMk id="11" creationId="{EBFAD5C0-1CED-341A-A2BD-A8B84BBC7BC0}"/>
+          </ac:spMkLst>
+        </pc:spChg>
+        <pc:spChg chg="add mod">
+          <ac:chgData name="김소희" userId="292a1162-0793-4577-a94d-2dae0dfa5995" providerId="ADAL" clId="{56FB9BA8-8618-469E-B881-B7E5EAC1530C}" dt="2022-07-17T15:38:35.143" v="7741" actId="1076"/>
+          <ac:spMkLst>
+            <pc:docMk/>
+            <pc:sldMk cId="3575306235" sldId="273"/>
+            <ac:spMk id="15" creationId="{2494126B-543A-FDDA-17D0-F993FACA44E4}"/>
+          </ac:spMkLst>
+        </pc:spChg>
+        <pc:spChg chg="add mod">
+          <ac:chgData name="김소희" userId="292a1162-0793-4577-a94d-2dae0dfa5995" providerId="ADAL" clId="{56FB9BA8-8618-469E-B881-B7E5EAC1530C}" dt="2022-07-17T18:18:45.657" v="11407" actId="1076"/>
+          <ac:spMkLst>
+            <pc:docMk/>
+            <pc:sldMk cId="3575306235" sldId="273"/>
+            <ac:spMk id="17" creationId="{5F6C1FB1-4562-2466-D242-5574E13C66F6}"/>
+          </ac:spMkLst>
+        </pc:spChg>
+        <pc:picChg chg="del">
+          <ac:chgData name="김소희" userId="292a1162-0793-4577-a94d-2dae0dfa5995" providerId="ADAL" clId="{56FB9BA8-8618-469E-B881-B7E5EAC1530C}" dt="2022-07-17T12:30:44.119" v="7272" actId="478"/>
+          <ac:picMkLst>
+            <pc:docMk/>
+            <pc:sldMk cId="3575306235" sldId="273"/>
+            <ac:picMk id="4" creationId="{A286BE99-4C6E-717B-D201-69688FB57D8E}"/>
+          </ac:picMkLst>
+        </pc:picChg>
+        <pc:picChg chg="add del">
+          <ac:chgData name="김소희" userId="292a1162-0793-4577-a94d-2dae0dfa5995" providerId="ADAL" clId="{56FB9BA8-8618-469E-B881-B7E5EAC1530C}" dt="2022-07-17T12:30:55.852" v="7274" actId="478"/>
+          <ac:picMkLst>
+            <pc:docMk/>
+            <pc:sldMk cId="3575306235" sldId="273"/>
+            <ac:picMk id="5" creationId="{E7F87D54-6880-7131-A047-00BDA9894009}"/>
+          </ac:picMkLst>
+        </pc:picChg>
+        <pc:picChg chg="add del">
+          <ac:chgData name="김소희" userId="292a1162-0793-4577-a94d-2dae0dfa5995" providerId="ADAL" clId="{56FB9BA8-8618-469E-B881-B7E5EAC1530C}" dt="2022-07-17T12:31:13.148" v="7276" actId="478"/>
+          <ac:picMkLst>
+            <pc:docMk/>
+            <pc:sldMk cId="3575306235" sldId="273"/>
+            <ac:picMk id="12" creationId="{432536C4-836C-B7CC-76EE-19193FBAB65A}"/>
+          </ac:picMkLst>
+        </pc:picChg>
+        <pc:picChg chg="add mod">
+          <ac:chgData name="김소희" userId="292a1162-0793-4577-a94d-2dae0dfa5995" providerId="ADAL" clId="{56FB9BA8-8618-469E-B881-B7E5EAC1530C}" dt="2022-07-17T15:38:35.143" v="7741" actId="1076"/>
+          <ac:picMkLst>
+            <pc:docMk/>
+            <pc:sldMk cId="3575306235" sldId="273"/>
+            <ac:picMk id="14" creationId="{96BFB391-FD25-112E-FC94-B41BF2CE94AE}"/>
+          </ac:picMkLst>
+        </pc:picChg>
+      </pc:sldChg>
+      <pc:sldChg chg="addSp delSp modSp add mod modNotesTx">
+        <pc:chgData name="김소희" userId="292a1162-0793-4577-a94d-2dae0dfa5995" providerId="ADAL" clId="{56FB9BA8-8618-469E-B881-B7E5EAC1530C}" dt="2022-07-17T17:59:30.901" v="10796" actId="692"/>
+        <pc:sldMkLst>
+          <pc:docMk/>
+          <pc:sldMk cId="1864032891" sldId="274"/>
+        </pc:sldMkLst>
+        <pc:spChg chg="mod">
+          <ac:chgData name="김소희" userId="292a1162-0793-4577-a94d-2dae0dfa5995" providerId="ADAL" clId="{56FB9BA8-8618-469E-B881-B7E5EAC1530C}" dt="2022-07-17T12:46:18.717" v="7431" actId="20577"/>
+          <ac:spMkLst>
+            <pc:docMk/>
+            <pc:sldMk cId="1864032891" sldId="274"/>
+            <ac:spMk id="2" creationId="{5C386871-B092-6B43-A8DA-B84A6CCCC7F5}"/>
+          </ac:spMkLst>
+        </pc:spChg>
+        <pc:spChg chg="add mod">
+          <ac:chgData name="김소희" userId="292a1162-0793-4577-a94d-2dae0dfa5995" providerId="ADAL" clId="{56FB9BA8-8618-469E-B881-B7E5EAC1530C}" dt="2022-07-17T15:24:26.674" v="7597" actId="20577"/>
+          <ac:spMkLst>
+            <pc:docMk/>
+            <pc:sldMk cId="1864032891" sldId="274"/>
+            <ac:spMk id="10" creationId="{520BCCFE-A412-1390-F84E-B2BC02960CC3}"/>
+          </ac:spMkLst>
+        </pc:spChg>
+        <pc:spChg chg="add mod">
+          <ac:chgData name="김소희" userId="292a1162-0793-4577-a94d-2dae0dfa5995" providerId="ADAL" clId="{56FB9BA8-8618-469E-B881-B7E5EAC1530C}" dt="2022-07-17T16:35:52.949" v="9252" actId="1035"/>
+          <ac:spMkLst>
+            <pc:docMk/>
+            <pc:sldMk cId="1864032891" sldId="274"/>
+            <ac:spMk id="11" creationId="{6755C027-8498-D876-EA78-C0874A1BF132}"/>
+          </ac:spMkLst>
+        </pc:spChg>
+        <pc:spChg chg="add mod">
+          <ac:chgData name="김소희" userId="292a1162-0793-4577-a94d-2dae0dfa5995" providerId="ADAL" clId="{56FB9BA8-8618-469E-B881-B7E5EAC1530C}" dt="2022-07-17T15:21:54.629" v="7487" actId="1076"/>
+          <ac:spMkLst>
+            <pc:docMk/>
+            <pc:sldMk cId="1864032891" sldId="274"/>
+            <ac:spMk id="12" creationId="{7FE97760-12BC-CE55-9D5E-DDC76B6211DF}"/>
+          </ac:spMkLst>
+        </pc:spChg>
+        <pc:spChg chg="add mod">
+          <ac:chgData name="김소희" userId="292a1162-0793-4577-a94d-2dae0dfa5995" providerId="ADAL" clId="{56FB9BA8-8618-469E-B881-B7E5EAC1530C}" dt="2022-07-17T16:08:10.750" v="8246" actId="20577"/>
+          <ac:spMkLst>
+            <pc:docMk/>
+            <pc:sldMk cId="1864032891" sldId="274"/>
+            <ac:spMk id="13" creationId="{5C6CC0AE-B7C5-9CFE-084B-81561CB21A4E}"/>
+          </ac:spMkLst>
+        </pc:spChg>
+        <pc:spChg chg="del mod">
+          <ac:chgData name="김소희" userId="292a1162-0793-4577-a94d-2dae0dfa5995" providerId="ADAL" clId="{56FB9BA8-8618-469E-B881-B7E5EAC1530C}" dt="2022-07-17T15:30:51.708" v="7730" actId="478"/>
+          <ac:spMkLst>
+            <pc:docMk/>
+            <pc:sldMk cId="1864032891" sldId="274"/>
+            <ac:spMk id="15" creationId="{2494126B-543A-FDDA-17D0-F993FACA44E4}"/>
+          </ac:spMkLst>
+        </pc:spChg>
+        <pc:spChg chg="add mod">
+          <ac:chgData name="김소희" userId="292a1162-0793-4577-a94d-2dae0dfa5995" providerId="ADAL" clId="{56FB9BA8-8618-469E-B881-B7E5EAC1530C}" dt="2022-07-17T16:08:02.930" v="8245" actId="1076"/>
+          <ac:spMkLst>
+            <pc:docMk/>
+            <pc:sldMk cId="1864032891" sldId="274"/>
+            <ac:spMk id="16" creationId="{AEED4E74-7EF2-03D4-2D75-037C4D8BA8A2}"/>
+          </ac:spMkLst>
+        </pc:spChg>
+        <pc:spChg chg="del mod">
+          <ac:chgData name="김소희" userId="292a1162-0793-4577-a94d-2dae0dfa5995" providerId="ADAL" clId="{56FB9BA8-8618-469E-B881-B7E5EAC1530C}" dt="2022-07-17T12:46:38.243" v="7433" actId="478"/>
+          <ac:spMkLst>
+            <pc:docMk/>
+            <pc:sldMk cId="1864032891" sldId="274"/>
+            <ac:spMk id="17" creationId="{5F6C1FB1-4562-2466-D242-5574E13C66F6}"/>
+          </ac:spMkLst>
+        </pc:spChg>
+        <pc:spChg chg="add mod">
+          <ac:chgData name="김소희" userId="292a1162-0793-4577-a94d-2dae0dfa5995" providerId="ADAL" clId="{56FB9BA8-8618-469E-B881-B7E5EAC1530C}" dt="2022-07-17T16:08:37.908" v="8248" actId="1037"/>
+          <ac:spMkLst>
+            <pc:docMk/>
+            <pc:sldMk cId="1864032891" sldId="274"/>
+            <ac:spMk id="18" creationId="{4F3CF27E-CA54-B9D3-7E45-6D9C54FE497F}"/>
+          </ac:spMkLst>
+        </pc:spChg>
+        <pc:spChg chg="add mod">
+          <ac:chgData name="김소희" userId="292a1162-0793-4577-a94d-2dae0dfa5995" providerId="ADAL" clId="{56FB9BA8-8618-469E-B881-B7E5EAC1530C}" dt="2022-07-17T16:08:49.045" v="8253" actId="1035"/>
+          <ac:spMkLst>
+            <pc:docMk/>
+            <pc:sldMk cId="1864032891" sldId="274"/>
+            <ac:spMk id="19" creationId="{3304FBB8-A148-60B5-79CC-28FA7FB5A959}"/>
+          </ac:spMkLst>
+        </pc:spChg>
+        <pc:spChg chg="add mod">
+          <ac:chgData name="김소희" userId="292a1162-0793-4577-a94d-2dae0dfa5995" providerId="ADAL" clId="{56FB9BA8-8618-469E-B881-B7E5EAC1530C}" dt="2022-07-17T17:59:18.283" v="10795" actId="1076"/>
+          <ac:spMkLst>
+            <pc:docMk/>
+            <pc:sldMk cId="1864032891" sldId="274"/>
+            <ac:spMk id="22" creationId="{CC50681B-3125-460A-A23A-6D23BF9EA36B}"/>
+          </ac:spMkLst>
+        </pc:spChg>
+        <pc:spChg chg="add del mod">
+          <ac:chgData name="김소희" userId="292a1162-0793-4577-a94d-2dae0dfa5995" providerId="ADAL" clId="{56FB9BA8-8618-469E-B881-B7E5EAC1530C}" dt="2022-07-17T15:41:54.407" v="7847" actId="478"/>
+          <ac:spMkLst>
+            <pc:docMk/>
+            <pc:sldMk cId="1864032891" sldId="274"/>
+            <ac:spMk id="24" creationId="{25DE5375-78C5-F0CB-CCC1-E3E5C35E4DD9}"/>
+          </ac:spMkLst>
+        </pc:spChg>
+        <pc:spChg chg="add mod">
+          <ac:chgData name="김소희" userId="292a1162-0793-4577-a94d-2dae0dfa5995" providerId="ADAL" clId="{56FB9BA8-8618-469E-B881-B7E5EAC1530C}" dt="2022-07-17T16:10:45.609" v="8274" actId="404"/>
+          <ac:spMkLst>
+            <pc:docMk/>
+            <pc:sldMk cId="1864032891" sldId="274"/>
+            <ac:spMk id="25" creationId="{1AC397F3-2AD1-9EEE-9357-CC8970237A4C}"/>
+          </ac:spMkLst>
+        </pc:spChg>
+        <pc:spChg chg="add mod">
+          <ac:chgData name="김소희" userId="292a1162-0793-4577-a94d-2dae0dfa5995" providerId="ADAL" clId="{56FB9BA8-8618-469E-B881-B7E5EAC1530C}" dt="2022-07-17T16:09:34.772" v="8263" actId="1037"/>
+          <ac:spMkLst>
+            <pc:docMk/>
+            <pc:sldMk cId="1864032891" sldId="274"/>
+            <ac:spMk id="30" creationId="{BFB724BC-D356-E345-7218-9B4FB1EF280C}"/>
+          </ac:spMkLst>
+        </pc:spChg>
+        <pc:spChg chg="add mod">
+          <ac:chgData name="김소희" userId="292a1162-0793-4577-a94d-2dae0dfa5995" providerId="ADAL" clId="{56FB9BA8-8618-469E-B881-B7E5EAC1530C}" dt="2022-07-17T16:35:54.443" v="9255" actId="1035"/>
+          <ac:spMkLst>
+            <pc:docMk/>
+            <pc:sldMk cId="1864032891" sldId="274"/>
+            <ac:spMk id="34" creationId="{F22535CD-E7CA-C242-DC7F-78B8A871D4A0}"/>
+          </ac:spMkLst>
+        </pc:spChg>
+        <pc:spChg chg="add del mod">
+          <ac:chgData name="김소희" userId="292a1162-0793-4577-a94d-2dae0dfa5995" providerId="ADAL" clId="{56FB9BA8-8618-469E-B881-B7E5EAC1530C}" dt="2022-07-17T15:56:19.988" v="8034" actId="478"/>
+          <ac:spMkLst>
+            <pc:docMk/>
+            <pc:sldMk cId="1864032891" sldId="274"/>
+            <ac:spMk id="35" creationId="{D6FE1070-71D5-45C8-F06E-E852AC842C51}"/>
+          </ac:spMkLst>
+        </pc:spChg>
+        <pc:spChg chg="add del mod">
+          <ac:chgData name="김소희" userId="292a1162-0793-4577-a94d-2dae0dfa5995" providerId="ADAL" clId="{56FB9BA8-8618-469E-B881-B7E5EAC1530C}" dt="2022-07-17T16:03:44.638" v="8183" actId="478"/>
+          <ac:spMkLst>
+            <pc:docMk/>
+            <pc:sldMk cId="1864032891" sldId="274"/>
+            <ac:spMk id="36" creationId="{68430E58-BB0A-DB77-09D4-573BBA787F20}"/>
+          </ac:spMkLst>
+        </pc:spChg>
+        <pc:spChg chg="add mod">
+          <ac:chgData name="김소희" userId="292a1162-0793-4577-a94d-2dae0dfa5995" providerId="ADAL" clId="{56FB9BA8-8618-469E-B881-B7E5EAC1530C}" dt="2022-07-17T16:09:34.772" v="8263" actId="1037"/>
+          <ac:spMkLst>
+            <pc:docMk/>
+            <pc:sldMk cId="1864032891" sldId="274"/>
+            <ac:spMk id="40" creationId="{594874C8-2BBC-1065-2777-B1BEA2D874CD}"/>
+          </ac:spMkLst>
+        </pc:spChg>
+        <pc:grpChg chg="add mod">
+          <ac:chgData name="김소희" userId="292a1162-0793-4577-a94d-2dae0dfa5995" providerId="ADAL" clId="{56FB9BA8-8618-469E-B881-B7E5EAC1530C}" dt="2022-07-17T16:08:02.930" v="8245" actId="1076"/>
+          <ac:grpSpMkLst>
+            <pc:docMk/>
+            <pc:sldMk cId="1864032891" sldId="274"/>
+            <ac:grpSpMk id="31" creationId="{6C1FB062-A586-5174-2C7F-DF3EC44B0F2F}"/>
+          </ac:grpSpMkLst>
+        </pc:grpChg>
+        <pc:picChg chg="add del mod">
+          <ac:chgData name="김소희" userId="292a1162-0793-4577-a94d-2dae0dfa5995" providerId="ADAL" clId="{56FB9BA8-8618-469E-B881-B7E5EAC1530C}" dt="2022-07-17T15:20:46.619" v="7440" actId="478"/>
+          <ac:picMkLst>
+            <pc:docMk/>
+            <pc:sldMk cId="1864032891" sldId="274"/>
+            <ac:picMk id="4" creationId="{9A1DD40B-515B-FB77-D91F-D1A61770B71A}"/>
+          </ac:picMkLst>
+        </pc:picChg>
+        <pc:picChg chg="add mod ord">
+          <ac:chgData name="김소희" userId="292a1162-0793-4577-a94d-2dae0dfa5995" providerId="ADAL" clId="{56FB9BA8-8618-469E-B881-B7E5EAC1530C}" dt="2022-07-17T16:35:26.865" v="9226" actId="208"/>
+          <ac:picMkLst>
+            <pc:docMk/>
+            <pc:sldMk cId="1864032891" sldId="274"/>
+            <ac:picMk id="8" creationId="{1AC658A8-D7DA-2E4A-A8B0-80EDC15C3AE2}"/>
+          </ac:picMkLst>
+        </pc:picChg>
+        <pc:picChg chg="del">
+          <ac:chgData name="김소희" userId="292a1162-0793-4577-a94d-2dae0dfa5995" providerId="ADAL" clId="{56FB9BA8-8618-469E-B881-B7E5EAC1530C}" dt="2022-07-17T12:46:13.028" v="7420" actId="478"/>
+          <ac:picMkLst>
+            <pc:docMk/>
+            <pc:sldMk cId="1864032891" sldId="274"/>
+            <ac:picMk id="14" creationId="{96BFB391-FD25-112E-FC94-B41BF2CE94AE}"/>
+          </ac:picMkLst>
+        </pc:picChg>
+        <pc:picChg chg="add mod">
+          <ac:chgData name="김소희" userId="292a1162-0793-4577-a94d-2dae0dfa5995" providerId="ADAL" clId="{56FB9BA8-8618-469E-B881-B7E5EAC1530C}" dt="2022-07-17T16:08:02.930" v="8245" actId="1076"/>
+          <ac:picMkLst>
+            <pc:docMk/>
+            <pc:sldMk cId="1864032891" sldId="274"/>
+            <ac:picMk id="1026" creationId="{D8F19ADC-E0C9-86E2-DDEC-A85CA37D666F}"/>
+          </ac:picMkLst>
+        </pc:picChg>
+        <pc:picChg chg="add del mod">
+          <ac:chgData name="김소희" userId="292a1162-0793-4577-a94d-2dae0dfa5995" providerId="ADAL" clId="{56FB9BA8-8618-469E-B881-B7E5EAC1530C}" dt="2022-07-17T15:30:31.196" v="7723" actId="478"/>
+          <ac:picMkLst>
+            <pc:docMk/>
+            <pc:sldMk cId="1864032891" sldId="274"/>
+            <ac:picMk id="1028" creationId="{C83C384B-67CF-4B7A-79E9-30FBB20B9198}"/>
+          </ac:picMkLst>
+        </pc:picChg>
+        <pc:picChg chg="add mod">
+          <ac:chgData name="김소희" userId="292a1162-0793-4577-a94d-2dae0dfa5995" providerId="ADAL" clId="{56FB9BA8-8618-469E-B881-B7E5EAC1530C}" dt="2022-07-17T16:09:47.877" v="8268" actId="1076"/>
+          <ac:picMkLst>
+            <pc:docMk/>
+            <pc:sldMk cId="1864032891" sldId="274"/>
+            <ac:picMk id="1030" creationId="{5658C78A-FA1D-FC6B-43FB-E48740EB9751}"/>
+          </ac:picMkLst>
+        </pc:picChg>
+        <pc:cxnChg chg="add mod">
+          <ac:chgData name="김소희" userId="292a1162-0793-4577-a94d-2dae0dfa5995" providerId="ADAL" clId="{56FB9BA8-8618-469E-B881-B7E5EAC1530C}" dt="2022-07-17T17:59:30.901" v="10796" actId="692"/>
+          <ac:cxnSpMkLst>
+            <pc:docMk/>
+            <pc:sldMk cId="1864032891" sldId="274"/>
+            <ac:cxnSpMk id="21" creationId="{231209F2-A61F-507A-CBB5-6D4D9252B279}"/>
+          </ac:cxnSpMkLst>
+        </pc:cxnChg>
+        <pc:cxnChg chg="add mod">
+          <ac:chgData name="김소희" userId="292a1162-0793-4577-a94d-2dae0dfa5995" providerId="ADAL" clId="{56FB9BA8-8618-469E-B881-B7E5EAC1530C}" dt="2022-07-17T16:35:47.671" v="9238" actId="1035"/>
+          <ac:cxnSpMkLst>
+            <pc:docMk/>
+            <pc:sldMk cId="1864032891" sldId="274"/>
+            <ac:cxnSpMk id="27" creationId="{13960771-C0FC-EF6A-D9D7-0E0CF947D2C9}"/>
+          </ac:cxnSpMkLst>
+        </pc:cxnChg>
+        <pc:cxnChg chg="add mod">
+          <ac:chgData name="김소희" userId="292a1162-0793-4577-a94d-2dae0dfa5995" providerId="ADAL" clId="{56FB9BA8-8618-469E-B881-B7E5EAC1530C}" dt="2022-07-17T16:35:50.259" v="9248" actId="1035"/>
+          <ac:cxnSpMkLst>
+            <pc:docMk/>
+            <pc:sldMk cId="1864032891" sldId="274"/>
+            <ac:cxnSpMk id="38" creationId="{232E0601-0B2B-491C-7862-2678C95BA6B9}"/>
+          </ac:cxnSpMkLst>
+        </pc:cxnChg>
+      </pc:sldChg>
+      <pc:sldChg chg="addSp delSp modSp add mod">
+        <pc:chgData name="김소희" userId="292a1162-0793-4577-a94d-2dae0dfa5995" providerId="ADAL" clId="{56FB9BA8-8618-469E-B881-B7E5EAC1530C}" dt="2022-07-17T18:19:08.914" v="11410" actId="1035"/>
+        <pc:sldMkLst>
+          <pc:docMk/>
+          <pc:sldMk cId="1710748464" sldId="275"/>
+        </pc:sldMkLst>
+        <pc:spChg chg="add mod">
+          <ac:chgData name="김소희" userId="292a1162-0793-4577-a94d-2dae0dfa5995" providerId="ADAL" clId="{56FB9BA8-8618-469E-B881-B7E5EAC1530C}" dt="2022-07-17T18:19:08.914" v="11410" actId="1035"/>
+          <ac:spMkLst>
+            <pc:docMk/>
+            <pc:sldMk cId="1710748464" sldId="275"/>
+            <ac:spMk id="6" creationId="{F446FE9C-3EE4-C6EB-8545-9571B4F20B24}"/>
+          </ac:spMkLst>
+        </pc:spChg>
+        <pc:spChg chg="add del mod">
+          <ac:chgData name="김소희" userId="292a1162-0793-4577-a94d-2dae0dfa5995" providerId="ADAL" clId="{56FB9BA8-8618-469E-B881-B7E5EAC1530C}" dt="2022-07-17T16:15:03.181" v="8576" actId="478"/>
+          <ac:spMkLst>
+            <pc:docMk/>
+            <pc:sldMk cId="1710748464" sldId="275"/>
+            <ac:spMk id="7" creationId="{5FF834EC-C667-129F-6DE7-24EC80562A9F}"/>
+          </ac:spMkLst>
+        </pc:spChg>
+        <pc:spChg chg="mod">
+          <ac:chgData name="김소희" userId="292a1162-0793-4577-a94d-2dae0dfa5995" providerId="ADAL" clId="{56FB9BA8-8618-469E-B881-B7E5EAC1530C}" dt="2022-07-17T17:43:43.132" v="10179" actId="207"/>
+          <ac:spMkLst>
+            <pc:docMk/>
+            <pc:sldMk cId="1710748464" sldId="275"/>
+            <ac:spMk id="15" creationId="{2494126B-543A-FDDA-17D0-F993FACA44E4}"/>
+          </ac:spMkLst>
+        </pc:spChg>
+        <pc:picChg chg="del mod">
+          <ac:chgData name="김소희" userId="292a1162-0793-4577-a94d-2dae0dfa5995" providerId="ADAL" clId="{56FB9BA8-8618-469E-B881-B7E5EAC1530C}" dt="2022-07-17T16:14:59.420" v="8575" actId="478"/>
+          <ac:picMkLst>
+            <pc:docMk/>
+            <pc:sldMk cId="1710748464" sldId="275"/>
+            <ac:picMk id="4" creationId="{9A1DD40B-515B-FB77-D91F-D1A61770B71A}"/>
+          </ac:picMkLst>
+        </pc:picChg>
+        <pc:picChg chg="add mod">
+          <ac:chgData name="김소희" userId="292a1162-0793-4577-a94d-2dae0dfa5995" providerId="ADAL" clId="{56FB9BA8-8618-469E-B881-B7E5EAC1530C}" dt="2022-07-17T16:17:16.584" v="8647" actId="1076"/>
+          <ac:picMkLst>
+            <pc:docMk/>
+            <pc:sldMk cId="1710748464" sldId="275"/>
+            <ac:picMk id="8" creationId="{452ED89C-DC3B-3E32-C031-AF960A2234C0}"/>
+          </ac:picMkLst>
+        </pc:picChg>
+      </pc:sldChg>
+      <pc:sldChg chg="addSp delSp modSp add mod">
+        <pc:chgData name="김소희" userId="292a1162-0793-4577-a94d-2dae0dfa5995" providerId="ADAL" clId="{56FB9BA8-8618-469E-B881-B7E5EAC1530C}" dt="2022-07-18T05:51:49.446" v="12840" actId="208"/>
+        <pc:sldMkLst>
+          <pc:docMk/>
+          <pc:sldMk cId="2083716223" sldId="276"/>
+        </pc:sldMkLst>
+        <pc:spChg chg="del">
+          <ac:chgData name="김소희" userId="292a1162-0793-4577-a94d-2dae0dfa5995" providerId="ADAL" clId="{56FB9BA8-8618-469E-B881-B7E5EAC1530C}" dt="2022-07-17T16:18:28.880" v="8655" actId="478"/>
+          <ac:spMkLst>
+            <pc:docMk/>
+            <pc:sldMk cId="2083716223" sldId="276"/>
+            <ac:spMk id="6" creationId="{F446FE9C-3EE4-C6EB-8545-9571B4F20B24}"/>
+          </ac:spMkLst>
+        </pc:spChg>
+        <pc:spChg chg="mod">
+          <ac:chgData name="김소희" userId="292a1162-0793-4577-a94d-2dae0dfa5995" providerId="ADAL" clId="{56FB9BA8-8618-469E-B881-B7E5EAC1530C}" dt="2022-07-17T17:42:15.789" v="10167" actId="207"/>
+          <ac:spMkLst>
+            <pc:docMk/>
+            <pc:sldMk cId="2083716223" sldId="276"/>
+            <ac:spMk id="7" creationId="{5FF834EC-C667-129F-6DE7-24EC80562A9F}"/>
+          </ac:spMkLst>
+        </pc:spChg>
+        <pc:spChg chg="add mod">
+          <ac:chgData name="김소희" userId="292a1162-0793-4577-a94d-2dae0dfa5995" providerId="ADAL" clId="{56FB9BA8-8618-469E-B881-B7E5EAC1530C}" dt="2022-07-17T16:30:21.020" v="9062" actId="20577"/>
+          <ac:spMkLst>
+            <pc:docMk/>
+            <pc:sldMk cId="2083716223" sldId="276"/>
+            <ac:spMk id="8" creationId="{9530C086-2C13-F035-575F-854F651D3568}"/>
+          </ac:spMkLst>
+        </pc:spChg>
+        <pc:spChg chg="add mod">
+          <ac:chgData name="김소희" userId="292a1162-0793-4577-a94d-2dae0dfa5995" providerId="ADAL" clId="{56FB9BA8-8618-469E-B881-B7E5EAC1530C}" dt="2022-07-17T16:31:38.557" v="9076" actId="164"/>
+          <ac:spMkLst>
+            <pc:docMk/>
+            <pc:sldMk cId="2083716223" sldId="276"/>
+            <ac:spMk id="10" creationId="{F31E1171-8A08-B76C-F69F-11BE262933A5}"/>
+          </ac:spMkLst>
+        </pc:spChg>
+        <pc:spChg chg="add mod">
+          <ac:chgData name="김소희" userId="292a1162-0793-4577-a94d-2dae0dfa5995" providerId="ADAL" clId="{56FB9BA8-8618-469E-B881-B7E5EAC1530C}" dt="2022-07-17T16:31:38.557" v="9076" actId="164"/>
+          <ac:spMkLst>
+            <pc:docMk/>
+            <pc:sldMk cId="2083716223" sldId="276"/>
+            <ac:spMk id="11" creationId="{5E75915A-9ED9-087D-B5D4-8D7DE00C43C0}"/>
+          </ac:spMkLst>
+        </pc:spChg>
+        <pc:spChg chg="add del mod">
+          <ac:chgData name="김소희" userId="292a1162-0793-4577-a94d-2dae0dfa5995" providerId="ADAL" clId="{56FB9BA8-8618-469E-B881-B7E5EAC1530C}" dt="2022-07-17T16:24:11.559" v="8820"/>
+          <ac:spMkLst>
+            <pc:docMk/>
+            <pc:sldMk cId="2083716223" sldId="276"/>
+            <ac:spMk id="12" creationId="{D5C18C7D-7BFF-8E58-16A7-B899CCE0A6E8}"/>
+          </ac:spMkLst>
+        </pc:spChg>
+        <pc:spChg chg="add mod">
+          <ac:chgData name="김소희" userId="292a1162-0793-4577-a94d-2dae0dfa5995" providerId="ADAL" clId="{56FB9BA8-8618-469E-B881-B7E5EAC1530C}" dt="2022-07-17T16:31:38.557" v="9076" actId="164"/>
+          <ac:spMkLst>
+            <pc:docMk/>
+            <pc:sldMk cId="2083716223" sldId="276"/>
+            <ac:spMk id="13" creationId="{B6DA59CA-7693-E14D-C506-2CEB242652DE}"/>
+          </ac:spMkLst>
+        </pc:spChg>
+        <pc:spChg chg="add mod">
+          <ac:chgData name="김소희" userId="292a1162-0793-4577-a94d-2dae0dfa5995" providerId="ADAL" clId="{56FB9BA8-8618-469E-B881-B7E5EAC1530C}" dt="2022-07-17T16:31:38.557" v="9076" actId="164"/>
+          <ac:spMkLst>
+            <pc:docMk/>
+            <pc:sldMk cId="2083716223" sldId="276"/>
+            <ac:spMk id="14" creationId="{52728B2B-4DD5-FFD6-ABAB-1516F1B21BED}"/>
+          </ac:spMkLst>
+        </pc:spChg>
+        <pc:spChg chg="del">
+          <ac:chgData name="김소희" userId="292a1162-0793-4577-a94d-2dae0dfa5995" providerId="ADAL" clId="{56FB9BA8-8618-469E-B881-B7E5EAC1530C}" dt="2022-07-17T16:18:28.880" v="8655" actId="478"/>
+          <ac:spMkLst>
+            <pc:docMk/>
+            <pc:sldMk cId="2083716223" sldId="276"/>
+            <ac:spMk id="15" creationId="{2494126B-543A-FDDA-17D0-F993FACA44E4}"/>
+          </ac:spMkLst>
+        </pc:spChg>
+        <pc:spChg chg="add mod">
+          <ac:chgData name="김소희" userId="292a1162-0793-4577-a94d-2dae0dfa5995" providerId="ADAL" clId="{56FB9BA8-8618-469E-B881-B7E5EAC1530C}" dt="2022-07-17T16:31:38.557" v="9076" actId="164"/>
+          <ac:spMkLst>
+            <pc:docMk/>
+            <pc:sldMk cId="2083716223" sldId="276"/>
+            <ac:spMk id="16" creationId="{24673AE0-5A9B-519E-1DE2-ACA0ADB6FD14}"/>
+          </ac:spMkLst>
+        </pc:spChg>
+        <pc:spChg chg="add mod">
+          <ac:chgData name="김소희" userId="292a1162-0793-4577-a94d-2dae0dfa5995" providerId="ADAL" clId="{56FB9BA8-8618-469E-B881-B7E5EAC1530C}" dt="2022-07-17T16:31:38.557" v="9076" actId="164"/>
+          <ac:spMkLst>
+            <pc:docMk/>
+            <pc:sldMk cId="2083716223" sldId="276"/>
+            <ac:spMk id="17" creationId="{CED7611A-35D5-4BC6-12E6-DBB24B86C0F4}"/>
+          </ac:spMkLst>
+        </pc:spChg>
+        <pc:spChg chg="add mod">
+          <ac:chgData name="김소희" userId="292a1162-0793-4577-a94d-2dae0dfa5995" providerId="ADAL" clId="{56FB9BA8-8618-469E-B881-B7E5EAC1530C}" dt="2022-07-17T16:35:04.322" v="9225" actId="14100"/>
+          <ac:spMkLst>
+            <pc:docMk/>
+            <pc:sldMk cId="2083716223" sldId="276"/>
+            <ac:spMk id="20" creationId="{ECC14A61-5B3B-63A9-8A1F-095892D9DA2C}"/>
+          </ac:spMkLst>
+        </pc:spChg>
+        <pc:spChg chg="add mod">
+          <ac:chgData name="김소희" userId="292a1162-0793-4577-a94d-2dae0dfa5995" providerId="ADAL" clId="{56FB9BA8-8618-469E-B881-B7E5EAC1530C}" dt="2022-07-17T16:43:56.015" v="9382" actId="1076"/>
+          <ac:spMkLst>
+            <pc:docMk/>
+            <pc:sldMk cId="2083716223" sldId="276"/>
+            <ac:spMk id="22" creationId="{3161147D-EDD1-F295-9DFE-A0871B59E7E8}"/>
+          </ac:spMkLst>
+        </pc:spChg>
+        <pc:spChg chg="add mod">
+          <ac:chgData name="김소희" userId="292a1162-0793-4577-a94d-2dae0dfa5995" providerId="ADAL" clId="{56FB9BA8-8618-469E-B881-B7E5EAC1530C}" dt="2022-07-18T05:51:42.802" v="12838" actId="207"/>
+          <ac:spMkLst>
+            <pc:docMk/>
+            <pc:sldMk cId="2083716223" sldId="276"/>
+            <ac:spMk id="23" creationId="{47C4DA89-A353-B37C-FA0A-C988944FDB9B}"/>
+          </ac:spMkLst>
+        </pc:spChg>
+        <pc:spChg chg="add mod">
+          <ac:chgData name="김소희" userId="292a1162-0793-4577-a94d-2dae0dfa5995" providerId="ADAL" clId="{56FB9BA8-8618-469E-B881-B7E5EAC1530C}" dt="2022-07-17T16:33:04.310" v="9167" actId="20577"/>
+          <ac:spMkLst>
+            <pc:docMk/>
+            <pc:sldMk cId="2083716223" sldId="276"/>
+            <ac:spMk id="24" creationId="{DFBB6B18-E1C8-F3AB-6AFD-3A241C98ADEE}"/>
+          </ac:spMkLst>
+        </pc:spChg>
+        <pc:spChg chg="add mod">
+          <ac:chgData name="김소희" userId="292a1162-0793-4577-a94d-2dae0dfa5995" providerId="ADAL" clId="{56FB9BA8-8618-469E-B881-B7E5EAC1530C}" dt="2022-07-17T16:34:55.015" v="9221" actId="1076"/>
+          <ac:spMkLst>
+            <pc:docMk/>
+            <pc:sldMk cId="2083716223" sldId="276"/>
+            <ac:spMk id="26" creationId="{71F36E78-1095-967D-CEC7-08DA1ED846D0}"/>
+          </ac:spMkLst>
+        </pc:spChg>
+        <pc:grpChg chg="add mod">
+          <ac:chgData name="김소희" userId="292a1162-0793-4577-a94d-2dae0dfa5995" providerId="ADAL" clId="{56FB9BA8-8618-469E-B881-B7E5EAC1530C}" dt="2022-07-18T05:51:29.934" v="12836" actId="1076"/>
+          <ac:grpSpMkLst>
+            <pc:docMk/>
+            <pc:sldMk cId="2083716223" sldId="276"/>
+            <ac:grpSpMk id="27" creationId="{681B5E7D-412A-2C70-35A9-A23437D4A309}"/>
+          </ac:grpSpMkLst>
+        </pc:grpChg>
+        <pc:picChg chg="mod modCrop">
+          <ac:chgData name="김소희" userId="292a1162-0793-4577-a94d-2dae0dfa5995" providerId="ADAL" clId="{56FB9BA8-8618-469E-B881-B7E5EAC1530C}" dt="2022-07-17T16:31:38.557" v="9076" actId="164"/>
+          <ac:picMkLst>
+            <pc:docMk/>
+            <pc:sldMk cId="2083716223" sldId="276"/>
+            <ac:picMk id="4" creationId="{9A1DD40B-515B-FB77-D91F-D1A61770B71A}"/>
+          </ac:picMkLst>
+        </pc:picChg>
+        <pc:picChg chg="add mod">
+          <ac:chgData name="김소희" userId="292a1162-0793-4577-a94d-2dae0dfa5995" providerId="ADAL" clId="{56FB9BA8-8618-469E-B881-B7E5EAC1530C}" dt="2022-07-17T16:33:21.526" v="9169" actId="208"/>
+          <ac:picMkLst>
+            <pc:docMk/>
+            <pc:sldMk cId="2083716223" sldId="276"/>
+            <ac:picMk id="5" creationId="{E8F30DDB-AE88-CFA5-CD61-27A40D2A07D2}"/>
+          </ac:picMkLst>
+        </pc:picChg>
+        <pc:picChg chg="add mod">
+          <ac:chgData name="김소희" userId="292a1162-0793-4577-a94d-2dae0dfa5995" providerId="ADAL" clId="{56FB9BA8-8618-469E-B881-B7E5EAC1530C}" dt="2022-07-17T16:34:58.291" v="9222" actId="1076"/>
+          <ac:picMkLst>
+            <pc:docMk/>
+            <pc:sldMk cId="2083716223" sldId="276"/>
+            <ac:picMk id="19" creationId="{6A93AB8A-D3A3-C7ED-3788-8493A84CF8E9}"/>
+          </ac:picMkLst>
+        </pc:picChg>
+        <pc:picChg chg="add mod">
+          <ac:chgData name="김소희" userId="292a1162-0793-4577-a94d-2dae0dfa5995" providerId="ADAL" clId="{56FB9BA8-8618-469E-B881-B7E5EAC1530C}" dt="2022-07-17T16:43:56.015" v="9382" actId="1076"/>
+          <ac:picMkLst>
+            <pc:docMk/>
+            <pc:sldMk cId="2083716223" sldId="276"/>
+            <ac:picMk id="21" creationId="{A7F40CE3-2DC3-B0E4-0BE4-65F3270EDB70}"/>
+          </ac:picMkLst>
+        </pc:picChg>
+        <pc:picChg chg="add del">
+          <ac:chgData name="김소희" userId="292a1162-0793-4577-a94d-2dae0dfa5995" providerId="ADAL" clId="{56FB9BA8-8618-469E-B881-B7E5EAC1530C}" dt="2022-07-17T16:29:56.935" v="9051" actId="22"/>
+          <ac:picMkLst>
+            <pc:docMk/>
+            <pc:sldMk cId="2083716223" sldId="276"/>
+            <ac:picMk id="23" creationId="{F96ED7C2-D6E4-C59F-0FE0-5F648456662B}"/>
+          </ac:picMkLst>
+        </pc:picChg>
+        <pc:cxnChg chg="add mod">
+          <ac:chgData name="김소희" userId="292a1162-0793-4577-a94d-2dae0dfa5995" providerId="ADAL" clId="{56FB9BA8-8618-469E-B881-B7E5EAC1530C}" dt="2022-07-18T05:51:49.446" v="12840" actId="208"/>
+          <ac:cxnSpMkLst>
+            <pc:docMk/>
+            <pc:sldMk cId="2083716223" sldId="276"/>
+            <ac:cxnSpMk id="6" creationId="{03B84DCD-352B-3C31-B6BF-C75E728F04AE}"/>
+          </ac:cxnSpMkLst>
+        </pc:cxnChg>
+      </pc:sldChg>
+      <pc:sldChg chg="addSp delSp modSp add mod">
+        <pc:chgData name="김소희" userId="292a1162-0793-4577-a94d-2dae0dfa5995" providerId="ADAL" clId="{56FB9BA8-8618-469E-B881-B7E5EAC1530C}" dt="2022-07-17T18:01:25.036" v="10818" actId="1035"/>
+        <pc:sldMkLst>
+          <pc:docMk/>
+          <pc:sldMk cId="3383878795" sldId="277"/>
+        </pc:sldMkLst>
+        <pc:spChg chg="mod">
+          <ac:chgData name="김소희" userId="292a1162-0793-4577-a94d-2dae0dfa5995" providerId="ADAL" clId="{56FB9BA8-8618-469E-B881-B7E5EAC1530C}" dt="2022-07-17T17:42:19.387" v="10168" actId="207"/>
+          <ac:spMkLst>
+            <pc:docMk/>
+            <pc:sldMk cId="3383878795" sldId="277"/>
+            <ac:spMk id="7" creationId="{5FF834EC-C667-129F-6DE7-24EC80562A9F}"/>
+          </ac:spMkLst>
+        </pc:spChg>
+        <pc:spChg chg="mod">
+          <ac:chgData name="김소희" userId="292a1162-0793-4577-a94d-2dae0dfa5995" providerId="ADAL" clId="{56FB9BA8-8618-469E-B881-B7E5EAC1530C}" dt="2022-07-17T18:01:25.036" v="10818" actId="1035"/>
+          <ac:spMkLst>
+            <pc:docMk/>
+            <pc:sldMk cId="3383878795" sldId="277"/>
+            <ac:spMk id="8" creationId="{9530C086-2C13-F035-575F-854F651D3568}"/>
+          </ac:spMkLst>
+        </pc:spChg>
+        <pc:spChg chg="del">
+          <ac:chgData name="김소희" userId="292a1162-0793-4577-a94d-2dae0dfa5995" providerId="ADAL" clId="{56FB9BA8-8618-469E-B881-B7E5EAC1530C}" dt="2022-07-17T16:46:14.882" v="9401" actId="478"/>
+          <ac:spMkLst>
+            <pc:docMk/>
+            <pc:sldMk cId="3383878795" sldId="277"/>
+            <ac:spMk id="20" creationId="{ECC14A61-5B3B-63A9-8A1F-095892D9DA2C}"/>
+          </ac:spMkLst>
+        </pc:spChg>
+        <pc:spChg chg="del">
+          <ac:chgData name="김소희" userId="292a1162-0793-4577-a94d-2dae0dfa5995" providerId="ADAL" clId="{56FB9BA8-8618-469E-B881-B7E5EAC1530C}" dt="2022-07-17T16:46:14.882" v="9401" actId="478"/>
+          <ac:spMkLst>
+            <pc:docMk/>
+            <pc:sldMk cId="3383878795" sldId="277"/>
+            <ac:spMk id="22" creationId="{3161147D-EDD1-F295-9DFE-A0871B59E7E8}"/>
+          </ac:spMkLst>
+        </pc:spChg>
+        <pc:spChg chg="del">
+          <ac:chgData name="김소희" userId="292a1162-0793-4577-a94d-2dae0dfa5995" providerId="ADAL" clId="{56FB9BA8-8618-469E-B881-B7E5EAC1530C}" dt="2022-07-17T16:46:14.882" v="9401" actId="478"/>
+          <ac:spMkLst>
+            <pc:docMk/>
+            <pc:sldMk cId="3383878795" sldId="277"/>
+            <ac:spMk id="23" creationId="{47C4DA89-A353-B37C-FA0A-C988944FDB9B}"/>
+          </ac:spMkLst>
+        </pc:spChg>
+        <pc:spChg chg="del">
+          <ac:chgData name="김소희" userId="292a1162-0793-4577-a94d-2dae0dfa5995" providerId="ADAL" clId="{56FB9BA8-8618-469E-B881-B7E5EAC1530C}" dt="2022-07-17T16:46:14.882" v="9401" actId="478"/>
+          <ac:spMkLst>
+            <pc:docMk/>
+            <pc:sldMk cId="3383878795" sldId="277"/>
+            <ac:spMk id="24" creationId="{DFBB6B18-E1C8-F3AB-6AFD-3A241C98ADEE}"/>
+          </ac:spMkLst>
+        </pc:spChg>
+        <pc:spChg chg="del">
+          <ac:chgData name="김소희" userId="292a1162-0793-4577-a94d-2dae0dfa5995" providerId="ADAL" clId="{56FB9BA8-8618-469E-B881-B7E5EAC1530C}" dt="2022-07-17T16:46:14.882" v="9401" actId="478"/>
+          <ac:spMkLst>
+            <pc:docMk/>
+            <pc:sldMk cId="3383878795" sldId="277"/>
+            <ac:spMk id="26" creationId="{71F36E78-1095-967D-CEC7-08DA1ED846D0}"/>
+          </ac:spMkLst>
+        </pc:spChg>
+        <pc:spChg chg="add mod ord">
+          <ac:chgData name="김소희" userId="292a1162-0793-4577-a94d-2dae0dfa5995" providerId="ADAL" clId="{56FB9BA8-8618-469E-B881-B7E5EAC1530C}" dt="2022-07-17T18:01:25.036" v="10818" actId="1035"/>
+          <ac:spMkLst>
+            <pc:docMk/>
+            <pc:sldMk cId="3383878795" sldId="277"/>
+            <ac:spMk id="28" creationId="{6EBF89F1-86DC-39FD-C56C-3F3A9A830943}"/>
+          </ac:spMkLst>
+        </pc:spChg>
+        <pc:spChg chg="add mod">
+          <ac:chgData name="김소희" userId="292a1162-0793-4577-a94d-2dae0dfa5995" providerId="ADAL" clId="{56FB9BA8-8618-469E-B881-B7E5EAC1530C}" dt="2022-07-17T18:01:25.036" v="10818" actId="1035"/>
+          <ac:spMkLst>
+            <pc:docMk/>
+            <pc:sldMk cId="3383878795" sldId="277"/>
+            <ac:spMk id="29" creationId="{6249B86C-3C23-511D-2770-A42478CE3217}"/>
+          </ac:spMkLst>
+        </pc:spChg>
+        <pc:spChg chg="add mod">
+          <ac:chgData name="김소희" userId="292a1162-0793-4577-a94d-2dae0dfa5995" providerId="ADAL" clId="{56FB9BA8-8618-469E-B881-B7E5EAC1530C}" dt="2022-07-17T18:01:25.036" v="10818" actId="1035"/>
+          <ac:spMkLst>
+            <pc:docMk/>
+            <pc:sldMk cId="3383878795" sldId="277"/>
+            <ac:spMk id="30" creationId="{B2AA91B7-72B1-ABDC-4BCF-57BE5BD51013}"/>
+          </ac:spMkLst>
+        </pc:spChg>
+        <pc:spChg chg="add mod">
+          <ac:chgData name="김소희" userId="292a1162-0793-4577-a94d-2dae0dfa5995" providerId="ADAL" clId="{56FB9BA8-8618-469E-B881-B7E5EAC1530C}" dt="2022-07-17T18:01:25.036" v="10818" actId="1035"/>
+          <ac:spMkLst>
+            <pc:docMk/>
+            <pc:sldMk cId="3383878795" sldId="277"/>
+            <ac:spMk id="31" creationId="{7A525C70-5F9D-B1F1-61D5-A1C4B8DED67B}"/>
+          </ac:spMkLst>
+        </pc:spChg>
+        <pc:spChg chg="mod">
+          <ac:chgData name="김소희" userId="292a1162-0793-4577-a94d-2dae0dfa5995" providerId="ADAL" clId="{56FB9BA8-8618-469E-B881-B7E5EAC1530C}" dt="2022-07-17T17:38:23.319" v="10038"/>
+          <ac:spMkLst>
+            <pc:docMk/>
+            <pc:sldMk cId="3383878795" sldId="277"/>
+            <ac:spMk id="34" creationId="{5947AAC9-A86B-D2E1-EED3-62D6F3AE330C}"/>
+          </ac:spMkLst>
+        </pc:spChg>
+        <pc:spChg chg="mod">
+          <ac:chgData name="김소희" userId="292a1162-0793-4577-a94d-2dae0dfa5995" providerId="ADAL" clId="{56FB9BA8-8618-469E-B881-B7E5EAC1530C}" dt="2022-07-17T17:38:23.319" v="10038"/>
+          <ac:spMkLst>
+            <pc:docMk/>
+            <pc:sldMk cId="3383878795" sldId="277"/>
+            <ac:spMk id="35" creationId="{A445B665-69E7-4729-BD82-A1CE0FD5227C}"/>
+          </ac:spMkLst>
+        </pc:spChg>
+        <pc:spChg chg="mod">
+          <ac:chgData name="김소희" userId="292a1162-0793-4577-a94d-2dae0dfa5995" providerId="ADAL" clId="{56FB9BA8-8618-469E-B881-B7E5EAC1530C}" dt="2022-07-17T17:38:23.319" v="10038"/>
+          <ac:spMkLst>
+            <pc:docMk/>
+            <pc:sldMk cId="3383878795" sldId="277"/>
+            <ac:spMk id="36" creationId="{6F07D7F1-76AE-F30F-CB80-B9D92EAD262A}"/>
+          </ac:spMkLst>
+        </pc:spChg>
+        <pc:spChg chg="mod">
+          <ac:chgData name="김소희" userId="292a1162-0793-4577-a94d-2dae0dfa5995" providerId="ADAL" clId="{56FB9BA8-8618-469E-B881-B7E5EAC1530C}" dt="2022-07-17T17:38:23.319" v="10038"/>
+          <ac:spMkLst>
+            <pc:docMk/>
+            <pc:sldMk cId="3383878795" sldId="277"/>
+            <ac:spMk id="37" creationId="{5B3FF7ED-3EB3-C792-622E-F1D96E145238}"/>
+          </ac:spMkLst>
+        </pc:spChg>
+        <pc:spChg chg="mod">
+          <ac:chgData name="김소희" userId="292a1162-0793-4577-a94d-2dae0dfa5995" providerId="ADAL" clId="{56FB9BA8-8618-469E-B881-B7E5EAC1530C}" dt="2022-07-17T17:38:23.319" v="10038"/>
+          <ac:spMkLst>
+            <pc:docMk/>
+            <pc:sldMk cId="3383878795" sldId="277"/>
+            <ac:spMk id="38" creationId="{D6C6E2BA-7D67-E8C0-4608-F022DB8AD646}"/>
+          </ac:spMkLst>
+        </pc:spChg>
+        <pc:spChg chg="mod">
+          <ac:chgData name="김소희" userId="292a1162-0793-4577-a94d-2dae0dfa5995" providerId="ADAL" clId="{56FB9BA8-8618-469E-B881-B7E5EAC1530C}" dt="2022-07-17T17:38:23.319" v="10038"/>
+          <ac:spMkLst>
+            <pc:docMk/>
+            <pc:sldMk cId="3383878795" sldId="277"/>
+            <ac:spMk id="39" creationId="{A82197B3-9FDB-B9EC-5CD1-783DA88454CB}"/>
+          </ac:spMkLst>
+        </pc:spChg>
+        <pc:grpChg chg="del">
+          <ac:chgData name="김소희" userId="292a1162-0793-4577-a94d-2dae0dfa5995" providerId="ADAL" clId="{56FB9BA8-8618-469E-B881-B7E5EAC1530C}" dt="2022-07-17T16:46:14.882" v="9401" actId="478"/>
+          <ac:grpSpMkLst>
+            <pc:docMk/>
+            <pc:sldMk cId="3383878795" sldId="277"/>
+            <ac:grpSpMk id="27" creationId="{681B5E7D-412A-2C70-35A9-A23437D4A309}"/>
+          </ac:grpSpMkLst>
+        </pc:grpChg>
+        <pc:grpChg chg="add del mod">
+          <ac:chgData name="김소희" userId="292a1162-0793-4577-a94d-2dae0dfa5995" providerId="ADAL" clId="{56FB9BA8-8618-469E-B881-B7E5EAC1530C}" dt="2022-07-17T17:38:33.524" v="10043"/>
+          <ac:grpSpMkLst>
+            <pc:docMk/>
+            <pc:sldMk cId="3383878795" sldId="277"/>
+            <ac:grpSpMk id="32" creationId="{A6AB966E-C514-0231-34A0-EC3CF8FB1709}"/>
+          </ac:grpSpMkLst>
+        </pc:grpChg>
+        <pc:picChg chg="del">
+          <ac:chgData name="김소희" userId="292a1162-0793-4577-a94d-2dae0dfa5995" providerId="ADAL" clId="{56FB9BA8-8618-469E-B881-B7E5EAC1530C}" dt="2022-07-17T16:46:14.882" v="9401" actId="478"/>
+          <ac:picMkLst>
+            <pc:docMk/>
+            <pc:sldMk cId="3383878795" sldId="277"/>
+            <ac:picMk id="5" creationId="{E8F30DDB-AE88-CFA5-CD61-27A40D2A07D2}"/>
+          </ac:picMkLst>
+        </pc:picChg>
+        <pc:picChg chg="add mod">
+          <ac:chgData name="김소희" userId="292a1162-0793-4577-a94d-2dae0dfa5995" providerId="ADAL" clId="{56FB9BA8-8618-469E-B881-B7E5EAC1530C}" dt="2022-07-17T18:01:25.036" v="10818" actId="1035"/>
+          <ac:picMkLst>
+            <pc:docMk/>
+            <pc:sldMk cId="3383878795" sldId="277"/>
+            <ac:picMk id="12" creationId="{578ACBF1-4819-2E3C-F2B5-88BE628E11D6}"/>
+          </ac:picMkLst>
+        </pc:picChg>
+        <pc:picChg chg="del">
+          <ac:chgData name="김소희" userId="292a1162-0793-4577-a94d-2dae0dfa5995" providerId="ADAL" clId="{56FB9BA8-8618-469E-B881-B7E5EAC1530C}" dt="2022-07-17T16:46:14.882" v="9401" actId="478"/>
+          <ac:picMkLst>
+            <pc:docMk/>
+            <pc:sldMk cId="3383878795" sldId="277"/>
+            <ac:picMk id="19" creationId="{6A93AB8A-D3A3-C7ED-3788-8493A84CF8E9}"/>
+          </ac:picMkLst>
+        </pc:picChg>
+        <pc:picChg chg="del">
+          <ac:chgData name="김소희" userId="292a1162-0793-4577-a94d-2dae0dfa5995" providerId="ADAL" clId="{56FB9BA8-8618-469E-B881-B7E5EAC1530C}" dt="2022-07-17T16:46:14.882" v="9401" actId="478"/>
+          <ac:picMkLst>
+            <pc:docMk/>
+            <pc:sldMk cId="3383878795" sldId="277"/>
+            <ac:picMk id="21" creationId="{A7F40CE3-2DC3-B0E4-0BE4-65F3270EDB70}"/>
+          </ac:picMkLst>
+        </pc:picChg>
+        <pc:picChg chg="mod">
+          <ac:chgData name="김소희" userId="292a1162-0793-4577-a94d-2dae0dfa5995" providerId="ADAL" clId="{56FB9BA8-8618-469E-B881-B7E5EAC1530C}" dt="2022-07-17T17:38:23.319" v="10038"/>
+          <ac:picMkLst>
+            <pc:docMk/>
+            <pc:sldMk cId="3383878795" sldId="277"/>
+            <ac:picMk id="33" creationId="{3E828213-7BFF-4428-259C-15D0F341C145}"/>
+          </ac:picMkLst>
+        </pc:picChg>
+        <pc:picChg chg="add mod">
+          <ac:chgData name="김소희" userId="292a1162-0793-4577-a94d-2dae0dfa5995" providerId="ADAL" clId="{56FB9BA8-8618-469E-B881-B7E5EAC1530C}" dt="2022-07-17T18:01:25.036" v="10818" actId="1035"/>
+          <ac:picMkLst>
+            <pc:docMk/>
+            <pc:sldMk cId="3383878795" sldId="277"/>
+            <ac:picMk id="40" creationId="{5526943C-6091-5D89-05BA-82DF089B1ABF}"/>
+          </ac:picMkLst>
+        </pc:picChg>
+        <pc:cxnChg chg="del">
+          <ac:chgData name="김소희" userId="292a1162-0793-4577-a94d-2dae0dfa5995" providerId="ADAL" clId="{56FB9BA8-8618-469E-B881-B7E5EAC1530C}" dt="2022-07-17T16:46:14.882" v="9401" actId="478"/>
+          <ac:cxnSpMkLst>
+            <pc:docMk/>
+            <pc:sldMk cId="3383878795" sldId="277"/>
+            <ac:cxnSpMk id="6" creationId="{03B84DCD-352B-3C31-B6BF-C75E728F04AE}"/>
+          </ac:cxnSpMkLst>
+        </pc:cxnChg>
+      </pc:sldChg>
+      <pc:sldChg chg="addSp delSp modSp add mod">
+        <pc:chgData name="김소희" userId="292a1162-0793-4577-a94d-2dae0dfa5995" providerId="ADAL" clId="{56FB9BA8-8618-469E-B881-B7E5EAC1530C}" dt="2022-07-19T05:40:02.707" v="15227" actId="1076"/>
+        <pc:sldMkLst>
+          <pc:docMk/>
+          <pc:sldMk cId="2345294917" sldId="278"/>
+        </pc:sldMkLst>
+        <pc:spChg chg="mod">
+          <ac:chgData name="김소희" userId="292a1162-0793-4577-a94d-2dae0dfa5995" providerId="ADAL" clId="{56FB9BA8-8618-469E-B881-B7E5EAC1530C}" dt="2022-07-17T17:43:48.400" v="10180" actId="207"/>
+          <ac:spMkLst>
+            <pc:docMk/>
+            <pc:sldMk cId="2345294917" sldId="278"/>
+            <ac:spMk id="7" creationId="{5FF834EC-C667-129F-6DE7-24EC80562A9F}"/>
+          </ac:spMkLst>
+        </pc:spChg>
+        <pc:spChg chg="mod">
+          <ac:chgData name="김소희" userId="292a1162-0793-4577-a94d-2dae0dfa5995" providerId="ADAL" clId="{56FB9BA8-8618-469E-B881-B7E5EAC1530C}" dt="2022-07-17T17:53:57.501" v="10634" actId="1035"/>
+          <ac:spMkLst>
+            <pc:docMk/>
+            <pc:sldMk cId="2345294917" sldId="278"/>
+            <ac:spMk id="8" creationId="{9530C086-2C13-F035-575F-854F651D3568}"/>
+          </ac:spMkLst>
+        </pc:spChg>
+        <pc:spChg chg="add mod">
+          <ac:chgData name="김소희" userId="292a1162-0793-4577-a94d-2dae0dfa5995" providerId="ADAL" clId="{56FB9BA8-8618-469E-B881-B7E5EAC1530C}" dt="2022-07-17T17:48:11.066" v="10324" actId="1076"/>
+          <ac:spMkLst>
+            <pc:docMk/>
+            <pc:sldMk cId="2345294917" sldId="278"/>
+            <ac:spMk id="13" creationId="{2DC24430-A795-C1F9-99A2-7E72233BE090}"/>
+          </ac:spMkLst>
+        </pc:spChg>
+        <pc:spChg chg="add mod">
+          <ac:chgData name="김소희" userId="292a1162-0793-4577-a94d-2dae0dfa5995" providerId="ADAL" clId="{56FB9BA8-8618-469E-B881-B7E5EAC1530C}" dt="2022-07-17T18:02:37.659" v="10826" actId="207"/>
+          <ac:spMkLst>
+            <pc:docMk/>
+            <pc:sldMk cId="2345294917" sldId="278"/>
+            <ac:spMk id="19" creationId="{4FF4ADFA-322F-20B3-6C50-164BDE56FBFB}"/>
+          </ac:spMkLst>
+        </pc:spChg>
+        <pc:spChg chg="add mod">
+          <ac:chgData name="김소희" userId="292a1162-0793-4577-a94d-2dae0dfa5995" providerId="ADAL" clId="{56FB9BA8-8618-469E-B881-B7E5EAC1530C}" dt="2022-07-19T05:39:55.536" v="15226" actId="1076"/>
+          <ac:spMkLst>
+            <pc:docMk/>
+            <pc:sldMk cId="2345294917" sldId="278"/>
+            <ac:spMk id="20" creationId="{2A88B6F0-F1A3-3EB0-F98F-3E9B6246ECDC}"/>
+          </ac:spMkLst>
+        </pc:spChg>
+        <pc:spChg chg="add mod">
+          <ac:chgData name="김소희" userId="292a1162-0793-4577-a94d-2dae0dfa5995" providerId="ADAL" clId="{56FB9BA8-8618-469E-B881-B7E5EAC1530C}" dt="2022-07-19T05:39:53.383" v="15225" actId="1076"/>
+          <ac:spMkLst>
+            <pc:docMk/>
+            <pc:sldMk cId="2345294917" sldId="278"/>
+            <ac:spMk id="21" creationId="{6587A468-4DC2-7013-5085-A2201E83F6C2}"/>
+          </ac:spMkLst>
+        </pc:spChg>
+        <pc:spChg chg="add mod">
+          <ac:chgData name="김소희" userId="292a1162-0793-4577-a94d-2dae0dfa5995" providerId="ADAL" clId="{56FB9BA8-8618-469E-B881-B7E5EAC1530C}" dt="2022-07-17T17:58:59.884" v="10794" actId="1076"/>
+          <ac:spMkLst>
+            <pc:docMk/>
+            <pc:sldMk cId="2345294917" sldId="278"/>
+            <ac:spMk id="22" creationId="{3DE0E977-7298-303C-F83E-DAFBB7734624}"/>
+          </ac:spMkLst>
+        </pc:spChg>
+        <pc:spChg chg="add mod">
+          <ac:chgData name="김소희" userId="292a1162-0793-4577-a94d-2dae0dfa5995" providerId="ADAL" clId="{56FB9BA8-8618-469E-B881-B7E5EAC1530C}" dt="2022-07-17T18:17:45.443" v="11371" actId="207"/>
+          <ac:spMkLst>
+            <pc:docMk/>
+            <pc:sldMk cId="2345294917" sldId="278"/>
+            <ac:spMk id="23" creationId="{0BD9ED52-1BDE-D4EF-17D7-E1409A486AFA}"/>
+          </ac:spMkLst>
+        </pc:spChg>
+        <pc:spChg chg="del">
+          <ac:chgData name="김소희" userId="292a1162-0793-4577-a94d-2dae0dfa5995" providerId="ADAL" clId="{56FB9BA8-8618-469E-B881-B7E5EAC1530C}" dt="2022-07-17T17:41:33.676" v="10112" actId="478"/>
+          <ac:spMkLst>
+            <pc:docMk/>
+            <pc:sldMk cId="2345294917" sldId="278"/>
+            <ac:spMk id="28" creationId="{6EBF89F1-86DC-39FD-C56C-3F3A9A830943}"/>
+          </ac:spMkLst>
+        </pc:spChg>
+        <pc:spChg chg="del">
+          <ac:chgData name="김소희" userId="292a1162-0793-4577-a94d-2dae0dfa5995" providerId="ADAL" clId="{56FB9BA8-8618-469E-B881-B7E5EAC1530C}" dt="2022-07-17T17:41:33.676" v="10112" actId="478"/>
+          <ac:spMkLst>
+            <pc:docMk/>
+            <pc:sldMk cId="2345294917" sldId="278"/>
+            <ac:spMk id="29" creationId="{6249B86C-3C23-511D-2770-A42478CE3217}"/>
+          </ac:spMkLst>
+        </pc:spChg>
+        <pc:spChg chg="del">
+          <ac:chgData name="김소희" userId="292a1162-0793-4577-a94d-2dae0dfa5995" providerId="ADAL" clId="{56FB9BA8-8618-469E-B881-B7E5EAC1530C}" dt="2022-07-17T17:41:30.473" v="10110" actId="478"/>
+          <ac:spMkLst>
+            <pc:docMk/>
+            <pc:sldMk cId="2345294917" sldId="278"/>
+            <ac:spMk id="30" creationId="{B2AA91B7-72B1-ABDC-4BCF-57BE5BD51013}"/>
+          </ac:spMkLst>
+        </pc:spChg>
+        <pc:spChg chg="del mod">
+          <ac:chgData name="김소희" userId="292a1162-0793-4577-a94d-2dae0dfa5995" providerId="ADAL" clId="{56FB9BA8-8618-469E-B881-B7E5EAC1530C}" dt="2022-07-17T17:41:33.676" v="10112" actId="478"/>
+          <ac:spMkLst>
+            <pc:docMk/>
+            <pc:sldMk cId="2345294917" sldId="278"/>
+            <ac:spMk id="31" creationId="{7A525C70-5F9D-B1F1-61D5-A1C4B8DED67B}"/>
+          </ac:spMkLst>
+        </pc:spChg>
+        <pc:picChg chg="add mod">
+          <ac:chgData name="김소희" userId="292a1162-0793-4577-a94d-2dae0dfa5995" providerId="ADAL" clId="{56FB9BA8-8618-469E-B881-B7E5EAC1530C}" dt="2022-07-17T17:57:00.708" v="10776" actId="1076"/>
+          <ac:picMkLst>
+            <pc:docMk/>
+            <pc:sldMk cId="2345294917" sldId="278"/>
+            <ac:picMk id="4" creationId="{16159F1E-26A0-D02C-E556-EE6E3AB94E91}"/>
+          </ac:picMkLst>
+        </pc:picChg>
+        <pc:picChg chg="add mod">
+          <ac:chgData name="김소희" userId="292a1162-0793-4577-a94d-2dae0dfa5995" providerId="ADAL" clId="{56FB9BA8-8618-469E-B881-B7E5EAC1530C}" dt="2022-07-17T18:14:26.109" v="11278" actId="208"/>
+          <ac:picMkLst>
+            <pc:docMk/>
+            <pc:sldMk cId="2345294917" sldId="278"/>
+            <ac:picMk id="6" creationId="{C993ECB8-9226-FB24-DBB7-AA219BFAA484}"/>
+          </ac:picMkLst>
+        </pc:picChg>
+        <pc:picChg chg="add mod">
+          <ac:chgData name="김소희" userId="292a1162-0793-4577-a94d-2dae0dfa5995" providerId="ADAL" clId="{56FB9BA8-8618-469E-B881-B7E5EAC1530C}" dt="2022-07-19T05:40:02.707" v="15227" actId="1076"/>
+          <ac:picMkLst>
+            <pc:docMk/>
+            <pc:sldMk cId="2345294917" sldId="278"/>
+            <ac:picMk id="11" creationId="{0AF44DA9-DFB7-8FEB-36E8-8FC44A08F72F}"/>
+          </ac:picMkLst>
+        </pc:picChg>
+        <pc:picChg chg="del">
+          <ac:chgData name="김소희" userId="292a1162-0793-4577-a94d-2dae0dfa5995" providerId="ADAL" clId="{56FB9BA8-8618-469E-B881-B7E5EAC1530C}" dt="2022-07-17T17:41:33.676" v="10112" actId="478"/>
+          <ac:picMkLst>
+            <pc:docMk/>
+            <pc:sldMk cId="2345294917" sldId="278"/>
+            <ac:picMk id="12" creationId="{578ACBF1-4819-2E3C-F2B5-88BE628E11D6}"/>
+          </ac:picMkLst>
+        </pc:picChg>
+        <pc:picChg chg="del">
+          <ac:chgData name="김소희" userId="292a1162-0793-4577-a94d-2dae0dfa5995" providerId="ADAL" clId="{56FB9BA8-8618-469E-B881-B7E5EAC1530C}" dt="2022-07-17T17:41:34.605" v="10113" actId="478"/>
+          <ac:picMkLst>
+            <pc:docMk/>
+            <pc:sldMk cId="2345294917" sldId="278"/>
+            <ac:picMk id="40" creationId="{5526943C-6091-5D89-05BA-82DF089B1ABF}"/>
+          </ac:picMkLst>
+        </pc:picChg>
+        <pc:cxnChg chg="add mod">
+          <ac:chgData name="김소희" userId="292a1162-0793-4577-a94d-2dae0dfa5995" providerId="ADAL" clId="{56FB9BA8-8618-469E-B881-B7E5EAC1530C}" dt="2022-07-17T17:58:12.952" v="10782" actId="208"/>
+          <ac:cxnSpMkLst>
+            <pc:docMk/>
+            <pc:sldMk cId="2345294917" sldId="278"/>
+            <ac:cxnSpMk id="15" creationId="{82AA8975-E961-9A8E-7799-F336C3C931D4}"/>
+          </ac:cxnSpMkLst>
+        </pc:cxnChg>
+      </pc:sldChg>
+      <pc:sldChg chg="addSp delSp modSp add mod modNotesTx">
+        <pc:chgData name="김소희" userId="292a1162-0793-4577-a94d-2dae0dfa5995" providerId="ADAL" clId="{56FB9BA8-8618-469E-B881-B7E5EAC1530C}" dt="2022-07-18T06:05:37.851" v="13468"/>
+        <pc:sldMkLst>
+          <pc:docMk/>
+          <pc:sldMk cId="2498032575" sldId="279"/>
+        </pc:sldMkLst>
+        <pc:spChg chg="add mod">
+          <ac:chgData name="김소희" userId="292a1162-0793-4577-a94d-2dae0dfa5995" providerId="ADAL" clId="{56FB9BA8-8618-469E-B881-B7E5EAC1530C}" dt="2022-07-17T18:17:09.678" v="11366" actId="1076"/>
+          <ac:spMkLst>
+            <pc:docMk/>
+            <pc:sldMk cId="2498032575" sldId="279"/>
+            <ac:spMk id="6" creationId="{A2CB003F-D844-B99C-7E75-945E120257C4}"/>
+          </ac:spMkLst>
+        </pc:spChg>
+        <pc:spChg chg="mod">
+          <ac:chgData name="김소희" userId="292a1162-0793-4577-a94d-2dae0dfa5995" providerId="ADAL" clId="{56FB9BA8-8618-469E-B881-B7E5EAC1530C}" dt="2022-07-17T17:43:50.087" v="10181" actId="207"/>
+          <ac:spMkLst>
+            <pc:docMk/>
+            <pc:sldMk cId="2498032575" sldId="279"/>
+            <ac:spMk id="7" creationId="{5FF834EC-C667-129F-6DE7-24EC80562A9F}"/>
+          </ac:spMkLst>
+        </pc:spChg>
+        <pc:spChg chg="mod">
+          <ac:chgData name="김소희" userId="292a1162-0793-4577-a94d-2dae0dfa5995" providerId="ADAL" clId="{56FB9BA8-8618-469E-B881-B7E5EAC1530C}" dt="2022-07-17T17:54:00.446" v="10639" actId="1035"/>
+          <ac:spMkLst>
+            <pc:docMk/>
+            <pc:sldMk cId="2498032575" sldId="279"/>
+            <ac:spMk id="8" creationId="{9530C086-2C13-F035-575F-854F651D3568}"/>
+          </ac:spMkLst>
+        </pc:spChg>
+        <pc:spChg chg="add mod">
+          <ac:chgData name="김소희" userId="292a1162-0793-4577-a94d-2dae0dfa5995" providerId="ADAL" clId="{56FB9BA8-8618-469E-B881-B7E5EAC1530C}" dt="2022-07-17T18:12:49.943" v="11218" actId="1076"/>
+          <ac:spMkLst>
+            <pc:docMk/>
+            <pc:sldMk cId="2498032575" sldId="279"/>
+            <ac:spMk id="10" creationId="{5F1BA15A-1876-3192-AA7B-41DE490C8684}"/>
+          </ac:spMkLst>
+        </pc:spChg>
+        <pc:spChg chg="add mod">
+          <ac:chgData name="김소희" userId="292a1162-0793-4577-a94d-2dae0dfa5995" providerId="ADAL" clId="{56FB9BA8-8618-469E-B881-B7E5EAC1530C}" dt="2022-07-17T18:17:29.553" v="11370" actId="207"/>
+          <ac:spMkLst>
+            <pc:docMk/>
+            <pc:sldMk cId="2498032575" sldId="279"/>
+            <ac:spMk id="13" creationId="{1505F85D-4E18-42FC-726C-028A2BD784F5}"/>
+          </ac:spMkLst>
+        </pc:spChg>
+        <pc:spChg chg="add mod">
+          <ac:chgData name="김소희" userId="292a1162-0793-4577-a94d-2dae0dfa5995" providerId="ADAL" clId="{56FB9BA8-8618-469E-B881-B7E5EAC1530C}" dt="2022-07-17T18:15:27.264" v="11314" actId="1035"/>
+          <ac:spMkLst>
+            <pc:docMk/>
+            <pc:sldMk cId="2498032575" sldId="279"/>
+            <ac:spMk id="15" creationId="{DB3305B8-8FCF-CEC6-8B05-78E28D18BD38}"/>
+          </ac:spMkLst>
+        </pc:spChg>
+        <pc:spChg chg="add mod">
+          <ac:chgData name="김소희" userId="292a1162-0793-4577-a94d-2dae0dfa5995" providerId="ADAL" clId="{56FB9BA8-8618-469E-B881-B7E5EAC1530C}" dt="2022-07-17T18:17:49.678" v="11372" actId="207"/>
+          <ac:spMkLst>
+            <pc:docMk/>
+            <pc:sldMk cId="2498032575" sldId="279"/>
+            <ac:spMk id="16" creationId="{ABAD0C93-F92D-5C4B-7E51-7694EB790562}"/>
+          </ac:spMkLst>
+        </pc:spChg>
+        <pc:picChg chg="add mod">
+          <ac:chgData name="김소희" userId="292a1162-0793-4577-a94d-2dae0dfa5995" providerId="ADAL" clId="{56FB9BA8-8618-469E-B881-B7E5EAC1530C}" dt="2022-07-17T18:15:27.264" v="11314" actId="1035"/>
+          <ac:picMkLst>
+            <pc:docMk/>
+            <pc:sldMk cId="2498032575" sldId="279"/>
+            <ac:picMk id="4" creationId="{B1C51329-4F1D-5F31-19F1-EF5FC16F2EFF}"/>
+          </ac:picMkLst>
+        </pc:picChg>
+        <pc:picChg chg="add mod modCrop">
+          <ac:chgData name="김소희" userId="292a1162-0793-4577-a94d-2dae0dfa5995" providerId="ADAL" clId="{56FB9BA8-8618-469E-B881-B7E5EAC1530C}" dt="2022-07-17T18:00:59.301" v="10805" actId="1076"/>
+          <ac:picMkLst>
+            <pc:docMk/>
+            <pc:sldMk cId="2498032575" sldId="279"/>
+            <ac:picMk id="11" creationId="{B5958A8B-865C-EA87-50E7-B2145B4099BA}"/>
+          </ac:picMkLst>
+        </pc:picChg>
+        <pc:picChg chg="add mod">
+          <ac:chgData name="김소희" userId="292a1162-0793-4577-a94d-2dae0dfa5995" providerId="ADAL" clId="{56FB9BA8-8618-469E-B881-B7E5EAC1530C}" dt="2022-07-17T18:15:45.872" v="11315" actId="14100"/>
+          <ac:picMkLst>
+            <pc:docMk/>
+            <pc:sldMk cId="2498032575" sldId="279"/>
+            <ac:picMk id="12" creationId="{4E0DA67B-AAA0-B116-BE93-7FA3C2ADCCF8}"/>
+          </ac:picMkLst>
+        </pc:picChg>
+        <pc:picChg chg="add del mod">
+          <ac:chgData name="김소희" userId="292a1162-0793-4577-a94d-2dae0dfa5995" providerId="ADAL" clId="{56FB9BA8-8618-469E-B881-B7E5EAC1530C}" dt="2022-07-17T18:11:40.635" v="11072" actId="478"/>
+          <ac:picMkLst>
+            <pc:docMk/>
+            <pc:sldMk cId="2498032575" sldId="279"/>
+            <ac:picMk id="14" creationId="{AB13C3F1-9690-29A5-1F54-A5EE44DE024F}"/>
+          </ac:picMkLst>
+        </pc:picChg>
+      </pc:sldChg>
+      <pc:sldChg chg="addSp delSp modSp add mod modNotesTx">
+        <pc:chgData name="김소희" userId="292a1162-0793-4577-a94d-2dae0dfa5995" providerId="ADAL" clId="{56FB9BA8-8618-469E-B881-B7E5EAC1530C}" dt="2022-07-18T07:21:50.942" v="14105" actId="1037"/>
+        <pc:sldMkLst>
+          <pc:docMk/>
+          <pc:sldMk cId="706761807" sldId="280"/>
+        </pc:sldMkLst>
+        <pc:spChg chg="mod">
+          <ac:chgData name="김소희" userId="292a1162-0793-4577-a94d-2dae0dfa5995" providerId="ADAL" clId="{56FB9BA8-8618-469E-B881-B7E5EAC1530C}" dt="2022-07-17T18:18:15.873" v="11397" actId="20577"/>
+          <ac:spMkLst>
+            <pc:docMk/>
+            <pc:sldMk cId="706761807" sldId="280"/>
+            <ac:spMk id="2" creationId="{5C386871-B092-6B43-A8DA-B84A6CCCC7F5}"/>
+          </ac:spMkLst>
+        </pc:spChg>
+        <pc:spChg chg="add mod">
+          <ac:chgData name="김소희" userId="292a1162-0793-4577-a94d-2dae0dfa5995" providerId="ADAL" clId="{56FB9BA8-8618-469E-B881-B7E5EAC1530C}" dt="2022-07-18T07:21:27.843" v="14092" actId="1076"/>
+          <ac:spMkLst>
+            <pc:docMk/>
+            <pc:sldMk cId="706761807" sldId="280"/>
+            <ac:spMk id="5" creationId="{07969C9B-CED3-4E10-6AC1-4A89CC0710A1}"/>
+          </ac:spMkLst>
+        </pc:spChg>
+        <pc:spChg chg="del">
+          <ac:chgData name="김소희" userId="292a1162-0793-4577-a94d-2dae0dfa5995" providerId="ADAL" clId="{56FB9BA8-8618-469E-B881-B7E5EAC1530C}" dt="2022-07-17T18:18:08.503" v="11374" actId="478"/>
+          <ac:spMkLst>
+            <pc:docMk/>
+            <pc:sldMk cId="706761807" sldId="280"/>
+            <ac:spMk id="6" creationId="{A2CB003F-D844-B99C-7E75-945E120257C4}"/>
+          </ac:spMkLst>
+        </pc:spChg>
+        <pc:spChg chg="add mod">
+          <ac:chgData name="김소희" userId="292a1162-0793-4577-a94d-2dae0dfa5995" providerId="ADAL" clId="{56FB9BA8-8618-469E-B881-B7E5EAC1530C}" dt="2022-07-18T07:21:48.540" v="14100" actId="1037"/>
+          <ac:spMkLst>
+            <pc:docMk/>
+            <pc:sldMk cId="706761807" sldId="280"/>
+            <ac:spMk id="6" creationId="{BF22174C-FE65-8F5C-23A4-CEE86E4EE7B2}"/>
+          </ac:spMkLst>
+        </pc:spChg>
+        <pc:spChg chg="mod">
+          <ac:chgData name="김소희" userId="292a1162-0793-4577-a94d-2dae0dfa5995" providerId="ADAL" clId="{56FB9BA8-8618-469E-B881-B7E5EAC1530C}" dt="2022-07-18T07:21:17.808" v="14090" actId="1035"/>
+          <ac:spMkLst>
+            <pc:docMk/>
+            <pc:sldMk cId="706761807" sldId="280"/>
+            <ac:spMk id="7" creationId="{5FF834EC-C667-129F-6DE7-24EC80562A9F}"/>
+          </ac:spMkLst>
+        </pc:spChg>
+        <pc:spChg chg="add mod">
+          <ac:chgData name="김소희" userId="292a1162-0793-4577-a94d-2dae0dfa5995" providerId="ADAL" clId="{56FB9BA8-8618-469E-B881-B7E5EAC1530C}" dt="2022-07-18T07:21:50.942" v="14105" actId="1037"/>
+          <ac:spMkLst>
+            <pc:docMk/>
+            <pc:sldMk cId="706761807" sldId="280"/>
+            <ac:spMk id="8" creationId="{0BCB3254-0204-A594-6121-B571C1233A20}"/>
+          </ac:spMkLst>
+        </pc:spChg>
+        <pc:spChg chg="del">
+          <ac:chgData name="김소희" userId="292a1162-0793-4577-a94d-2dae0dfa5995" providerId="ADAL" clId="{56FB9BA8-8618-469E-B881-B7E5EAC1530C}" dt="2022-07-17T18:18:08.503" v="11374" actId="478"/>
+          <ac:spMkLst>
+            <pc:docMk/>
+            <pc:sldMk cId="706761807" sldId="280"/>
+            <ac:spMk id="8" creationId="{9530C086-2C13-F035-575F-854F651D3568}"/>
+          </ac:spMkLst>
+        </pc:spChg>
+        <pc:spChg chg="add mod">
+          <ac:chgData name="김소희" userId="292a1162-0793-4577-a94d-2dae0dfa5995" providerId="ADAL" clId="{56FB9BA8-8618-469E-B881-B7E5EAC1530C}" dt="2022-07-18T07:14:38.506" v="13933" actId="1076"/>
+          <ac:spMkLst>
+            <pc:docMk/>
+            <pc:sldMk cId="706761807" sldId="280"/>
+            <ac:spMk id="10" creationId="{3EE173F4-387B-DFCF-4930-ADE398C6A763}"/>
+          </ac:spMkLst>
+        </pc:spChg>
+        <pc:spChg chg="del">
+          <ac:chgData name="김소희" userId="292a1162-0793-4577-a94d-2dae0dfa5995" providerId="ADAL" clId="{56FB9BA8-8618-469E-B881-B7E5EAC1530C}" dt="2022-07-17T18:18:08.503" v="11374" actId="478"/>
+          <ac:spMkLst>
+            <pc:docMk/>
+            <pc:sldMk cId="706761807" sldId="280"/>
+            <ac:spMk id="10" creationId="{5F1BA15A-1876-3192-AA7B-41DE490C8684}"/>
+          </ac:spMkLst>
+        </pc:spChg>
+        <pc:spChg chg="add del mod">
+          <ac:chgData name="김소희" userId="292a1162-0793-4577-a94d-2dae0dfa5995" providerId="ADAL" clId="{56FB9BA8-8618-469E-B881-B7E5EAC1530C}" dt="2022-07-18T05:47:56.763" v="12563"/>
+          <ac:spMkLst>
+            <pc:docMk/>
+            <pc:sldMk cId="706761807" sldId="280"/>
+            <ac:spMk id="11" creationId="{311A97C1-C6D6-FB16-046B-6587C881399E}"/>
+          </ac:spMkLst>
+        </pc:spChg>
+        <pc:spChg chg="del">
+          <ac:chgData name="김소희" userId="292a1162-0793-4577-a94d-2dae0dfa5995" providerId="ADAL" clId="{56FB9BA8-8618-469E-B881-B7E5EAC1530C}" dt="2022-07-17T18:18:08.503" v="11374" actId="478"/>
+          <ac:spMkLst>
+            <pc:docMk/>
+            <pc:sldMk cId="706761807" sldId="280"/>
+            <ac:spMk id="13" creationId="{1505F85D-4E18-42FC-726C-028A2BD784F5}"/>
+          </ac:spMkLst>
+        </pc:spChg>
+        <pc:spChg chg="del">
+          <ac:chgData name="김소희" userId="292a1162-0793-4577-a94d-2dae0dfa5995" providerId="ADAL" clId="{56FB9BA8-8618-469E-B881-B7E5EAC1530C}" dt="2022-07-17T18:18:08.503" v="11374" actId="478"/>
+          <ac:spMkLst>
+            <pc:docMk/>
+            <pc:sldMk cId="706761807" sldId="280"/>
+            <ac:spMk id="15" creationId="{DB3305B8-8FCF-CEC6-8B05-78E28D18BD38}"/>
+          </ac:spMkLst>
+        </pc:spChg>
+        <pc:spChg chg="del">
+          <ac:chgData name="김소희" userId="292a1162-0793-4577-a94d-2dae0dfa5995" providerId="ADAL" clId="{56FB9BA8-8618-469E-B881-B7E5EAC1530C}" dt="2022-07-17T18:18:08.503" v="11374" actId="478"/>
+          <ac:spMkLst>
+            <pc:docMk/>
+            <pc:sldMk cId="706761807" sldId="280"/>
+            <ac:spMk id="16" creationId="{ABAD0C93-F92D-5C4B-7E51-7694EB790562}"/>
+          </ac:spMkLst>
+        </pc:spChg>
+        <pc:picChg chg="del">
+          <ac:chgData name="김소희" userId="292a1162-0793-4577-a94d-2dae0dfa5995" providerId="ADAL" clId="{56FB9BA8-8618-469E-B881-B7E5EAC1530C}" dt="2022-07-17T18:18:08.503" v="11374" actId="478"/>
+          <ac:picMkLst>
+            <pc:docMk/>
+            <pc:sldMk cId="706761807" sldId="280"/>
+            <ac:picMk id="4" creationId="{B1C51329-4F1D-5F31-19F1-EF5FC16F2EFF}"/>
+          </ac:picMkLst>
+        </pc:picChg>
+        <pc:picChg chg="del">
+          <ac:chgData name="김소희" userId="292a1162-0793-4577-a94d-2dae0dfa5995" providerId="ADAL" clId="{56FB9BA8-8618-469E-B881-B7E5EAC1530C}" dt="2022-07-17T18:18:09.221" v="11375" actId="478"/>
+          <ac:picMkLst>
+            <pc:docMk/>
+            <pc:sldMk cId="706761807" sldId="280"/>
+            <ac:picMk id="11" creationId="{B5958A8B-865C-EA87-50E7-B2145B4099BA}"/>
+          </ac:picMkLst>
+        </pc:picChg>
+        <pc:picChg chg="del">
+          <ac:chgData name="김소희" userId="292a1162-0793-4577-a94d-2dae0dfa5995" providerId="ADAL" clId="{56FB9BA8-8618-469E-B881-B7E5EAC1530C}" dt="2022-07-17T18:18:08.503" v="11374" actId="478"/>
+          <ac:picMkLst>
+            <pc:docMk/>
+            <pc:sldMk cId="706761807" sldId="280"/>
+            <ac:picMk id="12" creationId="{4E0DA67B-AAA0-B116-BE93-7FA3C2ADCCF8}"/>
+          </ac:picMkLst>
+        </pc:picChg>
+        <pc:picChg chg="add mod">
+          <ac:chgData name="김소희" userId="292a1162-0793-4577-a94d-2dae0dfa5995" providerId="ADAL" clId="{56FB9BA8-8618-469E-B881-B7E5EAC1530C}" dt="2022-07-18T07:14:47.648" v="13934" actId="14100"/>
+          <ac:picMkLst>
+            <pc:docMk/>
+            <pc:sldMk cId="706761807" sldId="280"/>
+            <ac:picMk id="2050" creationId="{7512299E-CA36-287D-8340-06C50C5D4F9E}"/>
+          </ac:picMkLst>
+        </pc:picChg>
+      </pc:sldChg>
+      <pc:sldChg chg="addSp delSp modSp add mod modNotesTx">
+        <pc:chgData name="김소희" userId="292a1162-0793-4577-a94d-2dae0dfa5995" providerId="ADAL" clId="{56FB9BA8-8618-469E-B881-B7E5EAC1530C}" dt="2022-07-19T05:41:17.232" v="15231" actId="207"/>
+        <pc:sldMkLst>
+          <pc:docMk/>
+          <pc:sldMk cId="298544368" sldId="281"/>
+        </pc:sldMkLst>
+        <pc:spChg chg="add mod">
+          <ac:chgData name="김소희" userId="292a1162-0793-4577-a94d-2dae0dfa5995" providerId="ADAL" clId="{56FB9BA8-8618-469E-B881-B7E5EAC1530C}" dt="2022-07-18T07:42:04.938" v="14530" actId="1076"/>
+          <ac:spMkLst>
+            <pc:docMk/>
+            <pc:sldMk cId="298544368" sldId="281"/>
+            <ac:spMk id="5" creationId="{8A62A27D-5B39-023B-8274-C267E1AD80A5}"/>
+          </ac:spMkLst>
+        </pc:spChg>
+        <pc:spChg chg="mod">
+          <ac:chgData name="김소희" userId="292a1162-0793-4577-a94d-2dae0dfa5995" providerId="ADAL" clId="{56FB9BA8-8618-469E-B881-B7E5EAC1530C}" dt="2022-07-18T07:22:11.685" v="14120" actId="1035"/>
+          <ac:spMkLst>
+            <pc:docMk/>
+            <pc:sldMk cId="298544368" sldId="281"/>
+            <ac:spMk id="7" creationId="{5FF834EC-C667-129F-6DE7-24EC80562A9F}"/>
+          </ac:spMkLst>
+        </pc:spChg>
+        <pc:spChg chg="add mod">
+          <ac:chgData name="김소희" userId="292a1162-0793-4577-a94d-2dae0dfa5995" providerId="ADAL" clId="{56FB9BA8-8618-469E-B881-B7E5EAC1530C}" dt="2022-07-18T07:42:09.079" v="14531" actId="1076"/>
+          <ac:spMkLst>
+            <pc:docMk/>
+            <pc:sldMk cId="298544368" sldId="281"/>
+            <ac:spMk id="10" creationId="{8DFDB6E9-CCC3-8E83-9F1E-CD433C536AF4}"/>
+          </ac:spMkLst>
+        </pc:spChg>
+        <pc:spChg chg="add mod">
+          <ac:chgData name="김소희" userId="292a1162-0793-4577-a94d-2dae0dfa5995" providerId="ADAL" clId="{56FB9BA8-8618-469E-B881-B7E5EAC1530C}" dt="2022-07-18T07:42:27.731" v="14536" actId="1076"/>
+          <ac:spMkLst>
+            <pc:docMk/>
+            <pc:sldMk cId="298544368" sldId="281"/>
+            <ac:spMk id="11" creationId="{872B8FC4-67C5-CC5E-DA26-30F6C4E252E9}"/>
+          </ac:spMkLst>
+        </pc:spChg>
+        <pc:spChg chg="add mod">
+          <ac:chgData name="김소희" userId="292a1162-0793-4577-a94d-2dae0dfa5995" providerId="ADAL" clId="{56FB9BA8-8618-469E-B881-B7E5EAC1530C}" dt="2022-07-19T05:41:17.232" v="15231" actId="207"/>
+          <ac:spMkLst>
+            <pc:docMk/>
+            <pc:sldMk cId="298544368" sldId="281"/>
+            <ac:spMk id="12" creationId="{837DF62E-A419-EA53-4393-D770C5FA647D}"/>
+          </ac:spMkLst>
+        </pc:spChg>
+        <pc:picChg chg="add mod">
+          <ac:chgData name="김소희" userId="292a1162-0793-4577-a94d-2dae0dfa5995" providerId="ADAL" clId="{56FB9BA8-8618-469E-B881-B7E5EAC1530C}" dt="2022-07-18T07:42:31.616" v="14537" actId="1076"/>
+          <ac:picMkLst>
+            <pc:docMk/>
+            <pc:sldMk cId="298544368" sldId="281"/>
+            <ac:picMk id="4" creationId="{CA1FF9BD-956F-8439-2287-120D4CA4B0F0}"/>
+          </ac:picMkLst>
+        </pc:picChg>
+        <pc:picChg chg="add del mod">
+          <ac:chgData name="김소희" userId="292a1162-0793-4577-a94d-2dae0dfa5995" providerId="ADAL" clId="{56FB9BA8-8618-469E-B881-B7E5EAC1530C}" dt="2022-07-18T07:41:49.822" v="14523" actId="478"/>
+          <ac:picMkLst>
+            <pc:docMk/>
+            <pc:sldMk cId="298544368" sldId="281"/>
+            <ac:picMk id="8" creationId="{AE3CA713-90C9-AFA4-0B8A-68F9397A7118}"/>
+          </ac:picMkLst>
+        </pc:picChg>
+        <pc:picChg chg="add mod">
+          <ac:chgData name="김소희" userId="292a1162-0793-4577-a94d-2dae0dfa5995" providerId="ADAL" clId="{56FB9BA8-8618-469E-B881-B7E5EAC1530C}" dt="2022-07-18T07:42:19.600" v="14534" actId="1076"/>
+          <ac:picMkLst>
+            <pc:docMk/>
+            <pc:sldMk cId="298544368" sldId="281"/>
+            <ac:picMk id="13" creationId="{172A6EDF-BDD7-6B59-12D2-0D3CDFA35BA9}"/>
+          </ac:picMkLst>
+        </pc:picChg>
+      </pc:sldChg>
+      <pc:sldChg chg="addSp delSp modSp add mod modNotesTx">
+        <pc:chgData name="김소희" userId="292a1162-0793-4577-a94d-2dae0dfa5995" providerId="ADAL" clId="{56FB9BA8-8618-469E-B881-B7E5EAC1530C}" dt="2022-07-18T08:10:01.082" v="15222" actId="1076"/>
+        <pc:sldMkLst>
+          <pc:docMk/>
+          <pc:sldMk cId="3341805491" sldId="282"/>
+        </pc:sldMkLst>
+        <pc:spChg chg="mod">
+          <ac:chgData name="김소희" userId="292a1162-0793-4577-a94d-2dae0dfa5995" providerId="ADAL" clId="{56FB9BA8-8618-469E-B881-B7E5EAC1530C}" dt="2022-07-18T07:57:46.777" v="14877" actId="1076"/>
+          <ac:spMkLst>
+            <pc:docMk/>
+            <pc:sldMk cId="3341805491" sldId="282"/>
+            <ac:spMk id="7" creationId="{5FF834EC-C667-129F-6DE7-24EC80562A9F}"/>
+          </ac:spMkLst>
+        </pc:spChg>
+        <pc:spChg chg="mod">
+          <ac:chgData name="김소희" userId="292a1162-0793-4577-a94d-2dae0dfa5995" providerId="ADAL" clId="{56FB9BA8-8618-469E-B881-B7E5EAC1530C}" dt="2022-07-18T07:55:56.606" v="14875" actId="14100"/>
+          <ac:spMkLst>
+            <pc:docMk/>
+            <pc:sldMk cId="3341805491" sldId="282"/>
+            <ac:spMk id="9" creationId="{4E262F7D-1CD2-9678-413C-EB257F68A044}"/>
+          </ac:spMkLst>
+        </pc:spChg>
+        <pc:spChg chg="add mod">
+          <ac:chgData name="김소희" userId="292a1162-0793-4577-a94d-2dae0dfa5995" providerId="ADAL" clId="{56FB9BA8-8618-469E-B881-B7E5EAC1530C}" dt="2022-07-18T08:09:54.136" v="15219" actId="1035"/>
+          <ac:spMkLst>
+            <pc:docMk/>
+            <pc:sldMk cId="3341805491" sldId="282"/>
+            <ac:spMk id="10" creationId="{0315E5D6-EE09-FB46-7FE3-BA94A4A968B2}"/>
+          </ac:spMkLst>
+        </pc:spChg>
+        <pc:spChg chg="add mod">
+          <ac:chgData name="김소희" userId="292a1162-0793-4577-a94d-2dae0dfa5995" providerId="ADAL" clId="{56FB9BA8-8618-469E-B881-B7E5EAC1530C}" dt="2022-07-18T08:09:54.136" v="15219" actId="1035"/>
+          <ac:spMkLst>
+            <pc:docMk/>
+            <pc:sldMk cId="3341805491" sldId="282"/>
+            <ac:spMk id="11" creationId="{A7790D7A-D678-3139-6DC4-7DEC46CE66B3}"/>
+          </ac:spMkLst>
+        </pc:spChg>
+        <pc:spChg chg="add mod">
+          <ac:chgData name="김소희" userId="292a1162-0793-4577-a94d-2dae0dfa5995" providerId="ADAL" clId="{56FB9BA8-8618-469E-B881-B7E5EAC1530C}" dt="2022-07-18T08:09:54.136" v="15219" actId="1035"/>
+          <ac:spMkLst>
+            <pc:docMk/>
+            <pc:sldMk cId="3341805491" sldId="282"/>
+            <ac:spMk id="12" creationId="{40EC1D8C-9479-C382-0FCA-2D2C523AD5D7}"/>
+          </ac:spMkLst>
+        </pc:spChg>
+        <pc:spChg chg="add mod">
+          <ac:chgData name="김소희" userId="292a1162-0793-4577-a94d-2dae0dfa5995" providerId="ADAL" clId="{56FB9BA8-8618-469E-B881-B7E5EAC1530C}" dt="2022-07-18T08:09:54.136" v="15219" actId="1035"/>
+          <ac:spMkLst>
+            <pc:docMk/>
+            <pc:sldMk cId="3341805491" sldId="282"/>
+            <ac:spMk id="13" creationId="{7E5D850C-3126-3A83-C1B6-A3E51B2D39C2}"/>
+          </ac:spMkLst>
+        </pc:spChg>
+        <pc:spChg chg="add mod">
+          <ac:chgData name="김소희" userId="292a1162-0793-4577-a94d-2dae0dfa5995" providerId="ADAL" clId="{56FB9BA8-8618-469E-B881-B7E5EAC1530C}" dt="2022-07-18T08:09:54.136" v="15219" actId="1035"/>
+          <ac:spMkLst>
+            <pc:docMk/>
+            <pc:sldMk cId="3341805491" sldId="282"/>
+            <ac:spMk id="14" creationId="{F8D60F50-BA1F-012D-2515-471E26C62E23}"/>
+          </ac:spMkLst>
+        </pc:spChg>
+        <pc:spChg chg="add mod">
+          <ac:chgData name="김소희" userId="292a1162-0793-4577-a94d-2dae0dfa5995" providerId="ADAL" clId="{56FB9BA8-8618-469E-B881-B7E5EAC1530C}" dt="2022-07-18T08:09:54.136" v="15219" actId="1035"/>
+          <ac:spMkLst>
+            <pc:docMk/>
+            <pc:sldMk cId="3341805491" sldId="282"/>
+            <ac:spMk id="15" creationId="{1B600DE8-2C40-6AB7-574A-580049264DA3}"/>
+          </ac:spMkLst>
+        </pc:spChg>
+        <pc:spChg chg="add mod">
+          <ac:chgData name="김소희" userId="292a1162-0793-4577-a94d-2dae0dfa5995" providerId="ADAL" clId="{56FB9BA8-8618-469E-B881-B7E5EAC1530C}" dt="2022-07-18T08:09:54.136" v="15219" actId="1035"/>
+          <ac:spMkLst>
+            <pc:docMk/>
+            <pc:sldMk cId="3341805491" sldId="282"/>
+            <ac:spMk id="16" creationId="{14329310-FF14-709D-421D-F55594E4F2B4}"/>
+          </ac:spMkLst>
+        </pc:spChg>
+        <pc:spChg chg="add mod">
+          <ac:chgData name="김소희" userId="292a1162-0793-4577-a94d-2dae0dfa5995" providerId="ADAL" clId="{56FB9BA8-8618-469E-B881-B7E5EAC1530C}" dt="2022-07-18T07:58:29.074" v="14927" actId="20577"/>
+          <ac:spMkLst>
+            <pc:docMk/>
+            <pc:sldMk cId="3341805491" sldId="282"/>
+            <ac:spMk id="17" creationId="{96C045DA-AAC5-0D63-E63E-C080093A386F}"/>
+          </ac:spMkLst>
+        </pc:spChg>
+        <pc:spChg chg="add mod">
+          <ac:chgData name="김소희" userId="292a1162-0793-4577-a94d-2dae0dfa5995" providerId="ADAL" clId="{56FB9BA8-8618-469E-B881-B7E5EAC1530C}" dt="2022-07-18T08:10:01.082" v="15222" actId="1076"/>
+          <ac:spMkLst>
+            <pc:docMk/>
+            <pc:sldMk cId="3341805491" sldId="282"/>
+            <ac:spMk id="18" creationId="{0A66A598-E3C1-83A6-054B-E7EE3AAAEE20}"/>
+          </ac:spMkLst>
+        </pc:spChg>
+        <pc:spChg chg="add del">
+          <ac:chgData name="김소희" userId="292a1162-0793-4577-a94d-2dae0dfa5995" providerId="ADAL" clId="{56FB9BA8-8618-469E-B881-B7E5EAC1530C}" dt="2022-07-18T07:59:27.247" v="14948" actId="22"/>
+          <ac:spMkLst>
+            <pc:docMk/>
+            <pc:sldMk cId="3341805491" sldId="282"/>
+            <ac:spMk id="19" creationId="{781594CD-2030-7E57-BEBB-EEDFD7239184}"/>
+          </ac:spMkLst>
+        </pc:spChg>
+        <pc:spChg chg="add mod">
+          <ac:chgData name="김소희" userId="292a1162-0793-4577-a94d-2dae0dfa5995" providerId="ADAL" clId="{56FB9BA8-8618-469E-B881-B7E5EAC1530C}" dt="2022-07-18T08:09:54.136" v="15219" actId="1035"/>
+          <ac:spMkLst>
+            <pc:docMk/>
+            <pc:sldMk cId="3341805491" sldId="282"/>
+            <ac:spMk id="20" creationId="{46037585-3C71-F7F9-3B07-E137D87B4796}"/>
+          </ac:spMkLst>
+        </pc:spChg>
+        <pc:picChg chg="add mod modCrop">
+          <ac:chgData name="김소희" userId="292a1162-0793-4577-a94d-2dae0dfa5995" providerId="ADAL" clId="{56FB9BA8-8618-469E-B881-B7E5EAC1530C}" dt="2022-07-18T08:09:54.136" v="15219" actId="1035"/>
+          <ac:picMkLst>
+            <pc:docMk/>
+            <pc:sldMk cId="3341805491" sldId="282"/>
+            <ac:picMk id="4" creationId="{8D039AB4-5B46-0D6A-EE04-207F9A59E863}"/>
+          </ac:picMkLst>
+        </pc:picChg>
+        <pc:picChg chg="add mod modCrop">
+          <ac:chgData name="김소희" userId="292a1162-0793-4577-a94d-2dae0dfa5995" providerId="ADAL" clId="{56FB9BA8-8618-469E-B881-B7E5EAC1530C}" dt="2022-07-18T07:58:09.835" v="14893" actId="1076"/>
+          <ac:picMkLst>
+            <pc:docMk/>
+            <pc:sldMk cId="3341805491" sldId="282"/>
+            <ac:picMk id="6" creationId="{C78A8068-87A9-65DB-F981-00D272048007}"/>
+          </ac:picMkLst>
+        </pc:picChg>
+        <pc:picChg chg="add mod">
+          <ac:chgData name="김소희" userId="292a1162-0793-4577-a94d-2dae0dfa5995" providerId="ADAL" clId="{56FB9BA8-8618-469E-B881-B7E5EAC1530C}" dt="2022-07-18T08:09:58.748" v="15221" actId="1076"/>
+          <ac:picMkLst>
+            <pc:docMk/>
+            <pc:sldMk cId="3341805491" sldId="282"/>
+            <ac:picMk id="21" creationId="{1CCCC015-C1E4-2CC9-327F-DA5FA01BE713}"/>
+          </ac:picMkLst>
+        </pc:picChg>
+        <pc:picChg chg="add mod">
+          <ac:chgData name="김소희" userId="292a1162-0793-4577-a94d-2dae0dfa5995" providerId="ADAL" clId="{56FB9BA8-8618-469E-B881-B7E5EAC1530C}" dt="2022-07-18T08:09:57.100" v="15220" actId="1076"/>
+          <ac:picMkLst>
+            <pc:docMk/>
+            <pc:sldMk cId="3341805491" sldId="282"/>
+            <ac:picMk id="22" creationId="{26C14469-54EE-8277-DF83-4BD67F0CBB36}"/>
+          </ac:picMkLst>
+        </pc:picChg>
+      </pc:sldChg>
+      <pc:sldChg chg="addSp delSp modSp add mod modNotesTx">
+        <pc:chgData name="김소희" userId="292a1162-0793-4577-a94d-2dae0dfa5995" providerId="ADAL" clId="{56FB9BA8-8618-469E-B881-B7E5EAC1530C}" dt="2022-07-19T05:43:20.955" v="15316" actId="20577"/>
+        <pc:sldMkLst>
+          <pc:docMk/>
+          <pc:sldMk cId="3162282273" sldId="283"/>
+        </pc:sldMkLst>
+        <pc:spChg chg="mod">
+          <ac:chgData name="김소희" userId="292a1162-0793-4577-a94d-2dae0dfa5995" providerId="ADAL" clId="{56FB9BA8-8618-469E-B881-B7E5EAC1530C}" dt="2022-07-18T07:29:38.618" v="14267" actId="20577"/>
+          <ac:spMkLst>
+            <pc:docMk/>
+            <pc:sldMk cId="3162282273" sldId="283"/>
+            <ac:spMk id="2" creationId="{5C386871-B092-6B43-A8DA-B84A6CCCC7F5}"/>
+          </ac:spMkLst>
+        </pc:spChg>
+        <pc:spChg chg="add mod">
+          <ac:chgData name="김소희" userId="292a1162-0793-4577-a94d-2dae0dfa5995" providerId="ADAL" clId="{56FB9BA8-8618-469E-B881-B7E5EAC1530C}" dt="2022-07-18T07:43:25.408" v="14545" actId="14100"/>
+          <ac:spMkLst>
+            <pc:docMk/>
+            <pc:sldMk cId="3162282273" sldId="283"/>
+            <ac:spMk id="6" creationId="{57192B6A-465D-7C65-4BC7-5189ED235F22}"/>
+          </ac:spMkLst>
+        </pc:spChg>
+        <pc:spChg chg="del mod">
+          <ac:chgData name="김소희" userId="292a1162-0793-4577-a94d-2dae0dfa5995" providerId="ADAL" clId="{56FB9BA8-8618-469E-B881-B7E5EAC1530C}" dt="2022-07-18T07:29:44.352" v="14269" actId="478"/>
+          <ac:spMkLst>
+            <pc:docMk/>
+            <pc:sldMk cId="3162282273" sldId="283"/>
+            <ac:spMk id="7" creationId="{5FF834EC-C667-129F-6DE7-24EC80562A9F}"/>
+          </ac:spMkLst>
+        </pc:spChg>
+        <pc:spChg chg="add mod">
+          <ac:chgData name="김소희" userId="292a1162-0793-4577-a94d-2dae0dfa5995" providerId="ADAL" clId="{56FB9BA8-8618-469E-B881-B7E5EAC1530C}" dt="2022-07-19T05:43:20.955" v="15316" actId="20577"/>
+          <ac:spMkLst>
+            <pc:docMk/>
+            <pc:sldMk cId="3162282273" sldId="283"/>
+            <ac:spMk id="10" creationId="{B3DB1977-7503-E6F5-CD75-D940B5E28872}"/>
+          </ac:spMkLst>
+        </pc:spChg>
+        <pc:picChg chg="del">
+          <ac:chgData name="김소희" userId="292a1162-0793-4577-a94d-2dae0dfa5995" providerId="ADAL" clId="{56FB9BA8-8618-469E-B881-B7E5EAC1530C}" dt="2022-07-18T05:19:44.993" v="11477" actId="478"/>
+          <ac:picMkLst>
+            <pc:docMk/>
+            <pc:sldMk cId="3162282273" sldId="283"/>
+            <ac:picMk id="4" creationId="{8D039AB4-5B46-0D6A-EE04-207F9A59E863}"/>
+          </ac:picMkLst>
+        </pc:picChg>
+        <pc:picChg chg="add mod ord">
+          <ac:chgData name="김소희" userId="292a1162-0793-4577-a94d-2dae0dfa5995" providerId="ADAL" clId="{56FB9BA8-8618-469E-B881-B7E5EAC1530C}" dt="2022-07-18T07:43:41.561" v="14550" actId="1076"/>
+          <ac:picMkLst>
+            <pc:docMk/>
+            <pc:sldMk cId="3162282273" sldId="283"/>
+            <ac:picMk id="5" creationId="{82221CB0-3BF4-7144-7C5F-210C558F5E0C}"/>
+          </ac:picMkLst>
+        </pc:picChg>
+        <pc:picChg chg="add mod">
+          <ac:chgData name="김소희" userId="292a1162-0793-4577-a94d-2dae0dfa5995" providerId="ADAL" clId="{56FB9BA8-8618-469E-B881-B7E5EAC1530C}" dt="2022-07-18T07:43:43.496" v="14551" actId="1076"/>
+          <ac:picMkLst>
+            <pc:docMk/>
+            <pc:sldMk cId="3162282273" sldId="283"/>
+            <ac:picMk id="11" creationId="{D50E5684-2ACA-94F8-327D-0A513508D713}"/>
+          </ac:picMkLst>
+        </pc:picChg>
+      </pc:sldChg>
+      <pc:sldChg chg="addSp delSp modSp add mod modNotesTx">
+        <pc:chgData name="김소희" userId="292a1162-0793-4577-a94d-2dae0dfa5995" providerId="ADAL" clId="{56FB9BA8-8618-469E-B881-B7E5EAC1530C}" dt="2022-07-19T05:40:57.299" v="15230" actId="1076"/>
+        <pc:sldMkLst>
+          <pc:docMk/>
+          <pc:sldMk cId="270594255" sldId="284"/>
+        </pc:sldMkLst>
+        <pc:spChg chg="del">
+          <ac:chgData name="김소희" userId="292a1162-0793-4577-a94d-2dae0dfa5995" providerId="ADAL" clId="{56FB9BA8-8618-469E-B881-B7E5EAC1530C}" dt="2022-07-18T05:52:26.584" v="12842" actId="478"/>
+          <ac:spMkLst>
+            <pc:docMk/>
+            <pc:sldMk cId="270594255" sldId="284"/>
+            <ac:spMk id="5" creationId="{07969C9B-CED3-4E10-6AC1-4A89CC0710A1}"/>
+          </ac:spMkLst>
+        </pc:spChg>
+        <pc:spChg chg="mod">
+          <ac:chgData name="김소희" userId="292a1162-0793-4577-a94d-2dae0dfa5995" providerId="ADAL" clId="{56FB9BA8-8618-469E-B881-B7E5EAC1530C}" dt="2022-07-18T07:22:00.633" v="14109" actId="1076"/>
+          <ac:spMkLst>
+            <pc:docMk/>
+            <pc:sldMk cId="270594255" sldId="284"/>
+            <ac:spMk id="6" creationId="{BF22174C-FE65-8F5C-23A4-CEE86E4EE7B2}"/>
+          </ac:spMkLst>
+        </pc:spChg>
+        <pc:spChg chg="del">
+          <ac:chgData name="김소희" userId="292a1162-0793-4577-a94d-2dae0dfa5995" providerId="ADAL" clId="{56FB9BA8-8618-469E-B881-B7E5EAC1530C}" dt="2022-07-18T07:21:55.960" v="14106" actId="478"/>
+          <ac:spMkLst>
+            <pc:docMk/>
+            <pc:sldMk cId="270594255" sldId="284"/>
+            <ac:spMk id="7" creationId="{5FF834EC-C667-129F-6DE7-24EC80562A9F}"/>
+          </ac:spMkLst>
+        </pc:spChg>
+        <pc:spChg chg="del">
+          <ac:chgData name="김소희" userId="292a1162-0793-4577-a94d-2dae0dfa5995" providerId="ADAL" clId="{56FB9BA8-8618-469E-B881-B7E5EAC1530C}" dt="2022-07-18T05:52:27.530" v="12843" actId="478"/>
+          <ac:spMkLst>
+            <pc:docMk/>
+            <pc:sldMk cId="270594255" sldId="284"/>
+            <ac:spMk id="8" creationId="{0BCB3254-0204-A594-6121-B571C1233A20}"/>
+          </ac:spMkLst>
+        </pc:spChg>
+        <pc:spChg chg="mod">
+          <ac:chgData name="김소희" userId="292a1162-0793-4577-a94d-2dae0dfa5995" providerId="ADAL" clId="{56FB9BA8-8618-469E-B881-B7E5EAC1530C}" dt="2022-07-18T07:22:04.700" v="14110" actId="1076"/>
+          <ac:spMkLst>
+            <pc:docMk/>
+            <pc:sldMk cId="270594255" sldId="284"/>
+            <ac:spMk id="10" creationId="{3EE173F4-387B-DFCF-4930-ADE398C6A763}"/>
+          </ac:spMkLst>
+        </pc:spChg>
+        <pc:spChg chg="add mod">
+          <ac:chgData name="김소희" userId="292a1162-0793-4577-a94d-2dae0dfa5995" providerId="ADAL" clId="{56FB9BA8-8618-469E-B881-B7E5EAC1530C}" dt="2022-07-18T06:12:14.633" v="13694" actId="20577"/>
+          <ac:spMkLst>
+            <pc:docMk/>
+            <pc:sldMk cId="270594255" sldId="284"/>
+            <ac:spMk id="11" creationId="{4CBAB280-9E43-F6BD-D5AE-D896D42224E1}"/>
+          </ac:spMkLst>
+        </pc:spChg>
+        <pc:spChg chg="add mod">
+          <ac:chgData name="김소희" userId="292a1162-0793-4577-a94d-2dae0dfa5995" providerId="ADAL" clId="{56FB9BA8-8618-469E-B881-B7E5EAC1530C}" dt="2022-07-19T05:40:43.286" v="15228" actId="14100"/>
+          <ac:spMkLst>
+            <pc:docMk/>
+            <pc:sldMk cId="270594255" sldId="284"/>
+            <ac:spMk id="12" creationId="{96E3FED2-8A59-4C85-6052-003B77488F26}"/>
+          </ac:spMkLst>
+        </pc:spChg>
+        <pc:spChg chg="add mod">
+          <ac:chgData name="김소희" userId="292a1162-0793-4577-a94d-2dae0dfa5995" providerId="ADAL" clId="{56FB9BA8-8618-469E-B881-B7E5EAC1530C}" dt="2022-07-19T05:40:57.299" v="15230" actId="1076"/>
+          <ac:spMkLst>
+            <pc:docMk/>
+            <pc:sldMk cId="270594255" sldId="284"/>
+            <ac:spMk id="14" creationId="{AB866497-41F7-1D57-0B08-4FED33301F6C}"/>
+          </ac:spMkLst>
+        </pc:spChg>
+        <pc:spChg chg="add mod">
+          <ac:chgData name="김소희" userId="292a1162-0793-4577-a94d-2dae0dfa5995" providerId="ADAL" clId="{56FB9BA8-8618-469E-B881-B7E5EAC1530C}" dt="2022-07-18T07:51:21.532" v="14816" actId="207"/>
+          <ac:spMkLst>
+            <pc:docMk/>
+            <pc:sldMk cId="270594255" sldId="284"/>
+            <ac:spMk id="15" creationId="{D8F22C53-3630-5A0F-A312-B39C51D4987F}"/>
+          </ac:spMkLst>
+        </pc:spChg>
+        <pc:spChg chg="add mod">
+          <ac:chgData name="김소희" userId="292a1162-0793-4577-a94d-2dae0dfa5995" providerId="ADAL" clId="{56FB9BA8-8618-469E-B881-B7E5EAC1530C}" dt="2022-07-18T07:21:56.198" v="14107"/>
+          <ac:spMkLst>
+            <pc:docMk/>
+            <pc:sldMk cId="270594255" sldId="284"/>
+            <ac:spMk id="17" creationId="{5A4330A6-F6FC-5305-C262-FF7770664241}"/>
+          </ac:spMkLst>
+        </pc:spChg>
+        <pc:picChg chg="add mod">
+          <ac:chgData name="김소희" userId="292a1162-0793-4577-a94d-2dae0dfa5995" providerId="ADAL" clId="{56FB9BA8-8618-469E-B881-B7E5EAC1530C}" dt="2022-07-18T07:22:04.700" v="14110" actId="1076"/>
+          <ac:picMkLst>
+            <pc:docMk/>
+            <pc:sldMk cId="270594255" sldId="284"/>
+            <ac:picMk id="1026" creationId="{069C4F25-1ED0-7298-25A6-0FC9D2C8445B}"/>
+          </ac:picMkLst>
+        </pc:picChg>
+        <pc:picChg chg="add mod">
+          <ac:chgData name="김소희" userId="292a1162-0793-4577-a94d-2dae0dfa5995" providerId="ADAL" clId="{56FB9BA8-8618-469E-B881-B7E5EAC1530C}" dt="2022-07-18T06:56:54.685" v="13708" actId="1076"/>
+          <ac:picMkLst>
+            <pc:docMk/>
+            <pc:sldMk cId="270594255" sldId="284"/>
+            <ac:picMk id="1028" creationId="{203737A6-F53E-EEAC-A8C4-423F2DF2BB21}"/>
+          </ac:picMkLst>
+        </pc:picChg>
+        <pc:picChg chg="add mod">
+          <ac:chgData name="김소희" userId="292a1162-0793-4577-a94d-2dae0dfa5995" providerId="ADAL" clId="{56FB9BA8-8618-469E-B881-B7E5EAC1530C}" dt="2022-07-18T06:13:30.069" v="13703" actId="1076"/>
+          <ac:picMkLst>
+            <pc:docMk/>
+            <pc:sldMk cId="270594255" sldId="284"/>
+            <ac:picMk id="1030" creationId="{EDD43B3B-81D0-1375-5FAC-A89FB2138DFB}"/>
+          </ac:picMkLst>
+        </pc:picChg>
+        <pc:picChg chg="add mod">
+          <ac:chgData name="김소희" userId="292a1162-0793-4577-a94d-2dae0dfa5995" providerId="ADAL" clId="{56FB9BA8-8618-469E-B881-B7E5EAC1530C}" dt="2022-07-18T06:13:11.049" v="13698" actId="1076"/>
+          <ac:picMkLst>
+            <pc:docMk/>
+            <pc:sldMk cId="270594255" sldId="284"/>
+            <ac:picMk id="1032" creationId="{4486E9B8-F4B3-5FB4-F945-1265215DF60B}"/>
+          </ac:picMkLst>
+        </pc:picChg>
+      </pc:sldChg>
+      <pc:sldChg chg="addSp delSp modSp add mod modNotesTx">
+        <pc:chgData name="김소희" userId="292a1162-0793-4577-a94d-2dae0dfa5995" providerId="ADAL" clId="{56FB9BA8-8618-469E-B881-B7E5EAC1530C}" dt="2022-07-18T08:07:27.721" v="15162" actId="20577"/>
+        <pc:sldMkLst>
+          <pc:docMk/>
+          <pc:sldMk cId="3787048862" sldId="285"/>
+        </pc:sldMkLst>
+        <pc:spChg chg="mod">
+          <ac:chgData name="김소희" userId="292a1162-0793-4577-a94d-2dae0dfa5995" providerId="ADAL" clId="{56FB9BA8-8618-469E-B881-B7E5EAC1530C}" dt="2022-07-18T07:34:15.960" v="14402" actId="1076"/>
+          <ac:spMkLst>
+            <pc:docMk/>
+            <pc:sldMk cId="3787048862" sldId="285"/>
+            <ac:spMk id="5" creationId="{8A62A27D-5B39-023B-8274-C267E1AD80A5}"/>
+          </ac:spMkLst>
+        </pc:spChg>
+        <pc:spChg chg="del">
+          <ac:chgData name="김소희" userId="292a1162-0793-4577-a94d-2dae0dfa5995" providerId="ADAL" clId="{56FB9BA8-8618-469E-B881-B7E5EAC1530C}" dt="2022-07-18T07:22:24.488" v="14122" actId="478"/>
+          <ac:spMkLst>
+            <pc:docMk/>
+            <pc:sldMk cId="3787048862" sldId="285"/>
+            <ac:spMk id="7" creationId="{5FF834EC-C667-129F-6DE7-24EC80562A9F}"/>
+          </ac:spMkLst>
+        </pc:spChg>
+        <pc:spChg chg="mod">
+          <ac:chgData name="김소희" userId="292a1162-0793-4577-a94d-2dae0dfa5995" providerId="ADAL" clId="{56FB9BA8-8618-469E-B881-B7E5EAC1530C}" dt="2022-07-18T07:25:41.188" v="14242" actId="1076"/>
+          <ac:spMkLst>
+            <pc:docMk/>
+            <pc:sldMk cId="3787048862" sldId="285"/>
+            <ac:spMk id="10" creationId="{8DFDB6E9-CCC3-8E83-9F1E-CD433C536AF4}"/>
+          </ac:spMkLst>
+        </pc:spChg>
+        <pc:spChg chg="del mod">
+          <ac:chgData name="김소희" userId="292a1162-0793-4577-a94d-2dae0dfa5995" providerId="ADAL" clId="{56FB9BA8-8618-469E-B881-B7E5EAC1530C}" dt="2022-07-18T07:26:37.318" v="14246" actId="478"/>
+          <ac:spMkLst>
+            <pc:docMk/>
+            <pc:sldMk cId="3787048862" sldId="285"/>
+            <ac:spMk id="11" creationId="{872B8FC4-67C5-CC5E-DA26-30F6C4E252E9}"/>
+          </ac:spMkLst>
+        </pc:spChg>
+        <pc:spChg chg="mod">
+          <ac:chgData name="김소희" userId="292a1162-0793-4577-a94d-2dae0dfa5995" providerId="ADAL" clId="{56FB9BA8-8618-469E-B881-B7E5EAC1530C}" dt="2022-07-18T07:34:21.719" v="14403" actId="1076"/>
+          <ac:spMkLst>
+            <pc:docMk/>
+            <pc:sldMk cId="3787048862" sldId="285"/>
+            <ac:spMk id="12" creationId="{837DF62E-A419-EA53-4393-D770C5FA647D}"/>
+          </ac:spMkLst>
+        </pc:spChg>
+        <pc:spChg chg="add mod">
+          <ac:chgData name="김소희" userId="292a1162-0793-4577-a94d-2dae0dfa5995" providerId="ADAL" clId="{56FB9BA8-8618-469E-B881-B7E5EAC1530C}" dt="2022-07-18T07:22:28.685" v="14124" actId="1076"/>
+          <ac:spMkLst>
+            <pc:docMk/>
+            <pc:sldMk cId="3787048862" sldId="285"/>
+            <ac:spMk id="13" creationId="{B2A5C84C-A679-6B87-7F78-46C461D9C845}"/>
+          </ac:spMkLst>
+        </pc:spChg>
+        <pc:spChg chg="add mod">
+          <ac:chgData name="김소희" userId="292a1162-0793-4577-a94d-2dae0dfa5995" providerId="ADAL" clId="{56FB9BA8-8618-469E-B881-B7E5EAC1530C}" dt="2022-07-18T07:22:24.730" v="14123"/>
+          <ac:spMkLst>
+            <pc:docMk/>
+            <pc:sldMk cId="3787048862" sldId="285"/>
+            <ac:spMk id="16" creationId="{4577B740-1AF1-7CC2-2251-FA8E658EBFCB}"/>
+          </ac:spMkLst>
+        </pc:spChg>
+        <pc:spChg chg="add mod">
+          <ac:chgData name="김소희" userId="292a1162-0793-4577-a94d-2dae0dfa5995" providerId="ADAL" clId="{56FB9BA8-8618-469E-B881-B7E5EAC1530C}" dt="2022-07-18T07:44:15.508" v="14555" actId="1076"/>
+          <ac:spMkLst>
+            <pc:docMk/>
+            <pc:sldMk cId="3787048862" sldId="285"/>
+            <ac:spMk id="17" creationId="{D200BBC0-6ACC-9B41-8D14-0C7D86723C29}"/>
+          </ac:spMkLst>
+        </pc:spChg>
+        <pc:spChg chg="add mod">
+          <ac:chgData name="김소희" userId="292a1162-0793-4577-a94d-2dae0dfa5995" providerId="ADAL" clId="{56FB9BA8-8618-469E-B881-B7E5EAC1530C}" dt="2022-07-18T07:44:25.279" v="14557" actId="1076"/>
+          <ac:spMkLst>
+            <pc:docMk/>
+            <pc:sldMk cId="3787048862" sldId="285"/>
+            <ac:spMk id="18" creationId="{75774BA6-F708-4B24-3409-B7EE827802E6}"/>
+          </ac:spMkLst>
+        </pc:spChg>
+        <pc:spChg chg="add mod">
+          <ac:chgData name="김소희" userId="292a1162-0793-4577-a94d-2dae0dfa5995" providerId="ADAL" clId="{56FB9BA8-8618-469E-B881-B7E5EAC1530C}" dt="2022-07-18T07:44:15.508" v="14555" actId="1076"/>
+          <ac:spMkLst>
+            <pc:docMk/>
+            <pc:sldMk cId="3787048862" sldId="285"/>
+            <ac:spMk id="19" creationId="{06BE8D04-79BE-A5AD-BE10-211DAD98FADB}"/>
+          </ac:spMkLst>
+        </pc:spChg>
+        <pc:spChg chg="add del mod">
+          <ac:chgData name="김소희" userId="292a1162-0793-4577-a94d-2dae0dfa5995" providerId="ADAL" clId="{56FB9BA8-8618-469E-B881-B7E5EAC1530C}" dt="2022-07-18T07:44:00.832" v="14552" actId="478"/>
+          <ac:spMkLst>
+            <pc:docMk/>
+            <pc:sldMk cId="3787048862" sldId="285"/>
+            <ac:spMk id="20" creationId="{FAA72755-6C47-C6FC-ED48-4B02F1C952B3}"/>
+          </ac:spMkLst>
+        </pc:spChg>
+        <pc:picChg chg="del">
+          <ac:chgData name="김소희" userId="292a1162-0793-4577-a94d-2dae0dfa5995" providerId="ADAL" clId="{56FB9BA8-8618-469E-B881-B7E5EAC1530C}" dt="2022-07-18T07:19:14.575" v="14038" actId="478"/>
+          <ac:picMkLst>
+            <pc:docMk/>
+            <pc:sldMk cId="3787048862" sldId="285"/>
+            <ac:picMk id="4" creationId="{CA1FF9BD-956F-8439-2287-120D4CA4B0F0}"/>
+          </ac:picMkLst>
+        </pc:picChg>
+        <pc:picChg chg="add mod">
+          <ac:chgData name="김소희" userId="292a1162-0793-4577-a94d-2dae0dfa5995" providerId="ADAL" clId="{56FB9BA8-8618-469E-B881-B7E5EAC1530C}" dt="2022-07-18T07:25:42.995" v="14243" actId="1076"/>
+          <ac:picMkLst>
+            <pc:docMk/>
+            <pc:sldMk cId="3787048862" sldId="285"/>
+            <ac:picMk id="6" creationId="{7576E02A-4F7B-F91A-C864-2FBF2A93144B}"/>
+          </ac:picMkLst>
+        </pc:picChg>
+        <pc:picChg chg="del">
+          <ac:chgData name="김소희" userId="292a1162-0793-4577-a94d-2dae0dfa5995" providerId="ADAL" clId="{56FB9BA8-8618-469E-B881-B7E5EAC1530C}" dt="2022-07-18T07:19:14" v="14037" actId="478"/>
+          <ac:picMkLst>
+            <pc:docMk/>
+            <pc:sldMk cId="3787048862" sldId="285"/>
+            <ac:picMk id="8" creationId="{AE3CA713-90C9-AFA4-0B8A-68F9397A7118}"/>
+          </ac:picMkLst>
+        </pc:picChg>
+        <pc:picChg chg="add mod">
+          <ac:chgData name="김소희" userId="292a1162-0793-4577-a94d-2dae0dfa5995" providerId="ADAL" clId="{56FB9BA8-8618-469E-B881-B7E5EAC1530C}" dt="2022-07-18T07:26:28.220" v="14244" actId="14100"/>
+          <ac:picMkLst>
+            <pc:docMk/>
+            <pc:sldMk cId="3787048862" sldId="285"/>
+            <ac:picMk id="15" creationId="{6B5342E7-540E-EF39-A1D5-68D5C8E1658D}"/>
+          </ac:picMkLst>
+        </pc:picChg>
+      </pc:sldChg>
+      <pc:sldMasterChg chg="modSldLayout">
+        <pc:chgData name="김소희" userId="292a1162-0793-4577-a94d-2dae0dfa5995" providerId="ADAL" clId="{56FB9BA8-8618-469E-B881-B7E5EAC1530C}" dt="2022-07-18T08:57:43.951" v="15224" actId="20577"/>
+        <pc:sldMasterMkLst>
+          <pc:docMk/>
+          <pc:sldMasterMk cId="3910064173" sldId="2147483648"/>
+        </pc:sldMasterMkLst>
+        <pc:sldLayoutChg chg="modSp mod">
+          <pc:chgData name="김소희" userId="292a1162-0793-4577-a94d-2dae0dfa5995" providerId="ADAL" clId="{56FB9BA8-8618-469E-B881-B7E5EAC1530C}" dt="2022-07-18T08:57:43.951" v="15224" actId="20577"/>
+          <pc:sldLayoutMkLst>
+            <pc:docMk/>
+            <pc:sldMasterMk cId="3910064173" sldId="2147483648"/>
+            <pc:sldLayoutMk cId="2993821319" sldId="2147483650"/>
+          </pc:sldLayoutMkLst>
+          <pc:spChg chg="mod ord">
+            <ac:chgData name="김소희" userId="292a1162-0793-4577-a94d-2dae0dfa5995" providerId="ADAL" clId="{56FB9BA8-8618-469E-B881-B7E5EAC1530C}" dt="2022-07-18T08:57:43.951" v="15224" actId="20577"/>
+            <ac:spMkLst>
+              <pc:docMk/>
+              <pc:sldMasterMk cId="3910064173" sldId="2147483648"/>
+              <pc:sldLayoutMk cId="2993821319" sldId="2147483650"/>
+              <ac:spMk id="7" creationId="{C005384D-ECA5-527F-035D-4F18DB7E2A7F}"/>
             </ac:spMkLst>
           </pc:spChg>
         </pc:sldLayoutChg>
@@ -14570,9 +14577,6 @@
             </a:r>
           </a:p>
           <a:p>
-            <a:endParaRPr lang="en-US" altLang="ko-KR"/>
-          </a:p>
-          <a:p>
             <a:r>
               <a:rPr lang="en-US" altLang="ko-KR"/>
               <a:t>and in order to reduce the amount of time spent in collecting data, they use techniques from optimal experiment design.</a:t>
@@ -14580,6 +14584,12 @@
           </a:p>
           <a:p>
             <a:endParaRPr lang="en-US" altLang="ko-KR"/>
+          </a:p>
+          <a:p>
+            <a:r>
+              <a:rPr lang="en-US" altLang="ko-KR"/>
+              <a:t>In this paper, we studied the problem of performance prediction and show how simple models can capture computation and communication patterns. </a:t>
+            </a:r>
           </a:p>
           <a:p>
             <a:endParaRPr lang="en-US" altLang="ko-KR"/>
@@ -14606,6 +14616,30 @@
               <a:rPr lang="en-US" altLang="ko-KR" sz="1400" u="sng"/>
               <a:t>accurately predict the performance of a given analytics job (large scale analytics)</a:t>
             </a:r>
+          </a:p>
+          <a:p>
+            <a:pPr marL="0" marR="0" lvl="0" indent="0" algn="l" defTabSz="914400" rtl="0" eaLnBrk="1" fontAlgn="auto" latinLnBrk="1" hangingPunct="1">
+              <a:lnSpc>
+                <a:spcPct val="150000"/>
+              </a:lnSpc>
+              <a:spcBef>
+                <a:spcPts val="0"/>
+              </a:spcBef>
+              <a:spcAft>
+                <a:spcPts val="0"/>
+              </a:spcAft>
+              <a:buClrTx/>
+              <a:buSzTx/>
+              <a:buFont typeface="Wingdings" panose="05000000000000000000" pitchFamily="2" charset="2"/>
+              <a:buNone/>
+              <a:tabLst/>
+              <a:defRPr/>
+            </a:pPr>
+            <a:r>
+              <a:rPr lang="en-US" altLang="ko-KR" sz="1400"/>
+              <a:t>Ernest, a performance prediction framework that intelligently chooses training points to provide accurate predictions with low overhead</a:t>
+            </a:r>
+            <a:endParaRPr lang="en-US" altLang="ko-KR" sz="1400" u="sng"/>
           </a:p>
           <a:p>
             <a:r>
@@ -16179,8 +16213,8 @@
         </p:blipFill>
         <p:spPr>
           <a:xfrm>
-            <a:off x="53890" y="5609226"/>
-            <a:ext cx="4939504" cy="1185480"/>
+            <a:off x="53890" y="5212238"/>
+            <a:ext cx="6593622" cy="1582468"/>
           </a:xfrm>
           <a:custGeom>
             <a:avLst/>
@@ -18609,8 +18643,8 @@
         </p:nvSpPr>
         <p:spPr>
           <a:xfrm>
-            <a:off x="1408129" y="6338294"/>
-            <a:ext cx="1920581" cy="261610"/>
+            <a:off x="1323815" y="6352851"/>
+            <a:ext cx="2089210" cy="261610"/>
           </a:xfrm>
           <a:prstGeom prst="rect">
             <a:avLst/>
@@ -18630,10 +18664,10 @@
           <a:p>
             <a:pPr algn="ctr"/>
             <a:r>
-              <a:rPr lang="en-US" altLang="ko-KR" sz="1100"/>
+              <a:rPr lang="en-US" altLang="ko-KR" sz="1100" b="1"/>
               <a:t>Speech recognition pipeline</a:t>
             </a:r>
-            <a:endParaRPr lang="ko-KR" altLang="en-US" sz="1100" dirty="0"/>
+            <a:endParaRPr lang="ko-KR" altLang="en-US" sz="1100" b="1" dirty="0"/>
           </a:p>
         </p:txBody>
       </p:sp>
@@ -19267,8 +19301,8 @@
           </p:txBody>
         </p:sp>
       </p:grpSp>
-      <mc:AlternateContent xmlns:mc="http://schemas.openxmlformats.org/markup-compatibility/2006">
-        <mc:Choice xmlns:a14="http://schemas.microsoft.com/office/drawing/2010/main" Requires="a14">
+      <mc:AlternateContent xmlns:mc="http://schemas.openxmlformats.org/markup-compatibility/2006" xmlns:a14="http://schemas.microsoft.com/office/drawing/2010/main">
+        <mc:Choice Requires="a14">
           <p:sp>
             <p:nvSpPr>
               <p:cNvPr id="20" name="TextBox 19">
@@ -19307,7 +19341,9 @@
                     </m:oMathParaPr>
                     <m:oMath xmlns:m="http://schemas.openxmlformats.org/officeDocument/2006/math">
                       <m:r>
-                        <a:rPr lang="en-US" altLang="ko-KR" b="0" i="1" smtClean="0"/>
+                        <a:rPr lang="en-US" altLang="ko-KR" b="0" i="1" smtClean="0">
+                          <a:latin typeface="Cambria Math" panose="02040503050406030204" pitchFamily="18" charset="0"/>
+                        </a:rPr>
                         <m:t>𝑡𝑖𝑚𝑒</m:t>
                       </m:r>
                       <m:r>
@@ -19321,6 +19357,7 @@
                         <m:sSubPr>
                           <m:ctrlPr>
                             <a:rPr lang="en-US" altLang="ko-KR" b="0" i="1" smtClean="0">
+                              <a:latin typeface="Cambria Math" panose="02040503050406030204" pitchFamily="18" charset="0"/>
                               <a:ea typeface="Cambria Math" panose="02040503050406030204" pitchFamily="18" charset="0"/>
                             </a:rPr>
                           </m:ctrlPr>
@@ -19331,6 +19368,7 @@
                               <m:sty m:val="p"/>
                             </m:rPr>
                             <a:rPr lang="el-GR" altLang="ko-KR" b="0" i="1" smtClean="0">
+                              <a:latin typeface="Cambria Math" panose="02040503050406030204" pitchFamily="18" charset="0"/>
                               <a:ea typeface="Cambria Math" panose="02040503050406030204" pitchFamily="18" charset="0"/>
                             </a:rPr>
                             <m:t>θ</m:t>
@@ -19339,6 +19377,7 @@
                         <m:sub>
                           <m:r>
                             <a:rPr lang="en-US" altLang="ko-KR" b="0" i="1" smtClean="0">
+                              <a:latin typeface="Cambria Math" panose="02040503050406030204" pitchFamily="18" charset="0"/>
                               <a:ea typeface="Cambria Math" panose="02040503050406030204" pitchFamily="18" charset="0"/>
                             </a:rPr>
                             <m:t>0</m:t>
@@ -19347,6 +19386,7 @@
                       </m:sSub>
                       <m:r>
                         <a:rPr lang="en-US" altLang="ko-KR" b="0" i="1" smtClean="0">
+                          <a:latin typeface="Cambria Math" panose="02040503050406030204" pitchFamily="18" charset="0"/>
                           <a:ea typeface="Cambria Math" panose="02040503050406030204" pitchFamily="18" charset="0"/>
                         </a:rPr>
                         <m:t>+</m:t>
@@ -19355,6 +19395,7 @@
                         <m:sSubPr>
                           <m:ctrlPr>
                             <a:rPr lang="en-US" altLang="ko-KR" i="1">
+                              <a:latin typeface="Cambria Math" panose="02040503050406030204" pitchFamily="18" charset="0"/>
                               <a:ea typeface="Cambria Math" panose="02040503050406030204" pitchFamily="18" charset="0"/>
                             </a:rPr>
                           </m:ctrlPr>
@@ -19365,6 +19406,7 @@
                               <m:sty m:val="p"/>
                             </m:rPr>
                             <a:rPr lang="el-GR" altLang="ko-KR" i="1">
+                              <a:latin typeface="Cambria Math" panose="02040503050406030204" pitchFamily="18" charset="0"/>
                               <a:ea typeface="Cambria Math" panose="02040503050406030204" pitchFamily="18" charset="0"/>
                             </a:rPr>
                             <m:t>θ</m:t>
@@ -19373,6 +19415,7 @@
                         <m:sub>
                           <m:r>
                             <a:rPr lang="en-US" altLang="ko-KR" b="0" i="1" smtClean="0">
+                              <a:latin typeface="Cambria Math" panose="02040503050406030204" pitchFamily="18" charset="0"/>
                               <a:ea typeface="Cambria Math" panose="02040503050406030204" pitchFamily="18" charset="0"/>
                             </a:rPr>
                             <m:t>1</m:t>
@@ -19381,24 +19424,28 @@
                       </m:sSub>
                       <m:r>
                         <a:rPr lang="en-US" altLang="ko-KR" i="1">
+                          <a:latin typeface="Cambria Math" panose="02040503050406030204" pitchFamily="18" charset="0"/>
                           <a:ea typeface="Cambria Math" panose="02040503050406030204" pitchFamily="18" charset="0"/>
                         </a:rPr>
                         <m:t>×</m:t>
                       </m:r>
                       <m:r>
                         <a:rPr lang="en-US" altLang="ko-KR" b="0" i="1" smtClean="0">
+                          <a:latin typeface="Cambria Math" panose="02040503050406030204" pitchFamily="18" charset="0"/>
                           <a:ea typeface="Cambria Math" panose="02040503050406030204" pitchFamily="18" charset="0"/>
                         </a:rPr>
                         <m:t>(</m:t>
                       </m:r>
                       <m:r>
                         <a:rPr lang="en-US" altLang="ko-KR" b="0" i="1" smtClean="0">
+                          <a:latin typeface="Cambria Math" panose="02040503050406030204" pitchFamily="18" charset="0"/>
                           <a:ea typeface="Cambria Math" panose="02040503050406030204" pitchFamily="18" charset="0"/>
                         </a:rPr>
                         <m:t>𝑠𝑐𝑎𝑙𝑒</m:t>
                       </m:r>
                       <m:r>
                         <a:rPr lang="en-US" altLang="ko-KR" b="0" i="1" smtClean="0">
+                          <a:latin typeface="Cambria Math" panose="02040503050406030204" pitchFamily="18" charset="0"/>
                           <a:ea typeface="Cambria Math" panose="02040503050406030204" pitchFamily="18" charset="0"/>
                         </a:rPr>
                         <m:t>×</m:t>
@@ -19407,6 +19454,7 @@
                         <m:fPr>
                           <m:ctrlPr>
                             <a:rPr lang="en-US" altLang="ko-KR" b="0" i="1" smtClean="0">
+                              <a:latin typeface="Cambria Math" panose="02040503050406030204" pitchFamily="18" charset="0"/>
                               <a:ea typeface="Cambria Math" panose="02040503050406030204" pitchFamily="18" charset="0"/>
                             </a:rPr>
                           </m:ctrlPr>
@@ -19414,6 +19462,7 @@
                         <m:num>
                           <m:r>
                             <a:rPr lang="en-US" altLang="ko-KR" b="0" i="1" smtClean="0">
+                              <a:latin typeface="Cambria Math" panose="02040503050406030204" pitchFamily="18" charset="0"/>
                               <a:ea typeface="Cambria Math" panose="02040503050406030204" pitchFamily="18" charset="0"/>
                             </a:rPr>
                             <m:t>1</m:t>
@@ -19422,6 +19471,7 @@
                         <m:den>
                           <m:r>
                             <a:rPr lang="en-US" altLang="ko-KR" i="1">
+                              <a:latin typeface="Cambria Math" panose="02040503050406030204" pitchFamily="18" charset="0"/>
                               <a:ea typeface="Cambria Math" panose="02040503050406030204" pitchFamily="18" charset="0"/>
                             </a:rPr>
                             <m:t>𝑚𝑎𝑐h𝑖𝑛𝑒𝑠</m:t>
@@ -19441,6 +19491,7 @@
                         <m:sSubPr>
                           <m:ctrlPr>
                             <a:rPr lang="en-US" altLang="ko-KR" i="1" smtClean="0">
+                              <a:latin typeface="Cambria Math" panose="02040503050406030204" pitchFamily="18" charset="0"/>
                               <a:ea typeface="Cambria Math" panose="02040503050406030204" pitchFamily="18" charset="0"/>
                             </a:rPr>
                           </m:ctrlPr>
@@ -19451,6 +19502,7 @@
                               <m:sty m:val="p"/>
                             </m:rPr>
                             <a:rPr lang="el-GR" altLang="ko-KR" i="1">
+                              <a:latin typeface="Cambria Math" panose="02040503050406030204" pitchFamily="18" charset="0"/>
                               <a:ea typeface="Cambria Math" panose="02040503050406030204" pitchFamily="18" charset="0"/>
                             </a:rPr>
                             <m:t>θ</m:t>
@@ -19459,6 +19511,7 @@
                         <m:sub>
                           <m:r>
                             <a:rPr lang="en-US" altLang="ko-KR" b="0" i="1" smtClean="0">
+                              <a:latin typeface="Cambria Math" panose="02040503050406030204" pitchFamily="18" charset="0"/>
                               <a:ea typeface="Cambria Math" panose="02040503050406030204" pitchFamily="18" charset="0"/>
                             </a:rPr>
                             <m:t>2</m:t>
@@ -19467,6 +19520,7 @@
                       </m:sSub>
                       <m:r>
                         <a:rPr lang="en-US" altLang="ko-KR" i="1">
+                          <a:latin typeface="Cambria Math" panose="02040503050406030204" pitchFamily="18" charset="0"/>
                           <a:ea typeface="Cambria Math" panose="02040503050406030204" pitchFamily="18" charset="0"/>
                         </a:rPr>
                         <m:t>×</m:t>
@@ -19475,6 +19529,7 @@
                         <m:funcPr>
                           <m:ctrlPr>
                             <a:rPr lang="en-US" altLang="ko-KR" b="0" i="1" smtClean="0">
+                              <a:latin typeface="Cambria Math" panose="02040503050406030204" pitchFamily="18" charset="0"/>
                               <a:ea typeface="Cambria Math" panose="02040503050406030204" pitchFamily="18" charset="0"/>
                             </a:rPr>
                           </m:ctrlPr>
@@ -19485,6 +19540,7 @@
                               <m:sty m:val="p"/>
                             </m:rPr>
                             <a:rPr lang="en-US" altLang="ko-KR" b="0" i="0" smtClean="0">
+                              <a:latin typeface="Cambria Math" panose="02040503050406030204" pitchFamily="18" charset="0"/>
                               <a:ea typeface="Cambria Math" panose="02040503050406030204" pitchFamily="18" charset="0"/>
                             </a:rPr>
                             <m:t>log</m:t>
@@ -19495,6 +19551,7 @@
                             <m:dPr>
                               <m:ctrlPr>
                                 <a:rPr lang="en-US" altLang="ko-KR" b="0" i="1" smtClean="0">
+                                  <a:latin typeface="Cambria Math" panose="02040503050406030204" pitchFamily="18" charset="0"/>
                                   <a:ea typeface="Cambria Math" panose="02040503050406030204" pitchFamily="18" charset="0"/>
                                 </a:rPr>
                               </m:ctrlPr>
@@ -19502,6 +19559,7 @@
                             <m:e>
                               <m:r>
                                 <a:rPr lang="en-US" altLang="ko-KR" b="0" i="1" smtClean="0">
+                                  <a:latin typeface="Cambria Math" panose="02040503050406030204" pitchFamily="18" charset="0"/>
                                   <a:ea typeface="Cambria Math" panose="02040503050406030204" pitchFamily="18" charset="0"/>
                                 </a:rPr>
                                 <m:t>𝑚𝑎𝑐h𝑖𝑛𝑒𝑠</m:t>
@@ -19512,6 +19570,7 @@
                       </m:func>
                       <m:r>
                         <a:rPr lang="en-US" altLang="ko-KR" b="0" i="1" smtClean="0">
+                          <a:latin typeface="Cambria Math" panose="02040503050406030204" pitchFamily="18" charset="0"/>
                           <a:ea typeface="Cambria Math" panose="02040503050406030204" pitchFamily="18" charset="0"/>
                         </a:rPr>
                         <m:t>+</m:t>
@@ -19520,6 +19579,7 @@
                         <m:sSubPr>
                           <m:ctrlPr>
                             <a:rPr lang="en-US" altLang="ko-KR" i="1">
+                              <a:latin typeface="Cambria Math" panose="02040503050406030204" pitchFamily="18" charset="0"/>
                               <a:ea typeface="Cambria Math" panose="02040503050406030204" pitchFamily="18" charset="0"/>
                             </a:rPr>
                           </m:ctrlPr>
@@ -19530,6 +19590,7 @@
                               <m:sty m:val="p"/>
                             </m:rPr>
                             <a:rPr lang="el-GR" altLang="ko-KR" i="1">
+                              <a:latin typeface="Cambria Math" panose="02040503050406030204" pitchFamily="18" charset="0"/>
                               <a:ea typeface="Cambria Math" panose="02040503050406030204" pitchFamily="18" charset="0"/>
                             </a:rPr>
                             <m:t>θ</m:t>
@@ -19538,6 +19599,7 @@
                         <m:sub>
                           <m:r>
                             <a:rPr lang="en-US" altLang="ko-KR" b="0" i="1" smtClean="0">
+                              <a:latin typeface="Cambria Math" panose="02040503050406030204" pitchFamily="18" charset="0"/>
                               <a:ea typeface="Cambria Math" panose="02040503050406030204" pitchFamily="18" charset="0"/>
                             </a:rPr>
                             <m:t>3</m:t>
@@ -19546,12 +19608,14 @@
                       </m:sSub>
                       <m:r>
                         <a:rPr lang="en-US" altLang="ko-KR" i="1">
+                          <a:latin typeface="Cambria Math" panose="02040503050406030204" pitchFamily="18" charset="0"/>
                           <a:ea typeface="Cambria Math" panose="02040503050406030204" pitchFamily="18" charset="0"/>
                         </a:rPr>
                         <m:t>×</m:t>
                       </m:r>
                       <m:r>
                         <a:rPr lang="en-US" altLang="ko-KR" b="0" i="1" smtClean="0">
+                          <a:latin typeface="Cambria Math" panose="02040503050406030204" pitchFamily="18" charset="0"/>
                           <a:ea typeface="Cambria Math" panose="02040503050406030204" pitchFamily="18" charset="0"/>
                         </a:rPr>
                         <m:t>𝑚𝑎𝑐h𝑖𝑛𝑒𝑠</m:t>
@@ -19564,7 +19628,7 @@
             </p:txBody>
           </p:sp>
         </mc:Choice>
-        <mc:Fallback>
+        <mc:Fallback xmlns="">
           <p:sp>
             <p:nvSpPr>
               <p:cNvPr id="20" name="TextBox 19">
@@ -20215,8 +20279,8 @@
         </p:nvSpPr>
         <p:spPr>
           <a:xfrm>
-            <a:off x="8786870" y="4320182"/>
-            <a:ext cx="2551690" cy="261610"/>
+            <a:off x="8786869" y="4320182"/>
+            <a:ext cx="2821461" cy="276999"/>
           </a:xfrm>
           <a:prstGeom prst="rect">
             <a:avLst/>
@@ -20236,10 +20300,10 @@
           <a:p>
             <a:pPr algn="ctr"/>
             <a:r>
-              <a:rPr lang="en-US" altLang="ko-KR" sz="1100" b="1"/>
+              <a:rPr lang="en-US" altLang="ko-KR" sz="1200" b="1"/>
               <a:t>Non-negative Least Squares (NNLS)</a:t>
             </a:r>
-            <a:endParaRPr lang="ko-KR" altLang="en-US" sz="1100" b="1" dirty="0"/>
+            <a:endParaRPr lang="ko-KR" altLang="en-US" sz="1200" b="1" dirty="0"/>
           </a:p>
         </p:txBody>
       </p:sp>
